--- a/Servlet/Servlet_Presentation.pptx
+++ b/Servlet/Servlet_Presentation.pptx
@@ -14,7 +14,8 @@
     <p:sldId id="263" r:id="rId8"/>
     <p:sldId id="264" r:id="rId9"/>
     <p:sldId id="265" r:id="rId10"/>
-    <p:sldId id="266" r:id="rId11"/>
+    <p:sldId id="267" r:id="rId11"/>
+    <p:sldId id="266" r:id="rId12"/>
   </p:sldIdLst>
   <p:sldSz cx="12192000" cy="6858000"/>
   <p:notesSz cx="6858000" cy="9144000"/>
@@ -252,7 +253,7 @@
           <a:p>
             <a:fld id="{0A968979-5CB5-4E5D-B82F-DAC09775BD7D}" type="datetimeFigureOut">
               <a:rPr lang="en-US" smtClean="0"/>
-              <a:t>2022-06-23</a:t>
+              <a:t>6/24/2022</a:t>
             </a:fld>
             <a:endParaRPr lang="en-US"/>
           </a:p>
@@ -422,7 +423,7 @@
           <a:p>
             <a:fld id="{0A968979-5CB5-4E5D-B82F-DAC09775BD7D}" type="datetimeFigureOut">
               <a:rPr lang="en-US" smtClean="0"/>
-              <a:t>2022-06-23</a:t>
+              <a:t>6/24/2022</a:t>
             </a:fld>
             <a:endParaRPr lang="en-US"/>
           </a:p>
@@ -602,7 +603,7 @@
           <a:p>
             <a:fld id="{0A968979-5CB5-4E5D-B82F-DAC09775BD7D}" type="datetimeFigureOut">
               <a:rPr lang="en-US" smtClean="0"/>
-              <a:t>2022-06-23</a:t>
+              <a:t>6/24/2022</a:t>
             </a:fld>
             <a:endParaRPr lang="en-US"/>
           </a:p>
@@ -772,7 +773,7 @@
           <a:p>
             <a:fld id="{0A968979-5CB5-4E5D-B82F-DAC09775BD7D}" type="datetimeFigureOut">
               <a:rPr lang="en-US" smtClean="0"/>
-              <a:t>2022-06-23</a:t>
+              <a:t>6/24/2022</a:t>
             </a:fld>
             <a:endParaRPr lang="en-US"/>
           </a:p>
@@ -1018,7 +1019,7 @@
           <a:p>
             <a:fld id="{0A968979-5CB5-4E5D-B82F-DAC09775BD7D}" type="datetimeFigureOut">
               <a:rPr lang="en-US" smtClean="0"/>
-              <a:t>2022-06-23</a:t>
+              <a:t>6/24/2022</a:t>
             </a:fld>
             <a:endParaRPr lang="en-US"/>
           </a:p>
@@ -1250,7 +1251,7 @@
           <a:p>
             <a:fld id="{0A968979-5CB5-4E5D-B82F-DAC09775BD7D}" type="datetimeFigureOut">
               <a:rPr lang="en-US" smtClean="0"/>
-              <a:t>2022-06-23</a:t>
+              <a:t>6/24/2022</a:t>
             </a:fld>
             <a:endParaRPr lang="en-US"/>
           </a:p>
@@ -1617,7 +1618,7 @@
           <a:p>
             <a:fld id="{0A968979-5CB5-4E5D-B82F-DAC09775BD7D}" type="datetimeFigureOut">
               <a:rPr lang="en-US" smtClean="0"/>
-              <a:t>2022-06-23</a:t>
+              <a:t>6/24/2022</a:t>
             </a:fld>
             <a:endParaRPr lang="en-US"/>
           </a:p>
@@ -1735,7 +1736,7 @@
           <a:p>
             <a:fld id="{0A968979-5CB5-4E5D-B82F-DAC09775BD7D}" type="datetimeFigureOut">
               <a:rPr lang="en-US" smtClean="0"/>
-              <a:t>2022-06-23</a:t>
+              <a:t>6/24/2022</a:t>
             </a:fld>
             <a:endParaRPr lang="en-US"/>
           </a:p>
@@ -1830,7 +1831,7 @@
           <a:p>
             <a:fld id="{0A968979-5CB5-4E5D-B82F-DAC09775BD7D}" type="datetimeFigureOut">
               <a:rPr lang="en-US" smtClean="0"/>
-              <a:t>2022-06-23</a:t>
+              <a:t>6/24/2022</a:t>
             </a:fld>
             <a:endParaRPr lang="en-US"/>
           </a:p>
@@ -2107,7 +2108,7 @@
           <a:p>
             <a:fld id="{0A968979-5CB5-4E5D-B82F-DAC09775BD7D}" type="datetimeFigureOut">
               <a:rPr lang="en-US" smtClean="0"/>
-              <a:t>2022-06-23</a:t>
+              <a:t>6/24/2022</a:t>
             </a:fld>
             <a:endParaRPr lang="en-US"/>
           </a:p>
@@ -2364,7 +2365,7 @@
           <a:p>
             <a:fld id="{0A968979-5CB5-4E5D-B82F-DAC09775BD7D}" type="datetimeFigureOut">
               <a:rPr lang="en-US" smtClean="0"/>
-              <a:t>2022-06-23</a:t>
+              <a:t>6/24/2022</a:t>
             </a:fld>
             <a:endParaRPr lang="en-US"/>
           </a:p>
@@ -2577,7 +2578,7 @@
           <a:p>
             <a:fld id="{0A968979-5CB5-4E5D-B82F-DAC09775BD7D}" type="datetimeFigureOut">
               <a:rPr lang="en-US" smtClean="0"/>
-              <a:t>2022-06-23</a:t>
+              <a:t>6/24/2022</a:t>
             </a:fld>
             <a:endParaRPr lang="en-US"/>
           </a:p>
@@ -3125,6 +3126,163 @@
       </p:grpSpPr>
       <p:sp>
         <p:nvSpPr>
+          <p:cNvPr id="2" name="Заголовок 1">
+            <a:extLst>
+              <a:ext uri="{FF2B5EF4-FFF2-40B4-BE49-F238E27FC236}">
+                <a16:creationId xmlns:a16="http://schemas.microsoft.com/office/drawing/2014/main" id="{FB8C01EB-163B-441C-9A9C-041F4D2C2CED}"/>
+              </a:ext>
+            </a:extLst>
+          </p:cNvPr>
+          <p:cNvSpPr>
+            <a:spLocks noGrp="1"/>
+          </p:cNvSpPr>
+          <p:nvPr>
+            <p:ph type="title"/>
+          </p:nvPr>
+        </p:nvSpPr>
+        <p:spPr>
+          <a:xfrm>
+            <a:off x="838200" y="18255"/>
+            <a:ext cx="10515600" cy="1325563"/>
+          </a:xfrm>
+        </p:spPr>
+        <p:txBody>
+          <a:bodyPr/>
+          <a:lstStyle/>
+          <a:p>
+            <a:pPr algn="ctr"/>
+            <a:r>
+              <a:rPr lang="it-IT" dirty="0">
+                <a:latin typeface="Sylfaen" panose="010A0502050306030303" pitchFamily="18" charset="0"/>
+              </a:rPr>
+              <a:t>Getting Data in a Servlet</a:t>
+            </a:r>
+            <a:endParaRPr lang="ru-RU" dirty="0">
+              <a:latin typeface="Sylfaen" panose="010A0502050306030303" pitchFamily="18" charset="0"/>
+            </a:endParaRPr>
+          </a:p>
+        </p:txBody>
+      </p:sp>
+      <p:sp>
+        <p:nvSpPr>
+          <p:cNvPr id="3" name="Объект 2">
+            <a:extLst>
+              <a:ext uri="{FF2B5EF4-FFF2-40B4-BE49-F238E27FC236}">
+                <a16:creationId xmlns:a16="http://schemas.microsoft.com/office/drawing/2014/main" id="{B300B0BE-042B-4BDC-B111-96E2AFF5A175}"/>
+              </a:ext>
+            </a:extLst>
+          </p:cNvPr>
+          <p:cNvSpPr>
+            <a:spLocks noGrp="1"/>
+          </p:cNvSpPr>
+          <p:nvPr>
+            <p:ph idx="1"/>
+          </p:nvPr>
+        </p:nvSpPr>
+        <p:spPr/>
+        <p:txBody>
+          <a:bodyPr/>
+          <a:lstStyle/>
+          <a:p>
+            <a:pPr marL="0" indent="0">
+              <a:buNone/>
+            </a:pPr>
+            <a:r>
+              <a:rPr lang="hy-AM" dirty="0"/>
+              <a:t>HttpServletRequest </a:t>
+            </a:r>
+            <a:endParaRPr lang="en-US" dirty="0"/>
+          </a:p>
+          <a:p>
+            <a:r>
+              <a:rPr lang="hy-AM" dirty="0"/>
+              <a:t>getParameter(String param)</a:t>
+            </a:r>
+            <a:endParaRPr lang="ru-RU" dirty="0"/>
+          </a:p>
+          <a:p>
+            <a:r>
+              <a:rPr lang="hy-AM" dirty="0"/>
+              <a:t>getParameterValues(String param) </a:t>
+            </a:r>
+            <a:endParaRPr lang="en-US" dirty="0"/>
+          </a:p>
+          <a:p>
+            <a:pPr marL="0" indent="0">
+              <a:buNone/>
+            </a:pPr>
+            <a:endParaRPr lang="en-US" dirty="0"/>
+          </a:p>
+          <a:p>
+            <a:pPr marL="0" indent="0">
+              <a:buNone/>
+            </a:pPr>
+            <a:r>
+              <a:rPr lang="en-US" dirty="0"/>
+              <a:t>resource_name?parameter1=value1&amp; parameter2=value2</a:t>
+            </a:r>
+          </a:p>
+          <a:p>
+            <a:pPr marL="0" indent="0">
+              <a:buNone/>
+            </a:pPr>
+            <a:endParaRPr lang="en-US" dirty="0"/>
+          </a:p>
+          <a:p>
+            <a:pPr marL="0" indent="0">
+              <a:buNone/>
+            </a:pPr>
+            <a:r>
+              <a:rPr lang="en-US" dirty="0"/>
+              <a:t>name attribute of HTML input element</a:t>
+            </a:r>
+          </a:p>
+          <a:p>
+            <a:pPr marL="0" indent="0">
+              <a:buNone/>
+            </a:pPr>
+            <a:endParaRPr lang="en-US" dirty="0"/>
+          </a:p>
+          <a:p>
+            <a:pPr marL="0" indent="0">
+              <a:buNone/>
+            </a:pPr>
+            <a:endParaRPr lang="ru-RU" dirty="0"/>
+          </a:p>
+        </p:txBody>
+      </p:sp>
+    </p:spTree>
+    <p:extLst>
+      <p:ext uri="{BB962C8B-B14F-4D97-AF65-F5344CB8AC3E}">
+        <p14:creationId xmlns:p14="http://schemas.microsoft.com/office/powerpoint/2010/main" val="2222845142"/>
+      </p:ext>
+    </p:extLst>
+  </p:cSld>
+  <p:clrMapOvr>
+    <a:masterClrMapping/>
+  </p:clrMapOvr>
+</p:sld>
+</file>
+
+<file path=ppt/slides/slide11.xml><?xml version="1.0" encoding="utf-8"?>
+<p:sld xmlns:a="http://schemas.openxmlformats.org/drawingml/2006/main" xmlns:r="http://schemas.openxmlformats.org/officeDocument/2006/relationships" xmlns:p="http://schemas.openxmlformats.org/presentationml/2006/main">
+  <p:cSld>
+    <p:spTree>
+      <p:nvGrpSpPr>
+        <p:cNvPr id="1" name=""/>
+        <p:cNvGrpSpPr/>
+        <p:nvPr/>
+      </p:nvGrpSpPr>
+      <p:grpSpPr>
+        <a:xfrm>
+          <a:off x="0" y="0"/>
+          <a:ext cx="0" cy="0"/>
+          <a:chOff x="0" y="0"/>
+          <a:chExt cx="0" cy="0"/>
+        </a:xfrm>
+      </p:grpSpPr>
+      <p:sp>
+        <p:nvSpPr>
           <p:cNvPr id="2" name="Title 1">
             <a:extLst>
               <a:ext uri="{FF2B5EF4-FFF2-40B4-BE49-F238E27FC236}">

--- a/Servlet/Servlet_Presentation.pptx
+++ b/Servlet/Servlet_Presentation.pptx
@@ -15,7 +15,11 @@
     <p:sldId id="264" r:id="rId9"/>
     <p:sldId id="265" r:id="rId10"/>
     <p:sldId id="267" r:id="rId11"/>
-    <p:sldId id="266" r:id="rId12"/>
+    <p:sldId id="268" r:id="rId12"/>
+    <p:sldId id="269" r:id="rId13"/>
+    <p:sldId id="270" r:id="rId14"/>
+    <p:sldId id="271" r:id="rId15"/>
+    <p:sldId id="266" r:id="rId16"/>
   </p:sldIdLst>
   <p:sldSz cx="12192000" cy="6858000"/>
   <p:notesSz cx="6858000" cy="9144000"/>
@@ -253,7 +257,7 @@
           <a:p>
             <a:fld id="{0A968979-5CB5-4E5D-B82F-DAC09775BD7D}" type="datetimeFigureOut">
               <a:rPr lang="en-US" smtClean="0"/>
-              <a:t>6/24/2022</a:t>
+              <a:t>2022-06-24</a:t>
             </a:fld>
             <a:endParaRPr lang="en-US"/>
           </a:p>
@@ -423,7 +427,7 @@
           <a:p>
             <a:fld id="{0A968979-5CB5-4E5D-B82F-DAC09775BD7D}" type="datetimeFigureOut">
               <a:rPr lang="en-US" smtClean="0"/>
-              <a:t>6/24/2022</a:t>
+              <a:t>2022-06-24</a:t>
             </a:fld>
             <a:endParaRPr lang="en-US"/>
           </a:p>
@@ -603,7 +607,7 @@
           <a:p>
             <a:fld id="{0A968979-5CB5-4E5D-B82F-DAC09775BD7D}" type="datetimeFigureOut">
               <a:rPr lang="en-US" smtClean="0"/>
-              <a:t>6/24/2022</a:t>
+              <a:t>2022-06-24</a:t>
             </a:fld>
             <a:endParaRPr lang="en-US"/>
           </a:p>
@@ -773,7 +777,7 @@
           <a:p>
             <a:fld id="{0A968979-5CB5-4E5D-B82F-DAC09775BD7D}" type="datetimeFigureOut">
               <a:rPr lang="en-US" smtClean="0"/>
-              <a:t>6/24/2022</a:t>
+              <a:t>2022-06-24</a:t>
             </a:fld>
             <a:endParaRPr lang="en-US"/>
           </a:p>
@@ -1019,7 +1023,7 @@
           <a:p>
             <a:fld id="{0A968979-5CB5-4E5D-B82F-DAC09775BD7D}" type="datetimeFigureOut">
               <a:rPr lang="en-US" smtClean="0"/>
-              <a:t>6/24/2022</a:t>
+              <a:t>2022-06-24</a:t>
             </a:fld>
             <a:endParaRPr lang="en-US"/>
           </a:p>
@@ -1251,7 +1255,7 @@
           <a:p>
             <a:fld id="{0A968979-5CB5-4E5D-B82F-DAC09775BD7D}" type="datetimeFigureOut">
               <a:rPr lang="en-US" smtClean="0"/>
-              <a:t>6/24/2022</a:t>
+              <a:t>2022-06-24</a:t>
             </a:fld>
             <a:endParaRPr lang="en-US"/>
           </a:p>
@@ -1618,7 +1622,7 @@
           <a:p>
             <a:fld id="{0A968979-5CB5-4E5D-B82F-DAC09775BD7D}" type="datetimeFigureOut">
               <a:rPr lang="en-US" smtClean="0"/>
-              <a:t>6/24/2022</a:t>
+              <a:t>2022-06-24</a:t>
             </a:fld>
             <a:endParaRPr lang="en-US"/>
           </a:p>
@@ -1736,7 +1740,7 @@
           <a:p>
             <a:fld id="{0A968979-5CB5-4E5D-B82F-DAC09775BD7D}" type="datetimeFigureOut">
               <a:rPr lang="en-US" smtClean="0"/>
-              <a:t>6/24/2022</a:t>
+              <a:t>2022-06-24</a:t>
             </a:fld>
             <a:endParaRPr lang="en-US"/>
           </a:p>
@@ -1831,7 +1835,7 @@
           <a:p>
             <a:fld id="{0A968979-5CB5-4E5D-B82F-DAC09775BD7D}" type="datetimeFigureOut">
               <a:rPr lang="en-US" smtClean="0"/>
-              <a:t>6/24/2022</a:t>
+              <a:t>2022-06-24</a:t>
             </a:fld>
             <a:endParaRPr lang="en-US"/>
           </a:p>
@@ -2108,7 +2112,7 @@
           <a:p>
             <a:fld id="{0A968979-5CB5-4E5D-B82F-DAC09775BD7D}" type="datetimeFigureOut">
               <a:rPr lang="en-US" smtClean="0"/>
-              <a:t>6/24/2022</a:t>
+              <a:t>2022-06-24</a:t>
             </a:fld>
             <a:endParaRPr lang="en-US"/>
           </a:p>
@@ -2365,7 +2369,7 @@
           <a:p>
             <a:fld id="{0A968979-5CB5-4E5D-B82F-DAC09775BD7D}" type="datetimeFigureOut">
               <a:rPr lang="en-US" smtClean="0"/>
-              <a:t>6/24/2022</a:t>
+              <a:t>2022-06-24</a:t>
             </a:fld>
             <a:endParaRPr lang="en-US"/>
           </a:p>
@@ -2578,7 +2582,7 @@
           <a:p>
             <a:fld id="{0A968979-5CB5-4E5D-B82F-DAC09775BD7D}" type="datetimeFigureOut">
               <a:rPr lang="en-US" smtClean="0"/>
-              <a:t>6/24/2022</a:t>
+              <a:t>2022-06-24</a:t>
             </a:fld>
             <a:endParaRPr lang="en-US"/>
           </a:p>
@@ -3051,8 +3055,8 @@
         </p:blipFill>
         <p:spPr>
           <a:xfrm>
-            <a:off x="1698641" y="1148510"/>
-            <a:ext cx="8015232" cy="4974971"/>
+            <a:off x="2466108" y="1877323"/>
+            <a:ext cx="6308438" cy="3915582"/>
           </a:xfrm>
         </p:spPr>
       </p:pic>
@@ -3179,33 +3183,160 @@
             <p:ph idx="1"/>
           </p:nvPr>
         </p:nvSpPr>
-        <p:spPr/>
+        <p:spPr>
+          <a:xfrm>
+            <a:off x="838200" y="1511589"/>
+            <a:ext cx="10515600" cy="4351338"/>
+          </a:xfrm>
+        </p:spPr>
         <p:txBody>
-          <a:bodyPr/>
+          <a:bodyPr>
+            <a:normAutofit fontScale="92500"/>
+          </a:bodyPr>
           <a:lstStyle/>
           <a:p>
             <a:pPr marL="0" indent="0">
               <a:buNone/>
             </a:pPr>
             <a:r>
-              <a:rPr lang="hy-AM" dirty="0"/>
+              <a:rPr lang="hy-AM" sz="3600" dirty="0">
+                <a:effectLst>
+                  <a:outerShdw blurRad="38100" dist="38100" dir="2700000" algn="tl">
+                    <a:srgbClr val="000000">
+                      <a:alpha val="43137"/>
+                    </a:srgbClr>
+                  </a:outerShdw>
+                </a:effectLst>
+                <a:latin typeface="Sylfaen" panose="010A0502050306030303" pitchFamily="18" charset="0"/>
+              </a:rPr>
               <a:t>HttpServletRequest </a:t>
             </a:r>
-            <a:endParaRPr lang="en-US" dirty="0"/>
-          </a:p>
-          <a:p>
-            <a:r>
-              <a:rPr lang="hy-AM" dirty="0"/>
+            <a:endParaRPr lang="en-US" sz="3600" dirty="0">
+              <a:effectLst>
+                <a:outerShdw blurRad="38100" dist="38100" dir="2700000" algn="tl">
+                  <a:srgbClr val="000000">
+                    <a:alpha val="43137"/>
+                  </a:srgbClr>
+                </a:outerShdw>
+              </a:effectLst>
+              <a:latin typeface="Sylfaen" panose="010A0502050306030303" pitchFamily="18" charset="0"/>
+            </a:endParaRPr>
+          </a:p>
+          <a:p>
+            <a:r>
+              <a:rPr lang="hy-AM" sz="3600" dirty="0">
+                <a:effectLst>
+                  <a:outerShdw blurRad="38100" dist="38100" dir="2700000" algn="tl">
+                    <a:srgbClr val="000000">
+                      <a:alpha val="43137"/>
+                    </a:srgbClr>
+                  </a:outerShdw>
+                </a:effectLst>
+                <a:latin typeface="Sylfaen" panose="010A0502050306030303" pitchFamily="18" charset="0"/>
+              </a:rPr>
               <a:t>getParameter(String param)</a:t>
             </a:r>
-            <a:endParaRPr lang="ru-RU" dirty="0"/>
-          </a:p>
-          <a:p>
-            <a:r>
-              <a:rPr lang="hy-AM" dirty="0"/>
+            <a:endParaRPr lang="ru-RU" sz="3600" dirty="0">
+              <a:effectLst>
+                <a:outerShdw blurRad="38100" dist="38100" dir="2700000" algn="tl">
+                  <a:srgbClr val="000000">
+                    <a:alpha val="43137"/>
+                  </a:srgbClr>
+                </a:outerShdw>
+              </a:effectLst>
+              <a:latin typeface="Sylfaen" panose="010A0502050306030303" pitchFamily="18" charset="0"/>
+            </a:endParaRPr>
+          </a:p>
+          <a:p>
+            <a:r>
+              <a:rPr lang="hy-AM" sz="3600" dirty="0">
+                <a:effectLst>
+                  <a:outerShdw blurRad="38100" dist="38100" dir="2700000" algn="tl">
+                    <a:srgbClr val="000000">
+                      <a:alpha val="43137"/>
+                    </a:srgbClr>
+                  </a:outerShdw>
+                </a:effectLst>
+                <a:latin typeface="Sylfaen" panose="010A0502050306030303" pitchFamily="18" charset="0"/>
+              </a:rPr>
               <a:t>getParameterValues(String param) </a:t>
             </a:r>
-            <a:endParaRPr lang="en-US" dirty="0"/>
+            <a:endParaRPr lang="en-US" sz="3600" dirty="0">
+              <a:effectLst>
+                <a:outerShdw blurRad="38100" dist="38100" dir="2700000" algn="tl">
+                  <a:srgbClr val="000000">
+                    <a:alpha val="43137"/>
+                  </a:srgbClr>
+                </a:outerShdw>
+              </a:effectLst>
+              <a:latin typeface="Sylfaen" panose="010A0502050306030303" pitchFamily="18" charset="0"/>
+            </a:endParaRPr>
+          </a:p>
+          <a:p>
+            <a:pPr marL="0" indent="0">
+              <a:buNone/>
+            </a:pPr>
+            <a:endParaRPr lang="en-US" sz="3600" dirty="0">
+              <a:effectLst>
+                <a:outerShdw blurRad="38100" dist="38100" dir="2700000" algn="tl">
+                  <a:srgbClr val="000000">
+                    <a:alpha val="43137"/>
+                  </a:srgbClr>
+                </a:outerShdw>
+              </a:effectLst>
+              <a:latin typeface="Sylfaen" panose="010A0502050306030303" pitchFamily="18" charset="0"/>
+            </a:endParaRPr>
+          </a:p>
+          <a:p>
+            <a:pPr marL="0" indent="0">
+              <a:buNone/>
+            </a:pPr>
+            <a:r>
+              <a:rPr lang="en-US" sz="3600" dirty="0">
+                <a:effectLst>
+                  <a:outerShdw blurRad="38100" dist="38100" dir="2700000" algn="tl">
+                    <a:srgbClr val="000000">
+                      <a:alpha val="43137"/>
+                    </a:srgbClr>
+                  </a:outerShdw>
+                </a:effectLst>
+                <a:latin typeface="Sylfaen" panose="010A0502050306030303" pitchFamily="18" charset="0"/>
+              </a:rPr>
+              <a:t>resource_name?parameter1=value1&amp;parameter2=value2</a:t>
+            </a:r>
+          </a:p>
+          <a:p>
+            <a:pPr marL="0" indent="0">
+              <a:buNone/>
+            </a:pPr>
+            <a:endParaRPr lang="en-US" sz="3600" dirty="0">
+              <a:effectLst>
+                <a:outerShdw blurRad="38100" dist="38100" dir="2700000" algn="tl">
+                  <a:srgbClr val="000000">
+                    <a:alpha val="43137"/>
+                  </a:srgbClr>
+                </a:outerShdw>
+              </a:effectLst>
+              <a:latin typeface="Sylfaen" panose="010A0502050306030303" pitchFamily="18" charset="0"/>
+            </a:endParaRPr>
+          </a:p>
+          <a:p>
+            <a:pPr marL="0" indent="0">
+              <a:buNone/>
+            </a:pPr>
+            <a:r>
+              <a:rPr lang="en-US" sz="3600" dirty="0">
+                <a:effectLst>
+                  <a:outerShdw blurRad="38100" dist="38100" dir="2700000" algn="tl">
+                    <a:srgbClr val="000000">
+                      <a:alpha val="43137"/>
+                    </a:srgbClr>
+                  </a:outerShdw>
+                </a:effectLst>
+                <a:latin typeface="Sylfaen" panose="010A0502050306030303" pitchFamily="18" charset="0"/>
+              </a:rPr>
+              <a:t>name attribute of HTML input element</a:t>
+            </a:r>
           </a:p>
           <a:p>
             <a:pPr marL="0" indent="0">
@@ -3217,40 +3348,48 @@
             <a:pPr marL="0" indent="0">
               <a:buNone/>
             </a:pPr>
-            <a:r>
-              <a:rPr lang="en-US" dirty="0"/>
-              <a:t>resource_name?parameter1=value1&amp; parameter2=value2</a:t>
-            </a:r>
-          </a:p>
-          <a:p>
-            <a:pPr marL="0" indent="0">
-              <a:buNone/>
-            </a:pPr>
-            <a:endParaRPr lang="en-US" dirty="0"/>
-          </a:p>
-          <a:p>
-            <a:pPr marL="0" indent="0">
-              <a:buNone/>
-            </a:pPr>
-            <a:r>
-              <a:rPr lang="en-US" dirty="0"/>
-              <a:t>name attribute of HTML input element</a:t>
-            </a:r>
-          </a:p>
-          <a:p>
-            <a:pPr marL="0" indent="0">
-              <a:buNone/>
-            </a:pPr>
-            <a:endParaRPr lang="en-US" dirty="0"/>
-          </a:p>
-          <a:p>
-            <a:pPr marL="0" indent="0">
-              <a:buNone/>
-            </a:pPr>
             <a:endParaRPr lang="ru-RU" dirty="0"/>
           </a:p>
         </p:txBody>
       </p:sp>
+      <p:cxnSp>
+        <p:nvCxnSpPr>
+          <p:cNvPr id="4" name="Straight Connector 3">
+            <a:extLst>
+              <a:ext uri="{FF2B5EF4-FFF2-40B4-BE49-F238E27FC236}">
+                <a16:creationId xmlns:a16="http://schemas.microsoft.com/office/drawing/2014/main" id="{BABA7926-0929-490B-82C7-2041DAA1DCBE}"/>
+              </a:ext>
+            </a:extLst>
+          </p:cNvPr>
+          <p:cNvCxnSpPr>
+            <a:cxnSpLocks/>
+          </p:cNvCxnSpPr>
+          <p:nvPr/>
+        </p:nvCxnSpPr>
+        <p:spPr>
+          <a:xfrm>
+            <a:off x="569235" y="1133410"/>
+            <a:ext cx="11053530" cy="0"/>
+          </a:xfrm>
+          <a:prstGeom prst="line">
+            <a:avLst/>
+          </a:prstGeom>
+        </p:spPr>
+        <p:style>
+          <a:lnRef idx="3">
+            <a:schemeClr val="accent1"/>
+          </a:lnRef>
+          <a:fillRef idx="0">
+            <a:schemeClr val="accent1"/>
+          </a:fillRef>
+          <a:effectRef idx="2">
+            <a:schemeClr val="accent1"/>
+          </a:effectRef>
+          <a:fontRef idx="minor">
+            <a:schemeClr val="tx1"/>
+          </a:fontRef>
+        </p:style>
+      </p:cxnSp>
     </p:spTree>
     <p:extLst>
       <p:ext uri="{BB962C8B-B14F-4D97-AF65-F5344CB8AC3E}">
@@ -3286,6 +3425,2627 @@
           <p:cNvPr id="2" name="Title 1">
             <a:extLst>
               <a:ext uri="{FF2B5EF4-FFF2-40B4-BE49-F238E27FC236}">
+                <a16:creationId xmlns:a16="http://schemas.microsoft.com/office/drawing/2014/main" id="{ED07CF78-8BEF-4B0A-AED0-FAB19B043AE3}"/>
+              </a:ext>
+            </a:extLst>
+          </p:cNvPr>
+          <p:cNvSpPr>
+            <a:spLocks noGrp="1"/>
+          </p:cNvSpPr>
+          <p:nvPr>
+            <p:ph type="title"/>
+          </p:nvPr>
+        </p:nvSpPr>
+        <p:spPr>
+          <a:xfrm>
+            <a:off x="838200" y="0"/>
+            <a:ext cx="10515600" cy="1362075"/>
+          </a:xfrm>
+        </p:spPr>
+        <p:txBody>
+          <a:bodyPr/>
+          <a:lstStyle/>
+          <a:p>
+            <a:pPr algn="ctr"/>
+            <a:r>
+              <a:rPr lang="it-IT" dirty="0">
+                <a:latin typeface="Sylfaen" panose="010A0502050306030303" pitchFamily="18" charset="0"/>
+              </a:rPr>
+              <a:t>Servlet initialization options</a:t>
+            </a:r>
+            <a:endParaRPr lang="en-US" dirty="0"/>
+          </a:p>
+        </p:txBody>
+      </p:sp>
+      <p:sp>
+        <p:nvSpPr>
+          <p:cNvPr id="3" name="Content Placeholder 2">
+            <a:extLst>
+              <a:ext uri="{FF2B5EF4-FFF2-40B4-BE49-F238E27FC236}">
+                <a16:creationId xmlns:a16="http://schemas.microsoft.com/office/drawing/2014/main" id="{F473BF6C-50DF-41FF-9138-933C0EFF59CE}"/>
+              </a:ext>
+            </a:extLst>
+          </p:cNvPr>
+          <p:cNvSpPr>
+            <a:spLocks noGrp="1"/>
+          </p:cNvSpPr>
+          <p:nvPr>
+            <p:ph idx="1"/>
+          </p:nvPr>
+        </p:nvSpPr>
+        <p:spPr>
+          <a:xfrm>
+            <a:off x="323848" y="1253334"/>
+            <a:ext cx="5379361" cy="4518881"/>
+          </a:xfrm>
+        </p:spPr>
+        <p:txBody>
+          <a:bodyPr>
+            <a:normAutofit fontScale="92500"/>
+          </a:bodyPr>
+          <a:lstStyle/>
+          <a:p>
+            <a:pPr marL="0" indent="0">
+              <a:buNone/>
+            </a:pPr>
+            <a:r>
+              <a:rPr lang="en-US" sz="3300" dirty="0" err="1">
+                <a:effectLst>
+                  <a:outerShdw blurRad="38100" dist="38100" dir="2700000" algn="tl">
+                    <a:srgbClr val="000000">
+                      <a:alpha val="43137"/>
+                    </a:srgbClr>
+                  </a:outerShdw>
+                </a:effectLst>
+                <a:latin typeface="Sylfaen" panose="010A0502050306030303" pitchFamily="18" charset="0"/>
+              </a:rPr>
+              <a:t>ServletContext</a:t>
+            </a:r>
+            <a:endParaRPr lang="en-US" sz="3300" dirty="0">
+              <a:effectLst>
+                <a:outerShdw blurRad="38100" dist="38100" dir="2700000" algn="tl">
+                  <a:srgbClr val="000000">
+                    <a:alpha val="43137"/>
+                  </a:srgbClr>
+                </a:outerShdw>
+              </a:effectLst>
+              <a:latin typeface="Sylfaen" panose="010A0502050306030303" pitchFamily="18" charset="0"/>
+            </a:endParaRPr>
+          </a:p>
+          <a:p>
+            <a:pPr marL="0" indent="0">
+              <a:buNone/>
+            </a:pPr>
+            <a:r>
+              <a:rPr lang="hy-AM" sz="3300" dirty="0">
+                <a:effectLst>
+                  <a:outerShdw blurRad="38100" dist="38100" dir="2700000" algn="tl">
+                    <a:srgbClr val="000000">
+                      <a:alpha val="43137"/>
+                    </a:srgbClr>
+                  </a:outerShdw>
+                </a:effectLst>
+                <a:latin typeface="Sylfaen" panose="010A0502050306030303" pitchFamily="18" charset="0"/>
+              </a:rPr>
+              <a:t>getServletContext</a:t>
+            </a:r>
+            <a:r>
+              <a:rPr lang="en-US" sz="3300" dirty="0">
+                <a:effectLst>
+                  <a:outerShdw blurRad="38100" dist="38100" dir="2700000" algn="tl">
+                    <a:srgbClr val="000000">
+                      <a:alpha val="43137"/>
+                    </a:srgbClr>
+                  </a:outerShdw>
+                </a:effectLst>
+                <a:latin typeface="Sylfaen" panose="010A0502050306030303" pitchFamily="18" charset="0"/>
+              </a:rPr>
+              <a:t>()</a:t>
+            </a:r>
+          </a:p>
+          <a:p>
+            <a:pPr marL="0" indent="0">
+              <a:buNone/>
+            </a:pPr>
+            <a:r>
+              <a:rPr lang="hy-AM" sz="3300" dirty="0">
+                <a:effectLst>
+                  <a:outerShdw blurRad="38100" dist="38100" dir="2700000" algn="tl">
+                    <a:srgbClr val="000000">
+                      <a:alpha val="43137"/>
+                    </a:srgbClr>
+                  </a:outerShdw>
+                </a:effectLst>
+                <a:latin typeface="Sylfaen" panose="010A0502050306030303" pitchFamily="18" charset="0"/>
+              </a:rPr>
+              <a:t>getInitParameter</a:t>
+            </a:r>
+            <a:r>
+              <a:rPr lang="en-US" sz="3300" dirty="0">
+                <a:effectLst>
+                  <a:outerShdw blurRad="38100" dist="38100" dir="2700000" algn="tl">
+                    <a:srgbClr val="000000">
+                      <a:alpha val="43137"/>
+                    </a:srgbClr>
+                  </a:outerShdw>
+                </a:effectLst>
+                <a:latin typeface="Sylfaen" panose="010A0502050306030303" pitchFamily="18" charset="0"/>
+              </a:rPr>
+              <a:t>(String name)</a:t>
+            </a:r>
+          </a:p>
+          <a:p>
+            <a:pPr marL="0" indent="0">
+              <a:buNone/>
+            </a:pPr>
+            <a:endParaRPr lang="en-US" sz="3300" dirty="0">
+              <a:effectLst>
+                <a:outerShdw blurRad="38100" dist="38100" dir="2700000" algn="tl">
+                  <a:srgbClr val="000000">
+                    <a:alpha val="43137"/>
+                  </a:srgbClr>
+                </a:outerShdw>
+              </a:effectLst>
+              <a:latin typeface="Sylfaen" panose="010A0502050306030303" pitchFamily="18" charset="0"/>
+            </a:endParaRPr>
+          </a:p>
+          <a:p>
+            <a:pPr marL="0" indent="0">
+              <a:buNone/>
+            </a:pPr>
+            <a:endParaRPr lang="ru-RU" sz="3300" dirty="0">
+              <a:effectLst>
+                <a:outerShdw blurRad="38100" dist="38100" dir="2700000" algn="tl">
+                  <a:srgbClr val="000000">
+                    <a:alpha val="43137"/>
+                  </a:srgbClr>
+                </a:outerShdw>
+              </a:effectLst>
+              <a:latin typeface="Sylfaen" panose="010A0502050306030303" pitchFamily="18" charset="0"/>
+            </a:endParaRPr>
+          </a:p>
+          <a:p>
+            <a:pPr marL="0" indent="0">
+              <a:buNone/>
+            </a:pPr>
+            <a:r>
+              <a:rPr lang="en-US" sz="3300" dirty="0" err="1">
+                <a:effectLst>
+                  <a:outerShdw blurRad="38100" dist="38100" dir="2700000" algn="tl">
+                    <a:srgbClr val="000000">
+                      <a:alpha val="43137"/>
+                    </a:srgbClr>
+                  </a:outerShdw>
+                </a:effectLst>
+                <a:latin typeface="Sylfaen" panose="010A0502050306030303" pitchFamily="18" charset="0"/>
+              </a:rPr>
+              <a:t>ServletConfig</a:t>
+            </a:r>
+            <a:endParaRPr lang="en-US" sz="3300" dirty="0">
+              <a:effectLst>
+                <a:outerShdw blurRad="38100" dist="38100" dir="2700000" algn="tl">
+                  <a:srgbClr val="000000">
+                    <a:alpha val="43137"/>
+                  </a:srgbClr>
+                </a:outerShdw>
+              </a:effectLst>
+              <a:latin typeface="Sylfaen" panose="010A0502050306030303" pitchFamily="18" charset="0"/>
+            </a:endParaRPr>
+          </a:p>
+          <a:p>
+            <a:pPr marL="0" indent="0">
+              <a:buNone/>
+            </a:pPr>
+            <a:r>
+              <a:rPr lang="hy-AM" sz="3300" dirty="0">
+                <a:effectLst>
+                  <a:outerShdw blurRad="38100" dist="38100" dir="2700000" algn="tl">
+                    <a:srgbClr val="000000">
+                      <a:alpha val="43137"/>
+                    </a:srgbClr>
+                  </a:outerShdw>
+                </a:effectLst>
+                <a:latin typeface="Sylfaen" panose="010A0502050306030303" pitchFamily="18" charset="0"/>
+              </a:rPr>
+              <a:t>getServlet</a:t>
+            </a:r>
+            <a:r>
+              <a:rPr lang="en-US" sz="3300" dirty="0">
+                <a:effectLst>
+                  <a:outerShdw blurRad="38100" dist="38100" dir="2700000" algn="tl">
+                    <a:srgbClr val="000000">
+                      <a:alpha val="43137"/>
+                    </a:srgbClr>
+                  </a:outerShdw>
+                </a:effectLst>
+                <a:latin typeface="Sylfaen" panose="010A0502050306030303" pitchFamily="18" charset="0"/>
+              </a:rPr>
+              <a:t>Config()</a:t>
+            </a:r>
+          </a:p>
+          <a:p>
+            <a:pPr marL="0" indent="0">
+              <a:buNone/>
+            </a:pPr>
+            <a:r>
+              <a:rPr lang="hy-AM" sz="3300" dirty="0">
+                <a:effectLst>
+                  <a:outerShdw blurRad="38100" dist="38100" dir="2700000" algn="tl">
+                    <a:srgbClr val="000000">
+                      <a:alpha val="43137"/>
+                    </a:srgbClr>
+                  </a:outerShdw>
+                </a:effectLst>
+                <a:latin typeface="Sylfaen" panose="010A0502050306030303" pitchFamily="18" charset="0"/>
+              </a:rPr>
+              <a:t>getInitParameter</a:t>
+            </a:r>
+            <a:r>
+              <a:rPr lang="en-US" sz="3300" dirty="0">
+                <a:effectLst>
+                  <a:outerShdw blurRad="38100" dist="38100" dir="2700000" algn="tl">
+                    <a:srgbClr val="000000">
+                      <a:alpha val="43137"/>
+                    </a:srgbClr>
+                  </a:outerShdw>
+                </a:effectLst>
+                <a:latin typeface="Sylfaen" panose="010A0502050306030303" pitchFamily="18" charset="0"/>
+              </a:rPr>
+              <a:t>(String name)</a:t>
+            </a:r>
+          </a:p>
+          <a:p>
+            <a:pPr marL="0" indent="0">
+              <a:buNone/>
+            </a:pPr>
+            <a:endParaRPr lang="en-US" sz="3300" dirty="0">
+              <a:effectLst>
+                <a:outerShdw blurRad="38100" dist="38100" dir="2700000" algn="tl">
+                  <a:srgbClr val="000000">
+                    <a:alpha val="43137"/>
+                  </a:srgbClr>
+                </a:outerShdw>
+              </a:effectLst>
+              <a:latin typeface="Sylfaen" panose="010A0502050306030303" pitchFamily="18" charset="0"/>
+            </a:endParaRPr>
+          </a:p>
+          <a:p>
+            <a:pPr marL="0" indent="0">
+              <a:buNone/>
+            </a:pPr>
+            <a:endParaRPr lang="en-US" sz="3300" dirty="0">
+              <a:effectLst>
+                <a:outerShdw blurRad="38100" dist="38100" dir="2700000" algn="tl">
+                  <a:srgbClr val="000000">
+                    <a:alpha val="43137"/>
+                  </a:srgbClr>
+                </a:outerShdw>
+              </a:effectLst>
+              <a:latin typeface="Sylfaen" panose="010A0502050306030303" pitchFamily="18" charset="0"/>
+            </a:endParaRPr>
+          </a:p>
+        </p:txBody>
+      </p:sp>
+      <p:sp>
+        <p:nvSpPr>
+          <p:cNvPr id="7" name="Content Placeholder 2">
+            <a:extLst>
+              <a:ext uri="{FF2B5EF4-FFF2-40B4-BE49-F238E27FC236}">
+                <a16:creationId xmlns:a16="http://schemas.microsoft.com/office/drawing/2014/main" id="{AAD51806-4FE0-4955-8F11-1BEF28AFC2F5}"/>
+              </a:ext>
+            </a:extLst>
+          </p:cNvPr>
+          <p:cNvSpPr txBox="1">
+            <a:spLocks/>
+          </p:cNvSpPr>
+          <p:nvPr/>
+        </p:nvSpPr>
+        <p:spPr>
+          <a:xfrm>
+            <a:off x="6326867" y="1385791"/>
+            <a:ext cx="5229223" cy="1362075"/>
+          </a:xfrm>
+          <a:prstGeom prst="rect">
+            <a:avLst/>
+          </a:prstGeom>
+        </p:spPr>
+        <p:txBody>
+          <a:bodyPr vert="horz" lIns="91440" tIns="45720" rIns="91440" bIns="45720" rtlCol="0">
+            <a:normAutofit fontScale="25000" lnSpcReduction="20000"/>
+          </a:bodyPr>
+          <a:lstStyle>
+            <a:lvl1pPr marL="228600" indent="-228600" algn="l" defTabSz="914400" rtl="0" eaLnBrk="1" latinLnBrk="0" hangingPunct="1">
+              <a:lnSpc>
+                <a:spcPct val="90000"/>
+              </a:lnSpc>
+              <a:spcBef>
+                <a:spcPts val="1000"/>
+              </a:spcBef>
+              <a:buFont typeface="Arial" panose="020B0604020202020204" pitchFamily="34" charset="0"/>
+              <a:buChar char="•"/>
+              <a:defRPr sz="2800" kern="1200">
+                <a:solidFill>
+                  <a:schemeClr val="tx1"/>
+                </a:solidFill>
+                <a:latin typeface="+mn-lt"/>
+                <a:ea typeface="+mn-ea"/>
+                <a:cs typeface="+mn-cs"/>
+              </a:defRPr>
+            </a:lvl1pPr>
+            <a:lvl2pPr marL="685800" indent="-228600" algn="l" defTabSz="914400" rtl="0" eaLnBrk="1" latinLnBrk="0" hangingPunct="1">
+              <a:lnSpc>
+                <a:spcPct val="90000"/>
+              </a:lnSpc>
+              <a:spcBef>
+                <a:spcPts val="500"/>
+              </a:spcBef>
+              <a:buFont typeface="Arial" panose="020B0604020202020204" pitchFamily="34" charset="0"/>
+              <a:buChar char="•"/>
+              <a:defRPr sz="2400" kern="1200">
+                <a:solidFill>
+                  <a:schemeClr val="tx1"/>
+                </a:solidFill>
+                <a:latin typeface="+mn-lt"/>
+                <a:ea typeface="+mn-ea"/>
+                <a:cs typeface="+mn-cs"/>
+              </a:defRPr>
+            </a:lvl2pPr>
+            <a:lvl3pPr marL="1143000" indent="-228600" algn="l" defTabSz="914400" rtl="0" eaLnBrk="1" latinLnBrk="0" hangingPunct="1">
+              <a:lnSpc>
+                <a:spcPct val="90000"/>
+              </a:lnSpc>
+              <a:spcBef>
+                <a:spcPts val="500"/>
+              </a:spcBef>
+              <a:buFont typeface="Arial" panose="020B0604020202020204" pitchFamily="34" charset="0"/>
+              <a:buChar char="•"/>
+              <a:defRPr sz="2000" kern="1200">
+                <a:solidFill>
+                  <a:schemeClr val="tx1"/>
+                </a:solidFill>
+                <a:latin typeface="+mn-lt"/>
+                <a:ea typeface="+mn-ea"/>
+                <a:cs typeface="+mn-cs"/>
+              </a:defRPr>
+            </a:lvl3pPr>
+            <a:lvl4pPr marL="1600200" indent="-228600" algn="l" defTabSz="914400" rtl="0" eaLnBrk="1" latinLnBrk="0" hangingPunct="1">
+              <a:lnSpc>
+                <a:spcPct val="90000"/>
+              </a:lnSpc>
+              <a:spcBef>
+                <a:spcPts val="500"/>
+              </a:spcBef>
+              <a:buFont typeface="Arial" panose="020B0604020202020204" pitchFamily="34" charset="0"/>
+              <a:buChar char="•"/>
+              <a:defRPr sz="1800" kern="1200">
+                <a:solidFill>
+                  <a:schemeClr val="tx1"/>
+                </a:solidFill>
+                <a:latin typeface="+mn-lt"/>
+                <a:ea typeface="+mn-ea"/>
+                <a:cs typeface="+mn-cs"/>
+              </a:defRPr>
+            </a:lvl4pPr>
+            <a:lvl5pPr marL="2057400" indent="-228600" algn="l" defTabSz="914400" rtl="0" eaLnBrk="1" latinLnBrk="0" hangingPunct="1">
+              <a:lnSpc>
+                <a:spcPct val="90000"/>
+              </a:lnSpc>
+              <a:spcBef>
+                <a:spcPts val="500"/>
+              </a:spcBef>
+              <a:buFont typeface="Arial" panose="020B0604020202020204" pitchFamily="34" charset="0"/>
+              <a:buChar char="•"/>
+              <a:defRPr sz="1800" kern="1200">
+                <a:solidFill>
+                  <a:schemeClr val="tx1"/>
+                </a:solidFill>
+                <a:latin typeface="+mn-lt"/>
+                <a:ea typeface="+mn-ea"/>
+                <a:cs typeface="+mn-cs"/>
+              </a:defRPr>
+            </a:lvl5pPr>
+            <a:lvl6pPr marL="2514600" indent="-228600" algn="l" defTabSz="914400" rtl="0" eaLnBrk="1" latinLnBrk="0" hangingPunct="1">
+              <a:lnSpc>
+                <a:spcPct val="90000"/>
+              </a:lnSpc>
+              <a:spcBef>
+                <a:spcPts val="500"/>
+              </a:spcBef>
+              <a:buFont typeface="Arial" panose="020B0604020202020204" pitchFamily="34" charset="0"/>
+              <a:buChar char="•"/>
+              <a:defRPr sz="1800" kern="1200">
+                <a:solidFill>
+                  <a:schemeClr val="tx1"/>
+                </a:solidFill>
+                <a:latin typeface="+mn-lt"/>
+                <a:ea typeface="+mn-ea"/>
+                <a:cs typeface="+mn-cs"/>
+              </a:defRPr>
+            </a:lvl6pPr>
+            <a:lvl7pPr marL="2971800" indent="-228600" algn="l" defTabSz="914400" rtl="0" eaLnBrk="1" latinLnBrk="0" hangingPunct="1">
+              <a:lnSpc>
+                <a:spcPct val="90000"/>
+              </a:lnSpc>
+              <a:spcBef>
+                <a:spcPts val="500"/>
+              </a:spcBef>
+              <a:buFont typeface="Arial" panose="020B0604020202020204" pitchFamily="34" charset="0"/>
+              <a:buChar char="•"/>
+              <a:defRPr sz="1800" kern="1200">
+                <a:solidFill>
+                  <a:schemeClr val="tx1"/>
+                </a:solidFill>
+                <a:latin typeface="+mn-lt"/>
+                <a:ea typeface="+mn-ea"/>
+                <a:cs typeface="+mn-cs"/>
+              </a:defRPr>
+            </a:lvl7pPr>
+            <a:lvl8pPr marL="3429000" indent="-228600" algn="l" defTabSz="914400" rtl="0" eaLnBrk="1" latinLnBrk="0" hangingPunct="1">
+              <a:lnSpc>
+                <a:spcPct val="90000"/>
+              </a:lnSpc>
+              <a:spcBef>
+                <a:spcPts val="500"/>
+              </a:spcBef>
+              <a:buFont typeface="Arial" panose="020B0604020202020204" pitchFamily="34" charset="0"/>
+              <a:buChar char="•"/>
+              <a:defRPr sz="1800" kern="1200">
+                <a:solidFill>
+                  <a:schemeClr val="tx1"/>
+                </a:solidFill>
+                <a:latin typeface="+mn-lt"/>
+                <a:ea typeface="+mn-ea"/>
+                <a:cs typeface="+mn-cs"/>
+              </a:defRPr>
+            </a:lvl8pPr>
+            <a:lvl9pPr marL="3886200" indent="-228600" algn="l" defTabSz="914400" rtl="0" eaLnBrk="1" latinLnBrk="0" hangingPunct="1">
+              <a:lnSpc>
+                <a:spcPct val="90000"/>
+              </a:lnSpc>
+              <a:spcBef>
+                <a:spcPts val="500"/>
+              </a:spcBef>
+              <a:buFont typeface="Arial" panose="020B0604020202020204" pitchFamily="34" charset="0"/>
+              <a:buChar char="•"/>
+              <a:defRPr sz="1800" kern="1200">
+                <a:solidFill>
+                  <a:schemeClr val="tx1"/>
+                </a:solidFill>
+                <a:latin typeface="+mn-lt"/>
+                <a:ea typeface="+mn-ea"/>
+                <a:cs typeface="+mn-cs"/>
+              </a:defRPr>
+            </a:lvl9pPr>
+          </a:lstStyle>
+          <a:p>
+            <a:pPr marL="0" marR="0" indent="0">
+              <a:lnSpc>
+                <a:spcPct val="120000"/>
+              </a:lnSpc>
+              <a:spcBef>
+                <a:spcPts val="0"/>
+              </a:spcBef>
+              <a:spcAft>
+                <a:spcPts val="0"/>
+              </a:spcAft>
+              <a:buNone/>
+            </a:pPr>
+            <a:r>
+              <a:rPr lang="en-US" sz="8000" dirty="0">
+                <a:effectLst>
+                  <a:outerShdw blurRad="38100" dist="38100" dir="2700000" algn="tl">
+                    <a:srgbClr val="000000">
+                      <a:alpha val="43137"/>
+                    </a:srgbClr>
+                  </a:outerShdw>
+                </a:effectLst>
+                <a:latin typeface="Sylfaen" panose="010A0502050306030303" pitchFamily="18" charset="0"/>
+              </a:rPr>
+              <a:t>&lt;context-param&gt;</a:t>
+            </a:r>
+          </a:p>
+          <a:p>
+            <a:pPr marL="0" marR="0" indent="0">
+              <a:lnSpc>
+                <a:spcPct val="120000"/>
+              </a:lnSpc>
+              <a:spcBef>
+                <a:spcPts val="0"/>
+              </a:spcBef>
+              <a:spcAft>
+                <a:spcPts val="0"/>
+              </a:spcAft>
+              <a:buNone/>
+            </a:pPr>
+            <a:r>
+              <a:rPr lang="en-US" sz="8000" dirty="0">
+                <a:effectLst>
+                  <a:outerShdw blurRad="38100" dist="38100" dir="2700000" algn="tl">
+                    <a:srgbClr val="000000">
+                      <a:alpha val="43137"/>
+                    </a:srgbClr>
+                  </a:outerShdw>
+                </a:effectLst>
+                <a:latin typeface="Sylfaen" panose="010A0502050306030303" pitchFamily="18" charset="0"/>
+              </a:rPr>
+              <a:t>    &lt;param-name&gt;message&lt;/param-name&gt;</a:t>
+            </a:r>
+          </a:p>
+          <a:p>
+            <a:pPr marL="0" marR="0" indent="0">
+              <a:lnSpc>
+                <a:spcPct val="120000"/>
+              </a:lnSpc>
+              <a:spcBef>
+                <a:spcPts val="0"/>
+              </a:spcBef>
+              <a:spcAft>
+                <a:spcPts val="0"/>
+              </a:spcAft>
+              <a:buNone/>
+            </a:pPr>
+            <a:r>
+              <a:rPr lang="en-US" sz="8000" dirty="0">
+                <a:effectLst>
+                  <a:outerShdw blurRad="38100" dist="38100" dir="2700000" algn="tl">
+                    <a:srgbClr val="000000">
+                      <a:alpha val="43137"/>
+                    </a:srgbClr>
+                  </a:outerShdw>
+                </a:effectLst>
+                <a:latin typeface="Sylfaen" panose="010A0502050306030303" pitchFamily="18" charset="0"/>
+              </a:rPr>
+              <a:t>    &lt;param-value&gt;Hello Servlets&lt;/param-value&gt;</a:t>
+            </a:r>
+          </a:p>
+          <a:p>
+            <a:pPr marL="0" marR="0" indent="0">
+              <a:lnSpc>
+                <a:spcPct val="120000"/>
+              </a:lnSpc>
+              <a:spcBef>
+                <a:spcPts val="0"/>
+              </a:spcBef>
+              <a:spcAft>
+                <a:spcPts val="0"/>
+              </a:spcAft>
+              <a:buNone/>
+            </a:pPr>
+            <a:r>
+              <a:rPr lang="en-US" sz="8000" dirty="0">
+                <a:effectLst>
+                  <a:outerShdw blurRad="38100" dist="38100" dir="2700000" algn="tl">
+                    <a:srgbClr val="000000">
+                      <a:alpha val="43137"/>
+                    </a:srgbClr>
+                  </a:outerShdw>
+                </a:effectLst>
+                <a:latin typeface="Sylfaen" panose="010A0502050306030303" pitchFamily="18" charset="0"/>
+              </a:rPr>
+              <a:t>&lt;/context-param&gt;</a:t>
+            </a:r>
+          </a:p>
+          <a:p>
+            <a:pPr marL="0" indent="0">
+              <a:buFont typeface="Arial" panose="020B0604020202020204" pitchFamily="34" charset="0"/>
+              <a:buNone/>
+            </a:pPr>
+            <a:endParaRPr lang="en-US" sz="3300" dirty="0">
+              <a:effectLst>
+                <a:outerShdw blurRad="38100" dist="38100" dir="2700000" algn="tl">
+                  <a:srgbClr val="000000">
+                    <a:alpha val="43137"/>
+                  </a:srgbClr>
+                </a:outerShdw>
+              </a:effectLst>
+              <a:latin typeface="Sylfaen" panose="010A0502050306030303" pitchFamily="18" charset="0"/>
+            </a:endParaRPr>
+          </a:p>
+          <a:p>
+            <a:pPr marL="0" indent="0">
+              <a:buFont typeface="Arial" panose="020B0604020202020204" pitchFamily="34" charset="0"/>
+              <a:buNone/>
+            </a:pPr>
+            <a:endParaRPr lang="en-US" sz="3300" dirty="0">
+              <a:effectLst>
+                <a:outerShdw blurRad="38100" dist="38100" dir="2700000" algn="tl">
+                  <a:srgbClr val="000000">
+                    <a:alpha val="43137"/>
+                  </a:srgbClr>
+                </a:outerShdw>
+              </a:effectLst>
+              <a:latin typeface="Sylfaen" panose="010A0502050306030303" pitchFamily="18" charset="0"/>
+            </a:endParaRPr>
+          </a:p>
+        </p:txBody>
+      </p:sp>
+      <p:sp>
+        <p:nvSpPr>
+          <p:cNvPr id="8" name="Content Placeholder 2">
+            <a:extLst>
+              <a:ext uri="{FF2B5EF4-FFF2-40B4-BE49-F238E27FC236}">
+                <a16:creationId xmlns:a16="http://schemas.microsoft.com/office/drawing/2014/main" id="{C1446A77-2468-4EA6-AC30-F134F822558E}"/>
+              </a:ext>
+            </a:extLst>
+          </p:cNvPr>
+          <p:cNvSpPr txBox="1">
+            <a:spLocks/>
+          </p:cNvSpPr>
+          <p:nvPr/>
+        </p:nvSpPr>
+        <p:spPr>
+          <a:xfrm>
+            <a:off x="6181727" y="3429000"/>
+            <a:ext cx="5829298" cy="2627312"/>
+          </a:xfrm>
+          <a:prstGeom prst="rect">
+            <a:avLst/>
+          </a:prstGeom>
+        </p:spPr>
+        <p:txBody>
+          <a:bodyPr vert="horz" lIns="91440" tIns="45720" rIns="91440" bIns="45720" rtlCol="0">
+            <a:normAutofit fontScale="25000" lnSpcReduction="20000"/>
+          </a:bodyPr>
+          <a:lstStyle>
+            <a:lvl1pPr marL="228600" indent="-228600" algn="l" defTabSz="914400" rtl="0" eaLnBrk="1" latinLnBrk="0" hangingPunct="1">
+              <a:lnSpc>
+                <a:spcPct val="90000"/>
+              </a:lnSpc>
+              <a:spcBef>
+                <a:spcPts val="1000"/>
+              </a:spcBef>
+              <a:buFont typeface="Arial" panose="020B0604020202020204" pitchFamily="34" charset="0"/>
+              <a:buChar char="•"/>
+              <a:defRPr sz="2800" kern="1200">
+                <a:solidFill>
+                  <a:schemeClr val="tx1"/>
+                </a:solidFill>
+                <a:latin typeface="+mn-lt"/>
+                <a:ea typeface="+mn-ea"/>
+                <a:cs typeface="+mn-cs"/>
+              </a:defRPr>
+            </a:lvl1pPr>
+            <a:lvl2pPr marL="685800" indent="-228600" algn="l" defTabSz="914400" rtl="0" eaLnBrk="1" latinLnBrk="0" hangingPunct="1">
+              <a:lnSpc>
+                <a:spcPct val="90000"/>
+              </a:lnSpc>
+              <a:spcBef>
+                <a:spcPts val="500"/>
+              </a:spcBef>
+              <a:buFont typeface="Arial" panose="020B0604020202020204" pitchFamily="34" charset="0"/>
+              <a:buChar char="•"/>
+              <a:defRPr sz="2400" kern="1200">
+                <a:solidFill>
+                  <a:schemeClr val="tx1"/>
+                </a:solidFill>
+                <a:latin typeface="+mn-lt"/>
+                <a:ea typeface="+mn-ea"/>
+                <a:cs typeface="+mn-cs"/>
+              </a:defRPr>
+            </a:lvl2pPr>
+            <a:lvl3pPr marL="1143000" indent="-228600" algn="l" defTabSz="914400" rtl="0" eaLnBrk="1" latinLnBrk="0" hangingPunct="1">
+              <a:lnSpc>
+                <a:spcPct val="90000"/>
+              </a:lnSpc>
+              <a:spcBef>
+                <a:spcPts val="500"/>
+              </a:spcBef>
+              <a:buFont typeface="Arial" panose="020B0604020202020204" pitchFamily="34" charset="0"/>
+              <a:buChar char="•"/>
+              <a:defRPr sz="2000" kern="1200">
+                <a:solidFill>
+                  <a:schemeClr val="tx1"/>
+                </a:solidFill>
+                <a:latin typeface="+mn-lt"/>
+                <a:ea typeface="+mn-ea"/>
+                <a:cs typeface="+mn-cs"/>
+              </a:defRPr>
+            </a:lvl3pPr>
+            <a:lvl4pPr marL="1600200" indent="-228600" algn="l" defTabSz="914400" rtl="0" eaLnBrk="1" latinLnBrk="0" hangingPunct="1">
+              <a:lnSpc>
+                <a:spcPct val="90000"/>
+              </a:lnSpc>
+              <a:spcBef>
+                <a:spcPts val="500"/>
+              </a:spcBef>
+              <a:buFont typeface="Arial" panose="020B0604020202020204" pitchFamily="34" charset="0"/>
+              <a:buChar char="•"/>
+              <a:defRPr sz="1800" kern="1200">
+                <a:solidFill>
+                  <a:schemeClr val="tx1"/>
+                </a:solidFill>
+                <a:latin typeface="+mn-lt"/>
+                <a:ea typeface="+mn-ea"/>
+                <a:cs typeface="+mn-cs"/>
+              </a:defRPr>
+            </a:lvl4pPr>
+            <a:lvl5pPr marL="2057400" indent="-228600" algn="l" defTabSz="914400" rtl="0" eaLnBrk="1" latinLnBrk="0" hangingPunct="1">
+              <a:lnSpc>
+                <a:spcPct val="90000"/>
+              </a:lnSpc>
+              <a:spcBef>
+                <a:spcPts val="500"/>
+              </a:spcBef>
+              <a:buFont typeface="Arial" panose="020B0604020202020204" pitchFamily="34" charset="0"/>
+              <a:buChar char="•"/>
+              <a:defRPr sz="1800" kern="1200">
+                <a:solidFill>
+                  <a:schemeClr val="tx1"/>
+                </a:solidFill>
+                <a:latin typeface="+mn-lt"/>
+                <a:ea typeface="+mn-ea"/>
+                <a:cs typeface="+mn-cs"/>
+              </a:defRPr>
+            </a:lvl5pPr>
+            <a:lvl6pPr marL="2514600" indent="-228600" algn="l" defTabSz="914400" rtl="0" eaLnBrk="1" latinLnBrk="0" hangingPunct="1">
+              <a:lnSpc>
+                <a:spcPct val="90000"/>
+              </a:lnSpc>
+              <a:spcBef>
+                <a:spcPts val="500"/>
+              </a:spcBef>
+              <a:buFont typeface="Arial" panose="020B0604020202020204" pitchFamily="34" charset="0"/>
+              <a:buChar char="•"/>
+              <a:defRPr sz="1800" kern="1200">
+                <a:solidFill>
+                  <a:schemeClr val="tx1"/>
+                </a:solidFill>
+                <a:latin typeface="+mn-lt"/>
+                <a:ea typeface="+mn-ea"/>
+                <a:cs typeface="+mn-cs"/>
+              </a:defRPr>
+            </a:lvl6pPr>
+            <a:lvl7pPr marL="2971800" indent="-228600" algn="l" defTabSz="914400" rtl="0" eaLnBrk="1" latinLnBrk="0" hangingPunct="1">
+              <a:lnSpc>
+                <a:spcPct val="90000"/>
+              </a:lnSpc>
+              <a:spcBef>
+                <a:spcPts val="500"/>
+              </a:spcBef>
+              <a:buFont typeface="Arial" panose="020B0604020202020204" pitchFamily="34" charset="0"/>
+              <a:buChar char="•"/>
+              <a:defRPr sz="1800" kern="1200">
+                <a:solidFill>
+                  <a:schemeClr val="tx1"/>
+                </a:solidFill>
+                <a:latin typeface="+mn-lt"/>
+                <a:ea typeface="+mn-ea"/>
+                <a:cs typeface="+mn-cs"/>
+              </a:defRPr>
+            </a:lvl7pPr>
+            <a:lvl8pPr marL="3429000" indent="-228600" algn="l" defTabSz="914400" rtl="0" eaLnBrk="1" latinLnBrk="0" hangingPunct="1">
+              <a:lnSpc>
+                <a:spcPct val="90000"/>
+              </a:lnSpc>
+              <a:spcBef>
+                <a:spcPts val="500"/>
+              </a:spcBef>
+              <a:buFont typeface="Arial" panose="020B0604020202020204" pitchFamily="34" charset="0"/>
+              <a:buChar char="•"/>
+              <a:defRPr sz="1800" kern="1200">
+                <a:solidFill>
+                  <a:schemeClr val="tx1"/>
+                </a:solidFill>
+                <a:latin typeface="+mn-lt"/>
+                <a:ea typeface="+mn-ea"/>
+                <a:cs typeface="+mn-cs"/>
+              </a:defRPr>
+            </a:lvl8pPr>
+            <a:lvl9pPr marL="3886200" indent="-228600" algn="l" defTabSz="914400" rtl="0" eaLnBrk="1" latinLnBrk="0" hangingPunct="1">
+              <a:lnSpc>
+                <a:spcPct val="90000"/>
+              </a:lnSpc>
+              <a:spcBef>
+                <a:spcPts val="500"/>
+              </a:spcBef>
+              <a:buFont typeface="Arial" panose="020B0604020202020204" pitchFamily="34" charset="0"/>
+              <a:buChar char="•"/>
+              <a:defRPr sz="1800" kern="1200">
+                <a:solidFill>
+                  <a:schemeClr val="tx1"/>
+                </a:solidFill>
+                <a:latin typeface="+mn-lt"/>
+                <a:ea typeface="+mn-ea"/>
+                <a:cs typeface="+mn-cs"/>
+              </a:defRPr>
+            </a:lvl9pPr>
+          </a:lstStyle>
+          <a:p>
+            <a:pPr marL="0" marR="0" indent="0">
+              <a:lnSpc>
+                <a:spcPct val="120000"/>
+              </a:lnSpc>
+              <a:spcBef>
+                <a:spcPts val="0"/>
+              </a:spcBef>
+              <a:spcAft>
+                <a:spcPts val="0"/>
+              </a:spcAft>
+              <a:buNone/>
+            </a:pPr>
+            <a:r>
+              <a:rPr lang="en-US" sz="8000" dirty="0">
+                <a:effectLst>
+                  <a:outerShdw blurRad="38100" dist="38100" dir="2700000" algn="tl">
+                    <a:srgbClr val="000000">
+                      <a:alpha val="43137"/>
+                    </a:srgbClr>
+                  </a:outerShdw>
+                </a:effectLst>
+                <a:latin typeface="Sylfaen" panose="010A0502050306030303" pitchFamily="18" charset="0"/>
+              </a:rPr>
+              <a:t>&lt;servlet&gt;</a:t>
+            </a:r>
+          </a:p>
+          <a:p>
+            <a:pPr marL="0" marR="0" indent="0">
+              <a:lnSpc>
+                <a:spcPct val="120000"/>
+              </a:lnSpc>
+              <a:spcBef>
+                <a:spcPts val="0"/>
+              </a:spcBef>
+              <a:spcAft>
+                <a:spcPts val="0"/>
+              </a:spcAft>
+              <a:buNone/>
+            </a:pPr>
+            <a:r>
+              <a:rPr lang="ru-RU" sz="8000" dirty="0">
+                <a:effectLst>
+                  <a:outerShdw blurRad="38100" dist="38100" dir="2700000" algn="tl">
+                    <a:srgbClr val="000000">
+                      <a:alpha val="43137"/>
+                    </a:srgbClr>
+                  </a:outerShdw>
+                </a:effectLst>
+                <a:latin typeface="Sylfaen" panose="010A0502050306030303" pitchFamily="18" charset="0"/>
+              </a:rPr>
+              <a:t>      </a:t>
+            </a:r>
+            <a:r>
+              <a:rPr lang="en-US" sz="8000" dirty="0">
+                <a:effectLst>
+                  <a:outerShdw blurRad="38100" dist="38100" dir="2700000" algn="tl">
+                    <a:srgbClr val="000000">
+                      <a:alpha val="43137"/>
+                    </a:srgbClr>
+                  </a:outerShdw>
+                </a:effectLst>
+                <a:latin typeface="Sylfaen" panose="010A0502050306030303" pitchFamily="18" charset="0"/>
+              </a:rPr>
+              <a:t>&lt;servlet-name&gt;</a:t>
+            </a:r>
+            <a:r>
+              <a:rPr lang="en-US" sz="8000" dirty="0" err="1">
+                <a:effectLst>
+                  <a:outerShdw blurRad="38100" dist="38100" dir="2700000" algn="tl">
+                    <a:srgbClr val="000000">
+                      <a:alpha val="43137"/>
+                    </a:srgbClr>
+                  </a:outerShdw>
+                </a:effectLst>
+                <a:latin typeface="Sylfaen" panose="010A0502050306030303" pitchFamily="18" charset="0"/>
+              </a:rPr>
+              <a:t>HelloServlet</a:t>
+            </a:r>
+            <a:r>
+              <a:rPr lang="en-US" sz="8000" dirty="0">
+                <a:effectLst>
+                  <a:outerShdw blurRad="38100" dist="38100" dir="2700000" algn="tl">
+                    <a:srgbClr val="000000">
+                      <a:alpha val="43137"/>
+                    </a:srgbClr>
+                  </a:outerShdw>
+                </a:effectLst>
+                <a:latin typeface="Sylfaen" panose="010A0502050306030303" pitchFamily="18" charset="0"/>
+              </a:rPr>
+              <a:t>&lt;/servlet-name&gt;</a:t>
+            </a:r>
+          </a:p>
+          <a:p>
+            <a:pPr marL="0" marR="0" indent="0">
+              <a:lnSpc>
+                <a:spcPct val="120000"/>
+              </a:lnSpc>
+              <a:spcBef>
+                <a:spcPts val="0"/>
+              </a:spcBef>
+              <a:spcAft>
+                <a:spcPts val="0"/>
+              </a:spcAft>
+              <a:buNone/>
+            </a:pPr>
+            <a:r>
+              <a:rPr lang="en-US" sz="8000" dirty="0">
+                <a:effectLst>
+                  <a:outerShdw blurRad="38100" dist="38100" dir="2700000" algn="tl">
+                    <a:srgbClr val="000000">
+                      <a:alpha val="43137"/>
+                    </a:srgbClr>
+                  </a:outerShdw>
+                </a:effectLst>
+                <a:latin typeface="Sylfaen" panose="010A0502050306030303" pitchFamily="18" charset="0"/>
+              </a:rPr>
+              <a:t>      &lt;servlet-class&gt;</a:t>
+            </a:r>
+            <a:r>
+              <a:rPr lang="en-US" sz="8000" dirty="0" err="1">
+                <a:effectLst>
+                  <a:outerShdw blurRad="38100" dist="38100" dir="2700000" algn="tl">
+                    <a:srgbClr val="000000">
+                      <a:alpha val="43137"/>
+                    </a:srgbClr>
+                  </a:outerShdw>
+                </a:effectLst>
+                <a:latin typeface="Sylfaen" panose="010A0502050306030303" pitchFamily="18" charset="0"/>
+              </a:rPr>
+              <a:t>HelloServlet</a:t>
+            </a:r>
+            <a:r>
+              <a:rPr lang="en-US" sz="8000" dirty="0">
+                <a:effectLst>
+                  <a:outerShdw blurRad="38100" dist="38100" dir="2700000" algn="tl">
+                    <a:srgbClr val="000000">
+                      <a:alpha val="43137"/>
+                    </a:srgbClr>
+                  </a:outerShdw>
+                </a:effectLst>
+                <a:latin typeface="Sylfaen" panose="010A0502050306030303" pitchFamily="18" charset="0"/>
+              </a:rPr>
+              <a:t>&lt;/servlet-class&gt;</a:t>
+            </a:r>
+          </a:p>
+          <a:p>
+            <a:pPr marL="0" marR="0" indent="0">
+              <a:lnSpc>
+                <a:spcPct val="120000"/>
+              </a:lnSpc>
+              <a:spcBef>
+                <a:spcPts val="0"/>
+              </a:spcBef>
+              <a:spcAft>
+                <a:spcPts val="0"/>
+              </a:spcAft>
+              <a:buNone/>
+            </a:pPr>
+            <a:r>
+              <a:rPr lang="en-US" sz="8000" dirty="0">
+                <a:effectLst>
+                  <a:outerShdw blurRad="38100" dist="38100" dir="2700000" algn="tl">
+                    <a:srgbClr val="000000">
+                      <a:alpha val="43137"/>
+                    </a:srgbClr>
+                  </a:outerShdw>
+                </a:effectLst>
+                <a:latin typeface="Sylfaen" panose="010A0502050306030303" pitchFamily="18" charset="0"/>
+              </a:rPr>
+              <a:t>      &lt;</a:t>
+            </a:r>
+            <a:r>
+              <a:rPr lang="en-US" sz="8000" dirty="0" err="1">
+                <a:effectLst>
+                  <a:outerShdw blurRad="38100" dist="38100" dir="2700000" algn="tl">
+                    <a:srgbClr val="000000">
+                      <a:alpha val="43137"/>
+                    </a:srgbClr>
+                  </a:outerShdw>
+                </a:effectLst>
+                <a:latin typeface="Sylfaen" panose="010A0502050306030303" pitchFamily="18" charset="0"/>
+              </a:rPr>
+              <a:t>init</a:t>
+            </a:r>
+            <a:r>
+              <a:rPr lang="en-US" sz="8000" dirty="0">
+                <a:effectLst>
+                  <a:outerShdw blurRad="38100" dist="38100" dir="2700000" algn="tl">
+                    <a:srgbClr val="000000">
+                      <a:alpha val="43137"/>
+                    </a:srgbClr>
+                  </a:outerShdw>
+                </a:effectLst>
+                <a:latin typeface="Sylfaen" panose="010A0502050306030303" pitchFamily="18" charset="0"/>
+              </a:rPr>
+              <a:t>-param&gt;</a:t>
+            </a:r>
+          </a:p>
+          <a:p>
+            <a:pPr marL="0" marR="0" indent="0">
+              <a:lnSpc>
+                <a:spcPct val="120000"/>
+              </a:lnSpc>
+              <a:spcBef>
+                <a:spcPts val="0"/>
+              </a:spcBef>
+              <a:spcAft>
+                <a:spcPts val="0"/>
+              </a:spcAft>
+              <a:buNone/>
+            </a:pPr>
+            <a:r>
+              <a:rPr lang="en-US" sz="8000" dirty="0">
+                <a:effectLst>
+                  <a:outerShdw blurRad="38100" dist="38100" dir="2700000" algn="tl">
+                    <a:srgbClr val="000000">
+                      <a:alpha val="43137"/>
+                    </a:srgbClr>
+                  </a:outerShdw>
+                </a:effectLst>
+                <a:latin typeface="Sylfaen" panose="010A0502050306030303" pitchFamily="18" charset="0"/>
+              </a:rPr>
+              <a:t>      </a:t>
+            </a:r>
+            <a:r>
+              <a:rPr lang="ru-RU" sz="8000" dirty="0">
+                <a:effectLst>
+                  <a:outerShdw blurRad="38100" dist="38100" dir="2700000" algn="tl">
+                    <a:srgbClr val="000000">
+                      <a:alpha val="43137"/>
+                    </a:srgbClr>
+                  </a:outerShdw>
+                </a:effectLst>
+                <a:latin typeface="Sylfaen" panose="010A0502050306030303" pitchFamily="18" charset="0"/>
+              </a:rPr>
+              <a:t>	</a:t>
+            </a:r>
+            <a:r>
+              <a:rPr lang="en-US" sz="8000" dirty="0">
+                <a:effectLst>
+                  <a:outerShdw blurRad="38100" dist="38100" dir="2700000" algn="tl">
+                    <a:srgbClr val="000000">
+                      <a:alpha val="43137"/>
+                    </a:srgbClr>
+                  </a:outerShdw>
+                </a:effectLst>
+                <a:latin typeface="Sylfaen" panose="010A0502050306030303" pitchFamily="18" charset="0"/>
+              </a:rPr>
+              <a:t>&lt;param-name&gt;message&lt;/param-name&gt;</a:t>
+            </a:r>
+          </a:p>
+          <a:p>
+            <a:pPr marL="0" marR="0" indent="0">
+              <a:lnSpc>
+                <a:spcPct val="120000"/>
+              </a:lnSpc>
+              <a:spcBef>
+                <a:spcPts val="0"/>
+              </a:spcBef>
+              <a:spcAft>
+                <a:spcPts val="0"/>
+              </a:spcAft>
+              <a:buNone/>
+            </a:pPr>
+            <a:r>
+              <a:rPr lang="en-US" sz="8000" dirty="0">
+                <a:effectLst>
+                  <a:outerShdw blurRad="38100" dist="38100" dir="2700000" algn="tl">
+                    <a:srgbClr val="000000">
+                      <a:alpha val="43137"/>
+                    </a:srgbClr>
+                  </a:outerShdw>
+                </a:effectLst>
+                <a:latin typeface="Sylfaen" panose="010A0502050306030303" pitchFamily="18" charset="0"/>
+              </a:rPr>
+              <a:t>      </a:t>
+            </a:r>
+            <a:r>
+              <a:rPr lang="ru-RU" sz="8000" dirty="0">
+                <a:effectLst>
+                  <a:outerShdw blurRad="38100" dist="38100" dir="2700000" algn="tl">
+                    <a:srgbClr val="000000">
+                      <a:alpha val="43137"/>
+                    </a:srgbClr>
+                  </a:outerShdw>
+                </a:effectLst>
+                <a:latin typeface="Sylfaen" panose="010A0502050306030303" pitchFamily="18" charset="0"/>
+              </a:rPr>
+              <a:t>	</a:t>
+            </a:r>
+            <a:r>
+              <a:rPr lang="en-US" sz="8000" dirty="0">
+                <a:effectLst>
+                  <a:outerShdw blurRad="38100" dist="38100" dir="2700000" algn="tl">
+                    <a:srgbClr val="000000">
+                      <a:alpha val="43137"/>
+                    </a:srgbClr>
+                  </a:outerShdw>
+                </a:effectLst>
+                <a:latin typeface="Sylfaen" panose="010A0502050306030303" pitchFamily="18" charset="0"/>
+              </a:rPr>
+              <a:t>&lt;param-value&gt;Hello Servlets&lt;/param-value&gt;</a:t>
+            </a:r>
+          </a:p>
+          <a:p>
+            <a:pPr marL="0" marR="0" indent="0">
+              <a:lnSpc>
+                <a:spcPct val="120000"/>
+              </a:lnSpc>
+              <a:spcBef>
+                <a:spcPts val="0"/>
+              </a:spcBef>
+              <a:spcAft>
+                <a:spcPts val="0"/>
+              </a:spcAft>
+              <a:buNone/>
+            </a:pPr>
+            <a:r>
+              <a:rPr lang="en-US" sz="8000" dirty="0">
+                <a:effectLst>
+                  <a:outerShdw blurRad="38100" dist="38100" dir="2700000" algn="tl">
+                    <a:srgbClr val="000000">
+                      <a:alpha val="43137"/>
+                    </a:srgbClr>
+                  </a:outerShdw>
+                </a:effectLst>
+                <a:latin typeface="Sylfaen" panose="010A0502050306030303" pitchFamily="18" charset="0"/>
+              </a:rPr>
+              <a:t>      &lt;/</a:t>
+            </a:r>
+            <a:r>
+              <a:rPr lang="en-US" sz="8000" dirty="0" err="1">
+                <a:effectLst>
+                  <a:outerShdw blurRad="38100" dist="38100" dir="2700000" algn="tl">
+                    <a:srgbClr val="000000">
+                      <a:alpha val="43137"/>
+                    </a:srgbClr>
+                  </a:outerShdw>
+                </a:effectLst>
+                <a:latin typeface="Sylfaen" panose="010A0502050306030303" pitchFamily="18" charset="0"/>
+              </a:rPr>
+              <a:t>init</a:t>
+            </a:r>
+            <a:r>
+              <a:rPr lang="en-US" sz="8000" dirty="0">
+                <a:effectLst>
+                  <a:outerShdw blurRad="38100" dist="38100" dir="2700000" algn="tl">
+                    <a:srgbClr val="000000">
+                      <a:alpha val="43137"/>
+                    </a:srgbClr>
+                  </a:outerShdw>
+                </a:effectLst>
+                <a:latin typeface="Sylfaen" panose="010A0502050306030303" pitchFamily="18" charset="0"/>
+              </a:rPr>
+              <a:t>-param&gt;</a:t>
+            </a:r>
+          </a:p>
+          <a:p>
+            <a:pPr marL="0" marR="0" indent="0">
+              <a:lnSpc>
+                <a:spcPct val="120000"/>
+              </a:lnSpc>
+              <a:spcBef>
+                <a:spcPts val="0"/>
+              </a:spcBef>
+              <a:spcAft>
+                <a:spcPts val="0"/>
+              </a:spcAft>
+              <a:buNone/>
+            </a:pPr>
+            <a:r>
+              <a:rPr lang="en-US" sz="8000" dirty="0">
+                <a:effectLst>
+                  <a:outerShdw blurRad="38100" dist="38100" dir="2700000" algn="tl">
+                    <a:srgbClr val="000000">
+                      <a:alpha val="43137"/>
+                    </a:srgbClr>
+                  </a:outerShdw>
+                </a:effectLst>
+                <a:latin typeface="Sylfaen" panose="010A0502050306030303" pitchFamily="18" charset="0"/>
+              </a:rPr>
+              <a:t>&lt;/servlet&gt;</a:t>
+            </a:r>
+          </a:p>
+          <a:p>
+            <a:pPr marL="0" indent="0">
+              <a:buFont typeface="Arial" panose="020B0604020202020204" pitchFamily="34" charset="0"/>
+              <a:buNone/>
+            </a:pPr>
+            <a:endParaRPr lang="en-US" sz="3300" dirty="0">
+              <a:effectLst>
+                <a:outerShdw blurRad="38100" dist="38100" dir="2700000" algn="tl">
+                  <a:srgbClr val="000000">
+                    <a:alpha val="43137"/>
+                  </a:srgbClr>
+                </a:outerShdw>
+              </a:effectLst>
+              <a:latin typeface="Sylfaen" panose="010A0502050306030303" pitchFamily="18" charset="0"/>
+            </a:endParaRPr>
+          </a:p>
+          <a:p>
+            <a:pPr marL="0" indent="0">
+              <a:buFont typeface="Arial" panose="020B0604020202020204" pitchFamily="34" charset="0"/>
+              <a:buNone/>
+            </a:pPr>
+            <a:endParaRPr lang="en-US" sz="3300" dirty="0">
+              <a:effectLst>
+                <a:outerShdw blurRad="38100" dist="38100" dir="2700000" algn="tl">
+                  <a:srgbClr val="000000">
+                    <a:alpha val="43137"/>
+                  </a:srgbClr>
+                </a:outerShdw>
+              </a:effectLst>
+              <a:latin typeface="Sylfaen" panose="010A0502050306030303" pitchFamily="18" charset="0"/>
+            </a:endParaRPr>
+          </a:p>
+        </p:txBody>
+      </p:sp>
+      <p:cxnSp>
+        <p:nvCxnSpPr>
+          <p:cNvPr id="9" name="Straight Connector 8">
+            <a:extLst>
+              <a:ext uri="{FF2B5EF4-FFF2-40B4-BE49-F238E27FC236}">
+                <a16:creationId xmlns:a16="http://schemas.microsoft.com/office/drawing/2014/main" id="{13D2D415-9DF3-4D58-9227-567B0C71D456}"/>
+              </a:ext>
+            </a:extLst>
+          </p:cNvPr>
+          <p:cNvCxnSpPr>
+            <a:cxnSpLocks/>
+          </p:cNvCxnSpPr>
+          <p:nvPr/>
+        </p:nvCxnSpPr>
+        <p:spPr>
+          <a:xfrm>
+            <a:off x="569235" y="1085785"/>
+            <a:ext cx="11053530" cy="0"/>
+          </a:xfrm>
+          <a:prstGeom prst="line">
+            <a:avLst/>
+          </a:prstGeom>
+        </p:spPr>
+        <p:style>
+          <a:lnRef idx="3">
+            <a:schemeClr val="accent1"/>
+          </a:lnRef>
+          <a:fillRef idx="0">
+            <a:schemeClr val="accent1"/>
+          </a:fillRef>
+          <a:effectRef idx="2">
+            <a:schemeClr val="accent1"/>
+          </a:effectRef>
+          <a:fontRef idx="minor">
+            <a:schemeClr val="tx1"/>
+          </a:fontRef>
+        </p:style>
+      </p:cxnSp>
+      <p:cxnSp>
+        <p:nvCxnSpPr>
+          <p:cNvPr id="10" name="Straight Connector 9">
+            <a:extLst>
+              <a:ext uri="{FF2B5EF4-FFF2-40B4-BE49-F238E27FC236}">
+                <a16:creationId xmlns:a16="http://schemas.microsoft.com/office/drawing/2014/main" id="{5059C4DE-8434-4738-AFB7-58D7720F5794}"/>
+              </a:ext>
+            </a:extLst>
+          </p:cNvPr>
+          <p:cNvCxnSpPr>
+            <a:cxnSpLocks/>
+          </p:cNvCxnSpPr>
+          <p:nvPr/>
+        </p:nvCxnSpPr>
+        <p:spPr>
+          <a:xfrm>
+            <a:off x="502560" y="3238435"/>
+            <a:ext cx="11053530" cy="0"/>
+          </a:xfrm>
+          <a:prstGeom prst="line">
+            <a:avLst/>
+          </a:prstGeom>
+        </p:spPr>
+        <p:style>
+          <a:lnRef idx="3">
+            <a:schemeClr val="accent1"/>
+          </a:lnRef>
+          <a:fillRef idx="0">
+            <a:schemeClr val="accent1"/>
+          </a:fillRef>
+          <a:effectRef idx="2">
+            <a:schemeClr val="accent1"/>
+          </a:effectRef>
+          <a:fontRef idx="minor">
+            <a:schemeClr val="tx1"/>
+          </a:fontRef>
+        </p:style>
+      </p:cxnSp>
+    </p:spTree>
+    <p:extLst>
+      <p:ext uri="{BB962C8B-B14F-4D97-AF65-F5344CB8AC3E}">
+        <p14:creationId xmlns:p14="http://schemas.microsoft.com/office/powerpoint/2010/main" val="4207312191"/>
+      </p:ext>
+    </p:extLst>
+  </p:cSld>
+  <p:clrMapOvr>
+    <a:masterClrMapping/>
+  </p:clrMapOvr>
+</p:sld>
+</file>
+
+<file path=ppt/slides/slide12.xml><?xml version="1.0" encoding="utf-8"?>
+<p:sld xmlns:a="http://schemas.openxmlformats.org/drawingml/2006/main" xmlns:r="http://schemas.openxmlformats.org/officeDocument/2006/relationships" xmlns:p="http://schemas.openxmlformats.org/presentationml/2006/main">
+  <p:cSld>
+    <p:spTree>
+      <p:nvGrpSpPr>
+        <p:cNvPr id="1" name=""/>
+        <p:cNvGrpSpPr/>
+        <p:nvPr/>
+      </p:nvGrpSpPr>
+      <p:grpSpPr>
+        <a:xfrm>
+          <a:off x="0" y="0"/>
+          <a:ext cx="0" cy="0"/>
+          <a:chOff x="0" y="0"/>
+          <a:chExt cx="0" cy="0"/>
+        </a:xfrm>
+      </p:grpSpPr>
+      <p:sp>
+        <p:nvSpPr>
+          <p:cNvPr id="2" name="Title 1">
+            <a:extLst>
+              <a:ext uri="{FF2B5EF4-FFF2-40B4-BE49-F238E27FC236}">
+                <a16:creationId xmlns:a16="http://schemas.microsoft.com/office/drawing/2014/main" id="{023F84FE-E61A-4C33-8A8A-8B5F3787D843}"/>
+              </a:ext>
+            </a:extLst>
+          </p:cNvPr>
+          <p:cNvSpPr>
+            <a:spLocks noGrp="1"/>
+          </p:cNvSpPr>
+          <p:nvPr>
+            <p:ph type="title"/>
+          </p:nvPr>
+        </p:nvSpPr>
+        <p:spPr>
+          <a:xfrm>
+            <a:off x="838200" y="0"/>
+            <a:ext cx="10515600" cy="1325563"/>
+          </a:xfrm>
+        </p:spPr>
+        <p:txBody>
+          <a:bodyPr/>
+          <a:lstStyle/>
+          <a:p>
+            <a:pPr algn="ctr"/>
+            <a:r>
+              <a:rPr lang="it-IT" dirty="0">
+                <a:latin typeface="Sylfaen" panose="010A0502050306030303" pitchFamily="18" charset="0"/>
+              </a:rPr>
+              <a:t>Model View Controller concept (MVC)</a:t>
+            </a:r>
+            <a:endParaRPr lang="en-US" dirty="0"/>
+          </a:p>
+        </p:txBody>
+      </p:sp>
+      <p:pic>
+        <p:nvPicPr>
+          <p:cNvPr id="5" name="Content Placeholder 4">
+            <a:extLst>
+              <a:ext uri="{FF2B5EF4-FFF2-40B4-BE49-F238E27FC236}">
+                <a16:creationId xmlns:a16="http://schemas.microsoft.com/office/drawing/2014/main" id="{22E71514-A81A-41CB-AF4E-D928495C72FE}"/>
+              </a:ext>
+            </a:extLst>
+          </p:cNvPr>
+          <p:cNvPicPr>
+            <a:picLocks noGrp="1" noChangeAspect="1"/>
+          </p:cNvPicPr>
+          <p:nvPr>
+            <p:ph idx="1"/>
+          </p:nvPr>
+        </p:nvPicPr>
+        <p:blipFill>
+          <a:blip r:embed="rId2">
+            <a:extLst>
+              <a:ext uri="{28A0092B-C50C-407E-A947-70E740481C1C}">
+                <a14:useLocalDpi xmlns:a14="http://schemas.microsoft.com/office/drawing/2010/main" val="0"/>
+              </a:ext>
+            </a:extLst>
+          </a:blip>
+          <a:stretch>
+            <a:fillRect/>
+          </a:stretch>
+        </p:blipFill>
+        <p:spPr>
+          <a:xfrm>
+            <a:off x="1914720" y="1495041"/>
+            <a:ext cx="8362560" cy="4441064"/>
+          </a:xfrm>
+        </p:spPr>
+      </p:pic>
+      <p:cxnSp>
+        <p:nvCxnSpPr>
+          <p:cNvPr id="6" name="Straight Connector 5">
+            <a:extLst>
+              <a:ext uri="{FF2B5EF4-FFF2-40B4-BE49-F238E27FC236}">
+                <a16:creationId xmlns:a16="http://schemas.microsoft.com/office/drawing/2014/main" id="{7B967C84-BFB7-4D58-9820-529226402FC1}"/>
+              </a:ext>
+            </a:extLst>
+          </p:cNvPr>
+          <p:cNvCxnSpPr>
+            <a:cxnSpLocks/>
+          </p:cNvCxnSpPr>
+          <p:nvPr/>
+        </p:nvCxnSpPr>
+        <p:spPr>
+          <a:xfrm>
+            <a:off x="674166" y="1160672"/>
+            <a:ext cx="11053530" cy="0"/>
+          </a:xfrm>
+          <a:prstGeom prst="line">
+            <a:avLst/>
+          </a:prstGeom>
+        </p:spPr>
+        <p:style>
+          <a:lnRef idx="3">
+            <a:schemeClr val="accent1"/>
+          </a:lnRef>
+          <a:fillRef idx="0">
+            <a:schemeClr val="accent1"/>
+          </a:fillRef>
+          <a:effectRef idx="2">
+            <a:schemeClr val="accent1"/>
+          </a:effectRef>
+          <a:fontRef idx="minor">
+            <a:schemeClr val="tx1"/>
+          </a:fontRef>
+        </p:style>
+      </p:cxnSp>
+    </p:spTree>
+    <p:extLst>
+      <p:ext uri="{BB962C8B-B14F-4D97-AF65-F5344CB8AC3E}">
+        <p14:creationId xmlns:p14="http://schemas.microsoft.com/office/powerpoint/2010/main" val="2956001621"/>
+      </p:ext>
+    </p:extLst>
+  </p:cSld>
+  <p:clrMapOvr>
+    <a:masterClrMapping/>
+  </p:clrMapOvr>
+</p:sld>
+</file>
+
+<file path=ppt/slides/slide13.xml><?xml version="1.0" encoding="utf-8"?>
+<p:sld xmlns:a="http://schemas.openxmlformats.org/drawingml/2006/main" xmlns:r="http://schemas.openxmlformats.org/officeDocument/2006/relationships" xmlns:p="http://schemas.openxmlformats.org/presentationml/2006/main">
+  <p:cSld>
+    <p:spTree>
+      <p:nvGrpSpPr>
+        <p:cNvPr id="1" name=""/>
+        <p:cNvGrpSpPr/>
+        <p:nvPr/>
+      </p:nvGrpSpPr>
+      <p:grpSpPr>
+        <a:xfrm>
+          <a:off x="0" y="0"/>
+          <a:ext cx="0" cy="0"/>
+          <a:chOff x="0" y="0"/>
+          <a:chExt cx="0" cy="0"/>
+        </a:xfrm>
+      </p:grpSpPr>
+      <p:sp>
+        <p:nvSpPr>
+          <p:cNvPr id="2" name="Title 1">
+            <a:extLst>
+              <a:ext uri="{FF2B5EF4-FFF2-40B4-BE49-F238E27FC236}">
+                <a16:creationId xmlns:a16="http://schemas.microsoft.com/office/drawing/2014/main" id="{91587CCF-6F83-43C5-A61C-903659B56F67}"/>
+              </a:ext>
+            </a:extLst>
+          </p:cNvPr>
+          <p:cNvSpPr>
+            <a:spLocks noGrp="1"/>
+          </p:cNvSpPr>
+          <p:nvPr>
+            <p:ph type="title"/>
+          </p:nvPr>
+        </p:nvSpPr>
+        <p:spPr>
+          <a:xfrm>
+            <a:off x="838200" y="0"/>
+            <a:ext cx="10515600" cy="974361"/>
+          </a:xfrm>
+        </p:spPr>
+        <p:txBody>
+          <a:bodyPr/>
+          <a:lstStyle/>
+          <a:p>
+            <a:pPr algn="ctr"/>
+            <a:r>
+              <a:rPr lang="en-US" dirty="0">
+                <a:latin typeface="Sylfaen" panose="010A0502050306030303" pitchFamily="18" charset="0"/>
+              </a:rPr>
+              <a:t>Redirect and Forwarding</a:t>
+            </a:r>
+          </a:p>
+        </p:txBody>
+      </p:sp>
+      <p:sp>
+        <p:nvSpPr>
+          <p:cNvPr id="3" name="Content Placeholder 2">
+            <a:extLst>
+              <a:ext uri="{FF2B5EF4-FFF2-40B4-BE49-F238E27FC236}">
+                <a16:creationId xmlns:a16="http://schemas.microsoft.com/office/drawing/2014/main" id="{D19CD236-1726-466F-B865-09298ED5695B}"/>
+              </a:ext>
+            </a:extLst>
+          </p:cNvPr>
+          <p:cNvSpPr>
+            <a:spLocks noGrp="1"/>
+          </p:cNvSpPr>
+          <p:nvPr>
+            <p:ph idx="1"/>
+          </p:nvPr>
+        </p:nvSpPr>
+        <p:spPr>
+          <a:xfrm>
+            <a:off x="564629" y="974361"/>
+            <a:ext cx="11062741" cy="5390029"/>
+          </a:xfrm>
+        </p:spPr>
+        <p:txBody>
+          <a:bodyPr>
+            <a:normAutofit/>
+          </a:bodyPr>
+          <a:lstStyle/>
+          <a:p>
+            <a:pPr marL="0" indent="0">
+              <a:buNone/>
+            </a:pPr>
+            <a:r>
+              <a:rPr lang="en-US" sz="4000" u="sng" dirty="0">
+                <a:effectLst>
+                  <a:outerShdw blurRad="38100" dist="38100" dir="2700000" algn="tl">
+                    <a:srgbClr val="000000">
+                      <a:alpha val="43137"/>
+                    </a:srgbClr>
+                  </a:outerShdw>
+                </a:effectLst>
+                <a:latin typeface="Sylfaen" panose="010A0502050306030303" pitchFamily="18" charset="0"/>
+                <a:ea typeface="+mj-ea"/>
+                <a:cs typeface="+mj-cs"/>
+              </a:rPr>
+              <a:t>Redirect</a:t>
+            </a:r>
+          </a:p>
+          <a:p>
+            <a:pPr marL="0" indent="0">
+              <a:buNone/>
+            </a:pPr>
+            <a:r>
+              <a:rPr lang="en-US" dirty="0" err="1">
+                <a:effectLst>
+                  <a:outerShdw blurRad="38100" dist="38100" dir="2700000" algn="tl">
+                    <a:srgbClr val="000000">
+                      <a:alpha val="43137"/>
+                    </a:srgbClr>
+                  </a:outerShdw>
+                </a:effectLst>
+                <a:latin typeface="Sylfaen" panose="010A0502050306030303" pitchFamily="18" charset="0"/>
+              </a:rPr>
+              <a:t>httpServletResponse</a:t>
+            </a:r>
+            <a:r>
+              <a:rPr lang="en-US" sz="3400" dirty="0" err="1">
+                <a:effectLst>
+                  <a:outerShdw blurRad="38100" dist="38100" dir="2700000" algn="tl">
+                    <a:srgbClr val="000000">
+                      <a:alpha val="43137"/>
+                    </a:srgbClr>
+                  </a:outerShdw>
+                </a:effectLst>
+                <a:latin typeface="Sylfaen" panose="010A0502050306030303" pitchFamily="18" charset="0"/>
+              </a:rPr>
+              <a:t>.sendRedirect</a:t>
+            </a:r>
+            <a:r>
+              <a:rPr lang="en-US" sz="3400" dirty="0">
+                <a:effectLst>
+                  <a:outerShdw blurRad="38100" dist="38100" dir="2700000" algn="tl">
+                    <a:srgbClr val="000000">
+                      <a:alpha val="43137"/>
+                    </a:srgbClr>
+                  </a:outerShdw>
+                </a:effectLst>
+                <a:latin typeface="Sylfaen" panose="010A0502050306030303" pitchFamily="18" charset="0"/>
+              </a:rPr>
+              <a:t>(String resource)</a:t>
+            </a:r>
+          </a:p>
+          <a:p>
+            <a:pPr marL="0" indent="0">
+              <a:buNone/>
+            </a:pPr>
+            <a:r>
+              <a:rPr lang="en-US" dirty="0">
+                <a:effectLst>
+                  <a:outerShdw blurRad="38100" dist="38100" dir="2700000" algn="tl">
+                    <a:srgbClr val="000000">
+                      <a:alpha val="43137"/>
+                    </a:srgbClr>
+                  </a:outerShdw>
+                </a:effectLst>
+                <a:latin typeface="Sylfaen" panose="010A0502050306030303" pitchFamily="18" charset="0"/>
+              </a:rPr>
+              <a:t>Resource can be internal or external</a:t>
+            </a:r>
+          </a:p>
+          <a:p>
+            <a:pPr marL="0" indent="0">
+              <a:buNone/>
+            </a:pPr>
+            <a:endParaRPr lang="en-US" sz="1800" dirty="0">
+              <a:effectLst/>
+              <a:latin typeface="Times New Roman" panose="02020603050405020304" pitchFamily="18" charset="0"/>
+              <a:ea typeface="Calibri" panose="020F0502020204030204" pitchFamily="34" charset="0"/>
+            </a:endParaRPr>
+          </a:p>
+          <a:p>
+            <a:pPr marL="0" indent="0">
+              <a:buNone/>
+            </a:pPr>
+            <a:r>
+              <a:rPr lang="en-US" sz="4000" u="sng" dirty="0">
+                <a:effectLst>
+                  <a:outerShdw blurRad="38100" dist="38100" dir="2700000" algn="tl">
+                    <a:srgbClr val="000000">
+                      <a:alpha val="43137"/>
+                    </a:srgbClr>
+                  </a:outerShdw>
+                </a:effectLst>
+                <a:latin typeface="Sylfaen" panose="010A0502050306030303" pitchFamily="18" charset="0"/>
+                <a:ea typeface="+mj-ea"/>
+                <a:cs typeface="+mj-cs"/>
+              </a:rPr>
+              <a:t>Forwarding</a:t>
+            </a:r>
+          </a:p>
+          <a:p>
+            <a:pPr marL="0" indent="0">
+              <a:buNone/>
+            </a:pPr>
+            <a:r>
+              <a:rPr lang="hy-AM" dirty="0">
+                <a:effectLst>
+                  <a:outerShdw blurRad="38100" dist="38100" dir="2700000" algn="tl">
+                    <a:srgbClr val="000000">
+                      <a:alpha val="43137"/>
+                    </a:srgbClr>
+                  </a:outerShdw>
+                </a:effectLst>
+                <a:latin typeface="Sylfaen" panose="010A0502050306030303" pitchFamily="18" charset="0"/>
+              </a:rPr>
+              <a:t>RequestDispatcher</a:t>
+            </a:r>
+            <a:endParaRPr lang="en-US" dirty="0">
+              <a:effectLst>
+                <a:outerShdw blurRad="38100" dist="38100" dir="2700000" algn="tl">
+                  <a:srgbClr val="000000">
+                    <a:alpha val="43137"/>
+                  </a:srgbClr>
+                </a:outerShdw>
+              </a:effectLst>
+              <a:latin typeface="Sylfaen" panose="010A0502050306030303" pitchFamily="18" charset="0"/>
+            </a:endParaRPr>
+          </a:p>
+          <a:p>
+            <a:pPr marL="0" indent="0">
+              <a:buNone/>
+            </a:pPr>
+            <a:r>
+              <a:rPr lang="en-US" dirty="0" err="1">
+                <a:effectLst>
+                  <a:outerShdw blurRad="38100" dist="38100" dir="2700000" algn="tl">
+                    <a:srgbClr val="000000">
+                      <a:alpha val="43137"/>
+                    </a:srgbClr>
+                  </a:outerShdw>
+                </a:effectLst>
+                <a:latin typeface="Sylfaen" panose="010A0502050306030303" pitchFamily="18" charset="0"/>
+              </a:rPr>
+              <a:t>httpServletRequest</a:t>
+            </a:r>
+            <a:r>
+              <a:rPr lang="en-US" dirty="0">
+                <a:effectLst>
+                  <a:outerShdw blurRad="38100" dist="38100" dir="2700000" algn="tl">
+                    <a:srgbClr val="000000">
+                      <a:alpha val="43137"/>
+                    </a:srgbClr>
+                  </a:outerShdw>
+                </a:effectLst>
+                <a:latin typeface="Sylfaen" panose="010A0502050306030303" pitchFamily="18" charset="0"/>
+              </a:rPr>
+              <a:t>.</a:t>
+            </a:r>
+            <a:r>
+              <a:rPr lang="hy-AM" dirty="0">
+                <a:effectLst>
+                  <a:outerShdw blurRad="38100" dist="38100" dir="2700000" algn="tl">
+                    <a:srgbClr val="000000">
+                      <a:alpha val="43137"/>
+                    </a:srgbClr>
+                  </a:outerShdw>
+                </a:effectLst>
+                <a:latin typeface="Sylfaen" panose="010A0502050306030303" pitchFamily="18" charset="0"/>
+              </a:rPr>
+              <a:t>getRequestDispatcher</a:t>
+            </a:r>
+            <a:r>
+              <a:rPr lang="en-US" dirty="0">
+                <a:effectLst>
+                  <a:outerShdw blurRad="38100" dist="38100" dir="2700000" algn="tl">
+                    <a:srgbClr val="000000">
+                      <a:alpha val="43137"/>
+                    </a:srgbClr>
+                  </a:outerShdw>
+                </a:effectLst>
+                <a:latin typeface="Sylfaen" panose="010A0502050306030303" pitchFamily="18" charset="0"/>
+              </a:rPr>
+              <a:t>(String resource)</a:t>
+            </a:r>
+          </a:p>
+          <a:p>
+            <a:pPr marL="0" indent="0">
+              <a:buNone/>
+            </a:pPr>
+            <a:r>
+              <a:rPr lang="en-US" dirty="0" err="1">
+                <a:effectLst>
+                  <a:outerShdw blurRad="38100" dist="38100" dir="2700000" algn="tl">
+                    <a:srgbClr val="000000">
+                      <a:alpha val="43137"/>
+                    </a:srgbClr>
+                  </a:outerShdw>
+                </a:effectLst>
+                <a:latin typeface="Sylfaen" panose="010A0502050306030303" pitchFamily="18" charset="0"/>
+              </a:rPr>
+              <a:t>servletContext</a:t>
+            </a:r>
+            <a:r>
+              <a:rPr lang="en-US" dirty="0">
+                <a:effectLst>
+                  <a:outerShdw blurRad="38100" dist="38100" dir="2700000" algn="tl">
+                    <a:srgbClr val="000000">
+                      <a:alpha val="43137"/>
+                    </a:srgbClr>
+                  </a:outerShdw>
+                </a:effectLst>
+                <a:latin typeface="Sylfaen" panose="010A0502050306030303" pitchFamily="18" charset="0"/>
+              </a:rPr>
+              <a:t>.</a:t>
+            </a:r>
+            <a:r>
+              <a:rPr lang="hy-AM" dirty="0">
+                <a:effectLst>
+                  <a:outerShdw blurRad="38100" dist="38100" dir="2700000" algn="tl">
+                    <a:srgbClr val="000000">
+                      <a:alpha val="43137"/>
+                    </a:srgbClr>
+                  </a:outerShdw>
+                </a:effectLst>
+                <a:latin typeface="Sylfaen" panose="010A0502050306030303" pitchFamily="18" charset="0"/>
+              </a:rPr>
+              <a:t>getRequestDispatcher</a:t>
+            </a:r>
+            <a:r>
+              <a:rPr lang="en-US" dirty="0">
+                <a:effectLst>
+                  <a:outerShdw blurRad="38100" dist="38100" dir="2700000" algn="tl">
+                    <a:srgbClr val="000000">
+                      <a:alpha val="43137"/>
+                    </a:srgbClr>
+                  </a:outerShdw>
+                </a:effectLst>
+                <a:latin typeface="Sylfaen" panose="010A0502050306030303" pitchFamily="18" charset="0"/>
+              </a:rPr>
+              <a:t>(String resource)</a:t>
+            </a:r>
+          </a:p>
+          <a:p>
+            <a:pPr marL="0" indent="0">
+              <a:buNone/>
+            </a:pPr>
+            <a:r>
+              <a:rPr lang="en-US" dirty="0" err="1">
+                <a:effectLst>
+                  <a:outerShdw blurRad="38100" dist="38100" dir="2700000" algn="tl">
+                    <a:srgbClr val="000000">
+                      <a:alpha val="43137"/>
+                    </a:srgbClr>
+                  </a:outerShdw>
+                </a:effectLst>
+                <a:latin typeface="Sylfaen" panose="010A0502050306030303" pitchFamily="18" charset="0"/>
+              </a:rPr>
+              <a:t>requestDispatcher.forward</a:t>
+            </a:r>
+            <a:r>
+              <a:rPr lang="en-US" dirty="0">
+                <a:effectLst>
+                  <a:outerShdw blurRad="38100" dist="38100" dir="2700000" algn="tl">
+                    <a:srgbClr val="000000">
+                      <a:alpha val="43137"/>
+                    </a:srgbClr>
+                  </a:outerShdw>
+                </a:effectLst>
+                <a:latin typeface="Sylfaen" panose="010A0502050306030303" pitchFamily="18" charset="0"/>
+              </a:rPr>
+              <a:t>(</a:t>
+            </a:r>
+            <a:r>
+              <a:rPr lang="en-US" dirty="0" err="1">
+                <a:effectLst>
+                  <a:outerShdw blurRad="38100" dist="38100" dir="2700000" algn="tl">
+                    <a:srgbClr val="000000">
+                      <a:alpha val="43137"/>
+                    </a:srgbClr>
+                  </a:outerShdw>
+                </a:effectLst>
+                <a:latin typeface="Sylfaen" panose="010A0502050306030303" pitchFamily="18" charset="0"/>
+              </a:rPr>
+              <a:t>rquest</a:t>
+            </a:r>
+            <a:r>
+              <a:rPr lang="en-US" dirty="0">
+                <a:effectLst>
+                  <a:outerShdw blurRad="38100" dist="38100" dir="2700000" algn="tl">
+                    <a:srgbClr val="000000">
+                      <a:alpha val="43137"/>
+                    </a:srgbClr>
+                  </a:outerShdw>
+                </a:effectLst>
+                <a:latin typeface="Sylfaen" panose="010A0502050306030303" pitchFamily="18" charset="0"/>
+              </a:rPr>
+              <a:t>, </a:t>
+            </a:r>
+            <a:r>
+              <a:rPr lang="en-US" dirty="0" err="1">
+                <a:effectLst>
+                  <a:outerShdw blurRad="38100" dist="38100" dir="2700000" algn="tl">
+                    <a:srgbClr val="000000">
+                      <a:alpha val="43137"/>
+                    </a:srgbClr>
+                  </a:outerShdw>
+                </a:effectLst>
+                <a:latin typeface="Sylfaen" panose="010A0502050306030303" pitchFamily="18" charset="0"/>
+              </a:rPr>
+              <a:t>reponse</a:t>
+            </a:r>
+            <a:r>
+              <a:rPr lang="en-US" dirty="0">
+                <a:effectLst>
+                  <a:outerShdw blurRad="38100" dist="38100" dir="2700000" algn="tl">
+                    <a:srgbClr val="000000">
+                      <a:alpha val="43137"/>
+                    </a:srgbClr>
+                  </a:outerShdw>
+                </a:effectLst>
+                <a:latin typeface="Sylfaen" panose="010A0502050306030303" pitchFamily="18" charset="0"/>
+              </a:rPr>
+              <a:t>)</a:t>
+            </a:r>
+          </a:p>
+          <a:p>
+            <a:pPr marL="0" indent="0">
+              <a:buNone/>
+            </a:pPr>
+            <a:r>
+              <a:rPr lang="en-US" dirty="0">
+                <a:effectLst>
+                  <a:outerShdw blurRad="38100" dist="38100" dir="2700000" algn="tl">
+                    <a:srgbClr val="000000">
+                      <a:alpha val="43137"/>
+                    </a:srgbClr>
+                  </a:outerShdw>
+                </a:effectLst>
+                <a:latin typeface="Sylfaen" panose="010A0502050306030303" pitchFamily="18" charset="0"/>
+              </a:rPr>
+              <a:t>Resource can be only internal</a:t>
+            </a:r>
+          </a:p>
+          <a:p>
+            <a:pPr marL="0" indent="0">
+              <a:buNone/>
+            </a:pPr>
+            <a:endParaRPr lang="en-US" dirty="0">
+              <a:effectLst/>
+              <a:latin typeface="Times New Roman" panose="02020603050405020304" pitchFamily="18" charset="0"/>
+              <a:ea typeface="Calibri" panose="020F0502020204030204" pitchFamily="34" charset="0"/>
+            </a:endParaRPr>
+          </a:p>
+        </p:txBody>
+      </p:sp>
+      <p:cxnSp>
+        <p:nvCxnSpPr>
+          <p:cNvPr id="4" name="Straight Connector 3">
+            <a:extLst>
+              <a:ext uri="{FF2B5EF4-FFF2-40B4-BE49-F238E27FC236}">
+                <a16:creationId xmlns:a16="http://schemas.microsoft.com/office/drawing/2014/main" id="{4963C6B0-8D79-443B-A245-57F1179D659C}"/>
+              </a:ext>
+            </a:extLst>
+          </p:cNvPr>
+          <p:cNvCxnSpPr>
+            <a:cxnSpLocks/>
+          </p:cNvCxnSpPr>
+          <p:nvPr/>
+        </p:nvCxnSpPr>
+        <p:spPr>
+          <a:xfrm>
+            <a:off x="564629" y="860869"/>
+            <a:ext cx="11053530" cy="0"/>
+          </a:xfrm>
+          <a:prstGeom prst="line">
+            <a:avLst/>
+          </a:prstGeom>
+        </p:spPr>
+        <p:style>
+          <a:lnRef idx="3">
+            <a:schemeClr val="accent1"/>
+          </a:lnRef>
+          <a:fillRef idx="0">
+            <a:schemeClr val="accent1"/>
+          </a:fillRef>
+          <a:effectRef idx="2">
+            <a:schemeClr val="accent1"/>
+          </a:effectRef>
+          <a:fontRef idx="minor">
+            <a:schemeClr val="tx1"/>
+          </a:fontRef>
+        </p:style>
+      </p:cxnSp>
+    </p:spTree>
+    <p:extLst>
+      <p:ext uri="{BB962C8B-B14F-4D97-AF65-F5344CB8AC3E}">
+        <p14:creationId xmlns:p14="http://schemas.microsoft.com/office/powerpoint/2010/main" val="2856364103"/>
+      </p:ext>
+    </p:extLst>
+  </p:cSld>
+  <p:clrMapOvr>
+    <a:masterClrMapping/>
+  </p:clrMapOvr>
+</p:sld>
+</file>
+
+<file path=ppt/slides/slide14.xml><?xml version="1.0" encoding="utf-8"?>
+<p:sld xmlns:a="http://schemas.openxmlformats.org/drawingml/2006/main" xmlns:r="http://schemas.openxmlformats.org/officeDocument/2006/relationships" xmlns:p="http://schemas.openxmlformats.org/presentationml/2006/main">
+  <p:cSld>
+    <p:spTree>
+      <p:nvGrpSpPr>
+        <p:cNvPr id="1" name=""/>
+        <p:cNvGrpSpPr/>
+        <p:nvPr/>
+      </p:nvGrpSpPr>
+      <p:grpSpPr>
+        <a:xfrm>
+          <a:off x="0" y="0"/>
+          <a:ext cx="0" cy="0"/>
+          <a:chOff x="0" y="0"/>
+          <a:chExt cx="0" cy="0"/>
+        </a:xfrm>
+      </p:grpSpPr>
+      <p:sp>
+        <p:nvSpPr>
+          <p:cNvPr id="2" name="Title 1">
+            <a:extLst>
+              <a:ext uri="{FF2B5EF4-FFF2-40B4-BE49-F238E27FC236}">
+                <a16:creationId xmlns:a16="http://schemas.microsoft.com/office/drawing/2014/main" id="{7069C297-C6C8-40C1-BE7E-94C3D1D4C108}"/>
+              </a:ext>
+            </a:extLst>
+          </p:cNvPr>
+          <p:cNvSpPr>
+            <a:spLocks noGrp="1"/>
+          </p:cNvSpPr>
+          <p:nvPr>
+            <p:ph type="title"/>
+          </p:nvPr>
+        </p:nvSpPr>
+        <p:spPr>
+          <a:xfrm>
+            <a:off x="838200" y="0"/>
+            <a:ext cx="10515600" cy="1543987"/>
+          </a:xfrm>
+        </p:spPr>
+        <p:txBody>
+          <a:bodyPr/>
+          <a:lstStyle/>
+          <a:p>
+            <a:pPr algn="ctr"/>
+            <a:r>
+              <a:rPr lang="en-US" dirty="0">
+                <a:latin typeface="Sylfaen" panose="010A0502050306030303" pitchFamily="18" charset="0"/>
+              </a:rPr>
+              <a:t>Session</a:t>
+            </a:r>
+            <a:endParaRPr lang="en-US" dirty="0"/>
+          </a:p>
+        </p:txBody>
+      </p:sp>
+      <p:sp>
+        <p:nvSpPr>
+          <p:cNvPr id="3" name="Content Placeholder 2">
+            <a:extLst>
+              <a:ext uri="{FF2B5EF4-FFF2-40B4-BE49-F238E27FC236}">
+                <a16:creationId xmlns:a16="http://schemas.microsoft.com/office/drawing/2014/main" id="{9D65B973-518C-4853-90A7-427283811918}"/>
+              </a:ext>
+            </a:extLst>
+          </p:cNvPr>
+          <p:cNvSpPr>
+            <a:spLocks noGrp="1"/>
+          </p:cNvSpPr>
+          <p:nvPr>
+            <p:ph idx="1"/>
+          </p:nvPr>
+        </p:nvSpPr>
+        <p:spPr>
+          <a:xfrm>
+            <a:off x="838200" y="1825625"/>
+            <a:ext cx="4243466" cy="4351338"/>
+          </a:xfrm>
+        </p:spPr>
+        <p:txBody>
+          <a:bodyPr/>
+          <a:lstStyle/>
+          <a:p>
+            <a:pPr marL="0" indent="0">
+              <a:buNone/>
+            </a:pPr>
+            <a:r>
+              <a:rPr lang="en-US" sz="3200" dirty="0">
+                <a:effectLst>
+                  <a:outerShdw blurRad="38100" dist="38100" dir="2700000" algn="tl">
+                    <a:srgbClr val="000000">
+                      <a:alpha val="43137"/>
+                    </a:srgbClr>
+                  </a:outerShdw>
+                </a:effectLst>
+                <a:latin typeface="Sylfaen" panose="010A0502050306030303" pitchFamily="18" charset="0"/>
+              </a:rPr>
+              <a:t>Session Id</a:t>
+            </a:r>
+          </a:p>
+          <a:p>
+            <a:pPr marL="0" indent="0">
+              <a:buNone/>
+            </a:pPr>
+            <a:endParaRPr lang="en-US" sz="3200" dirty="0">
+              <a:effectLst>
+                <a:outerShdw blurRad="38100" dist="38100" dir="2700000" algn="tl">
+                  <a:srgbClr val="000000">
+                    <a:alpha val="43137"/>
+                  </a:srgbClr>
+                </a:outerShdw>
+              </a:effectLst>
+              <a:latin typeface="Sylfaen" panose="010A0502050306030303" pitchFamily="18" charset="0"/>
+            </a:endParaRPr>
+          </a:p>
+          <a:p>
+            <a:pPr marL="0" indent="0">
+              <a:buNone/>
+            </a:pPr>
+            <a:r>
+              <a:rPr lang="en-US" sz="3200" dirty="0" err="1">
+                <a:effectLst>
+                  <a:outerShdw blurRad="38100" dist="38100" dir="2700000" algn="tl">
+                    <a:srgbClr val="000000">
+                      <a:alpha val="43137"/>
+                    </a:srgbClr>
+                  </a:outerShdw>
+                </a:effectLst>
+                <a:latin typeface="Sylfaen" panose="010A0502050306030303" pitchFamily="18" charset="0"/>
+              </a:rPr>
+              <a:t>HttpSession</a:t>
+            </a:r>
+            <a:r>
+              <a:rPr lang="en-US" sz="3200" dirty="0">
+                <a:effectLst>
+                  <a:outerShdw blurRad="38100" dist="38100" dir="2700000" algn="tl">
+                    <a:srgbClr val="000000">
+                      <a:alpha val="43137"/>
+                    </a:srgbClr>
+                  </a:outerShdw>
+                </a:effectLst>
+                <a:latin typeface="Sylfaen" panose="010A0502050306030303" pitchFamily="18" charset="0"/>
+              </a:rPr>
+              <a:t> interface</a:t>
+            </a:r>
+          </a:p>
+          <a:p>
+            <a:pPr marL="0" indent="0">
+              <a:buNone/>
+            </a:pPr>
+            <a:endParaRPr lang="hy-AM" dirty="0"/>
+          </a:p>
+        </p:txBody>
+      </p:sp>
+      <p:sp>
+        <p:nvSpPr>
+          <p:cNvPr id="4" name="Content Placeholder 2">
+            <a:extLst>
+              <a:ext uri="{FF2B5EF4-FFF2-40B4-BE49-F238E27FC236}">
+                <a16:creationId xmlns:a16="http://schemas.microsoft.com/office/drawing/2014/main" id="{436B380B-8156-40A0-A309-AEE7B500F1A1}"/>
+              </a:ext>
+            </a:extLst>
+          </p:cNvPr>
+          <p:cNvSpPr txBox="1">
+            <a:spLocks/>
+          </p:cNvSpPr>
+          <p:nvPr/>
+        </p:nvSpPr>
+        <p:spPr>
+          <a:xfrm>
+            <a:off x="5531370" y="1825625"/>
+            <a:ext cx="6190938" cy="3675766"/>
+          </a:xfrm>
+          <a:prstGeom prst="rect">
+            <a:avLst/>
+          </a:prstGeom>
+        </p:spPr>
+        <p:txBody>
+          <a:bodyPr vert="horz" lIns="91440" tIns="45720" rIns="91440" bIns="45720" rtlCol="0">
+            <a:normAutofit fontScale="70000" lnSpcReduction="20000"/>
+          </a:bodyPr>
+          <a:lstStyle>
+            <a:lvl1pPr marL="228600" indent="-228600" algn="l" defTabSz="914400" rtl="0" eaLnBrk="1" latinLnBrk="0" hangingPunct="1">
+              <a:lnSpc>
+                <a:spcPct val="90000"/>
+              </a:lnSpc>
+              <a:spcBef>
+                <a:spcPts val="1000"/>
+              </a:spcBef>
+              <a:buFont typeface="Arial" panose="020B0604020202020204" pitchFamily="34" charset="0"/>
+              <a:buChar char="•"/>
+              <a:defRPr sz="2800" kern="1200">
+                <a:solidFill>
+                  <a:schemeClr val="tx1"/>
+                </a:solidFill>
+                <a:latin typeface="+mn-lt"/>
+                <a:ea typeface="+mn-ea"/>
+                <a:cs typeface="+mn-cs"/>
+              </a:defRPr>
+            </a:lvl1pPr>
+            <a:lvl2pPr marL="685800" indent="-228600" algn="l" defTabSz="914400" rtl="0" eaLnBrk="1" latinLnBrk="0" hangingPunct="1">
+              <a:lnSpc>
+                <a:spcPct val="90000"/>
+              </a:lnSpc>
+              <a:spcBef>
+                <a:spcPts val="500"/>
+              </a:spcBef>
+              <a:buFont typeface="Arial" panose="020B0604020202020204" pitchFamily="34" charset="0"/>
+              <a:buChar char="•"/>
+              <a:defRPr sz="2400" kern="1200">
+                <a:solidFill>
+                  <a:schemeClr val="tx1"/>
+                </a:solidFill>
+                <a:latin typeface="+mn-lt"/>
+                <a:ea typeface="+mn-ea"/>
+                <a:cs typeface="+mn-cs"/>
+              </a:defRPr>
+            </a:lvl2pPr>
+            <a:lvl3pPr marL="1143000" indent="-228600" algn="l" defTabSz="914400" rtl="0" eaLnBrk="1" latinLnBrk="0" hangingPunct="1">
+              <a:lnSpc>
+                <a:spcPct val="90000"/>
+              </a:lnSpc>
+              <a:spcBef>
+                <a:spcPts val="500"/>
+              </a:spcBef>
+              <a:buFont typeface="Arial" panose="020B0604020202020204" pitchFamily="34" charset="0"/>
+              <a:buChar char="•"/>
+              <a:defRPr sz="2000" kern="1200">
+                <a:solidFill>
+                  <a:schemeClr val="tx1"/>
+                </a:solidFill>
+                <a:latin typeface="+mn-lt"/>
+                <a:ea typeface="+mn-ea"/>
+                <a:cs typeface="+mn-cs"/>
+              </a:defRPr>
+            </a:lvl3pPr>
+            <a:lvl4pPr marL="1600200" indent="-228600" algn="l" defTabSz="914400" rtl="0" eaLnBrk="1" latinLnBrk="0" hangingPunct="1">
+              <a:lnSpc>
+                <a:spcPct val="90000"/>
+              </a:lnSpc>
+              <a:spcBef>
+                <a:spcPts val="500"/>
+              </a:spcBef>
+              <a:buFont typeface="Arial" panose="020B0604020202020204" pitchFamily="34" charset="0"/>
+              <a:buChar char="•"/>
+              <a:defRPr sz="1800" kern="1200">
+                <a:solidFill>
+                  <a:schemeClr val="tx1"/>
+                </a:solidFill>
+                <a:latin typeface="+mn-lt"/>
+                <a:ea typeface="+mn-ea"/>
+                <a:cs typeface="+mn-cs"/>
+              </a:defRPr>
+            </a:lvl4pPr>
+            <a:lvl5pPr marL="2057400" indent="-228600" algn="l" defTabSz="914400" rtl="0" eaLnBrk="1" latinLnBrk="0" hangingPunct="1">
+              <a:lnSpc>
+                <a:spcPct val="90000"/>
+              </a:lnSpc>
+              <a:spcBef>
+                <a:spcPts val="500"/>
+              </a:spcBef>
+              <a:buFont typeface="Arial" panose="020B0604020202020204" pitchFamily="34" charset="0"/>
+              <a:buChar char="•"/>
+              <a:defRPr sz="1800" kern="1200">
+                <a:solidFill>
+                  <a:schemeClr val="tx1"/>
+                </a:solidFill>
+                <a:latin typeface="+mn-lt"/>
+                <a:ea typeface="+mn-ea"/>
+                <a:cs typeface="+mn-cs"/>
+              </a:defRPr>
+            </a:lvl5pPr>
+            <a:lvl6pPr marL="2514600" indent="-228600" algn="l" defTabSz="914400" rtl="0" eaLnBrk="1" latinLnBrk="0" hangingPunct="1">
+              <a:lnSpc>
+                <a:spcPct val="90000"/>
+              </a:lnSpc>
+              <a:spcBef>
+                <a:spcPts val="500"/>
+              </a:spcBef>
+              <a:buFont typeface="Arial" panose="020B0604020202020204" pitchFamily="34" charset="0"/>
+              <a:buChar char="•"/>
+              <a:defRPr sz="1800" kern="1200">
+                <a:solidFill>
+                  <a:schemeClr val="tx1"/>
+                </a:solidFill>
+                <a:latin typeface="+mn-lt"/>
+                <a:ea typeface="+mn-ea"/>
+                <a:cs typeface="+mn-cs"/>
+              </a:defRPr>
+            </a:lvl6pPr>
+            <a:lvl7pPr marL="2971800" indent="-228600" algn="l" defTabSz="914400" rtl="0" eaLnBrk="1" latinLnBrk="0" hangingPunct="1">
+              <a:lnSpc>
+                <a:spcPct val="90000"/>
+              </a:lnSpc>
+              <a:spcBef>
+                <a:spcPts val="500"/>
+              </a:spcBef>
+              <a:buFont typeface="Arial" panose="020B0604020202020204" pitchFamily="34" charset="0"/>
+              <a:buChar char="•"/>
+              <a:defRPr sz="1800" kern="1200">
+                <a:solidFill>
+                  <a:schemeClr val="tx1"/>
+                </a:solidFill>
+                <a:latin typeface="+mn-lt"/>
+                <a:ea typeface="+mn-ea"/>
+                <a:cs typeface="+mn-cs"/>
+              </a:defRPr>
+            </a:lvl7pPr>
+            <a:lvl8pPr marL="3429000" indent="-228600" algn="l" defTabSz="914400" rtl="0" eaLnBrk="1" latinLnBrk="0" hangingPunct="1">
+              <a:lnSpc>
+                <a:spcPct val="90000"/>
+              </a:lnSpc>
+              <a:spcBef>
+                <a:spcPts val="500"/>
+              </a:spcBef>
+              <a:buFont typeface="Arial" panose="020B0604020202020204" pitchFamily="34" charset="0"/>
+              <a:buChar char="•"/>
+              <a:defRPr sz="1800" kern="1200">
+                <a:solidFill>
+                  <a:schemeClr val="tx1"/>
+                </a:solidFill>
+                <a:latin typeface="+mn-lt"/>
+                <a:ea typeface="+mn-ea"/>
+                <a:cs typeface="+mn-cs"/>
+              </a:defRPr>
+            </a:lvl8pPr>
+            <a:lvl9pPr marL="3886200" indent="-228600" algn="l" defTabSz="914400" rtl="0" eaLnBrk="1" latinLnBrk="0" hangingPunct="1">
+              <a:lnSpc>
+                <a:spcPct val="90000"/>
+              </a:lnSpc>
+              <a:spcBef>
+                <a:spcPts val="500"/>
+              </a:spcBef>
+              <a:buFont typeface="Arial" panose="020B0604020202020204" pitchFamily="34" charset="0"/>
+              <a:buChar char="•"/>
+              <a:defRPr sz="1800" kern="1200">
+                <a:solidFill>
+                  <a:schemeClr val="tx1"/>
+                </a:solidFill>
+                <a:latin typeface="+mn-lt"/>
+                <a:ea typeface="+mn-ea"/>
+                <a:cs typeface="+mn-cs"/>
+              </a:defRPr>
+            </a:lvl9pPr>
+          </a:lstStyle>
+          <a:p>
+            <a:pPr algn="just">
+              <a:lnSpc>
+                <a:spcPct val="120000"/>
+              </a:lnSpc>
+              <a:spcBef>
+                <a:spcPts val="0"/>
+              </a:spcBef>
+            </a:pPr>
+            <a:r>
+              <a:rPr lang="hy-AM" sz="4200" dirty="0">
+                <a:effectLst>
+                  <a:outerShdw blurRad="38100" dist="38100" dir="2700000" algn="tl">
+                    <a:srgbClr val="000000">
+                      <a:alpha val="43137"/>
+                    </a:srgbClr>
+                  </a:outerShdw>
+                </a:effectLst>
+                <a:latin typeface="Sylfaen" panose="010A0502050306030303" pitchFamily="18" charset="0"/>
+              </a:rPr>
+              <a:t>setAttribute(String name, Object o)</a:t>
+            </a:r>
+            <a:endParaRPr lang="en-US" sz="4200" dirty="0">
+              <a:effectLst>
+                <a:outerShdw blurRad="38100" dist="38100" dir="2700000" algn="tl">
+                  <a:srgbClr val="000000">
+                    <a:alpha val="43137"/>
+                  </a:srgbClr>
+                </a:outerShdw>
+              </a:effectLst>
+              <a:latin typeface="Sylfaen" panose="010A0502050306030303" pitchFamily="18" charset="0"/>
+            </a:endParaRPr>
+          </a:p>
+          <a:p>
+            <a:pPr algn="just">
+              <a:lnSpc>
+                <a:spcPct val="120000"/>
+              </a:lnSpc>
+              <a:spcBef>
+                <a:spcPts val="0"/>
+              </a:spcBef>
+            </a:pPr>
+            <a:r>
+              <a:rPr lang="hy-AM" sz="4200" dirty="0">
+                <a:effectLst>
+                  <a:outerShdw blurRad="38100" dist="38100" dir="2700000" algn="tl">
+                    <a:srgbClr val="000000">
+                      <a:alpha val="43137"/>
+                    </a:srgbClr>
+                  </a:outerShdw>
+                </a:effectLst>
+                <a:latin typeface="Sylfaen" panose="010A0502050306030303" pitchFamily="18" charset="0"/>
+              </a:rPr>
+              <a:t>getAttribute(String name)</a:t>
+            </a:r>
+            <a:endParaRPr lang="en-US" sz="4200" dirty="0">
+              <a:effectLst>
+                <a:outerShdw blurRad="38100" dist="38100" dir="2700000" algn="tl">
+                  <a:srgbClr val="000000">
+                    <a:alpha val="43137"/>
+                  </a:srgbClr>
+                </a:outerShdw>
+              </a:effectLst>
+              <a:latin typeface="Sylfaen" panose="010A0502050306030303" pitchFamily="18" charset="0"/>
+            </a:endParaRPr>
+          </a:p>
+          <a:p>
+            <a:pPr algn="just">
+              <a:lnSpc>
+                <a:spcPct val="120000"/>
+              </a:lnSpc>
+              <a:spcBef>
+                <a:spcPts val="0"/>
+              </a:spcBef>
+            </a:pPr>
+            <a:r>
+              <a:rPr lang="hy-AM" sz="4200" dirty="0">
+                <a:effectLst>
+                  <a:outerShdw blurRad="38100" dist="38100" dir="2700000" algn="tl">
+                    <a:srgbClr val="000000">
+                      <a:alpha val="43137"/>
+                    </a:srgbClr>
+                  </a:outerShdw>
+                </a:effectLst>
+                <a:latin typeface="Sylfaen" panose="010A0502050306030303" pitchFamily="18" charset="0"/>
+              </a:rPr>
+              <a:t>removeAttribute(String name)</a:t>
+            </a:r>
+            <a:endParaRPr lang="en-US" sz="4200" dirty="0">
+              <a:effectLst>
+                <a:outerShdw blurRad="38100" dist="38100" dir="2700000" algn="tl">
+                  <a:srgbClr val="000000">
+                    <a:alpha val="43137"/>
+                  </a:srgbClr>
+                </a:outerShdw>
+              </a:effectLst>
+              <a:latin typeface="Sylfaen" panose="010A0502050306030303" pitchFamily="18" charset="0"/>
+            </a:endParaRPr>
+          </a:p>
+          <a:p>
+            <a:pPr algn="just">
+              <a:lnSpc>
+                <a:spcPct val="120000"/>
+              </a:lnSpc>
+              <a:spcBef>
+                <a:spcPts val="0"/>
+              </a:spcBef>
+            </a:pPr>
+            <a:r>
+              <a:rPr lang="hy-AM" sz="4200" dirty="0">
+                <a:effectLst>
+                  <a:outerShdw blurRad="38100" dist="38100" dir="2700000" algn="tl">
+                    <a:srgbClr val="000000">
+                      <a:alpha val="43137"/>
+                    </a:srgbClr>
+                  </a:outerShdw>
+                </a:effectLst>
+                <a:latin typeface="Sylfaen" panose="010A0502050306030303" pitchFamily="18" charset="0"/>
+              </a:rPr>
+              <a:t>getAttributeNames()</a:t>
+            </a:r>
+            <a:endParaRPr lang="en-US" sz="4200" dirty="0">
+              <a:effectLst>
+                <a:outerShdw blurRad="38100" dist="38100" dir="2700000" algn="tl">
+                  <a:srgbClr val="000000">
+                    <a:alpha val="43137"/>
+                  </a:srgbClr>
+                </a:outerShdw>
+              </a:effectLst>
+              <a:latin typeface="Sylfaen" panose="010A0502050306030303" pitchFamily="18" charset="0"/>
+            </a:endParaRPr>
+          </a:p>
+          <a:p>
+            <a:pPr algn="just">
+              <a:lnSpc>
+                <a:spcPct val="120000"/>
+              </a:lnSpc>
+              <a:spcBef>
+                <a:spcPts val="0"/>
+              </a:spcBef>
+            </a:pPr>
+            <a:r>
+              <a:rPr lang="hy-AM" sz="4200" dirty="0">
+                <a:effectLst>
+                  <a:outerShdw blurRad="38100" dist="38100" dir="2700000" algn="tl">
+                    <a:srgbClr val="000000">
+                      <a:alpha val="43137"/>
+                    </a:srgbClr>
+                  </a:outerShdw>
+                </a:effectLst>
+                <a:latin typeface="Sylfaen" panose="010A0502050306030303" pitchFamily="18" charset="0"/>
+              </a:rPr>
+              <a:t>getId()</a:t>
+            </a:r>
+            <a:endParaRPr lang="en-US" sz="4200" dirty="0">
+              <a:effectLst>
+                <a:outerShdw blurRad="38100" dist="38100" dir="2700000" algn="tl">
+                  <a:srgbClr val="000000">
+                    <a:alpha val="43137"/>
+                  </a:srgbClr>
+                </a:outerShdw>
+              </a:effectLst>
+              <a:latin typeface="Sylfaen" panose="010A0502050306030303" pitchFamily="18" charset="0"/>
+            </a:endParaRPr>
+          </a:p>
+          <a:p>
+            <a:pPr algn="just">
+              <a:lnSpc>
+                <a:spcPct val="120000"/>
+              </a:lnSpc>
+              <a:spcBef>
+                <a:spcPts val="0"/>
+              </a:spcBef>
+            </a:pPr>
+            <a:r>
+              <a:rPr lang="hy-AM" sz="4200" dirty="0">
+                <a:effectLst>
+                  <a:outerShdw blurRad="38100" dist="38100" dir="2700000" algn="tl">
+                    <a:srgbClr val="000000">
+                      <a:alpha val="43137"/>
+                    </a:srgbClr>
+                  </a:outerShdw>
+                </a:effectLst>
+                <a:latin typeface="Sylfaen" panose="010A0502050306030303" pitchFamily="18" charset="0"/>
+              </a:rPr>
+              <a:t>isNew()</a:t>
+            </a:r>
+            <a:endParaRPr lang="en-US" sz="4200" dirty="0">
+              <a:effectLst>
+                <a:outerShdw blurRad="38100" dist="38100" dir="2700000" algn="tl">
+                  <a:srgbClr val="000000">
+                    <a:alpha val="43137"/>
+                  </a:srgbClr>
+                </a:outerShdw>
+              </a:effectLst>
+              <a:latin typeface="Sylfaen" panose="010A0502050306030303" pitchFamily="18" charset="0"/>
+            </a:endParaRPr>
+          </a:p>
+          <a:p>
+            <a:pPr algn="just">
+              <a:lnSpc>
+                <a:spcPct val="120000"/>
+              </a:lnSpc>
+              <a:spcBef>
+                <a:spcPts val="0"/>
+              </a:spcBef>
+            </a:pPr>
+            <a:r>
+              <a:rPr lang="hy-AM" sz="4200" dirty="0">
+                <a:effectLst>
+                  <a:outerShdw blurRad="38100" dist="38100" dir="2700000" algn="tl">
+                    <a:srgbClr val="000000">
+                      <a:alpha val="43137"/>
+                    </a:srgbClr>
+                  </a:outerShdw>
+                </a:effectLst>
+                <a:latin typeface="Sylfaen" panose="010A0502050306030303" pitchFamily="18" charset="0"/>
+              </a:rPr>
+              <a:t>setMaxInactiveInterval(int seconds)</a:t>
+            </a:r>
+            <a:endParaRPr lang="en-US" sz="4200" dirty="0">
+              <a:effectLst>
+                <a:outerShdw blurRad="38100" dist="38100" dir="2700000" algn="tl">
+                  <a:srgbClr val="000000">
+                    <a:alpha val="43137"/>
+                  </a:srgbClr>
+                </a:outerShdw>
+              </a:effectLst>
+              <a:latin typeface="Sylfaen" panose="010A0502050306030303" pitchFamily="18" charset="0"/>
+            </a:endParaRPr>
+          </a:p>
+          <a:p>
+            <a:pPr algn="just">
+              <a:lnSpc>
+                <a:spcPct val="120000"/>
+              </a:lnSpc>
+              <a:spcBef>
+                <a:spcPts val="0"/>
+              </a:spcBef>
+            </a:pPr>
+            <a:r>
+              <a:rPr lang="hy-AM" sz="4200" dirty="0">
+                <a:effectLst>
+                  <a:outerShdw blurRad="38100" dist="38100" dir="2700000" algn="tl">
+                    <a:srgbClr val="000000">
+                      <a:alpha val="43137"/>
+                    </a:srgbClr>
+                  </a:outerShdw>
+                </a:effectLst>
+                <a:latin typeface="Sylfaen" panose="010A0502050306030303" pitchFamily="18" charset="0"/>
+              </a:rPr>
+              <a:t>invalidate()</a:t>
+            </a:r>
+            <a:endParaRPr lang="en-US" sz="4200" dirty="0">
+              <a:effectLst>
+                <a:outerShdw blurRad="38100" dist="38100" dir="2700000" algn="tl">
+                  <a:srgbClr val="000000">
+                    <a:alpha val="43137"/>
+                  </a:srgbClr>
+                </a:outerShdw>
+              </a:effectLst>
+              <a:latin typeface="Sylfaen" panose="010A0502050306030303" pitchFamily="18" charset="0"/>
+            </a:endParaRPr>
+          </a:p>
+          <a:p>
+            <a:pPr marL="0" indent="0">
+              <a:buFont typeface="Arial" panose="020B0604020202020204" pitchFamily="34" charset="0"/>
+              <a:buNone/>
+            </a:pPr>
+            <a:endParaRPr lang="hy-AM" dirty="0"/>
+          </a:p>
+        </p:txBody>
+      </p:sp>
+    </p:spTree>
+    <p:extLst>
+      <p:ext uri="{BB962C8B-B14F-4D97-AF65-F5344CB8AC3E}">
+        <p14:creationId xmlns:p14="http://schemas.microsoft.com/office/powerpoint/2010/main" val="1575786222"/>
+      </p:ext>
+    </p:extLst>
+  </p:cSld>
+  <p:clrMapOvr>
+    <a:masterClrMapping/>
+  </p:clrMapOvr>
+</p:sld>
+</file>
+
+<file path=ppt/slides/slide15.xml><?xml version="1.0" encoding="utf-8"?>
+<p:sld xmlns:a="http://schemas.openxmlformats.org/drawingml/2006/main" xmlns:r="http://schemas.openxmlformats.org/officeDocument/2006/relationships" xmlns:p="http://schemas.openxmlformats.org/presentationml/2006/main">
+  <p:cSld>
+    <p:spTree>
+      <p:nvGrpSpPr>
+        <p:cNvPr id="1" name=""/>
+        <p:cNvGrpSpPr/>
+        <p:nvPr/>
+      </p:nvGrpSpPr>
+      <p:grpSpPr>
+        <a:xfrm>
+          <a:off x="0" y="0"/>
+          <a:ext cx="0" cy="0"/>
+          <a:chOff x="0" y="0"/>
+          <a:chExt cx="0" cy="0"/>
+        </a:xfrm>
+      </p:grpSpPr>
+      <p:sp>
+        <p:nvSpPr>
+          <p:cNvPr id="2" name="Title 1">
+            <a:extLst>
+              <a:ext uri="{FF2B5EF4-FFF2-40B4-BE49-F238E27FC236}">
                 <a16:creationId xmlns:a16="http://schemas.microsoft.com/office/drawing/2014/main" id="{8B537345-D93D-4E85-A491-525FAF6587B7}"/>
               </a:ext>
             </a:extLst>
@@ -3318,31 +6078,79 @@
           </a:p>
         </p:txBody>
       </p:sp>
-      <p:sp>
-        <p:nvSpPr>
-          <p:cNvPr id="3" name="Content Placeholder 2">
+      <p:pic>
+        <p:nvPicPr>
+          <p:cNvPr id="9" name="Content Placeholder 8">
             <a:extLst>
               <a:ext uri="{FF2B5EF4-FFF2-40B4-BE49-F238E27FC236}">
-                <a16:creationId xmlns:a16="http://schemas.microsoft.com/office/drawing/2014/main" id="{68CC99A7-29E4-440A-A81A-CC35FC3DCEE5}"/>
+                <a16:creationId xmlns:a16="http://schemas.microsoft.com/office/drawing/2014/main" id="{91235041-27A9-4DCD-8AAE-37A7BB6EEA92}"/>
               </a:ext>
             </a:extLst>
           </p:cNvPr>
-          <p:cNvSpPr>
-            <a:spLocks noGrp="1"/>
-          </p:cNvSpPr>
+          <p:cNvPicPr>
+            <a:picLocks noGrp="1" noChangeAspect="1"/>
+          </p:cNvPicPr>
           <p:nvPr>
             <p:ph idx="1"/>
           </p:nvPr>
-        </p:nvSpPr>
-        <p:spPr/>
-        <p:txBody>
-          <a:bodyPr/>
-          <a:lstStyle/>
-          <a:p>
-            <a:endParaRPr lang="en-US" dirty="0"/>
-          </a:p>
-        </p:txBody>
-      </p:sp>
+        </p:nvPicPr>
+        <p:blipFill>
+          <a:blip r:embed="rId2">
+            <a:extLst>
+              <a:ext uri="{28A0092B-C50C-407E-A947-70E740481C1C}">
+                <a14:useLocalDpi xmlns:a14="http://schemas.microsoft.com/office/drawing/2010/main" val="0"/>
+              </a:ext>
+            </a:extLst>
+          </a:blip>
+          <a:stretch>
+            <a:fillRect/>
+          </a:stretch>
+        </p:blipFill>
+        <p:spPr>
+          <a:xfrm>
+            <a:off x="294317" y="2017684"/>
+            <a:ext cx="11603365" cy="3839473"/>
+          </a:xfrm>
+        </p:spPr>
+      </p:pic>
+      <p:cxnSp>
+        <p:nvCxnSpPr>
+          <p:cNvPr id="10" name="Straight Connector 9">
+            <a:extLst>
+              <a:ext uri="{FF2B5EF4-FFF2-40B4-BE49-F238E27FC236}">
+                <a16:creationId xmlns:a16="http://schemas.microsoft.com/office/drawing/2014/main" id="{C6732920-CEAD-4C1C-A2CE-6DA1888EA8D7}"/>
+              </a:ext>
+            </a:extLst>
+          </p:cNvPr>
+          <p:cNvCxnSpPr>
+            <a:cxnSpLocks/>
+          </p:cNvCxnSpPr>
+          <p:nvPr/>
+        </p:nvCxnSpPr>
+        <p:spPr>
+          <a:xfrm>
+            <a:off x="569235" y="1305527"/>
+            <a:ext cx="11053530" cy="0"/>
+          </a:xfrm>
+          <a:prstGeom prst="line">
+            <a:avLst/>
+          </a:prstGeom>
+        </p:spPr>
+        <p:style>
+          <a:lnRef idx="3">
+            <a:schemeClr val="accent1"/>
+          </a:lnRef>
+          <a:fillRef idx="0">
+            <a:schemeClr val="accent1"/>
+          </a:fillRef>
+          <a:effectRef idx="2">
+            <a:schemeClr val="accent1"/>
+          </a:effectRef>
+          <a:fontRef idx="minor">
+            <a:schemeClr val="tx1"/>
+          </a:fontRef>
+        </p:style>
+      </p:cxnSp>
     </p:spTree>
     <p:extLst>
       <p:ext uri="{BB962C8B-B14F-4D97-AF65-F5344CB8AC3E}">
@@ -5225,12 +8033,14 @@
         </p:nvSpPr>
         <p:spPr>
           <a:xfrm>
-            <a:off x="393700" y="18255"/>
+            <a:off x="393700" y="180180"/>
             <a:ext cx="10960100" cy="1325563"/>
           </a:xfrm>
         </p:spPr>
         <p:txBody>
-          <a:bodyPr/>
+          <a:bodyPr>
+            <a:normAutofit/>
+          </a:bodyPr>
           <a:lstStyle/>
           <a:p>
             <a:pPr algn="ctr"/>
@@ -5251,6 +8061,18 @@
                 <a:latin typeface="Sylfaen" panose="010A0502050306030303" pitchFamily="18" charset="0"/>
               </a:rPr>
               <a:t>the container finds the required servlet</a:t>
+            </a:r>
+            <a:r>
+              <a:rPr lang="ru-RU" altLang="en-US" sz="4400" dirty="0">
+                <a:latin typeface="Sylfaen" panose="010A0502050306030303" pitchFamily="18" charset="0"/>
+              </a:rPr>
+              <a:t>, </a:t>
+            </a:r>
+            <a:r>
+              <a:rPr lang="en-US" altLang="en-US" sz="4400" dirty="0">
+                <a:latin typeface="Sylfaen" panose="010A0502050306030303" pitchFamily="18" charset="0"/>
+              </a:rPr>
+              <a:t>mapping</a:t>
             </a:r>
             <a:endParaRPr lang="en-US" dirty="0"/>
           </a:p>
@@ -5737,7 +8559,7 @@
         </p:blipFill>
         <p:spPr>
           <a:xfrm>
-            <a:off x="1643800" y="1632743"/>
+            <a:off x="1643796" y="1632743"/>
             <a:ext cx="8904400" cy="4856946"/>
           </a:xfrm>
         </p:spPr>

--- a/Servlet/Servlet_Presentation.pptx
+++ b/Servlet/Servlet_Presentation.pptx
@@ -20,6 +20,12 @@
     <p:sldId id="270" r:id="rId14"/>
     <p:sldId id="271" r:id="rId15"/>
     <p:sldId id="266" r:id="rId16"/>
+    <p:sldId id="272" r:id="rId17"/>
+    <p:sldId id="273" r:id="rId18"/>
+    <p:sldId id="275" r:id="rId19"/>
+    <p:sldId id="274" r:id="rId20"/>
+    <p:sldId id="276" r:id="rId21"/>
+    <p:sldId id="277" r:id="rId22"/>
   </p:sldIdLst>
   <p:sldSz cx="12192000" cy="6858000"/>
   <p:notesSz cx="6858000" cy="9144000"/>
@@ -257,7 +263,7 @@
           <a:p>
             <a:fld id="{0A968979-5CB5-4E5D-B82F-DAC09775BD7D}" type="datetimeFigureOut">
               <a:rPr lang="en-US" smtClean="0"/>
-              <a:t>2022-06-24</a:t>
+              <a:t>6/26/2022</a:t>
             </a:fld>
             <a:endParaRPr lang="en-US"/>
           </a:p>
@@ -427,7 +433,7 @@
           <a:p>
             <a:fld id="{0A968979-5CB5-4E5D-B82F-DAC09775BD7D}" type="datetimeFigureOut">
               <a:rPr lang="en-US" smtClean="0"/>
-              <a:t>2022-06-24</a:t>
+              <a:t>6/26/2022</a:t>
             </a:fld>
             <a:endParaRPr lang="en-US"/>
           </a:p>
@@ -607,7 +613,7 @@
           <a:p>
             <a:fld id="{0A968979-5CB5-4E5D-B82F-DAC09775BD7D}" type="datetimeFigureOut">
               <a:rPr lang="en-US" smtClean="0"/>
-              <a:t>2022-06-24</a:t>
+              <a:t>6/26/2022</a:t>
             </a:fld>
             <a:endParaRPr lang="en-US"/>
           </a:p>
@@ -777,7 +783,7 @@
           <a:p>
             <a:fld id="{0A968979-5CB5-4E5D-B82F-DAC09775BD7D}" type="datetimeFigureOut">
               <a:rPr lang="en-US" smtClean="0"/>
-              <a:t>2022-06-24</a:t>
+              <a:t>6/26/2022</a:t>
             </a:fld>
             <a:endParaRPr lang="en-US"/>
           </a:p>
@@ -1023,7 +1029,7 @@
           <a:p>
             <a:fld id="{0A968979-5CB5-4E5D-B82F-DAC09775BD7D}" type="datetimeFigureOut">
               <a:rPr lang="en-US" smtClean="0"/>
-              <a:t>2022-06-24</a:t>
+              <a:t>6/26/2022</a:t>
             </a:fld>
             <a:endParaRPr lang="en-US"/>
           </a:p>
@@ -1255,7 +1261,7 @@
           <a:p>
             <a:fld id="{0A968979-5CB5-4E5D-B82F-DAC09775BD7D}" type="datetimeFigureOut">
               <a:rPr lang="en-US" smtClean="0"/>
-              <a:t>2022-06-24</a:t>
+              <a:t>6/26/2022</a:t>
             </a:fld>
             <a:endParaRPr lang="en-US"/>
           </a:p>
@@ -1622,7 +1628,7 @@
           <a:p>
             <a:fld id="{0A968979-5CB5-4E5D-B82F-DAC09775BD7D}" type="datetimeFigureOut">
               <a:rPr lang="en-US" smtClean="0"/>
-              <a:t>2022-06-24</a:t>
+              <a:t>6/26/2022</a:t>
             </a:fld>
             <a:endParaRPr lang="en-US"/>
           </a:p>
@@ -1740,7 +1746,7 @@
           <a:p>
             <a:fld id="{0A968979-5CB5-4E5D-B82F-DAC09775BD7D}" type="datetimeFigureOut">
               <a:rPr lang="en-US" smtClean="0"/>
-              <a:t>2022-06-24</a:t>
+              <a:t>6/26/2022</a:t>
             </a:fld>
             <a:endParaRPr lang="en-US"/>
           </a:p>
@@ -1835,7 +1841,7 @@
           <a:p>
             <a:fld id="{0A968979-5CB5-4E5D-B82F-DAC09775BD7D}" type="datetimeFigureOut">
               <a:rPr lang="en-US" smtClean="0"/>
-              <a:t>2022-06-24</a:t>
+              <a:t>6/26/2022</a:t>
             </a:fld>
             <a:endParaRPr lang="en-US"/>
           </a:p>
@@ -2112,7 +2118,7 @@
           <a:p>
             <a:fld id="{0A968979-5CB5-4E5D-B82F-DAC09775BD7D}" type="datetimeFigureOut">
               <a:rPr lang="en-US" smtClean="0"/>
-              <a:t>2022-06-24</a:t>
+              <a:t>6/26/2022</a:t>
             </a:fld>
             <a:endParaRPr lang="en-US"/>
           </a:p>
@@ -2369,7 +2375,7 @@
           <a:p>
             <a:fld id="{0A968979-5CB5-4E5D-B82F-DAC09775BD7D}" type="datetimeFigureOut">
               <a:rPr lang="en-US" smtClean="0"/>
-              <a:t>2022-06-24</a:t>
+              <a:t>6/26/2022</a:t>
             </a:fld>
             <a:endParaRPr lang="en-US"/>
           </a:p>
@@ -2582,7 +2588,7 @@
           <a:p>
             <a:fld id="{0A968979-5CB5-4E5D-B82F-DAC09775BD7D}" type="datetimeFigureOut">
               <a:rPr lang="en-US" smtClean="0"/>
-              <a:t>2022-06-24</a:t>
+              <a:t>6/26/2022</a:t>
             </a:fld>
             <a:endParaRPr lang="en-US"/>
           </a:p>
@@ -3020,7 +3026,7 @@
               <a:rPr lang="en-US" sz="5000" dirty="0">
                 <a:latin typeface="Sylfaen" panose="010A0502050306030303" pitchFamily="18" charset="0"/>
               </a:rPr>
-              <a:t>What are servlets and JSP</a:t>
+              <a:t>What is servlets and JSP</a:t>
             </a:r>
           </a:p>
         </p:txBody>
@@ -3055,8 +3061,8 @@
         </p:blipFill>
         <p:spPr>
           <a:xfrm>
-            <a:off x="2466108" y="1877323"/>
-            <a:ext cx="6308438" cy="3915582"/>
+            <a:off x="3098286" y="1899901"/>
+            <a:ext cx="5250806" cy="3259121"/>
           </a:xfrm>
         </p:spPr>
       </p:pic>
@@ -4842,7 +4848,7 @@
         </p:blipFill>
         <p:spPr>
           <a:xfrm>
-            <a:off x="1914720" y="1495041"/>
+            <a:off x="1914720" y="1551485"/>
             <a:ext cx="8362560" cy="4441064"/>
           </a:xfrm>
         </p:spPr>
@@ -6078,41 +6084,6 @@
           </a:p>
         </p:txBody>
       </p:sp>
-      <p:pic>
-        <p:nvPicPr>
-          <p:cNvPr id="9" name="Content Placeholder 8">
-            <a:extLst>
-              <a:ext uri="{FF2B5EF4-FFF2-40B4-BE49-F238E27FC236}">
-                <a16:creationId xmlns:a16="http://schemas.microsoft.com/office/drawing/2014/main" id="{91235041-27A9-4DCD-8AAE-37A7BB6EEA92}"/>
-              </a:ext>
-            </a:extLst>
-          </p:cNvPr>
-          <p:cNvPicPr>
-            <a:picLocks noGrp="1" noChangeAspect="1"/>
-          </p:cNvPicPr>
-          <p:nvPr>
-            <p:ph idx="1"/>
-          </p:nvPr>
-        </p:nvPicPr>
-        <p:blipFill>
-          <a:blip r:embed="rId2">
-            <a:extLst>
-              <a:ext uri="{28A0092B-C50C-407E-A947-70E740481C1C}">
-                <a14:useLocalDpi xmlns:a14="http://schemas.microsoft.com/office/drawing/2010/main" val="0"/>
-              </a:ext>
-            </a:extLst>
-          </a:blip>
-          <a:stretch>
-            <a:fillRect/>
-          </a:stretch>
-        </p:blipFill>
-        <p:spPr>
-          <a:xfrm>
-            <a:off x="294317" y="2017684"/>
-            <a:ext cx="11603365" cy="3839473"/>
-          </a:xfrm>
-        </p:spPr>
-      </p:pic>
       <p:cxnSp>
         <p:nvCxnSpPr>
           <p:cNvPr id="10" name="Straight Connector 9">
@@ -6151,10 +6122,1850 @@
           </a:fontRef>
         </p:style>
       </p:cxnSp>
+      <p:pic>
+        <p:nvPicPr>
+          <p:cNvPr id="6" name="Объект 5">
+            <a:extLst>
+              <a:ext uri="{FF2B5EF4-FFF2-40B4-BE49-F238E27FC236}">
+                <a16:creationId xmlns:a16="http://schemas.microsoft.com/office/drawing/2014/main" id="{117E5CEC-8B60-4640-9023-C09BE7B7D5E0}"/>
+              </a:ext>
+            </a:extLst>
+          </p:cNvPr>
+          <p:cNvPicPr>
+            <a:picLocks noGrp="1" noChangeAspect="1"/>
+          </p:cNvPicPr>
+          <p:nvPr>
+            <p:ph idx="1"/>
+          </p:nvPr>
+        </p:nvPicPr>
+        <p:blipFill>
+          <a:blip r:embed="rId2">
+            <a:extLst>
+              <a:ext uri="{28A0092B-C50C-407E-A947-70E740481C1C}">
+                <a14:useLocalDpi xmlns:a14="http://schemas.microsoft.com/office/drawing/2010/main" val="0"/>
+              </a:ext>
+            </a:extLst>
+          </a:blip>
+          <a:stretch>
+            <a:fillRect/>
+          </a:stretch>
+        </p:blipFill>
+        <p:spPr>
+          <a:xfrm>
+            <a:off x="382114" y="1911570"/>
+            <a:ext cx="11162307" cy="3693530"/>
+          </a:xfrm>
+        </p:spPr>
+      </p:pic>
     </p:spTree>
     <p:extLst>
       <p:ext uri="{BB962C8B-B14F-4D97-AF65-F5344CB8AC3E}">
         <p14:creationId xmlns:p14="http://schemas.microsoft.com/office/powerpoint/2010/main" val="3962488131"/>
+      </p:ext>
+    </p:extLst>
+  </p:cSld>
+  <p:clrMapOvr>
+    <a:masterClrMapping/>
+  </p:clrMapOvr>
+</p:sld>
+</file>
+
+<file path=ppt/slides/slide16.xml><?xml version="1.0" encoding="utf-8"?>
+<p:sld xmlns:a="http://schemas.openxmlformats.org/drawingml/2006/main" xmlns:r="http://schemas.openxmlformats.org/officeDocument/2006/relationships" xmlns:p="http://schemas.openxmlformats.org/presentationml/2006/main">
+  <p:cSld>
+    <p:spTree>
+      <p:nvGrpSpPr>
+        <p:cNvPr id="1" name=""/>
+        <p:cNvGrpSpPr/>
+        <p:nvPr/>
+      </p:nvGrpSpPr>
+      <p:grpSpPr>
+        <a:xfrm>
+          <a:off x="0" y="0"/>
+          <a:ext cx="0" cy="0"/>
+          <a:chOff x="0" y="0"/>
+          <a:chExt cx="0" cy="0"/>
+        </a:xfrm>
+      </p:grpSpPr>
+      <p:sp>
+        <p:nvSpPr>
+          <p:cNvPr id="2" name="Заголовок 1">
+            <a:extLst>
+              <a:ext uri="{FF2B5EF4-FFF2-40B4-BE49-F238E27FC236}">
+                <a16:creationId xmlns:a16="http://schemas.microsoft.com/office/drawing/2014/main" id="{E54C0311-210E-437B-B22C-39E01186991D}"/>
+              </a:ext>
+            </a:extLst>
+          </p:cNvPr>
+          <p:cNvSpPr>
+            <a:spLocks noGrp="1"/>
+          </p:cNvSpPr>
+          <p:nvPr>
+            <p:ph type="title"/>
+          </p:nvPr>
+        </p:nvSpPr>
+        <p:spPr>
+          <a:xfrm>
+            <a:off x="838200" y="18255"/>
+            <a:ext cx="10515600" cy="1325563"/>
+          </a:xfrm>
+        </p:spPr>
+        <p:txBody>
+          <a:bodyPr/>
+          <a:lstStyle/>
+          <a:p>
+            <a:pPr algn="ctr"/>
+            <a:r>
+              <a:rPr lang="en-US" dirty="0">
+                <a:latin typeface="Sylfaen" panose="010A0502050306030303" pitchFamily="18" charset="0"/>
+              </a:rPr>
+              <a:t>Listeners</a:t>
+            </a:r>
+            <a:endParaRPr lang="ru-RU" dirty="0"/>
+          </a:p>
+        </p:txBody>
+      </p:sp>
+      <p:sp>
+        <p:nvSpPr>
+          <p:cNvPr id="3" name="Объект 2">
+            <a:extLst>
+              <a:ext uri="{FF2B5EF4-FFF2-40B4-BE49-F238E27FC236}">
+                <a16:creationId xmlns:a16="http://schemas.microsoft.com/office/drawing/2014/main" id="{13F509E5-3881-444C-9A90-6EA449BE7AD6}"/>
+              </a:ext>
+            </a:extLst>
+          </p:cNvPr>
+          <p:cNvSpPr>
+            <a:spLocks noGrp="1"/>
+          </p:cNvSpPr>
+          <p:nvPr>
+            <p:ph idx="1"/>
+          </p:nvPr>
+        </p:nvSpPr>
+        <p:spPr>
+          <a:xfrm>
+            <a:off x="838200" y="1298655"/>
+            <a:ext cx="10515600" cy="5023108"/>
+          </a:xfrm>
+        </p:spPr>
+        <p:txBody>
+          <a:bodyPr>
+            <a:normAutofit/>
+          </a:bodyPr>
+          <a:lstStyle/>
+          <a:p>
+            <a:pPr marL="0" indent="0">
+              <a:lnSpc>
+                <a:spcPct val="110000"/>
+              </a:lnSpc>
+              <a:buNone/>
+            </a:pPr>
+            <a:r>
+              <a:rPr lang="hy-AM" sz="2900" dirty="0">
+                <a:effectLst>
+                  <a:outerShdw blurRad="38100" dist="38100" dir="2700000" algn="tl">
+                    <a:srgbClr val="000000">
+                      <a:alpha val="43137"/>
+                    </a:srgbClr>
+                  </a:outerShdw>
+                </a:effectLst>
+                <a:latin typeface="Sylfaen" panose="010A0502050306030303" pitchFamily="18" charset="0"/>
+              </a:rPr>
+              <a:t>ServletRequestListener</a:t>
+            </a:r>
+            <a:endParaRPr lang="ru-RU" sz="2900" dirty="0">
+              <a:effectLst>
+                <a:outerShdw blurRad="38100" dist="38100" dir="2700000" algn="tl">
+                  <a:srgbClr val="000000">
+                    <a:alpha val="43137"/>
+                  </a:srgbClr>
+                </a:outerShdw>
+              </a:effectLst>
+              <a:latin typeface="Sylfaen" panose="010A0502050306030303" pitchFamily="18" charset="0"/>
+            </a:endParaRPr>
+          </a:p>
+          <a:p>
+            <a:pPr marL="0" indent="0">
+              <a:lnSpc>
+                <a:spcPct val="110000"/>
+              </a:lnSpc>
+              <a:buNone/>
+            </a:pPr>
+            <a:r>
+              <a:rPr lang="hy-AM" sz="2900" dirty="0">
+                <a:effectLst>
+                  <a:outerShdw blurRad="38100" dist="38100" dir="2700000" algn="tl">
+                    <a:srgbClr val="000000">
+                      <a:alpha val="43137"/>
+                    </a:srgbClr>
+                  </a:outerShdw>
+                </a:effectLst>
+                <a:latin typeface="Sylfaen" panose="010A0502050306030303" pitchFamily="18" charset="0"/>
+              </a:rPr>
+              <a:t>ServletRequestAttributeListener</a:t>
+            </a:r>
+            <a:endParaRPr lang="ru-RU" sz="2900" dirty="0">
+              <a:effectLst>
+                <a:outerShdw blurRad="38100" dist="38100" dir="2700000" algn="tl">
+                  <a:srgbClr val="000000">
+                    <a:alpha val="43137"/>
+                  </a:srgbClr>
+                </a:outerShdw>
+              </a:effectLst>
+              <a:latin typeface="Sylfaen" panose="010A0502050306030303" pitchFamily="18" charset="0"/>
+            </a:endParaRPr>
+          </a:p>
+          <a:p>
+            <a:pPr marL="0" indent="0">
+              <a:lnSpc>
+                <a:spcPct val="110000"/>
+              </a:lnSpc>
+              <a:buNone/>
+            </a:pPr>
+            <a:r>
+              <a:rPr lang="hy-AM" sz="2900" dirty="0">
+                <a:effectLst>
+                  <a:outerShdw blurRad="38100" dist="38100" dir="2700000" algn="tl">
+                    <a:srgbClr val="000000">
+                      <a:alpha val="43137"/>
+                    </a:srgbClr>
+                  </a:outerShdw>
+                </a:effectLst>
+                <a:latin typeface="Sylfaen" panose="010A0502050306030303" pitchFamily="18" charset="0"/>
+              </a:rPr>
+              <a:t>ServletContextListener</a:t>
+            </a:r>
+            <a:endParaRPr lang="ru-RU" sz="2900" dirty="0">
+              <a:effectLst>
+                <a:outerShdw blurRad="38100" dist="38100" dir="2700000" algn="tl">
+                  <a:srgbClr val="000000">
+                    <a:alpha val="43137"/>
+                  </a:srgbClr>
+                </a:outerShdw>
+              </a:effectLst>
+              <a:latin typeface="Sylfaen" panose="010A0502050306030303" pitchFamily="18" charset="0"/>
+            </a:endParaRPr>
+          </a:p>
+          <a:p>
+            <a:pPr marL="0" indent="0">
+              <a:lnSpc>
+                <a:spcPct val="110000"/>
+              </a:lnSpc>
+              <a:buNone/>
+            </a:pPr>
+            <a:r>
+              <a:rPr lang="hy-AM" sz="2900" dirty="0">
+                <a:effectLst>
+                  <a:outerShdw blurRad="38100" dist="38100" dir="2700000" algn="tl">
+                    <a:srgbClr val="000000">
+                      <a:alpha val="43137"/>
+                    </a:srgbClr>
+                  </a:outerShdw>
+                </a:effectLst>
+                <a:latin typeface="Sylfaen" panose="010A0502050306030303" pitchFamily="18" charset="0"/>
+              </a:rPr>
+              <a:t>ServletContextAttributeListener</a:t>
+            </a:r>
+            <a:endParaRPr lang="ru-RU" sz="2900" dirty="0">
+              <a:effectLst>
+                <a:outerShdw blurRad="38100" dist="38100" dir="2700000" algn="tl">
+                  <a:srgbClr val="000000">
+                    <a:alpha val="43137"/>
+                  </a:srgbClr>
+                </a:outerShdw>
+              </a:effectLst>
+              <a:latin typeface="Sylfaen" panose="010A0502050306030303" pitchFamily="18" charset="0"/>
+            </a:endParaRPr>
+          </a:p>
+          <a:p>
+            <a:pPr marL="0" indent="0">
+              <a:lnSpc>
+                <a:spcPct val="110000"/>
+              </a:lnSpc>
+              <a:buNone/>
+            </a:pPr>
+            <a:r>
+              <a:rPr lang="hy-AM" sz="2900" dirty="0">
+                <a:effectLst>
+                  <a:outerShdw blurRad="38100" dist="38100" dir="2700000" algn="tl">
+                    <a:srgbClr val="000000">
+                      <a:alpha val="43137"/>
+                    </a:srgbClr>
+                  </a:outerShdw>
+                </a:effectLst>
+                <a:latin typeface="Sylfaen" panose="010A0502050306030303" pitchFamily="18" charset="0"/>
+              </a:rPr>
+              <a:t>HttpSessionListener</a:t>
+            </a:r>
+            <a:endParaRPr lang="ru-RU" sz="2900" dirty="0">
+              <a:effectLst>
+                <a:outerShdw blurRad="38100" dist="38100" dir="2700000" algn="tl">
+                  <a:srgbClr val="000000">
+                    <a:alpha val="43137"/>
+                  </a:srgbClr>
+                </a:outerShdw>
+              </a:effectLst>
+              <a:latin typeface="Sylfaen" panose="010A0502050306030303" pitchFamily="18" charset="0"/>
+            </a:endParaRPr>
+          </a:p>
+          <a:p>
+            <a:pPr marL="0" indent="0">
+              <a:lnSpc>
+                <a:spcPct val="110000"/>
+              </a:lnSpc>
+              <a:buNone/>
+            </a:pPr>
+            <a:r>
+              <a:rPr lang="hy-AM" sz="2900" dirty="0">
+                <a:effectLst>
+                  <a:outerShdw blurRad="38100" dist="38100" dir="2700000" algn="tl">
+                    <a:srgbClr val="000000">
+                      <a:alpha val="43137"/>
+                    </a:srgbClr>
+                  </a:outerShdw>
+                </a:effectLst>
+                <a:latin typeface="Sylfaen" panose="010A0502050306030303" pitchFamily="18" charset="0"/>
+              </a:rPr>
+              <a:t>HttpSessionAttributeListener</a:t>
+            </a:r>
+            <a:endParaRPr lang="ru-RU" sz="2900" dirty="0">
+              <a:effectLst>
+                <a:outerShdw blurRad="38100" dist="38100" dir="2700000" algn="tl">
+                  <a:srgbClr val="000000">
+                    <a:alpha val="43137"/>
+                  </a:srgbClr>
+                </a:outerShdw>
+              </a:effectLst>
+              <a:latin typeface="Sylfaen" panose="010A0502050306030303" pitchFamily="18" charset="0"/>
+            </a:endParaRPr>
+          </a:p>
+          <a:p>
+            <a:pPr marL="0" indent="0">
+              <a:lnSpc>
+                <a:spcPct val="110000"/>
+              </a:lnSpc>
+              <a:buNone/>
+            </a:pPr>
+            <a:r>
+              <a:rPr lang="hy-AM" sz="2900" dirty="0">
+                <a:effectLst>
+                  <a:outerShdw blurRad="38100" dist="38100" dir="2700000" algn="tl">
+                    <a:srgbClr val="000000">
+                      <a:alpha val="43137"/>
+                    </a:srgbClr>
+                  </a:outerShdw>
+                </a:effectLst>
+                <a:latin typeface="Sylfaen" panose="010A0502050306030303" pitchFamily="18" charset="0"/>
+              </a:rPr>
+              <a:t>HttpSessionBindingListener</a:t>
+            </a:r>
+            <a:endParaRPr lang="ru-RU" sz="2900" dirty="0">
+              <a:effectLst>
+                <a:outerShdw blurRad="38100" dist="38100" dir="2700000" algn="tl">
+                  <a:srgbClr val="000000">
+                    <a:alpha val="43137"/>
+                  </a:srgbClr>
+                </a:outerShdw>
+              </a:effectLst>
+              <a:latin typeface="Sylfaen" panose="010A0502050306030303" pitchFamily="18" charset="0"/>
+            </a:endParaRPr>
+          </a:p>
+          <a:p>
+            <a:pPr marL="0" indent="0">
+              <a:lnSpc>
+                <a:spcPct val="110000"/>
+              </a:lnSpc>
+              <a:buNone/>
+            </a:pPr>
+            <a:r>
+              <a:rPr lang="hy-AM" sz="2900" dirty="0">
+                <a:effectLst>
+                  <a:outerShdw blurRad="38100" dist="38100" dir="2700000" algn="tl">
+                    <a:srgbClr val="000000">
+                      <a:alpha val="43137"/>
+                    </a:srgbClr>
+                  </a:outerShdw>
+                </a:effectLst>
+                <a:latin typeface="Sylfaen" panose="010A0502050306030303" pitchFamily="18" charset="0"/>
+              </a:rPr>
+              <a:t>HttpSessionActivationListener</a:t>
+            </a:r>
+            <a:endParaRPr lang="ru-RU" sz="2900" dirty="0">
+              <a:effectLst>
+                <a:outerShdw blurRad="38100" dist="38100" dir="2700000" algn="tl">
+                  <a:srgbClr val="000000">
+                    <a:alpha val="43137"/>
+                  </a:srgbClr>
+                </a:outerShdw>
+              </a:effectLst>
+              <a:latin typeface="Sylfaen" panose="010A0502050306030303" pitchFamily="18" charset="0"/>
+            </a:endParaRPr>
+          </a:p>
+        </p:txBody>
+      </p:sp>
+      <p:cxnSp>
+        <p:nvCxnSpPr>
+          <p:cNvPr id="4" name="Straight Connector 9">
+            <a:extLst>
+              <a:ext uri="{FF2B5EF4-FFF2-40B4-BE49-F238E27FC236}">
+                <a16:creationId xmlns:a16="http://schemas.microsoft.com/office/drawing/2014/main" id="{8496A0E5-9AB2-49F3-8787-BE59E03850A2}"/>
+              </a:ext>
+            </a:extLst>
+          </p:cNvPr>
+          <p:cNvCxnSpPr>
+            <a:cxnSpLocks/>
+          </p:cNvCxnSpPr>
+          <p:nvPr/>
+        </p:nvCxnSpPr>
+        <p:spPr>
+          <a:xfrm>
+            <a:off x="569235" y="1091038"/>
+            <a:ext cx="11053530" cy="0"/>
+          </a:xfrm>
+          <a:prstGeom prst="line">
+            <a:avLst/>
+          </a:prstGeom>
+        </p:spPr>
+        <p:style>
+          <a:lnRef idx="3">
+            <a:schemeClr val="accent1"/>
+          </a:lnRef>
+          <a:fillRef idx="0">
+            <a:schemeClr val="accent1"/>
+          </a:fillRef>
+          <a:effectRef idx="2">
+            <a:schemeClr val="accent1"/>
+          </a:effectRef>
+          <a:fontRef idx="minor">
+            <a:schemeClr val="tx1"/>
+          </a:fontRef>
+        </p:style>
+      </p:cxnSp>
+    </p:spTree>
+    <p:extLst>
+      <p:ext uri="{BB962C8B-B14F-4D97-AF65-F5344CB8AC3E}">
+        <p14:creationId xmlns:p14="http://schemas.microsoft.com/office/powerpoint/2010/main" val="1551804467"/>
+      </p:ext>
+    </p:extLst>
+  </p:cSld>
+  <p:clrMapOvr>
+    <a:masterClrMapping/>
+  </p:clrMapOvr>
+</p:sld>
+</file>
+
+<file path=ppt/slides/slide17.xml><?xml version="1.0" encoding="utf-8"?>
+<p:sld xmlns:a="http://schemas.openxmlformats.org/drawingml/2006/main" xmlns:r="http://schemas.openxmlformats.org/officeDocument/2006/relationships" xmlns:p="http://schemas.openxmlformats.org/presentationml/2006/main">
+  <p:cSld>
+    <p:spTree>
+      <p:nvGrpSpPr>
+        <p:cNvPr id="1" name=""/>
+        <p:cNvGrpSpPr/>
+        <p:nvPr/>
+      </p:nvGrpSpPr>
+      <p:grpSpPr>
+        <a:xfrm>
+          <a:off x="0" y="0"/>
+          <a:ext cx="0" cy="0"/>
+          <a:chOff x="0" y="0"/>
+          <a:chExt cx="0" cy="0"/>
+        </a:xfrm>
+      </p:grpSpPr>
+      <p:sp>
+        <p:nvSpPr>
+          <p:cNvPr id="2" name="Заголовок 1">
+            <a:extLst>
+              <a:ext uri="{FF2B5EF4-FFF2-40B4-BE49-F238E27FC236}">
+                <a16:creationId xmlns:a16="http://schemas.microsoft.com/office/drawing/2014/main" id="{825FDCFB-1AFA-4D9A-8C27-BE7DB335C885}"/>
+              </a:ext>
+            </a:extLst>
+          </p:cNvPr>
+          <p:cNvSpPr>
+            <a:spLocks noGrp="1"/>
+          </p:cNvSpPr>
+          <p:nvPr>
+            <p:ph type="title"/>
+          </p:nvPr>
+        </p:nvSpPr>
+        <p:spPr>
+          <a:xfrm>
+            <a:off x="838200" y="-46046"/>
+            <a:ext cx="10515600" cy="1325563"/>
+          </a:xfrm>
+        </p:spPr>
+        <p:txBody>
+          <a:bodyPr/>
+          <a:lstStyle/>
+          <a:p>
+            <a:pPr algn="ctr"/>
+            <a:r>
+              <a:rPr lang="en-US" dirty="0">
+                <a:latin typeface="Sylfaen" panose="010A0502050306030303" pitchFamily="18" charset="0"/>
+              </a:rPr>
+              <a:t>Java Server Page (JSP)</a:t>
+            </a:r>
+            <a:endParaRPr lang="ru-RU" dirty="0"/>
+          </a:p>
+        </p:txBody>
+      </p:sp>
+      <p:sp>
+        <p:nvSpPr>
+          <p:cNvPr id="3" name="Объект 2">
+            <a:extLst>
+              <a:ext uri="{FF2B5EF4-FFF2-40B4-BE49-F238E27FC236}">
+                <a16:creationId xmlns:a16="http://schemas.microsoft.com/office/drawing/2014/main" id="{760C7A5E-7C88-4686-9629-216BEC5B35AE}"/>
+              </a:ext>
+            </a:extLst>
+          </p:cNvPr>
+          <p:cNvSpPr>
+            <a:spLocks noGrp="1"/>
+          </p:cNvSpPr>
+          <p:nvPr>
+            <p:ph idx="1"/>
+          </p:nvPr>
+        </p:nvSpPr>
+        <p:spPr>
+          <a:xfrm>
+            <a:off x="838200" y="1614311"/>
+            <a:ext cx="10515600" cy="4562652"/>
+          </a:xfrm>
+        </p:spPr>
+        <p:txBody>
+          <a:bodyPr/>
+          <a:lstStyle/>
+          <a:p>
+            <a:pPr marL="0" indent="0" algn="ctr">
+              <a:buNone/>
+            </a:pPr>
+            <a:r>
+              <a:rPr lang="en-US" sz="2900" dirty="0">
+                <a:effectLst>
+                  <a:outerShdw blurRad="38100" dist="38100" dir="2700000" algn="tl">
+                    <a:srgbClr val="000000">
+                      <a:alpha val="43137"/>
+                    </a:srgbClr>
+                  </a:outerShdw>
+                </a:effectLst>
+                <a:latin typeface="Sylfaen" panose="010A0502050306030303" pitchFamily="18" charset="0"/>
+              </a:rPr>
+              <a:t>A technology that allows for the creation of dynamic web pages</a:t>
+            </a:r>
+          </a:p>
+          <a:p>
+            <a:pPr marL="0" indent="0" algn="ctr">
+              <a:buNone/>
+            </a:pPr>
+            <a:endParaRPr lang="en-US" sz="2900" dirty="0">
+              <a:effectLst>
+                <a:outerShdw blurRad="38100" dist="38100" dir="2700000" algn="tl">
+                  <a:srgbClr val="000000">
+                    <a:alpha val="43137"/>
+                  </a:srgbClr>
+                </a:outerShdw>
+              </a:effectLst>
+              <a:latin typeface="Sylfaen" panose="010A0502050306030303" pitchFamily="18" charset="0"/>
+            </a:endParaRPr>
+          </a:p>
+          <a:p>
+            <a:pPr marL="0" indent="0" algn="ctr">
+              <a:buNone/>
+            </a:pPr>
+            <a:endParaRPr lang="en-US" sz="2900" dirty="0">
+              <a:effectLst>
+                <a:outerShdw blurRad="38100" dist="38100" dir="2700000" algn="tl">
+                  <a:srgbClr val="000000">
+                    <a:alpha val="43137"/>
+                  </a:srgbClr>
+                </a:outerShdw>
+              </a:effectLst>
+              <a:latin typeface="Sylfaen" panose="010A0502050306030303" pitchFamily="18" charset="0"/>
+            </a:endParaRPr>
+          </a:p>
+          <a:p>
+            <a:pPr marL="0" indent="0">
+              <a:buNone/>
+            </a:pPr>
+            <a:endParaRPr lang="en-US" sz="2900" dirty="0">
+              <a:effectLst>
+                <a:outerShdw blurRad="38100" dist="38100" dir="2700000" algn="tl">
+                  <a:srgbClr val="000000">
+                    <a:alpha val="43137"/>
+                  </a:srgbClr>
+                </a:outerShdw>
+              </a:effectLst>
+              <a:latin typeface="Sylfaen" panose="010A0502050306030303" pitchFamily="18" charset="0"/>
+            </a:endParaRPr>
+          </a:p>
+          <a:p>
+            <a:pPr marL="0" indent="0">
+              <a:buNone/>
+            </a:pPr>
+            <a:endParaRPr lang="ru-RU" sz="2900" dirty="0">
+              <a:effectLst>
+                <a:outerShdw blurRad="38100" dist="38100" dir="2700000" algn="tl">
+                  <a:srgbClr val="000000">
+                    <a:alpha val="43137"/>
+                  </a:srgbClr>
+                </a:outerShdw>
+              </a:effectLst>
+              <a:latin typeface="Sylfaen" panose="010A0502050306030303" pitchFamily="18" charset="0"/>
+            </a:endParaRPr>
+          </a:p>
+        </p:txBody>
+      </p:sp>
+      <p:cxnSp>
+        <p:nvCxnSpPr>
+          <p:cNvPr id="4" name="Straight Connector 9">
+            <a:extLst>
+              <a:ext uri="{FF2B5EF4-FFF2-40B4-BE49-F238E27FC236}">
+                <a16:creationId xmlns:a16="http://schemas.microsoft.com/office/drawing/2014/main" id="{12D433A4-31FC-4CC4-B5D7-CDE93EE042D1}"/>
+              </a:ext>
+            </a:extLst>
+          </p:cNvPr>
+          <p:cNvCxnSpPr>
+            <a:cxnSpLocks/>
+          </p:cNvCxnSpPr>
+          <p:nvPr/>
+        </p:nvCxnSpPr>
+        <p:spPr>
+          <a:xfrm>
+            <a:off x="569235" y="1215216"/>
+            <a:ext cx="11053530" cy="0"/>
+          </a:xfrm>
+          <a:prstGeom prst="line">
+            <a:avLst/>
+          </a:prstGeom>
+        </p:spPr>
+        <p:style>
+          <a:lnRef idx="3">
+            <a:schemeClr val="accent1"/>
+          </a:lnRef>
+          <a:fillRef idx="0">
+            <a:schemeClr val="accent1"/>
+          </a:fillRef>
+          <a:effectRef idx="2">
+            <a:schemeClr val="accent1"/>
+          </a:effectRef>
+          <a:fontRef idx="minor">
+            <a:schemeClr val="tx1"/>
+          </a:fontRef>
+        </p:style>
+      </p:cxnSp>
+      <p:pic>
+        <p:nvPicPr>
+          <p:cNvPr id="6" name="Рисунок 5">
+            <a:extLst>
+              <a:ext uri="{FF2B5EF4-FFF2-40B4-BE49-F238E27FC236}">
+                <a16:creationId xmlns:a16="http://schemas.microsoft.com/office/drawing/2014/main" id="{7C2E6363-DEC7-4158-AA60-B098357C7252}"/>
+              </a:ext>
+            </a:extLst>
+          </p:cNvPr>
+          <p:cNvPicPr>
+            <a:picLocks noChangeAspect="1"/>
+          </p:cNvPicPr>
+          <p:nvPr/>
+        </p:nvPicPr>
+        <p:blipFill>
+          <a:blip r:embed="rId2">
+            <a:extLst>
+              <a:ext uri="{28A0092B-C50C-407E-A947-70E740481C1C}">
+                <a14:useLocalDpi xmlns:a14="http://schemas.microsoft.com/office/drawing/2010/main" val="0"/>
+              </a:ext>
+            </a:extLst>
+          </a:blip>
+          <a:stretch>
+            <a:fillRect/>
+          </a:stretch>
+        </p:blipFill>
+        <p:spPr>
+          <a:xfrm>
+            <a:off x="2940755" y="2189964"/>
+            <a:ext cx="6310489" cy="3986999"/>
+          </a:xfrm>
+          <a:prstGeom prst="rect">
+            <a:avLst/>
+          </a:prstGeom>
+        </p:spPr>
+      </p:pic>
+    </p:spTree>
+    <p:extLst>
+      <p:ext uri="{BB962C8B-B14F-4D97-AF65-F5344CB8AC3E}">
+        <p14:creationId xmlns:p14="http://schemas.microsoft.com/office/powerpoint/2010/main" val="2442087418"/>
+      </p:ext>
+    </p:extLst>
+  </p:cSld>
+  <p:clrMapOvr>
+    <a:masterClrMapping/>
+  </p:clrMapOvr>
+</p:sld>
+</file>
+
+<file path=ppt/slides/slide18.xml><?xml version="1.0" encoding="utf-8"?>
+<p:sld xmlns:a="http://schemas.openxmlformats.org/drawingml/2006/main" xmlns:r="http://schemas.openxmlformats.org/officeDocument/2006/relationships" xmlns:p="http://schemas.openxmlformats.org/presentationml/2006/main">
+  <p:cSld>
+    <p:spTree>
+      <p:nvGrpSpPr>
+        <p:cNvPr id="1" name=""/>
+        <p:cNvGrpSpPr/>
+        <p:nvPr/>
+      </p:nvGrpSpPr>
+      <p:grpSpPr>
+        <a:xfrm>
+          <a:off x="0" y="0"/>
+          <a:ext cx="0" cy="0"/>
+          <a:chOff x="0" y="0"/>
+          <a:chExt cx="0" cy="0"/>
+        </a:xfrm>
+      </p:grpSpPr>
+      <p:sp>
+        <p:nvSpPr>
+          <p:cNvPr id="2" name="Заголовок 1">
+            <a:extLst>
+              <a:ext uri="{FF2B5EF4-FFF2-40B4-BE49-F238E27FC236}">
+                <a16:creationId xmlns:a16="http://schemas.microsoft.com/office/drawing/2014/main" id="{3AA50E53-FCE9-40C4-8FE2-284E61DBE81E}"/>
+              </a:ext>
+            </a:extLst>
+          </p:cNvPr>
+          <p:cNvSpPr>
+            <a:spLocks noGrp="1"/>
+          </p:cNvSpPr>
+          <p:nvPr>
+            <p:ph type="title"/>
+          </p:nvPr>
+        </p:nvSpPr>
+        <p:spPr>
+          <a:xfrm>
+            <a:off x="838200" y="119855"/>
+            <a:ext cx="10515600" cy="1325563"/>
+          </a:xfrm>
+        </p:spPr>
+        <p:txBody>
+          <a:bodyPr>
+            <a:normAutofit/>
+          </a:bodyPr>
+          <a:lstStyle/>
+          <a:p>
+            <a:pPr algn="ctr"/>
+            <a:r>
+              <a:rPr lang="en-US" dirty="0">
+                <a:latin typeface="Sylfaen" panose="010A0502050306030303" pitchFamily="18" charset="0"/>
+              </a:rPr>
+              <a:t>The container turns JSP it into a </a:t>
+            </a:r>
+            <a:br>
+              <a:rPr lang="en-US" dirty="0">
+                <a:latin typeface="Sylfaen" panose="010A0502050306030303" pitchFamily="18" charset="0"/>
+              </a:rPr>
+            </a:br>
+            <a:r>
+              <a:rPr lang="en-US" dirty="0">
+                <a:latin typeface="Sylfaen" panose="010A0502050306030303" pitchFamily="18" charset="0"/>
+              </a:rPr>
+              <a:t>full-fledged servlet class </a:t>
+            </a:r>
+            <a:endParaRPr lang="ru-RU" dirty="0">
+              <a:latin typeface="Sylfaen" panose="010A0502050306030303" pitchFamily="18" charset="0"/>
+            </a:endParaRPr>
+          </a:p>
+        </p:txBody>
+      </p:sp>
+      <p:cxnSp>
+        <p:nvCxnSpPr>
+          <p:cNvPr id="4" name="Straight Connector 9">
+            <a:extLst>
+              <a:ext uri="{FF2B5EF4-FFF2-40B4-BE49-F238E27FC236}">
+                <a16:creationId xmlns:a16="http://schemas.microsoft.com/office/drawing/2014/main" id="{8DE260C6-883E-4D4C-B773-8C1C0448B2C1}"/>
+              </a:ext>
+            </a:extLst>
+          </p:cNvPr>
+          <p:cNvCxnSpPr>
+            <a:cxnSpLocks/>
+          </p:cNvCxnSpPr>
+          <p:nvPr/>
+        </p:nvCxnSpPr>
+        <p:spPr>
+          <a:xfrm>
+            <a:off x="569235" y="1587749"/>
+            <a:ext cx="11053530" cy="0"/>
+          </a:xfrm>
+          <a:prstGeom prst="line">
+            <a:avLst/>
+          </a:prstGeom>
+        </p:spPr>
+        <p:style>
+          <a:lnRef idx="3">
+            <a:schemeClr val="accent1"/>
+          </a:lnRef>
+          <a:fillRef idx="0">
+            <a:schemeClr val="accent1"/>
+          </a:fillRef>
+          <a:effectRef idx="2">
+            <a:schemeClr val="accent1"/>
+          </a:effectRef>
+          <a:fontRef idx="minor">
+            <a:schemeClr val="tx1"/>
+          </a:fontRef>
+        </p:style>
+      </p:cxnSp>
+      <p:pic>
+        <p:nvPicPr>
+          <p:cNvPr id="20" name="Рисунок 19">
+            <a:extLst>
+              <a:ext uri="{FF2B5EF4-FFF2-40B4-BE49-F238E27FC236}">
+                <a16:creationId xmlns:a16="http://schemas.microsoft.com/office/drawing/2014/main" id="{94644442-B633-43E0-92F8-D205A367BF9B}"/>
+              </a:ext>
+            </a:extLst>
+          </p:cNvPr>
+          <p:cNvPicPr>
+            <a:picLocks noChangeAspect="1"/>
+          </p:cNvPicPr>
+          <p:nvPr/>
+        </p:nvPicPr>
+        <p:blipFill>
+          <a:blip r:embed="rId2">
+            <a:extLst>
+              <a:ext uri="{28A0092B-C50C-407E-A947-70E740481C1C}">
+                <a14:useLocalDpi xmlns:a14="http://schemas.microsoft.com/office/drawing/2010/main" val="0"/>
+              </a:ext>
+            </a:extLst>
+          </a:blip>
+          <a:stretch>
+            <a:fillRect/>
+          </a:stretch>
+        </p:blipFill>
+        <p:spPr>
+          <a:xfrm>
+            <a:off x="2285499" y="1746448"/>
+            <a:ext cx="7621001" cy="974888"/>
+          </a:xfrm>
+          <a:prstGeom prst="rect">
+            <a:avLst/>
+          </a:prstGeom>
+        </p:spPr>
+      </p:pic>
+      <p:pic>
+        <p:nvPicPr>
+          <p:cNvPr id="22" name="Рисунок 21">
+            <a:extLst>
+              <a:ext uri="{FF2B5EF4-FFF2-40B4-BE49-F238E27FC236}">
+                <a16:creationId xmlns:a16="http://schemas.microsoft.com/office/drawing/2014/main" id="{B1EF2252-C708-42D7-A67F-1ABCB915F733}"/>
+              </a:ext>
+            </a:extLst>
+          </p:cNvPr>
+          <p:cNvPicPr>
+            <a:picLocks noChangeAspect="1"/>
+          </p:cNvPicPr>
+          <p:nvPr/>
+        </p:nvPicPr>
+        <p:blipFill>
+          <a:blip r:embed="rId3">
+            <a:extLst>
+              <a:ext uri="{28A0092B-C50C-407E-A947-70E740481C1C}">
+                <a14:useLocalDpi xmlns:a14="http://schemas.microsoft.com/office/drawing/2010/main" val="0"/>
+              </a:ext>
+            </a:extLst>
+          </a:blip>
+          <a:stretch>
+            <a:fillRect/>
+          </a:stretch>
+        </p:blipFill>
+        <p:spPr>
+          <a:xfrm>
+            <a:off x="3860202" y="2607435"/>
+            <a:ext cx="4471594" cy="4130710"/>
+          </a:xfrm>
+          <a:prstGeom prst="rect">
+            <a:avLst/>
+          </a:prstGeom>
+        </p:spPr>
+      </p:pic>
+    </p:spTree>
+    <p:extLst>
+      <p:ext uri="{BB962C8B-B14F-4D97-AF65-F5344CB8AC3E}">
+        <p14:creationId xmlns:p14="http://schemas.microsoft.com/office/powerpoint/2010/main" val="3662521779"/>
+      </p:ext>
+    </p:extLst>
+  </p:cSld>
+  <p:clrMapOvr>
+    <a:masterClrMapping/>
+  </p:clrMapOvr>
+</p:sld>
+</file>
+
+<file path=ppt/slides/slide19.xml><?xml version="1.0" encoding="utf-8"?>
+<p:sld xmlns:a="http://schemas.openxmlformats.org/drawingml/2006/main" xmlns:r="http://schemas.openxmlformats.org/officeDocument/2006/relationships" xmlns:p="http://schemas.openxmlformats.org/presentationml/2006/main">
+  <p:cSld>
+    <p:spTree>
+      <p:nvGrpSpPr>
+        <p:cNvPr id="1" name=""/>
+        <p:cNvGrpSpPr/>
+        <p:nvPr/>
+      </p:nvGrpSpPr>
+      <p:grpSpPr>
+        <a:xfrm>
+          <a:off x="0" y="0"/>
+          <a:ext cx="0" cy="0"/>
+          <a:chOff x="0" y="0"/>
+          <a:chExt cx="0" cy="0"/>
+        </a:xfrm>
+      </p:grpSpPr>
+      <p:sp>
+        <p:nvSpPr>
+          <p:cNvPr id="2" name="Заголовок 1">
+            <a:extLst>
+              <a:ext uri="{FF2B5EF4-FFF2-40B4-BE49-F238E27FC236}">
+                <a16:creationId xmlns:a16="http://schemas.microsoft.com/office/drawing/2014/main" id="{96396DD0-7DE1-4F5E-A0DD-BE3208974C13}"/>
+              </a:ext>
+            </a:extLst>
+          </p:cNvPr>
+          <p:cNvSpPr>
+            <a:spLocks noGrp="1"/>
+          </p:cNvSpPr>
+          <p:nvPr>
+            <p:ph type="title"/>
+          </p:nvPr>
+        </p:nvSpPr>
+        <p:spPr>
+          <a:xfrm>
+            <a:off x="838200" y="-81714"/>
+            <a:ext cx="10515600" cy="1325563"/>
+          </a:xfrm>
+        </p:spPr>
+        <p:txBody>
+          <a:bodyPr/>
+          <a:lstStyle/>
+          <a:p>
+            <a:pPr algn="ctr"/>
+            <a:r>
+              <a:rPr lang="en-US" dirty="0">
+                <a:latin typeface="Sylfaen" panose="010A0502050306030303" pitchFamily="18" charset="0"/>
+              </a:rPr>
+              <a:t>Inserting Java code into JSP</a:t>
+            </a:r>
+            <a:endParaRPr lang="ru-RU" dirty="0"/>
+          </a:p>
+        </p:txBody>
+      </p:sp>
+      <p:sp>
+        <p:nvSpPr>
+          <p:cNvPr id="3" name="Объект 2">
+            <a:extLst>
+              <a:ext uri="{FF2B5EF4-FFF2-40B4-BE49-F238E27FC236}">
+                <a16:creationId xmlns:a16="http://schemas.microsoft.com/office/drawing/2014/main" id="{058DA894-A52C-4269-821A-F66EC8BBEE5D}"/>
+              </a:ext>
+            </a:extLst>
+          </p:cNvPr>
+          <p:cNvSpPr>
+            <a:spLocks noGrp="1"/>
+          </p:cNvSpPr>
+          <p:nvPr>
+            <p:ph idx="1"/>
+          </p:nvPr>
+        </p:nvSpPr>
+        <p:spPr>
+          <a:xfrm>
+            <a:off x="838200" y="1343818"/>
+            <a:ext cx="10515600" cy="4833145"/>
+          </a:xfrm>
+        </p:spPr>
+        <p:txBody>
+          <a:bodyPr/>
+          <a:lstStyle/>
+          <a:p>
+            <a:pPr marL="0" indent="0">
+              <a:buNone/>
+            </a:pPr>
+            <a:endParaRPr lang="en-US" dirty="0"/>
+          </a:p>
+          <a:p>
+            <a:pPr marL="0" indent="0">
+              <a:buNone/>
+            </a:pPr>
+            <a:endParaRPr lang="ru-RU" dirty="0"/>
+          </a:p>
+        </p:txBody>
+      </p:sp>
+      <p:graphicFrame>
+        <p:nvGraphicFramePr>
+          <p:cNvPr id="4" name="Таблица 4">
+            <a:extLst>
+              <a:ext uri="{FF2B5EF4-FFF2-40B4-BE49-F238E27FC236}">
+                <a16:creationId xmlns:a16="http://schemas.microsoft.com/office/drawing/2014/main" id="{DF9898EA-0560-42F7-8FFD-B1C63A19E79E}"/>
+              </a:ext>
+            </a:extLst>
+          </p:cNvPr>
+          <p:cNvGraphicFramePr>
+            <a:graphicFrameLocks noGrp="1"/>
+          </p:cNvGraphicFramePr>
+          <p:nvPr>
+            <p:extLst>
+              <p:ext uri="{D42A27DB-BD31-4B8C-83A1-F6EECF244321}">
+                <p14:modId xmlns:p14="http://schemas.microsoft.com/office/powerpoint/2010/main" val="2097670510"/>
+              </p:ext>
+            </p:extLst>
+          </p:nvPr>
+        </p:nvGraphicFramePr>
+        <p:xfrm>
+          <a:off x="3663244" y="1400132"/>
+          <a:ext cx="4865511" cy="4876800"/>
+        </p:xfrm>
+        <a:graphic>
+          <a:graphicData uri="http://schemas.openxmlformats.org/drawingml/2006/table">
+            <a:tbl>
+              <a:tblPr firstRow="1" bandRow="1">
+                <a:tableStyleId>{2D5ABB26-0587-4C30-8999-92F81FD0307C}</a:tableStyleId>
+              </a:tblPr>
+              <a:tblGrid>
+                <a:gridCol w="2449689">
+                  <a:extLst>
+                    <a:ext uri="{9D8B030D-6E8A-4147-A177-3AD203B41FA5}">
+                      <a16:colId xmlns:a16="http://schemas.microsoft.com/office/drawing/2014/main" val="2387764185"/>
+                    </a:ext>
+                  </a:extLst>
+                </a:gridCol>
+                <a:gridCol w="2415822">
+                  <a:extLst>
+                    <a:ext uri="{9D8B030D-6E8A-4147-A177-3AD203B41FA5}">
+                      <a16:colId xmlns:a16="http://schemas.microsoft.com/office/drawing/2014/main" val="2412457292"/>
+                    </a:ext>
+                  </a:extLst>
+                </a:gridCol>
+              </a:tblGrid>
+              <a:tr h="0">
+                <a:tc>
+                  <a:txBody>
+                    <a:bodyPr/>
+                    <a:lstStyle/>
+                    <a:p>
+                      <a:pPr algn="ctr"/>
+                      <a:r>
+                        <a:rPr lang="hy-AM" sz="2900" kern="1200" dirty="0">
+                          <a:solidFill>
+                            <a:schemeClr val="tx1"/>
+                          </a:solidFill>
+                          <a:effectLst>
+                            <a:outerShdw blurRad="38100" dist="38100" dir="2700000" algn="tl">
+                              <a:srgbClr val="000000">
+                                <a:alpha val="43137"/>
+                              </a:srgbClr>
+                            </a:outerShdw>
+                          </a:effectLst>
+                          <a:latin typeface="Sylfaen" panose="010A0502050306030303" pitchFamily="18" charset="0"/>
+                          <a:ea typeface="+mn-ea"/>
+                          <a:cs typeface="+mn-cs"/>
+                        </a:rPr>
+                        <a:t>&lt;%@ %&gt; </a:t>
+                      </a:r>
+                      <a:endParaRPr lang="en-US" sz="2900" kern="1200" dirty="0">
+                        <a:solidFill>
+                          <a:schemeClr val="tx1"/>
+                        </a:solidFill>
+                        <a:effectLst>
+                          <a:outerShdw blurRad="38100" dist="38100" dir="2700000" algn="tl">
+                            <a:srgbClr val="000000">
+                              <a:alpha val="43137"/>
+                            </a:srgbClr>
+                          </a:outerShdw>
+                        </a:effectLst>
+                        <a:latin typeface="Sylfaen" panose="010A0502050306030303" pitchFamily="18" charset="0"/>
+                        <a:ea typeface="+mn-ea"/>
+                        <a:cs typeface="+mn-cs"/>
+                      </a:endParaRPr>
+                    </a:p>
+                  </a:txBody>
+                  <a:tcPr/>
+                </a:tc>
+                <a:tc>
+                  <a:txBody>
+                    <a:bodyPr/>
+                    <a:lstStyle/>
+                    <a:p>
+                      <a:pPr marL="0" marR="0" lvl="0" indent="0" algn="ctr" defTabSz="914400" rtl="0" eaLnBrk="1" fontAlgn="auto" latinLnBrk="0" hangingPunct="1">
+                        <a:lnSpc>
+                          <a:spcPct val="100000"/>
+                        </a:lnSpc>
+                        <a:spcBef>
+                          <a:spcPts val="0"/>
+                        </a:spcBef>
+                        <a:spcAft>
+                          <a:spcPts val="0"/>
+                        </a:spcAft>
+                        <a:buClrTx/>
+                        <a:buSzTx/>
+                        <a:buFontTx/>
+                        <a:buNone/>
+                        <a:tabLst/>
+                        <a:defRPr/>
+                      </a:pPr>
+                      <a:r>
+                        <a:rPr lang="en-US" sz="2900" kern="1200" dirty="0">
+                          <a:solidFill>
+                            <a:schemeClr val="tx1"/>
+                          </a:solidFill>
+                          <a:effectLst>
+                            <a:outerShdw blurRad="38100" dist="38100" dir="2700000" algn="tl">
+                              <a:srgbClr val="000000">
+                                <a:alpha val="43137"/>
+                              </a:srgbClr>
+                            </a:outerShdw>
+                          </a:effectLst>
+                          <a:latin typeface="Sylfaen" panose="010A0502050306030303" pitchFamily="18" charset="0"/>
+                          <a:ea typeface="+mn-ea"/>
+                          <a:cs typeface="+mn-cs"/>
+                        </a:rPr>
+                        <a:t>D</a:t>
+                      </a:r>
+                      <a:r>
+                        <a:rPr lang="hy-AM" sz="2900" kern="1200" dirty="0">
+                          <a:solidFill>
+                            <a:schemeClr val="tx1"/>
+                          </a:solidFill>
+                          <a:effectLst>
+                            <a:outerShdw blurRad="38100" dist="38100" dir="2700000" algn="tl">
+                              <a:srgbClr val="000000">
+                                <a:alpha val="43137"/>
+                              </a:srgbClr>
+                            </a:outerShdw>
+                          </a:effectLst>
+                          <a:latin typeface="Sylfaen" panose="010A0502050306030303" pitchFamily="18" charset="0"/>
+                          <a:ea typeface="+mn-ea"/>
+                          <a:cs typeface="+mn-cs"/>
+                        </a:rPr>
+                        <a:t>irective </a:t>
+                      </a:r>
+                      <a:endParaRPr lang="en-US" sz="2900" kern="1200" dirty="0">
+                        <a:solidFill>
+                          <a:schemeClr val="tx1"/>
+                        </a:solidFill>
+                        <a:effectLst>
+                          <a:outerShdw blurRad="38100" dist="38100" dir="2700000" algn="tl">
+                            <a:srgbClr val="000000">
+                              <a:alpha val="43137"/>
+                            </a:srgbClr>
+                          </a:outerShdw>
+                        </a:effectLst>
+                        <a:latin typeface="Sylfaen" panose="010A0502050306030303" pitchFamily="18" charset="0"/>
+                        <a:ea typeface="+mn-ea"/>
+                        <a:cs typeface="+mn-cs"/>
+                      </a:endParaRPr>
+                    </a:p>
+                    <a:p>
+                      <a:pPr algn="ctr"/>
+                      <a:endParaRPr lang="ru-RU" sz="2900" kern="1200" dirty="0">
+                        <a:solidFill>
+                          <a:schemeClr val="tx1"/>
+                        </a:solidFill>
+                        <a:effectLst>
+                          <a:outerShdw blurRad="38100" dist="38100" dir="2700000" algn="tl">
+                            <a:srgbClr val="000000">
+                              <a:alpha val="43137"/>
+                            </a:srgbClr>
+                          </a:outerShdw>
+                        </a:effectLst>
+                        <a:latin typeface="Sylfaen" panose="010A0502050306030303" pitchFamily="18" charset="0"/>
+                        <a:ea typeface="+mn-ea"/>
+                        <a:cs typeface="+mn-cs"/>
+                      </a:endParaRPr>
+                    </a:p>
+                  </a:txBody>
+                  <a:tcPr/>
+                </a:tc>
+                <a:extLst>
+                  <a:ext uri="{0D108BD9-81ED-4DB2-BD59-A6C34878D82A}">
+                    <a16:rowId xmlns:a16="http://schemas.microsoft.com/office/drawing/2014/main" val="203934873"/>
+                  </a:ext>
+                </a:extLst>
+              </a:tr>
+              <a:tr h="370840">
+                <a:tc>
+                  <a:txBody>
+                    <a:bodyPr/>
+                    <a:lstStyle/>
+                    <a:p>
+                      <a:pPr marL="0" marR="0" lvl="0" indent="0" algn="ctr" defTabSz="914400" rtl="0" eaLnBrk="1" fontAlgn="auto" latinLnBrk="0" hangingPunct="1">
+                        <a:lnSpc>
+                          <a:spcPct val="100000"/>
+                        </a:lnSpc>
+                        <a:spcBef>
+                          <a:spcPts val="0"/>
+                        </a:spcBef>
+                        <a:spcAft>
+                          <a:spcPts val="0"/>
+                        </a:spcAft>
+                        <a:buClrTx/>
+                        <a:buSzTx/>
+                        <a:buFontTx/>
+                        <a:buNone/>
+                        <a:tabLst/>
+                        <a:defRPr/>
+                      </a:pPr>
+                      <a:r>
+                        <a:rPr lang="hy-AM" sz="2900" kern="1200" dirty="0">
+                          <a:solidFill>
+                            <a:schemeClr val="tx1"/>
+                          </a:solidFill>
+                          <a:effectLst>
+                            <a:outerShdw blurRad="38100" dist="38100" dir="2700000" algn="tl">
+                              <a:srgbClr val="000000">
+                                <a:alpha val="43137"/>
+                              </a:srgbClr>
+                            </a:outerShdw>
+                          </a:effectLst>
+                          <a:latin typeface="Sylfaen" panose="010A0502050306030303" pitchFamily="18" charset="0"/>
+                          <a:ea typeface="+mn-ea"/>
+                          <a:cs typeface="+mn-cs"/>
+                        </a:rPr>
+                        <a:t>&lt;% %&gt;</a:t>
+                      </a:r>
+                      <a:endParaRPr lang="ru-RU" sz="2900" kern="1200" dirty="0">
+                        <a:solidFill>
+                          <a:schemeClr val="tx1"/>
+                        </a:solidFill>
+                        <a:effectLst>
+                          <a:outerShdw blurRad="38100" dist="38100" dir="2700000" algn="tl">
+                            <a:srgbClr val="000000">
+                              <a:alpha val="43137"/>
+                            </a:srgbClr>
+                          </a:outerShdw>
+                        </a:effectLst>
+                        <a:latin typeface="Sylfaen" panose="010A0502050306030303" pitchFamily="18" charset="0"/>
+                        <a:ea typeface="+mn-ea"/>
+                        <a:cs typeface="+mn-cs"/>
+                      </a:endParaRPr>
+                    </a:p>
+                    <a:p>
+                      <a:pPr algn="ctr"/>
+                      <a:endParaRPr lang="ru-RU" sz="2900" kern="1200" dirty="0">
+                        <a:solidFill>
+                          <a:schemeClr val="tx1"/>
+                        </a:solidFill>
+                        <a:effectLst>
+                          <a:outerShdw blurRad="38100" dist="38100" dir="2700000" algn="tl">
+                            <a:srgbClr val="000000">
+                              <a:alpha val="43137"/>
+                            </a:srgbClr>
+                          </a:outerShdw>
+                        </a:effectLst>
+                        <a:latin typeface="Sylfaen" panose="010A0502050306030303" pitchFamily="18" charset="0"/>
+                        <a:ea typeface="+mn-ea"/>
+                        <a:cs typeface="+mn-cs"/>
+                      </a:endParaRPr>
+                    </a:p>
+                  </a:txBody>
+                  <a:tcPr/>
+                </a:tc>
+                <a:tc>
+                  <a:txBody>
+                    <a:bodyPr/>
+                    <a:lstStyle/>
+                    <a:p>
+                      <a:pPr marL="0" marR="0" lvl="0" indent="0" algn="ctr" defTabSz="914400" rtl="0" eaLnBrk="1" fontAlgn="auto" latinLnBrk="0" hangingPunct="1">
+                        <a:lnSpc>
+                          <a:spcPct val="100000"/>
+                        </a:lnSpc>
+                        <a:spcBef>
+                          <a:spcPts val="0"/>
+                        </a:spcBef>
+                        <a:spcAft>
+                          <a:spcPts val="0"/>
+                        </a:spcAft>
+                        <a:buClrTx/>
+                        <a:buSzTx/>
+                        <a:buFontTx/>
+                        <a:buNone/>
+                        <a:tabLst/>
+                        <a:defRPr/>
+                      </a:pPr>
+                      <a:r>
+                        <a:rPr lang="en-US" sz="2900" kern="1200" dirty="0">
+                          <a:solidFill>
+                            <a:schemeClr val="tx1"/>
+                          </a:solidFill>
+                          <a:effectLst>
+                            <a:outerShdw blurRad="38100" dist="38100" dir="2700000" algn="tl">
+                              <a:srgbClr val="000000">
+                                <a:alpha val="43137"/>
+                              </a:srgbClr>
+                            </a:outerShdw>
+                          </a:effectLst>
+                          <a:latin typeface="Sylfaen" panose="010A0502050306030303" pitchFamily="18" charset="0"/>
+                          <a:ea typeface="+mn-ea"/>
+                          <a:cs typeface="+mn-cs"/>
+                        </a:rPr>
+                        <a:t>S</a:t>
+                      </a:r>
+                      <a:r>
+                        <a:rPr lang="hy-AM" sz="2900" kern="1200" dirty="0">
+                          <a:solidFill>
+                            <a:schemeClr val="tx1"/>
+                          </a:solidFill>
+                          <a:effectLst>
+                            <a:outerShdw blurRad="38100" dist="38100" dir="2700000" algn="tl">
+                              <a:srgbClr val="000000">
+                                <a:alpha val="43137"/>
+                              </a:srgbClr>
+                            </a:outerShdw>
+                          </a:effectLst>
+                          <a:latin typeface="Sylfaen" panose="010A0502050306030303" pitchFamily="18" charset="0"/>
+                          <a:ea typeface="+mn-ea"/>
+                          <a:cs typeface="+mn-cs"/>
+                        </a:rPr>
+                        <a:t>kriplet</a:t>
+                      </a:r>
+                      <a:endParaRPr lang="en-US" sz="2900" kern="1200" dirty="0">
+                        <a:solidFill>
+                          <a:schemeClr val="tx1"/>
+                        </a:solidFill>
+                        <a:effectLst>
+                          <a:outerShdw blurRad="38100" dist="38100" dir="2700000" algn="tl">
+                            <a:srgbClr val="000000">
+                              <a:alpha val="43137"/>
+                            </a:srgbClr>
+                          </a:outerShdw>
+                        </a:effectLst>
+                        <a:latin typeface="Sylfaen" panose="010A0502050306030303" pitchFamily="18" charset="0"/>
+                        <a:ea typeface="+mn-ea"/>
+                        <a:cs typeface="+mn-cs"/>
+                      </a:endParaRPr>
+                    </a:p>
+                  </a:txBody>
+                  <a:tcPr/>
+                </a:tc>
+                <a:extLst>
+                  <a:ext uri="{0D108BD9-81ED-4DB2-BD59-A6C34878D82A}">
+                    <a16:rowId xmlns:a16="http://schemas.microsoft.com/office/drawing/2014/main" val="974079726"/>
+                  </a:ext>
+                </a:extLst>
+              </a:tr>
+              <a:tr h="370840">
+                <a:tc>
+                  <a:txBody>
+                    <a:bodyPr/>
+                    <a:lstStyle/>
+                    <a:p>
+                      <a:pPr marL="0" marR="0" lvl="0" indent="0" algn="ctr" defTabSz="914400" rtl="0" eaLnBrk="1" fontAlgn="auto" latinLnBrk="0" hangingPunct="1">
+                        <a:lnSpc>
+                          <a:spcPct val="100000"/>
+                        </a:lnSpc>
+                        <a:spcBef>
+                          <a:spcPts val="0"/>
+                        </a:spcBef>
+                        <a:spcAft>
+                          <a:spcPts val="0"/>
+                        </a:spcAft>
+                        <a:buClrTx/>
+                        <a:buSzTx/>
+                        <a:buFontTx/>
+                        <a:buNone/>
+                        <a:tabLst/>
+                        <a:defRPr/>
+                      </a:pPr>
+                      <a:r>
+                        <a:rPr lang="hy-AM" sz="2900" kern="1200" dirty="0">
+                          <a:solidFill>
+                            <a:schemeClr val="tx1"/>
+                          </a:solidFill>
+                          <a:effectLst>
+                            <a:outerShdw blurRad="38100" dist="38100" dir="2700000" algn="tl">
+                              <a:srgbClr val="000000">
+                                <a:alpha val="43137"/>
+                              </a:srgbClr>
+                            </a:outerShdw>
+                          </a:effectLst>
+                          <a:latin typeface="Sylfaen" panose="010A0502050306030303" pitchFamily="18" charset="0"/>
+                          <a:ea typeface="+mn-ea"/>
+                          <a:cs typeface="+mn-cs"/>
+                        </a:rPr>
+                        <a:t>&lt;%= %&gt;</a:t>
+                      </a:r>
+                      <a:endParaRPr lang="en-US" sz="2900" kern="1200" dirty="0">
+                        <a:solidFill>
+                          <a:schemeClr val="tx1"/>
+                        </a:solidFill>
+                        <a:effectLst>
+                          <a:outerShdw blurRad="38100" dist="38100" dir="2700000" algn="tl">
+                            <a:srgbClr val="000000">
+                              <a:alpha val="43137"/>
+                            </a:srgbClr>
+                          </a:outerShdw>
+                        </a:effectLst>
+                        <a:latin typeface="Sylfaen" panose="010A0502050306030303" pitchFamily="18" charset="0"/>
+                        <a:ea typeface="+mn-ea"/>
+                        <a:cs typeface="+mn-cs"/>
+                      </a:endParaRPr>
+                    </a:p>
+                    <a:p>
+                      <a:pPr algn="ctr"/>
+                      <a:endParaRPr lang="ru-RU" sz="2900" kern="1200" dirty="0">
+                        <a:solidFill>
+                          <a:schemeClr val="tx1"/>
+                        </a:solidFill>
+                        <a:effectLst>
+                          <a:outerShdw blurRad="38100" dist="38100" dir="2700000" algn="tl">
+                            <a:srgbClr val="000000">
+                              <a:alpha val="43137"/>
+                            </a:srgbClr>
+                          </a:outerShdw>
+                        </a:effectLst>
+                        <a:latin typeface="Sylfaen" panose="010A0502050306030303" pitchFamily="18" charset="0"/>
+                        <a:ea typeface="+mn-ea"/>
+                        <a:cs typeface="+mn-cs"/>
+                      </a:endParaRPr>
+                    </a:p>
+                  </a:txBody>
+                  <a:tcPr/>
+                </a:tc>
+                <a:tc>
+                  <a:txBody>
+                    <a:bodyPr/>
+                    <a:lstStyle/>
+                    <a:p>
+                      <a:pPr marL="0" marR="0" lvl="0" indent="0" algn="ctr" defTabSz="914400" rtl="0" eaLnBrk="1" fontAlgn="auto" latinLnBrk="0" hangingPunct="1">
+                        <a:lnSpc>
+                          <a:spcPct val="100000"/>
+                        </a:lnSpc>
+                        <a:spcBef>
+                          <a:spcPts val="0"/>
+                        </a:spcBef>
+                        <a:spcAft>
+                          <a:spcPts val="0"/>
+                        </a:spcAft>
+                        <a:buClrTx/>
+                        <a:buSzTx/>
+                        <a:buFontTx/>
+                        <a:buNone/>
+                        <a:tabLst/>
+                        <a:defRPr/>
+                      </a:pPr>
+                      <a:r>
+                        <a:rPr lang="en-US" sz="2900" kern="1200" dirty="0">
+                          <a:solidFill>
+                            <a:schemeClr val="tx1"/>
+                          </a:solidFill>
+                          <a:effectLst>
+                            <a:outerShdw blurRad="38100" dist="38100" dir="2700000" algn="tl">
+                              <a:srgbClr val="000000">
+                                <a:alpha val="43137"/>
+                              </a:srgbClr>
+                            </a:outerShdw>
+                          </a:effectLst>
+                          <a:latin typeface="Sylfaen" panose="010A0502050306030303" pitchFamily="18" charset="0"/>
+                          <a:ea typeface="+mn-ea"/>
+                          <a:cs typeface="+mn-cs"/>
+                        </a:rPr>
+                        <a:t>E</a:t>
+                      </a:r>
+                      <a:r>
+                        <a:rPr lang="hy-AM" sz="2900" kern="1200" dirty="0">
+                          <a:solidFill>
+                            <a:schemeClr val="tx1"/>
+                          </a:solidFill>
+                          <a:effectLst>
+                            <a:outerShdw blurRad="38100" dist="38100" dir="2700000" algn="tl">
+                              <a:srgbClr val="000000">
+                                <a:alpha val="43137"/>
+                              </a:srgbClr>
+                            </a:outerShdw>
+                          </a:effectLst>
+                          <a:latin typeface="Sylfaen" panose="010A0502050306030303" pitchFamily="18" charset="0"/>
+                          <a:ea typeface="+mn-ea"/>
+                          <a:cs typeface="+mn-cs"/>
+                        </a:rPr>
+                        <a:t>xpression</a:t>
+                      </a:r>
+                      <a:endParaRPr lang="en-US" sz="2900" kern="1200" dirty="0">
+                        <a:solidFill>
+                          <a:schemeClr val="tx1"/>
+                        </a:solidFill>
+                        <a:effectLst>
+                          <a:outerShdw blurRad="38100" dist="38100" dir="2700000" algn="tl">
+                            <a:srgbClr val="000000">
+                              <a:alpha val="43137"/>
+                            </a:srgbClr>
+                          </a:outerShdw>
+                        </a:effectLst>
+                        <a:latin typeface="Sylfaen" panose="010A0502050306030303" pitchFamily="18" charset="0"/>
+                        <a:ea typeface="+mn-ea"/>
+                        <a:cs typeface="+mn-cs"/>
+                      </a:endParaRPr>
+                    </a:p>
+                    <a:p>
+                      <a:pPr algn="ctr"/>
+                      <a:endParaRPr lang="ru-RU" sz="2900" kern="1200" dirty="0">
+                        <a:solidFill>
+                          <a:schemeClr val="tx1"/>
+                        </a:solidFill>
+                        <a:effectLst>
+                          <a:outerShdw blurRad="38100" dist="38100" dir="2700000" algn="tl">
+                            <a:srgbClr val="000000">
+                              <a:alpha val="43137"/>
+                            </a:srgbClr>
+                          </a:outerShdw>
+                        </a:effectLst>
+                        <a:latin typeface="Sylfaen" panose="010A0502050306030303" pitchFamily="18" charset="0"/>
+                        <a:ea typeface="+mn-ea"/>
+                        <a:cs typeface="+mn-cs"/>
+                      </a:endParaRPr>
+                    </a:p>
+                  </a:txBody>
+                  <a:tcPr/>
+                </a:tc>
+                <a:extLst>
+                  <a:ext uri="{0D108BD9-81ED-4DB2-BD59-A6C34878D82A}">
+                    <a16:rowId xmlns:a16="http://schemas.microsoft.com/office/drawing/2014/main" val="1691983729"/>
+                  </a:ext>
+                </a:extLst>
+              </a:tr>
+              <a:tr h="370840">
+                <a:tc>
+                  <a:txBody>
+                    <a:bodyPr/>
+                    <a:lstStyle/>
+                    <a:p>
+                      <a:pPr marL="0" marR="0" lvl="0" indent="0" algn="ctr" defTabSz="914400" rtl="0" eaLnBrk="1" fontAlgn="auto" latinLnBrk="0" hangingPunct="1">
+                        <a:lnSpc>
+                          <a:spcPct val="100000"/>
+                        </a:lnSpc>
+                        <a:spcBef>
+                          <a:spcPts val="0"/>
+                        </a:spcBef>
+                        <a:spcAft>
+                          <a:spcPts val="0"/>
+                        </a:spcAft>
+                        <a:buClrTx/>
+                        <a:buSzTx/>
+                        <a:buFontTx/>
+                        <a:buNone/>
+                        <a:tabLst/>
+                        <a:defRPr/>
+                      </a:pPr>
+                      <a:r>
+                        <a:rPr lang="hy-AM" sz="2900" kern="1200" dirty="0">
+                          <a:solidFill>
+                            <a:schemeClr val="tx1"/>
+                          </a:solidFill>
+                          <a:effectLst>
+                            <a:outerShdw blurRad="38100" dist="38100" dir="2700000" algn="tl">
+                              <a:srgbClr val="000000">
+                                <a:alpha val="43137"/>
+                              </a:srgbClr>
+                            </a:outerShdw>
+                          </a:effectLst>
+                          <a:latin typeface="Sylfaen" panose="010A0502050306030303" pitchFamily="18" charset="0"/>
+                          <a:ea typeface="+mn-ea"/>
+                          <a:cs typeface="+mn-cs"/>
+                        </a:rPr>
+                        <a:t>&lt;%! %&gt;</a:t>
+                      </a:r>
+                      <a:endParaRPr lang="en-US" sz="2900" kern="1200" dirty="0">
+                        <a:solidFill>
+                          <a:schemeClr val="tx1"/>
+                        </a:solidFill>
+                        <a:effectLst>
+                          <a:outerShdw blurRad="38100" dist="38100" dir="2700000" algn="tl">
+                            <a:srgbClr val="000000">
+                              <a:alpha val="43137"/>
+                            </a:srgbClr>
+                          </a:outerShdw>
+                        </a:effectLst>
+                        <a:latin typeface="Sylfaen" panose="010A0502050306030303" pitchFamily="18" charset="0"/>
+                        <a:ea typeface="+mn-ea"/>
+                        <a:cs typeface="+mn-cs"/>
+                      </a:endParaRPr>
+                    </a:p>
+                    <a:p>
+                      <a:pPr algn="ctr"/>
+                      <a:endParaRPr lang="ru-RU" sz="2900" kern="1200" dirty="0">
+                        <a:solidFill>
+                          <a:schemeClr val="tx1"/>
+                        </a:solidFill>
+                        <a:effectLst>
+                          <a:outerShdw blurRad="38100" dist="38100" dir="2700000" algn="tl">
+                            <a:srgbClr val="000000">
+                              <a:alpha val="43137"/>
+                            </a:srgbClr>
+                          </a:outerShdw>
+                        </a:effectLst>
+                        <a:latin typeface="Sylfaen" panose="010A0502050306030303" pitchFamily="18" charset="0"/>
+                        <a:ea typeface="+mn-ea"/>
+                        <a:cs typeface="+mn-cs"/>
+                      </a:endParaRPr>
+                    </a:p>
+                  </a:txBody>
+                  <a:tcPr/>
+                </a:tc>
+                <a:tc>
+                  <a:txBody>
+                    <a:bodyPr/>
+                    <a:lstStyle/>
+                    <a:p>
+                      <a:pPr marL="0" marR="0" lvl="0" indent="0" algn="ctr" defTabSz="914400" rtl="0" eaLnBrk="1" fontAlgn="auto" latinLnBrk="0" hangingPunct="1">
+                        <a:lnSpc>
+                          <a:spcPct val="100000"/>
+                        </a:lnSpc>
+                        <a:spcBef>
+                          <a:spcPts val="0"/>
+                        </a:spcBef>
+                        <a:spcAft>
+                          <a:spcPts val="0"/>
+                        </a:spcAft>
+                        <a:buClrTx/>
+                        <a:buSzTx/>
+                        <a:buFontTx/>
+                        <a:buNone/>
+                        <a:tabLst/>
+                        <a:defRPr/>
+                      </a:pPr>
+                      <a:r>
+                        <a:rPr lang="en-US" sz="2900" kern="1200" dirty="0">
+                          <a:solidFill>
+                            <a:schemeClr val="tx1"/>
+                          </a:solidFill>
+                          <a:effectLst>
+                            <a:outerShdw blurRad="38100" dist="38100" dir="2700000" algn="tl">
+                              <a:srgbClr val="000000">
+                                <a:alpha val="43137"/>
+                              </a:srgbClr>
+                            </a:outerShdw>
+                          </a:effectLst>
+                          <a:latin typeface="Sylfaen" panose="010A0502050306030303" pitchFamily="18" charset="0"/>
+                          <a:ea typeface="+mn-ea"/>
+                          <a:cs typeface="+mn-cs"/>
+                        </a:rPr>
+                        <a:t>D</a:t>
+                      </a:r>
+                      <a:r>
+                        <a:rPr lang="hy-AM" sz="2900" kern="1200" dirty="0">
+                          <a:solidFill>
+                            <a:schemeClr val="tx1"/>
+                          </a:solidFill>
+                          <a:effectLst>
+                            <a:outerShdw blurRad="38100" dist="38100" dir="2700000" algn="tl">
+                              <a:srgbClr val="000000">
+                                <a:alpha val="43137"/>
+                              </a:srgbClr>
+                            </a:outerShdw>
+                          </a:effectLst>
+                          <a:latin typeface="Sylfaen" panose="010A0502050306030303" pitchFamily="18" charset="0"/>
+                          <a:ea typeface="+mn-ea"/>
+                          <a:cs typeface="+mn-cs"/>
+                        </a:rPr>
+                        <a:t>eclaration</a:t>
+                      </a:r>
+                      <a:endParaRPr lang="en-US" sz="2900" kern="1200" dirty="0">
+                        <a:solidFill>
+                          <a:schemeClr val="tx1"/>
+                        </a:solidFill>
+                        <a:effectLst>
+                          <a:outerShdw blurRad="38100" dist="38100" dir="2700000" algn="tl">
+                            <a:srgbClr val="000000">
+                              <a:alpha val="43137"/>
+                            </a:srgbClr>
+                          </a:outerShdw>
+                        </a:effectLst>
+                        <a:latin typeface="Sylfaen" panose="010A0502050306030303" pitchFamily="18" charset="0"/>
+                        <a:ea typeface="+mn-ea"/>
+                        <a:cs typeface="+mn-cs"/>
+                      </a:endParaRPr>
+                    </a:p>
+                    <a:p>
+                      <a:pPr algn="ctr"/>
+                      <a:endParaRPr lang="ru-RU" sz="2900" kern="1200" dirty="0">
+                        <a:solidFill>
+                          <a:schemeClr val="tx1"/>
+                        </a:solidFill>
+                        <a:effectLst>
+                          <a:outerShdw blurRad="38100" dist="38100" dir="2700000" algn="tl">
+                            <a:srgbClr val="000000">
+                              <a:alpha val="43137"/>
+                            </a:srgbClr>
+                          </a:outerShdw>
+                        </a:effectLst>
+                        <a:latin typeface="Sylfaen" panose="010A0502050306030303" pitchFamily="18" charset="0"/>
+                        <a:ea typeface="+mn-ea"/>
+                        <a:cs typeface="+mn-cs"/>
+                      </a:endParaRPr>
+                    </a:p>
+                  </a:txBody>
+                  <a:tcPr/>
+                </a:tc>
+                <a:extLst>
+                  <a:ext uri="{0D108BD9-81ED-4DB2-BD59-A6C34878D82A}">
+                    <a16:rowId xmlns:a16="http://schemas.microsoft.com/office/drawing/2014/main" val="2551164572"/>
+                  </a:ext>
+                </a:extLst>
+              </a:tr>
+              <a:tr h="370840">
+                <a:tc>
+                  <a:txBody>
+                    <a:bodyPr/>
+                    <a:lstStyle/>
+                    <a:p>
+                      <a:pPr marL="0" marR="0" lvl="0" indent="0" algn="ctr" defTabSz="914400" rtl="0" eaLnBrk="1" fontAlgn="auto" latinLnBrk="0" hangingPunct="1">
+                        <a:lnSpc>
+                          <a:spcPct val="100000"/>
+                        </a:lnSpc>
+                        <a:spcBef>
+                          <a:spcPts val="0"/>
+                        </a:spcBef>
+                        <a:spcAft>
+                          <a:spcPts val="0"/>
+                        </a:spcAft>
+                        <a:buClrTx/>
+                        <a:buSzTx/>
+                        <a:buFontTx/>
+                        <a:buNone/>
+                        <a:tabLst/>
+                        <a:defRPr/>
+                      </a:pPr>
+                      <a:r>
+                        <a:rPr lang="hy-AM" sz="2900" kern="1200" dirty="0">
+                          <a:solidFill>
+                            <a:schemeClr val="tx1"/>
+                          </a:solidFill>
+                          <a:effectLst>
+                            <a:outerShdw blurRad="38100" dist="38100" dir="2700000" algn="tl">
+                              <a:srgbClr val="000000">
+                                <a:alpha val="43137"/>
+                              </a:srgbClr>
+                            </a:outerShdw>
+                          </a:effectLst>
+                          <a:latin typeface="Sylfaen" panose="010A0502050306030303" pitchFamily="18" charset="0"/>
+                          <a:ea typeface="+mn-ea"/>
+                          <a:cs typeface="+mn-cs"/>
+                        </a:rPr>
+                        <a:t>&lt;%-- --%&gt;</a:t>
+                      </a:r>
+                      <a:endParaRPr lang="ru-RU" sz="2900" kern="1200" dirty="0">
+                        <a:solidFill>
+                          <a:schemeClr val="tx1"/>
+                        </a:solidFill>
+                        <a:effectLst>
+                          <a:outerShdw blurRad="38100" dist="38100" dir="2700000" algn="tl">
+                            <a:srgbClr val="000000">
+                              <a:alpha val="43137"/>
+                            </a:srgbClr>
+                          </a:outerShdw>
+                        </a:effectLst>
+                        <a:latin typeface="Sylfaen" panose="010A0502050306030303" pitchFamily="18" charset="0"/>
+                        <a:ea typeface="+mn-ea"/>
+                        <a:cs typeface="+mn-cs"/>
+                      </a:endParaRPr>
+                    </a:p>
+                    <a:p>
+                      <a:pPr algn="ctr"/>
+                      <a:endParaRPr lang="ru-RU" sz="2900" kern="1200" dirty="0">
+                        <a:solidFill>
+                          <a:schemeClr val="tx1"/>
+                        </a:solidFill>
+                        <a:effectLst>
+                          <a:outerShdw blurRad="38100" dist="38100" dir="2700000" algn="tl">
+                            <a:srgbClr val="000000">
+                              <a:alpha val="43137"/>
+                            </a:srgbClr>
+                          </a:outerShdw>
+                        </a:effectLst>
+                        <a:latin typeface="Sylfaen" panose="010A0502050306030303" pitchFamily="18" charset="0"/>
+                        <a:ea typeface="+mn-ea"/>
+                        <a:cs typeface="+mn-cs"/>
+                      </a:endParaRPr>
+                    </a:p>
+                  </a:txBody>
+                  <a:tcPr/>
+                </a:tc>
+                <a:tc>
+                  <a:txBody>
+                    <a:bodyPr/>
+                    <a:lstStyle/>
+                    <a:p>
+                      <a:pPr algn="ctr"/>
+                      <a:r>
+                        <a:rPr lang="en-US" sz="2900" kern="1200" dirty="0">
+                          <a:solidFill>
+                            <a:schemeClr val="tx1"/>
+                          </a:solidFill>
+                          <a:effectLst>
+                            <a:outerShdw blurRad="38100" dist="38100" dir="2700000" algn="tl">
+                              <a:srgbClr val="000000">
+                                <a:alpha val="43137"/>
+                              </a:srgbClr>
+                            </a:outerShdw>
+                          </a:effectLst>
+                          <a:latin typeface="Sylfaen" panose="010A0502050306030303" pitchFamily="18" charset="0"/>
+                          <a:ea typeface="+mn-ea"/>
+                          <a:cs typeface="+mn-cs"/>
+                        </a:rPr>
+                        <a:t>Comments</a:t>
+                      </a:r>
+                      <a:endParaRPr lang="ru-RU" sz="2900" kern="1200" dirty="0">
+                        <a:solidFill>
+                          <a:schemeClr val="tx1"/>
+                        </a:solidFill>
+                        <a:effectLst>
+                          <a:outerShdw blurRad="38100" dist="38100" dir="2700000" algn="tl">
+                            <a:srgbClr val="000000">
+                              <a:alpha val="43137"/>
+                            </a:srgbClr>
+                          </a:outerShdw>
+                        </a:effectLst>
+                        <a:latin typeface="Sylfaen" panose="010A0502050306030303" pitchFamily="18" charset="0"/>
+                        <a:ea typeface="+mn-ea"/>
+                        <a:cs typeface="+mn-cs"/>
+                      </a:endParaRPr>
+                    </a:p>
+                  </a:txBody>
+                  <a:tcPr/>
+                </a:tc>
+                <a:extLst>
+                  <a:ext uri="{0D108BD9-81ED-4DB2-BD59-A6C34878D82A}">
+                    <a16:rowId xmlns:a16="http://schemas.microsoft.com/office/drawing/2014/main" val="1129587848"/>
+                  </a:ext>
+                </a:extLst>
+              </a:tr>
+            </a:tbl>
+          </a:graphicData>
+        </a:graphic>
+      </p:graphicFrame>
+      <p:cxnSp>
+        <p:nvCxnSpPr>
+          <p:cNvPr id="6" name="Straight Connector 9">
+            <a:extLst>
+              <a:ext uri="{FF2B5EF4-FFF2-40B4-BE49-F238E27FC236}">
+                <a16:creationId xmlns:a16="http://schemas.microsoft.com/office/drawing/2014/main" id="{DDBC35F2-A3AB-4DF1-98CD-33459E6B147D}"/>
+              </a:ext>
+            </a:extLst>
+          </p:cNvPr>
+          <p:cNvCxnSpPr>
+            <a:cxnSpLocks/>
+          </p:cNvCxnSpPr>
+          <p:nvPr/>
+        </p:nvCxnSpPr>
+        <p:spPr>
+          <a:xfrm>
+            <a:off x="569235" y="1057171"/>
+            <a:ext cx="11053530" cy="0"/>
+          </a:xfrm>
+          <a:prstGeom prst="line">
+            <a:avLst/>
+          </a:prstGeom>
+        </p:spPr>
+        <p:style>
+          <a:lnRef idx="3">
+            <a:schemeClr val="accent1"/>
+          </a:lnRef>
+          <a:fillRef idx="0">
+            <a:schemeClr val="accent1"/>
+          </a:fillRef>
+          <a:effectRef idx="2">
+            <a:schemeClr val="accent1"/>
+          </a:effectRef>
+          <a:fontRef idx="minor">
+            <a:schemeClr val="tx1"/>
+          </a:fontRef>
+        </p:style>
+      </p:cxnSp>
+    </p:spTree>
+    <p:extLst>
+      <p:ext uri="{BB962C8B-B14F-4D97-AF65-F5344CB8AC3E}">
+        <p14:creationId xmlns:p14="http://schemas.microsoft.com/office/powerpoint/2010/main" val="1196526087"/>
       </p:ext>
     </p:extLst>
   </p:cSld>
@@ -6477,6 +8288,1238 @@
     <p:extLst>
       <p:ext uri="{BB962C8B-B14F-4D97-AF65-F5344CB8AC3E}">
         <p14:creationId xmlns:p14="http://schemas.microsoft.com/office/powerpoint/2010/main" val="1123805365"/>
+      </p:ext>
+    </p:extLst>
+  </p:cSld>
+  <p:clrMapOvr>
+    <a:masterClrMapping/>
+  </p:clrMapOvr>
+</p:sld>
+</file>
+
+<file path=ppt/slides/slide20.xml><?xml version="1.0" encoding="utf-8"?>
+<p:sld xmlns:a="http://schemas.openxmlformats.org/drawingml/2006/main" xmlns:r="http://schemas.openxmlformats.org/officeDocument/2006/relationships" xmlns:p="http://schemas.openxmlformats.org/presentationml/2006/main">
+  <p:cSld>
+    <p:spTree>
+      <p:nvGrpSpPr>
+        <p:cNvPr id="1" name=""/>
+        <p:cNvGrpSpPr/>
+        <p:nvPr/>
+      </p:nvGrpSpPr>
+      <p:grpSpPr>
+        <a:xfrm>
+          <a:off x="0" y="0"/>
+          <a:ext cx="0" cy="0"/>
+          <a:chOff x="0" y="0"/>
+          <a:chExt cx="0" cy="0"/>
+        </a:xfrm>
+      </p:grpSpPr>
+      <p:sp>
+        <p:nvSpPr>
+          <p:cNvPr id="2" name="Заголовок 1">
+            <a:extLst>
+              <a:ext uri="{FF2B5EF4-FFF2-40B4-BE49-F238E27FC236}">
+                <a16:creationId xmlns:a16="http://schemas.microsoft.com/office/drawing/2014/main" id="{9FB9914D-687C-48BB-BDBE-4000633E9DB5}"/>
+              </a:ext>
+            </a:extLst>
+          </p:cNvPr>
+          <p:cNvSpPr>
+            <a:spLocks noGrp="1"/>
+          </p:cNvSpPr>
+          <p:nvPr>
+            <p:ph type="title"/>
+          </p:nvPr>
+        </p:nvSpPr>
+        <p:spPr>
+          <a:xfrm>
+            <a:off x="838200" y="-187415"/>
+            <a:ext cx="10515600" cy="1364635"/>
+          </a:xfrm>
+        </p:spPr>
+        <p:txBody>
+          <a:bodyPr>
+            <a:normAutofit fontScale="90000"/>
+          </a:bodyPr>
+          <a:lstStyle/>
+          <a:p>
+            <a:pPr algn="ctr"/>
+            <a:br>
+              <a:rPr lang="en-US" sz="4900" dirty="0">
+                <a:latin typeface="Sylfaen" panose="010A0502050306030303" pitchFamily="18" charset="0"/>
+              </a:rPr>
+            </a:br>
+            <a:r>
+              <a:rPr lang="en-US" sz="4900" dirty="0">
+                <a:latin typeface="Sylfaen" panose="010A0502050306030303" pitchFamily="18" charset="0"/>
+              </a:rPr>
+              <a:t>What happens to JSP code</a:t>
+            </a:r>
+            <a:br>
+              <a:rPr lang="en-US" dirty="0"/>
+            </a:br>
+            <a:endParaRPr lang="ru-RU" dirty="0"/>
+          </a:p>
+        </p:txBody>
+      </p:sp>
+      <p:sp>
+        <p:nvSpPr>
+          <p:cNvPr id="3" name="Объект 2">
+            <a:extLst>
+              <a:ext uri="{FF2B5EF4-FFF2-40B4-BE49-F238E27FC236}">
+                <a16:creationId xmlns:a16="http://schemas.microsoft.com/office/drawing/2014/main" id="{68AD06B1-334B-451D-B990-13B85E9E8046}"/>
+              </a:ext>
+            </a:extLst>
+          </p:cNvPr>
+          <p:cNvSpPr>
+            <a:spLocks noGrp="1"/>
+          </p:cNvSpPr>
+          <p:nvPr>
+            <p:ph idx="1"/>
+          </p:nvPr>
+        </p:nvSpPr>
+        <p:spPr>
+          <a:xfrm>
+            <a:off x="996245" y="2378780"/>
+            <a:ext cx="3090334" cy="3262489"/>
+          </a:xfrm>
+        </p:spPr>
+        <p:txBody>
+          <a:bodyPr>
+            <a:normAutofit fontScale="85000" lnSpcReduction="20000"/>
+          </a:bodyPr>
+          <a:lstStyle/>
+          <a:p>
+            <a:pPr marL="0" indent="0">
+              <a:lnSpc>
+                <a:spcPct val="150000"/>
+              </a:lnSpc>
+              <a:buNone/>
+            </a:pPr>
+            <a:r>
+              <a:rPr lang="en-US" sz="2000" dirty="0">
+                <a:effectLst>
+                  <a:outerShdw blurRad="38100" dist="38100" dir="2700000" algn="tl">
+                    <a:srgbClr val="000000">
+                      <a:alpha val="43137"/>
+                    </a:srgbClr>
+                  </a:outerShdw>
+                </a:effectLst>
+                <a:latin typeface="Sylfaen" panose="010A0502050306030303" pitchFamily="18" charset="0"/>
+              </a:rPr>
+              <a:t>&lt;html&gt;</a:t>
+            </a:r>
+          </a:p>
+          <a:p>
+            <a:pPr marL="0" indent="0">
+              <a:lnSpc>
+                <a:spcPct val="150000"/>
+              </a:lnSpc>
+              <a:buNone/>
+            </a:pPr>
+            <a:r>
+              <a:rPr lang="en-US" sz="2000" dirty="0">
+                <a:effectLst>
+                  <a:outerShdw blurRad="38100" dist="38100" dir="2700000" algn="tl">
+                    <a:srgbClr val="000000">
+                      <a:alpha val="43137"/>
+                    </a:srgbClr>
+                  </a:outerShdw>
+                </a:effectLst>
+                <a:latin typeface="Sylfaen" panose="010A0502050306030303" pitchFamily="18" charset="0"/>
+              </a:rPr>
+              <a:t>&lt;body&gt;</a:t>
+            </a:r>
+          </a:p>
+          <a:p>
+            <a:pPr marL="0" indent="0">
+              <a:lnSpc>
+                <a:spcPct val="150000"/>
+              </a:lnSpc>
+              <a:buNone/>
+            </a:pPr>
+            <a:r>
+              <a:rPr lang="en-US" sz="2000" dirty="0">
+                <a:effectLst>
+                  <a:outerShdw blurRad="38100" dist="38100" dir="2700000" algn="tl">
+                    <a:srgbClr val="000000">
+                      <a:alpha val="43137"/>
+                    </a:srgbClr>
+                  </a:outerShdw>
+                </a:effectLst>
+                <a:latin typeface="Sylfaen" panose="010A0502050306030303" pitchFamily="18" charset="0"/>
+              </a:rPr>
+              <a:t>      &lt;%! String str = “Hello”; %&gt;</a:t>
+            </a:r>
+          </a:p>
+          <a:p>
+            <a:pPr marL="0" indent="0">
+              <a:lnSpc>
+                <a:spcPct val="150000"/>
+              </a:lnSpc>
+              <a:buNone/>
+            </a:pPr>
+            <a:r>
+              <a:rPr lang="en-US" sz="2000" dirty="0">
+                <a:effectLst>
+                  <a:outerShdw blurRad="38100" dist="38100" dir="2700000" algn="tl">
+                    <a:srgbClr val="000000">
+                      <a:alpha val="43137"/>
+                    </a:srgbClr>
+                  </a:outerShdw>
+                </a:effectLst>
+                <a:latin typeface="Sylfaen" panose="010A0502050306030303" pitchFamily="18" charset="0"/>
+              </a:rPr>
+              <a:t>      &lt;% int number = 10; %&gt;</a:t>
+            </a:r>
+          </a:p>
+          <a:p>
+            <a:pPr marL="0" indent="0">
+              <a:lnSpc>
+                <a:spcPct val="150000"/>
+              </a:lnSpc>
+              <a:buNone/>
+            </a:pPr>
+            <a:r>
+              <a:rPr lang="en-US" sz="2000" dirty="0">
+                <a:effectLst>
+                  <a:outerShdw blurRad="38100" dist="38100" dir="2700000" algn="tl">
+                    <a:srgbClr val="000000">
+                      <a:alpha val="43137"/>
+                    </a:srgbClr>
+                  </a:outerShdw>
+                </a:effectLst>
+                <a:latin typeface="Sylfaen" panose="010A0502050306030303" pitchFamily="18" charset="0"/>
+              </a:rPr>
+              <a:t>      &lt;%= number %&gt;</a:t>
+            </a:r>
+          </a:p>
+          <a:p>
+            <a:pPr marL="0" indent="0">
+              <a:lnSpc>
+                <a:spcPct val="150000"/>
+              </a:lnSpc>
+              <a:buNone/>
+            </a:pPr>
+            <a:r>
+              <a:rPr lang="en-US" sz="2000" dirty="0">
+                <a:effectLst>
+                  <a:outerShdw blurRad="38100" dist="38100" dir="2700000" algn="tl">
+                    <a:srgbClr val="000000">
+                      <a:alpha val="43137"/>
+                    </a:srgbClr>
+                  </a:outerShdw>
+                </a:effectLst>
+                <a:latin typeface="Sylfaen" panose="010A0502050306030303" pitchFamily="18" charset="0"/>
+              </a:rPr>
+              <a:t>&lt;/body&gt;  </a:t>
+            </a:r>
+          </a:p>
+          <a:p>
+            <a:pPr marL="0" indent="0">
+              <a:lnSpc>
+                <a:spcPct val="150000"/>
+              </a:lnSpc>
+              <a:buNone/>
+            </a:pPr>
+            <a:r>
+              <a:rPr lang="en-US" sz="2000" dirty="0">
+                <a:effectLst>
+                  <a:outerShdw blurRad="38100" dist="38100" dir="2700000" algn="tl">
+                    <a:srgbClr val="000000">
+                      <a:alpha val="43137"/>
+                    </a:srgbClr>
+                  </a:outerShdw>
+                </a:effectLst>
+                <a:latin typeface="Sylfaen" panose="010A0502050306030303" pitchFamily="18" charset="0"/>
+              </a:rPr>
+              <a:t>&lt;/html&gt;</a:t>
+            </a:r>
+          </a:p>
+          <a:p>
+            <a:pPr marL="0" indent="0">
+              <a:lnSpc>
+                <a:spcPct val="150000"/>
+              </a:lnSpc>
+              <a:buNone/>
+            </a:pPr>
+            <a:endParaRPr lang="ru-RU" sz="2000" dirty="0">
+              <a:effectLst>
+                <a:outerShdw blurRad="38100" dist="38100" dir="2700000" algn="tl">
+                  <a:srgbClr val="000000">
+                    <a:alpha val="43137"/>
+                  </a:srgbClr>
+                </a:outerShdw>
+              </a:effectLst>
+              <a:latin typeface="Sylfaen" panose="010A0502050306030303" pitchFamily="18" charset="0"/>
+            </a:endParaRPr>
+          </a:p>
+          <a:p>
+            <a:pPr marL="0" indent="0">
+              <a:lnSpc>
+                <a:spcPct val="150000"/>
+              </a:lnSpc>
+              <a:buNone/>
+            </a:pPr>
+            <a:endParaRPr lang="ru-RU" dirty="0"/>
+          </a:p>
+        </p:txBody>
+      </p:sp>
+      <p:sp>
+        <p:nvSpPr>
+          <p:cNvPr id="4" name="Объект 2">
+            <a:extLst>
+              <a:ext uri="{FF2B5EF4-FFF2-40B4-BE49-F238E27FC236}">
+                <a16:creationId xmlns:a16="http://schemas.microsoft.com/office/drawing/2014/main" id="{6288EC46-C313-407A-B9BF-BF6F34466750}"/>
+              </a:ext>
+            </a:extLst>
+          </p:cNvPr>
+          <p:cNvSpPr txBox="1">
+            <a:spLocks/>
+          </p:cNvSpPr>
+          <p:nvPr/>
+        </p:nvSpPr>
+        <p:spPr>
+          <a:xfrm>
+            <a:off x="4583288" y="1619249"/>
+            <a:ext cx="7868355" cy="4781550"/>
+          </a:xfrm>
+          <a:prstGeom prst="rect">
+            <a:avLst/>
+          </a:prstGeom>
+        </p:spPr>
+        <p:txBody>
+          <a:bodyPr vert="horz" lIns="91440" tIns="45720" rIns="91440" bIns="45720" rtlCol="0">
+            <a:normAutofit fontScale="77500" lnSpcReduction="20000"/>
+          </a:bodyPr>
+          <a:lstStyle>
+            <a:lvl1pPr marL="228600" indent="-228600" algn="l" defTabSz="914400" rtl="0" eaLnBrk="1" latinLnBrk="0" hangingPunct="1">
+              <a:lnSpc>
+                <a:spcPct val="90000"/>
+              </a:lnSpc>
+              <a:spcBef>
+                <a:spcPts val="1000"/>
+              </a:spcBef>
+              <a:buFont typeface="Arial" panose="020B0604020202020204" pitchFamily="34" charset="0"/>
+              <a:buChar char="•"/>
+              <a:defRPr sz="2800" kern="1200">
+                <a:solidFill>
+                  <a:schemeClr val="tx1"/>
+                </a:solidFill>
+                <a:latin typeface="+mn-lt"/>
+                <a:ea typeface="+mn-ea"/>
+                <a:cs typeface="+mn-cs"/>
+              </a:defRPr>
+            </a:lvl1pPr>
+            <a:lvl2pPr marL="685800" indent="-228600" algn="l" defTabSz="914400" rtl="0" eaLnBrk="1" latinLnBrk="0" hangingPunct="1">
+              <a:lnSpc>
+                <a:spcPct val="90000"/>
+              </a:lnSpc>
+              <a:spcBef>
+                <a:spcPts val="500"/>
+              </a:spcBef>
+              <a:buFont typeface="Arial" panose="020B0604020202020204" pitchFamily="34" charset="0"/>
+              <a:buChar char="•"/>
+              <a:defRPr sz="2400" kern="1200">
+                <a:solidFill>
+                  <a:schemeClr val="tx1"/>
+                </a:solidFill>
+                <a:latin typeface="+mn-lt"/>
+                <a:ea typeface="+mn-ea"/>
+                <a:cs typeface="+mn-cs"/>
+              </a:defRPr>
+            </a:lvl2pPr>
+            <a:lvl3pPr marL="1143000" indent="-228600" algn="l" defTabSz="914400" rtl="0" eaLnBrk="1" latinLnBrk="0" hangingPunct="1">
+              <a:lnSpc>
+                <a:spcPct val="90000"/>
+              </a:lnSpc>
+              <a:spcBef>
+                <a:spcPts val="500"/>
+              </a:spcBef>
+              <a:buFont typeface="Arial" panose="020B0604020202020204" pitchFamily="34" charset="0"/>
+              <a:buChar char="•"/>
+              <a:defRPr sz="2000" kern="1200">
+                <a:solidFill>
+                  <a:schemeClr val="tx1"/>
+                </a:solidFill>
+                <a:latin typeface="+mn-lt"/>
+                <a:ea typeface="+mn-ea"/>
+                <a:cs typeface="+mn-cs"/>
+              </a:defRPr>
+            </a:lvl3pPr>
+            <a:lvl4pPr marL="1600200" indent="-228600" algn="l" defTabSz="914400" rtl="0" eaLnBrk="1" latinLnBrk="0" hangingPunct="1">
+              <a:lnSpc>
+                <a:spcPct val="90000"/>
+              </a:lnSpc>
+              <a:spcBef>
+                <a:spcPts val="500"/>
+              </a:spcBef>
+              <a:buFont typeface="Arial" panose="020B0604020202020204" pitchFamily="34" charset="0"/>
+              <a:buChar char="•"/>
+              <a:defRPr sz="1800" kern="1200">
+                <a:solidFill>
+                  <a:schemeClr val="tx1"/>
+                </a:solidFill>
+                <a:latin typeface="+mn-lt"/>
+                <a:ea typeface="+mn-ea"/>
+                <a:cs typeface="+mn-cs"/>
+              </a:defRPr>
+            </a:lvl4pPr>
+            <a:lvl5pPr marL="2057400" indent="-228600" algn="l" defTabSz="914400" rtl="0" eaLnBrk="1" latinLnBrk="0" hangingPunct="1">
+              <a:lnSpc>
+                <a:spcPct val="90000"/>
+              </a:lnSpc>
+              <a:spcBef>
+                <a:spcPts val="500"/>
+              </a:spcBef>
+              <a:buFont typeface="Arial" panose="020B0604020202020204" pitchFamily="34" charset="0"/>
+              <a:buChar char="•"/>
+              <a:defRPr sz="1800" kern="1200">
+                <a:solidFill>
+                  <a:schemeClr val="tx1"/>
+                </a:solidFill>
+                <a:latin typeface="+mn-lt"/>
+                <a:ea typeface="+mn-ea"/>
+                <a:cs typeface="+mn-cs"/>
+              </a:defRPr>
+            </a:lvl5pPr>
+            <a:lvl6pPr marL="2514600" indent="-228600" algn="l" defTabSz="914400" rtl="0" eaLnBrk="1" latinLnBrk="0" hangingPunct="1">
+              <a:lnSpc>
+                <a:spcPct val="90000"/>
+              </a:lnSpc>
+              <a:spcBef>
+                <a:spcPts val="500"/>
+              </a:spcBef>
+              <a:buFont typeface="Arial" panose="020B0604020202020204" pitchFamily="34" charset="0"/>
+              <a:buChar char="•"/>
+              <a:defRPr sz="1800" kern="1200">
+                <a:solidFill>
+                  <a:schemeClr val="tx1"/>
+                </a:solidFill>
+                <a:latin typeface="+mn-lt"/>
+                <a:ea typeface="+mn-ea"/>
+                <a:cs typeface="+mn-cs"/>
+              </a:defRPr>
+            </a:lvl6pPr>
+            <a:lvl7pPr marL="2971800" indent="-228600" algn="l" defTabSz="914400" rtl="0" eaLnBrk="1" latinLnBrk="0" hangingPunct="1">
+              <a:lnSpc>
+                <a:spcPct val="90000"/>
+              </a:lnSpc>
+              <a:spcBef>
+                <a:spcPts val="500"/>
+              </a:spcBef>
+              <a:buFont typeface="Arial" panose="020B0604020202020204" pitchFamily="34" charset="0"/>
+              <a:buChar char="•"/>
+              <a:defRPr sz="1800" kern="1200">
+                <a:solidFill>
+                  <a:schemeClr val="tx1"/>
+                </a:solidFill>
+                <a:latin typeface="+mn-lt"/>
+                <a:ea typeface="+mn-ea"/>
+                <a:cs typeface="+mn-cs"/>
+              </a:defRPr>
+            </a:lvl7pPr>
+            <a:lvl8pPr marL="3429000" indent="-228600" algn="l" defTabSz="914400" rtl="0" eaLnBrk="1" latinLnBrk="0" hangingPunct="1">
+              <a:lnSpc>
+                <a:spcPct val="90000"/>
+              </a:lnSpc>
+              <a:spcBef>
+                <a:spcPts val="500"/>
+              </a:spcBef>
+              <a:buFont typeface="Arial" panose="020B0604020202020204" pitchFamily="34" charset="0"/>
+              <a:buChar char="•"/>
+              <a:defRPr sz="1800" kern="1200">
+                <a:solidFill>
+                  <a:schemeClr val="tx1"/>
+                </a:solidFill>
+                <a:latin typeface="+mn-lt"/>
+                <a:ea typeface="+mn-ea"/>
+                <a:cs typeface="+mn-cs"/>
+              </a:defRPr>
+            </a:lvl8pPr>
+            <a:lvl9pPr marL="3886200" indent="-228600" algn="l" defTabSz="914400" rtl="0" eaLnBrk="1" latinLnBrk="0" hangingPunct="1">
+              <a:lnSpc>
+                <a:spcPct val="90000"/>
+              </a:lnSpc>
+              <a:spcBef>
+                <a:spcPts val="500"/>
+              </a:spcBef>
+              <a:buFont typeface="Arial" panose="020B0604020202020204" pitchFamily="34" charset="0"/>
+              <a:buChar char="•"/>
+              <a:defRPr sz="1800" kern="1200">
+                <a:solidFill>
+                  <a:schemeClr val="tx1"/>
+                </a:solidFill>
+                <a:latin typeface="+mn-lt"/>
+                <a:ea typeface="+mn-ea"/>
+                <a:cs typeface="+mn-cs"/>
+              </a:defRPr>
+            </a:lvl9pPr>
+          </a:lstStyle>
+          <a:p>
+            <a:pPr marL="0" indent="0">
+              <a:lnSpc>
+                <a:spcPct val="120000"/>
+              </a:lnSpc>
+              <a:buFont typeface="Arial" panose="020B0604020202020204" pitchFamily="34" charset="0"/>
+              <a:buNone/>
+            </a:pPr>
+            <a:r>
+              <a:rPr lang="en-US" sz="2900" dirty="0">
+                <a:effectLst>
+                  <a:outerShdw blurRad="38100" dist="38100" dir="2700000" algn="tl">
+                    <a:srgbClr val="000000">
+                      <a:alpha val="43137"/>
+                    </a:srgbClr>
+                  </a:outerShdw>
+                </a:effectLst>
+                <a:latin typeface="Sylfaen" panose="010A0502050306030303" pitchFamily="18" charset="0"/>
+              </a:rPr>
+              <a:t>public class </a:t>
+            </a:r>
+            <a:r>
+              <a:rPr lang="en-US" sz="2900" dirty="0" err="1">
+                <a:effectLst>
+                  <a:outerShdw blurRad="38100" dist="38100" dir="2700000" algn="tl">
+                    <a:srgbClr val="000000">
+                      <a:alpha val="43137"/>
+                    </a:srgbClr>
+                  </a:outerShdw>
+                </a:effectLst>
+                <a:latin typeface="Sylfaen" panose="010A0502050306030303" pitchFamily="18" charset="0"/>
+              </a:rPr>
+              <a:t>MyJspServlet</a:t>
+            </a:r>
+            <a:r>
+              <a:rPr lang="en-US" sz="2900" dirty="0">
+                <a:effectLst>
+                  <a:outerShdw blurRad="38100" dist="38100" dir="2700000" algn="tl">
+                    <a:srgbClr val="000000">
+                      <a:alpha val="43137"/>
+                    </a:srgbClr>
+                  </a:outerShdw>
+                </a:effectLst>
+                <a:latin typeface="Sylfaen" panose="010A0502050306030303" pitchFamily="18" charset="0"/>
+              </a:rPr>
+              <a:t> extends </a:t>
+            </a:r>
+            <a:r>
+              <a:rPr lang="en-US" sz="2900" dirty="0" err="1">
+                <a:effectLst>
+                  <a:outerShdw blurRad="38100" dist="38100" dir="2700000" algn="tl">
+                    <a:srgbClr val="000000">
+                      <a:alpha val="43137"/>
+                    </a:srgbClr>
+                  </a:outerShdw>
+                </a:effectLst>
+                <a:latin typeface="Sylfaen" panose="010A0502050306030303" pitchFamily="18" charset="0"/>
+              </a:rPr>
+              <a:t>HttpServlet</a:t>
+            </a:r>
+            <a:r>
+              <a:rPr lang="en-US" sz="2900" dirty="0">
+                <a:effectLst>
+                  <a:outerShdw blurRad="38100" dist="38100" dir="2700000" algn="tl">
+                    <a:srgbClr val="000000">
+                      <a:alpha val="43137"/>
+                    </a:srgbClr>
+                  </a:outerShdw>
+                </a:effectLst>
+                <a:latin typeface="Sylfaen" panose="010A0502050306030303" pitchFamily="18" charset="0"/>
+              </a:rPr>
+              <a:t> {</a:t>
+            </a:r>
+          </a:p>
+          <a:p>
+            <a:pPr marL="0" indent="0">
+              <a:lnSpc>
+                <a:spcPct val="120000"/>
+              </a:lnSpc>
+              <a:buFont typeface="Arial" panose="020B0604020202020204" pitchFamily="34" charset="0"/>
+              <a:buNone/>
+            </a:pPr>
+            <a:r>
+              <a:rPr lang="en-US" sz="2900" dirty="0">
+                <a:effectLst>
+                  <a:outerShdw blurRad="38100" dist="38100" dir="2700000" algn="tl">
+                    <a:srgbClr val="000000">
+                      <a:alpha val="43137"/>
+                    </a:srgbClr>
+                  </a:outerShdw>
+                </a:effectLst>
+                <a:latin typeface="Sylfaen" panose="010A0502050306030303" pitchFamily="18" charset="0"/>
+              </a:rPr>
+              <a:t>     String str = “Hello”;</a:t>
+            </a:r>
+          </a:p>
+          <a:p>
+            <a:pPr marL="0" indent="0">
+              <a:lnSpc>
+                <a:spcPct val="120000"/>
+              </a:lnSpc>
+              <a:buFont typeface="Arial" panose="020B0604020202020204" pitchFamily="34" charset="0"/>
+              <a:buNone/>
+            </a:pPr>
+            <a:r>
+              <a:rPr lang="en-US" sz="2900" dirty="0">
+                <a:effectLst>
+                  <a:outerShdw blurRad="38100" dist="38100" dir="2700000" algn="tl">
+                    <a:srgbClr val="000000">
+                      <a:alpha val="43137"/>
+                    </a:srgbClr>
+                  </a:outerShdw>
+                </a:effectLst>
+                <a:latin typeface="Sylfaen" panose="010A0502050306030303" pitchFamily="18" charset="0"/>
+              </a:rPr>
+              <a:t>     public void _</a:t>
+            </a:r>
+            <a:r>
+              <a:rPr lang="en-US" sz="2900" dirty="0" err="1">
+                <a:effectLst>
+                  <a:outerShdw blurRad="38100" dist="38100" dir="2700000" algn="tl">
+                    <a:srgbClr val="000000">
+                      <a:alpha val="43137"/>
+                    </a:srgbClr>
+                  </a:outerShdw>
+                </a:effectLst>
+                <a:latin typeface="Sylfaen" panose="010A0502050306030303" pitchFamily="18" charset="0"/>
+              </a:rPr>
+              <a:t>jspService</a:t>
+            </a:r>
+            <a:r>
+              <a:rPr lang="en-US" sz="2900" dirty="0">
+                <a:effectLst>
+                  <a:outerShdw blurRad="38100" dist="38100" dir="2700000" algn="tl">
+                    <a:srgbClr val="000000">
+                      <a:alpha val="43137"/>
+                    </a:srgbClr>
+                  </a:outerShdw>
+                </a:effectLst>
+                <a:latin typeface="Sylfaen" panose="010A0502050306030303" pitchFamily="18" charset="0"/>
+              </a:rPr>
+              <a:t> (</a:t>
+            </a:r>
+            <a:r>
+              <a:rPr lang="en-US" sz="2900" dirty="0" err="1">
+                <a:effectLst>
+                  <a:outerShdw blurRad="38100" dist="38100" dir="2700000" algn="tl">
+                    <a:srgbClr val="000000">
+                      <a:alpha val="43137"/>
+                    </a:srgbClr>
+                  </a:outerShdw>
+                </a:effectLst>
+                <a:latin typeface="Sylfaen" panose="010A0502050306030303" pitchFamily="18" charset="0"/>
+              </a:rPr>
+              <a:t>HttpServletRequest</a:t>
+            </a:r>
+            <a:r>
+              <a:rPr lang="en-US" sz="2900" dirty="0">
+                <a:effectLst>
+                  <a:outerShdw blurRad="38100" dist="38100" dir="2700000" algn="tl">
+                    <a:srgbClr val="000000">
+                      <a:alpha val="43137"/>
+                    </a:srgbClr>
+                  </a:outerShdw>
+                </a:effectLst>
+                <a:latin typeface="Sylfaen" panose="010A0502050306030303" pitchFamily="18" charset="0"/>
+              </a:rPr>
+              <a:t> request, </a:t>
+            </a:r>
+          </a:p>
+          <a:p>
+            <a:pPr marL="0" indent="0">
+              <a:lnSpc>
+                <a:spcPct val="120000"/>
+              </a:lnSpc>
+              <a:buFont typeface="Arial" panose="020B0604020202020204" pitchFamily="34" charset="0"/>
+              <a:buNone/>
+            </a:pPr>
+            <a:r>
+              <a:rPr lang="en-US" sz="2900" dirty="0">
+                <a:effectLst>
+                  <a:outerShdw blurRad="38100" dist="38100" dir="2700000" algn="tl">
+                    <a:srgbClr val="000000">
+                      <a:alpha val="43137"/>
+                    </a:srgbClr>
+                  </a:outerShdw>
+                </a:effectLst>
+                <a:latin typeface="Sylfaen" panose="010A0502050306030303" pitchFamily="18" charset="0"/>
+              </a:rPr>
+              <a:t>                                            </a:t>
+            </a:r>
+            <a:r>
+              <a:rPr lang="en-US" sz="2900" dirty="0" err="1">
+                <a:effectLst>
+                  <a:outerShdw blurRad="38100" dist="38100" dir="2700000" algn="tl">
+                    <a:srgbClr val="000000">
+                      <a:alpha val="43137"/>
+                    </a:srgbClr>
+                  </a:outerShdw>
+                </a:effectLst>
+                <a:latin typeface="Sylfaen" panose="010A0502050306030303" pitchFamily="18" charset="0"/>
+              </a:rPr>
+              <a:t>HttpServletResponse</a:t>
+            </a:r>
+            <a:r>
+              <a:rPr lang="en-US" sz="2900" dirty="0">
+                <a:effectLst>
+                  <a:outerShdw blurRad="38100" dist="38100" dir="2700000" algn="tl">
+                    <a:srgbClr val="000000">
+                      <a:alpha val="43137"/>
+                    </a:srgbClr>
+                  </a:outerShdw>
+                </a:effectLst>
+                <a:latin typeface="Sylfaen" panose="010A0502050306030303" pitchFamily="18" charset="0"/>
+              </a:rPr>
+              <a:t> response) {</a:t>
+            </a:r>
+          </a:p>
+          <a:p>
+            <a:pPr marL="0" indent="0">
+              <a:lnSpc>
+                <a:spcPct val="120000"/>
+              </a:lnSpc>
+              <a:buFont typeface="Arial" panose="020B0604020202020204" pitchFamily="34" charset="0"/>
+              <a:buNone/>
+            </a:pPr>
+            <a:r>
+              <a:rPr lang="en-US" sz="2900" dirty="0">
+                <a:effectLst>
+                  <a:outerShdw blurRad="38100" dist="38100" dir="2700000" algn="tl">
+                    <a:srgbClr val="000000">
+                      <a:alpha val="43137"/>
+                    </a:srgbClr>
+                  </a:outerShdw>
+                </a:effectLst>
+                <a:latin typeface="Sylfaen" panose="010A0502050306030303" pitchFamily="18" charset="0"/>
+              </a:rPr>
+              <a:t>          </a:t>
+            </a:r>
+            <a:r>
+              <a:rPr lang="en-US" sz="2900" dirty="0" err="1">
+                <a:effectLst>
+                  <a:outerShdw blurRad="38100" dist="38100" dir="2700000" algn="tl">
+                    <a:srgbClr val="000000">
+                      <a:alpha val="43137"/>
+                    </a:srgbClr>
+                  </a:outerShdw>
+                </a:effectLst>
+                <a:latin typeface="Sylfaen" panose="010A0502050306030303" pitchFamily="18" charset="0"/>
+              </a:rPr>
+              <a:t>PrintWriter</a:t>
+            </a:r>
+            <a:r>
+              <a:rPr lang="en-US" sz="2900" dirty="0">
+                <a:effectLst>
+                  <a:outerShdw blurRad="38100" dist="38100" dir="2700000" algn="tl">
+                    <a:srgbClr val="000000">
+                      <a:alpha val="43137"/>
+                    </a:srgbClr>
+                  </a:outerShdw>
+                </a:effectLst>
+                <a:latin typeface="Sylfaen" panose="010A0502050306030303" pitchFamily="18" charset="0"/>
+              </a:rPr>
+              <a:t> out = </a:t>
+            </a:r>
+            <a:r>
+              <a:rPr lang="en-US" sz="2900" dirty="0" err="1">
+                <a:effectLst>
+                  <a:outerShdw blurRad="38100" dist="38100" dir="2700000" algn="tl">
+                    <a:srgbClr val="000000">
+                      <a:alpha val="43137"/>
+                    </a:srgbClr>
+                  </a:outerShdw>
+                </a:effectLst>
+                <a:latin typeface="Sylfaen" panose="010A0502050306030303" pitchFamily="18" charset="0"/>
+              </a:rPr>
+              <a:t>response.GetWriter</a:t>
+            </a:r>
+            <a:r>
+              <a:rPr lang="en-US" sz="2900" dirty="0">
+                <a:effectLst>
+                  <a:outerShdw blurRad="38100" dist="38100" dir="2700000" algn="tl">
+                    <a:srgbClr val="000000">
+                      <a:alpha val="43137"/>
+                    </a:srgbClr>
+                  </a:outerShdw>
+                </a:effectLst>
+                <a:latin typeface="Sylfaen" panose="010A0502050306030303" pitchFamily="18" charset="0"/>
+              </a:rPr>
+              <a:t>();</a:t>
+            </a:r>
+          </a:p>
+          <a:p>
+            <a:pPr marL="0" indent="0">
+              <a:lnSpc>
+                <a:spcPct val="120000"/>
+              </a:lnSpc>
+              <a:buFont typeface="Arial" panose="020B0604020202020204" pitchFamily="34" charset="0"/>
+              <a:buNone/>
+            </a:pPr>
+            <a:r>
+              <a:rPr lang="en-US" sz="2900" dirty="0">
+                <a:effectLst>
+                  <a:outerShdw blurRad="38100" dist="38100" dir="2700000" algn="tl">
+                    <a:srgbClr val="000000">
+                      <a:alpha val="43137"/>
+                    </a:srgbClr>
+                  </a:outerShdw>
+                </a:effectLst>
+                <a:latin typeface="Sylfaen" panose="010A0502050306030303" pitchFamily="18" charset="0"/>
+              </a:rPr>
+              <a:t>          </a:t>
+            </a:r>
+            <a:r>
+              <a:rPr lang="en-US" sz="2900" dirty="0" err="1">
+                <a:effectLst>
+                  <a:outerShdw blurRad="38100" dist="38100" dir="2700000" algn="tl">
+                    <a:srgbClr val="000000">
+                      <a:alpha val="43137"/>
+                    </a:srgbClr>
+                  </a:outerShdw>
+                </a:effectLst>
+                <a:latin typeface="Sylfaen" panose="010A0502050306030303" pitchFamily="18" charset="0"/>
+              </a:rPr>
+              <a:t>response.setResponseType</a:t>
+            </a:r>
+            <a:r>
+              <a:rPr lang="en-US" sz="2900" dirty="0">
+                <a:effectLst>
+                  <a:outerShdw blurRad="38100" dist="38100" dir="2700000" algn="tl">
+                    <a:srgbClr val="000000">
+                      <a:alpha val="43137"/>
+                    </a:srgbClr>
+                  </a:outerShdw>
+                </a:effectLst>
+                <a:latin typeface="Sylfaen" panose="010A0502050306030303" pitchFamily="18" charset="0"/>
+              </a:rPr>
+              <a:t>(“html”);</a:t>
+            </a:r>
+          </a:p>
+          <a:p>
+            <a:pPr marL="0" indent="0">
+              <a:lnSpc>
+                <a:spcPct val="120000"/>
+              </a:lnSpc>
+              <a:buNone/>
+            </a:pPr>
+            <a:r>
+              <a:rPr lang="en-US" sz="2900" dirty="0">
+                <a:effectLst>
+                  <a:outerShdw blurRad="38100" dist="38100" dir="2700000" algn="tl">
+                    <a:srgbClr val="000000">
+                      <a:alpha val="43137"/>
+                    </a:srgbClr>
+                  </a:outerShdw>
+                </a:effectLst>
+                <a:latin typeface="Sylfaen" panose="010A0502050306030303" pitchFamily="18" charset="0"/>
+              </a:rPr>
+              <a:t>          int number = 10;</a:t>
+            </a:r>
+          </a:p>
+          <a:p>
+            <a:pPr marL="0" indent="0">
+              <a:lnSpc>
+                <a:spcPct val="120000"/>
+              </a:lnSpc>
+              <a:buNone/>
+            </a:pPr>
+            <a:r>
+              <a:rPr lang="en-US" sz="2900" dirty="0">
+                <a:effectLst>
+                  <a:outerShdw blurRad="38100" dist="38100" dir="2700000" algn="tl">
+                    <a:srgbClr val="000000">
+                      <a:alpha val="43137"/>
+                    </a:srgbClr>
+                  </a:outerShdw>
+                </a:effectLst>
+                <a:latin typeface="Sylfaen" panose="010A0502050306030303" pitchFamily="18" charset="0"/>
+              </a:rPr>
+              <a:t>          </a:t>
+            </a:r>
+            <a:r>
+              <a:rPr lang="en-US" sz="2900" dirty="0" err="1">
+                <a:effectLst>
+                  <a:outerShdw blurRad="38100" dist="38100" dir="2700000" algn="tl">
+                    <a:srgbClr val="000000">
+                      <a:alpha val="43137"/>
+                    </a:srgbClr>
+                  </a:outerShdw>
+                </a:effectLst>
+                <a:latin typeface="Sylfaen" panose="010A0502050306030303" pitchFamily="18" charset="0"/>
+              </a:rPr>
+              <a:t>out.printLn</a:t>
+            </a:r>
+            <a:r>
+              <a:rPr lang="en-US" sz="2900" dirty="0">
+                <a:effectLst>
+                  <a:outerShdw blurRad="38100" dist="38100" dir="2700000" algn="tl">
+                    <a:srgbClr val="000000">
+                      <a:alpha val="43137"/>
+                    </a:srgbClr>
+                  </a:outerShdw>
+                </a:effectLst>
+                <a:latin typeface="Sylfaen" panose="010A0502050306030303" pitchFamily="18" charset="0"/>
+              </a:rPr>
+              <a:t>(number);</a:t>
+            </a:r>
+          </a:p>
+          <a:p>
+            <a:pPr marL="0" indent="0">
+              <a:lnSpc>
+                <a:spcPct val="120000"/>
+              </a:lnSpc>
+              <a:buFont typeface="Arial" panose="020B0604020202020204" pitchFamily="34" charset="0"/>
+              <a:buNone/>
+            </a:pPr>
+            <a:r>
+              <a:rPr lang="en-US" sz="2900" dirty="0">
+                <a:effectLst>
+                  <a:outerShdw blurRad="38100" dist="38100" dir="2700000" algn="tl">
+                    <a:srgbClr val="000000">
+                      <a:alpha val="43137"/>
+                    </a:srgbClr>
+                  </a:outerShdw>
+                </a:effectLst>
+                <a:latin typeface="Sylfaen" panose="010A0502050306030303" pitchFamily="18" charset="0"/>
+              </a:rPr>
+              <a:t>     }</a:t>
+            </a:r>
+          </a:p>
+          <a:p>
+            <a:pPr marL="0" indent="0">
+              <a:lnSpc>
+                <a:spcPct val="120000"/>
+              </a:lnSpc>
+              <a:buFont typeface="Arial" panose="020B0604020202020204" pitchFamily="34" charset="0"/>
+              <a:buNone/>
+            </a:pPr>
+            <a:r>
+              <a:rPr lang="en-US" sz="2900" dirty="0">
+                <a:effectLst>
+                  <a:outerShdw blurRad="38100" dist="38100" dir="2700000" algn="tl">
+                    <a:srgbClr val="000000">
+                      <a:alpha val="43137"/>
+                    </a:srgbClr>
+                  </a:outerShdw>
+                </a:effectLst>
+                <a:latin typeface="Sylfaen" panose="010A0502050306030303" pitchFamily="18" charset="0"/>
+              </a:rPr>
+              <a:t>}</a:t>
+            </a:r>
+            <a:endParaRPr lang="ru-RU" sz="2900" dirty="0">
+              <a:effectLst>
+                <a:outerShdw blurRad="38100" dist="38100" dir="2700000" algn="tl">
+                  <a:srgbClr val="000000">
+                    <a:alpha val="43137"/>
+                  </a:srgbClr>
+                </a:outerShdw>
+              </a:effectLst>
+              <a:latin typeface="Sylfaen" panose="010A0502050306030303" pitchFamily="18" charset="0"/>
+            </a:endParaRPr>
+          </a:p>
+        </p:txBody>
+      </p:sp>
+      <p:cxnSp>
+        <p:nvCxnSpPr>
+          <p:cNvPr id="6" name="Прямая со стрелкой 5">
+            <a:extLst>
+              <a:ext uri="{FF2B5EF4-FFF2-40B4-BE49-F238E27FC236}">
+                <a16:creationId xmlns:a16="http://schemas.microsoft.com/office/drawing/2014/main" id="{E612DD25-9E8B-476D-A838-AA44B1408D62}"/>
+              </a:ext>
+            </a:extLst>
+          </p:cNvPr>
+          <p:cNvCxnSpPr>
+            <a:cxnSpLocks/>
+          </p:cNvCxnSpPr>
+          <p:nvPr/>
+        </p:nvCxnSpPr>
+        <p:spPr>
+          <a:xfrm>
+            <a:off x="3668889" y="4010024"/>
+            <a:ext cx="1580444" cy="528109"/>
+          </a:xfrm>
+          <a:prstGeom prst="straightConnector1">
+            <a:avLst/>
+          </a:prstGeom>
+          <a:ln>
+            <a:tailEnd type="triangle"/>
+          </a:ln>
+        </p:spPr>
+        <p:style>
+          <a:lnRef idx="3">
+            <a:schemeClr val="dk1"/>
+          </a:lnRef>
+          <a:fillRef idx="0">
+            <a:schemeClr val="dk1"/>
+          </a:fillRef>
+          <a:effectRef idx="2">
+            <a:schemeClr val="dk1"/>
+          </a:effectRef>
+          <a:fontRef idx="minor">
+            <a:schemeClr val="tx1"/>
+          </a:fontRef>
+        </p:style>
+      </p:cxnSp>
+      <p:cxnSp>
+        <p:nvCxnSpPr>
+          <p:cNvPr id="9" name="Прямая со стрелкой 8">
+            <a:extLst>
+              <a:ext uri="{FF2B5EF4-FFF2-40B4-BE49-F238E27FC236}">
+                <a16:creationId xmlns:a16="http://schemas.microsoft.com/office/drawing/2014/main" id="{345E5731-A6C9-4E21-9B59-BEDC34E6E58E}"/>
+              </a:ext>
+            </a:extLst>
+          </p:cNvPr>
+          <p:cNvCxnSpPr/>
+          <p:nvPr/>
+        </p:nvCxnSpPr>
+        <p:spPr>
+          <a:xfrm flipV="1">
+            <a:off x="3984978" y="2378780"/>
+            <a:ext cx="982133" cy="1177220"/>
+          </a:xfrm>
+          <a:prstGeom prst="straightConnector1">
+            <a:avLst/>
+          </a:prstGeom>
+          <a:ln>
+            <a:tailEnd type="triangle"/>
+          </a:ln>
+        </p:spPr>
+        <p:style>
+          <a:lnRef idx="3">
+            <a:schemeClr val="dk1"/>
+          </a:lnRef>
+          <a:fillRef idx="0">
+            <a:schemeClr val="dk1"/>
+          </a:fillRef>
+          <a:effectRef idx="2">
+            <a:schemeClr val="dk1"/>
+          </a:effectRef>
+          <a:fontRef idx="minor">
+            <a:schemeClr val="tx1"/>
+          </a:fontRef>
+        </p:style>
+      </p:cxnSp>
+      <p:cxnSp>
+        <p:nvCxnSpPr>
+          <p:cNvPr id="11" name="Прямая со стрелкой 10">
+            <a:extLst>
+              <a:ext uri="{FF2B5EF4-FFF2-40B4-BE49-F238E27FC236}">
+                <a16:creationId xmlns:a16="http://schemas.microsoft.com/office/drawing/2014/main" id="{07FF1900-7B57-4B5C-8694-492689B36E5E}"/>
+              </a:ext>
+            </a:extLst>
+          </p:cNvPr>
+          <p:cNvCxnSpPr/>
+          <p:nvPr/>
+        </p:nvCxnSpPr>
+        <p:spPr>
+          <a:xfrm>
+            <a:off x="3036711" y="4538133"/>
+            <a:ext cx="2212622" cy="541867"/>
+          </a:xfrm>
+          <a:prstGeom prst="straightConnector1">
+            <a:avLst/>
+          </a:prstGeom>
+          <a:ln>
+            <a:tailEnd type="triangle"/>
+          </a:ln>
+        </p:spPr>
+        <p:style>
+          <a:lnRef idx="3">
+            <a:schemeClr val="dk1"/>
+          </a:lnRef>
+          <a:fillRef idx="0">
+            <a:schemeClr val="dk1"/>
+          </a:fillRef>
+          <a:effectRef idx="2">
+            <a:schemeClr val="dk1"/>
+          </a:effectRef>
+          <a:fontRef idx="minor">
+            <a:schemeClr val="tx1"/>
+          </a:fontRef>
+        </p:style>
+      </p:cxnSp>
+      <p:cxnSp>
+        <p:nvCxnSpPr>
+          <p:cNvPr id="12" name="Straight Connector 9">
+            <a:extLst>
+              <a:ext uri="{FF2B5EF4-FFF2-40B4-BE49-F238E27FC236}">
+                <a16:creationId xmlns:a16="http://schemas.microsoft.com/office/drawing/2014/main" id="{4B54EB49-12C0-4DE4-9C83-FA08E873F4F4}"/>
+              </a:ext>
+            </a:extLst>
+          </p:cNvPr>
+          <p:cNvCxnSpPr>
+            <a:cxnSpLocks/>
+          </p:cNvCxnSpPr>
+          <p:nvPr/>
+        </p:nvCxnSpPr>
+        <p:spPr>
+          <a:xfrm>
+            <a:off x="569235" y="978149"/>
+            <a:ext cx="11053530" cy="0"/>
+          </a:xfrm>
+          <a:prstGeom prst="line">
+            <a:avLst/>
+          </a:prstGeom>
+        </p:spPr>
+        <p:style>
+          <a:lnRef idx="3">
+            <a:schemeClr val="accent1"/>
+          </a:lnRef>
+          <a:fillRef idx="0">
+            <a:schemeClr val="accent1"/>
+          </a:fillRef>
+          <a:effectRef idx="2">
+            <a:schemeClr val="accent1"/>
+          </a:effectRef>
+          <a:fontRef idx="minor">
+            <a:schemeClr val="tx1"/>
+          </a:fontRef>
+        </p:style>
+      </p:cxnSp>
+    </p:spTree>
+    <p:extLst>
+      <p:ext uri="{BB962C8B-B14F-4D97-AF65-F5344CB8AC3E}">
+        <p14:creationId xmlns:p14="http://schemas.microsoft.com/office/powerpoint/2010/main" val="3149548462"/>
+      </p:ext>
+    </p:extLst>
+  </p:cSld>
+  <p:clrMapOvr>
+    <a:masterClrMapping/>
+  </p:clrMapOvr>
+</p:sld>
+</file>
+
+<file path=ppt/slides/slide21.xml><?xml version="1.0" encoding="utf-8"?>
+<p:sld xmlns:a="http://schemas.openxmlformats.org/drawingml/2006/main" xmlns:r="http://schemas.openxmlformats.org/officeDocument/2006/relationships" xmlns:p="http://schemas.openxmlformats.org/presentationml/2006/main">
+  <p:cSld>
+    <p:spTree>
+      <p:nvGrpSpPr>
+        <p:cNvPr id="1" name=""/>
+        <p:cNvGrpSpPr/>
+        <p:nvPr/>
+      </p:nvGrpSpPr>
+      <p:grpSpPr>
+        <a:xfrm>
+          <a:off x="0" y="0"/>
+          <a:ext cx="0" cy="0"/>
+          <a:chOff x="0" y="0"/>
+          <a:chExt cx="0" cy="0"/>
+        </a:xfrm>
+      </p:grpSpPr>
+      <p:sp>
+        <p:nvSpPr>
+          <p:cNvPr id="2" name="Заголовок 1">
+            <a:extLst>
+              <a:ext uri="{FF2B5EF4-FFF2-40B4-BE49-F238E27FC236}">
+                <a16:creationId xmlns:a16="http://schemas.microsoft.com/office/drawing/2014/main" id="{D88F4DAB-BD90-42A0-A34B-3B4B76B4DFEE}"/>
+              </a:ext>
+            </a:extLst>
+          </p:cNvPr>
+          <p:cNvSpPr>
+            <a:spLocks noGrp="1"/>
+          </p:cNvSpPr>
+          <p:nvPr>
+            <p:ph type="title"/>
+          </p:nvPr>
+        </p:nvSpPr>
+        <p:spPr>
+          <a:xfrm>
+            <a:off x="838200" y="0"/>
+            <a:ext cx="10515600" cy="1325563"/>
+          </a:xfrm>
+        </p:spPr>
+        <p:txBody>
+          <a:bodyPr/>
+          <a:lstStyle/>
+          <a:p>
+            <a:pPr algn="ctr"/>
+            <a:r>
+              <a:rPr lang="en-US" dirty="0">
+                <a:latin typeface="Sylfaen" panose="010A0502050306030303" pitchFamily="18" charset="0"/>
+              </a:rPr>
+              <a:t>JSP lifecycle</a:t>
+            </a:r>
+            <a:endParaRPr lang="ru-RU" dirty="0"/>
+          </a:p>
+        </p:txBody>
+      </p:sp>
+      <p:pic>
+        <p:nvPicPr>
+          <p:cNvPr id="5" name="Объект 4">
+            <a:extLst>
+              <a:ext uri="{FF2B5EF4-FFF2-40B4-BE49-F238E27FC236}">
+                <a16:creationId xmlns:a16="http://schemas.microsoft.com/office/drawing/2014/main" id="{6FA6AFBB-9F5A-47E2-8C97-04117085A2A7}"/>
+              </a:ext>
+            </a:extLst>
+          </p:cNvPr>
+          <p:cNvPicPr>
+            <a:picLocks noGrp="1" noChangeAspect="1"/>
+          </p:cNvPicPr>
+          <p:nvPr>
+            <p:ph idx="1"/>
+          </p:nvPr>
+        </p:nvPicPr>
+        <p:blipFill>
+          <a:blip r:embed="rId2">
+            <a:extLst>
+              <a:ext uri="{28A0092B-C50C-407E-A947-70E740481C1C}">
+                <a14:useLocalDpi xmlns:a14="http://schemas.microsoft.com/office/drawing/2010/main" val="0"/>
+              </a:ext>
+            </a:extLst>
+          </a:blip>
+          <a:stretch>
+            <a:fillRect/>
+          </a:stretch>
+        </p:blipFill>
+        <p:spPr>
+          <a:xfrm>
+            <a:off x="137894" y="1756196"/>
+            <a:ext cx="11916211" cy="3829587"/>
+          </a:xfrm>
+        </p:spPr>
+      </p:pic>
+      <p:cxnSp>
+        <p:nvCxnSpPr>
+          <p:cNvPr id="6" name="Straight Connector 9">
+            <a:extLst>
+              <a:ext uri="{FF2B5EF4-FFF2-40B4-BE49-F238E27FC236}">
+                <a16:creationId xmlns:a16="http://schemas.microsoft.com/office/drawing/2014/main" id="{7AFCFD58-4CAF-4497-8377-E15FAE274DD3}"/>
+              </a:ext>
+            </a:extLst>
+          </p:cNvPr>
+          <p:cNvCxnSpPr>
+            <a:cxnSpLocks/>
+          </p:cNvCxnSpPr>
+          <p:nvPr/>
+        </p:nvCxnSpPr>
+        <p:spPr>
+          <a:xfrm>
+            <a:off x="569235" y="1147483"/>
+            <a:ext cx="11053530" cy="0"/>
+          </a:xfrm>
+          <a:prstGeom prst="line">
+            <a:avLst/>
+          </a:prstGeom>
+        </p:spPr>
+        <p:style>
+          <a:lnRef idx="3">
+            <a:schemeClr val="accent1"/>
+          </a:lnRef>
+          <a:fillRef idx="0">
+            <a:schemeClr val="accent1"/>
+          </a:fillRef>
+          <a:effectRef idx="2">
+            <a:schemeClr val="accent1"/>
+          </a:effectRef>
+          <a:fontRef idx="minor">
+            <a:schemeClr val="tx1"/>
+          </a:fontRef>
+        </p:style>
+      </p:cxnSp>
+    </p:spTree>
+    <p:extLst>
+      <p:ext uri="{BB962C8B-B14F-4D97-AF65-F5344CB8AC3E}">
+        <p14:creationId xmlns:p14="http://schemas.microsoft.com/office/powerpoint/2010/main" val="2108969092"/>
       </p:ext>
     </p:extLst>
   </p:cSld>

--- a/Servlet/Servlet_Presentation.pptx
+++ b/Servlet/Servlet_Presentation.pptx
@@ -26,6 +26,7 @@
     <p:sldId id="274" r:id="rId20"/>
     <p:sldId id="276" r:id="rId21"/>
     <p:sldId id="277" r:id="rId22"/>
+    <p:sldId id="278" r:id="rId23"/>
   </p:sldIdLst>
   <p:sldSz cx="12192000" cy="6858000"/>
   <p:notesSz cx="6858000" cy="9144000"/>
@@ -263,7 +264,7 @@
           <a:p>
             <a:fld id="{0A968979-5CB5-4E5D-B82F-DAC09775BD7D}" type="datetimeFigureOut">
               <a:rPr lang="en-US" smtClean="0"/>
-              <a:t>6/26/2022</a:t>
+              <a:t>2022-06-27</a:t>
             </a:fld>
             <a:endParaRPr lang="en-US"/>
           </a:p>
@@ -433,7 +434,7 @@
           <a:p>
             <a:fld id="{0A968979-5CB5-4E5D-B82F-DAC09775BD7D}" type="datetimeFigureOut">
               <a:rPr lang="en-US" smtClean="0"/>
-              <a:t>6/26/2022</a:t>
+              <a:t>2022-06-27</a:t>
             </a:fld>
             <a:endParaRPr lang="en-US"/>
           </a:p>
@@ -613,7 +614,7 @@
           <a:p>
             <a:fld id="{0A968979-5CB5-4E5D-B82F-DAC09775BD7D}" type="datetimeFigureOut">
               <a:rPr lang="en-US" smtClean="0"/>
-              <a:t>6/26/2022</a:t>
+              <a:t>2022-06-27</a:t>
             </a:fld>
             <a:endParaRPr lang="en-US"/>
           </a:p>
@@ -783,7 +784,7 @@
           <a:p>
             <a:fld id="{0A968979-5CB5-4E5D-B82F-DAC09775BD7D}" type="datetimeFigureOut">
               <a:rPr lang="en-US" smtClean="0"/>
-              <a:t>6/26/2022</a:t>
+              <a:t>2022-06-27</a:t>
             </a:fld>
             <a:endParaRPr lang="en-US"/>
           </a:p>
@@ -1029,7 +1030,7 @@
           <a:p>
             <a:fld id="{0A968979-5CB5-4E5D-B82F-DAC09775BD7D}" type="datetimeFigureOut">
               <a:rPr lang="en-US" smtClean="0"/>
-              <a:t>6/26/2022</a:t>
+              <a:t>2022-06-27</a:t>
             </a:fld>
             <a:endParaRPr lang="en-US"/>
           </a:p>
@@ -1261,7 +1262,7 @@
           <a:p>
             <a:fld id="{0A968979-5CB5-4E5D-B82F-DAC09775BD7D}" type="datetimeFigureOut">
               <a:rPr lang="en-US" smtClean="0"/>
-              <a:t>6/26/2022</a:t>
+              <a:t>2022-06-27</a:t>
             </a:fld>
             <a:endParaRPr lang="en-US"/>
           </a:p>
@@ -1628,7 +1629,7 @@
           <a:p>
             <a:fld id="{0A968979-5CB5-4E5D-B82F-DAC09775BD7D}" type="datetimeFigureOut">
               <a:rPr lang="en-US" smtClean="0"/>
-              <a:t>6/26/2022</a:t>
+              <a:t>2022-06-27</a:t>
             </a:fld>
             <a:endParaRPr lang="en-US"/>
           </a:p>
@@ -1746,7 +1747,7 @@
           <a:p>
             <a:fld id="{0A968979-5CB5-4E5D-B82F-DAC09775BD7D}" type="datetimeFigureOut">
               <a:rPr lang="en-US" smtClean="0"/>
-              <a:t>6/26/2022</a:t>
+              <a:t>2022-06-27</a:t>
             </a:fld>
             <a:endParaRPr lang="en-US"/>
           </a:p>
@@ -1841,7 +1842,7 @@
           <a:p>
             <a:fld id="{0A968979-5CB5-4E5D-B82F-DAC09775BD7D}" type="datetimeFigureOut">
               <a:rPr lang="en-US" smtClean="0"/>
-              <a:t>6/26/2022</a:t>
+              <a:t>2022-06-27</a:t>
             </a:fld>
             <a:endParaRPr lang="en-US"/>
           </a:p>
@@ -2118,7 +2119,7 @@
           <a:p>
             <a:fld id="{0A968979-5CB5-4E5D-B82F-DAC09775BD7D}" type="datetimeFigureOut">
               <a:rPr lang="en-US" smtClean="0"/>
-              <a:t>6/26/2022</a:t>
+              <a:t>2022-06-27</a:t>
             </a:fld>
             <a:endParaRPr lang="en-US"/>
           </a:p>
@@ -2375,7 +2376,7 @@
           <a:p>
             <a:fld id="{0A968979-5CB5-4E5D-B82F-DAC09775BD7D}" type="datetimeFigureOut">
               <a:rPr lang="en-US" smtClean="0"/>
-              <a:t>6/26/2022</a:t>
+              <a:t>2022-06-27</a:t>
             </a:fld>
             <a:endParaRPr lang="en-US"/>
           </a:p>
@@ -2588,7 +2589,7 @@
           <a:p>
             <a:fld id="{0A968979-5CB5-4E5D-B82F-DAC09775BD7D}" type="datetimeFigureOut">
               <a:rPr lang="en-US" smtClean="0"/>
-              <a:t>6/26/2022</a:t>
+              <a:t>2022-06-27</a:t>
             </a:fld>
             <a:endParaRPr lang="en-US"/>
           </a:p>
@@ -9529,6 +9530,926 @@
 </p:sld>
 </file>
 
+<file path=ppt/slides/slide22.xml><?xml version="1.0" encoding="utf-8"?>
+<p:sld xmlns:a="http://schemas.openxmlformats.org/drawingml/2006/main" xmlns:r="http://schemas.openxmlformats.org/officeDocument/2006/relationships" xmlns:p="http://schemas.openxmlformats.org/presentationml/2006/main">
+  <p:cSld>
+    <p:spTree>
+      <p:nvGrpSpPr>
+        <p:cNvPr id="1" name=""/>
+        <p:cNvGrpSpPr/>
+        <p:nvPr/>
+      </p:nvGrpSpPr>
+      <p:grpSpPr>
+        <a:xfrm>
+          <a:off x="0" y="0"/>
+          <a:ext cx="0" cy="0"/>
+          <a:chOff x="0" y="0"/>
+          <a:chExt cx="0" cy="0"/>
+        </a:xfrm>
+      </p:grpSpPr>
+      <p:sp>
+        <p:nvSpPr>
+          <p:cNvPr id="2" name="Title 1">
+            <a:extLst>
+              <a:ext uri="{FF2B5EF4-FFF2-40B4-BE49-F238E27FC236}">
+                <a16:creationId xmlns:a16="http://schemas.microsoft.com/office/drawing/2014/main" id="{CE01498C-6117-424A-AE6A-4B3C84072BBE}"/>
+              </a:ext>
+            </a:extLst>
+          </p:cNvPr>
+          <p:cNvSpPr>
+            <a:spLocks noGrp="1"/>
+          </p:cNvSpPr>
+          <p:nvPr>
+            <p:ph type="title"/>
+          </p:nvPr>
+        </p:nvSpPr>
+        <p:spPr>
+          <a:xfrm>
+            <a:off x="838200" y="0"/>
+            <a:ext cx="10515600" cy="1325563"/>
+          </a:xfrm>
+        </p:spPr>
+        <p:txBody>
+          <a:bodyPr/>
+          <a:lstStyle/>
+          <a:p>
+            <a:pPr algn="ctr"/>
+            <a:r>
+              <a:rPr lang="en-US" dirty="0">
+                <a:latin typeface="Sylfaen" panose="010A0502050306030303" pitchFamily="18" charset="0"/>
+              </a:rPr>
+              <a:t>Implicit objects inside JSP</a:t>
+            </a:r>
+            <a:endParaRPr lang="en-US" dirty="0"/>
+          </a:p>
+        </p:txBody>
+      </p:sp>
+      <p:graphicFrame>
+        <p:nvGraphicFramePr>
+          <p:cNvPr id="5" name="Table 5">
+            <a:extLst>
+              <a:ext uri="{FF2B5EF4-FFF2-40B4-BE49-F238E27FC236}">
+                <a16:creationId xmlns:a16="http://schemas.microsoft.com/office/drawing/2014/main" id="{99ABE644-892A-4936-B1EE-67B981EF7215}"/>
+              </a:ext>
+            </a:extLst>
+          </p:cNvPr>
+          <p:cNvGraphicFramePr>
+            <a:graphicFrameLocks noGrp="1"/>
+          </p:cNvGraphicFramePr>
+          <p:nvPr>
+            <p:extLst>
+              <p:ext uri="{D42A27DB-BD31-4B8C-83A1-F6EECF244321}">
+                <p14:modId xmlns:p14="http://schemas.microsoft.com/office/powerpoint/2010/main" val="3584116514"/>
+              </p:ext>
+            </p:extLst>
+          </p:nvPr>
+        </p:nvGraphicFramePr>
+        <p:xfrm>
+          <a:off x="3518756" y="1638100"/>
+          <a:ext cx="5154488" cy="4508172"/>
+        </p:xfrm>
+        <a:graphic>
+          <a:graphicData uri="http://schemas.openxmlformats.org/drawingml/2006/table">
+            <a:tbl>
+              <a:tblPr firstRow="1" bandRow="1">
+                <a:tableStyleId>{2D5ABB26-0587-4C30-8999-92F81FD0307C}</a:tableStyleId>
+              </a:tblPr>
+              <a:tblGrid>
+                <a:gridCol w="3029868">
+                  <a:extLst>
+                    <a:ext uri="{9D8B030D-6E8A-4147-A177-3AD203B41FA5}">
+                      <a16:colId xmlns:a16="http://schemas.microsoft.com/office/drawing/2014/main" val="4055548060"/>
+                    </a:ext>
+                  </a:extLst>
+                </a:gridCol>
+                <a:gridCol w="2124620">
+                  <a:extLst>
+                    <a:ext uri="{9D8B030D-6E8A-4147-A177-3AD203B41FA5}">
+                      <a16:colId xmlns:a16="http://schemas.microsoft.com/office/drawing/2014/main" val="1236387829"/>
+                    </a:ext>
+                  </a:extLst>
+                </a:gridCol>
+              </a:tblGrid>
+              <a:tr h="500908">
+                <a:tc>
+                  <a:txBody>
+                    <a:bodyPr/>
+                    <a:lstStyle/>
+                    <a:p>
+                      <a:r>
+                        <a:rPr lang="en-US" sz="2400" kern="1200" dirty="0" err="1">
+                          <a:solidFill>
+                            <a:schemeClr val="tx1"/>
+                          </a:solidFill>
+                          <a:effectLst>
+                            <a:outerShdw blurRad="38100" dist="38100" dir="2700000" algn="tl">
+                              <a:srgbClr val="000000">
+                                <a:alpha val="43137"/>
+                              </a:srgbClr>
+                            </a:outerShdw>
+                          </a:effectLst>
+                        </a:rPr>
+                        <a:t>JspWriter</a:t>
+                      </a:r>
+                      <a:endParaRPr lang="en-US" sz="2400" kern="1200" dirty="0">
+                        <a:solidFill>
+                          <a:schemeClr val="tx1"/>
+                        </a:solidFill>
+                        <a:effectLst>
+                          <a:outerShdw blurRad="38100" dist="38100" dir="2700000" algn="tl">
+                            <a:srgbClr val="000000">
+                              <a:alpha val="43137"/>
+                            </a:srgbClr>
+                          </a:outerShdw>
+                        </a:effectLst>
+                        <a:latin typeface="Sylfaen" panose="010A0502050306030303" pitchFamily="18" charset="0"/>
+                        <a:ea typeface="+mn-ea"/>
+                        <a:cs typeface="+mn-cs"/>
+                      </a:endParaRPr>
+                    </a:p>
+                  </a:txBody>
+                  <a:tcPr/>
+                </a:tc>
+                <a:tc>
+                  <a:txBody>
+                    <a:bodyPr/>
+                    <a:lstStyle/>
+                    <a:p>
+                      <a:r>
+                        <a:rPr lang="en-US" sz="2400" kern="1200" dirty="0">
+                          <a:solidFill>
+                            <a:schemeClr val="tx1"/>
+                          </a:solidFill>
+                          <a:effectLst>
+                            <a:outerShdw blurRad="38100" dist="38100" dir="2700000" algn="tl">
+                              <a:srgbClr val="000000">
+                                <a:alpha val="43137"/>
+                              </a:srgbClr>
+                            </a:outerShdw>
+                          </a:effectLst>
+                        </a:rPr>
+                        <a:t>out</a:t>
+                      </a:r>
+                      <a:endParaRPr lang="en-US" sz="2400" kern="1200" dirty="0">
+                        <a:solidFill>
+                          <a:schemeClr val="tx1"/>
+                        </a:solidFill>
+                        <a:effectLst>
+                          <a:outerShdw blurRad="38100" dist="38100" dir="2700000" algn="tl">
+                            <a:srgbClr val="000000">
+                              <a:alpha val="43137"/>
+                            </a:srgbClr>
+                          </a:outerShdw>
+                        </a:effectLst>
+                        <a:latin typeface="Sylfaen" panose="010A0502050306030303" pitchFamily="18" charset="0"/>
+                        <a:ea typeface="+mn-ea"/>
+                        <a:cs typeface="+mn-cs"/>
+                      </a:endParaRPr>
+                    </a:p>
+                  </a:txBody>
+                  <a:tcPr/>
+                </a:tc>
+                <a:extLst>
+                  <a:ext uri="{0D108BD9-81ED-4DB2-BD59-A6C34878D82A}">
+                    <a16:rowId xmlns:a16="http://schemas.microsoft.com/office/drawing/2014/main" val="4197106502"/>
+                  </a:ext>
+                </a:extLst>
+              </a:tr>
+              <a:tr h="500908">
+                <a:tc>
+                  <a:txBody>
+                    <a:bodyPr/>
+                    <a:lstStyle/>
+                    <a:p>
+                      <a:r>
+                        <a:rPr lang="en-US" sz="2400" kern="1200" dirty="0" err="1">
+                          <a:solidFill>
+                            <a:schemeClr val="tx1"/>
+                          </a:solidFill>
+                          <a:effectLst>
+                            <a:outerShdw blurRad="38100" dist="38100" dir="2700000" algn="tl">
+                              <a:srgbClr val="000000">
+                                <a:alpha val="43137"/>
+                              </a:srgbClr>
+                            </a:outerShdw>
+                          </a:effectLst>
+                        </a:rPr>
+                        <a:t>HttpServletRequest</a:t>
+                      </a:r>
+                      <a:endParaRPr lang="en-US" sz="2400" kern="1200" dirty="0">
+                        <a:solidFill>
+                          <a:schemeClr val="tx1"/>
+                        </a:solidFill>
+                        <a:effectLst>
+                          <a:outerShdw blurRad="38100" dist="38100" dir="2700000" algn="tl">
+                            <a:srgbClr val="000000">
+                              <a:alpha val="43137"/>
+                            </a:srgbClr>
+                          </a:outerShdw>
+                        </a:effectLst>
+                        <a:latin typeface="Sylfaen" panose="010A0502050306030303" pitchFamily="18" charset="0"/>
+                        <a:ea typeface="+mn-ea"/>
+                        <a:cs typeface="+mn-cs"/>
+                      </a:endParaRPr>
+                    </a:p>
+                  </a:txBody>
+                  <a:tcPr/>
+                </a:tc>
+                <a:tc>
+                  <a:txBody>
+                    <a:bodyPr/>
+                    <a:lstStyle/>
+                    <a:p>
+                      <a:r>
+                        <a:rPr lang="en-US" sz="2400" kern="1200" dirty="0">
+                          <a:solidFill>
+                            <a:schemeClr val="tx1"/>
+                          </a:solidFill>
+                          <a:effectLst>
+                            <a:outerShdw blurRad="38100" dist="38100" dir="2700000" algn="tl">
+                              <a:srgbClr val="000000">
+                                <a:alpha val="43137"/>
+                              </a:srgbClr>
+                            </a:outerShdw>
+                          </a:effectLst>
+                        </a:rPr>
+                        <a:t>request</a:t>
+                      </a:r>
+                      <a:endParaRPr lang="en-US" sz="2400" kern="1200" dirty="0">
+                        <a:solidFill>
+                          <a:schemeClr val="tx1"/>
+                        </a:solidFill>
+                        <a:effectLst>
+                          <a:outerShdw blurRad="38100" dist="38100" dir="2700000" algn="tl">
+                            <a:srgbClr val="000000">
+                              <a:alpha val="43137"/>
+                            </a:srgbClr>
+                          </a:outerShdw>
+                        </a:effectLst>
+                        <a:latin typeface="Sylfaen" panose="010A0502050306030303" pitchFamily="18" charset="0"/>
+                        <a:ea typeface="+mn-ea"/>
+                        <a:cs typeface="+mn-cs"/>
+                      </a:endParaRPr>
+                    </a:p>
+                  </a:txBody>
+                  <a:tcPr/>
+                </a:tc>
+                <a:extLst>
+                  <a:ext uri="{0D108BD9-81ED-4DB2-BD59-A6C34878D82A}">
+                    <a16:rowId xmlns:a16="http://schemas.microsoft.com/office/drawing/2014/main" val="193783907"/>
+                  </a:ext>
+                </a:extLst>
+              </a:tr>
+              <a:tr h="500908">
+                <a:tc>
+                  <a:txBody>
+                    <a:bodyPr/>
+                    <a:lstStyle/>
+                    <a:p>
+                      <a:r>
+                        <a:rPr lang="en-US" sz="2400" kern="1200" dirty="0" err="1">
+                          <a:solidFill>
+                            <a:schemeClr val="tx1"/>
+                          </a:solidFill>
+                          <a:effectLst>
+                            <a:outerShdw blurRad="38100" dist="38100" dir="2700000" algn="tl">
+                              <a:srgbClr val="000000">
+                                <a:alpha val="43137"/>
+                              </a:srgbClr>
+                            </a:outerShdw>
+                          </a:effectLst>
+                        </a:rPr>
+                        <a:t>HttpServletResponse</a:t>
+                      </a:r>
+                      <a:endParaRPr lang="en-US" sz="2400" kern="1200" dirty="0">
+                        <a:solidFill>
+                          <a:schemeClr val="tx1"/>
+                        </a:solidFill>
+                        <a:effectLst>
+                          <a:outerShdw blurRad="38100" dist="38100" dir="2700000" algn="tl">
+                            <a:srgbClr val="000000">
+                              <a:alpha val="43137"/>
+                            </a:srgbClr>
+                          </a:outerShdw>
+                        </a:effectLst>
+                        <a:latin typeface="Sylfaen" panose="010A0502050306030303" pitchFamily="18" charset="0"/>
+                        <a:ea typeface="+mn-ea"/>
+                        <a:cs typeface="+mn-cs"/>
+                      </a:endParaRPr>
+                    </a:p>
+                  </a:txBody>
+                  <a:tcPr/>
+                </a:tc>
+                <a:tc>
+                  <a:txBody>
+                    <a:bodyPr/>
+                    <a:lstStyle/>
+                    <a:p>
+                      <a:r>
+                        <a:rPr lang="en-US" sz="2400" kern="1200" dirty="0">
+                          <a:solidFill>
+                            <a:schemeClr val="tx1"/>
+                          </a:solidFill>
+                          <a:effectLst>
+                            <a:outerShdw blurRad="38100" dist="38100" dir="2700000" algn="tl">
+                              <a:srgbClr val="000000">
+                                <a:alpha val="43137"/>
+                              </a:srgbClr>
+                            </a:outerShdw>
+                          </a:effectLst>
+                        </a:rPr>
+                        <a:t>response</a:t>
+                      </a:r>
+                      <a:endParaRPr lang="en-US" sz="2400" kern="1200" dirty="0">
+                        <a:solidFill>
+                          <a:schemeClr val="tx1"/>
+                        </a:solidFill>
+                        <a:effectLst>
+                          <a:outerShdw blurRad="38100" dist="38100" dir="2700000" algn="tl">
+                            <a:srgbClr val="000000">
+                              <a:alpha val="43137"/>
+                            </a:srgbClr>
+                          </a:outerShdw>
+                        </a:effectLst>
+                        <a:latin typeface="Sylfaen" panose="010A0502050306030303" pitchFamily="18" charset="0"/>
+                        <a:ea typeface="+mn-ea"/>
+                        <a:cs typeface="+mn-cs"/>
+                      </a:endParaRPr>
+                    </a:p>
+                  </a:txBody>
+                  <a:tcPr/>
+                </a:tc>
+                <a:extLst>
+                  <a:ext uri="{0D108BD9-81ED-4DB2-BD59-A6C34878D82A}">
+                    <a16:rowId xmlns:a16="http://schemas.microsoft.com/office/drawing/2014/main" val="3615639472"/>
+                  </a:ext>
+                </a:extLst>
+              </a:tr>
+              <a:tr h="500908">
+                <a:tc>
+                  <a:txBody>
+                    <a:bodyPr/>
+                    <a:lstStyle/>
+                    <a:p>
+                      <a:r>
+                        <a:rPr lang="en-US" sz="2400" kern="1200" dirty="0" err="1">
+                          <a:solidFill>
+                            <a:schemeClr val="tx1"/>
+                          </a:solidFill>
+                          <a:effectLst>
+                            <a:outerShdw blurRad="38100" dist="38100" dir="2700000" algn="tl">
+                              <a:srgbClr val="000000">
+                                <a:alpha val="43137"/>
+                              </a:srgbClr>
+                            </a:outerShdw>
+                          </a:effectLst>
+                        </a:rPr>
+                        <a:t>HttpSession</a:t>
+                      </a:r>
+                      <a:endParaRPr lang="en-US" sz="2400" kern="1200" dirty="0">
+                        <a:solidFill>
+                          <a:schemeClr val="tx1"/>
+                        </a:solidFill>
+                        <a:effectLst>
+                          <a:outerShdw blurRad="38100" dist="38100" dir="2700000" algn="tl">
+                            <a:srgbClr val="000000">
+                              <a:alpha val="43137"/>
+                            </a:srgbClr>
+                          </a:outerShdw>
+                        </a:effectLst>
+                        <a:latin typeface="Sylfaen" panose="010A0502050306030303" pitchFamily="18" charset="0"/>
+                        <a:ea typeface="+mn-ea"/>
+                        <a:cs typeface="+mn-cs"/>
+                      </a:endParaRPr>
+                    </a:p>
+                  </a:txBody>
+                  <a:tcPr/>
+                </a:tc>
+                <a:tc>
+                  <a:txBody>
+                    <a:bodyPr/>
+                    <a:lstStyle/>
+                    <a:p>
+                      <a:r>
+                        <a:rPr lang="en-US" sz="2400" kern="1200" dirty="0">
+                          <a:solidFill>
+                            <a:schemeClr val="tx1"/>
+                          </a:solidFill>
+                          <a:effectLst>
+                            <a:outerShdw blurRad="38100" dist="38100" dir="2700000" algn="tl">
+                              <a:srgbClr val="000000">
+                                <a:alpha val="43137"/>
+                              </a:srgbClr>
+                            </a:outerShdw>
+                          </a:effectLst>
+                        </a:rPr>
+                        <a:t>session</a:t>
+                      </a:r>
+                      <a:endParaRPr lang="en-US" sz="2400" kern="1200" dirty="0">
+                        <a:solidFill>
+                          <a:schemeClr val="tx1"/>
+                        </a:solidFill>
+                        <a:effectLst>
+                          <a:outerShdw blurRad="38100" dist="38100" dir="2700000" algn="tl">
+                            <a:srgbClr val="000000">
+                              <a:alpha val="43137"/>
+                            </a:srgbClr>
+                          </a:outerShdw>
+                        </a:effectLst>
+                        <a:latin typeface="Sylfaen" panose="010A0502050306030303" pitchFamily="18" charset="0"/>
+                        <a:ea typeface="+mn-ea"/>
+                        <a:cs typeface="+mn-cs"/>
+                      </a:endParaRPr>
+                    </a:p>
+                  </a:txBody>
+                  <a:tcPr/>
+                </a:tc>
+                <a:extLst>
+                  <a:ext uri="{0D108BD9-81ED-4DB2-BD59-A6C34878D82A}">
+                    <a16:rowId xmlns:a16="http://schemas.microsoft.com/office/drawing/2014/main" val="3000508504"/>
+                  </a:ext>
+                </a:extLst>
+              </a:tr>
+              <a:tr h="500908">
+                <a:tc>
+                  <a:txBody>
+                    <a:bodyPr/>
+                    <a:lstStyle/>
+                    <a:p>
+                      <a:r>
+                        <a:rPr lang="en-US" sz="2400" kern="1200" dirty="0" err="1">
+                          <a:solidFill>
+                            <a:schemeClr val="tx1"/>
+                          </a:solidFill>
+                          <a:effectLst>
+                            <a:outerShdw blurRad="38100" dist="38100" dir="2700000" algn="tl">
+                              <a:srgbClr val="000000">
+                                <a:alpha val="43137"/>
+                              </a:srgbClr>
+                            </a:outerShdw>
+                          </a:effectLst>
+                        </a:rPr>
+                        <a:t>ServletContext</a:t>
+                      </a:r>
+                      <a:endParaRPr lang="en-US" sz="2400" kern="1200" dirty="0">
+                        <a:solidFill>
+                          <a:schemeClr val="tx1"/>
+                        </a:solidFill>
+                        <a:effectLst>
+                          <a:outerShdw blurRad="38100" dist="38100" dir="2700000" algn="tl">
+                            <a:srgbClr val="000000">
+                              <a:alpha val="43137"/>
+                            </a:srgbClr>
+                          </a:outerShdw>
+                        </a:effectLst>
+                        <a:latin typeface="Sylfaen" panose="010A0502050306030303" pitchFamily="18" charset="0"/>
+                        <a:ea typeface="+mn-ea"/>
+                        <a:cs typeface="+mn-cs"/>
+                      </a:endParaRPr>
+                    </a:p>
+                  </a:txBody>
+                  <a:tcPr/>
+                </a:tc>
+                <a:tc>
+                  <a:txBody>
+                    <a:bodyPr/>
+                    <a:lstStyle/>
+                    <a:p>
+                      <a:r>
+                        <a:rPr lang="en-US" sz="2400" kern="1200" dirty="0">
+                          <a:solidFill>
+                            <a:schemeClr val="tx1"/>
+                          </a:solidFill>
+                          <a:effectLst>
+                            <a:outerShdw blurRad="38100" dist="38100" dir="2700000" algn="tl">
+                              <a:srgbClr val="000000">
+                                <a:alpha val="43137"/>
+                              </a:srgbClr>
+                            </a:outerShdw>
+                          </a:effectLst>
+                        </a:rPr>
+                        <a:t>application</a:t>
+                      </a:r>
+                      <a:endParaRPr lang="en-US" sz="2400" kern="1200" dirty="0">
+                        <a:solidFill>
+                          <a:schemeClr val="tx1"/>
+                        </a:solidFill>
+                        <a:effectLst>
+                          <a:outerShdw blurRad="38100" dist="38100" dir="2700000" algn="tl">
+                            <a:srgbClr val="000000">
+                              <a:alpha val="43137"/>
+                            </a:srgbClr>
+                          </a:outerShdw>
+                        </a:effectLst>
+                        <a:latin typeface="Sylfaen" panose="010A0502050306030303" pitchFamily="18" charset="0"/>
+                        <a:ea typeface="+mn-ea"/>
+                        <a:cs typeface="+mn-cs"/>
+                      </a:endParaRPr>
+                    </a:p>
+                  </a:txBody>
+                  <a:tcPr/>
+                </a:tc>
+                <a:extLst>
+                  <a:ext uri="{0D108BD9-81ED-4DB2-BD59-A6C34878D82A}">
+                    <a16:rowId xmlns:a16="http://schemas.microsoft.com/office/drawing/2014/main" val="707836104"/>
+                  </a:ext>
+                </a:extLst>
+              </a:tr>
+              <a:tr h="500908">
+                <a:tc>
+                  <a:txBody>
+                    <a:bodyPr/>
+                    <a:lstStyle/>
+                    <a:p>
+                      <a:r>
+                        <a:rPr lang="en-US" sz="2400" kern="1200" dirty="0" err="1">
+                          <a:solidFill>
+                            <a:schemeClr val="tx1"/>
+                          </a:solidFill>
+                          <a:effectLst>
+                            <a:outerShdw blurRad="38100" dist="38100" dir="2700000" algn="tl">
+                              <a:srgbClr val="000000">
+                                <a:alpha val="43137"/>
+                              </a:srgbClr>
+                            </a:outerShdw>
+                          </a:effectLst>
+                        </a:rPr>
+                        <a:t>ServletConfig</a:t>
+                      </a:r>
+                      <a:endParaRPr lang="en-US" sz="2400" kern="1200" dirty="0">
+                        <a:solidFill>
+                          <a:schemeClr val="tx1"/>
+                        </a:solidFill>
+                        <a:effectLst>
+                          <a:outerShdw blurRad="38100" dist="38100" dir="2700000" algn="tl">
+                            <a:srgbClr val="000000">
+                              <a:alpha val="43137"/>
+                            </a:srgbClr>
+                          </a:outerShdw>
+                        </a:effectLst>
+                        <a:latin typeface="Sylfaen" panose="010A0502050306030303" pitchFamily="18" charset="0"/>
+                        <a:ea typeface="+mn-ea"/>
+                        <a:cs typeface="+mn-cs"/>
+                      </a:endParaRPr>
+                    </a:p>
+                  </a:txBody>
+                  <a:tcPr/>
+                </a:tc>
+                <a:tc>
+                  <a:txBody>
+                    <a:bodyPr/>
+                    <a:lstStyle/>
+                    <a:p>
+                      <a:r>
+                        <a:rPr lang="en-US" sz="2400" kern="1200" dirty="0">
+                          <a:solidFill>
+                            <a:schemeClr val="tx1"/>
+                          </a:solidFill>
+                          <a:effectLst>
+                            <a:outerShdw blurRad="38100" dist="38100" dir="2700000" algn="tl">
+                              <a:srgbClr val="000000">
+                                <a:alpha val="43137"/>
+                              </a:srgbClr>
+                            </a:outerShdw>
+                          </a:effectLst>
+                        </a:rPr>
+                        <a:t>config</a:t>
+                      </a:r>
+                      <a:endParaRPr lang="en-US" sz="2400" kern="1200" dirty="0">
+                        <a:solidFill>
+                          <a:schemeClr val="tx1"/>
+                        </a:solidFill>
+                        <a:effectLst>
+                          <a:outerShdw blurRad="38100" dist="38100" dir="2700000" algn="tl">
+                            <a:srgbClr val="000000">
+                              <a:alpha val="43137"/>
+                            </a:srgbClr>
+                          </a:outerShdw>
+                        </a:effectLst>
+                        <a:latin typeface="Sylfaen" panose="010A0502050306030303" pitchFamily="18" charset="0"/>
+                        <a:ea typeface="+mn-ea"/>
+                        <a:cs typeface="+mn-cs"/>
+                      </a:endParaRPr>
+                    </a:p>
+                  </a:txBody>
+                  <a:tcPr/>
+                </a:tc>
+                <a:extLst>
+                  <a:ext uri="{0D108BD9-81ED-4DB2-BD59-A6C34878D82A}">
+                    <a16:rowId xmlns:a16="http://schemas.microsoft.com/office/drawing/2014/main" val="1498923252"/>
+                  </a:ext>
+                </a:extLst>
+              </a:tr>
+              <a:tr h="500908">
+                <a:tc>
+                  <a:txBody>
+                    <a:bodyPr/>
+                    <a:lstStyle/>
+                    <a:p>
+                      <a:r>
+                        <a:rPr lang="en-US" sz="2400" kern="1200" dirty="0">
+                          <a:solidFill>
+                            <a:schemeClr val="tx1"/>
+                          </a:solidFill>
+                          <a:effectLst>
+                            <a:outerShdw blurRad="38100" dist="38100" dir="2700000" algn="tl">
+                              <a:srgbClr val="000000">
+                                <a:alpha val="43137"/>
+                              </a:srgbClr>
+                            </a:outerShdw>
+                          </a:effectLst>
+                        </a:rPr>
+                        <a:t>Throwable</a:t>
+                      </a:r>
+                      <a:endParaRPr lang="en-US" sz="2400" kern="1200" dirty="0">
+                        <a:solidFill>
+                          <a:schemeClr val="tx1"/>
+                        </a:solidFill>
+                        <a:effectLst>
+                          <a:outerShdw blurRad="38100" dist="38100" dir="2700000" algn="tl">
+                            <a:srgbClr val="000000">
+                              <a:alpha val="43137"/>
+                            </a:srgbClr>
+                          </a:outerShdw>
+                        </a:effectLst>
+                        <a:latin typeface="Sylfaen" panose="010A0502050306030303" pitchFamily="18" charset="0"/>
+                        <a:ea typeface="+mn-ea"/>
+                        <a:cs typeface="+mn-cs"/>
+                      </a:endParaRPr>
+                    </a:p>
+                  </a:txBody>
+                  <a:tcPr/>
+                </a:tc>
+                <a:tc>
+                  <a:txBody>
+                    <a:bodyPr/>
+                    <a:lstStyle/>
+                    <a:p>
+                      <a:r>
+                        <a:rPr lang="en-US" sz="2400" kern="1200" dirty="0">
+                          <a:solidFill>
+                            <a:schemeClr val="tx1"/>
+                          </a:solidFill>
+                          <a:effectLst>
+                            <a:outerShdw blurRad="38100" dist="38100" dir="2700000" algn="tl">
+                              <a:srgbClr val="000000">
+                                <a:alpha val="43137"/>
+                              </a:srgbClr>
+                            </a:outerShdw>
+                          </a:effectLst>
+                        </a:rPr>
+                        <a:t>exception</a:t>
+                      </a:r>
+                      <a:endParaRPr lang="en-US" sz="2400" kern="1200" dirty="0">
+                        <a:solidFill>
+                          <a:schemeClr val="tx1"/>
+                        </a:solidFill>
+                        <a:effectLst>
+                          <a:outerShdw blurRad="38100" dist="38100" dir="2700000" algn="tl">
+                            <a:srgbClr val="000000">
+                              <a:alpha val="43137"/>
+                            </a:srgbClr>
+                          </a:outerShdw>
+                        </a:effectLst>
+                        <a:latin typeface="Sylfaen" panose="010A0502050306030303" pitchFamily="18" charset="0"/>
+                        <a:ea typeface="+mn-ea"/>
+                        <a:cs typeface="+mn-cs"/>
+                      </a:endParaRPr>
+                    </a:p>
+                  </a:txBody>
+                  <a:tcPr/>
+                </a:tc>
+                <a:extLst>
+                  <a:ext uri="{0D108BD9-81ED-4DB2-BD59-A6C34878D82A}">
+                    <a16:rowId xmlns:a16="http://schemas.microsoft.com/office/drawing/2014/main" val="1912793385"/>
+                  </a:ext>
+                </a:extLst>
+              </a:tr>
+              <a:tr h="500908">
+                <a:tc>
+                  <a:txBody>
+                    <a:bodyPr/>
+                    <a:lstStyle/>
+                    <a:p>
+                      <a:r>
+                        <a:rPr lang="en-US" sz="2400" kern="1200" dirty="0" err="1">
+                          <a:solidFill>
+                            <a:schemeClr val="tx1"/>
+                          </a:solidFill>
+                          <a:effectLst>
+                            <a:outerShdw blurRad="38100" dist="38100" dir="2700000" algn="tl">
+                              <a:srgbClr val="000000">
+                                <a:alpha val="43137"/>
+                              </a:srgbClr>
+                            </a:outerShdw>
+                          </a:effectLst>
+                        </a:rPr>
+                        <a:t>PageContext</a:t>
+                      </a:r>
+                      <a:endParaRPr lang="en-US" sz="2400" kern="1200" dirty="0">
+                        <a:solidFill>
+                          <a:schemeClr val="tx1"/>
+                        </a:solidFill>
+                        <a:effectLst>
+                          <a:outerShdw blurRad="38100" dist="38100" dir="2700000" algn="tl">
+                            <a:srgbClr val="000000">
+                              <a:alpha val="43137"/>
+                            </a:srgbClr>
+                          </a:outerShdw>
+                        </a:effectLst>
+                        <a:latin typeface="Sylfaen" panose="010A0502050306030303" pitchFamily="18" charset="0"/>
+                        <a:ea typeface="+mn-ea"/>
+                        <a:cs typeface="+mn-cs"/>
+                      </a:endParaRPr>
+                    </a:p>
+                  </a:txBody>
+                  <a:tcPr/>
+                </a:tc>
+                <a:tc>
+                  <a:txBody>
+                    <a:bodyPr/>
+                    <a:lstStyle/>
+                    <a:p>
+                      <a:r>
+                        <a:rPr lang="en-US" sz="2400" kern="1200" dirty="0" err="1">
+                          <a:solidFill>
+                            <a:schemeClr val="tx1"/>
+                          </a:solidFill>
+                          <a:effectLst>
+                            <a:outerShdw blurRad="38100" dist="38100" dir="2700000" algn="tl">
+                              <a:srgbClr val="000000">
+                                <a:alpha val="43137"/>
+                              </a:srgbClr>
+                            </a:outerShdw>
+                          </a:effectLst>
+                        </a:rPr>
+                        <a:t>pageContext</a:t>
+                      </a:r>
+                      <a:endParaRPr lang="en-US" sz="2400" kern="1200" dirty="0">
+                        <a:solidFill>
+                          <a:schemeClr val="tx1"/>
+                        </a:solidFill>
+                        <a:effectLst>
+                          <a:outerShdw blurRad="38100" dist="38100" dir="2700000" algn="tl">
+                            <a:srgbClr val="000000">
+                              <a:alpha val="43137"/>
+                            </a:srgbClr>
+                          </a:outerShdw>
+                        </a:effectLst>
+                        <a:latin typeface="Sylfaen" panose="010A0502050306030303" pitchFamily="18" charset="0"/>
+                        <a:ea typeface="+mn-ea"/>
+                        <a:cs typeface="+mn-cs"/>
+                      </a:endParaRPr>
+                    </a:p>
+                  </a:txBody>
+                  <a:tcPr/>
+                </a:tc>
+                <a:extLst>
+                  <a:ext uri="{0D108BD9-81ED-4DB2-BD59-A6C34878D82A}">
+                    <a16:rowId xmlns:a16="http://schemas.microsoft.com/office/drawing/2014/main" val="2718839812"/>
+                  </a:ext>
+                </a:extLst>
+              </a:tr>
+              <a:tr h="500908">
+                <a:tc>
+                  <a:txBody>
+                    <a:bodyPr/>
+                    <a:lstStyle/>
+                    <a:p>
+                      <a:r>
+                        <a:rPr lang="en-US" sz="2400" kern="1200" dirty="0">
+                          <a:solidFill>
+                            <a:schemeClr val="tx1"/>
+                          </a:solidFill>
+                          <a:effectLst>
+                            <a:outerShdw blurRad="38100" dist="38100" dir="2700000" algn="tl">
+                              <a:srgbClr val="000000">
+                                <a:alpha val="43137"/>
+                              </a:srgbClr>
+                            </a:outerShdw>
+                          </a:effectLst>
+                        </a:rPr>
+                        <a:t>Object</a:t>
+                      </a:r>
+                      <a:endParaRPr lang="en-US" sz="2400" kern="1200" dirty="0">
+                        <a:solidFill>
+                          <a:schemeClr val="tx1"/>
+                        </a:solidFill>
+                        <a:effectLst>
+                          <a:outerShdw blurRad="38100" dist="38100" dir="2700000" algn="tl">
+                            <a:srgbClr val="000000">
+                              <a:alpha val="43137"/>
+                            </a:srgbClr>
+                          </a:outerShdw>
+                        </a:effectLst>
+                        <a:latin typeface="Sylfaen" panose="010A0502050306030303" pitchFamily="18" charset="0"/>
+                        <a:ea typeface="+mn-ea"/>
+                        <a:cs typeface="+mn-cs"/>
+                      </a:endParaRPr>
+                    </a:p>
+                  </a:txBody>
+                  <a:tcPr/>
+                </a:tc>
+                <a:tc>
+                  <a:txBody>
+                    <a:bodyPr/>
+                    <a:lstStyle/>
+                    <a:p>
+                      <a:r>
+                        <a:rPr lang="en-US" sz="2400" kern="1200" dirty="0">
+                          <a:solidFill>
+                            <a:schemeClr val="tx1"/>
+                          </a:solidFill>
+                          <a:effectLst>
+                            <a:outerShdw blurRad="38100" dist="38100" dir="2700000" algn="tl">
+                              <a:srgbClr val="000000">
+                                <a:alpha val="43137"/>
+                              </a:srgbClr>
+                            </a:outerShdw>
+                          </a:effectLst>
+                        </a:rPr>
+                        <a:t>page</a:t>
+                      </a:r>
+                      <a:endParaRPr lang="en-US" sz="2400" kern="1200" dirty="0">
+                        <a:solidFill>
+                          <a:schemeClr val="tx1"/>
+                        </a:solidFill>
+                        <a:effectLst>
+                          <a:outerShdw blurRad="38100" dist="38100" dir="2700000" algn="tl">
+                            <a:srgbClr val="000000">
+                              <a:alpha val="43137"/>
+                            </a:srgbClr>
+                          </a:outerShdw>
+                        </a:effectLst>
+                        <a:latin typeface="Sylfaen" panose="010A0502050306030303" pitchFamily="18" charset="0"/>
+                        <a:ea typeface="+mn-ea"/>
+                        <a:cs typeface="+mn-cs"/>
+                      </a:endParaRPr>
+                    </a:p>
+                  </a:txBody>
+                  <a:tcPr/>
+                </a:tc>
+                <a:extLst>
+                  <a:ext uri="{0D108BD9-81ED-4DB2-BD59-A6C34878D82A}">
+                    <a16:rowId xmlns:a16="http://schemas.microsoft.com/office/drawing/2014/main" val="3521418517"/>
+                  </a:ext>
+                </a:extLst>
+              </a:tr>
+            </a:tbl>
+          </a:graphicData>
+        </a:graphic>
+      </p:graphicFrame>
+      <p:cxnSp>
+        <p:nvCxnSpPr>
+          <p:cNvPr id="9" name="Straight Connector 9">
+            <a:extLst>
+              <a:ext uri="{FF2B5EF4-FFF2-40B4-BE49-F238E27FC236}">
+                <a16:creationId xmlns:a16="http://schemas.microsoft.com/office/drawing/2014/main" id="{7E610499-E083-49D2-A86D-939B30B3C7C7}"/>
+              </a:ext>
+            </a:extLst>
+          </p:cNvPr>
+          <p:cNvCxnSpPr>
+            <a:cxnSpLocks/>
+          </p:cNvCxnSpPr>
+          <p:nvPr/>
+        </p:nvCxnSpPr>
+        <p:spPr>
+          <a:xfrm>
+            <a:off x="569235" y="1147483"/>
+            <a:ext cx="11053530" cy="0"/>
+          </a:xfrm>
+          <a:prstGeom prst="line">
+            <a:avLst/>
+          </a:prstGeom>
+        </p:spPr>
+        <p:style>
+          <a:lnRef idx="3">
+            <a:schemeClr val="accent1"/>
+          </a:lnRef>
+          <a:fillRef idx="0">
+            <a:schemeClr val="accent1"/>
+          </a:fillRef>
+          <a:effectRef idx="2">
+            <a:schemeClr val="accent1"/>
+          </a:effectRef>
+          <a:fontRef idx="minor">
+            <a:schemeClr val="tx1"/>
+          </a:fontRef>
+        </p:style>
+      </p:cxnSp>
+    </p:spTree>
+    <p:extLst>
+      <p:ext uri="{BB962C8B-B14F-4D97-AF65-F5344CB8AC3E}">
+        <p14:creationId xmlns:p14="http://schemas.microsoft.com/office/powerpoint/2010/main" val="3679415244"/>
+      </p:ext>
+    </p:extLst>
+  </p:cSld>
+  <p:clrMapOvr>
+    <a:masterClrMapping/>
+  </p:clrMapOvr>
+</p:sld>
+</file>
+
 <file path=ppt/slides/slide3.xml><?xml version="1.0" encoding="utf-8"?>
 <p:sld xmlns:a="http://schemas.openxmlformats.org/drawingml/2006/main" xmlns:r="http://schemas.openxmlformats.org/officeDocument/2006/relationships" xmlns:p="http://schemas.openxmlformats.org/presentationml/2006/main">
   <p:cSld>

--- a/Servlet/Servlet_Presentation.pptx
+++ b/Servlet/Servlet_Presentation.pptx
@@ -4,6 +4,9 @@
   <p:sldMasterIdLst>
     <p:sldMasterId id="2147483684" r:id="rId1"/>
   </p:sldMasterIdLst>
+  <p:notesMasterIdLst>
+    <p:notesMasterId r:id="rId26"/>
+  </p:notesMasterIdLst>
   <p:sldIdLst>
     <p:sldId id="257" r:id="rId2"/>
     <p:sldId id="258" r:id="rId3"/>
@@ -27,6 +30,8 @@
     <p:sldId id="276" r:id="rId21"/>
     <p:sldId id="277" r:id="rId22"/>
     <p:sldId id="278" r:id="rId23"/>
+    <p:sldId id="279" r:id="rId24"/>
+    <p:sldId id="280" r:id="rId25"/>
   </p:sldIdLst>
   <p:sldSz cx="12192000" cy="6858000"/>
   <p:notesSz cx="6858000" cy="9144000"/>
@@ -133,6 +138,439 @@
 </p:presentation>
 </file>
 
+<file path=ppt/notesMasters/notesMaster1.xml><?xml version="1.0" encoding="utf-8"?>
+<p:notesMaster xmlns:a="http://schemas.openxmlformats.org/drawingml/2006/main" xmlns:r="http://schemas.openxmlformats.org/officeDocument/2006/relationships" xmlns:p="http://schemas.openxmlformats.org/presentationml/2006/main">
+  <p:cSld>
+    <p:bg>
+      <p:bgRef idx="1001">
+        <a:schemeClr val="bg1"/>
+      </p:bgRef>
+    </p:bg>
+    <p:spTree>
+      <p:nvGrpSpPr>
+        <p:cNvPr id="1" name=""/>
+        <p:cNvGrpSpPr/>
+        <p:nvPr/>
+      </p:nvGrpSpPr>
+      <p:grpSpPr>
+        <a:xfrm>
+          <a:off x="0" y="0"/>
+          <a:ext cx="0" cy="0"/>
+          <a:chOff x="0" y="0"/>
+          <a:chExt cx="0" cy="0"/>
+        </a:xfrm>
+      </p:grpSpPr>
+      <p:sp>
+        <p:nvSpPr>
+          <p:cNvPr id="2" name="Header Placeholder 1"/>
+          <p:cNvSpPr>
+            <a:spLocks noGrp="1"/>
+          </p:cNvSpPr>
+          <p:nvPr>
+            <p:ph type="hdr" sz="quarter"/>
+          </p:nvPr>
+        </p:nvSpPr>
+        <p:spPr>
+          <a:xfrm>
+            <a:off x="0" y="0"/>
+            <a:ext cx="2971800" cy="458788"/>
+          </a:xfrm>
+          <a:prstGeom prst="rect">
+            <a:avLst/>
+          </a:prstGeom>
+        </p:spPr>
+        <p:txBody>
+          <a:bodyPr vert="horz" lIns="91440" tIns="45720" rIns="91440" bIns="45720" rtlCol="0"/>
+          <a:lstStyle>
+            <a:lvl1pPr algn="l">
+              <a:defRPr sz="1200"/>
+            </a:lvl1pPr>
+          </a:lstStyle>
+          <a:p>
+            <a:endParaRPr lang="en-US"/>
+          </a:p>
+        </p:txBody>
+      </p:sp>
+      <p:sp>
+        <p:nvSpPr>
+          <p:cNvPr id="3" name="Date Placeholder 2"/>
+          <p:cNvSpPr>
+            <a:spLocks noGrp="1"/>
+          </p:cNvSpPr>
+          <p:nvPr>
+            <p:ph type="dt" idx="1"/>
+          </p:nvPr>
+        </p:nvSpPr>
+        <p:spPr>
+          <a:xfrm>
+            <a:off x="3884613" y="0"/>
+            <a:ext cx="2971800" cy="458788"/>
+          </a:xfrm>
+          <a:prstGeom prst="rect">
+            <a:avLst/>
+          </a:prstGeom>
+        </p:spPr>
+        <p:txBody>
+          <a:bodyPr vert="horz" lIns="91440" tIns="45720" rIns="91440" bIns="45720" rtlCol="0"/>
+          <a:lstStyle>
+            <a:lvl1pPr algn="r">
+              <a:defRPr sz="1200"/>
+            </a:lvl1pPr>
+          </a:lstStyle>
+          <a:p>
+            <a:fld id="{F988C94B-7918-458B-9AF1-0DBDD7FC850F}" type="datetimeFigureOut">
+              <a:rPr lang="en-US" smtClean="0"/>
+              <a:t>2022-06-28</a:t>
+            </a:fld>
+            <a:endParaRPr lang="en-US"/>
+          </a:p>
+        </p:txBody>
+      </p:sp>
+      <p:sp>
+        <p:nvSpPr>
+          <p:cNvPr id="4" name="Slide Image Placeholder 3"/>
+          <p:cNvSpPr>
+            <a:spLocks noGrp="1" noRot="1" noChangeAspect="1"/>
+          </p:cNvSpPr>
+          <p:nvPr>
+            <p:ph type="sldImg" idx="2"/>
+          </p:nvPr>
+        </p:nvSpPr>
+        <p:spPr>
+          <a:xfrm>
+            <a:off x="685800" y="1143000"/>
+            <a:ext cx="5486400" cy="3086100"/>
+          </a:xfrm>
+          <a:prstGeom prst="rect">
+            <a:avLst/>
+          </a:prstGeom>
+          <a:noFill/>
+          <a:ln w="12700">
+            <a:solidFill>
+              <a:prstClr val="black"/>
+            </a:solidFill>
+          </a:ln>
+        </p:spPr>
+        <p:txBody>
+          <a:bodyPr vert="horz" lIns="91440" tIns="45720" rIns="91440" bIns="45720" rtlCol="0" anchor="ctr"/>
+          <a:lstStyle/>
+          <a:p>
+            <a:endParaRPr lang="en-US"/>
+          </a:p>
+        </p:txBody>
+      </p:sp>
+      <p:sp>
+        <p:nvSpPr>
+          <p:cNvPr id="5" name="Notes Placeholder 4"/>
+          <p:cNvSpPr>
+            <a:spLocks noGrp="1"/>
+          </p:cNvSpPr>
+          <p:nvPr>
+            <p:ph type="body" sz="quarter" idx="3"/>
+          </p:nvPr>
+        </p:nvSpPr>
+        <p:spPr>
+          <a:xfrm>
+            <a:off x="685800" y="4400550"/>
+            <a:ext cx="5486400" cy="3600450"/>
+          </a:xfrm>
+          <a:prstGeom prst="rect">
+            <a:avLst/>
+          </a:prstGeom>
+        </p:spPr>
+        <p:txBody>
+          <a:bodyPr vert="horz" lIns="91440" tIns="45720" rIns="91440" bIns="45720" rtlCol="0"/>
+          <a:lstStyle/>
+          <a:p>
+            <a:pPr lvl="0"/>
+            <a:r>
+              <a:rPr lang="en-US"/>
+              <a:t>Click to edit Master text styles</a:t>
+            </a:r>
+          </a:p>
+          <a:p>
+            <a:pPr lvl="1"/>
+            <a:r>
+              <a:rPr lang="en-US"/>
+              <a:t>Second level</a:t>
+            </a:r>
+          </a:p>
+          <a:p>
+            <a:pPr lvl="2"/>
+            <a:r>
+              <a:rPr lang="en-US"/>
+              <a:t>Third level</a:t>
+            </a:r>
+          </a:p>
+          <a:p>
+            <a:pPr lvl="3"/>
+            <a:r>
+              <a:rPr lang="en-US"/>
+              <a:t>Fourth level</a:t>
+            </a:r>
+          </a:p>
+          <a:p>
+            <a:pPr lvl="4"/>
+            <a:r>
+              <a:rPr lang="en-US"/>
+              <a:t>Fifth level</a:t>
+            </a:r>
+          </a:p>
+        </p:txBody>
+      </p:sp>
+      <p:sp>
+        <p:nvSpPr>
+          <p:cNvPr id="6" name="Footer Placeholder 5"/>
+          <p:cNvSpPr>
+            <a:spLocks noGrp="1"/>
+          </p:cNvSpPr>
+          <p:nvPr>
+            <p:ph type="ftr" sz="quarter" idx="4"/>
+          </p:nvPr>
+        </p:nvSpPr>
+        <p:spPr>
+          <a:xfrm>
+            <a:off x="0" y="8685213"/>
+            <a:ext cx="2971800" cy="458787"/>
+          </a:xfrm>
+          <a:prstGeom prst="rect">
+            <a:avLst/>
+          </a:prstGeom>
+        </p:spPr>
+        <p:txBody>
+          <a:bodyPr vert="horz" lIns="91440" tIns="45720" rIns="91440" bIns="45720" rtlCol="0" anchor="b"/>
+          <a:lstStyle>
+            <a:lvl1pPr algn="l">
+              <a:defRPr sz="1200"/>
+            </a:lvl1pPr>
+          </a:lstStyle>
+          <a:p>
+            <a:endParaRPr lang="en-US"/>
+          </a:p>
+        </p:txBody>
+      </p:sp>
+      <p:sp>
+        <p:nvSpPr>
+          <p:cNvPr id="7" name="Slide Number Placeholder 6"/>
+          <p:cNvSpPr>
+            <a:spLocks noGrp="1"/>
+          </p:cNvSpPr>
+          <p:nvPr>
+            <p:ph type="sldNum" sz="quarter" idx="5"/>
+          </p:nvPr>
+        </p:nvSpPr>
+        <p:spPr>
+          <a:xfrm>
+            <a:off x="3884613" y="8685213"/>
+            <a:ext cx="2971800" cy="458787"/>
+          </a:xfrm>
+          <a:prstGeom prst="rect">
+            <a:avLst/>
+          </a:prstGeom>
+        </p:spPr>
+        <p:txBody>
+          <a:bodyPr vert="horz" lIns="91440" tIns="45720" rIns="91440" bIns="45720" rtlCol="0" anchor="b"/>
+          <a:lstStyle>
+            <a:lvl1pPr algn="r">
+              <a:defRPr sz="1200"/>
+            </a:lvl1pPr>
+          </a:lstStyle>
+          <a:p>
+            <a:fld id="{AD5C0D2C-FC79-4881-900B-A227C6589BC3}" type="slidenum">
+              <a:rPr lang="en-US" smtClean="0"/>
+              <a:t>‹#›</a:t>
+            </a:fld>
+            <a:endParaRPr lang="en-US"/>
+          </a:p>
+        </p:txBody>
+      </p:sp>
+    </p:spTree>
+    <p:extLst>
+      <p:ext uri="{BB962C8B-B14F-4D97-AF65-F5344CB8AC3E}">
+        <p14:creationId xmlns:p14="http://schemas.microsoft.com/office/powerpoint/2010/main" val="1935373414"/>
+      </p:ext>
+    </p:extLst>
+  </p:cSld>
+  <p:clrMap bg1="lt1" tx1="dk1" bg2="lt2" tx2="dk2" accent1="accent1" accent2="accent2" accent3="accent3" accent4="accent4" accent5="accent5" accent6="accent6" hlink="hlink" folHlink="folHlink"/>
+  <p:notesStyle>
+    <a:lvl1pPr marL="0" algn="l" defTabSz="914400" rtl="0" eaLnBrk="1" latinLnBrk="0" hangingPunct="1">
+      <a:defRPr sz="1200" kern="1200">
+        <a:solidFill>
+          <a:schemeClr val="tx1"/>
+        </a:solidFill>
+        <a:latin typeface="+mn-lt"/>
+        <a:ea typeface="+mn-ea"/>
+        <a:cs typeface="+mn-cs"/>
+      </a:defRPr>
+    </a:lvl1pPr>
+    <a:lvl2pPr marL="457200" algn="l" defTabSz="914400" rtl="0" eaLnBrk="1" latinLnBrk="0" hangingPunct="1">
+      <a:defRPr sz="1200" kern="1200">
+        <a:solidFill>
+          <a:schemeClr val="tx1"/>
+        </a:solidFill>
+        <a:latin typeface="+mn-lt"/>
+        <a:ea typeface="+mn-ea"/>
+        <a:cs typeface="+mn-cs"/>
+      </a:defRPr>
+    </a:lvl2pPr>
+    <a:lvl3pPr marL="914400" algn="l" defTabSz="914400" rtl="0" eaLnBrk="1" latinLnBrk="0" hangingPunct="1">
+      <a:defRPr sz="1200" kern="1200">
+        <a:solidFill>
+          <a:schemeClr val="tx1"/>
+        </a:solidFill>
+        <a:latin typeface="+mn-lt"/>
+        <a:ea typeface="+mn-ea"/>
+        <a:cs typeface="+mn-cs"/>
+      </a:defRPr>
+    </a:lvl3pPr>
+    <a:lvl4pPr marL="1371600" algn="l" defTabSz="914400" rtl="0" eaLnBrk="1" latinLnBrk="0" hangingPunct="1">
+      <a:defRPr sz="1200" kern="1200">
+        <a:solidFill>
+          <a:schemeClr val="tx1"/>
+        </a:solidFill>
+        <a:latin typeface="+mn-lt"/>
+        <a:ea typeface="+mn-ea"/>
+        <a:cs typeface="+mn-cs"/>
+      </a:defRPr>
+    </a:lvl4pPr>
+    <a:lvl5pPr marL="1828800" algn="l" defTabSz="914400" rtl="0" eaLnBrk="1" latinLnBrk="0" hangingPunct="1">
+      <a:defRPr sz="1200" kern="1200">
+        <a:solidFill>
+          <a:schemeClr val="tx1"/>
+        </a:solidFill>
+        <a:latin typeface="+mn-lt"/>
+        <a:ea typeface="+mn-ea"/>
+        <a:cs typeface="+mn-cs"/>
+      </a:defRPr>
+    </a:lvl5pPr>
+    <a:lvl6pPr marL="2286000" algn="l" defTabSz="914400" rtl="0" eaLnBrk="1" latinLnBrk="0" hangingPunct="1">
+      <a:defRPr sz="1200" kern="1200">
+        <a:solidFill>
+          <a:schemeClr val="tx1"/>
+        </a:solidFill>
+        <a:latin typeface="+mn-lt"/>
+        <a:ea typeface="+mn-ea"/>
+        <a:cs typeface="+mn-cs"/>
+      </a:defRPr>
+    </a:lvl6pPr>
+    <a:lvl7pPr marL="2743200" algn="l" defTabSz="914400" rtl="0" eaLnBrk="1" latinLnBrk="0" hangingPunct="1">
+      <a:defRPr sz="1200" kern="1200">
+        <a:solidFill>
+          <a:schemeClr val="tx1"/>
+        </a:solidFill>
+        <a:latin typeface="+mn-lt"/>
+        <a:ea typeface="+mn-ea"/>
+        <a:cs typeface="+mn-cs"/>
+      </a:defRPr>
+    </a:lvl7pPr>
+    <a:lvl8pPr marL="3200400" algn="l" defTabSz="914400" rtl="0" eaLnBrk="1" latinLnBrk="0" hangingPunct="1">
+      <a:defRPr sz="1200" kern="1200">
+        <a:solidFill>
+          <a:schemeClr val="tx1"/>
+        </a:solidFill>
+        <a:latin typeface="+mn-lt"/>
+        <a:ea typeface="+mn-ea"/>
+        <a:cs typeface="+mn-cs"/>
+      </a:defRPr>
+    </a:lvl8pPr>
+    <a:lvl9pPr marL="3657600" algn="l" defTabSz="914400" rtl="0" eaLnBrk="1" latinLnBrk="0" hangingPunct="1">
+      <a:defRPr sz="1200" kern="1200">
+        <a:solidFill>
+          <a:schemeClr val="tx1"/>
+        </a:solidFill>
+        <a:latin typeface="+mn-lt"/>
+        <a:ea typeface="+mn-ea"/>
+        <a:cs typeface="+mn-cs"/>
+      </a:defRPr>
+    </a:lvl9pPr>
+  </p:notesStyle>
+</p:notesMaster>
+</file>
+
+<file path=ppt/notesSlides/notesSlide1.xml><?xml version="1.0" encoding="utf-8"?>
+<p:notes xmlns:a="http://schemas.openxmlformats.org/drawingml/2006/main" xmlns:r="http://schemas.openxmlformats.org/officeDocument/2006/relationships" xmlns:p="http://schemas.openxmlformats.org/presentationml/2006/main">
+  <p:cSld>
+    <p:spTree>
+      <p:nvGrpSpPr>
+        <p:cNvPr id="1" name=""/>
+        <p:cNvGrpSpPr/>
+        <p:nvPr/>
+      </p:nvGrpSpPr>
+      <p:grpSpPr>
+        <a:xfrm>
+          <a:off x="0" y="0"/>
+          <a:ext cx="0" cy="0"/>
+          <a:chOff x="0" y="0"/>
+          <a:chExt cx="0" cy="0"/>
+        </a:xfrm>
+      </p:grpSpPr>
+      <p:sp>
+        <p:nvSpPr>
+          <p:cNvPr id="2" name="Slide Image Placeholder 1"/>
+          <p:cNvSpPr>
+            <a:spLocks noGrp="1" noRot="1" noChangeAspect="1"/>
+          </p:cNvSpPr>
+          <p:nvPr>
+            <p:ph type="sldImg"/>
+          </p:nvPr>
+        </p:nvSpPr>
+        <p:spPr/>
+      </p:sp>
+      <p:sp>
+        <p:nvSpPr>
+          <p:cNvPr id="3" name="Notes Placeholder 2"/>
+          <p:cNvSpPr>
+            <a:spLocks noGrp="1"/>
+          </p:cNvSpPr>
+          <p:nvPr>
+            <p:ph type="body" idx="1"/>
+          </p:nvPr>
+        </p:nvSpPr>
+        <p:spPr/>
+        <p:txBody>
+          <a:bodyPr/>
+          <a:lstStyle/>
+          <a:p>
+            <a:endParaRPr lang="en-US" dirty="0"/>
+          </a:p>
+        </p:txBody>
+      </p:sp>
+      <p:sp>
+        <p:nvSpPr>
+          <p:cNvPr id="4" name="Slide Number Placeholder 3"/>
+          <p:cNvSpPr>
+            <a:spLocks noGrp="1"/>
+          </p:cNvSpPr>
+          <p:nvPr>
+            <p:ph type="sldNum" sz="quarter" idx="5"/>
+          </p:nvPr>
+        </p:nvSpPr>
+        <p:spPr/>
+        <p:txBody>
+          <a:bodyPr/>
+          <a:lstStyle/>
+          <a:p>
+            <a:fld id="{AD5C0D2C-FC79-4881-900B-A227C6589BC3}" type="slidenum">
+              <a:rPr lang="en-US" smtClean="0"/>
+              <a:t>22</a:t>
+            </a:fld>
+            <a:endParaRPr lang="en-US"/>
+          </a:p>
+        </p:txBody>
+      </p:sp>
+    </p:spTree>
+    <p:extLst>
+      <p:ext uri="{BB962C8B-B14F-4D97-AF65-F5344CB8AC3E}">
+        <p14:creationId xmlns:p14="http://schemas.microsoft.com/office/powerpoint/2010/main" val="3698974961"/>
+      </p:ext>
+    </p:extLst>
+  </p:cSld>
+  <p:clrMapOvr>
+    <a:masterClrMapping/>
+  </p:clrMapOvr>
+</p:notes>
+</file>
+
 <file path=ppt/slideLayouts/slideLayout1.xml><?xml version="1.0" encoding="utf-8"?>
 <p:sldLayout xmlns:a="http://schemas.openxmlformats.org/drawingml/2006/main" xmlns:r="http://schemas.openxmlformats.org/officeDocument/2006/relationships" xmlns:p="http://schemas.openxmlformats.org/presentationml/2006/main" type="title" preserve="1">
   <p:cSld name="Title Slide">
@@ -264,7 +702,7 @@
           <a:p>
             <a:fld id="{0A968979-5CB5-4E5D-B82F-DAC09775BD7D}" type="datetimeFigureOut">
               <a:rPr lang="en-US" smtClean="0"/>
-              <a:t>2022-06-27</a:t>
+              <a:t>2022-06-28</a:t>
             </a:fld>
             <a:endParaRPr lang="en-US"/>
           </a:p>
@@ -434,7 +872,7 @@
           <a:p>
             <a:fld id="{0A968979-5CB5-4E5D-B82F-DAC09775BD7D}" type="datetimeFigureOut">
               <a:rPr lang="en-US" smtClean="0"/>
-              <a:t>2022-06-27</a:t>
+              <a:t>2022-06-28</a:t>
             </a:fld>
             <a:endParaRPr lang="en-US"/>
           </a:p>
@@ -614,7 +1052,7 @@
           <a:p>
             <a:fld id="{0A968979-5CB5-4E5D-B82F-DAC09775BD7D}" type="datetimeFigureOut">
               <a:rPr lang="en-US" smtClean="0"/>
-              <a:t>2022-06-27</a:t>
+              <a:t>2022-06-28</a:t>
             </a:fld>
             <a:endParaRPr lang="en-US"/>
           </a:p>
@@ -784,7 +1222,7 @@
           <a:p>
             <a:fld id="{0A968979-5CB5-4E5D-B82F-DAC09775BD7D}" type="datetimeFigureOut">
               <a:rPr lang="en-US" smtClean="0"/>
-              <a:t>2022-06-27</a:t>
+              <a:t>2022-06-28</a:t>
             </a:fld>
             <a:endParaRPr lang="en-US"/>
           </a:p>
@@ -1030,7 +1468,7 @@
           <a:p>
             <a:fld id="{0A968979-5CB5-4E5D-B82F-DAC09775BD7D}" type="datetimeFigureOut">
               <a:rPr lang="en-US" smtClean="0"/>
-              <a:t>2022-06-27</a:t>
+              <a:t>2022-06-28</a:t>
             </a:fld>
             <a:endParaRPr lang="en-US"/>
           </a:p>
@@ -1262,7 +1700,7 @@
           <a:p>
             <a:fld id="{0A968979-5CB5-4E5D-B82F-DAC09775BD7D}" type="datetimeFigureOut">
               <a:rPr lang="en-US" smtClean="0"/>
-              <a:t>2022-06-27</a:t>
+              <a:t>2022-06-28</a:t>
             </a:fld>
             <a:endParaRPr lang="en-US"/>
           </a:p>
@@ -1629,7 +2067,7 @@
           <a:p>
             <a:fld id="{0A968979-5CB5-4E5D-B82F-DAC09775BD7D}" type="datetimeFigureOut">
               <a:rPr lang="en-US" smtClean="0"/>
-              <a:t>2022-06-27</a:t>
+              <a:t>2022-06-28</a:t>
             </a:fld>
             <a:endParaRPr lang="en-US"/>
           </a:p>
@@ -1747,7 +2185,7 @@
           <a:p>
             <a:fld id="{0A968979-5CB5-4E5D-B82F-DAC09775BD7D}" type="datetimeFigureOut">
               <a:rPr lang="en-US" smtClean="0"/>
-              <a:t>2022-06-27</a:t>
+              <a:t>2022-06-28</a:t>
             </a:fld>
             <a:endParaRPr lang="en-US"/>
           </a:p>
@@ -1842,7 +2280,7 @@
           <a:p>
             <a:fld id="{0A968979-5CB5-4E5D-B82F-DAC09775BD7D}" type="datetimeFigureOut">
               <a:rPr lang="en-US" smtClean="0"/>
-              <a:t>2022-06-27</a:t>
+              <a:t>2022-06-28</a:t>
             </a:fld>
             <a:endParaRPr lang="en-US"/>
           </a:p>
@@ -2119,7 +2557,7 @@
           <a:p>
             <a:fld id="{0A968979-5CB5-4E5D-B82F-DAC09775BD7D}" type="datetimeFigureOut">
               <a:rPr lang="en-US" smtClean="0"/>
-              <a:t>2022-06-27</a:t>
+              <a:t>2022-06-28</a:t>
             </a:fld>
             <a:endParaRPr lang="en-US"/>
           </a:p>
@@ -2376,7 +2814,7 @@
           <a:p>
             <a:fld id="{0A968979-5CB5-4E5D-B82F-DAC09775BD7D}" type="datetimeFigureOut">
               <a:rPr lang="en-US" smtClean="0"/>
-              <a:t>2022-06-27</a:t>
+              <a:t>2022-06-28</a:t>
             </a:fld>
             <a:endParaRPr lang="en-US"/>
           </a:p>
@@ -2589,7 +3027,7 @@
           <a:p>
             <a:fld id="{0A968979-5CB5-4E5D-B82F-DAC09775BD7D}" type="datetimeFigureOut">
               <a:rPr lang="en-US" smtClean="0"/>
-              <a:t>2022-06-27</a:t>
+              <a:t>2022-06-28</a:t>
             </a:fld>
             <a:endParaRPr lang="en-US"/>
           </a:p>
@@ -9599,14 +10037,14 @@
           <p:nvPr>
             <p:extLst>
               <p:ext uri="{D42A27DB-BD31-4B8C-83A1-F6EECF244321}">
-                <p14:modId xmlns:p14="http://schemas.microsoft.com/office/powerpoint/2010/main" val="3584116514"/>
+                <p14:modId xmlns:p14="http://schemas.microsoft.com/office/powerpoint/2010/main" val="2058318939"/>
               </p:ext>
             </p:extLst>
           </p:nvPr>
         </p:nvGraphicFramePr>
         <p:xfrm>
-          <a:off x="3518756" y="1638100"/>
-          <a:ext cx="5154488" cy="4508172"/>
+          <a:off x="838200" y="1325563"/>
+          <a:ext cx="6237157" cy="4800600"/>
         </p:xfrm>
         <a:graphic>
           <a:graphicData uri="http://schemas.openxmlformats.org/drawingml/2006/table">
@@ -9615,14 +10053,14 @@
                 <a:tableStyleId>{2D5ABB26-0587-4C30-8999-92F81FD0307C}</a:tableStyleId>
               </a:tblPr>
               <a:tblGrid>
-                <a:gridCol w="3029868">
+                <a:gridCol w="3868711">
                   <a:extLst>
                     <a:ext uri="{9D8B030D-6E8A-4147-A177-3AD203B41FA5}">
                       <a16:colId xmlns:a16="http://schemas.microsoft.com/office/drawing/2014/main" val="4055548060"/>
                     </a:ext>
                   </a:extLst>
                 </a:gridCol>
-                <a:gridCol w="2124620">
+                <a:gridCol w="2368446">
                   <a:extLst>
                     <a:ext uri="{9D8B030D-6E8A-4147-A177-3AD203B41FA5}">
                       <a16:colId xmlns:a16="http://schemas.microsoft.com/office/drawing/2014/main" val="1236387829"/>
@@ -9637,7 +10075,7 @@
                     <a:lstStyle/>
                     <a:p>
                       <a:r>
-                        <a:rPr lang="en-US" sz="2400" kern="1200" dirty="0" err="1">
+                        <a:rPr lang="en-US" sz="2900" kern="1200" dirty="0" err="1">
                           <a:solidFill>
                             <a:schemeClr val="tx1"/>
                           </a:solidFill>
@@ -9648,10 +10086,13 @@
                               </a:srgbClr>
                             </a:outerShdw>
                           </a:effectLst>
+                          <a:latin typeface="Sylfaen" panose="010A0502050306030303" pitchFamily="18" charset="0"/>
+                          <a:ea typeface="+mn-ea"/>
+                          <a:cs typeface="+mn-cs"/>
                         </a:rPr>
                         <a:t>JspWriter</a:t>
                       </a:r>
-                      <a:endParaRPr lang="en-US" sz="2400" kern="1200" dirty="0">
+                      <a:endParaRPr lang="en-US" sz="2900" kern="1200" dirty="0">
                         <a:solidFill>
                           <a:schemeClr val="tx1"/>
                         </a:solidFill>
@@ -9676,7 +10117,7 @@
                     <a:lstStyle/>
                     <a:p>
                       <a:r>
-                        <a:rPr lang="en-US" sz="2400" kern="1200" dirty="0">
+                        <a:rPr lang="en-US" sz="2900" kern="1200" dirty="0">
                           <a:solidFill>
                             <a:schemeClr val="tx1"/>
                           </a:solidFill>
@@ -9687,24 +10128,12 @@
                               </a:srgbClr>
                             </a:outerShdw>
                           </a:effectLst>
+                          <a:latin typeface="Sylfaen" panose="010A0502050306030303" pitchFamily="18" charset="0"/>
+                          <a:ea typeface="+mn-ea"/>
+                          <a:cs typeface="+mn-cs"/>
                         </a:rPr>
                         <a:t>out</a:t>
                       </a:r>
-                      <a:endParaRPr lang="en-US" sz="2400" kern="1200" dirty="0">
-                        <a:solidFill>
-                          <a:schemeClr val="tx1"/>
-                        </a:solidFill>
-                        <a:effectLst>
-                          <a:outerShdw blurRad="38100" dist="38100" dir="2700000" algn="tl">
-                            <a:srgbClr val="000000">
-                              <a:alpha val="43137"/>
-                            </a:srgbClr>
-                          </a:outerShdw>
-                        </a:effectLst>
-                        <a:latin typeface="Sylfaen" panose="010A0502050306030303" pitchFamily="18" charset="0"/>
-                        <a:ea typeface="+mn-ea"/>
-                        <a:cs typeface="+mn-cs"/>
-                      </a:endParaRPr>
                     </a:p>
                   </a:txBody>
                   <a:tcPr/>
@@ -9722,7 +10151,7 @@
                     <a:lstStyle/>
                     <a:p>
                       <a:r>
-                        <a:rPr lang="en-US" sz="2400" kern="1200" dirty="0" err="1">
+                        <a:rPr lang="en-US" sz="2900" kern="1200" dirty="0" err="1">
                           <a:solidFill>
                             <a:schemeClr val="tx1"/>
                           </a:solidFill>
@@ -9733,10 +10162,13 @@
                               </a:srgbClr>
                             </a:outerShdw>
                           </a:effectLst>
+                          <a:latin typeface="Sylfaen" panose="010A0502050306030303" pitchFamily="18" charset="0"/>
+                          <a:ea typeface="+mn-ea"/>
+                          <a:cs typeface="+mn-cs"/>
                         </a:rPr>
                         <a:t>HttpServletRequest</a:t>
                       </a:r>
-                      <a:endParaRPr lang="en-US" sz="2400" kern="1200" dirty="0">
+                      <a:endParaRPr lang="en-US" sz="2900" kern="1200" dirty="0">
                         <a:solidFill>
                           <a:schemeClr val="tx1"/>
                         </a:solidFill>
@@ -9761,7 +10193,7 @@
                     <a:lstStyle/>
                     <a:p>
                       <a:r>
-                        <a:rPr lang="en-US" sz="2400" kern="1200" dirty="0">
+                        <a:rPr lang="en-US" sz="2900" kern="1200" dirty="0">
                           <a:solidFill>
                             <a:schemeClr val="tx1"/>
                           </a:solidFill>
@@ -9772,24 +10204,12 @@
                               </a:srgbClr>
                             </a:outerShdw>
                           </a:effectLst>
+                          <a:latin typeface="Sylfaen" panose="010A0502050306030303" pitchFamily="18" charset="0"/>
+                          <a:ea typeface="+mn-ea"/>
+                          <a:cs typeface="+mn-cs"/>
                         </a:rPr>
                         <a:t>request</a:t>
                       </a:r>
-                      <a:endParaRPr lang="en-US" sz="2400" kern="1200" dirty="0">
-                        <a:solidFill>
-                          <a:schemeClr val="tx1"/>
-                        </a:solidFill>
-                        <a:effectLst>
-                          <a:outerShdw blurRad="38100" dist="38100" dir="2700000" algn="tl">
-                            <a:srgbClr val="000000">
-                              <a:alpha val="43137"/>
-                            </a:srgbClr>
-                          </a:outerShdw>
-                        </a:effectLst>
-                        <a:latin typeface="Sylfaen" panose="010A0502050306030303" pitchFamily="18" charset="0"/>
-                        <a:ea typeface="+mn-ea"/>
-                        <a:cs typeface="+mn-cs"/>
-                      </a:endParaRPr>
                     </a:p>
                   </a:txBody>
                   <a:tcPr/>
@@ -9807,7 +10227,7 @@
                     <a:lstStyle/>
                     <a:p>
                       <a:r>
-                        <a:rPr lang="en-US" sz="2400" kern="1200" dirty="0" err="1">
+                        <a:rPr lang="en-US" sz="2900" kern="1200" dirty="0" err="1">
                           <a:solidFill>
                             <a:schemeClr val="tx1"/>
                           </a:solidFill>
@@ -9818,10 +10238,13 @@
                               </a:srgbClr>
                             </a:outerShdw>
                           </a:effectLst>
+                          <a:latin typeface="Sylfaen" panose="010A0502050306030303" pitchFamily="18" charset="0"/>
+                          <a:ea typeface="+mn-ea"/>
+                          <a:cs typeface="+mn-cs"/>
                         </a:rPr>
                         <a:t>HttpServletResponse</a:t>
                       </a:r>
-                      <a:endParaRPr lang="en-US" sz="2400" kern="1200" dirty="0">
+                      <a:endParaRPr lang="en-US" sz="2900" kern="1200" dirty="0">
                         <a:solidFill>
                           <a:schemeClr val="tx1"/>
                         </a:solidFill>
@@ -9846,7 +10269,7 @@
                     <a:lstStyle/>
                     <a:p>
                       <a:r>
-                        <a:rPr lang="en-US" sz="2400" kern="1200" dirty="0">
+                        <a:rPr lang="en-US" sz="2900" kern="1200" dirty="0">
                           <a:solidFill>
                             <a:schemeClr val="tx1"/>
                           </a:solidFill>
@@ -9857,24 +10280,12 @@
                               </a:srgbClr>
                             </a:outerShdw>
                           </a:effectLst>
+                          <a:latin typeface="Sylfaen" panose="010A0502050306030303" pitchFamily="18" charset="0"/>
+                          <a:ea typeface="+mn-ea"/>
+                          <a:cs typeface="+mn-cs"/>
                         </a:rPr>
                         <a:t>response</a:t>
                       </a:r>
-                      <a:endParaRPr lang="en-US" sz="2400" kern="1200" dirty="0">
-                        <a:solidFill>
-                          <a:schemeClr val="tx1"/>
-                        </a:solidFill>
-                        <a:effectLst>
-                          <a:outerShdw blurRad="38100" dist="38100" dir="2700000" algn="tl">
-                            <a:srgbClr val="000000">
-                              <a:alpha val="43137"/>
-                            </a:srgbClr>
-                          </a:outerShdw>
-                        </a:effectLst>
-                        <a:latin typeface="Sylfaen" panose="010A0502050306030303" pitchFamily="18" charset="0"/>
-                        <a:ea typeface="+mn-ea"/>
-                        <a:cs typeface="+mn-cs"/>
-                      </a:endParaRPr>
                     </a:p>
                   </a:txBody>
                   <a:tcPr/>
@@ -9892,7 +10303,7 @@
                     <a:lstStyle/>
                     <a:p>
                       <a:r>
-                        <a:rPr lang="en-US" sz="2400" kern="1200" dirty="0" err="1">
+                        <a:rPr lang="en-US" sz="2900" kern="1200" dirty="0" err="1">
                           <a:solidFill>
                             <a:schemeClr val="tx1"/>
                           </a:solidFill>
@@ -9903,10 +10314,13 @@
                               </a:srgbClr>
                             </a:outerShdw>
                           </a:effectLst>
+                          <a:latin typeface="Sylfaen" panose="010A0502050306030303" pitchFamily="18" charset="0"/>
+                          <a:ea typeface="+mn-ea"/>
+                          <a:cs typeface="+mn-cs"/>
                         </a:rPr>
                         <a:t>HttpSession</a:t>
                       </a:r>
-                      <a:endParaRPr lang="en-US" sz="2400" kern="1200" dirty="0">
+                      <a:endParaRPr lang="en-US" sz="2900" kern="1200" dirty="0">
                         <a:solidFill>
                           <a:schemeClr val="tx1"/>
                         </a:solidFill>
@@ -9931,7 +10345,7 @@
                     <a:lstStyle/>
                     <a:p>
                       <a:r>
-                        <a:rPr lang="en-US" sz="2400" kern="1200" dirty="0">
+                        <a:rPr lang="en-US" sz="2900" kern="1200" dirty="0">
                           <a:solidFill>
                             <a:schemeClr val="tx1"/>
                           </a:solidFill>
@@ -9942,24 +10356,12 @@
                               </a:srgbClr>
                             </a:outerShdw>
                           </a:effectLst>
+                          <a:latin typeface="Sylfaen" panose="010A0502050306030303" pitchFamily="18" charset="0"/>
+                          <a:ea typeface="+mn-ea"/>
+                          <a:cs typeface="+mn-cs"/>
                         </a:rPr>
                         <a:t>session</a:t>
                       </a:r>
-                      <a:endParaRPr lang="en-US" sz="2400" kern="1200" dirty="0">
-                        <a:solidFill>
-                          <a:schemeClr val="tx1"/>
-                        </a:solidFill>
-                        <a:effectLst>
-                          <a:outerShdw blurRad="38100" dist="38100" dir="2700000" algn="tl">
-                            <a:srgbClr val="000000">
-                              <a:alpha val="43137"/>
-                            </a:srgbClr>
-                          </a:outerShdw>
-                        </a:effectLst>
-                        <a:latin typeface="Sylfaen" panose="010A0502050306030303" pitchFamily="18" charset="0"/>
-                        <a:ea typeface="+mn-ea"/>
-                        <a:cs typeface="+mn-cs"/>
-                      </a:endParaRPr>
                     </a:p>
                   </a:txBody>
                   <a:tcPr/>
@@ -9977,7 +10379,7 @@
                     <a:lstStyle/>
                     <a:p>
                       <a:r>
-                        <a:rPr lang="en-US" sz="2400" kern="1200" dirty="0" err="1">
+                        <a:rPr lang="en-US" sz="2900" kern="1200" dirty="0" err="1">
                           <a:solidFill>
                             <a:schemeClr val="tx1"/>
                           </a:solidFill>
@@ -9988,10 +10390,13 @@
                               </a:srgbClr>
                             </a:outerShdw>
                           </a:effectLst>
+                          <a:latin typeface="Sylfaen" panose="010A0502050306030303" pitchFamily="18" charset="0"/>
+                          <a:ea typeface="+mn-ea"/>
+                          <a:cs typeface="+mn-cs"/>
                         </a:rPr>
                         <a:t>ServletContext</a:t>
                       </a:r>
-                      <a:endParaRPr lang="en-US" sz="2400" kern="1200" dirty="0">
+                      <a:endParaRPr lang="en-US" sz="2900" kern="1200" dirty="0">
                         <a:solidFill>
                           <a:schemeClr val="tx1"/>
                         </a:solidFill>
@@ -10016,7 +10421,7 @@
                     <a:lstStyle/>
                     <a:p>
                       <a:r>
-                        <a:rPr lang="en-US" sz="2400" kern="1200" dirty="0">
+                        <a:rPr lang="en-US" sz="2900" kern="1200" dirty="0">
                           <a:solidFill>
                             <a:schemeClr val="tx1"/>
                           </a:solidFill>
@@ -10027,24 +10432,12 @@
                               </a:srgbClr>
                             </a:outerShdw>
                           </a:effectLst>
+                          <a:latin typeface="Sylfaen" panose="010A0502050306030303" pitchFamily="18" charset="0"/>
+                          <a:ea typeface="+mn-ea"/>
+                          <a:cs typeface="+mn-cs"/>
                         </a:rPr>
                         <a:t>application</a:t>
                       </a:r>
-                      <a:endParaRPr lang="en-US" sz="2400" kern="1200" dirty="0">
-                        <a:solidFill>
-                          <a:schemeClr val="tx1"/>
-                        </a:solidFill>
-                        <a:effectLst>
-                          <a:outerShdw blurRad="38100" dist="38100" dir="2700000" algn="tl">
-                            <a:srgbClr val="000000">
-                              <a:alpha val="43137"/>
-                            </a:srgbClr>
-                          </a:outerShdw>
-                        </a:effectLst>
-                        <a:latin typeface="Sylfaen" panose="010A0502050306030303" pitchFamily="18" charset="0"/>
-                        <a:ea typeface="+mn-ea"/>
-                        <a:cs typeface="+mn-cs"/>
-                      </a:endParaRPr>
                     </a:p>
                   </a:txBody>
                   <a:tcPr/>
@@ -10062,7 +10455,7 @@
                     <a:lstStyle/>
                     <a:p>
                       <a:r>
-                        <a:rPr lang="en-US" sz="2400" kern="1200" dirty="0" err="1">
+                        <a:rPr lang="en-US" sz="2900" kern="1200" dirty="0" err="1">
                           <a:solidFill>
                             <a:schemeClr val="tx1"/>
                           </a:solidFill>
@@ -10073,10 +10466,13 @@
                               </a:srgbClr>
                             </a:outerShdw>
                           </a:effectLst>
+                          <a:latin typeface="Sylfaen" panose="010A0502050306030303" pitchFamily="18" charset="0"/>
+                          <a:ea typeface="+mn-ea"/>
+                          <a:cs typeface="+mn-cs"/>
                         </a:rPr>
                         <a:t>ServletConfig</a:t>
                       </a:r>
-                      <a:endParaRPr lang="en-US" sz="2400" kern="1200" dirty="0">
+                      <a:endParaRPr lang="en-US" sz="2900" kern="1200" dirty="0">
                         <a:solidFill>
                           <a:schemeClr val="tx1"/>
                         </a:solidFill>
@@ -10101,7 +10497,7 @@
                     <a:lstStyle/>
                     <a:p>
                       <a:r>
-                        <a:rPr lang="en-US" sz="2400" kern="1200" dirty="0">
+                        <a:rPr lang="en-US" sz="2900" kern="1200" dirty="0">
                           <a:solidFill>
                             <a:schemeClr val="tx1"/>
                           </a:solidFill>
@@ -10112,24 +10508,12 @@
                               </a:srgbClr>
                             </a:outerShdw>
                           </a:effectLst>
+                          <a:latin typeface="Sylfaen" panose="010A0502050306030303" pitchFamily="18" charset="0"/>
+                          <a:ea typeface="+mn-ea"/>
+                          <a:cs typeface="+mn-cs"/>
                         </a:rPr>
                         <a:t>config</a:t>
                       </a:r>
-                      <a:endParaRPr lang="en-US" sz="2400" kern="1200" dirty="0">
-                        <a:solidFill>
-                          <a:schemeClr val="tx1"/>
-                        </a:solidFill>
-                        <a:effectLst>
-                          <a:outerShdw blurRad="38100" dist="38100" dir="2700000" algn="tl">
-                            <a:srgbClr val="000000">
-                              <a:alpha val="43137"/>
-                            </a:srgbClr>
-                          </a:outerShdw>
-                        </a:effectLst>
-                        <a:latin typeface="Sylfaen" panose="010A0502050306030303" pitchFamily="18" charset="0"/>
-                        <a:ea typeface="+mn-ea"/>
-                        <a:cs typeface="+mn-cs"/>
-                      </a:endParaRPr>
                     </a:p>
                   </a:txBody>
                   <a:tcPr/>
@@ -10147,7 +10531,7 @@
                     <a:lstStyle/>
                     <a:p>
                       <a:r>
-                        <a:rPr lang="en-US" sz="2400" kern="1200" dirty="0">
+                        <a:rPr lang="en-US" sz="2900" kern="1200" dirty="0">
                           <a:solidFill>
                             <a:schemeClr val="tx1"/>
                           </a:solidFill>
@@ -10158,10 +10542,74 @@
                               </a:srgbClr>
                             </a:outerShdw>
                           </a:effectLst>
+                          <a:latin typeface="Sylfaen" panose="010A0502050306030303" pitchFamily="18" charset="0"/>
+                          <a:ea typeface="+mn-ea"/>
+                          <a:cs typeface="+mn-cs"/>
                         </a:rPr>
                         <a:t>Throwable</a:t>
                       </a:r>
-                      <a:endParaRPr lang="en-US" sz="2400" kern="1200" dirty="0">
+                    </a:p>
+                  </a:txBody>
+                  <a:tcPr/>
+                </a:tc>
+                <a:tc>
+                  <a:txBody>
+                    <a:bodyPr/>
+                    <a:lstStyle/>
+                    <a:p>
+                      <a:r>
+                        <a:rPr lang="en-US" sz="2900" kern="1200" dirty="0">
+                          <a:solidFill>
+                            <a:schemeClr val="tx1"/>
+                          </a:solidFill>
+                          <a:effectLst>
+                            <a:outerShdw blurRad="38100" dist="38100" dir="2700000" algn="tl">
+                              <a:srgbClr val="000000">
+                                <a:alpha val="43137"/>
+                              </a:srgbClr>
+                            </a:outerShdw>
+                          </a:effectLst>
+                          <a:latin typeface="Sylfaen" panose="010A0502050306030303" pitchFamily="18" charset="0"/>
+                          <a:ea typeface="+mn-ea"/>
+                          <a:cs typeface="+mn-cs"/>
+                        </a:rPr>
+                        <a:t>exception</a:t>
+                      </a:r>
+                    </a:p>
+                  </a:txBody>
+                  <a:tcPr/>
+                </a:tc>
+                <a:extLst>
+                  <a:ext uri="{0D108BD9-81ED-4DB2-BD59-A6C34878D82A}">
+                    <a16:rowId xmlns:a16="http://schemas.microsoft.com/office/drawing/2014/main" val="1912793385"/>
+                  </a:ext>
+                </a:extLst>
+              </a:tr>
+              <a:tr h="500908">
+                <a:tc>
+                  <a:txBody>
+                    <a:bodyPr/>
+                    <a:lstStyle/>
+                    <a:p>
+                      <a:r>
+                        <a:rPr lang="en-US" sz="2900" kern="1200" dirty="0" err="1">
+                          <a:solidFill>
+                            <a:schemeClr val="tx1"/>
+                          </a:solidFill>
+                          <a:effectLst>
+                            <a:outerShdw blurRad="38100" dist="38100" dir="2700000" algn="tl">
+                              <a:srgbClr val="000000">
+                                <a:alpha val="43137"/>
+                              </a:srgbClr>
+                            </a:outerShdw>
+                          </a:effectLst>
+                          <a:latin typeface="Sylfaen" panose="010A0502050306030303" pitchFamily="18" charset="0"/>
+                          <a:ea typeface="+mn-ea"/>
+                          <a:cs typeface="+mn-cs"/>
+                        </a:rPr>
+                        <a:t>PageContext</a:t>
+                      </a:r>
+                      <a:endParaRPr lang="en-US" sz="2900" kern="1200" dirty="0">
                         <a:solidFill>
                           <a:schemeClr val="tx1"/>
                         </a:solidFill>
@@ -10186,7 +10634,7 @@
                     <a:lstStyle/>
                     <a:p>
                       <a:r>
-                        <a:rPr lang="en-US" sz="2400" kern="1200" dirty="0">
+                        <a:rPr lang="en-US" sz="2900" kern="1200" dirty="0" err="1">
                           <a:solidFill>
                             <a:schemeClr val="tx1"/>
                           </a:solidFill>
@@ -10197,95 +10645,13 @@
                               </a:srgbClr>
                             </a:outerShdw>
                           </a:effectLst>
-                        </a:rPr>
-                        <a:t>exception</a:t>
-                      </a:r>
-                      <a:endParaRPr lang="en-US" sz="2400" kern="1200" dirty="0">
-                        <a:solidFill>
-                          <a:schemeClr val="tx1"/>
-                        </a:solidFill>
-                        <a:effectLst>
-                          <a:outerShdw blurRad="38100" dist="38100" dir="2700000" algn="tl">
-                            <a:srgbClr val="000000">
-                              <a:alpha val="43137"/>
-                            </a:srgbClr>
-                          </a:outerShdw>
-                        </a:effectLst>
-                        <a:latin typeface="Sylfaen" panose="010A0502050306030303" pitchFamily="18" charset="0"/>
-                        <a:ea typeface="+mn-ea"/>
-                        <a:cs typeface="+mn-cs"/>
-                      </a:endParaRPr>
-                    </a:p>
-                  </a:txBody>
-                  <a:tcPr/>
-                </a:tc>
-                <a:extLst>
-                  <a:ext uri="{0D108BD9-81ED-4DB2-BD59-A6C34878D82A}">
-                    <a16:rowId xmlns:a16="http://schemas.microsoft.com/office/drawing/2014/main" val="1912793385"/>
-                  </a:ext>
-                </a:extLst>
-              </a:tr>
-              <a:tr h="500908">
-                <a:tc>
-                  <a:txBody>
-                    <a:bodyPr/>
-                    <a:lstStyle/>
-                    <a:p>
-                      <a:r>
-                        <a:rPr lang="en-US" sz="2400" kern="1200" dirty="0" err="1">
-                          <a:solidFill>
-                            <a:schemeClr val="tx1"/>
-                          </a:solidFill>
-                          <a:effectLst>
-                            <a:outerShdw blurRad="38100" dist="38100" dir="2700000" algn="tl">
-                              <a:srgbClr val="000000">
-                                <a:alpha val="43137"/>
-                              </a:srgbClr>
-                            </a:outerShdw>
-                          </a:effectLst>
-                        </a:rPr>
-                        <a:t>PageContext</a:t>
-                      </a:r>
-                      <a:endParaRPr lang="en-US" sz="2400" kern="1200" dirty="0">
-                        <a:solidFill>
-                          <a:schemeClr val="tx1"/>
-                        </a:solidFill>
-                        <a:effectLst>
-                          <a:outerShdw blurRad="38100" dist="38100" dir="2700000" algn="tl">
-                            <a:srgbClr val="000000">
-                              <a:alpha val="43137"/>
-                            </a:srgbClr>
-                          </a:outerShdw>
-                        </a:effectLst>
-                        <a:latin typeface="Sylfaen" panose="010A0502050306030303" pitchFamily="18" charset="0"/>
-                        <a:ea typeface="+mn-ea"/>
-                        <a:cs typeface="+mn-cs"/>
-                      </a:endParaRPr>
-                    </a:p>
-                  </a:txBody>
-                  <a:tcPr/>
-                </a:tc>
-                <a:tc>
-                  <a:txBody>
-                    <a:bodyPr/>
-                    <a:lstStyle/>
-                    <a:p>
-                      <a:r>
-                        <a:rPr lang="en-US" sz="2400" kern="1200" dirty="0" err="1">
-                          <a:solidFill>
-                            <a:schemeClr val="tx1"/>
-                          </a:solidFill>
-                          <a:effectLst>
-                            <a:outerShdw blurRad="38100" dist="38100" dir="2700000" algn="tl">
-                              <a:srgbClr val="000000">
-                                <a:alpha val="43137"/>
-                              </a:srgbClr>
-                            </a:outerShdw>
-                          </a:effectLst>
+                          <a:latin typeface="Sylfaen" panose="010A0502050306030303" pitchFamily="18" charset="0"/>
+                          <a:ea typeface="+mn-ea"/>
+                          <a:cs typeface="+mn-cs"/>
                         </a:rPr>
                         <a:t>pageContext</a:t>
                       </a:r>
-                      <a:endParaRPr lang="en-US" sz="2400" kern="1200" dirty="0">
+                      <a:endParaRPr lang="en-US" sz="2900" kern="1200" dirty="0">
                         <a:solidFill>
                           <a:schemeClr val="tx1"/>
                         </a:solidFill>
@@ -10317,7 +10683,7 @@
                     <a:lstStyle/>
                     <a:p>
                       <a:r>
-                        <a:rPr lang="en-US" sz="2400" kern="1200" dirty="0">
+                        <a:rPr lang="en-US" sz="2900" kern="1200" dirty="0">
                           <a:solidFill>
                             <a:schemeClr val="tx1"/>
                           </a:solidFill>
@@ -10328,24 +10694,12 @@
                               </a:srgbClr>
                             </a:outerShdw>
                           </a:effectLst>
+                          <a:latin typeface="Sylfaen" panose="010A0502050306030303" pitchFamily="18" charset="0"/>
+                          <a:ea typeface="+mn-ea"/>
+                          <a:cs typeface="+mn-cs"/>
                         </a:rPr>
                         <a:t>Object</a:t>
                       </a:r>
-                      <a:endParaRPr lang="en-US" sz="2400" kern="1200" dirty="0">
-                        <a:solidFill>
-                          <a:schemeClr val="tx1"/>
-                        </a:solidFill>
-                        <a:effectLst>
-                          <a:outerShdw blurRad="38100" dist="38100" dir="2700000" algn="tl">
-                            <a:srgbClr val="000000">
-                              <a:alpha val="43137"/>
-                            </a:srgbClr>
-                          </a:outerShdw>
-                        </a:effectLst>
-                        <a:latin typeface="Sylfaen" panose="010A0502050306030303" pitchFamily="18" charset="0"/>
-                        <a:ea typeface="+mn-ea"/>
-                        <a:cs typeface="+mn-cs"/>
-                      </a:endParaRPr>
                     </a:p>
                   </a:txBody>
                   <a:tcPr/>
@@ -10356,7 +10710,7 @@
                     <a:lstStyle/>
                     <a:p>
                       <a:r>
-                        <a:rPr lang="en-US" sz="2400" kern="1200" dirty="0">
+                        <a:rPr lang="en-US" sz="2900" kern="1200" dirty="0">
                           <a:solidFill>
                             <a:schemeClr val="tx1"/>
                           </a:solidFill>
@@ -10367,24 +10721,12 @@
                               </a:srgbClr>
                             </a:outerShdw>
                           </a:effectLst>
+                          <a:latin typeface="Sylfaen" panose="010A0502050306030303" pitchFamily="18" charset="0"/>
+                          <a:ea typeface="+mn-ea"/>
+                          <a:cs typeface="+mn-cs"/>
                         </a:rPr>
                         <a:t>page</a:t>
                       </a:r>
-                      <a:endParaRPr lang="en-US" sz="2400" kern="1200" dirty="0">
-                        <a:solidFill>
-                          <a:schemeClr val="tx1"/>
-                        </a:solidFill>
-                        <a:effectLst>
-                          <a:outerShdw blurRad="38100" dist="38100" dir="2700000" algn="tl">
-                            <a:srgbClr val="000000">
-                              <a:alpha val="43137"/>
-                            </a:srgbClr>
-                          </a:outerShdw>
-                        </a:effectLst>
-                        <a:latin typeface="Sylfaen" panose="010A0502050306030303" pitchFamily="18" charset="0"/>
-                        <a:ea typeface="+mn-ea"/>
-                        <a:cs typeface="+mn-cs"/>
-                      </a:endParaRPr>
                     </a:p>
                   </a:txBody>
                   <a:tcPr/>
@@ -10415,7 +10757,7 @@
         </p:nvCxnSpPr>
         <p:spPr>
           <a:xfrm>
-            <a:off x="569235" y="1147483"/>
+            <a:off x="569235" y="1042551"/>
             <a:ext cx="11053530" cy="0"/>
           </a:xfrm>
           <a:prstGeom prst="line">
@@ -10441,6 +10783,2026 @@
     <p:extLst>
       <p:ext uri="{BB962C8B-B14F-4D97-AF65-F5344CB8AC3E}">
         <p14:creationId xmlns:p14="http://schemas.microsoft.com/office/powerpoint/2010/main" val="3679415244"/>
+      </p:ext>
+    </p:extLst>
+  </p:cSld>
+  <p:clrMapOvr>
+    <a:masterClrMapping/>
+  </p:clrMapOvr>
+</p:sld>
+</file>
+
+<file path=ppt/slides/slide23.xml><?xml version="1.0" encoding="utf-8"?>
+<p:sld xmlns:a="http://schemas.openxmlformats.org/drawingml/2006/main" xmlns:r="http://schemas.openxmlformats.org/officeDocument/2006/relationships" xmlns:p="http://schemas.openxmlformats.org/presentationml/2006/main">
+  <p:cSld>
+    <p:spTree>
+      <p:nvGrpSpPr>
+        <p:cNvPr id="1" name=""/>
+        <p:cNvGrpSpPr/>
+        <p:nvPr/>
+      </p:nvGrpSpPr>
+      <p:grpSpPr>
+        <a:xfrm>
+          <a:off x="0" y="0"/>
+          <a:ext cx="0" cy="0"/>
+          <a:chOff x="0" y="0"/>
+          <a:chExt cx="0" cy="0"/>
+        </a:xfrm>
+      </p:grpSpPr>
+      <p:sp>
+        <p:nvSpPr>
+          <p:cNvPr id="2" name="Title 1">
+            <a:extLst>
+              <a:ext uri="{FF2B5EF4-FFF2-40B4-BE49-F238E27FC236}">
+                <a16:creationId xmlns:a16="http://schemas.microsoft.com/office/drawing/2014/main" id="{FD0D2975-B69D-4FA0-A1A7-B7D59F3503E0}"/>
+              </a:ext>
+            </a:extLst>
+          </p:cNvPr>
+          <p:cNvSpPr>
+            <a:spLocks noGrp="1"/>
+          </p:cNvSpPr>
+          <p:nvPr>
+            <p:ph type="title"/>
+          </p:nvPr>
+        </p:nvSpPr>
+        <p:spPr>
+          <a:xfrm>
+            <a:off x="902855" y="0"/>
+            <a:ext cx="10515600" cy="1325563"/>
+          </a:xfrm>
+        </p:spPr>
+        <p:txBody>
+          <a:bodyPr/>
+          <a:lstStyle/>
+          <a:p>
+            <a:pPr algn="ctr"/>
+            <a:r>
+              <a:rPr lang="en-US" altLang="en-US" dirty="0">
+                <a:latin typeface="Sylfaen" panose="010A0502050306030303" pitchFamily="18" charset="0"/>
+              </a:rPr>
+              <a:t>Passing data from servlet to JSP</a:t>
+            </a:r>
+            <a:endParaRPr lang="en-US" dirty="0"/>
+          </a:p>
+        </p:txBody>
+      </p:sp>
+      <p:sp>
+        <p:nvSpPr>
+          <p:cNvPr id="3" name="Content Placeholder 2">
+            <a:extLst>
+              <a:ext uri="{FF2B5EF4-FFF2-40B4-BE49-F238E27FC236}">
+                <a16:creationId xmlns:a16="http://schemas.microsoft.com/office/drawing/2014/main" id="{5651C19C-A161-41FB-A667-A038977CC631}"/>
+              </a:ext>
+            </a:extLst>
+          </p:cNvPr>
+          <p:cNvSpPr>
+            <a:spLocks noGrp="1"/>
+          </p:cNvSpPr>
+          <p:nvPr>
+            <p:ph idx="1"/>
+          </p:nvPr>
+        </p:nvSpPr>
+        <p:spPr>
+          <a:xfrm>
+            <a:off x="838200" y="1403927"/>
+            <a:ext cx="10515600" cy="4773036"/>
+          </a:xfrm>
+        </p:spPr>
+        <p:txBody>
+          <a:bodyPr/>
+          <a:lstStyle/>
+          <a:p>
+            <a:pPr marL="0" marR="0" indent="0" algn="ctr">
+              <a:lnSpc>
+                <a:spcPct val="150000"/>
+              </a:lnSpc>
+              <a:spcBef>
+                <a:spcPts val="0"/>
+              </a:spcBef>
+              <a:spcAft>
+                <a:spcPts val="0"/>
+              </a:spcAft>
+              <a:buNone/>
+            </a:pPr>
+            <a:endParaRPr lang="hy-AM" sz="1800" dirty="0">
+              <a:effectLst/>
+              <a:latin typeface="Times New Roman" panose="02020603050405020304" pitchFamily="18" charset="0"/>
+              <a:ea typeface="Calibri" panose="020F0502020204030204" pitchFamily="34" charset="0"/>
+              <a:cs typeface="Times New Roman" panose="02020603050405020304" pitchFamily="18" charset="0"/>
+            </a:endParaRPr>
+          </a:p>
+          <a:p>
+            <a:pPr marL="0" marR="0" indent="0" algn="ctr">
+              <a:lnSpc>
+                <a:spcPct val="150000"/>
+              </a:lnSpc>
+              <a:spcBef>
+                <a:spcPts val="0"/>
+              </a:spcBef>
+              <a:spcAft>
+                <a:spcPts val="0"/>
+              </a:spcAft>
+              <a:buNone/>
+            </a:pPr>
+            <a:endParaRPr lang="hy-AM" sz="1800" dirty="0">
+              <a:latin typeface="Times New Roman" panose="02020603050405020304" pitchFamily="18" charset="0"/>
+              <a:ea typeface="Calibri" panose="020F0502020204030204" pitchFamily="34" charset="0"/>
+              <a:cs typeface="Times New Roman" panose="02020603050405020304" pitchFamily="18" charset="0"/>
+            </a:endParaRPr>
+          </a:p>
+          <a:p>
+            <a:pPr marL="0" marR="0" indent="0" algn="ctr">
+              <a:lnSpc>
+                <a:spcPct val="150000"/>
+              </a:lnSpc>
+              <a:spcBef>
+                <a:spcPts val="0"/>
+              </a:spcBef>
+              <a:spcAft>
+                <a:spcPts val="0"/>
+              </a:spcAft>
+              <a:buNone/>
+            </a:pPr>
+            <a:endParaRPr lang="en-US" sz="1800" dirty="0">
+              <a:effectLst/>
+              <a:latin typeface="Times New Roman" panose="02020603050405020304" pitchFamily="18" charset="0"/>
+              <a:ea typeface="Calibri" panose="020F0502020204030204" pitchFamily="34" charset="0"/>
+              <a:cs typeface="Times New Roman" panose="02020603050405020304" pitchFamily="18" charset="0"/>
+            </a:endParaRPr>
+          </a:p>
+          <a:p>
+            <a:pPr marL="0" marR="0" indent="0" algn="ctr">
+              <a:lnSpc>
+                <a:spcPct val="150000"/>
+              </a:lnSpc>
+              <a:spcBef>
+                <a:spcPts val="0"/>
+              </a:spcBef>
+              <a:spcAft>
+                <a:spcPts val="0"/>
+              </a:spcAft>
+              <a:buNone/>
+            </a:pPr>
+            <a:endParaRPr lang="en-US" sz="1800" dirty="0">
+              <a:effectLst/>
+              <a:latin typeface="Times New Roman" panose="02020603050405020304" pitchFamily="18" charset="0"/>
+              <a:ea typeface="Calibri" panose="020F0502020204030204" pitchFamily="34" charset="0"/>
+              <a:cs typeface="Times New Roman" panose="02020603050405020304" pitchFamily="18" charset="0"/>
+            </a:endParaRPr>
+          </a:p>
+          <a:p>
+            <a:pPr marL="0" marR="0" indent="0" algn="ctr">
+              <a:lnSpc>
+                <a:spcPct val="150000"/>
+              </a:lnSpc>
+              <a:spcBef>
+                <a:spcPts val="0"/>
+              </a:spcBef>
+              <a:spcAft>
+                <a:spcPts val="0"/>
+              </a:spcAft>
+              <a:buNone/>
+            </a:pPr>
+            <a:endParaRPr lang="en-US" sz="1800" dirty="0">
+              <a:effectLst/>
+              <a:latin typeface="Times New Roman" panose="02020603050405020304" pitchFamily="18" charset="0"/>
+              <a:ea typeface="Calibri" panose="020F0502020204030204" pitchFamily="34" charset="0"/>
+              <a:cs typeface="Times New Roman" panose="02020603050405020304" pitchFamily="18" charset="0"/>
+            </a:endParaRPr>
+          </a:p>
+          <a:p>
+            <a:pPr marL="0" indent="0" algn="ctr">
+              <a:buNone/>
+            </a:pPr>
+            <a:endParaRPr lang="en-US" dirty="0">
+              <a:effectLst>
+                <a:outerShdw blurRad="38100" dist="38100" dir="2700000" algn="tl">
+                  <a:srgbClr val="000000">
+                    <a:alpha val="43137"/>
+                  </a:srgbClr>
+                </a:outerShdw>
+              </a:effectLst>
+            </a:endParaRPr>
+          </a:p>
+        </p:txBody>
+      </p:sp>
+      <p:graphicFrame>
+        <p:nvGraphicFramePr>
+          <p:cNvPr id="4" name="Table 4">
+            <a:extLst>
+              <a:ext uri="{FF2B5EF4-FFF2-40B4-BE49-F238E27FC236}">
+                <a16:creationId xmlns:a16="http://schemas.microsoft.com/office/drawing/2014/main" id="{C21EF37E-89BE-4D45-B83D-88E3B436C3D2}"/>
+              </a:ext>
+            </a:extLst>
+          </p:cNvPr>
+          <p:cNvGraphicFramePr>
+            <a:graphicFrameLocks noGrp="1"/>
+          </p:cNvGraphicFramePr>
+          <p:nvPr>
+            <p:extLst>
+              <p:ext uri="{D42A27DB-BD31-4B8C-83A1-F6EECF244321}">
+                <p14:modId xmlns:p14="http://schemas.microsoft.com/office/powerpoint/2010/main" val="1214924366"/>
+              </p:ext>
+            </p:extLst>
+          </p:nvPr>
+        </p:nvGraphicFramePr>
+        <p:xfrm>
+          <a:off x="3372276" y="1447088"/>
+          <a:ext cx="5447448" cy="3017520"/>
+        </p:xfrm>
+        <a:graphic>
+          <a:graphicData uri="http://schemas.openxmlformats.org/drawingml/2006/table">
+            <a:tbl>
+              <a:tblPr firstRow="1" bandRow="1">
+                <a:tableStyleId>{2D5ABB26-0587-4C30-8999-92F81FD0307C}</a:tableStyleId>
+              </a:tblPr>
+              <a:tblGrid>
+                <a:gridCol w="3393796">
+                  <a:extLst>
+                    <a:ext uri="{9D8B030D-6E8A-4147-A177-3AD203B41FA5}">
+                      <a16:colId xmlns:a16="http://schemas.microsoft.com/office/drawing/2014/main" val="2906782502"/>
+                    </a:ext>
+                  </a:extLst>
+                </a:gridCol>
+                <a:gridCol w="2053652">
+                  <a:extLst>
+                    <a:ext uri="{9D8B030D-6E8A-4147-A177-3AD203B41FA5}">
+                      <a16:colId xmlns:a16="http://schemas.microsoft.com/office/drawing/2014/main" val="560157387"/>
+                    </a:ext>
+                  </a:extLst>
+                </a:gridCol>
+              </a:tblGrid>
+              <a:tr h="478169">
+                <a:tc>
+                  <a:txBody>
+                    <a:bodyPr/>
+                    <a:lstStyle/>
+                    <a:p>
+                      <a:r>
+                        <a:rPr lang="en-US" sz="2800" kern="1200" dirty="0" err="1">
+                          <a:solidFill>
+                            <a:schemeClr val="tx1"/>
+                          </a:solidFill>
+                          <a:effectLst>
+                            <a:outerShdw blurRad="38100" dist="38100" dir="2700000" algn="tl">
+                              <a:srgbClr val="000000">
+                                <a:alpha val="43137"/>
+                              </a:srgbClr>
+                            </a:outerShdw>
+                          </a:effectLst>
+                          <a:latin typeface="+mn-lt"/>
+                          <a:ea typeface="+mn-ea"/>
+                          <a:cs typeface="+mn-cs"/>
+                        </a:rPr>
+                        <a:t>HttpServletRequest</a:t>
+                      </a:r>
+                      <a:endParaRPr lang="en-US" sz="2800" kern="1200" dirty="0">
+                        <a:solidFill>
+                          <a:schemeClr val="tx1"/>
+                        </a:solidFill>
+                        <a:effectLst>
+                          <a:outerShdw blurRad="38100" dist="38100" dir="2700000" algn="tl">
+                            <a:srgbClr val="000000">
+                              <a:alpha val="43137"/>
+                            </a:srgbClr>
+                          </a:outerShdw>
+                        </a:effectLst>
+                        <a:latin typeface="+mn-lt"/>
+                        <a:ea typeface="+mn-ea"/>
+                        <a:cs typeface="+mn-cs"/>
+                      </a:endParaRPr>
+                    </a:p>
+                  </a:txBody>
+                  <a:tcPr/>
+                </a:tc>
+                <a:tc>
+                  <a:txBody>
+                    <a:bodyPr/>
+                    <a:lstStyle/>
+                    <a:p>
+                      <a:r>
+                        <a:rPr lang="en-US" sz="2800" kern="1200" dirty="0">
+                          <a:solidFill>
+                            <a:schemeClr val="tx1"/>
+                          </a:solidFill>
+                          <a:effectLst>
+                            <a:outerShdw blurRad="38100" dist="38100" dir="2700000" algn="tl">
+                              <a:srgbClr val="000000">
+                                <a:alpha val="43137"/>
+                              </a:srgbClr>
+                            </a:outerShdw>
+                          </a:effectLst>
+                          <a:latin typeface="+mn-lt"/>
+                          <a:ea typeface="+mn-ea"/>
+                          <a:cs typeface="+mn-cs"/>
+                        </a:rPr>
+                        <a:t>request</a:t>
+                      </a:r>
+                    </a:p>
+                  </a:txBody>
+                  <a:tcPr/>
+                </a:tc>
+                <a:extLst>
+                  <a:ext uri="{0D108BD9-81ED-4DB2-BD59-A6C34878D82A}">
+                    <a16:rowId xmlns:a16="http://schemas.microsoft.com/office/drawing/2014/main" val="2257232019"/>
+                  </a:ext>
+                </a:extLst>
+              </a:tr>
+              <a:tr h="478169">
+                <a:tc>
+                  <a:txBody>
+                    <a:bodyPr/>
+                    <a:lstStyle/>
+                    <a:p>
+                      <a:r>
+                        <a:rPr lang="en-US" sz="2800" kern="1200" dirty="0" err="1">
+                          <a:solidFill>
+                            <a:schemeClr val="tx1"/>
+                          </a:solidFill>
+                          <a:effectLst>
+                            <a:outerShdw blurRad="38100" dist="38100" dir="2700000" algn="tl">
+                              <a:srgbClr val="000000">
+                                <a:alpha val="43137"/>
+                              </a:srgbClr>
+                            </a:outerShdw>
+                          </a:effectLst>
+                          <a:latin typeface="+mn-lt"/>
+                          <a:ea typeface="+mn-ea"/>
+                          <a:cs typeface="+mn-cs"/>
+                        </a:rPr>
+                        <a:t>HttpServletResponse</a:t>
+                      </a:r>
+                      <a:endParaRPr lang="en-US" sz="2800" kern="1200" dirty="0">
+                        <a:solidFill>
+                          <a:schemeClr val="tx1"/>
+                        </a:solidFill>
+                        <a:effectLst>
+                          <a:outerShdw blurRad="38100" dist="38100" dir="2700000" algn="tl">
+                            <a:srgbClr val="000000">
+                              <a:alpha val="43137"/>
+                            </a:srgbClr>
+                          </a:outerShdw>
+                        </a:effectLst>
+                        <a:latin typeface="+mn-lt"/>
+                        <a:ea typeface="+mn-ea"/>
+                        <a:cs typeface="+mn-cs"/>
+                      </a:endParaRPr>
+                    </a:p>
+                  </a:txBody>
+                  <a:tcPr/>
+                </a:tc>
+                <a:tc>
+                  <a:txBody>
+                    <a:bodyPr/>
+                    <a:lstStyle/>
+                    <a:p>
+                      <a:r>
+                        <a:rPr lang="en-US" sz="2800" kern="1200" dirty="0">
+                          <a:solidFill>
+                            <a:schemeClr val="tx1"/>
+                          </a:solidFill>
+                          <a:effectLst>
+                            <a:outerShdw blurRad="38100" dist="38100" dir="2700000" algn="tl">
+                              <a:srgbClr val="000000">
+                                <a:alpha val="43137"/>
+                              </a:srgbClr>
+                            </a:outerShdw>
+                          </a:effectLst>
+                          <a:latin typeface="+mn-lt"/>
+                          <a:ea typeface="+mn-ea"/>
+                          <a:cs typeface="+mn-cs"/>
+                        </a:rPr>
+                        <a:t>response</a:t>
+                      </a:r>
+                    </a:p>
+                  </a:txBody>
+                  <a:tcPr/>
+                </a:tc>
+                <a:extLst>
+                  <a:ext uri="{0D108BD9-81ED-4DB2-BD59-A6C34878D82A}">
+                    <a16:rowId xmlns:a16="http://schemas.microsoft.com/office/drawing/2014/main" val="2502332909"/>
+                  </a:ext>
+                </a:extLst>
+              </a:tr>
+              <a:tr h="478169">
+                <a:tc>
+                  <a:txBody>
+                    <a:bodyPr/>
+                    <a:lstStyle/>
+                    <a:p>
+                      <a:r>
+                        <a:rPr lang="en-US" sz="2800" kern="1200" dirty="0" err="1">
+                          <a:solidFill>
+                            <a:schemeClr val="tx1"/>
+                          </a:solidFill>
+                          <a:effectLst>
+                            <a:outerShdw blurRad="38100" dist="38100" dir="2700000" algn="tl">
+                              <a:srgbClr val="000000">
+                                <a:alpha val="43137"/>
+                              </a:srgbClr>
+                            </a:outerShdw>
+                          </a:effectLst>
+                          <a:latin typeface="+mn-lt"/>
+                          <a:ea typeface="+mn-ea"/>
+                          <a:cs typeface="+mn-cs"/>
+                        </a:rPr>
+                        <a:t>HttpSession</a:t>
+                      </a:r>
+                      <a:endParaRPr lang="en-US" sz="2800" kern="1200" dirty="0">
+                        <a:solidFill>
+                          <a:schemeClr val="tx1"/>
+                        </a:solidFill>
+                        <a:effectLst>
+                          <a:outerShdw blurRad="38100" dist="38100" dir="2700000" algn="tl">
+                            <a:srgbClr val="000000">
+                              <a:alpha val="43137"/>
+                            </a:srgbClr>
+                          </a:outerShdw>
+                        </a:effectLst>
+                        <a:latin typeface="+mn-lt"/>
+                        <a:ea typeface="+mn-ea"/>
+                        <a:cs typeface="+mn-cs"/>
+                      </a:endParaRPr>
+                    </a:p>
+                  </a:txBody>
+                  <a:tcPr/>
+                </a:tc>
+                <a:tc>
+                  <a:txBody>
+                    <a:bodyPr/>
+                    <a:lstStyle/>
+                    <a:p>
+                      <a:r>
+                        <a:rPr lang="en-US" sz="2800" kern="1200" dirty="0">
+                          <a:solidFill>
+                            <a:schemeClr val="tx1"/>
+                          </a:solidFill>
+                          <a:effectLst>
+                            <a:outerShdw blurRad="38100" dist="38100" dir="2700000" algn="tl">
+                              <a:srgbClr val="000000">
+                                <a:alpha val="43137"/>
+                              </a:srgbClr>
+                            </a:outerShdw>
+                          </a:effectLst>
+                          <a:latin typeface="+mn-lt"/>
+                          <a:ea typeface="+mn-ea"/>
+                          <a:cs typeface="+mn-cs"/>
+                        </a:rPr>
+                        <a:t>session</a:t>
+                      </a:r>
+                    </a:p>
+                  </a:txBody>
+                  <a:tcPr/>
+                </a:tc>
+                <a:extLst>
+                  <a:ext uri="{0D108BD9-81ED-4DB2-BD59-A6C34878D82A}">
+                    <a16:rowId xmlns:a16="http://schemas.microsoft.com/office/drawing/2014/main" val="3955175495"/>
+                  </a:ext>
+                </a:extLst>
+              </a:tr>
+              <a:tr h="478169">
+                <a:tc>
+                  <a:txBody>
+                    <a:bodyPr/>
+                    <a:lstStyle/>
+                    <a:p>
+                      <a:r>
+                        <a:rPr lang="en-US" sz="2800" kern="1200" dirty="0" err="1">
+                          <a:solidFill>
+                            <a:schemeClr val="tx1"/>
+                          </a:solidFill>
+                          <a:effectLst>
+                            <a:outerShdw blurRad="38100" dist="38100" dir="2700000" algn="tl">
+                              <a:srgbClr val="000000">
+                                <a:alpha val="43137"/>
+                              </a:srgbClr>
+                            </a:outerShdw>
+                          </a:effectLst>
+                          <a:latin typeface="+mn-lt"/>
+                          <a:ea typeface="+mn-ea"/>
+                          <a:cs typeface="+mn-cs"/>
+                        </a:rPr>
+                        <a:t>ServletContext</a:t>
+                      </a:r>
+                      <a:endParaRPr lang="en-US" sz="2800" kern="1200" dirty="0">
+                        <a:solidFill>
+                          <a:schemeClr val="tx1"/>
+                        </a:solidFill>
+                        <a:effectLst>
+                          <a:outerShdw blurRad="38100" dist="38100" dir="2700000" algn="tl">
+                            <a:srgbClr val="000000">
+                              <a:alpha val="43137"/>
+                            </a:srgbClr>
+                          </a:outerShdw>
+                        </a:effectLst>
+                        <a:latin typeface="+mn-lt"/>
+                        <a:ea typeface="+mn-ea"/>
+                        <a:cs typeface="+mn-cs"/>
+                      </a:endParaRPr>
+                    </a:p>
+                  </a:txBody>
+                  <a:tcPr/>
+                </a:tc>
+                <a:tc>
+                  <a:txBody>
+                    <a:bodyPr/>
+                    <a:lstStyle/>
+                    <a:p>
+                      <a:r>
+                        <a:rPr lang="en-US" sz="2800" kern="1200" dirty="0">
+                          <a:solidFill>
+                            <a:schemeClr val="tx1"/>
+                          </a:solidFill>
+                          <a:effectLst>
+                            <a:outerShdw blurRad="38100" dist="38100" dir="2700000" algn="tl">
+                              <a:srgbClr val="000000">
+                                <a:alpha val="43137"/>
+                              </a:srgbClr>
+                            </a:outerShdw>
+                          </a:effectLst>
+                          <a:latin typeface="+mn-lt"/>
+                          <a:ea typeface="+mn-ea"/>
+                          <a:cs typeface="+mn-cs"/>
+                        </a:rPr>
+                        <a:t>application</a:t>
+                      </a:r>
+                    </a:p>
+                  </a:txBody>
+                  <a:tcPr/>
+                </a:tc>
+                <a:extLst>
+                  <a:ext uri="{0D108BD9-81ED-4DB2-BD59-A6C34878D82A}">
+                    <a16:rowId xmlns:a16="http://schemas.microsoft.com/office/drawing/2014/main" val="1578722017"/>
+                  </a:ext>
+                </a:extLst>
+              </a:tr>
+              <a:tr h="871955">
+                <a:tc>
+                  <a:txBody>
+                    <a:bodyPr/>
+                    <a:lstStyle/>
+                    <a:p>
+                      <a:r>
+                        <a:rPr lang="en-US" sz="2800" kern="1200" dirty="0" err="1">
+                          <a:solidFill>
+                            <a:schemeClr val="tx1"/>
+                          </a:solidFill>
+                          <a:effectLst>
+                            <a:outerShdw blurRad="38100" dist="38100" dir="2700000" algn="tl">
+                              <a:srgbClr val="000000">
+                                <a:alpha val="43137"/>
+                              </a:srgbClr>
+                            </a:outerShdw>
+                          </a:effectLst>
+                          <a:latin typeface="+mn-lt"/>
+                          <a:ea typeface="+mn-ea"/>
+                          <a:cs typeface="+mn-cs"/>
+                        </a:rPr>
+                        <a:t>PageContext</a:t>
+                      </a:r>
+                      <a:endParaRPr lang="en-US" sz="2800" kern="1200" dirty="0">
+                        <a:solidFill>
+                          <a:schemeClr val="tx1"/>
+                        </a:solidFill>
+                        <a:effectLst>
+                          <a:outerShdw blurRad="38100" dist="38100" dir="2700000" algn="tl">
+                            <a:srgbClr val="000000">
+                              <a:alpha val="43137"/>
+                            </a:srgbClr>
+                          </a:outerShdw>
+                        </a:effectLst>
+                        <a:latin typeface="+mn-lt"/>
+                        <a:ea typeface="+mn-ea"/>
+                        <a:cs typeface="+mn-cs"/>
+                      </a:endParaRPr>
+                    </a:p>
+                  </a:txBody>
+                  <a:tcPr/>
+                </a:tc>
+                <a:tc>
+                  <a:txBody>
+                    <a:bodyPr/>
+                    <a:lstStyle/>
+                    <a:p>
+                      <a:r>
+                        <a:rPr lang="hy-AM" sz="2800" kern="1200" dirty="0">
+                          <a:solidFill>
+                            <a:schemeClr val="tx1"/>
+                          </a:solidFill>
+                          <a:effectLst>
+                            <a:outerShdw blurRad="38100" dist="38100" dir="2700000" algn="tl">
+                              <a:srgbClr val="000000">
+                                <a:alpha val="43137"/>
+                              </a:srgbClr>
+                            </a:outerShdw>
+                          </a:effectLst>
+                          <a:latin typeface="+mn-lt"/>
+                          <a:ea typeface="+mn-ea"/>
+                          <a:cs typeface="+mn-cs"/>
+                        </a:rPr>
+                        <a:t>pageContext </a:t>
+                      </a:r>
+                      <a:endParaRPr lang="en-US" sz="2800" kern="1200" dirty="0">
+                        <a:solidFill>
+                          <a:schemeClr val="tx1"/>
+                        </a:solidFill>
+                        <a:effectLst>
+                          <a:outerShdw blurRad="38100" dist="38100" dir="2700000" algn="tl">
+                            <a:srgbClr val="000000">
+                              <a:alpha val="43137"/>
+                            </a:srgbClr>
+                          </a:outerShdw>
+                        </a:effectLst>
+                        <a:latin typeface="+mn-lt"/>
+                        <a:ea typeface="+mn-ea"/>
+                        <a:cs typeface="+mn-cs"/>
+                      </a:endParaRPr>
+                    </a:p>
+                  </a:txBody>
+                  <a:tcPr/>
+                </a:tc>
+                <a:extLst>
+                  <a:ext uri="{0D108BD9-81ED-4DB2-BD59-A6C34878D82A}">
+                    <a16:rowId xmlns:a16="http://schemas.microsoft.com/office/drawing/2014/main" val="3570109321"/>
+                  </a:ext>
+                </a:extLst>
+              </a:tr>
+            </a:tbl>
+          </a:graphicData>
+        </a:graphic>
+      </p:graphicFrame>
+      <p:cxnSp>
+        <p:nvCxnSpPr>
+          <p:cNvPr id="7" name="Straight Connector 9">
+            <a:extLst>
+              <a:ext uri="{FF2B5EF4-FFF2-40B4-BE49-F238E27FC236}">
+                <a16:creationId xmlns:a16="http://schemas.microsoft.com/office/drawing/2014/main" id="{0C33B3BB-203F-49FA-AEA3-5D715B7689C8}"/>
+              </a:ext>
+            </a:extLst>
+          </p:cNvPr>
+          <p:cNvCxnSpPr>
+            <a:cxnSpLocks/>
+          </p:cNvCxnSpPr>
+          <p:nvPr/>
+        </p:nvCxnSpPr>
+        <p:spPr>
+          <a:xfrm>
+            <a:off x="569235" y="1165956"/>
+            <a:ext cx="11053530" cy="0"/>
+          </a:xfrm>
+          <a:prstGeom prst="line">
+            <a:avLst/>
+          </a:prstGeom>
+        </p:spPr>
+        <p:style>
+          <a:lnRef idx="3">
+            <a:schemeClr val="accent1"/>
+          </a:lnRef>
+          <a:fillRef idx="0">
+            <a:schemeClr val="accent1"/>
+          </a:fillRef>
+          <a:effectRef idx="2">
+            <a:schemeClr val="accent1"/>
+          </a:effectRef>
+          <a:fontRef idx="minor">
+            <a:schemeClr val="tx1"/>
+          </a:fontRef>
+        </p:style>
+      </p:cxnSp>
+      <p:sp>
+        <p:nvSpPr>
+          <p:cNvPr id="10" name="Объект 2">
+            <a:extLst>
+              <a:ext uri="{FF2B5EF4-FFF2-40B4-BE49-F238E27FC236}">
+                <a16:creationId xmlns:a16="http://schemas.microsoft.com/office/drawing/2014/main" id="{346E70D2-8660-473D-9BEC-6AF8E0AB1E54}"/>
+              </a:ext>
+            </a:extLst>
+          </p:cNvPr>
+          <p:cNvSpPr txBox="1">
+            <a:spLocks/>
+          </p:cNvSpPr>
+          <p:nvPr/>
+        </p:nvSpPr>
+        <p:spPr>
+          <a:xfrm>
+            <a:off x="2925297" y="4464608"/>
+            <a:ext cx="6341406" cy="1828801"/>
+          </a:xfrm>
+          <a:prstGeom prst="rect">
+            <a:avLst/>
+          </a:prstGeom>
+        </p:spPr>
+        <p:txBody>
+          <a:bodyPr vert="horz" lIns="91440" tIns="45720" rIns="91440" bIns="45720" rtlCol="0">
+            <a:normAutofit/>
+          </a:bodyPr>
+          <a:lstStyle>
+            <a:lvl1pPr marL="228600" indent="-228600" algn="l" defTabSz="914400" rtl="0" eaLnBrk="1" latinLnBrk="0" hangingPunct="1">
+              <a:lnSpc>
+                <a:spcPct val="90000"/>
+              </a:lnSpc>
+              <a:spcBef>
+                <a:spcPts val="1000"/>
+              </a:spcBef>
+              <a:buFont typeface="Arial" panose="020B0604020202020204" pitchFamily="34" charset="0"/>
+              <a:buChar char="•"/>
+              <a:defRPr sz="2800" kern="1200">
+                <a:solidFill>
+                  <a:schemeClr val="tx1"/>
+                </a:solidFill>
+                <a:latin typeface="+mn-lt"/>
+                <a:ea typeface="+mn-ea"/>
+                <a:cs typeface="+mn-cs"/>
+              </a:defRPr>
+            </a:lvl1pPr>
+            <a:lvl2pPr marL="685800" indent="-228600" algn="l" defTabSz="914400" rtl="0" eaLnBrk="1" latinLnBrk="0" hangingPunct="1">
+              <a:lnSpc>
+                <a:spcPct val="90000"/>
+              </a:lnSpc>
+              <a:spcBef>
+                <a:spcPts val="500"/>
+              </a:spcBef>
+              <a:buFont typeface="Arial" panose="020B0604020202020204" pitchFamily="34" charset="0"/>
+              <a:buChar char="•"/>
+              <a:defRPr sz="2400" kern="1200">
+                <a:solidFill>
+                  <a:schemeClr val="tx1"/>
+                </a:solidFill>
+                <a:latin typeface="+mn-lt"/>
+                <a:ea typeface="+mn-ea"/>
+                <a:cs typeface="+mn-cs"/>
+              </a:defRPr>
+            </a:lvl2pPr>
+            <a:lvl3pPr marL="1143000" indent="-228600" algn="l" defTabSz="914400" rtl="0" eaLnBrk="1" latinLnBrk="0" hangingPunct="1">
+              <a:lnSpc>
+                <a:spcPct val="90000"/>
+              </a:lnSpc>
+              <a:spcBef>
+                <a:spcPts val="500"/>
+              </a:spcBef>
+              <a:buFont typeface="Arial" panose="020B0604020202020204" pitchFamily="34" charset="0"/>
+              <a:buChar char="•"/>
+              <a:defRPr sz="2000" kern="1200">
+                <a:solidFill>
+                  <a:schemeClr val="tx1"/>
+                </a:solidFill>
+                <a:latin typeface="+mn-lt"/>
+                <a:ea typeface="+mn-ea"/>
+                <a:cs typeface="+mn-cs"/>
+              </a:defRPr>
+            </a:lvl3pPr>
+            <a:lvl4pPr marL="1600200" indent="-228600" algn="l" defTabSz="914400" rtl="0" eaLnBrk="1" latinLnBrk="0" hangingPunct="1">
+              <a:lnSpc>
+                <a:spcPct val="90000"/>
+              </a:lnSpc>
+              <a:spcBef>
+                <a:spcPts val="500"/>
+              </a:spcBef>
+              <a:buFont typeface="Arial" panose="020B0604020202020204" pitchFamily="34" charset="0"/>
+              <a:buChar char="•"/>
+              <a:defRPr sz="1800" kern="1200">
+                <a:solidFill>
+                  <a:schemeClr val="tx1"/>
+                </a:solidFill>
+                <a:latin typeface="+mn-lt"/>
+                <a:ea typeface="+mn-ea"/>
+                <a:cs typeface="+mn-cs"/>
+              </a:defRPr>
+            </a:lvl4pPr>
+            <a:lvl5pPr marL="2057400" indent="-228600" algn="l" defTabSz="914400" rtl="0" eaLnBrk="1" latinLnBrk="0" hangingPunct="1">
+              <a:lnSpc>
+                <a:spcPct val="90000"/>
+              </a:lnSpc>
+              <a:spcBef>
+                <a:spcPts val="500"/>
+              </a:spcBef>
+              <a:buFont typeface="Arial" panose="020B0604020202020204" pitchFamily="34" charset="0"/>
+              <a:buChar char="•"/>
+              <a:defRPr sz="1800" kern="1200">
+                <a:solidFill>
+                  <a:schemeClr val="tx1"/>
+                </a:solidFill>
+                <a:latin typeface="+mn-lt"/>
+                <a:ea typeface="+mn-ea"/>
+                <a:cs typeface="+mn-cs"/>
+              </a:defRPr>
+            </a:lvl5pPr>
+            <a:lvl6pPr marL="2514600" indent="-228600" algn="l" defTabSz="914400" rtl="0" eaLnBrk="1" latinLnBrk="0" hangingPunct="1">
+              <a:lnSpc>
+                <a:spcPct val="90000"/>
+              </a:lnSpc>
+              <a:spcBef>
+                <a:spcPts val="500"/>
+              </a:spcBef>
+              <a:buFont typeface="Arial" panose="020B0604020202020204" pitchFamily="34" charset="0"/>
+              <a:buChar char="•"/>
+              <a:defRPr sz="1800" kern="1200">
+                <a:solidFill>
+                  <a:schemeClr val="tx1"/>
+                </a:solidFill>
+                <a:latin typeface="+mn-lt"/>
+                <a:ea typeface="+mn-ea"/>
+                <a:cs typeface="+mn-cs"/>
+              </a:defRPr>
+            </a:lvl6pPr>
+            <a:lvl7pPr marL="2971800" indent="-228600" algn="l" defTabSz="914400" rtl="0" eaLnBrk="1" latinLnBrk="0" hangingPunct="1">
+              <a:lnSpc>
+                <a:spcPct val="90000"/>
+              </a:lnSpc>
+              <a:spcBef>
+                <a:spcPts val="500"/>
+              </a:spcBef>
+              <a:buFont typeface="Arial" panose="020B0604020202020204" pitchFamily="34" charset="0"/>
+              <a:buChar char="•"/>
+              <a:defRPr sz="1800" kern="1200">
+                <a:solidFill>
+                  <a:schemeClr val="tx1"/>
+                </a:solidFill>
+                <a:latin typeface="+mn-lt"/>
+                <a:ea typeface="+mn-ea"/>
+                <a:cs typeface="+mn-cs"/>
+              </a:defRPr>
+            </a:lvl7pPr>
+            <a:lvl8pPr marL="3429000" indent="-228600" algn="l" defTabSz="914400" rtl="0" eaLnBrk="1" latinLnBrk="0" hangingPunct="1">
+              <a:lnSpc>
+                <a:spcPct val="90000"/>
+              </a:lnSpc>
+              <a:spcBef>
+                <a:spcPts val="500"/>
+              </a:spcBef>
+              <a:buFont typeface="Arial" panose="020B0604020202020204" pitchFamily="34" charset="0"/>
+              <a:buChar char="•"/>
+              <a:defRPr sz="1800" kern="1200">
+                <a:solidFill>
+                  <a:schemeClr val="tx1"/>
+                </a:solidFill>
+                <a:latin typeface="+mn-lt"/>
+                <a:ea typeface="+mn-ea"/>
+                <a:cs typeface="+mn-cs"/>
+              </a:defRPr>
+            </a:lvl8pPr>
+            <a:lvl9pPr marL="3886200" indent="-228600" algn="l" defTabSz="914400" rtl="0" eaLnBrk="1" latinLnBrk="0" hangingPunct="1">
+              <a:lnSpc>
+                <a:spcPct val="90000"/>
+              </a:lnSpc>
+              <a:spcBef>
+                <a:spcPts val="500"/>
+              </a:spcBef>
+              <a:buFont typeface="Arial" panose="020B0604020202020204" pitchFamily="34" charset="0"/>
+              <a:buChar char="•"/>
+              <a:defRPr sz="1800" kern="1200">
+                <a:solidFill>
+                  <a:schemeClr val="tx1"/>
+                </a:solidFill>
+                <a:latin typeface="+mn-lt"/>
+                <a:ea typeface="+mn-ea"/>
+                <a:cs typeface="+mn-cs"/>
+              </a:defRPr>
+            </a:lvl9pPr>
+          </a:lstStyle>
+          <a:p>
+            <a:pPr marL="0" indent="0" algn="ctr">
+              <a:lnSpc>
+                <a:spcPct val="150000"/>
+              </a:lnSpc>
+              <a:buFont typeface="Arial" panose="020B0604020202020204" pitchFamily="34" charset="0"/>
+              <a:buNone/>
+            </a:pPr>
+            <a:r>
+              <a:rPr lang="en-US" dirty="0" err="1">
+                <a:effectLst>
+                  <a:outerShdw blurRad="38100" dist="38100" dir="2700000" algn="tl">
+                    <a:srgbClr val="000000">
+                      <a:alpha val="43137"/>
+                    </a:srgbClr>
+                  </a:outerShdw>
+                </a:effectLst>
+              </a:rPr>
+              <a:t>setAttribute</a:t>
+            </a:r>
+            <a:r>
+              <a:rPr lang="en-US" dirty="0">
+                <a:effectLst>
+                  <a:outerShdw blurRad="38100" dist="38100" dir="2700000" algn="tl">
+                    <a:srgbClr val="000000">
+                      <a:alpha val="43137"/>
+                    </a:srgbClr>
+                  </a:outerShdw>
+                </a:effectLst>
+              </a:rPr>
+              <a:t>(String name, Object value)</a:t>
+            </a:r>
+            <a:endParaRPr lang="ru-RU" dirty="0">
+              <a:effectLst>
+                <a:outerShdw blurRad="38100" dist="38100" dir="2700000" algn="tl">
+                  <a:srgbClr val="000000">
+                    <a:alpha val="43137"/>
+                  </a:srgbClr>
+                </a:outerShdw>
+              </a:effectLst>
+            </a:endParaRPr>
+          </a:p>
+          <a:p>
+            <a:pPr marL="0" indent="0" algn="ctr">
+              <a:lnSpc>
+                <a:spcPct val="150000"/>
+              </a:lnSpc>
+              <a:buNone/>
+            </a:pPr>
+            <a:r>
+              <a:rPr lang="en-US" dirty="0" err="1">
+                <a:effectLst>
+                  <a:outerShdw blurRad="38100" dist="38100" dir="2700000" algn="tl">
+                    <a:srgbClr val="000000">
+                      <a:alpha val="43137"/>
+                    </a:srgbClr>
+                  </a:outerShdw>
+                </a:effectLst>
+              </a:rPr>
+              <a:t>getAttribute</a:t>
+            </a:r>
+            <a:r>
+              <a:rPr lang="en-US" dirty="0">
+                <a:effectLst>
+                  <a:outerShdw blurRad="38100" dist="38100" dir="2700000" algn="tl">
+                    <a:srgbClr val="000000">
+                      <a:alpha val="43137"/>
+                    </a:srgbClr>
+                  </a:outerShdw>
+                </a:effectLst>
+              </a:rPr>
+              <a:t>(String name)</a:t>
+            </a:r>
+            <a:endParaRPr lang="ru-RU" dirty="0">
+              <a:effectLst>
+                <a:outerShdw blurRad="38100" dist="38100" dir="2700000" algn="tl">
+                  <a:srgbClr val="000000">
+                    <a:alpha val="43137"/>
+                  </a:srgbClr>
+                </a:outerShdw>
+              </a:effectLst>
+            </a:endParaRPr>
+          </a:p>
+          <a:p>
+            <a:pPr marL="0" indent="0">
+              <a:lnSpc>
+                <a:spcPct val="150000"/>
+              </a:lnSpc>
+              <a:buFont typeface="Arial" panose="020B0604020202020204" pitchFamily="34" charset="0"/>
+              <a:buNone/>
+            </a:pPr>
+            <a:endParaRPr lang="ru-RU" dirty="0"/>
+          </a:p>
+        </p:txBody>
+      </p:sp>
+    </p:spTree>
+    <p:extLst>
+      <p:ext uri="{BB962C8B-B14F-4D97-AF65-F5344CB8AC3E}">
+        <p14:creationId xmlns:p14="http://schemas.microsoft.com/office/powerpoint/2010/main" val="693977504"/>
+      </p:ext>
+    </p:extLst>
+  </p:cSld>
+  <p:clrMapOvr>
+    <a:masterClrMapping/>
+  </p:clrMapOvr>
+</p:sld>
+</file>
+
+<file path=ppt/slides/slide24.xml><?xml version="1.0" encoding="utf-8"?>
+<p:sld xmlns:a="http://schemas.openxmlformats.org/drawingml/2006/main" xmlns:r="http://schemas.openxmlformats.org/officeDocument/2006/relationships" xmlns:p="http://schemas.openxmlformats.org/presentationml/2006/main">
+  <p:cSld>
+    <p:spTree>
+      <p:nvGrpSpPr>
+        <p:cNvPr id="1" name=""/>
+        <p:cNvGrpSpPr/>
+        <p:nvPr/>
+      </p:nvGrpSpPr>
+      <p:grpSpPr>
+        <a:xfrm>
+          <a:off x="0" y="0"/>
+          <a:ext cx="0" cy="0"/>
+          <a:chOff x="0" y="0"/>
+          <a:chExt cx="0" cy="0"/>
+        </a:xfrm>
+      </p:grpSpPr>
+      <p:sp>
+        <p:nvSpPr>
+          <p:cNvPr id="2" name="Title 1">
+            <a:extLst>
+              <a:ext uri="{FF2B5EF4-FFF2-40B4-BE49-F238E27FC236}">
+                <a16:creationId xmlns:a16="http://schemas.microsoft.com/office/drawing/2014/main" id="{D5CAF024-8243-404D-9265-FF7A3E75E476}"/>
+              </a:ext>
+            </a:extLst>
+          </p:cNvPr>
+          <p:cNvSpPr>
+            <a:spLocks noGrp="1"/>
+          </p:cNvSpPr>
+          <p:nvPr>
+            <p:ph type="title"/>
+          </p:nvPr>
+        </p:nvSpPr>
+        <p:spPr>
+          <a:xfrm>
+            <a:off x="838200" y="0"/>
+            <a:ext cx="10515600" cy="1325563"/>
+          </a:xfrm>
+        </p:spPr>
+        <p:txBody>
+          <a:bodyPr/>
+          <a:lstStyle/>
+          <a:p>
+            <a:pPr algn="ctr"/>
+            <a:r>
+              <a:rPr lang="en-US" altLang="en-US" dirty="0">
+                <a:latin typeface="Sylfaen" panose="010A0502050306030303" pitchFamily="18" charset="0"/>
+              </a:rPr>
+              <a:t>Expression language (EL)</a:t>
+            </a:r>
+            <a:endParaRPr lang="en-US" dirty="0"/>
+          </a:p>
+        </p:txBody>
+      </p:sp>
+      <p:sp>
+        <p:nvSpPr>
+          <p:cNvPr id="3" name="Content Placeholder 2">
+            <a:extLst>
+              <a:ext uri="{FF2B5EF4-FFF2-40B4-BE49-F238E27FC236}">
+                <a16:creationId xmlns:a16="http://schemas.microsoft.com/office/drawing/2014/main" id="{E22F80D1-1CEF-4200-842F-87C846A68E1F}"/>
+              </a:ext>
+            </a:extLst>
+          </p:cNvPr>
+          <p:cNvSpPr>
+            <a:spLocks noGrp="1"/>
+          </p:cNvSpPr>
+          <p:nvPr>
+            <p:ph idx="1"/>
+          </p:nvPr>
+        </p:nvSpPr>
+        <p:spPr>
+          <a:xfrm>
+            <a:off x="2564252" y="3804669"/>
+            <a:ext cx="7063491" cy="2193425"/>
+          </a:xfrm>
+        </p:spPr>
+        <p:txBody>
+          <a:bodyPr>
+            <a:normAutofit/>
+          </a:bodyPr>
+          <a:lstStyle/>
+          <a:p>
+            <a:pPr marL="0" indent="0" algn="ctr">
+              <a:buNone/>
+            </a:pPr>
+            <a:r>
+              <a:rPr lang="hy-AM" dirty="0">
+                <a:effectLst>
+                  <a:outerShdw blurRad="38100" dist="38100" dir="2700000" algn="tl">
+                    <a:srgbClr val="000000">
+                      <a:alpha val="43137"/>
+                    </a:srgbClr>
+                  </a:outerShdw>
+                </a:effectLst>
+              </a:rPr>
+              <a:t>${</a:t>
+            </a:r>
+            <a:r>
+              <a:rPr lang="en-US" dirty="0">
+                <a:effectLst>
+                  <a:outerShdw blurRad="38100" dist="38100" dir="2700000" algn="tl">
+                    <a:srgbClr val="000000">
+                      <a:alpha val="43137"/>
+                    </a:srgbClr>
+                  </a:outerShdw>
+                </a:effectLst>
+              </a:rPr>
+              <a:t> </a:t>
+            </a:r>
+            <a:r>
+              <a:rPr lang="hy-AM" dirty="0">
+                <a:effectLst>
+                  <a:outerShdw blurRad="38100" dist="38100" dir="2700000" algn="tl">
+                    <a:srgbClr val="000000">
+                      <a:alpha val="43137"/>
+                    </a:srgbClr>
+                  </a:outerShdw>
+                </a:effectLst>
+              </a:rPr>
+              <a:t>pageScope</a:t>
+            </a:r>
+            <a:r>
+              <a:rPr lang="en-US" dirty="0">
+                <a:effectLst>
+                  <a:outerShdw blurRad="38100" dist="38100" dir="2700000" algn="tl">
+                    <a:srgbClr val="000000">
+                      <a:alpha val="43137"/>
+                    </a:srgbClr>
+                  </a:outerShdw>
+                </a:effectLst>
+              </a:rPr>
+              <a:t>.</a:t>
+            </a:r>
+            <a:r>
+              <a:rPr lang="en-US" dirty="0" err="1">
+                <a:effectLst>
+                  <a:outerShdw blurRad="38100" dist="38100" dir="2700000" algn="tl">
+                    <a:srgbClr val="000000">
+                      <a:alpha val="43137"/>
+                    </a:srgbClr>
+                  </a:outerShdw>
+                </a:effectLst>
+              </a:rPr>
+              <a:t>attributeName</a:t>
+            </a:r>
+            <a:r>
+              <a:rPr lang="en-US" dirty="0">
+                <a:effectLst>
+                  <a:outerShdw blurRad="38100" dist="38100" dir="2700000" algn="tl">
+                    <a:srgbClr val="000000">
+                      <a:alpha val="43137"/>
+                    </a:srgbClr>
+                  </a:outerShdw>
+                </a:effectLst>
+              </a:rPr>
+              <a:t> }</a:t>
+            </a:r>
+          </a:p>
+          <a:p>
+            <a:pPr marL="0" indent="0" algn="ctr">
+              <a:buNone/>
+            </a:pPr>
+            <a:r>
+              <a:rPr lang="hy-AM" dirty="0">
+                <a:effectLst>
+                  <a:outerShdw blurRad="38100" dist="38100" dir="2700000" algn="tl">
+                    <a:srgbClr val="000000">
+                      <a:alpha val="43137"/>
+                    </a:srgbClr>
+                  </a:outerShdw>
+                </a:effectLst>
+              </a:rPr>
+              <a:t>${</a:t>
+            </a:r>
+            <a:r>
+              <a:rPr lang="en-US" dirty="0">
+                <a:effectLst>
+                  <a:outerShdw blurRad="38100" dist="38100" dir="2700000" algn="tl">
+                    <a:srgbClr val="000000">
+                      <a:alpha val="43137"/>
+                    </a:srgbClr>
+                  </a:outerShdw>
+                </a:effectLst>
+              </a:rPr>
+              <a:t> </a:t>
+            </a:r>
+            <a:r>
+              <a:rPr lang="hy-AM" dirty="0">
+                <a:effectLst>
+                  <a:outerShdw blurRad="38100" dist="38100" dir="2700000" algn="tl">
+                    <a:srgbClr val="000000">
+                      <a:alpha val="43137"/>
+                    </a:srgbClr>
+                  </a:outerShdw>
+                </a:effectLst>
+              </a:rPr>
+              <a:t>requestScope</a:t>
+            </a:r>
+            <a:r>
+              <a:rPr lang="en-US" dirty="0">
+                <a:effectLst>
+                  <a:outerShdw blurRad="38100" dist="38100" dir="2700000" algn="tl">
+                    <a:srgbClr val="000000">
+                      <a:alpha val="43137"/>
+                    </a:srgbClr>
+                  </a:outerShdw>
+                </a:effectLst>
+              </a:rPr>
+              <a:t>.</a:t>
+            </a:r>
+            <a:r>
+              <a:rPr lang="en-US" dirty="0" err="1">
+                <a:effectLst>
+                  <a:outerShdw blurRad="38100" dist="38100" dir="2700000" algn="tl">
+                    <a:srgbClr val="000000">
+                      <a:alpha val="43137"/>
+                    </a:srgbClr>
+                  </a:outerShdw>
+                </a:effectLst>
+              </a:rPr>
+              <a:t>attributeName</a:t>
+            </a:r>
+            <a:r>
+              <a:rPr lang="en-US" dirty="0">
+                <a:effectLst>
+                  <a:outerShdw blurRad="38100" dist="38100" dir="2700000" algn="tl">
+                    <a:srgbClr val="000000">
+                      <a:alpha val="43137"/>
+                    </a:srgbClr>
+                  </a:outerShdw>
+                </a:effectLst>
+              </a:rPr>
+              <a:t> }</a:t>
+            </a:r>
+          </a:p>
+          <a:p>
+            <a:pPr marL="0" indent="0" algn="ctr">
+              <a:buNone/>
+            </a:pPr>
+            <a:r>
+              <a:rPr lang="hy-AM" dirty="0">
+                <a:effectLst>
+                  <a:outerShdw blurRad="38100" dist="38100" dir="2700000" algn="tl">
+                    <a:srgbClr val="000000">
+                      <a:alpha val="43137"/>
+                    </a:srgbClr>
+                  </a:outerShdw>
+                </a:effectLst>
+              </a:rPr>
+              <a:t>${</a:t>
+            </a:r>
+            <a:r>
+              <a:rPr lang="en-US" dirty="0">
+                <a:effectLst>
+                  <a:outerShdw blurRad="38100" dist="38100" dir="2700000" algn="tl">
+                    <a:srgbClr val="000000">
+                      <a:alpha val="43137"/>
+                    </a:srgbClr>
+                  </a:outerShdw>
+                </a:effectLst>
+              </a:rPr>
+              <a:t> </a:t>
+            </a:r>
+            <a:r>
+              <a:rPr lang="hy-AM" dirty="0">
+                <a:effectLst>
+                  <a:outerShdw blurRad="38100" dist="38100" dir="2700000" algn="tl">
+                    <a:srgbClr val="000000">
+                      <a:alpha val="43137"/>
+                    </a:srgbClr>
+                  </a:outerShdw>
+                </a:effectLst>
+              </a:rPr>
+              <a:t>sessionScope</a:t>
+            </a:r>
+            <a:r>
+              <a:rPr lang="en-US" dirty="0">
+                <a:effectLst>
+                  <a:outerShdw blurRad="38100" dist="38100" dir="2700000" algn="tl">
+                    <a:srgbClr val="000000">
+                      <a:alpha val="43137"/>
+                    </a:srgbClr>
+                  </a:outerShdw>
+                </a:effectLst>
+              </a:rPr>
+              <a:t>.</a:t>
+            </a:r>
+            <a:r>
+              <a:rPr lang="en-US" dirty="0" err="1">
+                <a:effectLst>
+                  <a:outerShdw blurRad="38100" dist="38100" dir="2700000" algn="tl">
+                    <a:srgbClr val="000000">
+                      <a:alpha val="43137"/>
+                    </a:srgbClr>
+                  </a:outerShdw>
+                </a:effectLst>
+              </a:rPr>
+              <a:t>attributeName</a:t>
+            </a:r>
+            <a:r>
+              <a:rPr lang="en-US" dirty="0">
+                <a:effectLst>
+                  <a:outerShdw blurRad="38100" dist="38100" dir="2700000" algn="tl">
+                    <a:srgbClr val="000000">
+                      <a:alpha val="43137"/>
+                    </a:srgbClr>
+                  </a:outerShdw>
+                </a:effectLst>
+              </a:rPr>
+              <a:t> }</a:t>
+            </a:r>
+          </a:p>
+          <a:p>
+            <a:pPr marL="0" indent="0" algn="ctr">
+              <a:buNone/>
+            </a:pPr>
+            <a:r>
+              <a:rPr lang="hy-AM" dirty="0">
+                <a:effectLst>
+                  <a:outerShdw blurRad="38100" dist="38100" dir="2700000" algn="tl">
+                    <a:srgbClr val="000000">
+                      <a:alpha val="43137"/>
+                    </a:srgbClr>
+                  </a:outerShdw>
+                </a:effectLst>
+              </a:rPr>
+              <a:t>${</a:t>
+            </a:r>
+            <a:r>
+              <a:rPr lang="en-US" dirty="0">
+                <a:effectLst>
+                  <a:outerShdw blurRad="38100" dist="38100" dir="2700000" algn="tl">
+                    <a:srgbClr val="000000">
+                      <a:alpha val="43137"/>
+                    </a:srgbClr>
+                  </a:outerShdw>
+                </a:effectLst>
+              </a:rPr>
+              <a:t> </a:t>
+            </a:r>
+            <a:r>
+              <a:rPr lang="hy-AM" dirty="0">
+                <a:effectLst>
+                  <a:outerShdw blurRad="38100" dist="38100" dir="2700000" algn="tl">
+                    <a:srgbClr val="000000">
+                      <a:alpha val="43137"/>
+                    </a:srgbClr>
+                  </a:outerShdw>
+                </a:effectLst>
+              </a:rPr>
+              <a:t>applicationScope</a:t>
+            </a:r>
+            <a:r>
+              <a:rPr lang="en-US" dirty="0">
+                <a:effectLst>
+                  <a:outerShdw blurRad="38100" dist="38100" dir="2700000" algn="tl">
+                    <a:srgbClr val="000000">
+                      <a:alpha val="43137"/>
+                    </a:srgbClr>
+                  </a:outerShdw>
+                </a:effectLst>
+              </a:rPr>
+              <a:t>.</a:t>
+            </a:r>
+            <a:r>
+              <a:rPr lang="en-US" dirty="0" err="1">
+                <a:effectLst>
+                  <a:outerShdw blurRad="38100" dist="38100" dir="2700000" algn="tl">
+                    <a:srgbClr val="000000">
+                      <a:alpha val="43137"/>
+                    </a:srgbClr>
+                  </a:outerShdw>
+                </a:effectLst>
+              </a:rPr>
+              <a:t>attributeName</a:t>
+            </a:r>
+            <a:r>
+              <a:rPr lang="en-US" dirty="0">
+                <a:effectLst>
+                  <a:outerShdw blurRad="38100" dist="38100" dir="2700000" algn="tl">
+                    <a:srgbClr val="000000">
+                      <a:alpha val="43137"/>
+                    </a:srgbClr>
+                  </a:outerShdw>
+                </a:effectLst>
+              </a:rPr>
+              <a:t> }</a:t>
+            </a:r>
+          </a:p>
+        </p:txBody>
+      </p:sp>
+      <p:sp>
+        <p:nvSpPr>
+          <p:cNvPr id="8" name="Content Placeholder 2">
+            <a:extLst>
+              <a:ext uri="{FF2B5EF4-FFF2-40B4-BE49-F238E27FC236}">
+                <a16:creationId xmlns:a16="http://schemas.microsoft.com/office/drawing/2014/main" id="{877F2B7E-E3EB-4F5D-AE61-8190E407EFDA}"/>
+              </a:ext>
+            </a:extLst>
+          </p:cNvPr>
+          <p:cNvSpPr txBox="1">
+            <a:spLocks/>
+          </p:cNvSpPr>
+          <p:nvPr/>
+        </p:nvSpPr>
+        <p:spPr>
+          <a:xfrm>
+            <a:off x="3189781" y="1652979"/>
+            <a:ext cx="6117236" cy="807906"/>
+          </a:xfrm>
+          <a:prstGeom prst="rect">
+            <a:avLst/>
+          </a:prstGeom>
+        </p:spPr>
+        <p:txBody>
+          <a:bodyPr vert="horz" lIns="91440" tIns="45720" rIns="91440" bIns="45720" rtlCol="0">
+            <a:normAutofit/>
+          </a:bodyPr>
+          <a:lstStyle>
+            <a:lvl1pPr marL="228600" indent="-228600" algn="l" defTabSz="914400" rtl="0" eaLnBrk="1" latinLnBrk="0" hangingPunct="1">
+              <a:lnSpc>
+                <a:spcPct val="90000"/>
+              </a:lnSpc>
+              <a:spcBef>
+                <a:spcPts val="1000"/>
+              </a:spcBef>
+              <a:buFont typeface="Arial" panose="020B0604020202020204" pitchFamily="34" charset="0"/>
+              <a:buChar char="•"/>
+              <a:defRPr sz="2800" kern="1200">
+                <a:solidFill>
+                  <a:schemeClr val="tx1"/>
+                </a:solidFill>
+                <a:latin typeface="+mn-lt"/>
+                <a:ea typeface="+mn-ea"/>
+                <a:cs typeface="+mn-cs"/>
+              </a:defRPr>
+            </a:lvl1pPr>
+            <a:lvl2pPr marL="685800" indent="-228600" algn="l" defTabSz="914400" rtl="0" eaLnBrk="1" latinLnBrk="0" hangingPunct="1">
+              <a:lnSpc>
+                <a:spcPct val="90000"/>
+              </a:lnSpc>
+              <a:spcBef>
+                <a:spcPts val="500"/>
+              </a:spcBef>
+              <a:buFont typeface="Arial" panose="020B0604020202020204" pitchFamily="34" charset="0"/>
+              <a:buChar char="•"/>
+              <a:defRPr sz="2400" kern="1200">
+                <a:solidFill>
+                  <a:schemeClr val="tx1"/>
+                </a:solidFill>
+                <a:latin typeface="+mn-lt"/>
+                <a:ea typeface="+mn-ea"/>
+                <a:cs typeface="+mn-cs"/>
+              </a:defRPr>
+            </a:lvl2pPr>
+            <a:lvl3pPr marL="1143000" indent="-228600" algn="l" defTabSz="914400" rtl="0" eaLnBrk="1" latinLnBrk="0" hangingPunct="1">
+              <a:lnSpc>
+                <a:spcPct val="90000"/>
+              </a:lnSpc>
+              <a:spcBef>
+                <a:spcPts val="500"/>
+              </a:spcBef>
+              <a:buFont typeface="Arial" panose="020B0604020202020204" pitchFamily="34" charset="0"/>
+              <a:buChar char="•"/>
+              <a:defRPr sz="2000" kern="1200">
+                <a:solidFill>
+                  <a:schemeClr val="tx1"/>
+                </a:solidFill>
+                <a:latin typeface="+mn-lt"/>
+                <a:ea typeface="+mn-ea"/>
+                <a:cs typeface="+mn-cs"/>
+              </a:defRPr>
+            </a:lvl3pPr>
+            <a:lvl4pPr marL="1600200" indent="-228600" algn="l" defTabSz="914400" rtl="0" eaLnBrk="1" latinLnBrk="0" hangingPunct="1">
+              <a:lnSpc>
+                <a:spcPct val="90000"/>
+              </a:lnSpc>
+              <a:spcBef>
+                <a:spcPts val="500"/>
+              </a:spcBef>
+              <a:buFont typeface="Arial" panose="020B0604020202020204" pitchFamily="34" charset="0"/>
+              <a:buChar char="•"/>
+              <a:defRPr sz="1800" kern="1200">
+                <a:solidFill>
+                  <a:schemeClr val="tx1"/>
+                </a:solidFill>
+                <a:latin typeface="+mn-lt"/>
+                <a:ea typeface="+mn-ea"/>
+                <a:cs typeface="+mn-cs"/>
+              </a:defRPr>
+            </a:lvl4pPr>
+            <a:lvl5pPr marL="2057400" indent="-228600" algn="l" defTabSz="914400" rtl="0" eaLnBrk="1" latinLnBrk="0" hangingPunct="1">
+              <a:lnSpc>
+                <a:spcPct val="90000"/>
+              </a:lnSpc>
+              <a:spcBef>
+                <a:spcPts val="500"/>
+              </a:spcBef>
+              <a:buFont typeface="Arial" panose="020B0604020202020204" pitchFamily="34" charset="0"/>
+              <a:buChar char="•"/>
+              <a:defRPr sz="1800" kern="1200">
+                <a:solidFill>
+                  <a:schemeClr val="tx1"/>
+                </a:solidFill>
+                <a:latin typeface="+mn-lt"/>
+                <a:ea typeface="+mn-ea"/>
+                <a:cs typeface="+mn-cs"/>
+              </a:defRPr>
+            </a:lvl5pPr>
+            <a:lvl6pPr marL="2514600" indent="-228600" algn="l" defTabSz="914400" rtl="0" eaLnBrk="1" latinLnBrk="0" hangingPunct="1">
+              <a:lnSpc>
+                <a:spcPct val="90000"/>
+              </a:lnSpc>
+              <a:spcBef>
+                <a:spcPts val="500"/>
+              </a:spcBef>
+              <a:buFont typeface="Arial" panose="020B0604020202020204" pitchFamily="34" charset="0"/>
+              <a:buChar char="•"/>
+              <a:defRPr sz="1800" kern="1200">
+                <a:solidFill>
+                  <a:schemeClr val="tx1"/>
+                </a:solidFill>
+                <a:latin typeface="+mn-lt"/>
+                <a:ea typeface="+mn-ea"/>
+                <a:cs typeface="+mn-cs"/>
+              </a:defRPr>
+            </a:lvl6pPr>
+            <a:lvl7pPr marL="2971800" indent="-228600" algn="l" defTabSz="914400" rtl="0" eaLnBrk="1" latinLnBrk="0" hangingPunct="1">
+              <a:lnSpc>
+                <a:spcPct val="90000"/>
+              </a:lnSpc>
+              <a:spcBef>
+                <a:spcPts val="500"/>
+              </a:spcBef>
+              <a:buFont typeface="Arial" panose="020B0604020202020204" pitchFamily="34" charset="0"/>
+              <a:buChar char="•"/>
+              <a:defRPr sz="1800" kern="1200">
+                <a:solidFill>
+                  <a:schemeClr val="tx1"/>
+                </a:solidFill>
+                <a:latin typeface="+mn-lt"/>
+                <a:ea typeface="+mn-ea"/>
+                <a:cs typeface="+mn-cs"/>
+              </a:defRPr>
+            </a:lvl7pPr>
+            <a:lvl8pPr marL="3429000" indent="-228600" algn="l" defTabSz="914400" rtl="0" eaLnBrk="1" latinLnBrk="0" hangingPunct="1">
+              <a:lnSpc>
+                <a:spcPct val="90000"/>
+              </a:lnSpc>
+              <a:spcBef>
+                <a:spcPts val="500"/>
+              </a:spcBef>
+              <a:buFont typeface="Arial" panose="020B0604020202020204" pitchFamily="34" charset="0"/>
+              <a:buChar char="•"/>
+              <a:defRPr sz="1800" kern="1200">
+                <a:solidFill>
+                  <a:schemeClr val="tx1"/>
+                </a:solidFill>
+                <a:latin typeface="+mn-lt"/>
+                <a:ea typeface="+mn-ea"/>
+                <a:cs typeface="+mn-cs"/>
+              </a:defRPr>
+            </a:lvl8pPr>
+            <a:lvl9pPr marL="3886200" indent="-228600" algn="l" defTabSz="914400" rtl="0" eaLnBrk="1" latinLnBrk="0" hangingPunct="1">
+              <a:lnSpc>
+                <a:spcPct val="90000"/>
+              </a:lnSpc>
+              <a:spcBef>
+                <a:spcPts val="500"/>
+              </a:spcBef>
+              <a:buFont typeface="Arial" panose="020B0604020202020204" pitchFamily="34" charset="0"/>
+              <a:buChar char="•"/>
+              <a:defRPr sz="1800" kern="1200">
+                <a:solidFill>
+                  <a:schemeClr val="tx1"/>
+                </a:solidFill>
+                <a:latin typeface="+mn-lt"/>
+                <a:ea typeface="+mn-ea"/>
+                <a:cs typeface="+mn-cs"/>
+              </a:defRPr>
+            </a:lvl9pPr>
+          </a:lstStyle>
+          <a:p>
+            <a:pPr marL="0" indent="0" algn="ctr">
+              <a:buFont typeface="Arial" panose="020B0604020202020204" pitchFamily="34" charset="0"/>
+              <a:buNone/>
+            </a:pPr>
+            <a:r>
+              <a:rPr lang="hy-AM" dirty="0">
+                <a:effectLst>
+                  <a:outerShdw blurRad="38100" dist="38100" dir="2700000" algn="tl">
+                    <a:srgbClr val="000000">
+                      <a:alpha val="43137"/>
+                    </a:srgbClr>
+                  </a:outerShdw>
+                </a:effectLst>
+              </a:rPr>
+              <a:t>${</a:t>
+            </a:r>
+            <a:r>
+              <a:rPr lang="en-US" dirty="0">
+                <a:effectLst>
+                  <a:outerShdw blurRad="38100" dist="38100" dir="2700000" algn="tl">
+                    <a:srgbClr val="000000">
+                      <a:alpha val="43137"/>
+                    </a:srgbClr>
+                  </a:outerShdw>
+                </a:effectLst>
+              </a:rPr>
+              <a:t> </a:t>
+            </a:r>
+            <a:r>
+              <a:rPr lang="en-US" dirty="0" err="1">
+                <a:effectLst>
+                  <a:outerShdw blurRad="38100" dist="38100" dir="2700000" algn="tl">
+                    <a:srgbClr val="000000">
+                      <a:alpha val="43137"/>
+                    </a:srgbClr>
+                  </a:outerShdw>
+                </a:effectLst>
+              </a:rPr>
+              <a:t>attributeName</a:t>
+            </a:r>
+            <a:r>
+              <a:rPr lang="en-US" dirty="0">
+                <a:effectLst>
+                  <a:outerShdw blurRad="38100" dist="38100" dir="2700000" algn="tl">
+                    <a:srgbClr val="000000">
+                      <a:alpha val="43137"/>
+                    </a:srgbClr>
+                  </a:outerShdw>
+                </a:effectLst>
+              </a:rPr>
+              <a:t> </a:t>
+            </a:r>
+            <a:r>
+              <a:rPr lang="hy-AM" dirty="0">
+                <a:effectLst>
+                  <a:outerShdw blurRad="38100" dist="38100" dir="2700000" algn="tl">
+                    <a:srgbClr val="000000">
+                      <a:alpha val="43137"/>
+                    </a:srgbClr>
+                  </a:outerShdw>
+                </a:effectLst>
+              </a:rPr>
+              <a:t>}</a:t>
+            </a:r>
+            <a:endParaRPr lang="en-US" dirty="0">
+              <a:effectLst>
+                <a:outerShdw blurRad="38100" dist="38100" dir="2700000" algn="tl">
+                  <a:srgbClr val="000000">
+                    <a:alpha val="43137"/>
+                  </a:srgbClr>
+                </a:outerShdw>
+              </a:effectLst>
+            </a:endParaRPr>
+          </a:p>
+        </p:txBody>
+      </p:sp>
+      <p:sp>
+        <p:nvSpPr>
+          <p:cNvPr id="9" name="Content Placeholder 2">
+            <a:extLst>
+              <a:ext uri="{FF2B5EF4-FFF2-40B4-BE49-F238E27FC236}">
+                <a16:creationId xmlns:a16="http://schemas.microsoft.com/office/drawing/2014/main" id="{CD0D0C6A-5EF4-4F60-9E3E-CEE6CA62774F}"/>
+              </a:ext>
+            </a:extLst>
+          </p:cNvPr>
+          <p:cNvSpPr txBox="1">
+            <a:spLocks/>
+          </p:cNvSpPr>
+          <p:nvPr/>
+        </p:nvSpPr>
+        <p:spPr>
+          <a:xfrm>
+            <a:off x="234532" y="2669347"/>
+            <a:ext cx="11722933" cy="807906"/>
+          </a:xfrm>
+          <a:prstGeom prst="rect">
+            <a:avLst/>
+          </a:prstGeom>
+        </p:spPr>
+        <p:txBody>
+          <a:bodyPr vert="horz" lIns="91440" tIns="45720" rIns="91440" bIns="45720" rtlCol="0">
+            <a:normAutofit/>
+          </a:bodyPr>
+          <a:lstStyle>
+            <a:lvl1pPr marL="228600" indent="-228600" algn="l" defTabSz="914400" rtl="0" eaLnBrk="1" latinLnBrk="0" hangingPunct="1">
+              <a:lnSpc>
+                <a:spcPct val="90000"/>
+              </a:lnSpc>
+              <a:spcBef>
+                <a:spcPts val="1000"/>
+              </a:spcBef>
+              <a:buFont typeface="Arial" panose="020B0604020202020204" pitchFamily="34" charset="0"/>
+              <a:buChar char="•"/>
+              <a:defRPr sz="2800" kern="1200">
+                <a:solidFill>
+                  <a:schemeClr val="tx1"/>
+                </a:solidFill>
+                <a:latin typeface="+mn-lt"/>
+                <a:ea typeface="+mn-ea"/>
+                <a:cs typeface="+mn-cs"/>
+              </a:defRPr>
+            </a:lvl1pPr>
+            <a:lvl2pPr marL="685800" indent="-228600" algn="l" defTabSz="914400" rtl="0" eaLnBrk="1" latinLnBrk="0" hangingPunct="1">
+              <a:lnSpc>
+                <a:spcPct val="90000"/>
+              </a:lnSpc>
+              <a:spcBef>
+                <a:spcPts val="500"/>
+              </a:spcBef>
+              <a:buFont typeface="Arial" panose="020B0604020202020204" pitchFamily="34" charset="0"/>
+              <a:buChar char="•"/>
+              <a:defRPr sz="2400" kern="1200">
+                <a:solidFill>
+                  <a:schemeClr val="tx1"/>
+                </a:solidFill>
+                <a:latin typeface="+mn-lt"/>
+                <a:ea typeface="+mn-ea"/>
+                <a:cs typeface="+mn-cs"/>
+              </a:defRPr>
+            </a:lvl2pPr>
+            <a:lvl3pPr marL="1143000" indent="-228600" algn="l" defTabSz="914400" rtl="0" eaLnBrk="1" latinLnBrk="0" hangingPunct="1">
+              <a:lnSpc>
+                <a:spcPct val="90000"/>
+              </a:lnSpc>
+              <a:spcBef>
+                <a:spcPts val="500"/>
+              </a:spcBef>
+              <a:buFont typeface="Arial" panose="020B0604020202020204" pitchFamily="34" charset="0"/>
+              <a:buChar char="•"/>
+              <a:defRPr sz="2000" kern="1200">
+                <a:solidFill>
+                  <a:schemeClr val="tx1"/>
+                </a:solidFill>
+                <a:latin typeface="+mn-lt"/>
+                <a:ea typeface="+mn-ea"/>
+                <a:cs typeface="+mn-cs"/>
+              </a:defRPr>
+            </a:lvl3pPr>
+            <a:lvl4pPr marL="1600200" indent="-228600" algn="l" defTabSz="914400" rtl="0" eaLnBrk="1" latinLnBrk="0" hangingPunct="1">
+              <a:lnSpc>
+                <a:spcPct val="90000"/>
+              </a:lnSpc>
+              <a:spcBef>
+                <a:spcPts val="500"/>
+              </a:spcBef>
+              <a:buFont typeface="Arial" panose="020B0604020202020204" pitchFamily="34" charset="0"/>
+              <a:buChar char="•"/>
+              <a:defRPr sz="1800" kern="1200">
+                <a:solidFill>
+                  <a:schemeClr val="tx1"/>
+                </a:solidFill>
+                <a:latin typeface="+mn-lt"/>
+                <a:ea typeface="+mn-ea"/>
+                <a:cs typeface="+mn-cs"/>
+              </a:defRPr>
+            </a:lvl4pPr>
+            <a:lvl5pPr marL="2057400" indent="-228600" algn="l" defTabSz="914400" rtl="0" eaLnBrk="1" latinLnBrk="0" hangingPunct="1">
+              <a:lnSpc>
+                <a:spcPct val="90000"/>
+              </a:lnSpc>
+              <a:spcBef>
+                <a:spcPts val="500"/>
+              </a:spcBef>
+              <a:buFont typeface="Arial" panose="020B0604020202020204" pitchFamily="34" charset="0"/>
+              <a:buChar char="•"/>
+              <a:defRPr sz="1800" kern="1200">
+                <a:solidFill>
+                  <a:schemeClr val="tx1"/>
+                </a:solidFill>
+                <a:latin typeface="+mn-lt"/>
+                <a:ea typeface="+mn-ea"/>
+                <a:cs typeface="+mn-cs"/>
+              </a:defRPr>
+            </a:lvl5pPr>
+            <a:lvl6pPr marL="2514600" indent="-228600" algn="l" defTabSz="914400" rtl="0" eaLnBrk="1" latinLnBrk="0" hangingPunct="1">
+              <a:lnSpc>
+                <a:spcPct val="90000"/>
+              </a:lnSpc>
+              <a:spcBef>
+                <a:spcPts val="500"/>
+              </a:spcBef>
+              <a:buFont typeface="Arial" panose="020B0604020202020204" pitchFamily="34" charset="0"/>
+              <a:buChar char="•"/>
+              <a:defRPr sz="1800" kern="1200">
+                <a:solidFill>
+                  <a:schemeClr val="tx1"/>
+                </a:solidFill>
+                <a:latin typeface="+mn-lt"/>
+                <a:ea typeface="+mn-ea"/>
+                <a:cs typeface="+mn-cs"/>
+              </a:defRPr>
+            </a:lvl6pPr>
+            <a:lvl7pPr marL="2971800" indent="-228600" algn="l" defTabSz="914400" rtl="0" eaLnBrk="1" latinLnBrk="0" hangingPunct="1">
+              <a:lnSpc>
+                <a:spcPct val="90000"/>
+              </a:lnSpc>
+              <a:spcBef>
+                <a:spcPts val="500"/>
+              </a:spcBef>
+              <a:buFont typeface="Arial" panose="020B0604020202020204" pitchFamily="34" charset="0"/>
+              <a:buChar char="•"/>
+              <a:defRPr sz="1800" kern="1200">
+                <a:solidFill>
+                  <a:schemeClr val="tx1"/>
+                </a:solidFill>
+                <a:latin typeface="+mn-lt"/>
+                <a:ea typeface="+mn-ea"/>
+                <a:cs typeface="+mn-cs"/>
+              </a:defRPr>
+            </a:lvl7pPr>
+            <a:lvl8pPr marL="3429000" indent="-228600" algn="l" defTabSz="914400" rtl="0" eaLnBrk="1" latinLnBrk="0" hangingPunct="1">
+              <a:lnSpc>
+                <a:spcPct val="90000"/>
+              </a:lnSpc>
+              <a:spcBef>
+                <a:spcPts val="500"/>
+              </a:spcBef>
+              <a:buFont typeface="Arial" panose="020B0604020202020204" pitchFamily="34" charset="0"/>
+              <a:buChar char="•"/>
+              <a:defRPr sz="1800" kern="1200">
+                <a:solidFill>
+                  <a:schemeClr val="tx1"/>
+                </a:solidFill>
+                <a:latin typeface="+mn-lt"/>
+                <a:ea typeface="+mn-ea"/>
+                <a:cs typeface="+mn-cs"/>
+              </a:defRPr>
+            </a:lvl8pPr>
+            <a:lvl9pPr marL="3886200" indent="-228600" algn="l" defTabSz="914400" rtl="0" eaLnBrk="1" latinLnBrk="0" hangingPunct="1">
+              <a:lnSpc>
+                <a:spcPct val="90000"/>
+              </a:lnSpc>
+              <a:spcBef>
+                <a:spcPts val="500"/>
+              </a:spcBef>
+              <a:buFont typeface="Arial" panose="020B0604020202020204" pitchFamily="34" charset="0"/>
+              <a:buChar char="•"/>
+              <a:defRPr sz="1800" kern="1200">
+                <a:solidFill>
+                  <a:schemeClr val="tx1"/>
+                </a:solidFill>
+                <a:latin typeface="+mn-lt"/>
+                <a:ea typeface="+mn-ea"/>
+                <a:cs typeface="+mn-cs"/>
+              </a:defRPr>
+            </a:lvl9pPr>
+          </a:lstStyle>
+          <a:p>
+            <a:pPr marL="0" indent="0">
+              <a:buFont typeface="Arial" panose="020B0604020202020204" pitchFamily="34" charset="0"/>
+              <a:buNone/>
+            </a:pPr>
+            <a:r>
+              <a:rPr lang="en-US" dirty="0">
+                <a:effectLst>
+                  <a:outerShdw blurRad="38100" dist="38100" dir="2700000" algn="tl">
+                    <a:srgbClr val="000000">
+                      <a:alpha val="43137"/>
+                    </a:srgbClr>
+                  </a:outerShdw>
+                </a:effectLst>
+              </a:rPr>
+              <a:t>Page context         Request context          Session context         Application context</a:t>
+            </a:r>
+          </a:p>
+        </p:txBody>
+      </p:sp>
+      <p:cxnSp>
+        <p:nvCxnSpPr>
+          <p:cNvPr id="11" name="Straight Arrow Connector 10">
+            <a:extLst>
+              <a:ext uri="{FF2B5EF4-FFF2-40B4-BE49-F238E27FC236}">
+                <a16:creationId xmlns:a16="http://schemas.microsoft.com/office/drawing/2014/main" id="{4947F939-6559-4729-8140-101FFD5854C1}"/>
+              </a:ext>
+            </a:extLst>
+          </p:cNvPr>
+          <p:cNvCxnSpPr>
+            <a:cxnSpLocks/>
+          </p:cNvCxnSpPr>
+          <p:nvPr/>
+        </p:nvCxnSpPr>
+        <p:spPr>
+          <a:xfrm>
+            <a:off x="2309421" y="2863121"/>
+            <a:ext cx="509665" cy="0"/>
+          </a:xfrm>
+          <a:prstGeom prst="straightConnector1">
+            <a:avLst/>
+          </a:prstGeom>
+          <a:ln>
+            <a:tailEnd type="triangle"/>
+          </a:ln>
+        </p:spPr>
+        <p:style>
+          <a:lnRef idx="3">
+            <a:schemeClr val="dk1"/>
+          </a:lnRef>
+          <a:fillRef idx="0">
+            <a:schemeClr val="dk1"/>
+          </a:fillRef>
+          <a:effectRef idx="2">
+            <a:schemeClr val="dk1"/>
+          </a:effectRef>
+          <a:fontRef idx="minor">
+            <a:schemeClr val="tx1"/>
+          </a:fontRef>
+        </p:style>
+      </p:cxnSp>
+      <p:cxnSp>
+        <p:nvCxnSpPr>
+          <p:cNvPr id="13" name="Straight Arrow Connector 12">
+            <a:extLst>
+              <a:ext uri="{FF2B5EF4-FFF2-40B4-BE49-F238E27FC236}">
+                <a16:creationId xmlns:a16="http://schemas.microsoft.com/office/drawing/2014/main" id="{6048E075-CA63-49C7-B478-7490B78BC7F8}"/>
+              </a:ext>
+            </a:extLst>
+          </p:cNvPr>
+          <p:cNvCxnSpPr>
+            <a:cxnSpLocks/>
+          </p:cNvCxnSpPr>
+          <p:nvPr/>
+        </p:nvCxnSpPr>
+        <p:spPr>
+          <a:xfrm>
+            <a:off x="5411450" y="2908091"/>
+            <a:ext cx="509665" cy="0"/>
+          </a:xfrm>
+          <a:prstGeom prst="straightConnector1">
+            <a:avLst/>
+          </a:prstGeom>
+          <a:ln>
+            <a:tailEnd type="triangle"/>
+          </a:ln>
+        </p:spPr>
+        <p:style>
+          <a:lnRef idx="3">
+            <a:schemeClr val="dk1"/>
+          </a:lnRef>
+          <a:fillRef idx="0">
+            <a:schemeClr val="dk1"/>
+          </a:fillRef>
+          <a:effectRef idx="2">
+            <a:schemeClr val="dk1"/>
+          </a:effectRef>
+          <a:fontRef idx="minor">
+            <a:schemeClr val="tx1"/>
+          </a:fontRef>
+        </p:style>
+      </p:cxnSp>
+      <p:cxnSp>
+        <p:nvCxnSpPr>
+          <p:cNvPr id="14" name="Straight Arrow Connector 13">
+            <a:extLst>
+              <a:ext uri="{FF2B5EF4-FFF2-40B4-BE49-F238E27FC236}">
+                <a16:creationId xmlns:a16="http://schemas.microsoft.com/office/drawing/2014/main" id="{A84151BA-D23A-4352-A64F-A499902E5AA3}"/>
+              </a:ext>
+            </a:extLst>
+          </p:cNvPr>
+          <p:cNvCxnSpPr>
+            <a:cxnSpLocks/>
+          </p:cNvCxnSpPr>
+          <p:nvPr/>
+        </p:nvCxnSpPr>
+        <p:spPr>
+          <a:xfrm>
+            <a:off x="8409482" y="2878111"/>
+            <a:ext cx="509665" cy="0"/>
+          </a:xfrm>
+          <a:prstGeom prst="straightConnector1">
+            <a:avLst/>
+          </a:prstGeom>
+          <a:ln>
+            <a:tailEnd type="triangle"/>
+          </a:ln>
+        </p:spPr>
+        <p:style>
+          <a:lnRef idx="3">
+            <a:schemeClr val="dk1"/>
+          </a:lnRef>
+          <a:fillRef idx="0">
+            <a:schemeClr val="dk1"/>
+          </a:fillRef>
+          <a:effectRef idx="2">
+            <a:schemeClr val="dk1"/>
+          </a:effectRef>
+          <a:fontRef idx="minor">
+            <a:schemeClr val="tx1"/>
+          </a:fontRef>
+        </p:style>
+      </p:cxnSp>
+      <p:cxnSp>
+        <p:nvCxnSpPr>
+          <p:cNvPr id="15" name="Straight Connector 9">
+            <a:extLst>
+              <a:ext uri="{FF2B5EF4-FFF2-40B4-BE49-F238E27FC236}">
+                <a16:creationId xmlns:a16="http://schemas.microsoft.com/office/drawing/2014/main" id="{044729A2-C228-45CB-875E-41D5C061079D}"/>
+              </a:ext>
+            </a:extLst>
+          </p:cNvPr>
+          <p:cNvCxnSpPr>
+            <a:cxnSpLocks/>
+          </p:cNvCxnSpPr>
+          <p:nvPr/>
+        </p:nvCxnSpPr>
+        <p:spPr>
+          <a:xfrm>
+            <a:off x="569235" y="1210927"/>
+            <a:ext cx="11053530" cy="0"/>
+          </a:xfrm>
+          <a:prstGeom prst="line">
+            <a:avLst/>
+          </a:prstGeom>
+        </p:spPr>
+        <p:style>
+          <a:lnRef idx="3">
+            <a:schemeClr val="accent1"/>
+          </a:lnRef>
+          <a:fillRef idx="0">
+            <a:schemeClr val="accent1"/>
+          </a:fillRef>
+          <a:effectRef idx="2">
+            <a:schemeClr val="accent1"/>
+          </a:effectRef>
+          <a:fontRef idx="minor">
+            <a:schemeClr val="tx1"/>
+          </a:fontRef>
+        </p:style>
+      </p:cxnSp>
+    </p:spTree>
+    <p:extLst>
+      <p:ext uri="{BB962C8B-B14F-4D97-AF65-F5344CB8AC3E}">
+        <p14:creationId xmlns:p14="http://schemas.microsoft.com/office/powerpoint/2010/main" val="484556877"/>
       </p:ext>
     </p:extLst>
   </p:cSld>
@@ -12800,4 +15162,299 @@
     </a:ext>
   </a:extLst>
 </a:theme>
+</file>
+
+<file path=ppt/theme/theme2.xml><?xml version="1.0" encoding="utf-8"?>
+<a:theme xmlns:a="http://schemas.openxmlformats.org/drawingml/2006/main" name="Office Theme">
+  <a:themeElements>
+    <a:clrScheme name="Office">
+      <a:dk1>
+        <a:sysClr val="windowText" lastClr="000000"/>
+      </a:dk1>
+      <a:lt1>
+        <a:sysClr val="window" lastClr="FFFFFF"/>
+      </a:lt1>
+      <a:dk2>
+        <a:srgbClr val="44546A"/>
+      </a:dk2>
+      <a:lt2>
+        <a:srgbClr val="E7E6E6"/>
+      </a:lt2>
+      <a:accent1>
+        <a:srgbClr val="4472C4"/>
+      </a:accent1>
+      <a:accent2>
+        <a:srgbClr val="ED7D31"/>
+      </a:accent2>
+      <a:accent3>
+        <a:srgbClr val="A5A5A5"/>
+      </a:accent3>
+      <a:accent4>
+        <a:srgbClr val="FFC000"/>
+      </a:accent4>
+      <a:accent5>
+        <a:srgbClr val="5B9BD5"/>
+      </a:accent5>
+      <a:accent6>
+        <a:srgbClr val="70AD47"/>
+      </a:accent6>
+      <a:hlink>
+        <a:srgbClr val="0563C1"/>
+      </a:hlink>
+      <a:folHlink>
+        <a:srgbClr val="954F72"/>
+      </a:folHlink>
+    </a:clrScheme>
+    <a:fontScheme name="Office">
+      <a:majorFont>
+        <a:latin typeface="Calibri Light" panose="020F0302020204030204"/>
+        <a:ea typeface=""/>
+        <a:cs typeface=""/>
+        <a:font script="Jpan" typeface="游ゴシック Light"/>
+        <a:font script="Hang" typeface="맑은 고딕"/>
+        <a:font script="Hans" typeface="等线 Light"/>
+        <a:font script="Hant" typeface="新細明體"/>
+        <a:font script="Arab" typeface="Times New Roman"/>
+        <a:font script="Hebr" typeface="Times New Roman"/>
+        <a:font script="Thai" typeface="Angsana New"/>
+        <a:font script="Ethi" typeface="Nyala"/>
+        <a:font script="Beng" typeface="Vrinda"/>
+        <a:font script="Gujr" typeface="Shruti"/>
+        <a:font script="Khmr" typeface="MoolBoran"/>
+        <a:font script="Knda" typeface="Tunga"/>
+        <a:font script="Guru" typeface="Raavi"/>
+        <a:font script="Cans" typeface="Euphemia"/>
+        <a:font script="Cher" typeface="Plantagenet Cherokee"/>
+        <a:font script="Yiii" typeface="Microsoft Yi Baiti"/>
+        <a:font script="Tibt" typeface="Microsoft Himalaya"/>
+        <a:font script="Thaa" typeface="MV Boli"/>
+        <a:font script="Deva" typeface="Mangal"/>
+        <a:font script="Telu" typeface="Gautami"/>
+        <a:font script="Taml" typeface="Latha"/>
+        <a:font script="Syrc" typeface="Estrangelo Edessa"/>
+        <a:font script="Orya" typeface="Kalinga"/>
+        <a:font script="Mlym" typeface="Kartika"/>
+        <a:font script="Laoo" typeface="DokChampa"/>
+        <a:font script="Sinh" typeface="Iskoola Pota"/>
+        <a:font script="Mong" typeface="Mongolian Baiti"/>
+        <a:font script="Viet" typeface="Times New Roman"/>
+        <a:font script="Uigh" typeface="Microsoft Uighur"/>
+        <a:font script="Geor" typeface="Sylfaen"/>
+        <a:font script="Armn" typeface="Arial"/>
+        <a:font script="Bugi" typeface="Leelawadee UI"/>
+        <a:font script="Bopo" typeface="Microsoft JhengHei"/>
+        <a:font script="Java" typeface="Javanese Text"/>
+        <a:font script="Lisu" typeface="Segoe UI"/>
+        <a:font script="Mymr" typeface="Myanmar Text"/>
+        <a:font script="Nkoo" typeface="Ebrima"/>
+        <a:font script="Olck" typeface="Nirmala UI"/>
+        <a:font script="Osma" typeface="Ebrima"/>
+        <a:font script="Phag" typeface="Phagspa"/>
+        <a:font script="Syrn" typeface="Estrangelo Edessa"/>
+        <a:font script="Syrj" typeface="Estrangelo Edessa"/>
+        <a:font script="Syre" typeface="Estrangelo Edessa"/>
+        <a:font script="Sora" typeface="Nirmala UI"/>
+        <a:font script="Tale" typeface="Microsoft Tai Le"/>
+        <a:font script="Talu" typeface="Microsoft New Tai Lue"/>
+        <a:font script="Tfng" typeface="Ebrima"/>
+      </a:majorFont>
+      <a:minorFont>
+        <a:latin typeface="Calibri" panose="020F0502020204030204"/>
+        <a:ea typeface=""/>
+        <a:cs typeface=""/>
+        <a:font script="Jpan" typeface="游ゴシック"/>
+        <a:font script="Hang" typeface="맑은 고딕"/>
+        <a:font script="Hans" typeface="等线"/>
+        <a:font script="Hant" typeface="新細明體"/>
+        <a:font script="Arab" typeface="Arial"/>
+        <a:font script="Hebr" typeface="Arial"/>
+        <a:font script="Thai" typeface="Cordia New"/>
+        <a:font script="Ethi" typeface="Nyala"/>
+        <a:font script="Beng" typeface="Vrinda"/>
+        <a:font script="Gujr" typeface="Shruti"/>
+        <a:font script="Khmr" typeface="DaunPenh"/>
+        <a:font script="Knda" typeface="Tunga"/>
+        <a:font script="Guru" typeface="Raavi"/>
+        <a:font script="Cans" typeface="Euphemia"/>
+        <a:font script="Cher" typeface="Plantagenet Cherokee"/>
+        <a:font script="Yiii" typeface="Microsoft Yi Baiti"/>
+        <a:font script="Tibt" typeface="Microsoft Himalaya"/>
+        <a:font script="Thaa" typeface="MV Boli"/>
+        <a:font script="Deva" typeface="Mangal"/>
+        <a:font script="Telu" typeface="Gautami"/>
+        <a:font script="Taml" typeface="Latha"/>
+        <a:font script="Syrc" typeface="Estrangelo Edessa"/>
+        <a:font script="Orya" typeface="Kalinga"/>
+        <a:font script="Mlym" typeface="Kartika"/>
+        <a:font script="Laoo" typeface="DokChampa"/>
+        <a:font script="Sinh" typeface="Iskoola Pota"/>
+        <a:font script="Mong" typeface="Mongolian Baiti"/>
+        <a:font script="Viet" typeface="Arial"/>
+        <a:font script="Uigh" typeface="Microsoft Uighur"/>
+        <a:font script="Geor" typeface="Sylfaen"/>
+        <a:font script="Armn" typeface="Arial"/>
+        <a:font script="Bugi" typeface="Leelawadee UI"/>
+        <a:font script="Bopo" typeface="Microsoft JhengHei"/>
+        <a:font script="Java" typeface="Javanese Text"/>
+        <a:font script="Lisu" typeface="Segoe UI"/>
+        <a:font script="Mymr" typeface="Myanmar Text"/>
+        <a:font script="Nkoo" typeface="Ebrima"/>
+        <a:font script="Olck" typeface="Nirmala UI"/>
+        <a:font script="Osma" typeface="Ebrima"/>
+        <a:font script="Phag" typeface="Phagspa"/>
+        <a:font script="Syrn" typeface="Estrangelo Edessa"/>
+        <a:font script="Syrj" typeface="Estrangelo Edessa"/>
+        <a:font script="Syre" typeface="Estrangelo Edessa"/>
+        <a:font script="Sora" typeface="Nirmala UI"/>
+        <a:font script="Tale" typeface="Microsoft Tai Le"/>
+        <a:font script="Talu" typeface="Microsoft New Tai Lue"/>
+        <a:font script="Tfng" typeface="Ebrima"/>
+      </a:minorFont>
+    </a:fontScheme>
+    <a:fmtScheme name="Office">
+      <a:fillStyleLst>
+        <a:solidFill>
+          <a:schemeClr val="phClr"/>
+        </a:solidFill>
+        <a:gradFill rotWithShape="1">
+          <a:gsLst>
+            <a:gs pos="0">
+              <a:schemeClr val="phClr">
+                <a:lumMod val="110000"/>
+                <a:satMod val="105000"/>
+                <a:tint val="67000"/>
+              </a:schemeClr>
+            </a:gs>
+            <a:gs pos="50000">
+              <a:schemeClr val="phClr">
+                <a:lumMod val="105000"/>
+                <a:satMod val="103000"/>
+                <a:tint val="73000"/>
+              </a:schemeClr>
+            </a:gs>
+            <a:gs pos="100000">
+              <a:schemeClr val="phClr">
+                <a:lumMod val="105000"/>
+                <a:satMod val="109000"/>
+                <a:tint val="81000"/>
+              </a:schemeClr>
+            </a:gs>
+          </a:gsLst>
+          <a:lin ang="5400000" scaled="0"/>
+        </a:gradFill>
+        <a:gradFill rotWithShape="1">
+          <a:gsLst>
+            <a:gs pos="0">
+              <a:schemeClr val="phClr">
+                <a:satMod val="103000"/>
+                <a:lumMod val="102000"/>
+                <a:tint val="94000"/>
+              </a:schemeClr>
+            </a:gs>
+            <a:gs pos="50000">
+              <a:schemeClr val="phClr">
+                <a:satMod val="110000"/>
+                <a:lumMod val="100000"/>
+                <a:shade val="100000"/>
+              </a:schemeClr>
+            </a:gs>
+            <a:gs pos="100000">
+              <a:schemeClr val="phClr">
+                <a:lumMod val="99000"/>
+                <a:satMod val="120000"/>
+                <a:shade val="78000"/>
+              </a:schemeClr>
+            </a:gs>
+          </a:gsLst>
+          <a:lin ang="5400000" scaled="0"/>
+        </a:gradFill>
+      </a:fillStyleLst>
+      <a:lnStyleLst>
+        <a:ln w="6350" cap="flat" cmpd="sng" algn="ctr">
+          <a:solidFill>
+            <a:schemeClr val="phClr"/>
+          </a:solidFill>
+          <a:prstDash val="solid"/>
+          <a:miter lim="800000"/>
+        </a:ln>
+        <a:ln w="12700" cap="flat" cmpd="sng" algn="ctr">
+          <a:solidFill>
+            <a:schemeClr val="phClr"/>
+          </a:solidFill>
+          <a:prstDash val="solid"/>
+          <a:miter lim="800000"/>
+        </a:ln>
+        <a:ln w="19050" cap="flat" cmpd="sng" algn="ctr">
+          <a:solidFill>
+            <a:schemeClr val="phClr"/>
+          </a:solidFill>
+          <a:prstDash val="solid"/>
+          <a:miter lim="800000"/>
+        </a:ln>
+      </a:lnStyleLst>
+      <a:effectStyleLst>
+        <a:effectStyle>
+          <a:effectLst/>
+        </a:effectStyle>
+        <a:effectStyle>
+          <a:effectLst/>
+        </a:effectStyle>
+        <a:effectStyle>
+          <a:effectLst>
+            <a:outerShdw blurRad="57150" dist="19050" dir="5400000" algn="ctr" rotWithShape="0">
+              <a:srgbClr val="000000">
+                <a:alpha val="63000"/>
+              </a:srgbClr>
+            </a:outerShdw>
+          </a:effectLst>
+        </a:effectStyle>
+      </a:effectStyleLst>
+      <a:bgFillStyleLst>
+        <a:solidFill>
+          <a:schemeClr val="phClr"/>
+        </a:solidFill>
+        <a:solidFill>
+          <a:schemeClr val="phClr">
+            <a:tint val="95000"/>
+            <a:satMod val="170000"/>
+          </a:schemeClr>
+        </a:solidFill>
+        <a:gradFill rotWithShape="1">
+          <a:gsLst>
+            <a:gs pos="0">
+              <a:schemeClr val="phClr">
+                <a:tint val="93000"/>
+                <a:satMod val="150000"/>
+                <a:shade val="98000"/>
+                <a:lumMod val="102000"/>
+              </a:schemeClr>
+            </a:gs>
+            <a:gs pos="50000">
+              <a:schemeClr val="phClr">
+                <a:tint val="98000"/>
+                <a:satMod val="130000"/>
+                <a:shade val="90000"/>
+                <a:lumMod val="103000"/>
+              </a:schemeClr>
+            </a:gs>
+            <a:gs pos="100000">
+              <a:schemeClr val="phClr">
+                <a:shade val="63000"/>
+                <a:satMod val="120000"/>
+              </a:schemeClr>
+            </a:gs>
+          </a:gsLst>
+          <a:lin ang="5400000" scaled="0"/>
+        </a:gradFill>
+      </a:bgFillStyleLst>
+    </a:fmtScheme>
+  </a:themeElements>
+  <a:objectDefaults/>
+  <a:extraClrSchemeLst/>
+  <a:extLst>
+    <a:ext uri="{05A4C25C-085E-4340-85A3-A5531E510DB2}">
+      <thm15:themeFamily xmlns:thm15="http://schemas.microsoft.com/office/thememl/2012/main" name="Office Theme" id="{62F939B6-93AF-4DB8-9C6B-D6C7DFDC589F}" vid="{4A3C46E8-61CC-4603-A589-7422A47A8E4A}"/>
+    </a:ext>
+  </a:extLst>
+</a:theme>
 </file>
--- a/Servlet/Servlet_Presentation.pptx
+++ b/Servlet/Servlet_Presentation.pptx
@@ -220,7 +220,7 @@
           <a:p>
             <a:fld id="{F988C94B-7918-458B-9AF1-0DBDD7FC850F}" type="datetimeFigureOut">
               <a:rPr lang="en-US" smtClean="0"/>
-              <a:t>2022-06-28</a:t>
+              <a:t>2022-06-30</a:t>
             </a:fld>
             <a:endParaRPr lang="en-US"/>
           </a:p>
@@ -702,7 +702,7 @@
           <a:p>
             <a:fld id="{0A968979-5CB5-4E5D-B82F-DAC09775BD7D}" type="datetimeFigureOut">
               <a:rPr lang="en-US" smtClean="0"/>
-              <a:t>2022-06-28</a:t>
+              <a:t>2022-06-30</a:t>
             </a:fld>
             <a:endParaRPr lang="en-US"/>
           </a:p>
@@ -872,7 +872,7 @@
           <a:p>
             <a:fld id="{0A968979-5CB5-4E5D-B82F-DAC09775BD7D}" type="datetimeFigureOut">
               <a:rPr lang="en-US" smtClean="0"/>
-              <a:t>2022-06-28</a:t>
+              <a:t>2022-06-30</a:t>
             </a:fld>
             <a:endParaRPr lang="en-US"/>
           </a:p>
@@ -1052,7 +1052,7 @@
           <a:p>
             <a:fld id="{0A968979-5CB5-4E5D-B82F-DAC09775BD7D}" type="datetimeFigureOut">
               <a:rPr lang="en-US" smtClean="0"/>
-              <a:t>2022-06-28</a:t>
+              <a:t>2022-06-30</a:t>
             </a:fld>
             <a:endParaRPr lang="en-US"/>
           </a:p>
@@ -1222,7 +1222,7 @@
           <a:p>
             <a:fld id="{0A968979-5CB5-4E5D-B82F-DAC09775BD7D}" type="datetimeFigureOut">
               <a:rPr lang="en-US" smtClean="0"/>
-              <a:t>2022-06-28</a:t>
+              <a:t>2022-06-30</a:t>
             </a:fld>
             <a:endParaRPr lang="en-US"/>
           </a:p>
@@ -1468,7 +1468,7 @@
           <a:p>
             <a:fld id="{0A968979-5CB5-4E5D-B82F-DAC09775BD7D}" type="datetimeFigureOut">
               <a:rPr lang="en-US" smtClean="0"/>
-              <a:t>2022-06-28</a:t>
+              <a:t>2022-06-30</a:t>
             </a:fld>
             <a:endParaRPr lang="en-US"/>
           </a:p>
@@ -1700,7 +1700,7 @@
           <a:p>
             <a:fld id="{0A968979-5CB5-4E5D-B82F-DAC09775BD7D}" type="datetimeFigureOut">
               <a:rPr lang="en-US" smtClean="0"/>
-              <a:t>2022-06-28</a:t>
+              <a:t>2022-06-30</a:t>
             </a:fld>
             <a:endParaRPr lang="en-US"/>
           </a:p>
@@ -2067,7 +2067,7 @@
           <a:p>
             <a:fld id="{0A968979-5CB5-4E5D-B82F-DAC09775BD7D}" type="datetimeFigureOut">
               <a:rPr lang="en-US" smtClean="0"/>
-              <a:t>2022-06-28</a:t>
+              <a:t>2022-06-30</a:t>
             </a:fld>
             <a:endParaRPr lang="en-US"/>
           </a:p>
@@ -2185,7 +2185,7 @@
           <a:p>
             <a:fld id="{0A968979-5CB5-4E5D-B82F-DAC09775BD7D}" type="datetimeFigureOut">
               <a:rPr lang="en-US" smtClean="0"/>
-              <a:t>2022-06-28</a:t>
+              <a:t>2022-06-30</a:t>
             </a:fld>
             <a:endParaRPr lang="en-US"/>
           </a:p>
@@ -2280,7 +2280,7 @@
           <a:p>
             <a:fld id="{0A968979-5CB5-4E5D-B82F-DAC09775BD7D}" type="datetimeFigureOut">
               <a:rPr lang="en-US" smtClean="0"/>
-              <a:t>2022-06-28</a:t>
+              <a:t>2022-06-30</a:t>
             </a:fld>
             <a:endParaRPr lang="en-US"/>
           </a:p>
@@ -2557,7 +2557,7 @@
           <a:p>
             <a:fld id="{0A968979-5CB5-4E5D-B82F-DAC09775BD7D}" type="datetimeFigureOut">
               <a:rPr lang="en-US" smtClean="0"/>
-              <a:t>2022-06-28</a:t>
+              <a:t>2022-06-30</a:t>
             </a:fld>
             <a:endParaRPr lang="en-US"/>
           </a:p>
@@ -2814,7 +2814,7 @@
           <a:p>
             <a:fld id="{0A968979-5CB5-4E5D-B82F-DAC09775BD7D}" type="datetimeFigureOut">
               <a:rPr lang="en-US" smtClean="0"/>
-              <a:t>2022-06-28</a:t>
+              <a:t>2022-06-30</a:t>
             </a:fld>
             <a:endParaRPr lang="en-US"/>
           </a:p>
@@ -3027,7 +3027,7 @@
           <a:p>
             <a:fld id="{0A968979-5CB5-4E5D-B82F-DAC09775BD7D}" type="datetimeFigureOut">
               <a:rPr lang="en-US" smtClean="0"/>
-              <a:t>2022-06-28</a:t>
+              <a:t>2022-06-30</a:t>
             </a:fld>
             <a:endParaRPr lang="en-US"/>
           </a:p>
@@ -11840,7 +11840,7 @@
         </p:nvSpPr>
         <p:spPr>
           <a:xfrm>
-            <a:off x="2564252" y="3804669"/>
+            <a:off x="2564253" y="3724324"/>
             <a:ext cx="7063491" cy="2193425"/>
           </a:xfrm>
         </p:spPr>
@@ -12176,7 +12176,7 @@
         <p:spPr>
           <a:xfrm>
             <a:off x="3189781" y="1652979"/>
-            <a:ext cx="6117236" cy="807906"/>
+            <a:ext cx="6117236" cy="497059"/>
           </a:xfrm>
           <a:prstGeom prst="rect">
             <a:avLst/>
@@ -12444,7 +12444,7 @@
         <p:spPr>
           <a:xfrm>
             <a:off x="234532" y="2669347"/>
-            <a:ext cx="11722933" cy="807906"/>
+            <a:ext cx="11722933" cy="535668"/>
           </a:xfrm>
           <a:prstGeom prst="rect">
             <a:avLst/>
@@ -12654,7 +12654,7 @@
         </p:nvCxnSpPr>
         <p:spPr>
           <a:xfrm>
-            <a:off x="2309421" y="2863121"/>
+            <a:off x="2309420" y="2908091"/>
             <a:ext cx="509665" cy="0"/>
           </a:xfrm>
           <a:prstGeom prst="straightConnector1">
@@ -12695,7 +12695,7 @@
         </p:nvCxnSpPr>
         <p:spPr>
           <a:xfrm>
-            <a:off x="5411450" y="2908091"/>
+            <a:off x="5402214" y="2908091"/>
             <a:ext cx="509665" cy="0"/>
           </a:xfrm>
           <a:prstGeom prst="straightConnector1">
@@ -12736,7 +12736,7 @@
         </p:nvCxnSpPr>
         <p:spPr>
           <a:xfrm>
-            <a:off x="8409482" y="2878111"/>
+            <a:off x="8400246" y="2908091"/>
             <a:ext cx="509665" cy="0"/>
           </a:xfrm>
           <a:prstGeom prst="straightConnector1">

--- a/Servlet/Servlet_Presentation.pptx
+++ b/Servlet/Servlet_Presentation.pptx
@@ -5,7 +5,7 @@
     <p:sldMasterId id="2147483684" r:id="rId1"/>
   </p:sldMasterIdLst>
   <p:notesMasterIdLst>
-    <p:notesMasterId r:id="rId26"/>
+    <p:notesMasterId r:id="rId27"/>
   </p:notesMasterIdLst>
   <p:sldIdLst>
     <p:sldId id="257" r:id="rId2"/>
@@ -32,6 +32,7 @@
     <p:sldId id="278" r:id="rId23"/>
     <p:sldId id="279" r:id="rId24"/>
     <p:sldId id="280" r:id="rId25"/>
+    <p:sldId id="281" r:id="rId26"/>
   </p:sldIdLst>
   <p:sldSz cx="12192000" cy="6858000"/>
   <p:notesSz cx="6858000" cy="9144000"/>
@@ -220,7 +221,7 @@
           <a:p>
             <a:fld id="{F988C94B-7918-458B-9AF1-0DBDD7FC850F}" type="datetimeFigureOut">
               <a:rPr lang="en-US" smtClean="0"/>
-              <a:t>2022-06-30</a:t>
+              <a:t>2022-07-07</a:t>
             </a:fld>
             <a:endParaRPr lang="en-US"/>
           </a:p>
@@ -702,7 +703,7 @@
           <a:p>
             <a:fld id="{0A968979-5CB5-4E5D-B82F-DAC09775BD7D}" type="datetimeFigureOut">
               <a:rPr lang="en-US" smtClean="0"/>
-              <a:t>2022-06-30</a:t>
+              <a:t>2022-07-07</a:t>
             </a:fld>
             <a:endParaRPr lang="en-US"/>
           </a:p>
@@ -872,7 +873,7 @@
           <a:p>
             <a:fld id="{0A968979-5CB5-4E5D-B82F-DAC09775BD7D}" type="datetimeFigureOut">
               <a:rPr lang="en-US" smtClean="0"/>
-              <a:t>2022-06-30</a:t>
+              <a:t>2022-07-07</a:t>
             </a:fld>
             <a:endParaRPr lang="en-US"/>
           </a:p>
@@ -1052,7 +1053,7 @@
           <a:p>
             <a:fld id="{0A968979-5CB5-4E5D-B82F-DAC09775BD7D}" type="datetimeFigureOut">
               <a:rPr lang="en-US" smtClean="0"/>
-              <a:t>2022-06-30</a:t>
+              <a:t>2022-07-07</a:t>
             </a:fld>
             <a:endParaRPr lang="en-US"/>
           </a:p>
@@ -1222,7 +1223,7 @@
           <a:p>
             <a:fld id="{0A968979-5CB5-4E5D-B82F-DAC09775BD7D}" type="datetimeFigureOut">
               <a:rPr lang="en-US" smtClean="0"/>
-              <a:t>2022-06-30</a:t>
+              <a:t>2022-07-07</a:t>
             </a:fld>
             <a:endParaRPr lang="en-US"/>
           </a:p>
@@ -1468,7 +1469,7 @@
           <a:p>
             <a:fld id="{0A968979-5CB5-4E5D-B82F-DAC09775BD7D}" type="datetimeFigureOut">
               <a:rPr lang="en-US" smtClean="0"/>
-              <a:t>2022-06-30</a:t>
+              <a:t>2022-07-07</a:t>
             </a:fld>
             <a:endParaRPr lang="en-US"/>
           </a:p>
@@ -1700,7 +1701,7 @@
           <a:p>
             <a:fld id="{0A968979-5CB5-4E5D-B82F-DAC09775BD7D}" type="datetimeFigureOut">
               <a:rPr lang="en-US" smtClean="0"/>
-              <a:t>2022-06-30</a:t>
+              <a:t>2022-07-07</a:t>
             </a:fld>
             <a:endParaRPr lang="en-US"/>
           </a:p>
@@ -2067,7 +2068,7 @@
           <a:p>
             <a:fld id="{0A968979-5CB5-4E5D-B82F-DAC09775BD7D}" type="datetimeFigureOut">
               <a:rPr lang="en-US" smtClean="0"/>
-              <a:t>2022-06-30</a:t>
+              <a:t>2022-07-07</a:t>
             </a:fld>
             <a:endParaRPr lang="en-US"/>
           </a:p>
@@ -2185,7 +2186,7 @@
           <a:p>
             <a:fld id="{0A968979-5CB5-4E5D-B82F-DAC09775BD7D}" type="datetimeFigureOut">
               <a:rPr lang="en-US" smtClean="0"/>
-              <a:t>2022-06-30</a:t>
+              <a:t>2022-07-07</a:t>
             </a:fld>
             <a:endParaRPr lang="en-US"/>
           </a:p>
@@ -2280,7 +2281,7 @@
           <a:p>
             <a:fld id="{0A968979-5CB5-4E5D-B82F-DAC09775BD7D}" type="datetimeFigureOut">
               <a:rPr lang="en-US" smtClean="0"/>
-              <a:t>2022-06-30</a:t>
+              <a:t>2022-07-07</a:t>
             </a:fld>
             <a:endParaRPr lang="en-US"/>
           </a:p>
@@ -2557,7 +2558,7 @@
           <a:p>
             <a:fld id="{0A968979-5CB5-4E5D-B82F-DAC09775BD7D}" type="datetimeFigureOut">
               <a:rPr lang="en-US" smtClean="0"/>
-              <a:t>2022-06-30</a:t>
+              <a:t>2022-07-07</a:t>
             </a:fld>
             <a:endParaRPr lang="en-US"/>
           </a:p>
@@ -2814,7 +2815,7 @@
           <a:p>
             <a:fld id="{0A968979-5CB5-4E5D-B82F-DAC09775BD7D}" type="datetimeFigureOut">
               <a:rPr lang="en-US" smtClean="0"/>
-              <a:t>2022-06-30</a:t>
+              <a:t>2022-07-07</a:t>
             </a:fld>
             <a:endParaRPr lang="en-US"/>
           </a:p>
@@ -3027,7 +3028,7 @@
           <a:p>
             <a:fld id="{0A968979-5CB5-4E5D-B82F-DAC09775BD7D}" type="datetimeFigureOut">
               <a:rPr lang="en-US" smtClean="0"/>
-              <a:t>2022-06-30</a:t>
+              <a:t>2022-07-07</a:t>
             </a:fld>
             <a:endParaRPr lang="en-US"/>
           </a:p>
@@ -10037,7 +10038,7 @@
           <p:nvPr>
             <p:extLst>
               <p:ext uri="{D42A27DB-BD31-4B8C-83A1-F6EECF244321}">
-                <p14:modId xmlns:p14="http://schemas.microsoft.com/office/powerpoint/2010/main" val="2058318939"/>
+                <p14:modId xmlns:p14="http://schemas.microsoft.com/office/powerpoint/2010/main" val="3100645177"/>
               </p:ext>
             </p:extLst>
           </p:nvPr>
@@ -12812,6 +12813,524 @@
 </p:sld>
 </file>
 
+<file path=ppt/slides/slide25.xml><?xml version="1.0" encoding="utf-8"?>
+<p:sld xmlns:a="http://schemas.openxmlformats.org/drawingml/2006/main" xmlns:r="http://schemas.openxmlformats.org/officeDocument/2006/relationships" xmlns:p="http://schemas.openxmlformats.org/presentationml/2006/main">
+  <p:cSld>
+    <p:bg>
+      <p:bgRef idx="1001">
+        <a:schemeClr val="bg1"/>
+      </p:bgRef>
+    </p:bg>
+    <p:spTree>
+      <p:nvGrpSpPr>
+        <p:cNvPr id="1" name=""/>
+        <p:cNvGrpSpPr/>
+        <p:nvPr/>
+      </p:nvGrpSpPr>
+      <p:grpSpPr>
+        <a:xfrm>
+          <a:off x="0" y="0"/>
+          <a:ext cx="0" cy="0"/>
+          <a:chOff x="0" y="0"/>
+          <a:chExt cx="0" cy="0"/>
+        </a:xfrm>
+      </p:grpSpPr>
+      <p:sp>
+        <p:nvSpPr>
+          <p:cNvPr id="2" name="Title 1">
+            <a:extLst>
+              <a:ext uri="{FF2B5EF4-FFF2-40B4-BE49-F238E27FC236}">
+                <a16:creationId xmlns:a16="http://schemas.microsoft.com/office/drawing/2014/main" id="{30211D06-EE15-49A4-9A1C-1066724B6CF0}"/>
+              </a:ext>
+            </a:extLst>
+          </p:cNvPr>
+          <p:cNvSpPr>
+            <a:spLocks noGrp="1"/>
+          </p:cNvSpPr>
+          <p:nvPr>
+            <p:ph type="title"/>
+          </p:nvPr>
+        </p:nvSpPr>
+        <p:spPr>
+          <a:xfrm>
+            <a:off x="838200" y="192713"/>
+            <a:ext cx="10515600" cy="1325563"/>
+          </a:xfrm>
+        </p:spPr>
+        <p:txBody>
+          <a:bodyPr/>
+          <a:lstStyle/>
+          <a:p>
+            <a:pPr algn="ctr"/>
+            <a:r>
+              <a:rPr lang="en-US" b="0" i="0" dirty="0">
+                <a:solidFill>
+                  <a:srgbClr val="3D3B49"/>
+                </a:solidFill>
+                <a:effectLst/>
+                <a:latin typeface="Noto Serif" panose="020B0604020202020204" pitchFamily="18" charset="0"/>
+              </a:rPr>
+              <a:t>&lt;</a:t>
+            </a:r>
+            <a:r>
+              <a:rPr lang="en-US" b="0" i="0" dirty="0" err="1">
+                <a:solidFill>
+                  <a:srgbClr val="3D3B49"/>
+                </a:solidFill>
+                <a:effectLst/>
+                <a:latin typeface="Noto Serif" panose="020B0604020202020204" pitchFamily="18" charset="0"/>
+              </a:rPr>
+              <a:t>jsp:useBean</a:t>
+            </a:r>
+            <a:r>
+              <a:rPr lang="en-US" b="0" i="0" dirty="0">
+                <a:solidFill>
+                  <a:srgbClr val="3D3B49"/>
+                </a:solidFill>
+                <a:effectLst/>
+                <a:latin typeface="Noto Serif" panose="020B0604020202020204" pitchFamily="18" charset="0"/>
+              </a:rPr>
+              <a:t>&gt; </a:t>
+            </a:r>
+            <a:r>
+              <a:rPr lang="en-US" dirty="0">
+                <a:solidFill>
+                  <a:srgbClr val="3D3B49"/>
+                </a:solidFill>
+                <a:latin typeface="Noto Serif" panose="020B0604020202020204" pitchFamily="18" charset="0"/>
+              </a:rPr>
+              <a:t>and</a:t>
+            </a:r>
+            <a:r>
+              <a:rPr lang="ru-RU" b="0" i="0" dirty="0">
+                <a:solidFill>
+                  <a:srgbClr val="3D3B49"/>
+                </a:solidFill>
+                <a:effectLst/>
+                <a:latin typeface="Noto Serif" panose="020B0604020202020204" pitchFamily="18" charset="0"/>
+              </a:rPr>
+              <a:t> &lt;</a:t>
+            </a:r>
+            <a:r>
+              <a:rPr lang="en-US" b="0" i="0" dirty="0" err="1">
+                <a:solidFill>
+                  <a:srgbClr val="3D3B49"/>
+                </a:solidFill>
+                <a:effectLst/>
+                <a:latin typeface="Noto Serif" panose="020B0604020202020204" pitchFamily="18" charset="0"/>
+              </a:rPr>
+              <a:t>jsp:getProperty</a:t>
+            </a:r>
+            <a:r>
+              <a:rPr lang="en-US" b="0" i="0" dirty="0">
+                <a:solidFill>
+                  <a:srgbClr val="3D3B49"/>
+                </a:solidFill>
+                <a:effectLst/>
+                <a:latin typeface="Noto Serif" panose="020B0604020202020204" pitchFamily="18" charset="0"/>
+              </a:rPr>
+              <a:t>&gt;</a:t>
+            </a:r>
+            <a:br>
+              <a:rPr lang="en-US" b="0" i="0" dirty="0">
+                <a:solidFill>
+                  <a:srgbClr val="3D3B49"/>
+                </a:solidFill>
+                <a:effectLst/>
+                <a:latin typeface="Noto Serif" panose="020B0604020202020204" pitchFamily="18" charset="0"/>
+              </a:rPr>
+            </a:br>
+            <a:endParaRPr lang="en-US" dirty="0"/>
+          </a:p>
+        </p:txBody>
+      </p:sp>
+      <p:sp>
+        <p:nvSpPr>
+          <p:cNvPr id="3" name="Content Placeholder 2">
+            <a:extLst>
+              <a:ext uri="{FF2B5EF4-FFF2-40B4-BE49-F238E27FC236}">
+                <a16:creationId xmlns:a16="http://schemas.microsoft.com/office/drawing/2014/main" id="{F511094B-555E-4026-81D3-E5A762AB5425}"/>
+              </a:ext>
+            </a:extLst>
+          </p:cNvPr>
+          <p:cNvSpPr>
+            <a:spLocks noGrp="1"/>
+          </p:cNvSpPr>
+          <p:nvPr>
+            <p:ph idx="1"/>
+          </p:nvPr>
+        </p:nvSpPr>
+        <p:spPr>
+          <a:xfrm>
+            <a:off x="838200" y="1518276"/>
+            <a:ext cx="11053529" cy="4665109"/>
+          </a:xfrm>
+        </p:spPr>
+        <p:txBody>
+          <a:bodyPr/>
+          <a:lstStyle/>
+          <a:p>
+            <a:pPr marL="0" indent="0" algn="ctr">
+              <a:buNone/>
+            </a:pPr>
+            <a:endParaRPr lang="en-US" dirty="0"/>
+          </a:p>
+          <a:p>
+            <a:pPr marL="0" indent="0">
+              <a:buNone/>
+            </a:pPr>
+            <a:r>
+              <a:rPr lang="hy-AM" sz="2900" dirty="0">
+                <a:effectLst>
+                  <a:outerShdw blurRad="38100" dist="38100" dir="2700000" algn="tl">
+                    <a:srgbClr val="000000">
+                      <a:alpha val="43137"/>
+                    </a:srgbClr>
+                  </a:outerShdw>
+                </a:effectLst>
+                <a:latin typeface="Sylfaen" panose="010A0502050306030303" pitchFamily="18" charset="0"/>
+              </a:rPr>
+              <a:t>&lt;</a:t>
+            </a:r>
+            <a:r>
+              <a:rPr lang="en-US" sz="2900" dirty="0" err="1">
+                <a:effectLst>
+                  <a:outerShdw blurRad="38100" dist="38100" dir="2700000" algn="tl">
+                    <a:srgbClr val="000000">
+                      <a:alpha val="43137"/>
+                    </a:srgbClr>
+                  </a:outerShdw>
+                </a:effectLst>
+                <a:latin typeface="Sylfaen" panose="010A0502050306030303" pitchFamily="18" charset="0"/>
+              </a:rPr>
+              <a:t>jsp:useBean</a:t>
+            </a:r>
+            <a:r>
+              <a:rPr lang="en-US" sz="2900" dirty="0">
+                <a:effectLst>
+                  <a:outerShdw blurRad="38100" dist="38100" dir="2700000" algn="tl">
+                    <a:srgbClr val="000000">
+                      <a:alpha val="43137"/>
+                    </a:srgbClr>
+                  </a:outerShdw>
+                </a:effectLst>
+                <a:latin typeface="Sylfaen" panose="010A0502050306030303" pitchFamily="18" charset="0"/>
+              </a:rPr>
+              <a:t> id=“person” class=“</a:t>
+            </a:r>
+            <a:r>
+              <a:rPr lang="en-US" sz="2900" dirty="0" err="1">
+                <a:effectLst>
+                  <a:outerShdw blurRad="38100" dist="38100" dir="2700000" algn="tl">
+                    <a:srgbClr val="000000">
+                      <a:alpha val="43137"/>
+                    </a:srgbClr>
+                  </a:outerShdw>
+                </a:effectLst>
+                <a:latin typeface="Sylfaen" panose="010A0502050306030303" pitchFamily="18" charset="0"/>
+              </a:rPr>
+              <a:t>foo.Person</a:t>
+            </a:r>
+            <a:r>
+              <a:rPr lang="en-US" sz="2900" dirty="0">
+                <a:effectLst>
+                  <a:outerShdw blurRad="38100" dist="38100" dir="2700000" algn="tl">
+                    <a:srgbClr val="000000">
+                      <a:alpha val="43137"/>
+                    </a:srgbClr>
+                  </a:outerShdw>
+                </a:effectLst>
+                <a:latin typeface="Sylfaen" panose="010A0502050306030303" pitchFamily="18" charset="0"/>
+              </a:rPr>
+              <a:t>” scope=“request” &gt;</a:t>
+            </a:r>
+          </a:p>
+          <a:p>
+            <a:pPr marL="0" indent="0">
+              <a:buNone/>
+            </a:pPr>
+            <a:endParaRPr lang="en-US" sz="2900" dirty="0">
+              <a:effectLst>
+                <a:outerShdw blurRad="38100" dist="38100" dir="2700000" algn="tl">
+                  <a:srgbClr val="000000">
+                    <a:alpha val="43137"/>
+                  </a:srgbClr>
+                </a:outerShdw>
+              </a:effectLst>
+              <a:latin typeface="Sylfaen" panose="010A0502050306030303" pitchFamily="18" charset="0"/>
+            </a:endParaRPr>
+          </a:p>
+          <a:p>
+            <a:pPr marL="0" indent="0">
+              <a:buNone/>
+            </a:pPr>
+            <a:r>
+              <a:rPr lang="hy-AM" sz="2900" dirty="0">
+                <a:effectLst>
+                  <a:outerShdw blurRad="38100" dist="38100" dir="2700000" algn="tl">
+                    <a:srgbClr val="000000">
+                      <a:alpha val="43137"/>
+                    </a:srgbClr>
+                  </a:outerShdw>
+                </a:effectLst>
+                <a:latin typeface="Sylfaen" panose="010A0502050306030303" pitchFamily="18" charset="0"/>
+              </a:rPr>
+              <a:t>	&lt;</a:t>
+            </a:r>
+            <a:r>
+              <a:rPr lang="en-US" sz="2900" dirty="0" err="1">
+                <a:effectLst>
+                  <a:outerShdw blurRad="38100" dist="38100" dir="2700000" algn="tl">
+                    <a:srgbClr val="000000">
+                      <a:alpha val="43137"/>
+                    </a:srgbClr>
+                  </a:outerShdw>
+                </a:effectLst>
+                <a:latin typeface="Sylfaen" panose="010A0502050306030303" pitchFamily="18" charset="0"/>
+              </a:rPr>
+              <a:t>jsp:getProperty</a:t>
+            </a:r>
+            <a:r>
+              <a:rPr lang="en-US" sz="2900" dirty="0">
+                <a:effectLst>
+                  <a:outerShdw blurRad="38100" dist="38100" dir="2700000" algn="tl">
+                    <a:srgbClr val="000000">
+                      <a:alpha val="43137"/>
+                    </a:srgbClr>
+                  </a:outerShdw>
+                </a:effectLst>
+                <a:latin typeface="Sylfaen" panose="010A0502050306030303" pitchFamily="18" charset="0"/>
+              </a:rPr>
+              <a:t> name=“person” property=“</a:t>
+            </a:r>
+            <a:r>
+              <a:rPr lang="en-US" sz="2900" dirty="0" err="1">
+                <a:effectLst>
+                  <a:outerShdw blurRad="38100" dist="38100" dir="2700000" algn="tl">
+                    <a:srgbClr val="000000">
+                      <a:alpha val="43137"/>
+                    </a:srgbClr>
+                  </a:outerShdw>
+                </a:effectLst>
+                <a:latin typeface="Sylfaen" panose="010A0502050306030303" pitchFamily="18" charset="0"/>
+              </a:rPr>
+              <a:t>firstName</a:t>
+            </a:r>
+            <a:r>
+              <a:rPr lang="en-US" sz="2900" dirty="0">
+                <a:effectLst>
+                  <a:outerShdw blurRad="38100" dist="38100" dir="2700000" algn="tl">
+                    <a:srgbClr val="000000">
+                      <a:alpha val="43137"/>
+                    </a:srgbClr>
+                  </a:outerShdw>
+                </a:effectLst>
+                <a:latin typeface="Sylfaen" panose="010A0502050306030303" pitchFamily="18" charset="0"/>
+              </a:rPr>
+              <a:t>” /&gt;</a:t>
+            </a:r>
+            <a:endParaRPr lang="hy-AM" sz="2900" dirty="0">
+              <a:effectLst>
+                <a:outerShdw blurRad="38100" dist="38100" dir="2700000" algn="tl">
+                  <a:srgbClr val="000000">
+                    <a:alpha val="43137"/>
+                  </a:srgbClr>
+                </a:outerShdw>
+              </a:effectLst>
+              <a:latin typeface="Sylfaen" panose="010A0502050306030303" pitchFamily="18" charset="0"/>
+            </a:endParaRPr>
+          </a:p>
+          <a:p>
+            <a:pPr marL="0" indent="0">
+              <a:buNone/>
+            </a:pPr>
+            <a:endParaRPr lang="en-US" sz="2900" dirty="0">
+              <a:effectLst>
+                <a:outerShdw blurRad="38100" dist="38100" dir="2700000" algn="tl">
+                  <a:srgbClr val="000000">
+                    <a:alpha val="43137"/>
+                  </a:srgbClr>
+                </a:outerShdw>
+              </a:effectLst>
+              <a:latin typeface="Sylfaen" panose="010A0502050306030303" pitchFamily="18" charset="0"/>
+            </a:endParaRPr>
+          </a:p>
+          <a:p>
+            <a:pPr marL="0" indent="0">
+              <a:buNone/>
+            </a:pPr>
+            <a:r>
+              <a:rPr lang="hy-AM" sz="2900" dirty="0">
+                <a:effectLst>
+                  <a:outerShdw blurRad="38100" dist="38100" dir="2700000" algn="tl">
+                    <a:srgbClr val="000000">
+                      <a:alpha val="43137"/>
+                    </a:srgbClr>
+                  </a:outerShdw>
+                </a:effectLst>
+                <a:latin typeface="Sylfaen" panose="010A0502050306030303" pitchFamily="18" charset="0"/>
+              </a:rPr>
+              <a:t>	&lt;jsp:setProperty name="person" property="name" value=</a:t>
+            </a:r>
+            <a:r>
+              <a:rPr lang="en-US" sz="2900" dirty="0">
+                <a:effectLst>
+                  <a:outerShdw blurRad="38100" dist="38100" dir="2700000" algn="tl">
+                    <a:srgbClr val="000000">
+                      <a:alpha val="43137"/>
+                    </a:srgbClr>
+                  </a:outerShdw>
+                </a:effectLst>
+                <a:latin typeface="Sylfaen" panose="010A0502050306030303" pitchFamily="18" charset="0"/>
+              </a:rPr>
+              <a:t>John</a:t>
+            </a:r>
+            <a:r>
+              <a:rPr lang="hy-AM" sz="2900" dirty="0">
+                <a:effectLst>
+                  <a:outerShdw blurRad="38100" dist="38100" dir="2700000" algn="tl">
+                    <a:srgbClr val="000000">
+                      <a:alpha val="43137"/>
+                    </a:srgbClr>
+                  </a:outerShdw>
+                </a:effectLst>
+                <a:latin typeface="Sylfaen" panose="010A0502050306030303" pitchFamily="18" charset="0"/>
+              </a:rPr>
+              <a:t>" /&gt;</a:t>
+            </a:r>
+            <a:endParaRPr lang="en-US" sz="2900" dirty="0">
+              <a:effectLst>
+                <a:outerShdw blurRad="38100" dist="38100" dir="2700000" algn="tl">
+                  <a:srgbClr val="000000">
+                    <a:alpha val="43137"/>
+                  </a:srgbClr>
+                </a:outerShdw>
+              </a:effectLst>
+              <a:latin typeface="Sylfaen" panose="010A0502050306030303" pitchFamily="18" charset="0"/>
+            </a:endParaRPr>
+          </a:p>
+          <a:p>
+            <a:pPr marL="0" indent="0">
+              <a:buNone/>
+            </a:pPr>
+            <a:endParaRPr lang="hy-AM" sz="2900" dirty="0">
+              <a:effectLst>
+                <a:outerShdw blurRad="38100" dist="38100" dir="2700000" algn="tl">
+                  <a:srgbClr val="000000">
+                    <a:alpha val="43137"/>
+                  </a:srgbClr>
+                </a:outerShdw>
+              </a:effectLst>
+              <a:latin typeface="Sylfaen" panose="010A0502050306030303" pitchFamily="18" charset="0"/>
+            </a:endParaRPr>
+          </a:p>
+          <a:p>
+            <a:pPr marL="0" indent="0">
+              <a:buNone/>
+            </a:pPr>
+            <a:r>
+              <a:rPr lang="hy-AM" sz="2900" dirty="0">
+                <a:effectLst>
+                  <a:outerShdw blurRad="38100" dist="38100" dir="2700000" algn="tl">
+                    <a:srgbClr val="000000">
+                      <a:alpha val="43137"/>
+                    </a:srgbClr>
+                  </a:outerShdw>
+                </a:effectLst>
+                <a:latin typeface="Sylfaen" panose="010A0502050306030303" pitchFamily="18" charset="0"/>
+              </a:rPr>
+              <a:t>&lt;/ </a:t>
+            </a:r>
+            <a:r>
+              <a:rPr lang="en-US" sz="2900" dirty="0" err="1">
+                <a:effectLst>
+                  <a:outerShdw blurRad="38100" dist="38100" dir="2700000" algn="tl">
+                    <a:srgbClr val="000000">
+                      <a:alpha val="43137"/>
+                    </a:srgbClr>
+                  </a:outerShdw>
+                </a:effectLst>
+                <a:latin typeface="Sylfaen" panose="010A0502050306030303" pitchFamily="18" charset="0"/>
+              </a:rPr>
+              <a:t>jsp:useBean</a:t>
+            </a:r>
+            <a:r>
+              <a:rPr lang="hy-AM" sz="2900" dirty="0">
+                <a:effectLst>
+                  <a:outerShdw blurRad="38100" dist="38100" dir="2700000" algn="tl">
+                    <a:srgbClr val="000000">
+                      <a:alpha val="43137"/>
+                    </a:srgbClr>
+                  </a:outerShdw>
+                </a:effectLst>
+                <a:latin typeface="Sylfaen" panose="010A0502050306030303" pitchFamily="18" charset="0"/>
+              </a:rPr>
+              <a:t> &gt;</a:t>
+            </a:r>
+            <a:endParaRPr lang="en-US" sz="2900" dirty="0">
+              <a:effectLst>
+                <a:outerShdw blurRad="38100" dist="38100" dir="2700000" algn="tl">
+                  <a:srgbClr val="000000">
+                    <a:alpha val="43137"/>
+                  </a:srgbClr>
+                </a:outerShdw>
+              </a:effectLst>
+              <a:latin typeface="Sylfaen" panose="010A0502050306030303" pitchFamily="18" charset="0"/>
+            </a:endParaRPr>
+          </a:p>
+        </p:txBody>
+      </p:sp>
+      <p:cxnSp>
+        <p:nvCxnSpPr>
+          <p:cNvPr id="6" name="Straight Connector 9">
+            <a:extLst>
+              <a:ext uri="{FF2B5EF4-FFF2-40B4-BE49-F238E27FC236}">
+                <a16:creationId xmlns:a16="http://schemas.microsoft.com/office/drawing/2014/main" id="{66A26303-DF12-46ED-8B5B-D33967CF18C4}"/>
+              </a:ext>
+            </a:extLst>
+          </p:cNvPr>
+          <p:cNvCxnSpPr>
+            <a:cxnSpLocks/>
+          </p:cNvCxnSpPr>
+          <p:nvPr/>
+        </p:nvCxnSpPr>
+        <p:spPr>
+          <a:xfrm>
+            <a:off x="569235" y="1146273"/>
+            <a:ext cx="11053530" cy="0"/>
+          </a:xfrm>
+          <a:prstGeom prst="line">
+            <a:avLst/>
+          </a:prstGeom>
+        </p:spPr>
+        <p:style>
+          <a:lnRef idx="3">
+            <a:schemeClr val="accent1"/>
+          </a:lnRef>
+          <a:fillRef idx="0">
+            <a:schemeClr val="accent1"/>
+          </a:fillRef>
+          <a:effectRef idx="2">
+            <a:schemeClr val="accent1"/>
+          </a:effectRef>
+          <a:fontRef idx="minor">
+            <a:schemeClr val="tx1"/>
+          </a:fontRef>
+        </p:style>
+      </p:cxnSp>
+    </p:spTree>
+    <p:extLst>
+      <p:ext uri="{BB962C8B-B14F-4D97-AF65-F5344CB8AC3E}">
+        <p14:creationId xmlns:p14="http://schemas.microsoft.com/office/powerpoint/2010/main" val="4034808964"/>
+      </p:ext>
+    </p:extLst>
+  </p:cSld>
+  <p:clrMapOvr>
+    <a:overrideClrMapping bg1="lt1" tx1="dk1" bg2="lt2" tx2="dk2" accent1="accent1" accent2="accent2" accent3="accent3" accent4="accent4" accent5="accent5" accent6="accent6" hlink="hlink" folHlink="folHlink"/>
+  </p:clrMapOvr>
+</p:sld>
+</file>
+
 <file path=ppt/slides/slide3.xml><?xml version="1.0" encoding="utf-8"?>
 <p:sld xmlns:a="http://schemas.openxmlformats.org/drawingml/2006/main" xmlns:r="http://schemas.openxmlformats.org/officeDocument/2006/relationships" xmlns:p="http://schemas.openxmlformats.org/presentationml/2006/main">
   <p:cSld>
@@ -15457,4 +15976,47 @@
     </a:ext>
   </a:extLst>
 </a:theme>
+</file>
+
+<file path=ppt/theme/themeOverride1.xml><?xml version="1.0" encoding="utf-8"?>
+<a:themeOverride xmlns:a="http://schemas.openxmlformats.org/drawingml/2006/main">
+  <a:clrScheme name="Office Theme">
+    <a:dk1>
+      <a:sysClr val="windowText" lastClr="000000"/>
+    </a:dk1>
+    <a:lt1>
+      <a:sysClr val="window" lastClr="FFFFFF"/>
+    </a:lt1>
+    <a:dk2>
+      <a:srgbClr val="44546A"/>
+    </a:dk2>
+    <a:lt2>
+      <a:srgbClr val="E7E6E6"/>
+    </a:lt2>
+    <a:accent1>
+      <a:srgbClr val="4472C4"/>
+    </a:accent1>
+    <a:accent2>
+      <a:srgbClr val="ED7D31"/>
+    </a:accent2>
+    <a:accent3>
+      <a:srgbClr val="A5A5A5"/>
+    </a:accent3>
+    <a:accent4>
+      <a:srgbClr val="FFC000"/>
+    </a:accent4>
+    <a:accent5>
+      <a:srgbClr val="5B9BD5"/>
+    </a:accent5>
+    <a:accent6>
+      <a:srgbClr val="70AD47"/>
+    </a:accent6>
+    <a:hlink>
+      <a:srgbClr val="0563C1"/>
+    </a:hlink>
+    <a:folHlink>
+      <a:srgbClr val="954F72"/>
+    </a:folHlink>
+  </a:clrScheme>
+</a:themeOverride>
 </file>
--- a/Servlet/Servlet_Presentation.pptx
+++ b/Servlet/Servlet_Presentation.pptx
@@ -221,7 +221,7 @@
           <a:p>
             <a:fld id="{F988C94B-7918-458B-9AF1-0DBDD7FC850F}" type="datetimeFigureOut">
               <a:rPr lang="en-US" smtClean="0"/>
-              <a:t>2022-07-07</a:t>
+              <a:t>2022-07-08</a:t>
             </a:fld>
             <a:endParaRPr lang="en-US"/>
           </a:p>
@@ -703,7 +703,7 @@
           <a:p>
             <a:fld id="{0A968979-5CB5-4E5D-B82F-DAC09775BD7D}" type="datetimeFigureOut">
               <a:rPr lang="en-US" smtClean="0"/>
-              <a:t>2022-07-07</a:t>
+              <a:t>2022-07-08</a:t>
             </a:fld>
             <a:endParaRPr lang="en-US"/>
           </a:p>
@@ -873,7 +873,7 @@
           <a:p>
             <a:fld id="{0A968979-5CB5-4E5D-B82F-DAC09775BD7D}" type="datetimeFigureOut">
               <a:rPr lang="en-US" smtClean="0"/>
-              <a:t>2022-07-07</a:t>
+              <a:t>2022-07-08</a:t>
             </a:fld>
             <a:endParaRPr lang="en-US"/>
           </a:p>
@@ -1053,7 +1053,7 @@
           <a:p>
             <a:fld id="{0A968979-5CB5-4E5D-B82F-DAC09775BD7D}" type="datetimeFigureOut">
               <a:rPr lang="en-US" smtClean="0"/>
-              <a:t>2022-07-07</a:t>
+              <a:t>2022-07-08</a:t>
             </a:fld>
             <a:endParaRPr lang="en-US"/>
           </a:p>
@@ -1223,7 +1223,7 @@
           <a:p>
             <a:fld id="{0A968979-5CB5-4E5D-B82F-DAC09775BD7D}" type="datetimeFigureOut">
               <a:rPr lang="en-US" smtClean="0"/>
-              <a:t>2022-07-07</a:t>
+              <a:t>2022-07-08</a:t>
             </a:fld>
             <a:endParaRPr lang="en-US"/>
           </a:p>
@@ -1469,7 +1469,7 @@
           <a:p>
             <a:fld id="{0A968979-5CB5-4E5D-B82F-DAC09775BD7D}" type="datetimeFigureOut">
               <a:rPr lang="en-US" smtClean="0"/>
-              <a:t>2022-07-07</a:t>
+              <a:t>2022-07-08</a:t>
             </a:fld>
             <a:endParaRPr lang="en-US"/>
           </a:p>
@@ -1701,7 +1701,7 @@
           <a:p>
             <a:fld id="{0A968979-5CB5-4E5D-B82F-DAC09775BD7D}" type="datetimeFigureOut">
               <a:rPr lang="en-US" smtClean="0"/>
-              <a:t>2022-07-07</a:t>
+              <a:t>2022-07-08</a:t>
             </a:fld>
             <a:endParaRPr lang="en-US"/>
           </a:p>
@@ -2068,7 +2068,7 @@
           <a:p>
             <a:fld id="{0A968979-5CB5-4E5D-B82F-DAC09775BD7D}" type="datetimeFigureOut">
               <a:rPr lang="en-US" smtClean="0"/>
-              <a:t>2022-07-07</a:t>
+              <a:t>2022-07-08</a:t>
             </a:fld>
             <a:endParaRPr lang="en-US"/>
           </a:p>
@@ -2186,7 +2186,7 @@
           <a:p>
             <a:fld id="{0A968979-5CB5-4E5D-B82F-DAC09775BD7D}" type="datetimeFigureOut">
               <a:rPr lang="en-US" smtClean="0"/>
-              <a:t>2022-07-07</a:t>
+              <a:t>2022-07-08</a:t>
             </a:fld>
             <a:endParaRPr lang="en-US"/>
           </a:p>
@@ -2281,7 +2281,7 @@
           <a:p>
             <a:fld id="{0A968979-5CB5-4E5D-B82F-DAC09775BD7D}" type="datetimeFigureOut">
               <a:rPr lang="en-US" smtClean="0"/>
-              <a:t>2022-07-07</a:t>
+              <a:t>2022-07-08</a:t>
             </a:fld>
             <a:endParaRPr lang="en-US"/>
           </a:p>
@@ -2558,7 +2558,7 @@
           <a:p>
             <a:fld id="{0A968979-5CB5-4E5D-B82F-DAC09775BD7D}" type="datetimeFigureOut">
               <a:rPr lang="en-US" smtClean="0"/>
-              <a:t>2022-07-07</a:t>
+              <a:t>2022-07-08</a:t>
             </a:fld>
             <a:endParaRPr lang="en-US"/>
           </a:p>
@@ -2815,7 +2815,7 @@
           <a:p>
             <a:fld id="{0A968979-5CB5-4E5D-B82F-DAC09775BD7D}" type="datetimeFigureOut">
               <a:rPr lang="en-US" smtClean="0"/>
-              <a:t>2022-07-07</a:t>
+              <a:t>2022-07-08</a:t>
             </a:fld>
             <a:endParaRPr lang="en-US"/>
           </a:p>
@@ -3028,7 +3028,7 @@
           <a:p>
             <a:fld id="{0A968979-5CB5-4E5D-B82F-DAC09775BD7D}" type="datetimeFigureOut">
               <a:rPr lang="en-US" smtClean="0"/>
-              <a:t>2022-07-07</a:t>
+              <a:t>2022-07-08</a:t>
             </a:fld>
             <a:endParaRPr lang="en-US"/>
           </a:p>
@@ -12962,7 +12962,7 @@
         </p:nvSpPr>
         <p:spPr>
           <a:xfrm>
-            <a:off x="838200" y="1518276"/>
+            <a:off x="838200" y="1425912"/>
             <a:ext cx="11053529" cy="4665109"/>
           </a:xfrm>
         </p:spPr>

--- a/Servlet/Servlet_Presentation.pptx
+++ b/Servlet/Servlet_Presentation.pptx
@@ -5,7 +5,7 @@
     <p:sldMasterId id="2147483684" r:id="rId1"/>
   </p:sldMasterIdLst>
   <p:notesMasterIdLst>
-    <p:notesMasterId r:id="rId27"/>
+    <p:notesMasterId r:id="rId28"/>
   </p:notesMasterIdLst>
   <p:sldIdLst>
     <p:sldId id="257" r:id="rId2"/>
@@ -31,8 +31,9 @@
     <p:sldId id="277" r:id="rId22"/>
     <p:sldId id="278" r:id="rId23"/>
     <p:sldId id="279" r:id="rId24"/>
-    <p:sldId id="280" r:id="rId25"/>
-    <p:sldId id="281" r:id="rId26"/>
+    <p:sldId id="281" r:id="rId25"/>
+    <p:sldId id="280" r:id="rId26"/>
+    <p:sldId id="282" r:id="rId27"/>
   </p:sldIdLst>
   <p:sldSz cx="12192000" cy="6858000"/>
   <p:notesSz cx="6858000" cy="9144000"/>
@@ -221,7 +222,7 @@
           <a:p>
             <a:fld id="{F988C94B-7918-458B-9AF1-0DBDD7FC850F}" type="datetimeFigureOut">
               <a:rPr lang="en-US" smtClean="0"/>
-              <a:t>2022-07-08</a:t>
+              <a:t>2022-07-14</a:t>
             </a:fld>
             <a:endParaRPr lang="en-US"/>
           </a:p>
@@ -703,7 +704,7 @@
           <a:p>
             <a:fld id="{0A968979-5CB5-4E5D-B82F-DAC09775BD7D}" type="datetimeFigureOut">
               <a:rPr lang="en-US" smtClean="0"/>
-              <a:t>2022-07-08</a:t>
+              <a:t>2022-07-14</a:t>
             </a:fld>
             <a:endParaRPr lang="en-US"/>
           </a:p>
@@ -873,7 +874,7 @@
           <a:p>
             <a:fld id="{0A968979-5CB5-4E5D-B82F-DAC09775BD7D}" type="datetimeFigureOut">
               <a:rPr lang="en-US" smtClean="0"/>
-              <a:t>2022-07-08</a:t>
+              <a:t>2022-07-14</a:t>
             </a:fld>
             <a:endParaRPr lang="en-US"/>
           </a:p>
@@ -1053,7 +1054,7 @@
           <a:p>
             <a:fld id="{0A968979-5CB5-4E5D-B82F-DAC09775BD7D}" type="datetimeFigureOut">
               <a:rPr lang="en-US" smtClean="0"/>
-              <a:t>2022-07-08</a:t>
+              <a:t>2022-07-14</a:t>
             </a:fld>
             <a:endParaRPr lang="en-US"/>
           </a:p>
@@ -1223,7 +1224,7 @@
           <a:p>
             <a:fld id="{0A968979-5CB5-4E5D-B82F-DAC09775BD7D}" type="datetimeFigureOut">
               <a:rPr lang="en-US" smtClean="0"/>
-              <a:t>2022-07-08</a:t>
+              <a:t>2022-07-14</a:t>
             </a:fld>
             <a:endParaRPr lang="en-US"/>
           </a:p>
@@ -1469,7 +1470,7 @@
           <a:p>
             <a:fld id="{0A968979-5CB5-4E5D-B82F-DAC09775BD7D}" type="datetimeFigureOut">
               <a:rPr lang="en-US" smtClean="0"/>
-              <a:t>2022-07-08</a:t>
+              <a:t>2022-07-14</a:t>
             </a:fld>
             <a:endParaRPr lang="en-US"/>
           </a:p>
@@ -1701,7 +1702,7 @@
           <a:p>
             <a:fld id="{0A968979-5CB5-4E5D-B82F-DAC09775BD7D}" type="datetimeFigureOut">
               <a:rPr lang="en-US" smtClean="0"/>
-              <a:t>2022-07-08</a:t>
+              <a:t>2022-07-14</a:t>
             </a:fld>
             <a:endParaRPr lang="en-US"/>
           </a:p>
@@ -2068,7 +2069,7 @@
           <a:p>
             <a:fld id="{0A968979-5CB5-4E5D-B82F-DAC09775BD7D}" type="datetimeFigureOut">
               <a:rPr lang="en-US" smtClean="0"/>
-              <a:t>2022-07-08</a:t>
+              <a:t>2022-07-14</a:t>
             </a:fld>
             <a:endParaRPr lang="en-US"/>
           </a:p>
@@ -2186,7 +2187,7 @@
           <a:p>
             <a:fld id="{0A968979-5CB5-4E5D-B82F-DAC09775BD7D}" type="datetimeFigureOut">
               <a:rPr lang="en-US" smtClean="0"/>
-              <a:t>2022-07-08</a:t>
+              <a:t>2022-07-14</a:t>
             </a:fld>
             <a:endParaRPr lang="en-US"/>
           </a:p>
@@ -2281,7 +2282,7 @@
           <a:p>
             <a:fld id="{0A968979-5CB5-4E5D-B82F-DAC09775BD7D}" type="datetimeFigureOut">
               <a:rPr lang="en-US" smtClean="0"/>
-              <a:t>2022-07-08</a:t>
+              <a:t>2022-07-14</a:t>
             </a:fld>
             <a:endParaRPr lang="en-US"/>
           </a:p>
@@ -2558,7 +2559,7 @@
           <a:p>
             <a:fld id="{0A968979-5CB5-4E5D-B82F-DAC09775BD7D}" type="datetimeFigureOut">
               <a:rPr lang="en-US" smtClean="0"/>
-              <a:t>2022-07-08</a:t>
+              <a:t>2022-07-14</a:t>
             </a:fld>
             <a:endParaRPr lang="en-US"/>
           </a:p>
@@ -2815,7 +2816,7 @@
           <a:p>
             <a:fld id="{0A968979-5CB5-4E5D-B82F-DAC09775BD7D}" type="datetimeFigureOut">
               <a:rPr lang="en-US" smtClean="0"/>
-              <a:t>2022-07-08</a:t>
+              <a:t>2022-07-14</a:t>
             </a:fld>
             <a:endParaRPr lang="en-US"/>
           </a:p>
@@ -3028,7 +3029,7 @@
           <a:p>
             <a:fld id="{0A968979-5CB5-4E5D-B82F-DAC09775BD7D}" type="datetimeFigureOut">
               <a:rPr lang="en-US" smtClean="0"/>
-              <a:t>2022-07-08</a:t>
+              <a:t>2022-07-14</a:t>
             </a:fld>
             <a:endParaRPr lang="en-US"/>
           </a:p>
@@ -10004,7 +10005,7 @@
         </p:nvSpPr>
         <p:spPr>
           <a:xfrm>
-            <a:off x="838200" y="0"/>
+            <a:off x="838200" y="-141506"/>
             <a:ext cx="10515600" cy="1325563"/>
           </a:xfrm>
         </p:spPr>
@@ -10038,7 +10039,7 @@
           <p:nvPr>
             <p:extLst>
               <p:ext uri="{D42A27DB-BD31-4B8C-83A1-F6EECF244321}">
-                <p14:modId xmlns:p14="http://schemas.microsoft.com/office/powerpoint/2010/main" val="3100645177"/>
+                <p14:modId xmlns:p14="http://schemas.microsoft.com/office/powerpoint/2010/main" val="219083166"/>
               </p:ext>
             </p:extLst>
           </p:nvPr>
@@ -11772,6 +11773,524 @@
 <file path=ppt/slides/slide24.xml><?xml version="1.0" encoding="utf-8"?>
 <p:sld xmlns:a="http://schemas.openxmlformats.org/drawingml/2006/main" xmlns:r="http://schemas.openxmlformats.org/officeDocument/2006/relationships" xmlns:p="http://schemas.openxmlformats.org/presentationml/2006/main">
   <p:cSld>
+    <p:bg>
+      <p:bgRef idx="1001">
+        <a:schemeClr val="bg1"/>
+      </p:bgRef>
+    </p:bg>
+    <p:spTree>
+      <p:nvGrpSpPr>
+        <p:cNvPr id="1" name=""/>
+        <p:cNvGrpSpPr/>
+        <p:nvPr/>
+      </p:nvGrpSpPr>
+      <p:grpSpPr>
+        <a:xfrm>
+          <a:off x="0" y="0"/>
+          <a:ext cx="0" cy="0"/>
+          <a:chOff x="0" y="0"/>
+          <a:chExt cx="0" cy="0"/>
+        </a:xfrm>
+      </p:grpSpPr>
+      <p:sp>
+        <p:nvSpPr>
+          <p:cNvPr id="2" name="Title 1">
+            <a:extLst>
+              <a:ext uri="{FF2B5EF4-FFF2-40B4-BE49-F238E27FC236}">
+                <a16:creationId xmlns:a16="http://schemas.microsoft.com/office/drawing/2014/main" id="{30211D06-EE15-49A4-9A1C-1066724B6CF0}"/>
+              </a:ext>
+            </a:extLst>
+          </p:cNvPr>
+          <p:cNvSpPr>
+            <a:spLocks noGrp="1"/>
+          </p:cNvSpPr>
+          <p:nvPr>
+            <p:ph type="title"/>
+          </p:nvPr>
+        </p:nvSpPr>
+        <p:spPr>
+          <a:xfrm>
+            <a:off x="838200" y="192713"/>
+            <a:ext cx="10515600" cy="1325563"/>
+          </a:xfrm>
+        </p:spPr>
+        <p:txBody>
+          <a:bodyPr/>
+          <a:lstStyle/>
+          <a:p>
+            <a:pPr algn="ctr"/>
+            <a:r>
+              <a:rPr lang="en-US" b="0" i="0" dirty="0">
+                <a:solidFill>
+                  <a:srgbClr val="3D3B49"/>
+                </a:solidFill>
+                <a:effectLst/>
+                <a:latin typeface="Noto Serif" panose="020B0604020202020204" pitchFamily="18" charset="0"/>
+              </a:rPr>
+              <a:t>&lt;</a:t>
+            </a:r>
+            <a:r>
+              <a:rPr lang="en-US" b="0" i="0" dirty="0" err="1">
+                <a:solidFill>
+                  <a:srgbClr val="3D3B49"/>
+                </a:solidFill>
+                <a:effectLst/>
+                <a:latin typeface="Noto Serif" panose="020B0604020202020204" pitchFamily="18" charset="0"/>
+              </a:rPr>
+              <a:t>jsp:useBean</a:t>
+            </a:r>
+            <a:r>
+              <a:rPr lang="en-US" b="0" i="0" dirty="0">
+                <a:solidFill>
+                  <a:srgbClr val="3D3B49"/>
+                </a:solidFill>
+                <a:effectLst/>
+                <a:latin typeface="Noto Serif" panose="020B0604020202020204" pitchFamily="18" charset="0"/>
+              </a:rPr>
+              <a:t>&gt; </a:t>
+            </a:r>
+            <a:r>
+              <a:rPr lang="en-US" dirty="0">
+                <a:solidFill>
+                  <a:srgbClr val="3D3B49"/>
+                </a:solidFill>
+                <a:latin typeface="Noto Serif" panose="020B0604020202020204" pitchFamily="18" charset="0"/>
+              </a:rPr>
+              <a:t>and</a:t>
+            </a:r>
+            <a:r>
+              <a:rPr lang="ru-RU" b="0" i="0" dirty="0">
+                <a:solidFill>
+                  <a:srgbClr val="3D3B49"/>
+                </a:solidFill>
+                <a:effectLst/>
+                <a:latin typeface="Noto Serif" panose="020B0604020202020204" pitchFamily="18" charset="0"/>
+              </a:rPr>
+              <a:t> &lt;</a:t>
+            </a:r>
+            <a:r>
+              <a:rPr lang="en-US" b="0" i="0" dirty="0" err="1">
+                <a:solidFill>
+                  <a:srgbClr val="3D3B49"/>
+                </a:solidFill>
+                <a:effectLst/>
+                <a:latin typeface="Noto Serif" panose="020B0604020202020204" pitchFamily="18" charset="0"/>
+              </a:rPr>
+              <a:t>jsp:getProperty</a:t>
+            </a:r>
+            <a:r>
+              <a:rPr lang="en-US" b="0" i="0" dirty="0">
+                <a:solidFill>
+                  <a:srgbClr val="3D3B49"/>
+                </a:solidFill>
+                <a:effectLst/>
+                <a:latin typeface="Noto Serif" panose="020B0604020202020204" pitchFamily="18" charset="0"/>
+              </a:rPr>
+              <a:t>&gt;</a:t>
+            </a:r>
+            <a:br>
+              <a:rPr lang="en-US" b="0" i="0" dirty="0">
+                <a:solidFill>
+                  <a:srgbClr val="3D3B49"/>
+                </a:solidFill>
+                <a:effectLst/>
+                <a:latin typeface="Noto Serif" panose="020B0604020202020204" pitchFamily="18" charset="0"/>
+              </a:rPr>
+            </a:br>
+            <a:endParaRPr lang="en-US" dirty="0"/>
+          </a:p>
+        </p:txBody>
+      </p:sp>
+      <p:sp>
+        <p:nvSpPr>
+          <p:cNvPr id="3" name="Content Placeholder 2">
+            <a:extLst>
+              <a:ext uri="{FF2B5EF4-FFF2-40B4-BE49-F238E27FC236}">
+                <a16:creationId xmlns:a16="http://schemas.microsoft.com/office/drawing/2014/main" id="{F511094B-555E-4026-81D3-E5A762AB5425}"/>
+              </a:ext>
+            </a:extLst>
+          </p:cNvPr>
+          <p:cNvSpPr>
+            <a:spLocks noGrp="1"/>
+          </p:cNvSpPr>
+          <p:nvPr>
+            <p:ph idx="1"/>
+          </p:nvPr>
+        </p:nvSpPr>
+        <p:spPr>
+          <a:xfrm>
+            <a:off x="838200" y="1425912"/>
+            <a:ext cx="11053529" cy="4665109"/>
+          </a:xfrm>
+        </p:spPr>
+        <p:txBody>
+          <a:bodyPr/>
+          <a:lstStyle/>
+          <a:p>
+            <a:pPr marL="0" indent="0" algn="ctr">
+              <a:buNone/>
+            </a:pPr>
+            <a:endParaRPr lang="en-US" dirty="0"/>
+          </a:p>
+          <a:p>
+            <a:pPr marL="0" indent="0">
+              <a:buNone/>
+            </a:pPr>
+            <a:r>
+              <a:rPr lang="hy-AM" sz="2900" dirty="0">
+                <a:effectLst>
+                  <a:outerShdw blurRad="38100" dist="38100" dir="2700000" algn="tl">
+                    <a:srgbClr val="000000">
+                      <a:alpha val="43137"/>
+                    </a:srgbClr>
+                  </a:outerShdw>
+                </a:effectLst>
+                <a:latin typeface="Sylfaen" panose="010A0502050306030303" pitchFamily="18" charset="0"/>
+              </a:rPr>
+              <a:t>&lt;</a:t>
+            </a:r>
+            <a:r>
+              <a:rPr lang="en-US" sz="2900" dirty="0" err="1">
+                <a:effectLst>
+                  <a:outerShdw blurRad="38100" dist="38100" dir="2700000" algn="tl">
+                    <a:srgbClr val="000000">
+                      <a:alpha val="43137"/>
+                    </a:srgbClr>
+                  </a:outerShdw>
+                </a:effectLst>
+                <a:latin typeface="Sylfaen" panose="010A0502050306030303" pitchFamily="18" charset="0"/>
+              </a:rPr>
+              <a:t>jsp:useBean</a:t>
+            </a:r>
+            <a:r>
+              <a:rPr lang="en-US" sz="2900" dirty="0">
+                <a:effectLst>
+                  <a:outerShdw blurRad="38100" dist="38100" dir="2700000" algn="tl">
+                    <a:srgbClr val="000000">
+                      <a:alpha val="43137"/>
+                    </a:srgbClr>
+                  </a:outerShdw>
+                </a:effectLst>
+                <a:latin typeface="Sylfaen" panose="010A0502050306030303" pitchFamily="18" charset="0"/>
+              </a:rPr>
+              <a:t> id=“person” class=“</a:t>
+            </a:r>
+            <a:r>
+              <a:rPr lang="en-US" sz="2900" dirty="0" err="1">
+                <a:effectLst>
+                  <a:outerShdw blurRad="38100" dist="38100" dir="2700000" algn="tl">
+                    <a:srgbClr val="000000">
+                      <a:alpha val="43137"/>
+                    </a:srgbClr>
+                  </a:outerShdw>
+                </a:effectLst>
+                <a:latin typeface="Sylfaen" panose="010A0502050306030303" pitchFamily="18" charset="0"/>
+              </a:rPr>
+              <a:t>foo.Person</a:t>
+            </a:r>
+            <a:r>
+              <a:rPr lang="en-US" sz="2900" dirty="0">
+                <a:effectLst>
+                  <a:outerShdw blurRad="38100" dist="38100" dir="2700000" algn="tl">
+                    <a:srgbClr val="000000">
+                      <a:alpha val="43137"/>
+                    </a:srgbClr>
+                  </a:outerShdw>
+                </a:effectLst>
+                <a:latin typeface="Sylfaen" panose="010A0502050306030303" pitchFamily="18" charset="0"/>
+              </a:rPr>
+              <a:t>” scope=“request” &gt;</a:t>
+            </a:r>
+          </a:p>
+          <a:p>
+            <a:pPr marL="0" indent="0">
+              <a:buNone/>
+            </a:pPr>
+            <a:endParaRPr lang="en-US" sz="2900" dirty="0">
+              <a:effectLst>
+                <a:outerShdw blurRad="38100" dist="38100" dir="2700000" algn="tl">
+                  <a:srgbClr val="000000">
+                    <a:alpha val="43137"/>
+                  </a:srgbClr>
+                </a:outerShdw>
+              </a:effectLst>
+              <a:latin typeface="Sylfaen" panose="010A0502050306030303" pitchFamily="18" charset="0"/>
+            </a:endParaRPr>
+          </a:p>
+          <a:p>
+            <a:pPr marL="0" indent="0">
+              <a:buNone/>
+            </a:pPr>
+            <a:r>
+              <a:rPr lang="hy-AM" sz="2900" dirty="0">
+                <a:effectLst>
+                  <a:outerShdw blurRad="38100" dist="38100" dir="2700000" algn="tl">
+                    <a:srgbClr val="000000">
+                      <a:alpha val="43137"/>
+                    </a:srgbClr>
+                  </a:outerShdw>
+                </a:effectLst>
+                <a:latin typeface="Sylfaen" panose="010A0502050306030303" pitchFamily="18" charset="0"/>
+              </a:rPr>
+              <a:t>	&lt;</a:t>
+            </a:r>
+            <a:r>
+              <a:rPr lang="en-US" sz="2900" dirty="0" err="1">
+                <a:effectLst>
+                  <a:outerShdw blurRad="38100" dist="38100" dir="2700000" algn="tl">
+                    <a:srgbClr val="000000">
+                      <a:alpha val="43137"/>
+                    </a:srgbClr>
+                  </a:outerShdw>
+                </a:effectLst>
+                <a:latin typeface="Sylfaen" panose="010A0502050306030303" pitchFamily="18" charset="0"/>
+              </a:rPr>
+              <a:t>jsp:getProperty</a:t>
+            </a:r>
+            <a:r>
+              <a:rPr lang="en-US" sz="2900" dirty="0">
+                <a:effectLst>
+                  <a:outerShdw blurRad="38100" dist="38100" dir="2700000" algn="tl">
+                    <a:srgbClr val="000000">
+                      <a:alpha val="43137"/>
+                    </a:srgbClr>
+                  </a:outerShdw>
+                </a:effectLst>
+                <a:latin typeface="Sylfaen" panose="010A0502050306030303" pitchFamily="18" charset="0"/>
+              </a:rPr>
+              <a:t> name=“person” property=“</a:t>
+            </a:r>
+            <a:r>
+              <a:rPr lang="en-US" sz="2900" dirty="0" err="1">
+                <a:effectLst>
+                  <a:outerShdw blurRad="38100" dist="38100" dir="2700000" algn="tl">
+                    <a:srgbClr val="000000">
+                      <a:alpha val="43137"/>
+                    </a:srgbClr>
+                  </a:outerShdw>
+                </a:effectLst>
+                <a:latin typeface="Sylfaen" panose="010A0502050306030303" pitchFamily="18" charset="0"/>
+              </a:rPr>
+              <a:t>firstName</a:t>
+            </a:r>
+            <a:r>
+              <a:rPr lang="en-US" sz="2900" dirty="0">
+                <a:effectLst>
+                  <a:outerShdw blurRad="38100" dist="38100" dir="2700000" algn="tl">
+                    <a:srgbClr val="000000">
+                      <a:alpha val="43137"/>
+                    </a:srgbClr>
+                  </a:outerShdw>
+                </a:effectLst>
+                <a:latin typeface="Sylfaen" panose="010A0502050306030303" pitchFamily="18" charset="0"/>
+              </a:rPr>
+              <a:t>” /&gt;</a:t>
+            </a:r>
+            <a:endParaRPr lang="hy-AM" sz="2900" dirty="0">
+              <a:effectLst>
+                <a:outerShdw blurRad="38100" dist="38100" dir="2700000" algn="tl">
+                  <a:srgbClr val="000000">
+                    <a:alpha val="43137"/>
+                  </a:srgbClr>
+                </a:outerShdw>
+              </a:effectLst>
+              <a:latin typeface="Sylfaen" panose="010A0502050306030303" pitchFamily="18" charset="0"/>
+            </a:endParaRPr>
+          </a:p>
+          <a:p>
+            <a:pPr marL="0" indent="0">
+              <a:buNone/>
+            </a:pPr>
+            <a:endParaRPr lang="en-US" sz="2900" dirty="0">
+              <a:effectLst>
+                <a:outerShdw blurRad="38100" dist="38100" dir="2700000" algn="tl">
+                  <a:srgbClr val="000000">
+                    <a:alpha val="43137"/>
+                  </a:srgbClr>
+                </a:outerShdw>
+              </a:effectLst>
+              <a:latin typeface="Sylfaen" panose="010A0502050306030303" pitchFamily="18" charset="0"/>
+            </a:endParaRPr>
+          </a:p>
+          <a:p>
+            <a:pPr marL="0" indent="0">
+              <a:buNone/>
+            </a:pPr>
+            <a:r>
+              <a:rPr lang="hy-AM" sz="2900" dirty="0">
+                <a:effectLst>
+                  <a:outerShdw blurRad="38100" dist="38100" dir="2700000" algn="tl">
+                    <a:srgbClr val="000000">
+                      <a:alpha val="43137"/>
+                    </a:srgbClr>
+                  </a:outerShdw>
+                </a:effectLst>
+                <a:latin typeface="Sylfaen" panose="010A0502050306030303" pitchFamily="18" charset="0"/>
+              </a:rPr>
+              <a:t>	&lt;jsp:setProperty name="person" property="name" value=</a:t>
+            </a:r>
+            <a:r>
+              <a:rPr lang="en-US" sz="2900" dirty="0">
+                <a:effectLst>
+                  <a:outerShdw blurRad="38100" dist="38100" dir="2700000" algn="tl">
+                    <a:srgbClr val="000000">
+                      <a:alpha val="43137"/>
+                    </a:srgbClr>
+                  </a:outerShdw>
+                </a:effectLst>
+                <a:latin typeface="Sylfaen" panose="010A0502050306030303" pitchFamily="18" charset="0"/>
+              </a:rPr>
+              <a:t>John</a:t>
+            </a:r>
+            <a:r>
+              <a:rPr lang="hy-AM" sz="2900" dirty="0">
+                <a:effectLst>
+                  <a:outerShdw blurRad="38100" dist="38100" dir="2700000" algn="tl">
+                    <a:srgbClr val="000000">
+                      <a:alpha val="43137"/>
+                    </a:srgbClr>
+                  </a:outerShdw>
+                </a:effectLst>
+                <a:latin typeface="Sylfaen" panose="010A0502050306030303" pitchFamily="18" charset="0"/>
+              </a:rPr>
+              <a:t>" /&gt;</a:t>
+            </a:r>
+            <a:endParaRPr lang="en-US" sz="2900" dirty="0">
+              <a:effectLst>
+                <a:outerShdw blurRad="38100" dist="38100" dir="2700000" algn="tl">
+                  <a:srgbClr val="000000">
+                    <a:alpha val="43137"/>
+                  </a:srgbClr>
+                </a:outerShdw>
+              </a:effectLst>
+              <a:latin typeface="Sylfaen" panose="010A0502050306030303" pitchFamily="18" charset="0"/>
+            </a:endParaRPr>
+          </a:p>
+          <a:p>
+            <a:pPr marL="0" indent="0">
+              <a:buNone/>
+            </a:pPr>
+            <a:endParaRPr lang="hy-AM" sz="2900" dirty="0">
+              <a:effectLst>
+                <a:outerShdw blurRad="38100" dist="38100" dir="2700000" algn="tl">
+                  <a:srgbClr val="000000">
+                    <a:alpha val="43137"/>
+                  </a:srgbClr>
+                </a:outerShdw>
+              </a:effectLst>
+              <a:latin typeface="Sylfaen" panose="010A0502050306030303" pitchFamily="18" charset="0"/>
+            </a:endParaRPr>
+          </a:p>
+          <a:p>
+            <a:pPr marL="0" indent="0">
+              <a:buNone/>
+            </a:pPr>
+            <a:r>
+              <a:rPr lang="hy-AM" sz="2900" dirty="0">
+                <a:effectLst>
+                  <a:outerShdw blurRad="38100" dist="38100" dir="2700000" algn="tl">
+                    <a:srgbClr val="000000">
+                      <a:alpha val="43137"/>
+                    </a:srgbClr>
+                  </a:outerShdw>
+                </a:effectLst>
+                <a:latin typeface="Sylfaen" panose="010A0502050306030303" pitchFamily="18" charset="0"/>
+              </a:rPr>
+              <a:t>&lt;/ </a:t>
+            </a:r>
+            <a:r>
+              <a:rPr lang="en-US" sz="2900" dirty="0" err="1">
+                <a:effectLst>
+                  <a:outerShdw blurRad="38100" dist="38100" dir="2700000" algn="tl">
+                    <a:srgbClr val="000000">
+                      <a:alpha val="43137"/>
+                    </a:srgbClr>
+                  </a:outerShdw>
+                </a:effectLst>
+                <a:latin typeface="Sylfaen" panose="010A0502050306030303" pitchFamily="18" charset="0"/>
+              </a:rPr>
+              <a:t>jsp:useBean</a:t>
+            </a:r>
+            <a:r>
+              <a:rPr lang="hy-AM" sz="2900" dirty="0">
+                <a:effectLst>
+                  <a:outerShdw blurRad="38100" dist="38100" dir="2700000" algn="tl">
+                    <a:srgbClr val="000000">
+                      <a:alpha val="43137"/>
+                    </a:srgbClr>
+                  </a:outerShdw>
+                </a:effectLst>
+                <a:latin typeface="Sylfaen" panose="010A0502050306030303" pitchFamily="18" charset="0"/>
+              </a:rPr>
+              <a:t> &gt;</a:t>
+            </a:r>
+            <a:endParaRPr lang="en-US" sz="2900" dirty="0">
+              <a:effectLst>
+                <a:outerShdw blurRad="38100" dist="38100" dir="2700000" algn="tl">
+                  <a:srgbClr val="000000">
+                    <a:alpha val="43137"/>
+                  </a:srgbClr>
+                </a:outerShdw>
+              </a:effectLst>
+              <a:latin typeface="Sylfaen" panose="010A0502050306030303" pitchFamily="18" charset="0"/>
+            </a:endParaRPr>
+          </a:p>
+        </p:txBody>
+      </p:sp>
+      <p:cxnSp>
+        <p:nvCxnSpPr>
+          <p:cNvPr id="6" name="Straight Connector 9">
+            <a:extLst>
+              <a:ext uri="{FF2B5EF4-FFF2-40B4-BE49-F238E27FC236}">
+                <a16:creationId xmlns:a16="http://schemas.microsoft.com/office/drawing/2014/main" id="{66A26303-DF12-46ED-8B5B-D33967CF18C4}"/>
+              </a:ext>
+            </a:extLst>
+          </p:cNvPr>
+          <p:cNvCxnSpPr>
+            <a:cxnSpLocks/>
+          </p:cNvCxnSpPr>
+          <p:nvPr/>
+        </p:nvCxnSpPr>
+        <p:spPr>
+          <a:xfrm>
+            <a:off x="569235" y="1146273"/>
+            <a:ext cx="11053530" cy="0"/>
+          </a:xfrm>
+          <a:prstGeom prst="line">
+            <a:avLst/>
+          </a:prstGeom>
+        </p:spPr>
+        <p:style>
+          <a:lnRef idx="3">
+            <a:schemeClr val="accent1"/>
+          </a:lnRef>
+          <a:fillRef idx="0">
+            <a:schemeClr val="accent1"/>
+          </a:fillRef>
+          <a:effectRef idx="2">
+            <a:schemeClr val="accent1"/>
+          </a:effectRef>
+          <a:fontRef idx="minor">
+            <a:schemeClr val="tx1"/>
+          </a:fontRef>
+        </p:style>
+      </p:cxnSp>
+    </p:spTree>
+    <p:extLst>
+      <p:ext uri="{BB962C8B-B14F-4D97-AF65-F5344CB8AC3E}">
+        <p14:creationId xmlns:p14="http://schemas.microsoft.com/office/powerpoint/2010/main" val="4034808964"/>
+      </p:ext>
+    </p:extLst>
+  </p:cSld>
+  <p:clrMapOvr>
+    <a:overrideClrMapping bg1="lt1" tx1="dk1" bg2="lt2" tx2="dk2" accent1="accent1" accent2="accent2" accent3="accent3" accent4="accent4" accent5="accent5" accent6="accent6" hlink="hlink" folHlink="folHlink"/>
+  </p:clrMapOvr>
+</p:sld>
+</file>
+
+<file path=ppt/slides/slide25.xml><?xml version="1.0" encoding="utf-8"?>
+<p:sld xmlns:a="http://schemas.openxmlformats.org/drawingml/2006/main" xmlns:r="http://schemas.openxmlformats.org/officeDocument/2006/relationships" xmlns:p="http://schemas.openxmlformats.org/presentationml/2006/main">
+  <p:cSld>
     <p:spTree>
       <p:nvGrpSpPr>
         <p:cNvPr id="1" name=""/>
@@ -12813,14 +13332,9 @@
 </p:sld>
 </file>
 
-<file path=ppt/slides/slide25.xml><?xml version="1.0" encoding="utf-8"?>
+<file path=ppt/slides/slide26.xml><?xml version="1.0" encoding="utf-8"?>
 <p:sld xmlns:a="http://schemas.openxmlformats.org/drawingml/2006/main" xmlns:r="http://schemas.openxmlformats.org/officeDocument/2006/relationships" xmlns:p="http://schemas.openxmlformats.org/presentationml/2006/main">
   <p:cSld>
-    <p:bg>
-      <p:bgRef idx="1001">
-        <a:schemeClr val="bg1"/>
-      </p:bgRef>
-    </p:bg>
     <p:spTree>
       <p:nvGrpSpPr>
         <p:cNvPr id="1" name=""/>
@@ -12840,7 +13354,7 @@
           <p:cNvPr id="2" name="Title 1">
             <a:extLst>
               <a:ext uri="{FF2B5EF4-FFF2-40B4-BE49-F238E27FC236}">
-                <a16:creationId xmlns:a16="http://schemas.microsoft.com/office/drawing/2014/main" id="{30211D06-EE15-49A4-9A1C-1066724B6CF0}"/>
+                <a16:creationId xmlns:a16="http://schemas.microsoft.com/office/drawing/2014/main" id="{CB08B64B-717B-4447-B2A7-E31B3CB64827}"/>
               </a:ext>
             </a:extLst>
           </p:cNvPr>
@@ -12853,7 +13367,7 @@
         </p:nvSpPr>
         <p:spPr>
           <a:xfrm>
-            <a:off x="838200" y="192713"/>
+            <a:off x="838200" y="0"/>
             <a:ext cx="10515600" cy="1325563"/>
           </a:xfrm>
         </p:spPr>
@@ -12863,83 +13377,11 @@
           <a:p>
             <a:pPr algn="ctr"/>
             <a:r>
-              <a:rPr lang="en-US" b="0" i="0" dirty="0">
-                <a:solidFill>
-                  <a:srgbClr val="3D3B49"/>
-                </a:solidFill>
-                <a:effectLst/>
-                <a:latin typeface="Noto Serif" panose="020B0604020202020204" pitchFamily="18" charset="0"/>
-              </a:rPr>
-              <a:t>&lt;</a:t>
-            </a:r>
-            <a:r>
-              <a:rPr lang="en-US" b="0" i="0" dirty="0" err="1">
-                <a:solidFill>
-                  <a:srgbClr val="3D3B49"/>
-                </a:solidFill>
-                <a:effectLst/>
-                <a:latin typeface="Noto Serif" panose="020B0604020202020204" pitchFamily="18" charset="0"/>
-              </a:rPr>
-              <a:t>jsp:useBean</a:t>
-            </a:r>
-            <a:r>
-              <a:rPr lang="en-US" b="0" i="0" dirty="0">
-                <a:solidFill>
-                  <a:srgbClr val="3D3B49"/>
-                </a:solidFill>
-                <a:effectLst/>
-                <a:latin typeface="Noto Serif" panose="020B0604020202020204" pitchFamily="18" charset="0"/>
-              </a:rPr>
-              <a:t>&gt; </a:t>
-            </a:r>
-            <a:r>
               <a:rPr lang="en-US" dirty="0">
-                <a:solidFill>
-                  <a:srgbClr val="3D3B49"/>
-                </a:solidFill>
-                <a:latin typeface="Noto Serif" panose="020B0604020202020204" pitchFamily="18" charset="0"/>
-              </a:rPr>
-              <a:t>and</a:t>
-            </a:r>
-            <a:r>
-              <a:rPr lang="ru-RU" b="0" i="0" dirty="0">
-                <a:solidFill>
-                  <a:srgbClr val="3D3B49"/>
-                </a:solidFill>
-                <a:effectLst/>
-                <a:latin typeface="Noto Serif" panose="020B0604020202020204" pitchFamily="18" charset="0"/>
-              </a:rPr>
-              <a:t> &lt;</a:t>
-            </a:r>
-            <a:r>
-              <a:rPr lang="en-US" b="0" i="0" dirty="0" err="1">
-                <a:solidFill>
-                  <a:srgbClr val="3D3B49"/>
-                </a:solidFill>
-                <a:effectLst/>
-                <a:latin typeface="Noto Serif" panose="020B0604020202020204" pitchFamily="18" charset="0"/>
-              </a:rPr>
-              <a:t>jsp:getProperty</a:t>
-            </a:r>
-            <a:r>
-              <a:rPr lang="en-US" b="0" i="0" dirty="0">
-                <a:solidFill>
-                  <a:srgbClr val="3D3B49"/>
-                </a:solidFill>
-                <a:effectLst/>
-                <a:latin typeface="Noto Serif" panose="020B0604020202020204" pitchFamily="18" charset="0"/>
-              </a:rPr>
-              <a:t>&gt;</a:t>
-            </a:r>
-            <a:br>
-              <a:rPr lang="en-US" b="0" i="0" dirty="0">
-                <a:solidFill>
-                  <a:srgbClr val="3D3B49"/>
-                </a:solidFill>
-                <a:effectLst/>
-                <a:latin typeface="Noto Serif" panose="020B0604020202020204" pitchFamily="18" charset="0"/>
-              </a:rPr>
-            </a:br>
+                <a:latin typeface="Sylfaen" panose="010A0502050306030303" pitchFamily="18" charset="0"/>
+              </a:rPr>
+              <a:t>Implicit objects inside EL</a:t>
+            </a:r>
             <a:endParaRPr lang="en-US" dirty="0"/>
           </a:p>
         </p:txBody>
@@ -12949,7 +13391,7 @@
           <p:cNvPr id="3" name="Content Placeholder 2">
             <a:extLst>
               <a:ext uri="{FF2B5EF4-FFF2-40B4-BE49-F238E27FC236}">
-                <a16:creationId xmlns:a16="http://schemas.microsoft.com/office/drawing/2014/main" id="{F511094B-555E-4026-81D3-E5A762AB5425}"/>
+                <a16:creationId xmlns:a16="http://schemas.microsoft.com/office/drawing/2014/main" id="{A9F26A51-A1FC-453F-B7B7-146E2DEC08F2}"/>
               </a:ext>
             </a:extLst>
           </p:cNvPr>
@@ -12962,88 +13404,154 @@
         </p:nvSpPr>
         <p:spPr>
           <a:xfrm>
-            <a:off x="838200" y="1425912"/>
-            <a:ext cx="11053529" cy="4665109"/>
+            <a:off x="838199" y="1650134"/>
+            <a:ext cx="3087255" cy="2109053"/>
           </a:xfrm>
         </p:spPr>
         <p:txBody>
-          <a:bodyPr/>
+          <a:bodyPr>
+            <a:normAutofit/>
+          </a:bodyPr>
           <a:lstStyle/>
           <a:p>
-            <a:pPr marL="0" indent="0" algn="ctr">
+            <a:pPr marL="0" indent="0">
               <a:buNone/>
             </a:pPr>
-            <a:endParaRPr lang="en-US" dirty="0"/>
+            <a:r>
+              <a:rPr lang="en-US" sz="2500" dirty="0" err="1">
+                <a:effectLst>
+                  <a:outerShdw blurRad="38100" dist="38100" dir="2700000" algn="tl">
+                    <a:srgbClr val="000000">
+                      <a:alpha val="43137"/>
+                    </a:srgbClr>
+                  </a:outerShdw>
+                </a:effectLst>
+                <a:latin typeface="Sylfaen" panose="010A0502050306030303" pitchFamily="18" charset="0"/>
+              </a:rPr>
+              <a:t>pageScope</a:t>
+            </a:r>
+            <a:endParaRPr lang="en-US" sz="2500" dirty="0">
+              <a:effectLst>
+                <a:outerShdw blurRad="38100" dist="38100" dir="2700000" algn="tl">
+                  <a:srgbClr val="000000">
+                    <a:alpha val="43137"/>
+                  </a:srgbClr>
+                </a:outerShdw>
+              </a:effectLst>
+              <a:latin typeface="Sylfaen" panose="010A0502050306030303" pitchFamily="18" charset="0"/>
+            </a:endParaRPr>
           </a:p>
           <a:p>
             <a:pPr marL="0" indent="0">
               <a:buNone/>
             </a:pPr>
             <a:r>
-              <a:rPr lang="hy-AM" sz="2900" dirty="0">
-                <a:effectLst>
-                  <a:outerShdw blurRad="38100" dist="38100" dir="2700000" algn="tl">
-                    <a:srgbClr val="000000">
-                      <a:alpha val="43137"/>
-                    </a:srgbClr>
-                  </a:outerShdw>
-                </a:effectLst>
-                <a:latin typeface="Sylfaen" panose="010A0502050306030303" pitchFamily="18" charset="0"/>
-              </a:rPr>
-              <a:t>&lt;</a:t>
-            </a:r>
-            <a:r>
-              <a:rPr lang="en-US" sz="2900" dirty="0" err="1">
-                <a:effectLst>
-                  <a:outerShdw blurRad="38100" dist="38100" dir="2700000" algn="tl">
-                    <a:srgbClr val="000000">
-                      <a:alpha val="43137"/>
-                    </a:srgbClr>
-                  </a:outerShdw>
-                </a:effectLst>
-                <a:latin typeface="Sylfaen" panose="010A0502050306030303" pitchFamily="18" charset="0"/>
-              </a:rPr>
-              <a:t>jsp:useBean</a:t>
-            </a:r>
-            <a:r>
-              <a:rPr lang="en-US" sz="2900" dirty="0">
-                <a:effectLst>
-                  <a:outerShdw blurRad="38100" dist="38100" dir="2700000" algn="tl">
-                    <a:srgbClr val="000000">
-                      <a:alpha val="43137"/>
-                    </a:srgbClr>
-                  </a:outerShdw>
-                </a:effectLst>
-                <a:latin typeface="Sylfaen" panose="010A0502050306030303" pitchFamily="18" charset="0"/>
-              </a:rPr>
-              <a:t> id=“person” class=“</a:t>
-            </a:r>
-            <a:r>
-              <a:rPr lang="en-US" sz="2900" dirty="0" err="1">
-                <a:effectLst>
-                  <a:outerShdw blurRad="38100" dist="38100" dir="2700000" algn="tl">
-                    <a:srgbClr val="000000">
-                      <a:alpha val="43137"/>
-                    </a:srgbClr>
-                  </a:outerShdw>
-                </a:effectLst>
-                <a:latin typeface="Sylfaen" panose="010A0502050306030303" pitchFamily="18" charset="0"/>
-              </a:rPr>
-              <a:t>foo.Person</a:t>
-            </a:r>
-            <a:r>
-              <a:rPr lang="en-US" sz="2900" dirty="0">
-                <a:effectLst>
-                  <a:outerShdw blurRad="38100" dist="38100" dir="2700000" algn="tl">
-                    <a:srgbClr val="000000">
-                      <a:alpha val="43137"/>
-                    </a:srgbClr>
-                  </a:outerShdw>
-                </a:effectLst>
-                <a:latin typeface="Sylfaen" panose="010A0502050306030303" pitchFamily="18" charset="0"/>
-              </a:rPr>
-              <a:t>” scope=“request” &gt;</a:t>
-            </a:r>
+              <a:rPr lang="en-US" sz="2500" dirty="0" err="1">
+                <a:effectLst>
+                  <a:outerShdw blurRad="38100" dist="38100" dir="2700000" algn="tl">
+                    <a:srgbClr val="000000">
+                      <a:alpha val="43137"/>
+                    </a:srgbClr>
+                  </a:outerShdw>
+                </a:effectLst>
+                <a:latin typeface="Sylfaen" panose="010A0502050306030303" pitchFamily="18" charset="0"/>
+              </a:rPr>
+              <a:t>requestScope</a:t>
+            </a:r>
+            <a:endParaRPr lang="en-US" sz="2500" dirty="0">
+              <a:effectLst>
+                <a:outerShdw blurRad="38100" dist="38100" dir="2700000" algn="tl">
+                  <a:srgbClr val="000000">
+                    <a:alpha val="43137"/>
+                  </a:srgbClr>
+                </a:outerShdw>
+              </a:effectLst>
+              <a:latin typeface="Sylfaen" panose="010A0502050306030303" pitchFamily="18" charset="0"/>
+            </a:endParaRPr>
+          </a:p>
+          <a:p>
+            <a:pPr marL="0" indent="0">
+              <a:buNone/>
+            </a:pPr>
+            <a:r>
+              <a:rPr lang="en-US" sz="2500" dirty="0" err="1">
+                <a:effectLst>
+                  <a:outerShdw blurRad="38100" dist="38100" dir="2700000" algn="tl">
+                    <a:srgbClr val="000000">
+                      <a:alpha val="43137"/>
+                    </a:srgbClr>
+                  </a:outerShdw>
+                </a:effectLst>
+                <a:latin typeface="Sylfaen" panose="010A0502050306030303" pitchFamily="18" charset="0"/>
+              </a:rPr>
+              <a:t>sessionScope</a:t>
+            </a:r>
+            <a:endParaRPr lang="en-US" sz="2500" dirty="0">
+              <a:effectLst>
+                <a:outerShdw blurRad="38100" dist="38100" dir="2700000" algn="tl">
+                  <a:srgbClr val="000000">
+                    <a:alpha val="43137"/>
+                  </a:srgbClr>
+                </a:outerShdw>
+              </a:effectLst>
+              <a:latin typeface="Sylfaen" panose="010A0502050306030303" pitchFamily="18" charset="0"/>
+            </a:endParaRPr>
+          </a:p>
+          <a:p>
+            <a:pPr marL="0" indent="0">
+              <a:buNone/>
+            </a:pPr>
+            <a:r>
+              <a:rPr lang="en-US" sz="2500" dirty="0" err="1">
+                <a:effectLst>
+                  <a:outerShdw blurRad="38100" dist="38100" dir="2700000" algn="tl">
+                    <a:srgbClr val="000000">
+                      <a:alpha val="43137"/>
+                    </a:srgbClr>
+                  </a:outerShdw>
+                </a:effectLst>
+                <a:latin typeface="Sylfaen" panose="010A0502050306030303" pitchFamily="18" charset="0"/>
+              </a:rPr>
+              <a:t>applicationScope</a:t>
+            </a:r>
+            <a:r>
+              <a:rPr lang="en-US" sz="2500" dirty="0">
+                <a:effectLst>
+                  <a:outerShdw blurRad="38100" dist="38100" dir="2700000" algn="tl">
+                    <a:srgbClr val="000000">
+                      <a:alpha val="43137"/>
+                    </a:srgbClr>
+                  </a:outerShdw>
+                </a:effectLst>
+                <a:latin typeface="Sylfaen" panose="010A0502050306030303" pitchFamily="18" charset="0"/>
+              </a:rPr>
+              <a:t> </a:t>
+            </a:r>
+            <a:endParaRPr lang="hy-AM" sz="2500" dirty="0">
+              <a:effectLst>
+                <a:outerShdw blurRad="38100" dist="38100" dir="2700000" algn="tl">
+                  <a:srgbClr val="000000">
+                    <a:alpha val="43137"/>
+                  </a:srgbClr>
+                </a:outerShdw>
+              </a:effectLst>
+              <a:latin typeface="Sylfaen" panose="010A0502050306030303" pitchFamily="18" charset="0"/>
+            </a:endParaRPr>
+          </a:p>
+          <a:p>
+            <a:pPr marL="0" indent="0">
+              <a:buNone/>
+            </a:pPr>
+            <a:endParaRPr lang="hy-AM" sz="2900" dirty="0">
+              <a:effectLst>
+                <a:outerShdw blurRad="38100" dist="38100" dir="2700000" algn="tl">
+                  <a:srgbClr val="000000">
+                    <a:alpha val="43137"/>
+                  </a:srgbClr>
+                </a:outerShdw>
+              </a:effectLst>
+              <a:latin typeface="Sylfaen" panose="010A0502050306030303" pitchFamily="18" charset="0"/>
+            </a:endParaRPr>
           </a:p>
           <a:p>
             <a:pPr marL="0" indent="0">
@@ -13060,232 +13568,14 @@
               <a:latin typeface="Sylfaen" panose="010A0502050306030303" pitchFamily="18" charset="0"/>
             </a:endParaRPr>
           </a:p>
-          <a:p>
-            <a:pPr marL="0" indent="0">
-              <a:buNone/>
-            </a:pPr>
-            <a:r>
-              <a:rPr lang="hy-AM" sz="2900" dirty="0">
-                <a:effectLst>
-                  <a:outerShdw blurRad="38100" dist="38100" dir="2700000" algn="tl">
-                    <a:srgbClr val="000000">
-                      <a:alpha val="43137"/>
-                    </a:srgbClr>
-                  </a:outerShdw>
-                </a:effectLst>
-                <a:latin typeface="Sylfaen" panose="010A0502050306030303" pitchFamily="18" charset="0"/>
-              </a:rPr>
-              <a:t>	&lt;</a:t>
-            </a:r>
-            <a:r>
-              <a:rPr lang="en-US" sz="2900" dirty="0" err="1">
-                <a:effectLst>
-                  <a:outerShdw blurRad="38100" dist="38100" dir="2700000" algn="tl">
-                    <a:srgbClr val="000000">
-                      <a:alpha val="43137"/>
-                    </a:srgbClr>
-                  </a:outerShdw>
-                </a:effectLst>
-                <a:latin typeface="Sylfaen" panose="010A0502050306030303" pitchFamily="18" charset="0"/>
-              </a:rPr>
-              <a:t>jsp:getProperty</a:t>
-            </a:r>
-            <a:r>
-              <a:rPr lang="en-US" sz="2900" dirty="0">
-                <a:effectLst>
-                  <a:outerShdw blurRad="38100" dist="38100" dir="2700000" algn="tl">
-                    <a:srgbClr val="000000">
-                      <a:alpha val="43137"/>
-                    </a:srgbClr>
-                  </a:outerShdw>
-                </a:effectLst>
-                <a:latin typeface="Sylfaen" panose="010A0502050306030303" pitchFamily="18" charset="0"/>
-              </a:rPr>
-              <a:t> name=“person” property=“</a:t>
-            </a:r>
-            <a:r>
-              <a:rPr lang="en-US" sz="2900" dirty="0" err="1">
-                <a:effectLst>
-                  <a:outerShdw blurRad="38100" dist="38100" dir="2700000" algn="tl">
-                    <a:srgbClr val="000000">
-                      <a:alpha val="43137"/>
-                    </a:srgbClr>
-                  </a:outerShdw>
-                </a:effectLst>
-                <a:latin typeface="Sylfaen" panose="010A0502050306030303" pitchFamily="18" charset="0"/>
-              </a:rPr>
-              <a:t>firstName</a:t>
-            </a:r>
-            <a:r>
-              <a:rPr lang="en-US" sz="2900" dirty="0">
-                <a:effectLst>
-                  <a:outerShdw blurRad="38100" dist="38100" dir="2700000" algn="tl">
-                    <a:srgbClr val="000000">
-                      <a:alpha val="43137"/>
-                    </a:srgbClr>
-                  </a:outerShdw>
-                </a:effectLst>
-                <a:latin typeface="Sylfaen" panose="010A0502050306030303" pitchFamily="18" charset="0"/>
-              </a:rPr>
-              <a:t>” /&gt;</a:t>
-            </a:r>
-            <a:endParaRPr lang="hy-AM" sz="2900" dirty="0">
-              <a:effectLst>
-                <a:outerShdw blurRad="38100" dist="38100" dir="2700000" algn="tl">
-                  <a:srgbClr val="000000">
-                    <a:alpha val="43137"/>
-                  </a:srgbClr>
-                </a:outerShdw>
-              </a:effectLst>
-              <a:latin typeface="Sylfaen" panose="010A0502050306030303" pitchFamily="18" charset="0"/>
-            </a:endParaRPr>
-          </a:p>
-          <a:p>
-            <a:pPr marL="0" indent="0">
-              <a:buNone/>
-            </a:pPr>
-            <a:endParaRPr lang="en-US" sz="2900" dirty="0">
-              <a:effectLst>
-                <a:outerShdw blurRad="38100" dist="38100" dir="2700000" algn="tl">
-                  <a:srgbClr val="000000">
-                    <a:alpha val="43137"/>
-                  </a:srgbClr>
-                </a:outerShdw>
-              </a:effectLst>
-              <a:latin typeface="Sylfaen" panose="010A0502050306030303" pitchFamily="18" charset="0"/>
-            </a:endParaRPr>
-          </a:p>
-          <a:p>
-            <a:pPr marL="0" indent="0">
-              <a:buNone/>
-            </a:pPr>
-            <a:r>
-              <a:rPr lang="hy-AM" sz="2900" dirty="0">
-                <a:effectLst>
-                  <a:outerShdw blurRad="38100" dist="38100" dir="2700000" algn="tl">
-                    <a:srgbClr val="000000">
-                      <a:alpha val="43137"/>
-                    </a:srgbClr>
-                  </a:outerShdw>
-                </a:effectLst>
-                <a:latin typeface="Sylfaen" panose="010A0502050306030303" pitchFamily="18" charset="0"/>
-              </a:rPr>
-              <a:t>	&lt;jsp:setProperty name="person" property="name" value=</a:t>
-            </a:r>
-            <a:r>
-              <a:rPr lang="en-US" sz="2900" dirty="0">
-                <a:effectLst>
-                  <a:outerShdw blurRad="38100" dist="38100" dir="2700000" algn="tl">
-                    <a:srgbClr val="000000">
-                      <a:alpha val="43137"/>
-                    </a:srgbClr>
-                  </a:outerShdw>
-                </a:effectLst>
-                <a:latin typeface="Sylfaen" panose="010A0502050306030303" pitchFamily="18" charset="0"/>
-              </a:rPr>
-              <a:t>John</a:t>
-            </a:r>
-            <a:r>
-              <a:rPr lang="hy-AM" sz="2900" dirty="0">
-                <a:effectLst>
-                  <a:outerShdw blurRad="38100" dist="38100" dir="2700000" algn="tl">
-                    <a:srgbClr val="000000">
-                      <a:alpha val="43137"/>
-                    </a:srgbClr>
-                  </a:outerShdw>
-                </a:effectLst>
-                <a:latin typeface="Sylfaen" panose="010A0502050306030303" pitchFamily="18" charset="0"/>
-              </a:rPr>
-              <a:t>" /&gt;</a:t>
-            </a:r>
-            <a:endParaRPr lang="en-US" sz="2900" dirty="0">
-              <a:effectLst>
-                <a:outerShdw blurRad="38100" dist="38100" dir="2700000" algn="tl">
-                  <a:srgbClr val="000000">
-                    <a:alpha val="43137"/>
-                  </a:srgbClr>
-                </a:outerShdw>
-              </a:effectLst>
-              <a:latin typeface="Sylfaen" panose="010A0502050306030303" pitchFamily="18" charset="0"/>
-            </a:endParaRPr>
-          </a:p>
-          <a:p>
-            <a:pPr marL="0" indent="0">
-              <a:buNone/>
-            </a:pPr>
-            <a:endParaRPr lang="hy-AM" sz="2900" dirty="0">
-              <a:effectLst>
-                <a:outerShdw blurRad="38100" dist="38100" dir="2700000" algn="tl">
-                  <a:srgbClr val="000000">
-                    <a:alpha val="43137"/>
-                  </a:srgbClr>
-                </a:outerShdw>
-              </a:effectLst>
-              <a:latin typeface="Sylfaen" panose="010A0502050306030303" pitchFamily="18" charset="0"/>
-            </a:endParaRPr>
-          </a:p>
-          <a:p>
-            <a:pPr marL="0" indent="0">
-              <a:buNone/>
-            </a:pPr>
-            <a:r>
-              <a:rPr lang="hy-AM" sz="2900" dirty="0">
-                <a:effectLst>
-                  <a:outerShdw blurRad="38100" dist="38100" dir="2700000" algn="tl">
-                    <a:srgbClr val="000000">
-                      <a:alpha val="43137"/>
-                    </a:srgbClr>
-                  </a:outerShdw>
-                </a:effectLst>
-                <a:latin typeface="Sylfaen" panose="010A0502050306030303" pitchFamily="18" charset="0"/>
-              </a:rPr>
-              <a:t>&lt;/ </a:t>
-            </a:r>
-            <a:r>
-              <a:rPr lang="en-US" sz="2900" dirty="0" err="1">
-                <a:effectLst>
-                  <a:outerShdw blurRad="38100" dist="38100" dir="2700000" algn="tl">
-                    <a:srgbClr val="000000">
-                      <a:alpha val="43137"/>
-                    </a:srgbClr>
-                  </a:outerShdw>
-                </a:effectLst>
-                <a:latin typeface="Sylfaen" panose="010A0502050306030303" pitchFamily="18" charset="0"/>
-              </a:rPr>
-              <a:t>jsp:useBean</a:t>
-            </a:r>
-            <a:r>
-              <a:rPr lang="hy-AM" sz="2900" dirty="0">
-                <a:effectLst>
-                  <a:outerShdw blurRad="38100" dist="38100" dir="2700000" algn="tl">
-                    <a:srgbClr val="000000">
-                      <a:alpha val="43137"/>
-                    </a:srgbClr>
-                  </a:outerShdw>
-                </a:effectLst>
-                <a:latin typeface="Sylfaen" panose="010A0502050306030303" pitchFamily="18" charset="0"/>
-              </a:rPr>
-              <a:t> &gt;</a:t>
-            </a:r>
-            <a:endParaRPr lang="en-US" sz="2900" dirty="0">
-              <a:effectLst>
-                <a:outerShdw blurRad="38100" dist="38100" dir="2700000" algn="tl">
-                  <a:srgbClr val="000000">
-                    <a:alpha val="43137"/>
-                  </a:srgbClr>
-                </a:outerShdw>
-              </a:effectLst>
-              <a:latin typeface="Sylfaen" panose="010A0502050306030303" pitchFamily="18" charset="0"/>
-            </a:endParaRPr>
-          </a:p>
         </p:txBody>
       </p:sp>
       <p:cxnSp>
         <p:nvCxnSpPr>
-          <p:cNvPr id="6" name="Straight Connector 9">
+          <p:cNvPr id="4" name="Straight Connector 9">
             <a:extLst>
               <a:ext uri="{FF2B5EF4-FFF2-40B4-BE49-F238E27FC236}">
-                <a16:creationId xmlns:a16="http://schemas.microsoft.com/office/drawing/2014/main" id="{66A26303-DF12-46ED-8B5B-D33967CF18C4}"/>
+                <a16:creationId xmlns:a16="http://schemas.microsoft.com/office/drawing/2014/main" id="{0375B404-F040-49F8-83CD-F8200C4335E5}"/>
               </a:ext>
             </a:extLst>
           </p:cNvPr>
@@ -13296,7 +13586,7 @@
         </p:nvCxnSpPr>
         <p:spPr>
           <a:xfrm>
-            <a:off x="569235" y="1146273"/>
+            <a:off x="569235" y="1118563"/>
             <a:ext cx="11053530" cy="0"/>
           </a:xfrm>
           <a:prstGeom prst="line">
@@ -13318,15 +13608,1810 @@
           </a:fontRef>
         </p:style>
       </p:cxnSp>
+      <p:sp>
+        <p:nvSpPr>
+          <p:cNvPr id="5" name="Right Brace 4">
+            <a:extLst>
+              <a:ext uri="{FF2B5EF4-FFF2-40B4-BE49-F238E27FC236}">
+                <a16:creationId xmlns:a16="http://schemas.microsoft.com/office/drawing/2014/main" id="{5B41250D-C269-4466-8350-7473A166C4C7}"/>
+              </a:ext>
+            </a:extLst>
+          </p:cNvPr>
+          <p:cNvSpPr/>
+          <p:nvPr/>
+        </p:nvSpPr>
+        <p:spPr>
+          <a:xfrm>
+            <a:off x="3502889" y="1724025"/>
+            <a:ext cx="249382" cy="1778865"/>
+          </a:xfrm>
+          <a:prstGeom prst="rightBrace">
+            <a:avLst/>
+          </a:prstGeom>
+        </p:spPr>
+        <p:style>
+          <a:lnRef idx="3">
+            <a:schemeClr val="dk1"/>
+          </a:lnRef>
+          <a:fillRef idx="0">
+            <a:schemeClr val="dk1"/>
+          </a:fillRef>
+          <a:effectRef idx="2">
+            <a:schemeClr val="dk1"/>
+          </a:effectRef>
+          <a:fontRef idx="minor">
+            <a:schemeClr val="tx1"/>
+          </a:fontRef>
+        </p:style>
+        <p:txBody>
+          <a:bodyPr rtlCol="0" anchor="ctr"/>
+          <a:lstStyle/>
+          <a:p>
+            <a:pPr algn="ctr"/>
+            <a:endParaRPr lang="en-US"/>
+          </a:p>
+        </p:txBody>
+      </p:sp>
+      <p:sp>
+        <p:nvSpPr>
+          <p:cNvPr id="7" name="Content Placeholder 2">
+            <a:extLst>
+              <a:ext uri="{FF2B5EF4-FFF2-40B4-BE49-F238E27FC236}">
+                <a16:creationId xmlns:a16="http://schemas.microsoft.com/office/drawing/2014/main" id="{0E1C3376-A3E1-4B93-91A8-A4C297EA686E}"/>
+              </a:ext>
+            </a:extLst>
+          </p:cNvPr>
+          <p:cNvSpPr txBox="1">
+            <a:spLocks/>
+          </p:cNvSpPr>
+          <p:nvPr/>
+        </p:nvSpPr>
+        <p:spPr>
+          <a:xfrm>
+            <a:off x="6590144" y="1624732"/>
+            <a:ext cx="2387601" cy="1074593"/>
+          </a:xfrm>
+          <a:prstGeom prst="rect">
+            <a:avLst/>
+          </a:prstGeom>
+        </p:spPr>
+        <p:txBody>
+          <a:bodyPr vert="horz" lIns="91440" tIns="45720" rIns="91440" bIns="45720" rtlCol="0">
+            <a:normAutofit/>
+          </a:bodyPr>
+          <a:lstStyle>
+            <a:lvl1pPr marL="228600" indent="-228600" algn="l" defTabSz="914400" rtl="0" eaLnBrk="1" latinLnBrk="0" hangingPunct="1">
+              <a:lnSpc>
+                <a:spcPct val="90000"/>
+              </a:lnSpc>
+              <a:spcBef>
+                <a:spcPts val="1000"/>
+              </a:spcBef>
+              <a:buFont typeface="Arial" panose="020B0604020202020204" pitchFamily="34" charset="0"/>
+              <a:buChar char="•"/>
+              <a:defRPr sz="2800" kern="1200">
+                <a:solidFill>
+                  <a:schemeClr val="tx1"/>
+                </a:solidFill>
+                <a:latin typeface="+mn-lt"/>
+                <a:ea typeface="+mn-ea"/>
+                <a:cs typeface="+mn-cs"/>
+              </a:defRPr>
+            </a:lvl1pPr>
+            <a:lvl2pPr marL="685800" indent="-228600" algn="l" defTabSz="914400" rtl="0" eaLnBrk="1" latinLnBrk="0" hangingPunct="1">
+              <a:lnSpc>
+                <a:spcPct val="90000"/>
+              </a:lnSpc>
+              <a:spcBef>
+                <a:spcPts val="500"/>
+              </a:spcBef>
+              <a:buFont typeface="Arial" panose="020B0604020202020204" pitchFamily="34" charset="0"/>
+              <a:buChar char="•"/>
+              <a:defRPr sz="2400" kern="1200">
+                <a:solidFill>
+                  <a:schemeClr val="tx1"/>
+                </a:solidFill>
+                <a:latin typeface="+mn-lt"/>
+                <a:ea typeface="+mn-ea"/>
+                <a:cs typeface="+mn-cs"/>
+              </a:defRPr>
+            </a:lvl2pPr>
+            <a:lvl3pPr marL="1143000" indent="-228600" algn="l" defTabSz="914400" rtl="0" eaLnBrk="1" latinLnBrk="0" hangingPunct="1">
+              <a:lnSpc>
+                <a:spcPct val="90000"/>
+              </a:lnSpc>
+              <a:spcBef>
+                <a:spcPts val="500"/>
+              </a:spcBef>
+              <a:buFont typeface="Arial" panose="020B0604020202020204" pitchFamily="34" charset="0"/>
+              <a:buChar char="•"/>
+              <a:defRPr sz="2000" kern="1200">
+                <a:solidFill>
+                  <a:schemeClr val="tx1"/>
+                </a:solidFill>
+                <a:latin typeface="+mn-lt"/>
+                <a:ea typeface="+mn-ea"/>
+                <a:cs typeface="+mn-cs"/>
+              </a:defRPr>
+            </a:lvl3pPr>
+            <a:lvl4pPr marL="1600200" indent="-228600" algn="l" defTabSz="914400" rtl="0" eaLnBrk="1" latinLnBrk="0" hangingPunct="1">
+              <a:lnSpc>
+                <a:spcPct val="90000"/>
+              </a:lnSpc>
+              <a:spcBef>
+                <a:spcPts val="500"/>
+              </a:spcBef>
+              <a:buFont typeface="Arial" panose="020B0604020202020204" pitchFamily="34" charset="0"/>
+              <a:buChar char="•"/>
+              <a:defRPr sz="1800" kern="1200">
+                <a:solidFill>
+                  <a:schemeClr val="tx1"/>
+                </a:solidFill>
+                <a:latin typeface="+mn-lt"/>
+                <a:ea typeface="+mn-ea"/>
+                <a:cs typeface="+mn-cs"/>
+              </a:defRPr>
+            </a:lvl4pPr>
+            <a:lvl5pPr marL="2057400" indent="-228600" algn="l" defTabSz="914400" rtl="0" eaLnBrk="1" latinLnBrk="0" hangingPunct="1">
+              <a:lnSpc>
+                <a:spcPct val="90000"/>
+              </a:lnSpc>
+              <a:spcBef>
+                <a:spcPts val="500"/>
+              </a:spcBef>
+              <a:buFont typeface="Arial" panose="020B0604020202020204" pitchFamily="34" charset="0"/>
+              <a:buChar char="•"/>
+              <a:defRPr sz="1800" kern="1200">
+                <a:solidFill>
+                  <a:schemeClr val="tx1"/>
+                </a:solidFill>
+                <a:latin typeface="+mn-lt"/>
+                <a:ea typeface="+mn-ea"/>
+                <a:cs typeface="+mn-cs"/>
+              </a:defRPr>
+            </a:lvl5pPr>
+            <a:lvl6pPr marL="2514600" indent="-228600" algn="l" defTabSz="914400" rtl="0" eaLnBrk="1" latinLnBrk="0" hangingPunct="1">
+              <a:lnSpc>
+                <a:spcPct val="90000"/>
+              </a:lnSpc>
+              <a:spcBef>
+                <a:spcPts val="500"/>
+              </a:spcBef>
+              <a:buFont typeface="Arial" panose="020B0604020202020204" pitchFamily="34" charset="0"/>
+              <a:buChar char="•"/>
+              <a:defRPr sz="1800" kern="1200">
+                <a:solidFill>
+                  <a:schemeClr val="tx1"/>
+                </a:solidFill>
+                <a:latin typeface="+mn-lt"/>
+                <a:ea typeface="+mn-ea"/>
+                <a:cs typeface="+mn-cs"/>
+              </a:defRPr>
+            </a:lvl6pPr>
+            <a:lvl7pPr marL="2971800" indent="-228600" algn="l" defTabSz="914400" rtl="0" eaLnBrk="1" latinLnBrk="0" hangingPunct="1">
+              <a:lnSpc>
+                <a:spcPct val="90000"/>
+              </a:lnSpc>
+              <a:spcBef>
+                <a:spcPts val="500"/>
+              </a:spcBef>
+              <a:buFont typeface="Arial" panose="020B0604020202020204" pitchFamily="34" charset="0"/>
+              <a:buChar char="•"/>
+              <a:defRPr sz="1800" kern="1200">
+                <a:solidFill>
+                  <a:schemeClr val="tx1"/>
+                </a:solidFill>
+                <a:latin typeface="+mn-lt"/>
+                <a:ea typeface="+mn-ea"/>
+                <a:cs typeface="+mn-cs"/>
+              </a:defRPr>
+            </a:lvl7pPr>
+            <a:lvl8pPr marL="3429000" indent="-228600" algn="l" defTabSz="914400" rtl="0" eaLnBrk="1" latinLnBrk="0" hangingPunct="1">
+              <a:lnSpc>
+                <a:spcPct val="90000"/>
+              </a:lnSpc>
+              <a:spcBef>
+                <a:spcPts val="500"/>
+              </a:spcBef>
+              <a:buFont typeface="Arial" panose="020B0604020202020204" pitchFamily="34" charset="0"/>
+              <a:buChar char="•"/>
+              <a:defRPr sz="1800" kern="1200">
+                <a:solidFill>
+                  <a:schemeClr val="tx1"/>
+                </a:solidFill>
+                <a:latin typeface="+mn-lt"/>
+                <a:ea typeface="+mn-ea"/>
+                <a:cs typeface="+mn-cs"/>
+              </a:defRPr>
+            </a:lvl8pPr>
+            <a:lvl9pPr marL="3886200" indent="-228600" algn="l" defTabSz="914400" rtl="0" eaLnBrk="1" latinLnBrk="0" hangingPunct="1">
+              <a:lnSpc>
+                <a:spcPct val="90000"/>
+              </a:lnSpc>
+              <a:spcBef>
+                <a:spcPts val="500"/>
+              </a:spcBef>
+              <a:buFont typeface="Arial" panose="020B0604020202020204" pitchFamily="34" charset="0"/>
+              <a:buChar char="•"/>
+              <a:defRPr sz="1800" kern="1200">
+                <a:solidFill>
+                  <a:schemeClr val="tx1"/>
+                </a:solidFill>
+                <a:latin typeface="+mn-lt"/>
+                <a:ea typeface="+mn-ea"/>
+                <a:cs typeface="+mn-cs"/>
+              </a:defRPr>
+            </a:lvl9pPr>
+          </a:lstStyle>
+          <a:p>
+            <a:pPr marL="0" indent="0">
+              <a:buNone/>
+            </a:pPr>
+            <a:r>
+              <a:rPr lang="en-US" sz="2500" dirty="0">
+                <a:effectLst>
+                  <a:outerShdw blurRad="38100" dist="38100" dir="2700000" algn="tl">
+                    <a:srgbClr val="000000">
+                      <a:alpha val="43137"/>
+                    </a:srgbClr>
+                  </a:outerShdw>
+                </a:effectLst>
+                <a:latin typeface="Sylfaen" panose="010A0502050306030303" pitchFamily="18" charset="0"/>
+              </a:rPr>
+              <a:t>param</a:t>
+            </a:r>
+          </a:p>
+          <a:p>
+            <a:pPr marL="0" indent="0">
+              <a:buNone/>
+            </a:pPr>
+            <a:r>
+              <a:rPr lang="en-US" sz="2500" dirty="0" err="1">
+                <a:effectLst>
+                  <a:outerShdw blurRad="38100" dist="38100" dir="2700000" algn="tl">
+                    <a:srgbClr val="000000">
+                      <a:alpha val="43137"/>
+                    </a:srgbClr>
+                  </a:outerShdw>
+                </a:effectLst>
+                <a:latin typeface="Sylfaen" panose="010A0502050306030303" pitchFamily="18" charset="0"/>
+              </a:rPr>
+              <a:t>paramValues</a:t>
+            </a:r>
+            <a:endParaRPr lang="en-US" sz="2500" dirty="0">
+              <a:effectLst>
+                <a:outerShdw blurRad="38100" dist="38100" dir="2700000" algn="tl">
+                  <a:srgbClr val="000000">
+                    <a:alpha val="43137"/>
+                  </a:srgbClr>
+                </a:outerShdw>
+              </a:effectLst>
+              <a:latin typeface="Sylfaen" panose="010A0502050306030303" pitchFamily="18" charset="0"/>
+            </a:endParaRPr>
+          </a:p>
+          <a:p>
+            <a:pPr marL="0" indent="0">
+              <a:buFont typeface="Arial" panose="020B0604020202020204" pitchFamily="34" charset="0"/>
+              <a:buNone/>
+            </a:pPr>
+            <a:endParaRPr lang="hy-AM" sz="2900" dirty="0">
+              <a:effectLst>
+                <a:outerShdw blurRad="38100" dist="38100" dir="2700000" algn="tl">
+                  <a:srgbClr val="000000">
+                    <a:alpha val="43137"/>
+                  </a:srgbClr>
+                </a:outerShdw>
+              </a:effectLst>
+              <a:latin typeface="Sylfaen" panose="010A0502050306030303" pitchFamily="18" charset="0"/>
+            </a:endParaRPr>
+          </a:p>
+          <a:p>
+            <a:pPr marL="0" indent="0">
+              <a:buFont typeface="Arial" panose="020B0604020202020204" pitchFamily="34" charset="0"/>
+              <a:buNone/>
+            </a:pPr>
+            <a:endParaRPr lang="en-US" sz="2900" dirty="0">
+              <a:effectLst>
+                <a:outerShdw blurRad="38100" dist="38100" dir="2700000" algn="tl">
+                  <a:srgbClr val="000000">
+                    <a:alpha val="43137"/>
+                  </a:srgbClr>
+                </a:outerShdw>
+              </a:effectLst>
+              <a:latin typeface="Sylfaen" panose="010A0502050306030303" pitchFamily="18" charset="0"/>
+            </a:endParaRPr>
+          </a:p>
+        </p:txBody>
+      </p:sp>
+      <p:sp>
+        <p:nvSpPr>
+          <p:cNvPr id="9" name="Content Placeholder 2">
+            <a:extLst>
+              <a:ext uri="{FF2B5EF4-FFF2-40B4-BE49-F238E27FC236}">
+                <a16:creationId xmlns:a16="http://schemas.microsoft.com/office/drawing/2014/main" id="{DD8B7AC3-B087-46C1-B8B7-79CE28EC149D}"/>
+              </a:ext>
+            </a:extLst>
+          </p:cNvPr>
+          <p:cNvSpPr txBox="1">
+            <a:spLocks/>
+          </p:cNvSpPr>
+          <p:nvPr/>
+        </p:nvSpPr>
+        <p:spPr>
+          <a:xfrm>
+            <a:off x="1077189" y="4153339"/>
+            <a:ext cx="4524668" cy="2109053"/>
+          </a:xfrm>
+          <a:prstGeom prst="rect">
+            <a:avLst/>
+          </a:prstGeom>
+        </p:spPr>
+        <p:txBody>
+          <a:bodyPr vert="horz" lIns="91440" tIns="45720" rIns="91440" bIns="45720" rtlCol="0">
+            <a:normAutofit/>
+          </a:bodyPr>
+          <a:lstStyle>
+            <a:lvl1pPr marL="228600" indent="-228600" algn="l" defTabSz="914400" rtl="0" eaLnBrk="1" latinLnBrk="0" hangingPunct="1">
+              <a:lnSpc>
+                <a:spcPct val="90000"/>
+              </a:lnSpc>
+              <a:spcBef>
+                <a:spcPts val="1000"/>
+              </a:spcBef>
+              <a:buFont typeface="Arial" panose="020B0604020202020204" pitchFamily="34" charset="0"/>
+              <a:buChar char="•"/>
+              <a:defRPr sz="2800" kern="1200">
+                <a:solidFill>
+                  <a:schemeClr val="tx1"/>
+                </a:solidFill>
+                <a:latin typeface="+mn-lt"/>
+                <a:ea typeface="+mn-ea"/>
+                <a:cs typeface="+mn-cs"/>
+              </a:defRPr>
+            </a:lvl1pPr>
+            <a:lvl2pPr marL="685800" indent="-228600" algn="l" defTabSz="914400" rtl="0" eaLnBrk="1" latinLnBrk="0" hangingPunct="1">
+              <a:lnSpc>
+                <a:spcPct val="90000"/>
+              </a:lnSpc>
+              <a:spcBef>
+                <a:spcPts val="500"/>
+              </a:spcBef>
+              <a:buFont typeface="Arial" panose="020B0604020202020204" pitchFamily="34" charset="0"/>
+              <a:buChar char="•"/>
+              <a:defRPr sz="2400" kern="1200">
+                <a:solidFill>
+                  <a:schemeClr val="tx1"/>
+                </a:solidFill>
+                <a:latin typeface="+mn-lt"/>
+                <a:ea typeface="+mn-ea"/>
+                <a:cs typeface="+mn-cs"/>
+              </a:defRPr>
+            </a:lvl2pPr>
+            <a:lvl3pPr marL="1143000" indent="-228600" algn="l" defTabSz="914400" rtl="0" eaLnBrk="1" latinLnBrk="0" hangingPunct="1">
+              <a:lnSpc>
+                <a:spcPct val="90000"/>
+              </a:lnSpc>
+              <a:spcBef>
+                <a:spcPts val="500"/>
+              </a:spcBef>
+              <a:buFont typeface="Arial" panose="020B0604020202020204" pitchFamily="34" charset="0"/>
+              <a:buChar char="•"/>
+              <a:defRPr sz="2000" kern="1200">
+                <a:solidFill>
+                  <a:schemeClr val="tx1"/>
+                </a:solidFill>
+                <a:latin typeface="+mn-lt"/>
+                <a:ea typeface="+mn-ea"/>
+                <a:cs typeface="+mn-cs"/>
+              </a:defRPr>
+            </a:lvl3pPr>
+            <a:lvl4pPr marL="1600200" indent="-228600" algn="l" defTabSz="914400" rtl="0" eaLnBrk="1" latinLnBrk="0" hangingPunct="1">
+              <a:lnSpc>
+                <a:spcPct val="90000"/>
+              </a:lnSpc>
+              <a:spcBef>
+                <a:spcPts val="500"/>
+              </a:spcBef>
+              <a:buFont typeface="Arial" panose="020B0604020202020204" pitchFamily="34" charset="0"/>
+              <a:buChar char="•"/>
+              <a:defRPr sz="1800" kern="1200">
+                <a:solidFill>
+                  <a:schemeClr val="tx1"/>
+                </a:solidFill>
+                <a:latin typeface="+mn-lt"/>
+                <a:ea typeface="+mn-ea"/>
+                <a:cs typeface="+mn-cs"/>
+              </a:defRPr>
+            </a:lvl4pPr>
+            <a:lvl5pPr marL="2057400" indent="-228600" algn="l" defTabSz="914400" rtl="0" eaLnBrk="1" latinLnBrk="0" hangingPunct="1">
+              <a:lnSpc>
+                <a:spcPct val="90000"/>
+              </a:lnSpc>
+              <a:spcBef>
+                <a:spcPts val="500"/>
+              </a:spcBef>
+              <a:buFont typeface="Arial" panose="020B0604020202020204" pitchFamily="34" charset="0"/>
+              <a:buChar char="•"/>
+              <a:defRPr sz="1800" kern="1200">
+                <a:solidFill>
+                  <a:schemeClr val="tx1"/>
+                </a:solidFill>
+                <a:latin typeface="+mn-lt"/>
+                <a:ea typeface="+mn-ea"/>
+                <a:cs typeface="+mn-cs"/>
+              </a:defRPr>
+            </a:lvl5pPr>
+            <a:lvl6pPr marL="2514600" indent="-228600" algn="l" defTabSz="914400" rtl="0" eaLnBrk="1" latinLnBrk="0" hangingPunct="1">
+              <a:lnSpc>
+                <a:spcPct val="90000"/>
+              </a:lnSpc>
+              <a:spcBef>
+                <a:spcPts val="500"/>
+              </a:spcBef>
+              <a:buFont typeface="Arial" panose="020B0604020202020204" pitchFamily="34" charset="0"/>
+              <a:buChar char="•"/>
+              <a:defRPr sz="1800" kern="1200">
+                <a:solidFill>
+                  <a:schemeClr val="tx1"/>
+                </a:solidFill>
+                <a:latin typeface="+mn-lt"/>
+                <a:ea typeface="+mn-ea"/>
+                <a:cs typeface="+mn-cs"/>
+              </a:defRPr>
+            </a:lvl6pPr>
+            <a:lvl7pPr marL="2971800" indent="-228600" algn="l" defTabSz="914400" rtl="0" eaLnBrk="1" latinLnBrk="0" hangingPunct="1">
+              <a:lnSpc>
+                <a:spcPct val="90000"/>
+              </a:lnSpc>
+              <a:spcBef>
+                <a:spcPts val="500"/>
+              </a:spcBef>
+              <a:buFont typeface="Arial" panose="020B0604020202020204" pitchFamily="34" charset="0"/>
+              <a:buChar char="•"/>
+              <a:defRPr sz="1800" kern="1200">
+                <a:solidFill>
+                  <a:schemeClr val="tx1"/>
+                </a:solidFill>
+                <a:latin typeface="+mn-lt"/>
+                <a:ea typeface="+mn-ea"/>
+                <a:cs typeface="+mn-cs"/>
+              </a:defRPr>
+            </a:lvl7pPr>
+            <a:lvl8pPr marL="3429000" indent="-228600" algn="l" defTabSz="914400" rtl="0" eaLnBrk="1" latinLnBrk="0" hangingPunct="1">
+              <a:lnSpc>
+                <a:spcPct val="90000"/>
+              </a:lnSpc>
+              <a:spcBef>
+                <a:spcPts val="500"/>
+              </a:spcBef>
+              <a:buFont typeface="Arial" panose="020B0604020202020204" pitchFamily="34" charset="0"/>
+              <a:buChar char="•"/>
+              <a:defRPr sz="1800" kern="1200">
+                <a:solidFill>
+                  <a:schemeClr val="tx1"/>
+                </a:solidFill>
+                <a:latin typeface="+mn-lt"/>
+                <a:ea typeface="+mn-ea"/>
+                <a:cs typeface="+mn-cs"/>
+              </a:defRPr>
+            </a:lvl8pPr>
+            <a:lvl9pPr marL="3886200" indent="-228600" algn="l" defTabSz="914400" rtl="0" eaLnBrk="1" latinLnBrk="0" hangingPunct="1">
+              <a:lnSpc>
+                <a:spcPct val="90000"/>
+              </a:lnSpc>
+              <a:spcBef>
+                <a:spcPts val="500"/>
+              </a:spcBef>
+              <a:buFont typeface="Arial" panose="020B0604020202020204" pitchFamily="34" charset="0"/>
+              <a:buChar char="•"/>
+              <a:defRPr sz="1800" kern="1200">
+                <a:solidFill>
+                  <a:schemeClr val="tx1"/>
+                </a:solidFill>
+                <a:latin typeface="+mn-lt"/>
+                <a:ea typeface="+mn-ea"/>
+                <a:cs typeface="+mn-cs"/>
+              </a:defRPr>
+            </a:lvl9pPr>
+          </a:lstStyle>
+          <a:p>
+            <a:pPr marL="0" indent="0">
+              <a:buFont typeface="Arial" panose="020B0604020202020204" pitchFamily="34" charset="0"/>
+              <a:buNone/>
+            </a:pPr>
+            <a:r>
+              <a:rPr lang="en-US" sz="2500" dirty="0">
+                <a:effectLst>
+                  <a:outerShdw blurRad="38100" dist="38100" dir="2700000" algn="tl">
+                    <a:srgbClr val="000000">
+                      <a:alpha val="43137"/>
+                    </a:srgbClr>
+                  </a:outerShdw>
+                </a:effectLst>
+                <a:latin typeface="Sylfaen" panose="010A0502050306030303" pitchFamily="18" charset="0"/>
+              </a:rPr>
+              <a:t>cookie</a:t>
+            </a:r>
+          </a:p>
+          <a:p>
+            <a:pPr marL="0" indent="0">
+              <a:buFont typeface="Arial" panose="020B0604020202020204" pitchFamily="34" charset="0"/>
+              <a:buNone/>
+            </a:pPr>
+            <a:r>
+              <a:rPr lang="en-US" sz="2500" dirty="0" err="1">
+                <a:effectLst>
+                  <a:outerShdw blurRad="38100" dist="38100" dir="2700000" algn="tl">
+                    <a:srgbClr val="000000">
+                      <a:alpha val="43137"/>
+                    </a:srgbClr>
+                  </a:outerShdw>
+                </a:effectLst>
+                <a:latin typeface="Sylfaen" panose="010A0502050306030303" pitchFamily="18" charset="0"/>
+              </a:rPr>
+              <a:t>initParam</a:t>
+            </a:r>
+            <a:endParaRPr lang="en-US" sz="2500" dirty="0">
+              <a:effectLst>
+                <a:outerShdw blurRad="38100" dist="38100" dir="2700000" algn="tl">
+                  <a:srgbClr val="000000">
+                    <a:alpha val="43137"/>
+                  </a:srgbClr>
+                </a:outerShdw>
+              </a:effectLst>
+              <a:latin typeface="Sylfaen" panose="010A0502050306030303" pitchFamily="18" charset="0"/>
+            </a:endParaRPr>
+          </a:p>
+          <a:p>
+            <a:pPr marL="0" indent="0">
+              <a:buFont typeface="Arial" panose="020B0604020202020204" pitchFamily="34" charset="0"/>
+              <a:buNone/>
+            </a:pPr>
+            <a:endParaRPr lang="en-US" sz="2500" dirty="0">
+              <a:effectLst>
+                <a:outerShdw blurRad="38100" dist="38100" dir="2700000" algn="tl">
+                  <a:srgbClr val="000000">
+                    <a:alpha val="43137"/>
+                  </a:srgbClr>
+                </a:outerShdw>
+              </a:effectLst>
+              <a:latin typeface="Sylfaen" panose="010A0502050306030303" pitchFamily="18" charset="0"/>
+            </a:endParaRPr>
+          </a:p>
+          <a:p>
+            <a:pPr marL="0" indent="0">
+              <a:buFont typeface="Arial" panose="020B0604020202020204" pitchFamily="34" charset="0"/>
+              <a:buNone/>
+            </a:pPr>
+            <a:r>
+              <a:rPr lang="en-US" sz="2500" dirty="0" err="1">
+                <a:effectLst>
+                  <a:outerShdw blurRad="38100" dist="38100" dir="2700000" algn="tl">
+                    <a:srgbClr val="000000">
+                      <a:alpha val="43137"/>
+                    </a:srgbClr>
+                  </a:outerShdw>
+                </a:effectLst>
+                <a:latin typeface="Sylfaen" panose="010A0502050306030303" pitchFamily="18" charset="0"/>
+              </a:rPr>
+              <a:t>pageContext</a:t>
+            </a:r>
+            <a:endParaRPr lang="hy-AM" sz="2500" dirty="0">
+              <a:effectLst>
+                <a:outerShdw blurRad="38100" dist="38100" dir="2700000" algn="tl">
+                  <a:srgbClr val="000000">
+                    <a:alpha val="43137"/>
+                  </a:srgbClr>
+                </a:outerShdw>
+              </a:effectLst>
+              <a:latin typeface="Sylfaen" panose="010A0502050306030303" pitchFamily="18" charset="0"/>
+            </a:endParaRPr>
+          </a:p>
+          <a:p>
+            <a:pPr marL="0" indent="0">
+              <a:buFont typeface="Arial" panose="020B0604020202020204" pitchFamily="34" charset="0"/>
+              <a:buNone/>
+            </a:pPr>
+            <a:endParaRPr lang="en-US" sz="2900" dirty="0">
+              <a:effectLst>
+                <a:outerShdw blurRad="38100" dist="38100" dir="2700000" algn="tl">
+                  <a:srgbClr val="000000">
+                    <a:alpha val="43137"/>
+                  </a:srgbClr>
+                </a:outerShdw>
+              </a:effectLst>
+              <a:latin typeface="Sylfaen" panose="010A0502050306030303" pitchFamily="18" charset="0"/>
+            </a:endParaRPr>
+          </a:p>
+        </p:txBody>
+      </p:sp>
+      <p:sp>
+        <p:nvSpPr>
+          <p:cNvPr id="10" name="Content Placeholder 2">
+            <a:extLst>
+              <a:ext uri="{FF2B5EF4-FFF2-40B4-BE49-F238E27FC236}">
+                <a16:creationId xmlns:a16="http://schemas.microsoft.com/office/drawing/2014/main" id="{88ACC5F8-24A1-45CF-82BE-281DA99DD079}"/>
+              </a:ext>
+            </a:extLst>
+          </p:cNvPr>
+          <p:cNvSpPr txBox="1">
+            <a:spLocks/>
+          </p:cNvSpPr>
+          <p:nvPr/>
+        </p:nvSpPr>
+        <p:spPr>
+          <a:xfrm>
+            <a:off x="3862546" y="2162028"/>
+            <a:ext cx="1905003" cy="902855"/>
+          </a:xfrm>
+          <a:prstGeom prst="rect">
+            <a:avLst/>
+          </a:prstGeom>
+        </p:spPr>
+        <p:txBody>
+          <a:bodyPr vert="horz" lIns="91440" tIns="45720" rIns="91440" bIns="45720" rtlCol="0">
+            <a:normAutofit lnSpcReduction="10000"/>
+          </a:bodyPr>
+          <a:lstStyle>
+            <a:lvl1pPr marL="228600" indent="-228600" algn="l" defTabSz="914400" rtl="0" eaLnBrk="1" latinLnBrk="0" hangingPunct="1">
+              <a:lnSpc>
+                <a:spcPct val="90000"/>
+              </a:lnSpc>
+              <a:spcBef>
+                <a:spcPts val="1000"/>
+              </a:spcBef>
+              <a:buFont typeface="Arial" panose="020B0604020202020204" pitchFamily="34" charset="0"/>
+              <a:buChar char="•"/>
+              <a:defRPr sz="2800" kern="1200">
+                <a:solidFill>
+                  <a:schemeClr val="tx1"/>
+                </a:solidFill>
+                <a:latin typeface="+mn-lt"/>
+                <a:ea typeface="+mn-ea"/>
+                <a:cs typeface="+mn-cs"/>
+              </a:defRPr>
+            </a:lvl1pPr>
+            <a:lvl2pPr marL="685800" indent="-228600" algn="l" defTabSz="914400" rtl="0" eaLnBrk="1" latinLnBrk="0" hangingPunct="1">
+              <a:lnSpc>
+                <a:spcPct val="90000"/>
+              </a:lnSpc>
+              <a:spcBef>
+                <a:spcPts val="500"/>
+              </a:spcBef>
+              <a:buFont typeface="Arial" panose="020B0604020202020204" pitchFamily="34" charset="0"/>
+              <a:buChar char="•"/>
+              <a:defRPr sz="2400" kern="1200">
+                <a:solidFill>
+                  <a:schemeClr val="tx1"/>
+                </a:solidFill>
+                <a:latin typeface="+mn-lt"/>
+                <a:ea typeface="+mn-ea"/>
+                <a:cs typeface="+mn-cs"/>
+              </a:defRPr>
+            </a:lvl2pPr>
+            <a:lvl3pPr marL="1143000" indent="-228600" algn="l" defTabSz="914400" rtl="0" eaLnBrk="1" latinLnBrk="0" hangingPunct="1">
+              <a:lnSpc>
+                <a:spcPct val="90000"/>
+              </a:lnSpc>
+              <a:spcBef>
+                <a:spcPts val="500"/>
+              </a:spcBef>
+              <a:buFont typeface="Arial" panose="020B0604020202020204" pitchFamily="34" charset="0"/>
+              <a:buChar char="•"/>
+              <a:defRPr sz="2000" kern="1200">
+                <a:solidFill>
+                  <a:schemeClr val="tx1"/>
+                </a:solidFill>
+                <a:latin typeface="+mn-lt"/>
+                <a:ea typeface="+mn-ea"/>
+                <a:cs typeface="+mn-cs"/>
+              </a:defRPr>
+            </a:lvl3pPr>
+            <a:lvl4pPr marL="1600200" indent="-228600" algn="l" defTabSz="914400" rtl="0" eaLnBrk="1" latinLnBrk="0" hangingPunct="1">
+              <a:lnSpc>
+                <a:spcPct val="90000"/>
+              </a:lnSpc>
+              <a:spcBef>
+                <a:spcPts val="500"/>
+              </a:spcBef>
+              <a:buFont typeface="Arial" panose="020B0604020202020204" pitchFamily="34" charset="0"/>
+              <a:buChar char="•"/>
+              <a:defRPr sz="1800" kern="1200">
+                <a:solidFill>
+                  <a:schemeClr val="tx1"/>
+                </a:solidFill>
+                <a:latin typeface="+mn-lt"/>
+                <a:ea typeface="+mn-ea"/>
+                <a:cs typeface="+mn-cs"/>
+              </a:defRPr>
+            </a:lvl4pPr>
+            <a:lvl5pPr marL="2057400" indent="-228600" algn="l" defTabSz="914400" rtl="0" eaLnBrk="1" latinLnBrk="0" hangingPunct="1">
+              <a:lnSpc>
+                <a:spcPct val="90000"/>
+              </a:lnSpc>
+              <a:spcBef>
+                <a:spcPts val="500"/>
+              </a:spcBef>
+              <a:buFont typeface="Arial" panose="020B0604020202020204" pitchFamily="34" charset="0"/>
+              <a:buChar char="•"/>
+              <a:defRPr sz="1800" kern="1200">
+                <a:solidFill>
+                  <a:schemeClr val="tx1"/>
+                </a:solidFill>
+                <a:latin typeface="+mn-lt"/>
+                <a:ea typeface="+mn-ea"/>
+                <a:cs typeface="+mn-cs"/>
+              </a:defRPr>
+            </a:lvl5pPr>
+            <a:lvl6pPr marL="2514600" indent="-228600" algn="l" defTabSz="914400" rtl="0" eaLnBrk="1" latinLnBrk="0" hangingPunct="1">
+              <a:lnSpc>
+                <a:spcPct val="90000"/>
+              </a:lnSpc>
+              <a:spcBef>
+                <a:spcPts val="500"/>
+              </a:spcBef>
+              <a:buFont typeface="Arial" panose="020B0604020202020204" pitchFamily="34" charset="0"/>
+              <a:buChar char="•"/>
+              <a:defRPr sz="1800" kern="1200">
+                <a:solidFill>
+                  <a:schemeClr val="tx1"/>
+                </a:solidFill>
+                <a:latin typeface="+mn-lt"/>
+                <a:ea typeface="+mn-ea"/>
+                <a:cs typeface="+mn-cs"/>
+              </a:defRPr>
+            </a:lvl6pPr>
+            <a:lvl7pPr marL="2971800" indent="-228600" algn="l" defTabSz="914400" rtl="0" eaLnBrk="1" latinLnBrk="0" hangingPunct="1">
+              <a:lnSpc>
+                <a:spcPct val="90000"/>
+              </a:lnSpc>
+              <a:spcBef>
+                <a:spcPts val="500"/>
+              </a:spcBef>
+              <a:buFont typeface="Arial" panose="020B0604020202020204" pitchFamily="34" charset="0"/>
+              <a:buChar char="•"/>
+              <a:defRPr sz="1800" kern="1200">
+                <a:solidFill>
+                  <a:schemeClr val="tx1"/>
+                </a:solidFill>
+                <a:latin typeface="+mn-lt"/>
+                <a:ea typeface="+mn-ea"/>
+                <a:cs typeface="+mn-cs"/>
+              </a:defRPr>
+            </a:lvl7pPr>
+            <a:lvl8pPr marL="3429000" indent="-228600" algn="l" defTabSz="914400" rtl="0" eaLnBrk="1" latinLnBrk="0" hangingPunct="1">
+              <a:lnSpc>
+                <a:spcPct val="90000"/>
+              </a:lnSpc>
+              <a:spcBef>
+                <a:spcPts val="500"/>
+              </a:spcBef>
+              <a:buFont typeface="Arial" panose="020B0604020202020204" pitchFamily="34" charset="0"/>
+              <a:buChar char="•"/>
+              <a:defRPr sz="1800" kern="1200">
+                <a:solidFill>
+                  <a:schemeClr val="tx1"/>
+                </a:solidFill>
+                <a:latin typeface="+mn-lt"/>
+                <a:ea typeface="+mn-ea"/>
+                <a:cs typeface="+mn-cs"/>
+              </a:defRPr>
+            </a:lvl8pPr>
+            <a:lvl9pPr marL="3886200" indent="-228600" algn="l" defTabSz="914400" rtl="0" eaLnBrk="1" latinLnBrk="0" hangingPunct="1">
+              <a:lnSpc>
+                <a:spcPct val="90000"/>
+              </a:lnSpc>
+              <a:spcBef>
+                <a:spcPts val="500"/>
+              </a:spcBef>
+              <a:buFont typeface="Arial" panose="020B0604020202020204" pitchFamily="34" charset="0"/>
+              <a:buChar char="•"/>
+              <a:defRPr sz="1800" kern="1200">
+                <a:solidFill>
+                  <a:schemeClr val="tx1"/>
+                </a:solidFill>
+                <a:latin typeface="+mn-lt"/>
+                <a:ea typeface="+mn-ea"/>
+                <a:cs typeface="+mn-cs"/>
+              </a:defRPr>
+            </a:lvl9pPr>
+          </a:lstStyle>
+          <a:p>
+            <a:pPr marL="0" indent="0" algn="ctr">
+              <a:buFont typeface="Arial" panose="020B0604020202020204" pitchFamily="34" charset="0"/>
+              <a:buNone/>
+            </a:pPr>
+            <a:r>
+              <a:rPr lang="en-US" sz="2500" dirty="0">
+                <a:effectLst>
+                  <a:outerShdw blurRad="38100" dist="38100" dir="2700000" algn="tl">
+                    <a:srgbClr val="000000">
+                      <a:alpha val="43137"/>
+                    </a:srgbClr>
+                  </a:outerShdw>
+                </a:effectLst>
+                <a:latin typeface="Sylfaen" panose="010A0502050306030303" pitchFamily="18" charset="0"/>
+              </a:rPr>
+              <a:t>map of scope</a:t>
+            </a:r>
+          </a:p>
+          <a:p>
+            <a:pPr marL="0" indent="0" algn="ctr">
+              <a:buFont typeface="Arial" panose="020B0604020202020204" pitchFamily="34" charset="0"/>
+              <a:buNone/>
+            </a:pPr>
+            <a:r>
+              <a:rPr lang="en-US" sz="2500" dirty="0">
+                <a:effectLst>
+                  <a:outerShdw blurRad="38100" dist="38100" dir="2700000" algn="tl">
+                    <a:srgbClr val="000000">
+                      <a:alpha val="43137"/>
+                    </a:srgbClr>
+                  </a:outerShdw>
+                </a:effectLst>
+                <a:latin typeface="Sylfaen" panose="010A0502050306030303" pitchFamily="18" charset="0"/>
+              </a:rPr>
+              <a:t>attributes</a:t>
+            </a:r>
+            <a:endParaRPr lang="hy-AM" sz="2500" dirty="0">
+              <a:effectLst>
+                <a:outerShdw blurRad="38100" dist="38100" dir="2700000" algn="tl">
+                  <a:srgbClr val="000000">
+                    <a:alpha val="43137"/>
+                  </a:srgbClr>
+                </a:outerShdw>
+              </a:effectLst>
+              <a:latin typeface="Sylfaen" panose="010A0502050306030303" pitchFamily="18" charset="0"/>
+            </a:endParaRPr>
+          </a:p>
+          <a:p>
+            <a:pPr marL="0" indent="0">
+              <a:buFont typeface="Arial" panose="020B0604020202020204" pitchFamily="34" charset="0"/>
+              <a:buNone/>
+            </a:pPr>
+            <a:endParaRPr lang="hy-AM" sz="2900" dirty="0">
+              <a:effectLst>
+                <a:outerShdw blurRad="38100" dist="38100" dir="2700000" algn="tl">
+                  <a:srgbClr val="000000">
+                    <a:alpha val="43137"/>
+                  </a:srgbClr>
+                </a:outerShdw>
+              </a:effectLst>
+              <a:latin typeface="Sylfaen" panose="010A0502050306030303" pitchFamily="18" charset="0"/>
+            </a:endParaRPr>
+          </a:p>
+          <a:p>
+            <a:pPr marL="0" indent="0">
+              <a:buFont typeface="Arial" panose="020B0604020202020204" pitchFamily="34" charset="0"/>
+              <a:buNone/>
+            </a:pPr>
+            <a:endParaRPr lang="en-US" sz="2900" dirty="0">
+              <a:effectLst>
+                <a:outerShdw blurRad="38100" dist="38100" dir="2700000" algn="tl">
+                  <a:srgbClr val="000000">
+                    <a:alpha val="43137"/>
+                  </a:srgbClr>
+                </a:outerShdw>
+              </a:effectLst>
+              <a:latin typeface="Sylfaen" panose="010A0502050306030303" pitchFamily="18" charset="0"/>
+            </a:endParaRPr>
+          </a:p>
+        </p:txBody>
+      </p:sp>
+      <p:sp>
+        <p:nvSpPr>
+          <p:cNvPr id="11" name="Right Brace 10">
+            <a:extLst>
+              <a:ext uri="{FF2B5EF4-FFF2-40B4-BE49-F238E27FC236}">
+                <a16:creationId xmlns:a16="http://schemas.microsoft.com/office/drawing/2014/main" id="{37CC28F9-7C78-452A-8F60-E716426ED704}"/>
+              </a:ext>
+            </a:extLst>
+          </p:cNvPr>
+          <p:cNvSpPr/>
+          <p:nvPr/>
+        </p:nvSpPr>
+        <p:spPr>
+          <a:xfrm>
+            <a:off x="8631379" y="1724025"/>
+            <a:ext cx="249382" cy="720101"/>
+          </a:xfrm>
+          <a:prstGeom prst="rightBrace">
+            <a:avLst/>
+          </a:prstGeom>
+        </p:spPr>
+        <p:style>
+          <a:lnRef idx="3">
+            <a:schemeClr val="dk1"/>
+          </a:lnRef>
+          <a:fillRef idx="0">
+            <a:schemeClr val="dk1"/>
+          </a:fillRef>
+          <a:effectRef idx="2">
+            <a:schemeClr val="dk1"/>
+          </a:effectRef>
+          <a:fontRef idx="minor">
+            <a:schemeClr val="tx1"/>
+          </a:fontRef>
+        </p:style>
+        <p:txBody>
+          <a:bodyPr rtlCol="0" anchor="ctr"/>
+          <a:lstStyle/>
+          <a:p>
+            <a:pPr algn="ctr"/>
+            <a:endParaRPr lang="en-US"/>
+          </a:p>
+        </p:txBody>
+      </p:sp>
+      <p:sp>
+        <p:nvSpPr>
+          <p:cNvPr id="12" name="Content Placeholder 2">
+            <a:extLst>
+              <a:ext uri="{FF2B5EF4-FFF2-40B4-BE49-F238E27FC236}">
+                <a16:creationId xmlns:a16="http://schemas.microsoft.com/office/drawing/2014/main" id="{004EF503-0D6D-4780-BB9F-20946AA13E25}"/>
+              </a:ext>
+            </a:extLst>
+          </p:cNvPr>
+          <p:cNvSpPr txBox="1">
+            <a:spLocks/>
+          </p:cNvSpPr>
+          <p:nvPr/>
+        </p:nvSpPr>
+        <p:spPr>
+          <a:xfrm>
+            <a:off x="8977745" y="1589715"/>
+            <a:ext cx="2238620" cy="988720"/>
+          </a:xfrm>
+          <a:prstGeom prst="rect">
+            <a:avLst/>
+          </a:prstGeom>
+        </p:spPr>
+        <p:txBody>
+          <a:bodyPr vert="horz" lIns="91440" tIns="45720" rIns="91440" bIns="45720" rtlCol="0">
+            <a:normAutofit/>
+          </a:bodyPr>
+          <a:lstStyle>
+            <a:lvl1pPr marL="228600" indent="-228600" algn="l" defTabSz="914400" rtl="0" eaLnBrk="1" latinLnBrk="0" hangingPunct="1">
+              <a:lnSpc>
+                <a:spcPct val="90000"/>
+              </a:lnSpc>
+              <a:spcBef>
+                <a:spcPts val="1000"/>
+              </a:spcBef>
+              <a:buFont typeface="Arial" panose="020B0604020202020204" pitchFamily="34" charset="0"/>
+              <a:buChar char="•"/>
+              <a:defRPr sz="2800" kern="1200">
+                <a:solidFill>
+                  <a:schemeClr val="tx1"/>
+                </a:solidFill>
+                <a:latin typeface="+mn-lt"/>
+                <a:ea typeface="+mn-ea"/>
+                <a:cs typeface="+mn-cs"/>
+              </a:defRPr>
+            </a:lvl1pPr>
+            <a:lvl2pPr marL="685800" indent="-228600" algn="l" defTabSz="914400" rtl="0" eaLnBrk="1" latinLnBrk="0" hangingPunct="1">
+              <a:lnSpc>
+                <a:spcPct val="90000"/>
+              </a:lnSpc>
+              <a:spcBef>
+                <a:spcPts val="500"/>
+              </a:spcBef>
+              <a:buFont typeface="Arial" panose="020B0604020202020204" pitchFamily="34" charset="0"/>
+              <a:buChar char="•"/>
+              <a:defRPr sz="2400" kern="1200">
+                <a:solidFill>
+                  <a:schemeClr val="tx1"/>
+                </a:solidFill>
+                <a:latin typeface="+mn-lt"/>
+                <a:ea typeface="+mn-ea"/>
+                <a:cs typeface="+mn-cs"/>
+              </a:defRPr>
+            </a:lvl2pPr>
+            <a:lvl3pPr marL="1143000" indent="-228600" algn="l" defTabSz="914400" rtl="0" eaLnBrk="1" latinLnBrk="0" hangingPunct="1">
+              <a:lnSpc>
+                <a:spcPct val="90000"/>
+              </a:lnSpc>
+              <a:spcBef>
+                <a:spcPts val="500"/>
+              </a:spcBef>
+              <a:buFont typeface="Arial" panose="020B0604020202020204" pitchFamily="34" charset="0"/>
+              <a:buChar char="•"/>
+              <a:defRPr sz="2000" kern="1200">
+                <a:solidFill>
+                  <a:schemeClr val="tx1"/>
+                </a:solidFill>
+                <a:latin typeface="+mn-lt"/>
+                <a:ea typeface="+mn-ea"/>
+                <a:cs typeface="+mn-cs"/>
+              </a:defRPr>
+            </a:lvl3pPr>
+            <a:lvl4pPr marL="1600200" indent="-228600" algn="l" defTabSz="914400" rtl="0" eaLnBrk="1" latinLnBrk="0" hangingPunct="1">
+              <a:lnSpc>
+                <a:spcPct val="90000"/>
+              </a:lnSpc>
+              <a:spcBef>
+                <a:spcPts val="500"/>
+              </a:spcBef>
+              <a:buFont typeface="Arial" panose="020B0604020202020204" pitchFamily="34" charset="0"/>
+              <a:buChar char="•"/>
+              <a:defRPr sz="1800" kern="1200">
+                <a:solidFill>
+                  <a:schemeClr val="tx1"/>
+                </a:solidFill>
+                <a:latin typeface="+mn-lt"/>
+                <a:ea typeface="+mn-ea"/>
+                <a:cs typeface="+mn-cs"/>
+              </a:defRPr>
+            </a:lvl4pPr>
+            <a:lvl5pPr marL="2057400" indent="-228600" algn="l" defTabSz="914400" rtl="0" eaLnBrk="1" latinLnBrk="0" hangingPunct="1">
+              <a:lnSpc>
+                <a:spcPct val="90000"/>
+              </a:lnSpc>
+              <a:spcBef>
+                <a:spcPts val="500"/>
+              </a:spcBef>
+              <a:buFont typeface="Arial" panose="020B0604020202020204" pitchFamily="34" charset="0"/>
+              <a:buChar char="•"/>
+              <a:defRPr sz="1800" kern="1200">
+                <a:solidFill>
+                  <a:schemeClr val="tx1"/>
+                </a:solidFill>
+                <a:latin typeface="+mn-lt"/>
+                <a:ea typeface="+mn-ea"/>
+                <a:cs typeface="+mn-cs"/>
+              </a:defRPr>
+            </a:lvl5pPr>
+            <a:lvl6pPr marL="2514600" indent="-228600" algn="l" defTabSz="914400" rtl="0" eaLnBrk="1" latinLnBrk="0" hangingPunct="1">
+              <a:lnSpc>
+                <a:spcPct val="90000"/>
+              </a:lnSpc>
+              <a:spcBef>
+                <a:spcPts val="500"/>
+              </a:spcBef>
+              <a:buFont typeface="Arial" panose="020B0604020202020204" pitchFamily="34" charset="0"/>
+              <a:buChar char="•"/>
+              <a:defRPr sz="1800" kern="1200">
+                <a:solidFill>
+                  <a:schemeClr val="tx1"/>
+                </a:solidFill>
+                <a:latin typeface="+mn-lt"/>
+                <a:ea typeface="+mn-ea"/>
+                <a:cs typeface="+mn-cs"/>
+              </a:defRPr>
+            </a:lvl6pPr>
+            <a:lvl7pPr marL="2971800" indent="-228600" algn="l" defTabSz="914400" rtl="0" eaLnBrk="1" latinLnBrk="0" hangingPunct="1">
+              <a:lnSpc>
+                <a:spcPct val="90000"/>
+              </a:lnSpc>
+              <a:spcBef>
+                <a:spcPts val="500"/>
+              </a:spcBef>
+              <a:buFont typeface="Arial" panose="020B0604020202020204" pitchFamily="34" charset="0"/>
+              <a:buChar char="•"/>
+              <a:defRPr sz="1800" kern="1200">
+                <a:solidFill>
+                  <a:schemeClr val="tx1"/>
+                </a:solidFill>
+                <a:latin typeface="+mn-lt"/>
+                <a:ea typeface="+mn-ea"/>
+                <a:cs typeface="+mn-cs"/>
+              </a:defRPr>
+            </a:lvl7pPr>
+            <a:lvl8pPr marL="3429000" indent="-228600" algn="l" defTabSz="914400" rtl="0" eaLnBrk="1" latinLnBrk="0" hangingPunct="1">
+              <a:lnSpc>
+                <a:spcPct val="90000"/>
+              </a:lnSpc>
+              <a:spcBef>
+                <a:spcPts val="500"/>
+              </a:spcBef>
+              <a:buFont typeface="Arial" panose="020B0604020202020204" pitchFamily="34" charset="0"/>
+              <a:buChar char="•"/>
+              <a:defRPr sz="1800" kern="1200">
+                <a:solidFill>
+                  <a:schemeClr val="tx1"/>
+                </a:solidFill>
+                <a:latin typeface="+mn-lt"/>
+                <a:ea typeface="+mn-ea"/>
+                <a:cs typeface="+mn-cs"/>
+              </a:defRPr>
+            </a:lvl8pPr>
+            <a:lvl9pPr marL="3886200" indent="-228600" algn="l" defTabSz="914400" rtl="0" eaLnBrk="1" latinLnBrk="0" hangingPunct="1">
+              <a:lnSpc>
+                <a:spcPct val="90000"/>
+              </a:lnSpc>
+              <a:spcBef>
+                <a:spcPts val="500"/>
+              </a:spcBef>
+              <a:buFont typeface="Arial" panose="020B0604020202020204" pitchFamily="34" charset="0"/>
+              <a:buChar char="•"/>
+              <a:defRPr sz="1800" kern="1200">
+                <a:solidFill>
+                  <a:schemeClr val="tx1"/>
+                </a:solidFill>
+                <a:latin typeface="+mn-lt"/>
+                <a:ea typeface="+mn-ea"/>
+                <a:cs typeface="+mn-cs"/>
+              </a:defRPr>
+            </a:lvl9pPr>
+          </a:lstStyle>
+          <a:p>
+            <a:pPr marL="0" indent="0" algn="ctr">
+              <a:buFont typeface="Arial" panose="020B0604020202020204" pitchFamily="34" charset="0"/>
+              <a:buNone/>
+            </a:pPr>
+            <a:r>
+              <a:rPr lang="en-US" sz="2500" dirty="0">
+                <a:effectLst>
+                  <a:outerShdw blurRad="38100" dist="38100" dir="2700000" algn="tl">
+                    <a:srgbClr val="000000">
+                      <a:alpha val="43137"/>
+                    </a:srgbClr>
+                  </a:outerShdw>
+                </a:effectLst>
+                <a:latin typeface="Sylfaen" panose="010A0502050306030303" pitchFamily="18" charset="0"/>
+              </a:rPr>
+              <a:t>map of request</a:t>
+            </a:r>
+          </a:p>
+          <a:p>
+            <a:pPr marL="0" indent="0" algn="ctr">
+              <a:buFont typeface="Arial" panose="020B0604020202020204" pitchFamily="34" charset="0"/>
+              <a:buNone/>
+            </a:pPr>
+            <a:r>
+              <a:rPr lang="en-US" sz="2500" dirty="0">
+                <a:effectLst>
+                  <a:outerShdw blurRad="38100" dist="38100" dir="2700000" algn="tl">
+                    <a:srgbClr val="000000">
+                      <a:alpha val="43137"/>
+                    </a:srgbClr>
+                  </a:outerShdw>
+                </a:effectLst>
+                <a:latin typeface="Sylfaen" panose="010A0502050306030303" pitchFamily="18" charset="0"/>
+              </a:rPr>
+              <a:t>parameters</a:t>
+            </a:r>
+            <a:endParaRPr lang="hy-AM" sz="2500" dirty="0">
+              <a:effectLst>
+                <a:outerShdw blurRad="38100" dist="38100" dir="2700000" algn="tl">
+                  <a:srgbClr val="000000">
+                    <a:alpha val="43137"/>
+                  </a:srgbClr>
+                </a:outerShdw>
+              </a:effectLst>
+              <a:latin typeface="Sylfaen" panose="010A0502050306030303" pitchFamily="18" charset="0"/>
+            </a:endParaRPr>
+          </a:p>
+          <a:p>
+            <a:pPr marL="0" indent="0">
+              <a:buFont typeface="Arial" panose="020B0604020202020204" pitchFamily="34" charset="0"/>
+              <a:buNone/>
+            </a:pPr>
+            <a:endParaRPr lang="hy-AM" sz="2900" dirty="0">
+              <a:effectLst>
+                <a:outerShdw blurRad="38100" dist="38100" dir="2700000" algn="tl">
+                  <a:srgbClr val="000000">
+                    <a:alpha val="43137"/>
+                  </a:srgbClr>
+                </a:outerShdw>
+              </a:effectLst>
+              <a:latin typeface="Sylfaen" panose="010A0502050306030303" pitchFamily="18" charset="0"/>
+            </a:endParaRPr>
+          </a:p>
+          <a:p>
+            <a:pPr marL="0" indent="0">
+              <a:buFont typeface="Arial" panose="020B0604020202020204" pitchFamily="34" charset="0"/>
+              <a:buNone/>
+            </a:pPr>
+            <a:endParaRPr lang="en-US" sz="2900" dirty="0">
+              <a:effectLst>
+                <a:outerShdw blurRad="38100" dist="38100" dir="2700000" algn="tl">
+                  <a:srgbClr val="000000">
+                    <a:alpha val="43137"/>
+                  </a:srgbClr>
+                </a:outerShdw>
+              </a:effectLst>
+              <a:latin typeface="Sylfaen" panose="010A0502050306030303" pitchFamily="18" charset="0"/>
+            </a:endParaRPr>
+          </a:p>
+        </p:txBody>
+      </p:sp>
+      <p:sp>
+        <p:nvSpPr>
+          <p:cNvPr id="13" name="Content Placeholder 2">
+            <a:extLst>
+              <a:ext uri="{FF2B5EF4-FFF2-40B4-BE49-F238E27FC236}">
+                <a16:creationId xmlns:a16="http://schemas.microsoft.com/office/drawing/2014/main" id="{AC8B7C27-DD63-4C63-8863-1F57A9308E16}"/>
+              </a:ext>
+            </a:extLst>
+          </p:cNvPr>
+          <p:cNvSpPr txBox="1">
+            <a:spLocks/>
+          </p:cNvSpPr>
+          <p:nvPr/>
+        </p:nvSpPr>
+        <p:spPr>
+          <a:xfrm>
+            <a:off x="6590144" y="3119620"/>
+            <a:ext cx="2983346" cy="1192610"/>
+          </a:xfrm>
+          <a:prstGeom prst="rect">
+            <a:avLst/>
+          </a:prstGeom>
+        </p:spPr>
+        <p:txBody>
+          <a:bodyPr vert="horz" lIns="91440" tIns="45720" rIns="91440" bIns="45720" rtlCol="0">
+            <a:normAutofit/>
+          </a:bodyPr>
+          <a:lstStyle>
+            <a:lvl1pPr marL="228600" indent="-228600" algn="l" defTabSz="914400" rtl="0" eaLnBrk="1" latinLnBrk="0" hangingPunct="1">
+              <a:lnSpc>
+                <a:spcPct val="90000"/>
+              </a:lnSpc>
+              <a:spcBef>
+                <a:spcPts val="1000"/>
+              </a:spcBef>
+              <a:buFont typeface="Arial" panose="020B0604020202020204" pitchFamily="34" charset="0"/>
+              <a:buChar char="•"/>
+              <a:defRPr sz="2800" kern="1200">
+                <a:solidFill>
+                  <a:schemeClr val="tx1"/>
+                </a:solidFill>
+                <a:latin typeface="+mn-lt"/>
+                <a:ea typeface="+mn-ea"/>
+                <a:cs typeface="+mn-cs"/>
+              </a:defRPr>
+            </a:lvl1pPr>
+            <a:lvl2pPr marL="685800" indent="-228600" algn="l" defTabSz="914400" rtl="0" eaLnBrk="1" latinLnBrk="0" hangingPunct="1">
+              <a:lnSpc>
+                <a:spcPct val="90000"/>
+              </a:lnSpc>
+              <a:spcBef>
+                <a:spcPts val="500"/>
+              </a:spcBef>
+              <a:buFont typeface="Arial" panose="020B0604020202020204" pitchFamily="34" charset="0"/>
+              <a:buChar char="•"/>
+              <a:defRPr sz="2400" kern="1200">
+                <a:solidFill>
+                  <a:schemeClr val="tx1"/>
+                </a:solidFill>
+                <a:latin typeface="+mn-lt"/>
+                <a:ea typeface="+mn-ea"/>
+                <a:cs typeface="+mn-cs"/>
+              </a:defRPr>
+            </a:lvl2pPr>
+            <a:lvl3pPr marL="1143000" indent="-228600" algn="l" defTabSz="914400" rtl="0" eaLnBrk="1" latinLnBrk="0" hangingPunct="1">
+              <a:lnSpc>
+                <a:spcPct val="90000"/>
+              </a:lnSpc>
+              <a:spcBef>
+                <a:spcPts val="500"/>
+              </a:spcBef>
+              <a:buFont typeface="Arial" panose="020B0604020202020204" pitchFamily="34" charset="0"/>
+              <a:buChar char="•"/>
+              <a:defRPr sz="2000" kern="1200">
+                <a:solidFill>
+                  <a:schemeClr val="tx1"/>
+                </a:solidFill>
+                <a:latin typeface="+mn-lt"/>
+                <a:ea typeface="+mn-ea"/>
+                <a:cs typeface="+mn-cs"/>
+              </a:defRPr>
+            </a:lvl3pPr>
+            <a:lvl4pPr marL="1600200" indent="-228600" algn="l" defTabSz="914400" rtl="0" eaLnBrk="1" latinLnBrk="0" hangingPunct="1">
+              <a:lnSpc>
+                <a:spcPct val="90000"/>
+              </a:lnSpc>
+              <a:spcBef>
+                <a:spcPts val="500"/>
+              </a:spcBef>
+              <a:buFont typeface="Arial" panose="020B0604020202020204" pitchFamily="34" charset="0"/>
+              <a:buChar char="•"/>
+              <a:defRPr sz="1800" kern="1200">
+                <a:solidFill>
+                  <a:schemeClr val="tx1"/>
+                </a:solidFill>
+                <a:latin typeface="+mn-lt"/>
+                <a:ea typeface="+mn-ea"/>
+                <a:cs typeface="+mn-cs"/>
+              </a:defRPr>
+            </a:lvl4pPr>
+            <a:lvl5pPr marL="2057400" indent="-228600" algn="l" defTabSz="914400" rtl="0" eaLnBrk="1" latinLnBrk="0" hangingPunct="1">
+              <a:lnSpc>
+                <a:spcPct val="90000"/>
+              </a:lnSpc>
+              <a:spcBef>
+                <a:spcPts val="500"/>
+              </a:spcBef>
+              <a:buFont typeface="Arial" panose="020B0604020202020204" pitchFamily="34" charset="0"/>
+              <a:buChar char="•"/>
+              <a:defRPr sz="1800" kern="1200">
+                <a:solidFill>
+                  <a:schemeClr val="tx1"/>
+                </a:solidFill>
+                <a:latin typeface="+mn-lt"/>
+                <a:ea typeface="+mn-ea"/>
+                <a:cs typeface="+mn-cs"/>
+              </a:defRPr>
+            </a:lvl5pPr>
+            <a:lvl6pPr marL="2514600" indent="-228600" algn="l" defTabSz="914400" rtl="0" eaLnBrk="1" latinLnBrk="0" hangingPunct="1">
+              <a:lnSpc>
+                <a:spcPct val="90000"/>
+              </a:lnSpc>
+              <a:spcBef>
+                <a:spcPts val="500"/>
+              </a:spcBef>
+              <a:buFont typeface="Arial" panose="020B0604020202020204" pitchFamily="34" charset="0"/>
+              <a:buChar char="•"/>
+              <a:defRPr sz="1800" kern="1200">
+                <a:solidFill>
+                  <a:schemeClr val="tx1"/>
+                </a:solidFill>
+                <a:latin typeface="+mn-lt"/>
+                <a:ea typeface="+mn-ea"/>
+                <a:cs typeface="+mn-cs"/>
+              </a:defRPr>
+            </a:lvl6pPr>
+            <a:lvl7pPr marL="2971800" indent="-228600" algn="l" defTabSz="914400" rtl="0" eaLnBrk="1" latinLnBrk="0" hangingPunct="1">
+              <a:lnSpc>
+                <a:spcPct val="90000"/>
+              </a:lnSpc>
+              <a:spcBef>
+                <a:spcPts val="500"/>
+              </a:spcBef>
+              <a:buFont typeface="Arial" panose="020B0604020202020204" pitchFamily="34" charset="0"/>
+              <a:buChar char="•"/>
+              <a:defRPr sz="1800" kern="1200">
+                <a:solidFill>
+                  <a:schemeClr val="tx1"/>
+                </a:solidFill>
+                <a:latin typeface="+mn-lt"/>
+                <a:ea typeface="+mn-ea"/>
+                <a:cs typeface="+mn-cs"/>
+              </a:defRPr>
+            </a:lvl7pPr>
+            <a:lvl8pPr marL="3429000" indent="-228600" algn="l" defTabSz="914400" rtl="0" eaLnBrk="1" latinLnBrk="0" hangingPunct="1">
+              <a:lnSpc>
+                <a:spcPct val="90000"/>
+              </a:lnSpc>
+              <a:spcBef>
+                <a:spcPts val="500"/>
+              </a:spcBef>
+              <a:buFont typeface="Arial" panose="020B0604020202020204" pitchFamily="34" charset="0"/>
+              <a:buChar char="•"/>
+              <a:defRPr sz="1800" kern="1200">
+                <a:solidFill>
+                  <a:schemeClr val="tx1"/>
+                </a:solidFill>
+                <a:latin typeface="+mn-lt"/>
+                <a:ea typeface="+mn-ea"/>
+                <a:cs typeface="+mn-cs"/>
+              </a:defRPr>
+            </a:lvl8pPr>
+            <a:lvl9pPr marL="3886200" indent="-228600" algn="l" defTabSz="914400" rtl="0" eaLnBrk="1" latinLnBrk="0" hangingPunct="1">
+              <a:lnSpc>
+                <a:spcPct val="90000"/>
+              </a:lnSpc>
+              <a:spcBef>
+                <a:spcPts val="500"/>
+              </a:spcBef>
+              <a:buFont typeface="Arial" panose="020B0604020202020204" pitchFamily="34" charset="0"/>
+              <a:buChar char="•"/>
+              <a:defRPr sz="1800" kern="1200">
+                <a:solidFill>
+                  <a:schemeClr val="tx1"/>
+                </a:solidFill>
+                <a:latin typeface="+mn-lt"/>
+                <a:ea typeface="+mn-ea"/>
+                <a:cs typeface="+mn-cs"/>
+              </a:defRPr>
+            </a:lvl9pPr>
+          </a:lstStyle>
+          <a:p>
+            <a:pPr marL="0" indent="0">
+              <a:buNone/>
+            </a:pPr>
+            <a:r>
+              <a:rPr lang="en-US" sz="2500" dirty="0">
+                <a:effectLst>
+                  <a:outerShdw blurRad="38100" dist="38100" dir="2700000" algn="tl">
+                    <a:srgbClr val="000000">
+                      <a:alpha val="43137"/>
+                    </a:srgbClr>
+                  </a:outerShdw>
+                </a:effectLst>
+                <a:latin typeface="Sylfaen" panose="010A0502050306030303" pitchFamily="18" charset="0"/>
+              </a:rPr>
+              <a:t>header</a:t>
+            </a:r>
+          </a:p>
+          <a:p>
+            <a:pPr marL="0" indent="0">
+              <a:buNone/>
+            </a:pPr>
+            <a:r>
+              <a:rPr lang="en-US" sz="2500" dirty="0" err="1">
+                <a:effectLst>
+                  <a:outerShdw blurRad="38100" dist="38100" dir="2700000" algn="tl">
+                    <a:srgbClr val="000000">
+                      <a:alpha val="43137"/>
+                    </a:srgbClr>
+                  </a:outerShdw>
+                </a:effectLst>
+                <a:latin typeface="Sylfaen" panose="010A0502050306030303" pitchFamily="18" charset="0"/>
+              </a:rPr>
+              <a:t>headerValues</a:t>
+            </a:r>
+            <a:endParaRPr lang="en-US" sz="2500" dirty="0">
+              <a:effectLst>
+                <a:outerShdw blurRad="38100" dist="38100" dir="2700000" algn="tl">
+                  <a:srgbClr val="000000">
+                    <a:alpha val="43137"/>
+                  </a:srgbClr>
+                </a:outerShdw>
+              </a:effectLst>
+              <a:latin typeface="Sylfaen" panose="010A0502050306030303" pitchFamily="18" charset="0"/>
+            </a:endParaRPr>
+          </a:p>
+          <a:p>
+            <a:pPr marL="0" indent="0">
+              <a:buFont typeface="Arial" panose="020B0604020202020204" pitchFamily="34" charset="0"/>
+              <a:buNone/>
+            </a:pPr>
+            <a:endParaRPr lang="hy-AM" sz="2900" dirty="0">
+              <a:effectLst>
+                <a:outerShdw blurRad="38100" dist="38100" dir="2700000" algn="tl">
+                  <a:srgbClr val="000000">
+                    <a:alpha val="43137"/>
+                  </a:srgbClr>
+                </a:outerShdw>
+              </a:effectLst>
+              <a:latin typeface="Sylfaen" panose="010A0502050306030303" pitchFamily="18" charset="0"/>
+            </a:endParaRPr>
+          </a:p>
+          <a:p>
+            <a:pPr marL="0" indent="0">
+              <a:buFont typeface="Arial" panose="020B0604020202020204" pitchFamily="34" charset="0"/>
+              <a:buNone/>
+            </a:pPr>
+            <a:endParaRPr lang="en-US" sz="2900" dirty="0">
+              <a:effectLst>
+                <a:outerShdw blurRad="38100" dist="38100" dir="2700000" algn="tl">
+                  <a:srgbClr val="000000">
+                    <a:alpha val="43137"/>
+                  </a:srgbClr>
+                </a:outerShdw>
+              </a:effectLst>
+              <a:latin typeface="Sylfaen" panose="010A0502050306030303" pitchFamily="18" charset="0"/>
+            </a:endParaRPr>
+          </a:p>
+        </p:txBody>
+      </p:sp>
+      <p:sp>
+        <p:nvSpPr>
+          <p:cNvPr id="14" name="Right Brace 13">
+            <a:extLst>
+              <a:ext uri="{FF2B5EF4-FFF2-40B4-BE49-F238E27FC236}">
+                <a16:creationId xmlns:a16="http://schemas.microsoft.com/office/drawing/2014/main" id="{A5CA0FF3-8131-4F40-8F56-AF167B9F1726}"/>
+              </a:ext>
+            </a:extLst>
+          </p:cNvPr>
+          <p:cNvSpPr/>
+          <p:nvPr/>
+        </p:nvSpPr>
+        <p:spPr>
+          <a:xfrm>
+            <a:off x="8631379" y="3205493"/>
+            <a:ext cx="249382" cy="720101"/>
+          </a:xfrm>
+          <a:prstGeom prst="rightBrace">
+            <a:avLst/>
+          </a:prstGeom>
+        </p:spPr>
+        <p:style>
+          <a:lnRef idx="3">
+            <a:schemeClr val="dk1"/>
+          </a:lnRef>
+          <a:fillRef idx="0">
+            <a:schemeClr val="dk1"/>
+          </a:fillRef>
+          <a:effectRef idx="2">
+            <a:schemeClr val="dk1"/>
+          </a:effectRef>
+          <a:fontRef idx="minor">
+            <a:schemeClr val="tx1"/>
+          </a:fontRef>
+        </p:style>
+        <p:txBody>
+          <a:bodyPr rtlCol="0" anchor="ctr"/>
+          <a:lstStyle/>
+          <a:p>
+            <a:pPr algn="ctr"/>
+            <a:endParaRPr lang="en-US"/>
+          </a:p>
+        </p:txBody>
+      </p:sp>
+      <p:sp>
+        <p:nvSpPr>
+          <p:cNvPr id="15" name="Content Placeholder 2">
+            <a:extLst>
+              <a:ext uri="{FF2B5EF4-FFF2-40B4-BE49-F238E27FC236}">
+                <a16:creationId xmlns:a16="http://schemas.microsoft.com/office/drawing/2014/main" id="{57AAE7B7-AB98-4CB6-B85B-D09ABE760FB3}"/>
+              </a:ext>
+            </a:extLst>
+          </p:cNvPr>
+          <p:cNvSpPr txBox="1">
+            <a:spLocks/>
+          </p:cNvSpPr>
+          <p:nvPr/>
+        </p:nvSpPr>
+        <p:spPr>
+          <a:xfrm>
+            <a:off x="8977745" y="3092156"/>
+            <a:ext cx="2238620" cy="988720"/>
+          </a:xfrm>
+          <a:prstGeom prst="rect">
+            <a:avLst/>
+          </a:prstGeom>
+        </p:spPr>
+        <p:txBody>
+          <a:bodyPr vert="horz" lIns="91440" tIns="45720" rIns="91440" bIns="45720" rtlCol="0">
+            <a:normAutofit/>
+          </a:bodyPr>
+          <a:lstStyle>
+            <a:lvl1pPr marL="228600" indent="-228600" algn="l" defTabSz="914400" rtl="0" eaLnBrk="1" latinLnBrk="0" hangingPunct="1">
+              <a:lnSpc>
+                <a:spcPct val="90000"/>
+              </a:lnSpc>
+              <a:spcBef>
+                <a:spcPts val="1000"/>
+              </a:spcBef>
+              <a:buFont typeface="Arial" panose="020B0604020202020204" pitchFamily="34" charset="0"/>
+              <a:buChar char="•"/>
+              <a:defRPr sz="2800" kern="1200">
+                <a:solidFill>
+                  <a:schemeClr val="tx1"/>
+                </a:solidFill>
+                <a:latin typeface="+mn-lt"/>
+                <a:ea typeface="+mn-ea"/>
+                <a:cs typeface="+mn-cs"/>
+              </a:defRPr>
+            </a:lvl1pPr>
+            <a:lvl2pPr marL="685800" indent="-228600" algn="l" defTabSz="914400" rtl="0" eaLnBrk="1" latinLnBrk="0" hangingPunct="1">
+              <a:lnSpc>
+                <a:spcPct val="90000"/>
+              </a:lnSpc>
+              <a:spcBef>
+                <a:spcPts val="500"/>
+              </a:spcBef>
+              <a:buFont typeface="Arial" panose="020B0604020202020204" pitchFamily="34" charset="0"/>
+              <a:buChar char="•"/>
+              <a:defRPr sz="2400" kern="1200">
+                <a:solidFill>
+                  <a:schemeClr val="tx1"/>
+                </a:solidFill>
+                <a:latin typeface="+mn-lt"/>
+                <a:ea typeface="+mn-ea"/>
+                <a:cs typeface="+mn-cs"/>
+              </a:defRPr>
+            </a:lvl2pPr>
+            <a:lvl3pPr marL="1143000" indent="-228600" algn="l" defTabSz="914400" rtl="0" eaLnBrk="1" latinLnBrk="0" hangingPunct="1">
+              <a:lnSpc>
+                <a:spcPct val="90000"/>
+              </a:lnSpc>
+              <a:spcBef>
+                <a:spcPts val="500"/>
+              </a:spcBef>
+              <a:buFont typeface="Arial" panose="020B0604020202020204" pitchFamily="34" charset="0"/>
+              <a:buChar char="•"/>
+              <a:defRPr sz="2000" kern="1200">
+                <a:solidFill>
+                  <a:schemeClr val="tx1"/>
+                </a:solidFill>
+                <a:latin typeface="+mn-lt"/>
+                <a:ea typeface="+mn-ea"/>
+                <a:cs typeface="+mn-cs"/>
+              </a:defRPr>
+            </a:lvl3pPr>
+            <a:lvl4pPr marL="1600200" indent="-228600" algn="l" defTabSz="914400" rtl="0" eaLnBrk="1" latinLnBrk="0" hangingPunct="1">
+              <a:lnSpc>
+                <a:spcPct val="90000"/>
+              </a:lnSpc>
+              <a:spcBef>
+                <a:spcPts val="500"/>
+              </a:spcBef>
+              <a:buFont typeface="Arial" panose="020B0604020202020204" pitchFamily="34" charset="0"/>
+              <a:buChar char="•"/>
+              <a:defRPr sz="1800" kern="1200">
+                <a:solidFill>
+                  <a:schemeClr val="tx1"/>
+                </a:solidFill>
+                <a:latin typeface="+mn-lt"/>
+                <a:ea typeface="+mn-ea"/>
+                <a:cs typeface="+mn-cs"/>
+              </a:defRPr>
+            </a:lvl4pPr>
+            <a:lvl5pPr marL="2057400" indent="-228600" algn="l" defTabSz="914400" rtl="0" eaLnBrk="1" latinLnBrk="0" hangingPunct="1">
+              <a:lnSpc>
+                <a:spcPct val="90000"/>
+              </a:lnSpc>
+              <a:spcBef>
+                <a:spcPts val="500"/>
+              </a:spcBef>
+              <a:buFont typeface="Arial" panose="020B0604020202020204" pitchFamily="34" charset="0"/>
+              <a:buChar char="•"/>
+              <a:defRPr sz="1800" kern="1200">
+                <a:solidFill>
+                  <a:schemeClr val="tx1"/>
+                </a:solidFill>
+                <a:latin typeface="+mn-lt"/>
+                <a:ea typeface="+mn-ea"/>
+                <a:cs typeface="+mn-cs"/>
+              </a:defRPr>
+            </a:lvl5pPr>
+            <a:lvl6pPr marL="2514600" indent="-228600" algn="l" defTabSz="914400" rtl="0" eaLnBrk="1" latinLnBrk="0" hangingPunct="1">
+              <a:lnSpc>
+                <a:spcPct val="90000"/>
+              </a:lnSpc>
+              <a:spcBef>
+                <a:spcPts val="500"/>
+              </a:spcBef>
+              <a:buFont typeface="Arial" panose="020B0604020202020204" pitchFamily="34" charset="0"/>
+              <a:buChar char="•"/>
+              <a:defRPr sz="1800" kern="1200">
+                <a:solidFill>
+                  <a:schemeClr val="tx1"/>
+                </a:solidFill>
+                <a:latin typeface="+mn-lt"/>
+                <a:ea typeface="+mn-ea"/>
+                <a:cs typeface="+mn-cs"/>
+              </a:defRPr>
+            </a:lvl6pPr>
+            <a:lvl7pPr marL="2971800" indent="-228600" algn="l" defTabSz="914400" rtl="0" eaLnBrk="1" latinLnBrk="0" hangingPunct="1">
+              <a:lnSpc>
+                <a:spcPct val="90000"/>
+              </a:lnSpc>
+              <a:spcBef>
+                <a:spcPts val="500"/>
+              </a:spcBef>
+              <a:buFont typeface="Arial" panose="020B0604020202020204" pitchFamily="34" charset="0"/>
+              <a:buChar char="•"/>
+              <a:defRPr sz="1800" kern="1200">
+                <a:solidFill>
+                  <a:schemeClr val="tx1"/>
+                </a:solidFill>
+                <a:latin typeface="+mn-lt"/>
+                <a:ea typeface="+mn-ea"/>
+                <a:cs typeface="+mn-cs"/>
+              </a:defRPr>
+            </a:lvl7pPr>
+            <a:lvl8pPr marL="3429000" indent="-228600" algn="l" defTabSz="914400" rtl="0" eaLnBrk="1" latinLnBrk="0" hangingPunct="1">
+              <a:lnSpc>
+                <a:spcPct val="90000"/>
+              </a:lnSpc>
+              <a:spcBef>
+                <a:spcPts val="500"/>
+              </a:spcBef>
+              <a:buFont typeface="Arial" panose="020B0604020202020204" pitchFamily="34" charset="0"/>
+              <a:buChar char="•"/>
+              <a:defRPr sz="1800" kern="1200">
+                <a:solidFill>
+                  <a:schemeClr val="tx1"/>
+                </a:solidFill>
+                <a:latin typeface="+mn-lt"/>
+                <a:ea typeface="+mn-ea"/>
+                <a:cs typeface="+mn-cs"/>
+              </a:defRPr>
+            </a:lvl8pPr>
+            <a:lvl9pPr marL="3886200" indent="-228600" algn="l" defTabSz="914400" rtl="0" eaLnBrk="1" latinLnBrk="0" hangingPunct="1">
+              <a:lnSpc>
+                <a:spcPct val="90000"/>
+              </a:lnSpc>
+              <a:spcBef>
+                <a:spcPts val="500"/>
+              </a:spcBef>
+              <a:buFont typeface="Arial" panose="020B0604020202020204" pitchFamily="34" charset="0"/>
+              <a:buChar char="•"/>
+              <a:defRPr sz="1800" kern="1200">
+                <a:solidFill>
+                  <a:schemeClr val="tx1"/>
+                </a:solidFill>
+                <a:latin typeface="+mn-lt"/>
+                <a:ea typeface="+mn-ea"/>
+                <a:cs typeface="+mn-cs"/>
+              </a:defRPr>
+            </a:lvl9pPr>
+          </a:lstStyle>
+          <a:p>
+            <a:pPr marL="0" indent="0" algn="ctr">
+              <a:buFont typeface="Arial" panose="020B0604020202020204" pitchFamily="34" charset="0"/>
+              <a:buNone/>
+            </a:pPr>
+            <a:r>
+              <a:rPr lang="en-US" sz="2500" dirty="0">
+                <a:effectLst>
+                  <a:outerShdw blurRad="38100" dist="38100" dir="2700000" algn="tl">
+                    <a:srgbClr val="000000">
+                      <a:alpha val="43137"/>
+                    </a:srgbClr>
+                  </a:outerShdw>
+                </a:effectLst>
+                <a:latin typeface="Sylfaen" panose="010A0502050306030303" pitchFamily="18" charset="0"/>
+              </a:rPr>
+              <a:t>map of request</a:t>
+            </a:r>
+          </a:p>
+          <a:p>
+            <a:pPr marL="0" indent="0" algn="ctr">
+              <a:buFont typeface="Arial" panose="020B0604020202020204" pitchFamily="34" charset="0"/>
+              <a:buNone/>
+            </a:pPr>
+            <a:r>
+              <a:rPr lang="en-US" sz="2500" dirty="0">
+                <a:effectLst>
+                  <a:outerShdw blurRad="38100" dist="38100" dir="2700000" algn="tl">
+                    <a:srgbClr val="000000">
+                      <a:alpha val="43137"/>
+                    </a:srgbClr>
+                  </a:outerShdw>
+                </a:effectLst>
+                <a:latin typeface="Sylfaen" panose="010A0502050306030303" pitchFamily="18" charset="0"/>
+              </a:rPr>
+              <a:t>headers</a:t>
+            </a:r>
+            <a:endParaRPr lang="hy-AM" sz="2500" dirty="0">
+              <a:effectLst>
+                <a:outerShdw blurRad="38100" dist="38100" dir="2700000" algn="tl">
+                  <a:srgbClr val="000000">
+                    <a:alpha val="43137"/>
+                  </a:srgbClr>
+                </a:outerShdw>
+              </a:effectLst>
+              <a:latin typeface="Sylfaen" panose="010A0502050306030303" pitchFamily="18" charset="0"/>
+            </a:endParaRPr>
+          </a:p>
+          <a:p>
+            <a:pPr marL="0" indent="0">
+              <a:buFont typeface="Arial" panose="020B0604020202020204" pitchFamily="34" charset="0"/>
+              <a:buNone/>
+            </a:pPr>
+            <a:endParaRPr lang="hy-AM" sz="2900" dirty="0">
+              <a:effectLst>
+                <a:outerShdw blurRad="38100" dist="38100" dir="2700000" algn="tl">
+                  <a:srgbClr val="000000">
+                    <a:alpha val="43137"/>
+                  </a:srgbClr>
+                </a:outerShdw>
+              </a:effectLst>
+              <a:latin typeface="Sylfaen" panose="010A0502050306030303" pitchFamily="18" charset="0"/>
+            </a:endParaRPr>
+          </a:p>
+          <a:p>
+            <a:pPr marL="0" indent="0">
+              <a:buFont typeface="Arial" panose="020B0604020202020204" pitchFamily="34" charset="0"/>
+              <a:buNone/>
+            </a:pPr>
+            <a:endParaRPr lang="en-US" sz="2900" dirty="0">
+              <a:effectLst>
+                <a:outerShdw blurRad="38100" dist="38100" dir="2700000" algn="tl">
+                  <a:srgbClr val="000000">
+                    <a:alpha val="43137"/>
+                  </a:srgbClr>
+                </a:outerShdw>
+              </a:effectLst>
+              <a:latin typeface="Sylfaen" panose="010A0502050306030303" pitchFamily="18" charset="0"/>
+            </a:endParaRPr>
+          </a:p>
+        </p:txBody>
+      </p:sp>
     </p:spTree>
     <p:extLst>
       <p:ext uri="{BB962C8B-B14F-4D97-AF65-F5344CB8AC3E}">
-        <p14:creationId xmlns:p14="http://schemas.microsoft.com/office/powerpoint/2010/main" val="4034808964"/>
+        <p14:creationId xmlns:p14="http://schemas.microsoft.com/office/powerpoint/2010/main" val="2981291990"/>
       </p:ext>
     </p:extLst>
   </p:cSld>
   <p:clrMapOvr>
-    <a:overrideClrMapping bg1="lt1" tx1="dk1" bg2="lt2" tx2="dk2" accent1="accent1" accent2="accent2" accent3="accent3" accent4="accent4" accent5="accent5" accent6="accent6" hlink="hlink" folHlink="folHlink"/>
+    <a:masterClrMapping/>
   </p:clrMapOvr>
 </p:sld>
 </file>

--- a/Servlet/Servlet_Presentation.pptx
+++ b/Servlet/Servlet_Presentation.pptx
@@ -222,7 +222,7 @@
           <a:p>
             <a:fld id="{F988C94B-7918-458B-9AF1-0DBDD7FC850F}" type="datetimeFigureOut">
               <a:rPr lang="en-US" smtClean="0"/>
-              <a:t>2022-07-14</a:t>
+              <a:t>2022-07-28</a:t>
             </a:fld>
             <a:endParaRPr lang="en-US"/>
           </a:p>
@@ -704,7 +704,7 @@
           <a:p>
             <a:fld id="{0A968979-5CB5-4E5D-B82F-DAC09775BD7D}" type="datetimeFigureOut">
               <a:rPr lang="en-US" smtClean="0"/>
-              <a:t>2022-07-14</a:t>
+              <a:t>2022-07-28</a:t>
             </a:fld>
             <a:endParaRPr lang="en-US"/>
           </a:p>
@@ -874,7 +874,7 @@
           <a:p>
             <a:fld id="{0A968979-5CB5-4E5D-B82F-DAC09775BD7D}" type="datetimeFigureOut">
               <a:rPr lang="en-US" smtClean="0"/>
-              <a:t>2022-07-14</a:t>
+              <a:t>2022-07-28</a:t>
             </a:fld>
             <a:endParaRPr lang="en-US"/>
           </a:p>
@@ -1054,7 +1054,7 @@
           <a:p>
             <a:fld id="{0A968979-5CB5-4E5D-B82F-DAC09775BD7D}" type="datetimeFigureOut">
               <a:rPr lang="en-US" smtClean="0"/>
-              <a:t>2022-07-14</a:t>
+              <a:t>2022-07-28</a:t>
             </a:fld>
             <a:endParaRPr lang="en-US"/>
           </a:p>
@@ -1224,7 +1224,7 @@
           <a:p>
             <a:fld id="{0A968979-5CB5-4E5D-B82F-DAC09775BD7D}" type="datetimeFigureOut">
               <a:rPr lang="en-US" smtClean="0"/>
-              <a:t>2022-07-14</a:t>
+              <a:t>2022-07-28</a:t>
             </a:fld>
             <a:endParaRPr lang="en-US"/>
           </a:p>
@@ -1470,7 +1470,7 @@
           <a:p>
             <a:fld id="{0A968979-5CB5-4E5D-B82F-DAC09775BD7D}" type="datetimeFigureOut">
               <a:rPr lang="en-US" smtClean="0"/>
-              <a:t>2022-07-14</a:t>
+              <a:t>2022-07-28</a:t>
             </a:fld>
             <a:endParaRPr lang="en-US"/>
           </a:p>
@@ -1702,7 +1702,7 @@
           <a:p>
             <a:fld id="{0A968979-5CB5-4E5D-B82F-DAC09775BD7D}" type="datetimeFigureOut">
               <a:rPr lang="en-US" smtClean="0"/>
-              <a:t>2022-07-14</a:t>
+              <a:t>2022-07-28</a:t>
             </a:fld>
             <a:endParaRPr lang="en-US"/>
           </a:p>
@@ -2069,7 +2069,7 @@
           <a:p>
             <a:fld id="{0A968979-5CB5-4E5D-B82F-DAC09775BD7D}" type="datetimeFigureOut">
               <a:rPr lang="en-US" smtClean="0"/>
-              <a:t>2022-07-14</a:t>
+              <a:t>2022-07-28</a:t>
             </a:fld>
             <a:endParaRPr lang="en-US"/>
           </a:p>
@@ -2187,7 +2187,7 @@
           <a:p>
             <a:fld id="{0A968979-5CB5-4E5D-B82F-DAC09775BD7D}" type="datetimeFigureOut">
               <a:rPr lang="en-US" smtClean="0"/>
-              <a:t>2022-07-14</a:t>
+              <a:t>2022-07-28</a:t>
             </a:fld>
             <a:endParaRPr lang="en-US"/>
           </a:p>
@@ -2282,7 +2282,7 @@
           <a:p>
             <a:fld id="{0A968979-5CB5-4E5D-B82F-DAC09775BD7D}" type="datetimeFigureOut">
               <a:rPr lang="en-US" smtClean="0"/>
-              <a:t>2022-07-14</a:t>
+              <a:t>2022-07-28</a:t>
             </a:fld>
             <a:endParaRPr lang="en-US"/>
           </a:p>
@@ -2559,7 +2559,7 @@
           <a:p>
             <a:fld id="{0A968979-5CB5-4E5D-B82F-DAC09775BD7D}" type="datetimeFigureOut">
               <a:rPr lang="en-US" smtClean="0"/>
-              <a:t>2022-07-14</a:t>
+              <a:t>2022-07-28</a:t>
             </a:fld>
             <a:endParaRPr lang="en-US"/>
           </a:p>
@@ -2816,7 +2816,7 @@
           <a:p>
             <a:fld id="{0A968979-5CB5-4E5D-B82F-DAC09775BD7D}" type="datetimeFigureOut">
               <a:rPr lang="en-US" smtClean="0"/>
-              <a:t>2022-07-14</a:t>
+              <a:t>2022-07-28</a:t>
             </a:fld>
             <a:endParaRPr lang="en-US"/>
           </a:p>
@@ -3029,7 +3029,7 @@
           <a:p>
             <a:fld id="{0A968979-5CB5-4E5D-B82F-DAC09775BD7D}" type="datetimeFigureOut">
               <a:rPr lang="en-US" smtClean="0"/>
-              <a:t>2022-07-14</a:t>
+              <a:t>2022-07-28</a:t>
             </a:fld>
             <a:endParaRPr lang="en-US"/>
           </a:p>
@@ -3472,41 +3472,6 @@
           </a:p>
         </p:txBody>
       </p:sp>
-      <p:pic>
-        <p:nvPicPr>
-          <p:cNvPr id="9" name="Content Placeholder 8">
-            <a:extLst>
-              <a:ext uri="{FF2B5EF4-FFF2-40B4-BE49-F238E27FC236}">
-                <a16:creationId xmlns:a16="http://schemas.microsoft.com/office/drawing/2014/main" id="{FF990CF0-FA87-4659-85BF-AE22EB86489D}"/>
-              </a:ext>
-            </a:extLst>
-          </p:cNvPr>
-          <p:cNvPicPr>
-            <a:picLocks noGrp="1" noChangeAspect="1"/>
-          </p:cNvPicPr>
-          <p:nvPr>
-            <p:ph idx="1"/>
-          </p:nvPr>
-        </p:nvPicPr>
-        <p:blipFill>
-          <a:blip r:embed="rId2">
-            <a:extLst>
-              <a:ext uri="{28A0092B-C50C-407E-A947-70E740481C1C}">
-                <a14:useLocalDpi xmlns:a14="http://schemas.microsoft.com/office/drawing/2010/main" val="0"/>
-              </a:ext>
-            </a:extLst>
-          </a:blip>
-          <a:stretch>
-            <a:fillRect/>
-          </a:stretch>
-        </p:blipFill>
-        <p:spPr>
-          <a:xfrm>
-            <a:off x="3098286" y="1899901"/>
-            <a:ext cx="5250806" cy="3259121"/>
-          </a:xfrm>
-        </p:spPr>
-      </p:pic>
       <p:cxnSp>
         <p:nvCxnSpPr>
           <p:cNvPr id="10" name="Straight Connector 9">
@@ -3545,6 +3510,41 @@
           </a:fontRef>
         </p:style>
       </p:cxnSp>
+      <p:pic>
+        <p:nvPicPr>
+          <p:cNvPr id="6" name="Content Placeholder 5">
+            <a:extLst>
+              <a:ext uri="{FF2B5EF4-FFF2-40B4-BE49-F238E27FC236}">
+                <a16:creationId xmlns:a16="http://schemas.microsoft.com/office/drawing/2014/main" id="{49938954-C229-47F0-802A-31E7DADAC70F}"/>
+              </a:ext>
+            </a:extLst>
+          </p:cNvPr>
+          <p:cNvPicPr>
+            <a:picLocks noGrp="1" noChangeAspect="1"/>
+          </p:cNvPicPr>
+          <p:nvPr>
+            <p:ph idx="1"/>
+          </p:nvPr>
+        </p:nvPicPr>
+        <p:blipFill>
+          <a:blip r:embed="rId2">
+            <a:extLst>
+              <a:ext uri="{28A0092B-C50C-407E-A947-70E740481C1C}">
+                <a14:useLocalDpi xmlns:a14="http://schemas.microsoft.com/office/drawing/2010/main" val="0"/>
+              </a:ext>
+            </a:extLst>
+          </a:blip>
+          <a:stretch>
+            <a:fillRect/>
+          </a:stretch>
+        </p:blipFill>
+        <p:spPr>
+          <a:xfrm>
+            <a:off x="2042261" y="1397300"/>
+            <a:ext cx="8107477" cy="4952983"/>
+          </a:xfrm>
+        </p:spPr>
+      </p:pic>
     </p:spTree>
     <p:extLst>
       <p:ext uri="{BB962C8B-B14F-4D97-AF65-F5344CB8AC3E}">

--- a/Servlet/Servlet_Presentation.pptx
+++ b/Servlet/Servlet_Presentation.pptx
@@ -5,7 +5,7 @@
     <p:sldMasterId id="2147483684" r:id="rId1"/>
   </p:sldMasterIdLst>
   <p:notesMasterIdLst>
-    <p:notesMasterId r:id="rId28"/>
+    <p:notesMasterId r:id="rId29"/>
   </p:notesMasterIdLst>
   <p:sldIdLst>
     <p:sldId id="257" r:id="rId2"/>
@@ -23,17 +23,18 @@
     <p:sldId id="270" r:id="rId14"/>
     <p:sldId id="271" r:id="rId15"/>
     <p:sldId id="266" r:id="rId16"/>
-    <p:sldId id="272" r:id="rId17"/>
-    <p:sldId id="273" r:id="rId18"/>
-    <p:sldId id="275" r:id="rId19"/>
-    <p:sldId id="274" r:id="rId20"/>
-    <p:sldId id="276" r:id="rId21"/>
-    <p:sldId id="277" r:id="rId22"/>
-    <p:sldId id="278" r:id="rId23"/>
-    <p:sldId id="279" r:id="rId24"/>
-    <p:sldId id="281" r:id="rId25"/>
-    <p:sldId id="280" r:id="rId26"/>
-    <p:sldId id="282" r:id="rId27"/>
+    <p:sldId id="283" r:id="rId17"/>
+    <p:sldId id="272" r:id="rId18"/>
+    <p:sldId id="273" r:id="rId19"/>
+    <p:sldId id="275" r:id="rId20"/>
+    <p:sldId id="274" r:id="rId21"/>
+    <p:sldId id="276" r:id="rId22"/>
+    <p:sldId id="277" r:id="rId23"/>
+    <p:sldId id="278" r:id="rId24"/>
+    <p:sldId id="279" r:id="rId25"/>
+    <p:sldId id="281" r:id="rId26"/>
+    <p:sldId id="280" r:id="rId27"/>
+    <p:sldId id="282" r:id="rId28"/>
   </p:sldIdLst>
   <p:sldSz cx="12192000" cy="6858000"/>
   <p:notesSz cx="6858000" cy="9144000"/>
@@ -222,7 +223,7 @@
           <a:p>
             <a:fld id="{F988C94B-7918-458B-9AF1-0DBDD7FC850F}" type="datetimeFigureOut">
               <a:rPr lang="en-US" smtClean="0"/>
-              <a:t>2022-07-28</a:t>
+              <a:t>2022-08-01</a:t>
             </a:fld>
             <a:endParaRPr lang="en-US"/>
           </a:p>
@@ -554,7 +555,7 @@
           <a:p>
             <a:fld id="{AD5C0D2C-FC79-4881-900B-A227C6589BC3}" type="slidenum">
               <a:rPr lang="en-US" smtClean="0"/>
-              <a:t>22</a:t>
+              <a:t>23</a:t>
             </a:fld>
             <a:endParaRPr lang="en-US"/>
           </a:p>
@@ -704,7 +705,7 @@
           <a:p>
             <a:fld id="{0A968979-5CB5-4E5D-B82F-DAC09775BD7D}" type="datetimeFigureOut">
               <a:rPr lang="en-US" smtClean="0"/>
-              <a:t>2022-07-28</a:t>
+              <a:t>2022-08-01</a:t>
             </a:fld>
             <a:endParaRPr lang="en-US"/>
           </a:p>
@@ -874,7 +875,7 @@
           <a:p>
             <a:fld id="{0A968979-5CB5-4E5D-B82F-DAC09775BD7D}" type="datetimeFigureOut">
               <a:rPr lang="en-US" smtClean="0"/>
-              <a:t>2022-07-28</a:t>
+              <a:t>2022-08-01</a:t>
             </a:fld>
             <a:endParaRPr lang="en-US"/>
           </a:p>
@@ -1054,7 +1055,7 @@
           <a:p>
             <a:fld id="{0A968979-5CB5-4E5D-B82F-DAC09775BD7D}" type="datetimeFigureOut">
               <a:rPr lang="en-US" smtClean="0"/>
-              <a:t>2022-07-28</a:t>
+              <a:t>2022-08-01</a:t>
             </a:fld>
             <a:endParaRPr lang="en-US"/>
           </a:p>
@@ -1224,7 +1225,7 @@
           <a:p>
             <a:fld id="{0A968979-5CB5-4E5D-B82F-DAC09775BD7D}" type="datetimeFigureOut">
               <a:rPr lang="en-US" smtClean="0"/>
-              <a:t>2022-07-28</a:t>
+              <a:t>2022-08-01</a:t>
             </a:fld>
             <a:endParaRPr lang="en-US"/>
           </a:p>
@@ -1470,7 +1471,7 @@
           <a:p>
             <a:fld id="{0A968979-5CB5-4E5D-B82F-DAC09775BD7D}" type="datetimeFigureOut">
               <a:rPr lang="en-US" smtClean="0"/>
-              <a:t>2022-07-28</a:t>
+              <a:t>2022-08-01</a:t>
             </a:fld>
             <a:endParaRPr lang="en-US"/>
           </a:p>
@@ -1702,7 +1703,7 @@
           <a:p>
             <a:fld id="{0A968979-5CB5-4E5D-B82F-DAC09775BD7D}" type="datetimeFigureOut">
               <a:rPr lang="en-US" smtClean="0"/>
-              <a:t>2022-07-28</a:t>
+              <a:t>2022-08-01</a:t>
             </a:fld>
             <a:endParaRPr lang="en-US"/>
           </a:p>
@@ -2069,7 +2070,7 @@
           <a:p>
             <a:fld id="{0A968979-5CB5-4E5D-B82F-DAC09775BD7D}" type="datetimeFigureOut">
               <a:rPr lang="en-US" smtClean="0"/>
-              <a:t>2022-07-28</a:t>
+              <a:t>2022-08-01</a:t>
             </a:fld>
             <a:endParaRPr lang="en-US"/>
           </a:p>
@@ -2187,7 +2188,7 @@
           <a:p>
             <a:fld id="{0A968979-5CB5-4E5D-B82F-DAC09775BD7D}" type="datetimeFigureOut">
               <a:rPr lang="en-US" smtClean="0"/>
-              <a:t>2022-07-28</a:t>
+              <a:t>2022-08-01</a:t>
             </a:fld>
             <a:endParaRPr lang="en-US"/>
           </a:p>
@@ -2282,7 +2283,7 @@
           <a:p>
             <a:fld id="{0A968979-5CB5-4E5D-B82F-DAC09775BD7D}" type="datetimeFigureOut">
               <a:rPr lang="en-US" smtClean="0"/>
-              <a:t>2022-07-28</a:t>
+              <a:t>2022-08-01</a:t>
             </a:fld>
             <a:endParaRPr lang="en-US"/>
           </a:p>
@@ -2559,7 +2560,7 @@
           <a:p>
             <a:fld id="{0A968979-5CB5-4E5D-B82F-DAC09775BD7D}" type="datetimeFigureOut">
               <a:rPr lang="en-US" smtClean="0"/>
-              <a:t>2022-07-28</a:t>
+              <a:t>2022-08-01</a:t>
             </a:fld>
             <a:endParaRPr lang="en-US"/>
           </a:p>
@@ -2816,7 +2817,7 @@
           <a:p>
             <a:fld id="{0A968979-5CB5-4E5D-B82F-DAC09775BD7D}" type="datetimeFigureOut">
               <a:rPr lang="en-US" smtClean="0"/>
-              <a:t>2022-07-28</a:t>
+              <a:t>2022-08-01</a:t>
             </a:fld>
             <a:endParaRPr lang="en-US"/>
           </a:p>
@@ -3029,7 +3030,7 @@
           <a:p>
             <a:fld id="{0A968979-5CB5-4E5D-B82F-DAC09775BD7D}" type="datetimeFigureOut">
               <a:rPr lang="en-US" smtClean="0"/>
-              <a:t>2022-07-28</a:t>
+              <a:t>2022-08-01</a:t>
             </a:fld>
             <a:endParaRPr lang="en-US"/>
           </a:p>
@@ -6630,6 +6631,752 @@
       </p:grpSpPr>
       <p:sp>
         <p:nvSpPr>
+          <p:cNvPr id="2" name="Title 1">
+            <a:extLst>
+              <a:ext uri="{FF2B5EF4-FFF2-40B4-BE49-F238E27FC236}">
+                <a16:creationId xmlns:a16="http://schemas.microsoft.com/office/drawing/2014/main" id="{36B0F813-FB75-485B-9703-E2BC745F2D45}"/>
+              </a:ext>
+            </a:extLst>
+          </p:cNvPr>
+          <p:cNvSpPr>
+            <a:spLocks noGrp="1"/>
+          </p:cNvSpPr>
+          <p:nvPr>
+            <p:ph type="title"/>
+          </p:nvPr>
+        </p:nvSpPr>
+        <p:spPr>
+          <a:xfrm>
+            <a:off x="838200" y="0"/>
+            <a:ext cx="10515600" cy="1325563"/>
+          </a:xfrm>
+        </p:spPr>
+        <p:txBody>
+          <a:bodyPr/>
+          <a:lstStyle/>
+          <a:p>
+            <a:pPr algn="ctr"/>
+            <a:r>
+              <a:rPr lang="en-US" dirty="0">
+                <a:latin typeface="Sylfaen" panose="010A0502050306030303" pitchFamily="18" charset="0"/>
+              </a:rPr>
+              <a:t>Filters</a:t>
+            </a:r>
+          </a:p>
+        </p:txBody>
+      </p:sp>
+      <p:pic>
+        <p:nvPicPr>
+          <p:cNvPr id="6" name="Content Placeholder 5">
+            <a:extLst>
+              <a:ext uri="{FF2B5EF4-FFF2-40B4-BE49-F238E27FC236}">
+                <a16:creationId xmlns:a16="http://schemas.microsoft.com/office/drawing/2014/main" id="{4A93FF0A-FD0E-44F7-9AC1-D2F2C88E2AC7}"/>
+              </a:ext>
+            </a:extLst>
+          </p:cNvPr>
+          <p:cNvPicPr>
+            <a:picLocks noGrp="1" noChangeAspect="1"/>
+          </p:cNvPicPr>
+          <p:nvPr>
+            <p:ph idx="1"/>
+          </p:nvPr>
+        </p:nvPicPr>
+        <p:blipFill>
+          <a:blip r:embed="rId2">
+            <a:extLst>
+              <a:ext uri="{28A0092B-C50C-407E-A947-70E740481C1C}">
+                <a14:useLocalDpi xmlns:a14="http://schemas.microsoft.com/office/drawing/2010/main" val="0"/>
+              </a:ext>
+            </a:extLst>
+          </a:blip>
+          <a:stretch>
+            <a:fillRect/>
+          </a:stretch>
+        </p:blipFill>
+        <p:spPr>
+          <a:xfrm>
+            <a:off x="569235" y="1881200"/>
+            <a:ext cx="3404016" cy="3821175"/>
+          </a:xfrm>
+        </p:spPr>
+      </p:pic>
+      <p:cxnSp>
+        <p:nvCxnSpPr>
+          <p:cNvPr id="4" name="Straight Connector 3">
+            <a:extLst>
+              <a:ext uri="{FF2B5EF4-FFF2-40B4-BE49-F238E27FC236}">
+                <a16:creationId xmlns:a16="http://schemas.microsoft.com/office/drawing/2014/main" id="{D9A7D01B-1EF2-4DE0-9524-499E590A94E2}"/>
+              </a:ext>
+            </a:extLst>
+          </p:cNvPr>
+          <p:cNvCxnSpPr>
+            <a:cxnSpLocks/>
+          </p:cNvCxnSpPr>
+          <p:nvPr/>
+        </p:nvCxnSpPr>
+        <p:spPr>
+          <a:xfrm>
+            <a:off x="569235" y="1155625"/>
+            <a:ext cx="11053530" cy="0"/>
+          </a:xfrm>
+          <a:prstGeom prst="line">
+            <a:avLst/>
+          </a:prstGeom>
+        </p:spPr>
+        <p:style>
+          <a:lnRef idx="3">
+            <a:schemeClr val="accent1"/>
+          </a:lnRef>
+          <a:fillRef idx="0">
+            <a:schemeClr val="accent1"/>
+          </a:fillRef>
+          <a:effectRef idx="2">
+            <a:schemeClr val="accent1"/>
+          </a:effectRef>
+          <a:fontRef idx="minor">
+            <a:schemeClr val="tx1"/>
+          </a:fontRef>
+        </p:style>
+      </p:cxnSp>
+      <p:cxnSp>
+        <p:nvCxnSpPr>
+          <p:cNvPr id="7" name="Straight Connector 6">
+            <a:extLst>
+              <a:ext uri="{FF2B5EF4-FFF2-40B4-BE49-F238E27FC236}">
+                <a16:creationId xmlns:a16="http://schemas.microsoft.com/office/drawing/2014/main" id="{5DCFC1EA-0323-4FEF-B3DC-633CF6D80858}"/>
+              </a:ext>
+            </a:extLst>
+          </p:cNvPr>
+          <p:cNvCxnSpPr>
+            <a:cxnSpLocks/>
+          </p:cNvCxnSpPr>
+          <p:nvPr/>
+        </p:nvCxnSpPr>
+        <p:spPr>
+          <a:xfrm>
+            <a:off x="569235" y="1305527"/>
+            <a:ext cx="11053530" cy="0"/>
+          </a:xfrm>
+          <a:prstGeom prst="line">
+            <a:avLst/>
+          </a:prstGeom>
+        </p:spPr>
+        <p:style>
+          <a:lnRef idx="3">
+            <a:schemeClr val="accent1"/>
+          </a:lnRef>
+          <a:fillRef idx="0">
+            <a:schemeClr val="accent1"/>
+          </a:fillRef>
+          <a:effectRef idx="2">
+            <a:schemeClr val="accent1"/>
+          </a:effectRef>
+          <a:fontRef idx="minor">
+            <a:schemeClr val="tx1"/>
+          </a:fontRef>
+        </p:style>
+      </p:cxnSp>
+      <p:sp>
+        <p:nvSpPr>
+          <p:cNvPr id="9" name="Объект 2">
+            <a:extLst>
+              <a:ext uri="{FF2B5EF4-FFF2-40B4-BE49-F238E27FC236}">
+                <a16:creationId xmlns:a16="http://schemas.microsoft.com/office/drawing/2014/main" id="{3C37A230-AAE3-46B3-9051-E565FADCCE8C}"/>
+              </a:ext>
+            </a:extLst>
+          </p:cNvPr>
+          <p:cNvSpPr txBox="1">
+            <a:spLocks/>
+          </p:cNvSpPr>
+          <p:nvPr/>
+        </p:nvSpPr>
+        <p:spPr>
+          <a:xfrm>
+            <a:off x="4182754" y="1733995"/>
+            <a:ext cx="7765405" cy="4412591"/>
+          </a:xfrm>
+          <a:prstGeom prst="rect">
+            <a:avLst/>
+          </a:prstGeom>
+        </p:spPr>
+        <p:txBody>
+          <a:bodyPr vert="horz" lIns="91440" tIns="45720" rIns="91440" bIns="45720" rtlCol="0">
+            <a:normAutofit lnSpcReduction="10000"/>
+          </a:bodyPr>
+          <a:lstStyle>
+            <a:lvl1pPr marL="228600" indent="-228600" algn="l" defTabSz="914400" rtl="0" eaLnBrk="1" latinLnBrk="0" hangingPunct="1">
+              <a:lnSpc>
+                <a:spcPct val="90000"/>
+              </a:lnSpc>
+              <a:spcBef>
+                <a:spcPts val="1000"/>
+              </a:spcBef>
+              <a:buFont typeface="Arial" panose="020B0604020202020204" pitchFamily="34" charset="0"/>
+              <a:buChar char="•"/>
+              <a:defRPr sz="2800" kern="1200">
+                <a:solidFill>
+                  <a:schemeClr val="tx1"/>
+                </a:solidFill>
+                <a:latin typeface="+mn-lt"/>
+                <a:ea typeface="+mn-ea"/>
+                <a:cs typeface="+mn-cs"/>
+              </a:defRPr>
+            </a:lvl1pPr>
+            <a:lvl2pPr marL="685800" indent="-228600" algn="l" defTabSz="914400" rtl="0" eaLnBrk="1" latinLnBrk="0" hangingPunct="1">
+              <a:lnSpc>
+                <a:spcPct val="90000"/>
+              </a:lnSpc>
+              <a:spcBef>
+                <a:spcPts val="500"/>
+              </a:spcBef>
+              <a:buFont typeface="Arial" panose="020B0604020202020204" pitchFamily="34" charset="0"/>
+              <a:buChar char="•"/>
+              <a:defRPr sz="2400" kern="1200">
+                <a:solidFill>
+                  <a:schemeClr val="tx1"/>
+                </a:solidFill>
+                <a:latin typeface="+mn-lt"/>
+                <a:ea typeface="+mn-ea"/>
+                <a:cs typeface="+mn-cs"/>
+              </a:defRPr>
+            </a:lvl2pPr>
+            <a:lvl3pPr marL="1143000" indent="-228600" algn="l" defTabSz="914400" rtl="0" eaLnBrk="1" latinLnBrk="0" hangingPunct="1">
+              <a:lnSpc>
+                <a:spcPct val="90000"/>
+              </a:lnSpc>
+              <a:spcBef>
+                <a:spcPts val="500"/>
+              </a:spcBef>
+              <a:buFont typeface="Arial" panose="020B0604020202020204" pitchFamily="34" charset="0"/>
+              <a:buChar char="•"/>
+              <a:defRPr sz="2000" kern="1200">
+                <a:solidFill>
+                  <a:schemeClr val="tx1"/>
+                </a:solidFill>
+                <a:latin typeface="+mn-lt"/>
+                <a:ea typeface="+mn-ea"/>
+                <a:cs typeface="+mn-cs"/>
+              </a:defRPr>
+            </a:lvl3pPr>
+            <a:lvl4pPr marL="1600200" indent="-228600" algn="l" defTabSz="914400" rtl="0" eaLnBrk="1" latinLnBrk="0" hangingPunct="1">
+              <a:lnSpc>
+                <a:spcPct val="90000"/>
+              </a:lnSpc>
+              <a:spcBef>
+                <a:spcPts val="500"/>
+              </a:spcBef>
+              <a:buFont typeface="Arial" panose="020B0604020202020204" pitchFamily="34" charset="0"/>
+              <a:buChar char="•"/>
+              <a:defRPr sz="1800" kern="1200">
+                <a:solidFill>
+                  <a:schemeClr val="tx1"/>
+                </a:solidFill>
+                <a:latin typeface="+mn-lt"/>
+                <a:ea typeface="+mn-ea"/>
+                <a:cs typeface="+mn-cs"/>
+              </a:defRPr>
+            </a:lvl4pPr>
+            <a:lvl5pPr marL="2057400" indent="-228600" algn="l" defTabSz="914400" rtl="0" eaLnBrk="1" latinLnBrk="0" hangingPunct="1">
+              <a:lnSpc>
+                <a:spcPct val="90000"/>
+              </a:lnSpc>
+              <a:spcBef>
+                <a:spcPts val="500"/>
+              </a:spcBef>
+              <a:buFont typeface="Arial" panose="020B0604020202020204" pitchFamily="34" charset="0"/>
+              <a:buChar char="•"/>
+              <a:defRPr sz="1800" kern="1200">
+                <a:solidFill>
+                  <a:schemeClr val="tx1"/>
+                </a:solidFill>
+                <a:latin typeface="+mn-lt"/>
+                <a:ea typeface="+mn-ea"/>
+                <a:cs typeface="+mn-cs"/>
+              </a:defRPr>
+            </a:lvl5pPr>
+            <a:lvl6pPr marL="2514600" indent="-228600" algn="l" defTabSz="914400" rtl="0" eaLnBrk="1" latinLnBrk="0" hangingPunct="1">
+              <a:lnSpc>
+                <a:spcPct val="90000"/>
+              </a:lnSpc>
+              <a:spcBef>
+                <a:spcPts val="500"/>
+              </a:spcBef>
+              <a:buFont typeface="Arial" panose="020B0604020202020204" pitchFamily="34" charset="0"/>
+              <a:buChar char="•"/>
+              <a:defRPr sz="1800" kern="1200">
+                <a:solidFill>
+                  <a:schemeClr val="tx1"/>
+                </a:solidFill>
+                <a:latin typeface="+mn-lt"/>
+                <a:ea typeface="+mn-ea"/>
+                <a:cs typeface="+mn-cs"/>
+              </a:defRPr>
+            </a:lvl6pPr>
+            <a:lvl7pPr marL="2971800" indent="-228600" algn="l" defTabSz="914400" rtl="0" eaLnBrk="1" latinLnBrk="0" hangingPunct="1">
+              <a:lnSpc>
+                <a:spcPct val="90000"/>
+              </a:lnSpc>
+              <a:spcBef>
+                <a:spcPts val="500"/>
+              </a:spcBef>
+              <a:buFont typeface="Arial" panose="020B0604020202020204" pitchFamily="34" charset="0"/>
+              <a:buChar char="•"/>
+              <a:defRPr sz="1800" kern="1200">
+                <a:solidFill>
+                  <a:schemeClr val="tx1"/>
+                </a:solidFill>
+                <a:latin typeface="+mn-lt"/>
+                <a:ea typeface="+mn-ea"/>
+                <a:cs typeface="+mn-cs"/>
+              </a:defRPr>
+            </a:lvl7pPr>
+            <a:lvl8pPr marL="3429000" indent="-228600" algn="l" defTabSz="914400" rtl="0" eaLnBrk="1" latinLnBrk="0" hangingPunct="1">
+              <a:lnSpc>
+                <a:spcPct val="90000"/>
+              </a:lnSpc>
+              <a:spcBef>
+                <a:spcPts val="500"/>
+              </a:spcBef>
+              <a:buFont typeface="Arial" panose="020B0604020202020204" pitchFamily="34" charset="0"/>
+              <a:buChar char="•"/>
+              <a:defRPr sz="1800" kern="1200">
+                <a:solidFill>
+                  <a:schemeClr val="tx1"/>
+                </a:solidFill>
+                <a:latin typeface="+mn-lt"/>
+                <a:ea typeface="+mn-ea"/>
+                <a:cs typeface="+mn-cs"/>
+              </a:defRPr>
+            </a:lvl8pPr>
+            <a:lvl9pPr marL="3886200" indent="-228600" algn="l" defTabSz="914400" rtl="0" eaLnBrk="1" latinLnBrk="0" hangingPunct="1">
+              <a:lnSpc>
+                <a:spcPct val="90000"/>
+              </a:lnSpc>
+              <a:spcBef>
+                <a:spcPts val="500"/>
+              </a:spcBef>
+              <a:buFont typeface="Arial" panose="020B0604020202020204" pitchFamily="34" charset="0"/>
+              <a:buChar char="•"/>
+              <a:defRPr sz="1800" kern="1200">
+                <a:solidFill>
+                  <a:schemeClr val="tx1"/>
+                </a:solidFill>
+                <a:latin typeface="+mn-lt"/>
+                <a:ea typeface="+mn-ea"/>
+                <a:cs typeface="+mn-cs"/>
+              </a:defRPr>
+            </a:lvl9pPr>
+          </a:lstStyle>
+          <a:p>
+            <a:pPr marL="0" indent="0">
+              <a:lnSpc>
+                <a:spcPct val="150000"/>
+              </a:lnSpc>
+              <a:buFont typeface="Arial" panose="020B0604020202020204" pitchFamily="34" charset="0"/>
+              <a:buNone/>
+            </a:pPr>
+            <a:r>
+              <a:rPr lang="en-US" sz="2900" dirty="0">
+                <a:effectLst>
+                  <a:outerShdw blurRad="38100" dist="38100" dir="2700000" algn="tl">
+                    <a:srgbClr val="000000">
+                      <a:alpha val="43137"/>
+                    </a:srgbClr>
+                  </a:outerShdw>
+                </a:effectLst>
+                <a:latin typeface="Sylfaen" panose="010A0502050306030303" pitchFamily="18" charset="0"/>
+              </a:rPr>
+              <a:t>default void </a:t>
+            </a:r>
+            <a:r>
+              <a:rPr lang="en-US" sz="2900" dirty="0" err="1">
+                <a:effectLst>
+                  <a:outerShdw blurRad="38100" dist="38100" dir="2700000" algn="tl">
+                    <a:srgbClr val="000000">
+                      <a:alpha val="43137"/>
+                    </a:srgbClr>
+                  </a:outerShdw>
+                </a:effectLst>
+                <a:latin typeface="Sylfaen" panose="010A0502050306030303" pitchFamily="18" charset="0"/>
+              </a:rPr>
+              <a:t>init</a:t>
+            </a:r>
+            <a:r>
+              <a:rPr lang="en-US" sz="2900" dirty="0">
+                <a:effectLst>
+                  <a:outerShdw blurRad="38100" dist="38100" dir="2700000" algn="tl">
+                    <a:srgbClr val="000000">
+                      <a:alpha val="43137"/>
+                    </a:srgbClr>
+                  </a:outerShdw>
+                </a:effectLst>
+                <a:latin typeface="Sylfaen" panose="010A0502050306030303" pitchFamily="18" charset="0"/>
+              </a:rPr>
+              <a:t> (</a:t>
+            </a:r>
+            <a:r>
+              <a:rPr lang="en-US" sz="2900" dirty="0" err="1">
+                <a:effectLst>
+                  <a:outerShdw blurRad="38100" dist="38100" dir="2700000" algn="tl">
+                    <a:srgbClr val="000000">
+                      <a:alpha val="43137"/>
+                    </a:srgbClr>
+                  </a:outerShdw>
+                </a:effectLst>
+                <a:latin typeface="Sylfaen" panose="010A0502050306030303" pitchFamily="18" charset="0"/>
+              </a:rPr>
+              <a:t>FilterConfig</a:t>
+            </a:r>
+            <a:r>
+              <a:rPr lang="en-US" sz="2900" dirty="0">
+                <a:effectLst>
+                  <a:outerShdw blurRad="38100" dist="38100" dir="2700000" algn="tl">
+                    <a:srgbClr val="000000">
+                      <a:alpha val="43137"/>
+                    </a:srgbClr>
+                  </a:outerShdw>
+                </a:effectLst>
+                <a:latin typeface="Sylfaen" panose="010A0502050306030303" pitchFamily="18" charset="0"/>
+              </a:rPr>
+              <a:t> </a:t>
+            </a:r>
+            <a:r>
+              <a:rPr lang="en-US" sz="2900" dirty="0" err="1">
+                <a:effectLst>
+                  <a:outerShdw blurRad="38100" dist="38100" dir="2700000" algn="tl">
+                    <a:srgbClr val="000000">
+                      <a:alpha val="43137"/>
+                    </a:srgbClr>
+                  </a:outerShdw>
+                </a:effectLst>
+                <a:latin typeface="Sylfaen" panose="010A0502050306030303" pitchFamily="18" charset="0"/>
+              </a:rPr>
+              <a:t>onfig</a:t>
+            </a:r>
+            <a:r>
+              <a:rPr lang="en-US" sz="2900" dirty="0">
+                <a:effectLst>
+                  <a:outerShdw blurRad="38100" dist="38100" dir="2700000" algn="tl">
+                    <a:srgbClr val="000000">
+                      <a:alpha val="43137"/>
+                    </a:srgbClr>
+                  </a:outerShdw>
+                </a:effectLst>
+                <a:latin typeface="Sylfaen" panose="010A0502050306030303" pitchFamily="18" charset="0"/>
+              </a:rPr>
+              <a:t>);</a:t>
+            </a:r>
+          </a:p>
+          <a:p>
+            <a:pPr marL="0" indent="0">
+              <a:lnSpc>
+                <a:spcPct val="150000"/>
+              </a:lnSpc>
+              <a:buNone/>
+            </a:pPr>
+            <a:r>
+              <a:rPr lang="en-US" sz="2900" dirty="0">
+                <a:effectLst>
+                  <a:outerShdw blurRad="38100" dist="38100" dir="2700000" algn="tl">
+                    <a:srgbClr val="000000">
+                      <a:alpha val="43137"/>
+                    </a:srgbClr>
+                  </a:outerShdw>
+                </a:effectLst>
+                <a:latin typeface="Sylfaen" panose="010A0502050306030303" pitchFamily="18" charset="0"/>
+              </a:rPr>
+              <a:t>default void destroy () throws </a:t>
+            </a:r>
+            <a:r>
+              <a:rPr lang="en-US" sz="2900" dirty="0" err="1">
+                <a:effectLst>
+                  <a:outerShdw blurRad="38100" dist="38100" dir="2700000" algn="tl">
+                    <a:srgbClr val="000000">
+                      <a:alpha val="43137"/>
+                    </a:srgbClr>
+                  </a:outerShdw>
+                </a:effectLst>
+                <a:latin typeface="Sylfaen" panose="010A0502050306030303" pitchFamily="18" charset="0"/>
+              </a:rPr>
+              <a:t>ServletException</a:t>
+            </a:r>
+            <a:r>
+              <a:rPr lang="en-US" sz="2900" dirty="0">
+                <a:effectLst>
+                  <a:outerShdw blurRad="38100" dist="38100" dir="2700000" algn="tl">
+                    <a:srgbClr val="000000">
+                      <a:alpha val="43137"/>
+                    </a:srgbClr>
+                  </a:outerShdw>
+                </a:effectLst>
+                <a:latin typeface="Sylfaen" panose="010A0502050306030303" pitchFamily="18" charset="0"/>
+              </a:rPr>
+              <a:t>;</a:t>
+            </a:r>
+          </a:p>
+          <a:p>
+            <a:pPr marL="0" indent="0">
+              <a:lnSpc>
+                <a:spcPct val="150000"/>
+              </a:lnSpc>
+              <a:buNone/>
+            </a:pPr>
+            <a:r>
+              <a:rPr lang="en-US" sz="2900" dirty="0">
+                <a:effectLst>
+                  <a:outerShdw blurRad="38100" dist="38100" dir="2700000" algn="tl">
+                    <a:srgbClr val="000000">
+                      <a:alpha val="43137"/>
+                    </a:srgbClr>
+                  </a:outerShdw>
+                </a:effectLst>
+                <a:latin typeface="Sylfaen" panose="010A0502050306030303" pitchFamily="18" charset="0"/>
+              </a:rPr>
+              <a:t>void </a:t>
+            </a:r>
+            <a:r>
+              <a:rPr lang="en-US" sz="2900" dirty="0" err="1">
+                <a:effectLst>
+                  <a:outerShdw blurRad="38100" dist="38100" dir="2700000" algn="tl">
+                    <a:srgbClr val="000000">
+                      <a:alpha val="43137"/>
+                    </a:srgbClr>
+                  </a:outerShdw>
+                </a:effectLst>
+                <a:latin typeface="Sylfaen" panose="010A0502050306030303" pitchFamily="18" charset="0"/>
+              </a:rPr>
+              <a:t>doFilter</a:t>
+            </a:r>
+            <a:r>
+              <a:rPr lang="en-US" sz="2900" dirty="0">
+                <a:effectLst>
+                  <a:outerShdw blurRad="38100" dist="38100" dir="2700000" algn="tl">
+                    <a:srgbClr val="000000">
+                      <a:alpha val="43137"/>
+                    </a:srgbClr>
+                  </a:outerShdw>
+                </a:effectLst>
+                <a:latin typeface="Sylfaen" panose="010A0502050306030303" pitchFamily="18" charset="0"/>
+              </a:rPr>
+              <a:t> (</a:t>
+            </a:r>
+            <a:r>
+              <a:rPr lang="en-US" sz="2900" dirty="0" err="1">
+                <a:effectLst>
+                  <a:outerShdw blurRad="38100" dist="38100" dir="2700000" algn="tl">
+                    <a:srgbClr val="000000">
+                      <a:alpha val="43137"/>
+                    </a:srgbClr>
+                  </a:outerShdw>
+                </a:effectLst>
+                <a:latin typeface="Sylfaen" panose="010A0502050306030303" pitchFamily="18" charset="0"/>
+              </a:rPr>
+              <a:t>ServletRequest</a:t>
+            </a:r>
+            <a:r>
+              <a:rPr lang="en-US" sz="2900" dirty="0">
+                <a:effectLst>
+                  <a:outerShdw blurRad="38100" dist="38100" dir="2700000" algn="tl">
+                    <a:srgbClr val="000000">
+                      <a:alpha val="43137"/>
+                    </a:srgbClr>
+                  </a:outerShdw>
+                </a:effectLst>
+                <a:latin typeface="Sylfaen" panose="010A0502050306030303" pitchFamily="18" charset="0"/>
+              </a:rPr>
+              <a:t> req,</a:t>
+            </a:r>
+          </a:p>
+          <a:p>
+            <a:pPr marL="0" indent="0">
+              <a:lnSpc>
+                <a:spcPct val="150000"/>
+              </a:lnSpc>
+              <a:buNone/>
+            </a:pPr>
+            <a:r>
+              <a:rPr lang="en-US" sz="2900" dirty="0">
+                <a:effectLst>
+                  <a:outerShdw blurRad="38100" dist="38100" dir="2700000" algn="tl">
+                    <a:srgbClr val="000000">
+                      <a:alpha val="43137"/>
+                    </a:srgbClr>
+                  </a:outerShdw>
+                </a:effectLst>
+                <a:latin typeface="Sylfaen" panose="010A0502050306030303" pitchFamily="18" charset="0"/>
+              </a:rPr>
+              <a:t>                        </a:t>
+            </a:r>
+            <a:r>
+              <a:rPr lang="en-US" sz="2900" dirty="0" err="1">
+                <a:effectLst>
+                  <a:outerShdw blurRad="38100" dist="38100" dir="2700000" algn="tl">
+                    <a:srgbClr val="000000">
+                      <a:alpha val="43137"/>
+                    </a:srgbClr>
+                  </a:outerShdw>
+                </a:effectLst>
+                <a:latin typeface="Sylfaen" panose="010A0502050306030303" pitchFamily="18" charset="0"/>
+              </a:rPr>
+              <a:t>ServletResponse</a:t>
+            </a:r>
+            <a:r>
+              <a:rPr lang="en-US" sz="2900" dirty="0">
+                <a:effectLst>
+                  <a:outerShdw blurRad="38100" dist="38100" dir="2700000" algn="tl">
+                    <a:srgbClr val="000000">
+                      <a:alpha val="43137"/>
+                    </a:srgbClr>
+                  </a:outerShdw>
+                </a:effectLst>
+                <a:latin typeface="Sylfaen" panose="010A0502050306030303" pitchFamily="18" charset="0"/>
+              </a:rPr>
+              <a:t> res,</a:t>
+            </a:r>
+          </a:p>
+          <a:p>
+            <a:pPr marL="0" indent="0">
+              <a:lnSpc>
+                <a:spcPct val="150000"/>
+              </a:lnSpc>
+              <a:buNone/>
+            </a:pPr>
+            <a:r>
+              <a:rPr lang="en-US" sz="2900" dirty="0">
+                <a:effectLst>
+                  <a:outerShdw blurRad="38100" dist="38100" dir="2700000" algn="tl">
+                    <a:srgbClr val="000000">
+                      <a:alpha val="43137"/>
+                    </a:srgbClr>
+                  </a:outerShdw>
+                </a:effectLst>
+                <a:latin typeface="Sylfaen" panose="010A0502050306030303" pitchFamily="18" charset="0"/>
+              </a:rPr>
+              <a:t>                        </a:t>
+            </a:r>
+            <a:r>
+              <a:rPr lang="en-US" sz="2900" dirty="0" err="1">
+                <a:effectLst>
+                  <a:outerShdw blurRad="38100" dist="38100" dir="2700000" algn="tl">
+                    <a:srgbClr val="000000">
+                      <a:alpha val="43137"/>
+                    </a:srgbClr>
+                  </a:outerShdw>
+                </a:effectLst>
+                <a:latin typeface="Sylfaen" panose="010A0502050306030303" pitchFamily="18" charset="0"/>
+              </a:rPr>
+              <a:t>FilterChain</a:t>
+            </a:r>
+            <a:r>
+              <a:rPr lang="en-US" sz="2900" dirty="0">
+                <a:effectLst>
+                  <a:outerShdw blurRad="38100" dist="38100" dir="2700000" algn="tl">
+                    <a:srgbClr val="000000">
+                      <a:alpha val="43137"/>
+                    </a:srgbClr>
+                  </a:outerShdw>
+                </a:effectLst>
+                <a:latin typeface="Sylfaen" panose="010A0502050306030303" pitchFamily="18" charset="0"/>
+              </a:rPr>
+              <a:t> chain) throw </a:t>
+            </a:r>
+            <a:r>
+              <a:rPr lang="en-US" sz="2900" dirty="0" err="1">
+                <a:effectLst>
+                  <a:outerShdw blurRad="38100" dist="38100" dir="2700000" algn="tl">
+                    <a:srgbClr val="000000">
+                      <a:alpha val="43137"/>
+                    </a:srgbClr>
+                  </a:outerShdw>
+                </a:effectLst>
+                <a:latin typeface="Sylfaen" panose="010A0502050306030303" pitchFamily="18" charset="0"/>
+              </a:rPr>
+              <a:t>IOException</a:t>
+            </a:r>
+            <a:r>
+              <a:rPr lang="en-US" sz="2900" dirty="0">
+                <a:effectLst>
+                  <a:outerShdw blurRad="38100" dist="38100" dir="2700000" algn="tl">
+                    <a:srgbClr val="000000">
+                      <a:alpha val="43137"/>
+                    </a:srgbClr>
+                  </a:outerShdw>
+                </a:effectLst>
+                <a:latin typeface="Sylfaen" panose="010A0502050306030303" pitchFamily="18" charset="0"/>
+              </a:rPr>
+              <a:t>, </a:t>
+            </a:r>
+            <a:r>
+              <a:rPr lang="en-US" sz="2900" dirty="0" err="1">
+                <a:effectLst>
+                  <a:outerShdw blurRad="38100" dist="38100" dir="2700000" algn="tl">
+                    <a:srgbClr val="000000">
+                      <a:alpha val="43137"/>
+                    </a:srgbClr>
+                  </a:outerShdw>
+                </a:effectLst>
+                <a:latin typeface="Sylfaen" panose="010A0502050306030303" pitchFamily="18" charset="0"/>
+              </a:rPr>
+              <a:t>ServletException</a:t>
+            </a:r>
+            <a:r>
+              <a:rPr lang="en-US" sz="2900" dirty="0">
+                <a:effectLst>
+                  <a:outerShdw blurRad="38100" dist="38100" dir="2700000" algn="tl">
+                    <a:srgbClr val="000000">
+                      <a:alpha val="43137"/>
+                    </a:srgbClr>
+                  </a:outerShdw>
+                </a:effectLst>
+                <a:latin typeface="Sylfaen" panose="010A0502050306030303" pitchFamily="18" charset="0"/>
+              </a:rPr>
+              <a:t>; </a:t>
+            </a:r>
+            <a:endParaRPr lang="ru-RU" sz="2900" dirty="0">
+              <a:effectLst>
+                <a:outerShdw blurRad="38100" dist="38100" dir="2700000" algn="tl">
+                  <a:srgbClr val="000000">
+                    <a:alpha val="43137"/>
+                  </a:srgbClr>
+                </a:outerShdw>
+              </a:effectLst>
+              <a:latin typeface="Sylfaen" panose="010A0502050306030303" pitchFamily="18" charset="0"/>
+            </a:endParaRPr>
+          </a:p>
+        </p:txBody>
+      </p:sp>
+    </p:spTree>
+    <p:extLst>
+      <p:ext uri="{BB962C8B-B14F-4D97-AF65-F5344CB8AC3E}">
+        <p14:creationId xmlns:p14="http://schemas.microsoft.com/office/powerpoint/2010/main" val="4101637697"/>
+      </p:ext>
+    </p:extLst>
+  </p:cSld>
+  <p:clrMapOvr>
+    <a:masterClrMapping/>
+  </p:clrMapOvr>
+</p:sld>
+</file>
+
+<file path=ppt/slides/slide17.xml><?xml version="1.0" encoding="utf-8"?>
+<p:sld xmlns:a="http://schemas.openxmlformats.org/drawingml/2006/main" xmlns:r="http://schemas.openxmlformats.org/officeDocument/2006/relationships" xmlns:p="http://schemas.openxmlformats.org/presentationml/2006/main">
+  <p:cSld>
+    <p:spTree>
+      <p:nvGrpSpPr>
+        <p:cNvPr id="1" name=""/>
+        <p:cNvGrpSpPr/>
+        <p:nvPr/>
+      </p:nvGrpSpPr>
+      <p:grpSpPr>
+        <a:xfrm>
+          <a:off x="0" y="0"/>
+          <a:ext cx="0" cy="0"/>
+          <a:chOff x="0" y="0"/>
+          <a:chExt cx="0" cy="0"/>
+        </a:xfrm>
+      </p:grpSpPr>
+      <p:sp>
+        <p:nvSpPr>
           <p:cNvPr id="2" name="Заголовок 1">
             <a:extLst>
               <a:ext uri="{FF2B5EF4-FFF2-40B4-BE49-F238E27FC236}">
@@ -6993,7 +7740,7 @@
 </p:sld>
 </file>
 
-<file path=ppt/slides/slide17.xml><?xml version="1.0" encoding="utf-8"?>
+<file path=ppt/slides/slide18.xml><?xml version="1.0" encoding="utf-8"?>
 <p:sld xmlns:a="http://schemas.openxmlformats.org/drawingml/2006/main" xmlns:r="http://schemas.openxmlformats.org/officeDocument/2006/relationships" xmlns:p="http://schemas.openxmlformats.org/presentationml/2006/main">
   <p:cSld>
     <p:spTree>
@@ -7239,7 +7986,7 @@
 </p:sld>
 </file>
 
-<file path=ppt/slides/slide18.xml><?xml version="1.0" encoding="utf-8"?>
+<file path=ppt/slides/slide19.xml><?xml version="1.0" encoding="utf-8"?>
 <p:sld xmlns:a="http://schemas.openxmlformats.org/drawingml/2006/main" xmlns:r="http://schemas.openxmlformats.org/officeDocument/2006/relationships" xmlns:p="http://schemas.openxmlformats.org/presentationml/2006/main">
   <p:cSld>
     <p:spTree>
@@ -7431,7 +8178,329 @@
 </p:sld>
 </file>
 
-<file path=ppt/slides/slide19.xml><?xml version="1.0" encoding="utf-8"?>
+<file path=ppt/slides/slide2.xml><?xml version="1.0" encoding="utf-8"?>
+<p:sld xmlns:a="http://schemas.openxmlformats.org/drawingml/2006/main" xmlns:r="http://schemas.openxmlformats.org/officeDocument/2006/relationships" xmlns:p="http://schemas.openxmlformats.org/presentationml/2006/main">
+  <p:cSld>
+    <p:spTree>
+      <p:nvGrpSpPr>
+        <p:cNvPr id="1" name=""/>
+        <p:cNvGrpSpPr/>
+        <p:nvPr/>
+      </p:nvGrpSpPr>
+      <p:grpSpPr>
+        <a:xfrm>
+          <a:off x="0" y="0"/>
+          <a:ext cx="0" cy="0"/>
+          <a:chOff x="0" y="0"/>
+          <a:chExt cx="0" cy="0"/>
+        </a:xfrm>
+      </p:grpSpPr>
+      <p:sp>
+        <p:nvSpPr>
+          <p:cNvPr id="4" name="Rectangle 1">
+            <a:extLst>
+              <a:ext uri="{FF2B5EF4-FFF2-40B4-BE49-F238E27FC236}">
+                <a16:creationId xmlns:a16="http://schemas.microsoft.com/office/drawing/2014/main" id="{F1AAB021-AEB5-414E-AF4B-825217D25FEF}"/>
+              </a:ext>
+            </a:extLst>
+          </p:cNvPr>
+          <p:cNvSpPr>
+            <a:spLocks noGrp="1" noChangeArrowheads="1"/>
+          </p:cNvSpPr>
+          <p:nvPr>
+            <p:ph type="title"/>
+          </p:nvPr>
+        </p:nvSpPr>
+        <p:spPr bwMode="auto">
+          <a:xfrm>
+            <a:off x="1064974" y="210070"/>
+            <a:ext cx="10062050" cy="769441"/>
+          </a:xfrm>
+          <a:prstGeom prst="rect">
+            <a:avLst/>
+          </a:prstGeom>
+          <a:noFill/>
+          <a:ln>
+            <a:noFill/>
+          </a:ln>
+          <a:effectLst/>
+          <a:extLst>
+            <a:ext uri="{909E8E84-426E-40DD-AFC4-6F175D3DCCD1}">
+              <a14:hiddenFill xmlns:a14="http://schemas.microsoft.com/office/drawing/2010/main">
+                <a:solidFill>
+                  <a:schemeClr val="accent1"/>
+                </a:solidFill>
+              </a14:hiddenFill>
+            </a:ext>
+            <a:ext uri="{91240B29-F687-4F45-9708-019B960494DF}">
+              <a14:hiddenLine xmlns:a14="http://schemas.microsoft.com/office/drawing/2010/main" w="9525">
+                <a:solidFill>
+                  <a:schemeClr val="tx1"/>
+                </a:solidFill>
+                <a:miter lim="800000"/>
+                <a:headEnd/>
+                <a:tailEnd/>
+              </a14:hiddenLine>
+            </a:ext>
+            <a:ext uri="{AF507438-7753-43E0-B8FC-AC1667EBCBE1}">
+              <a14:hiddenEffects xmlns:a14="http://schemas.microsoft.com/office/drawing/2010/main">
+                <a:effectLst>
+                  <a:outerShdw dist="35921" dir="2700000" algn="ctr" rotWithShape="0">
+                    <a:schemeClr val="bg2"/>
+                  </a:outerShdw>
+                </a:effectLst>
+              </a14:hiddenEffects>
+            </a:ext>
+          </a:extLst>
+        </p:spPr>
+        <p:txBody>
+          <a:bodyPr vert="horz" wrap="none" lIns="0" tIns="0" rIns="0" bIns="0" numCol="1" anchor="ctr" anchorCtr="0" compatLnSpc="1">
+            <a:prstTxWarp prst="textNoShape">
+              <a:avLst/>
+            </a:prstTxWarp>
+            <a:spAutoFit/>
+          </a:bodyPr>
+          <a:lstStyle>
+            <a:lvl1pPr eaLnBrk="0" fontAlgn="base" hangingPunct="0">
+              <a:spcBef>
+                <a:spcPct val="0"/>
+              </a:spcBef>
+              <a:spcAft>
+                <a:spcPct val="0"/>
+              </a:spcAft>
+              <a:defRPr>
+                <a:solidFill>
+                  <a:schemeClr val="tx1"/>
+                </a:solidFill>
+                <a:latin typeface="Arial" panose="020B0604020202020204" pitchFamily="34" charset="0"/>
+              </a:defRPr>
+            </a:lvl1pPr>
+            <a:lvl2pPr eaLnBrk="0" fontAlgn="base" hangingPunct="0">
+              <a:spcBef>
+                <a:spcPct val="0"/>
+              </a:spcBef>
+              <a:spcAft>
+                <a:spcPct val="0"/>
+              </a:spcAft>
+              <a:defRPr>
+                <a:solidFill>
+                  <a:schemeClr val="tx1"/>
+                </a:solidFill>
+                <a:latin typeface="Arial" panose="020B0604020202020204" pitchFamily="34" charset="0"/>
+              </a:defRPr>
+            </a:lvl2pPr>
+            <a:lvl3pPr eaLnBrk="0" fontAlgn="base" hangingPunct="0">
+              <a:spcBef>
+                <a:spcPct val="0"/>
+              </a:spcBef>
+              <a:spcAft>
+                <a:spcPct val="0"/>
+              </a:spcAft>
+              <a:defRPr>
+                <a:solidFill>
+                  <a:schemeClr val="tx1"/>
+                </a:solidFill>
+                <a:latin typeface="Arial" panose="020B0604020202020204" pitchFamily="34" charset="0"/>
+              </a:defRPr>
+            </a:lvl3pPr>
+            <a:lvl4pPr eaLnBrk="0" fontAlgn="base" hangingPunct="0">
+              <a:spcBef>
+                <a:spcPct val="0"/>
+              </a:spcBef>
+              <a:spcAft>
+                <a:spcPct val="0"/>
+              </a:spcAft>
+              <a:defRPr>
+                <a:solidFill>
+                  <a:schemeClr val="tx1"/>
+                </a:solidFill>
+                <a:latin typeface="Arial" panose="020B0604020202020204" pitchFamily="34" charset="0"/>
+              </a:defRPr>
+            </a:lvl4pPr>
+            <a:lvl5pPr eaLnBrk="0" fontAlgn="base" hangingPunct="0">
+              <a:spcBef>
+                <a:spcPct val="0"/>
+              </a:spcBef>
+              <a:spcAft>
+                <a:spcPct val="0"/>
+              </a:spcAft>
+              <a:defRPr>
+                <a:solidFill>
+                  <a:schemeClr val="tx1"/>
+                </a:solidFill>
+                <a:latin typeface="Arial" panose="020B0604020202020204" pitchFamily="34" charset="0"/>
+              </a:defRPr>
+            </a:lvl5pPr>
+            <a:lvl6pPr eaLnBrk="0" fontAlgn="base" hangingPunct="0">
+              <a:spcBef>
+                <a:spcPct val="0"/>
+              </a:spcBef>
+              <a:spcAft>
+                <a:spcPct val="0"/>
+              </a:spcAft>
+              <a:defRPr>
+                <a:solidFill>
+                  <a:schemeClr val="tx1"/>
+                </a:solidFill>
+                <a:latin typeface="Arial" panose="020B0604020202020204" pitchFamily="34" charset="0"/>
+              </a:defRPr>
+            </a:lvl6pPr>
+            <a:lvl7pPr eaLnBrk="0" fontAlgn="base" hangingPunct="0">
+              <a:spcBef>
+                <a:spcPct val="0"/>
+              </a:spcBef>
+              <a:spcAft>
+                <a:spcPct val="0"/>
+              </a:spcAft>
+              <a:defRPr>
+                <a:solidFill>
+                  <a:schemeClr val="tx1"/>
+                </a:solidFill>
+                <a:latin typeface="Arial" panose="020B0604020202020204" pitchFamily="34" charset="0"/>
+              </a:defRPr>
+            </a:lvl7pPr>
+            <a:lvl8pPr eaLnBrk="0" fontAlgn="base" hangingPunct="0">
+              <a:spcBef>
+                <a:spcPct val="0"/>
+              </a:spcBef>
+              <a:spcAft>
+                <a:spcPct val="0"/>
+              </a:spcAft>
+              <a:defRPr>
+                <a:solidFill>
+                  <a:schemeClr val="tx1"/>
+                </a:solidFill>
+                <a:latin typeface="Arial" panose="020B0604020202020204" pitchFamily="34" charset="0"/>
+              </a:defRPr>
+            </a:lvl8pPr>
+            <a:lvl9pPr eaLnBrk="0" fontAlgn="base" hangingPunct="0">
+              <a:spcBef>
+                <a:spcPct val="0"/>
+              </a:spcBef>
+              <a:spcAft>
+                <a:spcPct val="0"/>
+              </a:spcAft>
+              <a:defRPr>
+                <a:solidFill>
+                  <a:schemeClr val="tx1"/>
+                </a:solidFill>
+                <a:latin typeface="Arial" panose="020B0604020202020204" pitchFamily="34" charset="0"/>
+              </a:defRPr>
+            </a:lvl9pPr>
+          </a:lstStyle>
+          <a:p>
+            <a:pPr marL="0" marR="0" lvl="0" indent="0" algn="ctr" defTabSz="914400" rtl="0" eaLnBrk="0" fontAlgn="base" latinLnBrk="0" hangingPunct="0">
+              <a:lnSpc>
+                <a:spcPct val="100000"/>
+              </a:lnSpc>
+              <a:spcBef>
+                <a:spcPct val="0"/>
+              </a:spcBef>
+              <a:spcAft>
+                <a:spcPct val="0"/>
+              </a:spcAft>
+              <a:buClrTx/>
+              <a:buSzTx/>
+              <a:buFontTx/>
+              <a:buNone/>
+              <a:tabLst/>
+            </a:pPr>
+            <a:r>
+              <a:rPr lang="en-US" altLang="en-US" sz="5000" dirty="0">
+                <a:latin typeface="Sylfaen" panose="010A0502050306030303" pitchFamily="18" charset="0"/>
+              </a:rPr>
+              <a:t>Interaction between client and server</a:t>
+            </a:r>
+          </a:p>
+        </p:txBody>
+      </p:sp>
+      <p:pic>
+        <p:nvPicPr>
+          <p:cNvPr id="16" name="Content Placeholder 15">
+            <a:extLst>
+              <a:ext uri="{FF2B5EF4-FFF2-40B4-BE49-F238E27FC236}">
+                <a16:creationId xmlns:a16="http://schemas.microsoft.com/office/drawing/2014/main" id="{4934E1DF-B8F2-4FA7-877A-85F1DB524E2C}"/>
+              </a:ext>
+            </a:extLst>
+          </p:cNvPr>
+          <p:cNvPicPr>
+            <a:picLocks noGrp="1" noChangeAspect="1"/>
+          </p:cNvPicPr>
+          <p:nvPr>
+            <p:ph idx="1"/>
+          </p:nvPr>
+        </p:nvPicPr>
+        <p:blipFill>
+          <a:blip r:embed="rId2">
+            <a:extLst>
+              <a:ext uri="{28A0092B-C50C-407E-A947-70E740481C1C}">
+                <a14:useLocalDpi xmlns:a14="http://schemas.microsoft.com/office/drawing/2010/main" val="0"/>
+              </a:ext>
+            </a:extLst>
+          </a:blip>
+          <a:stretch>
+            <a:fillRect/>
+          </a:stretch>
+        </p:blipFill>
+        <p:spPr>
+          <a:xfrm>
+            <a:off x="1410635" y="1666680"/>
+            <a:ext cx="9370729" cy="4376587"/>
+          </a:xfrm>
+        </p:spPr>
+      </p:pic>
+      <p:cxnSp>
+        <p:nvCxnSpPr>
+          <p:cNvPr id="17" name="Straight Connector 16">
+            <a:extLst>
+              <a:ext uri="{FF2B5EF4-FFF2-40B4-BE49-F238E27FC236}">
+                <a16:creationId xmlns:a16="http://schemas.microsoft.com/office/drawing/2014/main" id="{C14BC257-C9D1-4D66-9A7A-2B6E0C4A35AC}"/>
+              </a:ext>
+            </a:extLst>
+          </p:cNvPr>
+          <p:cNvCxnSpPr>
+            <a:cxnSpLocks/>
+          </p:cNvCxnSpPr>
+          <p:nvPr/>
+        </p:nvCxnSpPr>
+        <p:spPr>
+          <a:xfrm>
+            <a:off x="569234" y="1052576"/>
+            <a:ext cx="11053530" cy="0"/>
+          </a:xfrm>
+          <a:prstGeom prst="line">
+            <a:avLst/>
+          </a:prstGeom>
+        </p:spPr>
+        <p:style>
+          <a:lnRef idx="3">
+            <a:schemeClr val="accent1"/>
+          </a:lnRef>
+          <a:fillRef idx="0">
+            <a:schemeClr val="accent1"/>
+          </a:fillRef>
+          <a:effectRef idx="2">
+            <a:schemeClr val="accent1"/>
+          </a:effectRef>
+          <a:fontRef idx="minor">
+            <a:schemeClr val="tx1"/>
+          </a:fontRef>
+        </p:style>
+      </p:cxnSp>
+    </p:spTree>
+    <p:extLst>
+      <p:ext uri="{BB962C8B-B14F-4D97-AF65-F5344CB8AC3E}">
+        <p14:creationId xmlns:p14="http://schemas.microsoft.com/office/powerpoint/2010/main" val="1123805365"/>
+      </p:ext>
+    </p:extLst>
+  </p:cSld>
+  <p:clrMapOvr>
+    <a:masterClrMapping/>
+  </p:clrMapOvr>
+</p:sld>
+</file>
+
+<file path=ppt/slides/slide20.xml><?xml version="1.0" encoding="utf-8"?>
 <p:sld xmlns:a="http://schemas.openxmlformats.org/drawingml/2006/main" xmlns:r="http://schemas.openxmlformats.org/officeDocument/2006/relationships" xmlns:p="http://schemas.openxmlformats.org/presentationml/2006/main">
   <p:cSld>
     <p:spTree>
@@ -8416,329 +9485,7 @@
 </p:sld>
 </file>
 
-<file path=ppt/slides/slide2.xml><?xml version="1.0" encoding="utf-8"?>
-<p:sld xmlns:a="http://schemas.openxmlformats.org/drawingml/2006/main" xmlns:r="http://schemas.openxmlformats.org/officeDocument/2006/relationships" xmlns:p="http://schemas.openxmlformats.org/presentationml/2006/main">
-  <p:cSld>
-    <p:spTree>
-      <p:nvGrpSpPr>
-        <p:cNvPr id="1" name=""/>
-        <p:cNvGrpSpPr/>
-        <p:nvPr/>
-      </p:nvGrpSpPr>
-      <p:grpSpPr>
-        <a:xfrm>
-          <a:off x="0" y="0"/>
-          <a:ext cx="0" cy="0"/>
-          <a:chOff x="0" y="0"/>
-          <a:chExt cx="0" cy="0"/>
-        </a:xfrm>
-      </p:grpSpPr>
-      <p:sp>
-        <p:nvSpPr>
-          <p:cNvPr id="4" name="Rectangle 1">
-            <a:extLst>
-              <a:ext uri="{FF2B5EF4-FFF2-40B4-BE49-F238E27FC236}">
-                <a16:creationId xmlns:a16="http://schemas.microsoft.com/office/drawing/2014/main" id="{F1AAB021-AEB5-414E-AF4B-825217D25FEF}"/>
-              </a:ext>
-            </a:extLst>
-          </p:cNvPr>
-          <p:cNvSpPr>
-            <a:spLocks noGrp="1" noChangeArrowheads="1"/>
-          </p:cNvSpPr>
-          <p:nvPr>
-            <p:ph type="title"/>
-          </p:nvPr>
-        </p:nvSpPr>
-        <p:spPr bwMode="auto">
-          <a:xfrm>
-            <a:off x="1064974" y="210070"/>
-            <a:ext cx="10062050" cy="769441"/>
-          </a:xfrm>
-          <a:prstGeom prst="rect">
-            <a:avLst/>
-          </a:prstGeom>
-          <a:noFill/>
-          <a:ln>
-            <a:noFill/>
-          </a:ln>
-          <a:effectLst/>
-          <a:extLst>
-            <a:ext uri="{909E8E84-426E-40DD-AFC4-6F175D3DCCD1}">
-              <a14:hiddenFill xmlns:a14="http://schemas.microsoft.com/office/drawing/2010/main">
-                <a:solidFill>
-                  <a:schemeClr val="accent1"/>
-                </a:solidFill>
-              </a14:hiddenFill>
-            </a:ext>
-            <a:ext uri="{91240B29-F687-4F45-9708-019B960494DF}">
-              <a14:hiddenLine xmlns:a14="http://schemas.microsoft.com/office/drawing/2010/main" w="9525">
-                <a:solidFill>
-                  <a:schemeClr val="tx1"/>
-                </a:solidFill>
-                <a:miter lim="800000"/>
-                <a:headEnd/>
-                <a:tailEnd/>
-              </a14:hiddenLine>
-            </a:ext>
-            <a:ext uri="{AF507438-7753-43E0-B8FC-AC1667EBCBE1}">
-              <a14:hiddenEffects xmlns:a14="http://schemas.microsoft.com/office/drawing/2010/main">
-                <a:effectLst>
-                  <a:outerShdw dist="35921" dir="2700000" algn="ctr" rotWithShape="0">
-                    <a:schemeClr val="bg2"/>
-                  </a:outerShdw>
-                </a:effectLst>
-              </a14:hiddenEffects>
-            </a:ext>
-          </a:extLst>
-        </p:spPr>
-        <p:txBody>
-          <a:bodyPr vert="horz" wrap="none" lIns="0" tIns="0" rIns="0" bIns="0" numCol="1" anchor="ctr" anchorCtr="0" compatLnSpc="1">
-            <a:prstTxWarp prst="textNoShape">
-              <a:avLst/>
-            </a:prstTxWarp>
-            <a:spAutoFit/>
-          </a:bodyPr>
-          <a:lstStyle>
-            <a:lvl1pPr eaLnBrk="0" fontAlgn="base" hangingPunct="0">
-              <a:spcBef>
-                <a:spcPct val="0"/>
-              </a:spcBef>
-              <a:spcAft>
-                <a:spcPct val="0"/>
-              </a:spcAft>
-              <a:defRPr>
-                <a:solidFill>
-                  <a:schemeClr val="tx1"/>
-                </a:solidFill>
-                <a:latin typeface="Arial" panose="020B0604020202020204" pitchFamily="34" charset="0"/>
-              </a:defRPr>
-            </a:lvl1pPr>
-            <a:lvl2pPr eaLnBrk="0" fontAlgn="base" hangingPunct="0">
-              <a:spcBef>
-                <a:spcPct val="0"/>
-              </a:spcBef>
-              <a:spcAft>
-                <a:spcPct val="0"/>
-              </a:spcAft>
-              <a:defRPr>
-                <a:solidFill>
-                  <a:schemeClr val="tx1"/>
-                </a:solidFill>
-                <a:latin typeface="Arial" panose="020B0604020202020204" pitchFamily="34" charset="0"/>
-              </a:defRPr>
-            </a:lvl2pPr>
-            <a:lvl3pPr eaLnBrk="0" fontAlgn="base" hangingPunct="0">
-              <a:spcBef>
-                <a:spcPct val="0"/>
-              </a:spcBef>
-              <a:spcAft>
-                <a:spcPct val="0"/>
-              </a:spcAft>
-              <a:defRPr>
-                <a:solidFill>
-                  <a:schemeClr val="tx1"/>
-                </a:solidFill>
-                <a:latin typeface="Arial" panose="020B0604020202020204" pitchFamily="34" charset="0"/>
-              </a:defRPr>
-            </a:lvl3pPr>
-            <a:lvl4pPr eaLnBrk="0" fontAlgn="base" hangingPunct="0">
-              <a:spcBef>
-                <a:spcPct val="0"/>
-              </a:spcBef>
-              <a:spcAft>
-                <a:spcPct val="0"/>
-              </a:spcAft>
-              <a:defRPr>
-                <a:solidFill>
-                  <a:schemeClr val="tx1"/>
-                </a:solidFill>
-                <a:latin typeface="Arial" panose="020B0604020202020204" pitchFamily="34" charset="0"/>
-              </a:defRPr>
-            </a:lvl4pPr>
-            <a:lvl5pPr eaLnBrk="0" fontAlgn="base" hangingPunct="0">
-              <a:spcBef>
-                <a:spcPct val="0"/>
-              </a:spcBef>
-              <a:spcAft>
-                <a:spcPct val="0"/>
-              </a:spcAft>
-              <a:defRPr>
-                <a:solidFill>
-                  <a:schemeClr val="tx1"/>
-                </a:solidFill>
-                <a:latin typeface="Arial" panose="020B0604020202020204" pitchFamily="34" charset="0"/>
-              </a:defRPr>
-            </a:lvl5pPr>
-            <a:lvl6pPr eaLnBrk="0" fontAlgn="base" hangingPunct="0">
-              <a:spcBef>
-                <a:spcPct val="0"/>
-              </a:spcBef>
-              <a:spcAft>
-                <a:spcPct val="0"/>
-              </a:spcAft>
-              <a:defRPr>
-                <a:solidFill>
-                  <a:schemeClr val="tx1"/>
-                </a:solidFill>
-                <a:latin typeface="Arial" panose="020B0604020202020204" pitchFamily="34" charset="0"/>
-              </a:defRPr>
-            </a:lvl6pPr>
-            <a:lvl7pPr eaLnBrk="0" fontAlgn="base" hangingPunct="0">
-              <a:spcBef>
-                <a:spcPct val="0"/>
-              </a:spcBef>
-              <a:spcAft>
-                <a:spcPct val="0"/>
-              </a:spcAft>
-              <a:defRPr>
-                <a:solidFill>
-                  <a:schemeClr val="tx1"/>
-                </a:solidFill>
-                <a:latin typeface="Arial" panose="020B0604020202020204" pitchFamily="34" charset="0"/>
-              </a:defRPr>
-            </a:lvl7pPr>
-            <a:lvl8pPr eaLnBrk="0" fontAlgn="base" hangingPunct="0">
-              <a:spcBef>
-                <a:spcPct val="0"/>
-              </a:spcBef>
-              <a:spcAft>
-                <a:spcPct val="0"/>
-              </a:spcAft>
-              <a:defRPr>
-                <a:solidFill>
-                  <a:schemeClr val="tx1"/>
-                </a:solidFill>
-                <a:latin typeface="Arial" panose="020B0604020202020204" pitchFamily="34" charset="0"/>
-              </a:defRPr>
-            </a:lvl8pPr>
-            <a:lvl9pPr eaLnBrk="0" fontAlgn="base" hangingPunct="0">
-              <a:spcBef>
-                <a:spcPct val="0"/>
-              </a:spcBef>
-              <a:spcAft>
-                <a:spcPct val="0"/>
-              </a:spcAft>
-              <a:defRPr>
-                <a:solidFill>
-                  <a:schemeClr val="tx1"/>
-                </a:solidFill>
-                <a:latin typeface="Arial" panose="020B0604020202020204" pitchFamily="34" charset="0"/>
-              </a:defRPr>
-            </a:lvl9pPr>
-          </a:lstStyle>
-          <a:p>
-            <a:pPr marL="0" marR="0" lvl="0" indent="0" algn="ctr" defTabSz="914400" rtl="0" eaLnBrk="0" fontAlgn="base" latinLnBrk="0" hangingPunct="0">
-              <a:lnSpc>
-                <a:spcPct val="100000"/>
-              </a:lnSpc>
-              <a:spcBef>
-                <a:spcPct val="0"/>
-              </a:spcBef>
-              <a:spcAft>
-                <a:spcPct val="0"/>
-              </a:spcAft>
-              <a:buClrTx/>
-              <a:buSzTx/>
-              <a:buFontTx/>
-              <a:buNone/>
-              <a:tabLst/>
-            </a:pPr>
-            <a:r>
-              <a:rPr lang="en-US" altLang="en-US" sz="5000" dirty="0">
-                <a:latin typeface="Sylfaen" panose="010A0502050306030303" pitchFamily="18" charset="0"/>
-              </a:rPr>
-              <a:t>Interaction between client and server</a:t>
-            </a:r>
-          </a:p>
-        </p:txBody>
-      </p:sp>
-      <p:pic>
-        <p:nvPicPr>
-          <p:cNvPr id="16" name="Content Placeholder 15">
-            <a:extLst>
-              <a:ext uri="{FF2B5EF4-FFF2-40B4-BE49-F238E27FC236}">
-                <a16:creationId xmlns:a16="http://schemas.microsoft.com/office/drawing/2014/main" id="{4934E1DF-B8F2-4FA7-877A-85F1DB524E2C}"/>
-              </a:ext>
-            </a:extLst>
-          </p:cNvPr>
-          <p:cNvPicPr>
-            <a:picLocks noGrp="1" noChangeAspect="1"/>
-          </p:cNvPicPr>
-          <p:nvPr>
-            <p:ph idx="1"/>
-          </p:nvPr>
-        </p:nvPicPr>
-        <p:blipFill>
-          <a:blip r:embed="rId2">
-            <a:extLst>
-              <a:ext uri="{28A0092B-C50C-407E-A947-70E740481C1C}">
-                <a14:useLocalDpi xmlns:a14="http://schemas.microsoft.com/office/drawing/2010/main" val="0"/>
-              </a:ext>
-            </a:extLst>
-          </a:blip>
-          <a:stretch>
-            <a:fillRect/>
-          </a:stretch>
-        </p:blipFill>
-        <p:spPr>
-          <a:xfrm>
-            <a:off x="1410635" y="1666680"/>
-            <a:ext cx="9370729" cy="4376587"/>
-          </a:xfrm>
-        </p:spPr>
-      </p:pic>
-      <p:cxnSp>
-        <p:nvCxnSpPr>
-          <p:cNvPr id="17" name="Straight Connector 16">
-            <a:extLst>
-              <a:ext uri="{FF2B5EF4-FFF2-40B4-BE49-F238E27FC236}">
-                <a16:creationId xmlns:a16="http://schemas.microsoft.com/office/drawing/2014/main" id="{C14BC257-C9D1-4D66-9A7A-2B6E0C4A35AC}"/>
-              </a:ext>
-            </a:extLst>
-          </p:cNvPr>
-          <p:cNvCxnSpPr>
-            <a:cxnSpLocks/>
-          </p:cNvCxnSpPr>
-          <p:nvPr/>
-        </p:nvCxnSpPr>
-        <p:spPr>
-          <a:xfrm>
-            <a:off x="569234" y="1052576"/>
-            <a:ext cx="11053530" cy="0"/>
-          </a:xfrm>
-          <a:prstGeom prst="line">
-            <a:avLst/>
-          </a:prstGeom>
-        </p:spPr>
-        <p:style>
-          <a:lnRef idx="3">
-            <a:schemeClr val="accent1"/>
-          </a:lnRef>
-          <a:fillRef idx="0">
-            <a:schemeClr val="accent1"/>
-          </a:fillRef>
-          <a:effectRef idx="2">
-            <a:schemeClr val="accent1"/>
-          </a:effectRef>
-          <a:fontRef idx="minor">
-            <a:schemeClr val="tx1"/>
-          </a:fontRef>
-        </p:style>
-      </p:cxnSp>
-    </p:spTree>
-    <p:extLst>
-      <p:ext uri="{BB962C8B-B14F-4D97-AF65-F5344CB8AC3E}">
-        <p14:creationId xmlns:p14="http://schemas.microsoft.com/office/powerpoint/2010/main" val="1123805365"/>
-      </p:ext>
-    </p:extLst>
-  </p:cSld>
-  <p:clrMapOvr>
-    <a:masterClrMapping/>
-  </p:clrMapOvr>
-</p:sld>
-</file>
-
-<file path=ppt/slides/slide20.xml><?xml version="1.0" encoding="utf-8"?>
+<file path=ppt/slides/slide21.xml><?xml version="1.0" encoding="utf-8"?>
 <p:sld xmlns:a="http://schemas.openxmlformats.org/drawingml/2006/main" xmlns:r="http://schemas.openxmlformats.org/officeDocument/2006/relationships" xmlns:p="http://schemas.openxmlformats.org/presentationml/2006/main">
   <p:cSld>
     <p:spTree>
@@ -9830,7 +10577,7 @@
 </p:sld>
 </file>
 
-<file path=ppt/slides/slide21.xml><?xml version="1.0" encoding="utf-8"?>
+<file path=ppt/slides/slide22.xml><?xml version="1.0" encoding="utf-8"?>
 <p:sld xmlns:a="http://schemas.openxmlformats.org/drawingml/2006/main" xmlns:r="http://schemas.openxmlformats.org/officeDocument/2006/relationships" xmlns:p="http://schemas.openxmlformats.org/presentationml/2006/main">
   <p:cSld>
     <p:spTree>
@@ -9970,7 +10717,7 @@
 </p:sld>
 </file>
 
-<file path=ppt/slides/slide22.xml><?xml version="1.0" encoding="utf-8"?>
+<file path=ppt/slides/slide23.xml><?xml version="1.0" encoding="utf-8"?>
 <p:sld xmlns:a="http://schemas.openxmlformats.org/drawingml/2006/main" xmlns:r="http://schemas.openxmlformats.org/officeDocument/2006/relationships" xmlns:p="http://schemas.openxmlformats.org/presentationml/2006/main">
   <p:cSld>
     <p:spTree>
@@ -10794,7 +11541,7 @@
 </p:sld>
 </file>
 
-<file path=ppt/slides/slide23.xml><?xml version="1.0" encoding="utf-8"?>
+<file path=ppt/slides/slide24.xml><?xml version="1.0" encoding="utf-8"?>
 <p:sld xmlns:a="http://schemas.openxmlformats.org/drawingml/2006/main" xmlns:r="http://schemas.openxmlformats.org/officeDocument/2006/relationships" xmlns:p="http://schemas.openxmlformats.org/presentationml/2006/main">
   <p:cSld>
     <p:spTree>
@@ -11770,7 +12517,7 @@
 </p:sld>
 </file>
 
-<file path=ppt/slides/slide24.xml><?xml version="1.0" encoding="utf-8"?>
+<file path=ppt/slides/slide25.xml><?xml version="1.0" encoding="utf-8"?>
 <p:sld xmlns:a="http://schemas.openxmlformats.org/drawingml/2006/main" xmlns:r="http://schemas.openxmlformats.org/officeDocument/2006/relationships" xmlns:p="http://schemas.openxmlformats.org/presentationml/2006/main">
   <p:cSld>
     <p:bg>
@@ -12288,7 +13035,7 @@
 </p:sld>
 </file>
 
-<file path=ppt/slides/slide25.xml><?xml version="1.0" encoding="utf-8"?>
+<file path=ppt/slides/slide26.xml><?xml version="1.0" encoding="utf-8"?>
 <p:sld xmlns:a="http://schemas.openxmlformats.org/drawingml/2006/main" xmlns:r="http://schemas.openxmlformats.org/officeDocument/2006/relationships" xmlns:p="http://schemas.openxmlformats.org/presentationml/2006/main">
   <p:cSld>
     <p:spTree>
@@ -13332,7 +14079,7 @@
 </p:sld>
 </file>
 
-<file path=ppt/slides/slide26.xml><?xml version="1.0" encoding="utf-8"?>
+<file path=ppt/slides/slide27.xml><?xml version="1.0" encoding="utf-8"?>
 <p:sld xmlns:a="http://schemas.openxmlformats.org/drawingml/2006/main" xmlns:r="http://schemas.openxmlformats.org/officeDocument/2006/relationships" xmlns:p="http://schemas.openxmlformats.org/presentationml/2006/main">
   <p:cSld>
     <p:spTree>

--- a/Servlet/Servlet_Presentation.pptx
+++ b/Servlet/Servlet_Presentation.pptx
@@ -223,7 +223,7 @@
           <a:p>
             <a:fld id="{F988C94B-7918-458B-9AF1-0DBDD7FC850F}" type="datetimeFigureOut">
               <a:rPr lang="en-US" smtClean="0"/>
-              <a:t>2022-08-01</a:t>
+              <a:t>8/10/2022</a:t>
             </a:fld>
             <a:endParaRPr lang="en-US"/>
           </a:p>
@@ -705,7 +705,7 @@
           <a:p>
             <a:fld id="{0A968979-5CB5-4E5D-B82F-DAC09775BD7D}" type="datetimeFigureOut">
               <a:rPr lang="en-US" smtClean="0"/>
-              <a:t>2022-08-01</a:t>
+              <a:t>8/10/2022</a:t>
             </a:fld>
             <a:endParaRPr lang="en-US"/>
           </a:p>
@@ -875,7 +875,7 @@
           <a:p>
             <a:fld id="{0A968979-5CB5-4E5D-B82F-DAC09775BD7D}" type="datetimeFigureOut">
               <a:rPr lang="en-US" smtClean="0"/>
-              <a:t>2022-08-01</a:t>
+              <a:t>8/10/2022</a:t>
             </a:fld>
             <a:endParaRPr lang="en-US"/>
           </a:p>
@@ -1055,7 +1055,7 @@
           <a:p>
             <a:fld id="{0A968979-5CB5-4E5D-B82F-DAC09775BD7D}" type="datetimeFigureOut">
               <a:rPr lang="en-US" smtClean="0"/>
-              <a:t>2022-08-01</a:t>
+              <a:t>8/10/2022</a:t>
             </a:fld>
             <a:endParaRPr lang="en-US"/>
           </a:p>
@@ -1225,7 +1225,7 @@
           <a:p>
             <a:fld id="{0A968979-5CB5-4E5D-B82F-DAC09775BD7D}" type="datetimeFigureOut">
               <a:rPr lang="en-US" smtClean="0"/>
-              <a:t>2022-08-01</a:t>
+              <a:t>8/10/2022</a:t>
             </a:fld>
             <a:endParaRPr lang="en-US"/>
           </a:p>
@@ -1471,7 +1471,7 @@
           <a:p>
             <a:fld id="{0A968979-5CB5-4E5D-B82F-DAC09775BD7D}" type="datetimeFigureOut">
               <a:rPr lang="en-US" smtClean="0"/>
-              <a:t>2022-08-01</a:t>
+              <a:t>8/10/2022</a:t>
             </a:fld>
             <a:endParaRPr lang="en-US"/>
           </a:p>
@@ -1703,7 +1703,7 @@
           <a:p>
             <a:fld id="{0A968979-5CB5-4E5D-B82F-DAC09775BD7D}" type="datetimeFigureOut">
               <a:rPr lang="en-US" smtClean="0"/>
-              <a:t>2022-08-01</a:t>
+              <a:t>8/10/2022</a:t>
             </a:fld>
             <a:endParaRPr lang="en-US"/>
           </a:p>
@@ -2070,7 +2070,7 @@
           <a:p>
             <a:fld id="{0A968979-5CB5-4E5D-B82F-DAC09775BD7D}" type="datetimeFigureOut">
               <a:rPr lang="en-US" smtClean="0"/>
-              <a:t>2022-08-01</a:t>
+              <a:t>8/10/2022</a:t>
             </a:fld>
             <a:endParaRPr lang="en-US"/>
           </a:p>
@@ -2188,7 +2188,7 @@
           <a:p>
             <a:fld id="{0A968979-5CB5-4E5D-B82F-DAC09775BD7D}" type="datetimeFigureOut">
               <a:rPr lang="en-US" smtClean="0"/>
-              <a:t>2022-08-01</a:t>
+              <a:t>8/10/2022</a:t>
             </a:fld>
             <a:endParaRPr lang="en-US"/>
           </a:p>
@@ -2283,7 +2283,7 @@
           <a:p>
             <a:fld id="{0A968979-5CB5-4E5D-B82F-DAC09775BD7D}" type="datetimeFigureOut">
               <a:rPr lang="en-US" smtClean="0"/>
-              <a:t>2022-08-01</a:t>
+              <a:t>8/10/2022</a:t>
             </a:fld>
             <a:endParaRPr lang="en-US"/>
           </a:p>
@@ -2560,7 +2560,7 @@
           <a:p>
             <a:fld id="{0A968979-5CB5-4E5D-B82F-DAC09775BD7D}" type="datetimeFigureOut">
               <a:rPr lang="en-US" smtClean="0"/>
-              <a:t>2022-08-01</a:t>
+              <a:t>8/10/2022</a:t>
             </a:fld>
             <a:endParaRPr lang="en-US"/>
           </a:p>
@@ -2817,7 +2817,7 @@
           <a:p>
             <a:fld id="{0A968979-5CB5-4E5D-B82F-DAC09775BD7D}" type="datetimeFigureOut">
               <a:rPr lang="en-US" smtClean="0"/>
-              <a:t>2022-08-01</a:t>
+              <a:t>8/10/2022</a:t>
             </a:fld>
             <a:endParaRPr lang="en-US"/>
           </a:p>
@@ -3030,7 +3030,7 @@
           <a:p>
             <a:fld id="{0A968979-5CB5-4E5D-B82F-DAC09775BD7D}" type="datetimeFigureOut">
               <a:rPr lang="en-US" smtClean="0"/>
-              <a:t>2022-08-01</a:t>
+              <a:t>8/10/2022</a:t>
             </a:fld>
             <a:endParaRPr lang="en-US"/>
           </a:p>
@@ -17710,8 +17710,8 @@
         </p:nvSpPr>
         <p:spPr>
           <a:xfrm>
-            <a:off x="393700" y="180180"/>
-            <a:ext cx="10960100" cy="1325563"/>
+            <a:off x="191910" y="61889"/>
+            <a:ext cx="11808177" cy="1325563"/>
           </a:xfrm>
         </p:spPr>
         <p:txBody>
@@ -17722,34 +17722,10 @@
           <a:p>
             <a:pPr algn="ctr"/>
             <a:r>
-              <a:rPr lang="en-US" altLang="en-US" sz="4400" dirty="0">
-                <a:latin typeface="Sylfaen" panose="010A0502050306030303" pitchFamily="18" charset="0"/>
-              </a:rPr>
-              <a:t>How</a:t>
-            </a:r>
-            <a:r>
-              <a:rPr lang="ru-RU" altLang="en-US" sz="4400" dirty="0">
-                <a:latin typeface="Sylfaen" panose="010A0502050306030303" pitchFamily="18" charset="0"/>
-              </a:rPr>
-              <a:t> </a:t>
-            </a:r>
-            <a:r>
-              <a:rPr lang="en-US" altLang="en-US" sz="4400" dirty="0">
-                <a:latin typeface="Sylfaen" panose="010A0502050306030303" pitchFamily="18" charset="0"/>
-              </a:rPr>
-              <a:t>the container finds the required servlet</a:t>
-            </a:r>
-            <a:r>
-              <a:rPr lang="ru-RU" altLang="en-US" sz="4400" dirty="0">
-                <a:latin typeface="Sylfaen" panose="010A0502050306030303" pitchFamily="18" charset="0"/>
-              </a:rPr>
-              <a:t>, </a:t>
-            </a:r>
-            <a:r>
-              <a:rPr lang="en-US" altLang="en-US" sz="4400" dirty="0">
-                <a:latin typeface="Sylfaen" panose="010A0502050306030303" pitchFamily="18" charset="0"/>
-              </a:rPr>
-              <a:t>mapping</a:t>
+              <a:rPr lang="en-US" dirty="0">
+                <a:latin typeface="Sylfaen" panose="010A0502050306030303" pitchFamily="18" charset="0"/>
+              </a:rPr>
+              <a:t>Configuration with web.xml file</a:t>
             </a:r>
             <a:endParaRPr lang="en-US" dirty="0"/>
           </a:p>
@@ -17773,8 +17749,8 @@
         </p:nvSpPr>
         <p:spPr>
           <a:xfrm>
-            <a:off x="1663700" y="1825625"/>
-            <a:ext cx="9690100" cy="4351338"/>
+            <a:off x="1294692" y="1848202"/>
+            <a:ext cx="3190522" cy="4351338"/>
           </a:xfrm>
         </p:spPr>
         <p:txBody>
@@ -17795,11 +17771,130 @@
                 </a:effectLst>
                 <a:latin typeface="Sylfaen" panose="010A0502050306030303" pitchFamily="18" charset="0"/>
               </a:rPr>
-              <a:t>Application configuration with web.xml file</a:t>
-            </a:r>
+              <a:t>Servlet mapping</a:t>
+            </a:r>
+          </a:p>
+          <a:p>
+            <a:pPr marL="0" indent="0">
+              <a:buNone/>
+            </a:pPr>
+            <a:endParaRPr lang="en-US" b="1" dirty="0">
+              <a:effectLst>
+                <a:outerShdw blurRad="38100" dist="38100" dir="2700000" algn="tl">
+                  <a:srgbClr val="000000">
+                    <a:alpha val="43137"/>
+                  </a:srgbClr>
+                </a:outerShdw>
+              </a:effectLst>
+              <a:latin typeface="Sylfaen" panose="010A0502050306030303" pitchFamily="18" charset="0"/>
+            </a:endParaRPr>
+          </a:p>
+          <a:p>
+            <a:pPr marL="0" indent="0">
+              <a:buNone/>
+            </a:pPr>
+            <a:r>
+              <a:rPr lang="en-US" b="1" dirty="0">
+                <a:effectLst>
+                  <a:outerShdw blurRad="38100" dist="38100" dir="2700000" algn="tl">
+                    <a:srgbClr val="000000">
+                      <a:alpha val="43137"/>
+                    </a:srgbClr>
+                  </a:outerShdw>
+                </a:effectLst>
+                <a:latin typeface="Sylfaen" panose="010A0502050306030303" pitchFamily="18" charset="0"/>
+              </a:rPr>
+              <a:t>Error handling</a:t>
+            </a:r>
+          </a:p>
+          <a:p>
+            <a:pPr marL="0" indent="0">
+              <a:buNone/>
+            </a:pPr>
+            <a:endParaRPr lang="en-US" b="1" dirty="0">
+              <a:effectLst>
+                <a:outerShdw blurRad="38100" dist="38100" dir="2700000" algn="tl">
+                  <a:srgbClr val="000000">
+                    <a:alpha val="43137"/>
+                  </a:srgbClr>
+                </a:outerShdw>
+              </a:effectLst>
+              <a:latin typeface="Sylfaen" panose="010A0502050306030303" pitchFamily="18" charset="0"/>
+            </a:endParaRPr>
+          </a:p>
+          <a:p>
+            <a:pPr marL="0" indent="0">
+              <a:buNone/>
+            </a:pPr>
+            <a:r>
+              <a:rPr lang="en-US" b="1" dirty="0">
+                <a:effectLst>
+                  <a:outerShdw blurRad="38100" dist="38100" dir="2700000" algn="tl">
+                    <a:srgbClr val="000000">
+                      <a:alpha val="43137"/>
+                    </a:srgbClr>
+                  </a:outerShdw>
+                </a:effectLst>
+                <a:latin typeface="Sylfaen" panose="010A0502050306030303" pitchFamily="18" charset="0"/>
+              </a:rPr>
+              <a:t>Exception handling</a:t>
+            </a:r>
+          </a:p>
+          <a:p>
+            <a:pPr marL="0" indent="0">
+              <a:buNone/>
+            </a:pPr>
+            <a:endParaRPr lang="en-US" b="1" dirty="0">
+              <a:effectLst>
+                <a:outerShdw blurRad="38100" dist="38100" dir="2700000" algn="tl">
+                  <a:srgbClr val="000000">
+                    <a:alpha val="43137"/>
+                  </a:srgbClr>
+                </a:outerShdw>
+              </a:effectLst>
+              <a:latin typeface="Sylfaen" panose="010A0502050306030303" pitchFamily="18" charset="0"/>
+            </a:endParaRPr>
           </a:p>
         </p:txBody>
       </p:sp>
+      <p:cxnSp>
+        <p:nvCxnSpPr>
+          <p:cNvPr id="4" name="Straight Connector 14">
+            <a:extLst>
+              <a:ext uri="{FF2B5EF4-FFF2-40B4-BE49-F238E27FC236}">
+                <a16:creationId xmlns:a16="http://schemas.microsoft.com/office/drawing/2014/main" id="{388EA137-6330-4A80-96C4-346766F24EC0}"/>
+              </a:ext>
+            </a:extLst>
+          </p:cNvPr>
+          <p:cNvCxnSpPr>
+            <a:cxnSpLocks/>
+          </p:cNvCxnSpPr>
+          <p:nvPr/>
+        </p:nvCxnSpPr>
+        <p:spPr>
+          <a:xfrm>
+            <a:off x="569233" y="1379679"/>
+            <a:ext cx="11053530" cy="0"/>
+          </a:xfrm>
+          <a:prstGeom prst="line">
+            <a:avLst/>
+          </a:prstGeom>
+        </p:spPr>
+        <p:style>
+          <a:lnRef idx="3">
+            <a:schemeClr val="accent1"/>
+          </a:lnRef>
+          <a:fillRef idx="0">
+            <a:schemeClr val="accent1"/>
+          </a:fillRef>
+          <a:effectRef idx="2">
+            <a:schemeClr val="accent1"/>
+          </a:effectRef>
+          <a:fontRef idx="minor">
+            <a:schemeClr val="tx1"/>
+          </a:fontRef>
+        </p:style>
+      </p:cxnSp>
     </p:spTree>
     <p:extLst>
       <p:ext uri="{BB962C8B-B14F-4D97-AF65-F5344CB8AC3E}">

--- a/Servlet/Servlet_Presentation.pptx
+++ b/Servlet/Servlet_Presentation.pptx
@@ -23,8 +23,8 @@
     <p:sldId id="270" r:id="rId14"/>
     <p:sldId id="271" r:id="rId15"/>
     <p:sldId id="266" r:id="rId16"/>
-    <p:sldId id="283" r:id="rId17"/>
-    <p:sldId id="272" r:id="rId18"/>
+    <p:sldId id="272" r:id="rId17"/>
+    <p:sldId id="283" r:id="rId18"/>
     <p:sldId id="273" r:id="rId19"/>
     <p:sldId id="275" r:id="rId20"/>
     <p:sldId id="274" r:id="rId21"/>
@@ -223,7 +223,7 @@
           <a:p>
             <a:fld id="{F988C94B-7918-458B-9AF1-0DBDD7FC850F}" type="datetimeFigureOut">
               <a:rPr lang="en-US" smtClean="0"/>
-              <a:t>8/10/2022</a:t>
+              <a:t>2022-08-10</a:t>
             </a:fld>
             <a:endParaRPr lang="en-US"/>
           </a:p>
@@ -705,7 +705,7 @@
           <a:p>
             <a:fld id="{0A968979-5CB5-4E5D-B82F-DAC09775BD7D}" type="datetimeFigureOut">
               <a:rPr lang="en-US" smtClean="0"/>
-              <a:t>8/10/2022</a:t>
+              <a:t>2022-08-10</a:t>
             </a:fld>
             <a:endParaRPr lang="en-US"/>
           </a:p>
@@ -875,7 +875,7 @@
           <a:p>
             <a:fld id="{0A968979-5CB5-4E5D-B82F-DAC09775BD7D}" type="datetimeFigureOut">
               <a:rPr lang="en-US" smtClean="0"/>
-              <a:t>8/10/2022</a:t>
+              <a:t>2022-08-10</a:t>
             </a:fld>
             <a:endParaRPr lang="en-US"/>
           </a:p>
@@ -1055,7 +1055,7 @@
           <a:p>
             <a:fld id="{0A968979-5CB5-4E5D-B82F-DAC09775BD7D}" type="datetimeFigureOut">
               <a:rPr lang="en-US" smtClean="0"/>
-              <a:t>8/10/2022</a:t>
+              <a:t>2022-08-10</a:t>
             </a:fld>
             <a:endParaRPr lang="en-US"/>
           </a:p>
@@ -1225,7 +1225,7 @@
           <a:p>
             <a:fld id="{0A968979-5CB5-4E5D-B82F-DAC09775BD7D}" type="datetimeFigureOut">
               <a:rPr lang="en-US" smtClean="0"/>
-              <a:t>8/10/2022</a:t>
+              <a:t>2022-08-10</a:t>
             </a:fld>
             <a:endParaRPr lang="en-US"/>
           </a:p>
@@ -1471,7 +1471,7 @@
           <a:p>
             <a:fld id="{0A968979-5CB5-4E5D-B82F-DAC09775BD7D}" type="datetimeFigureOut">
               <a:rPr lang="en-US" smtClean="0"/>
-              <a:t>8/10/2022</a:t>
+              <a:t>2022-08-10</a:t>
             </a:fld>
             <a:endParaRPr lang="en-US"/>
           </a:p>
@@ -1703,7 +1703,7 @@
           <a:p>
             <a:fld id="{0A968979-5CB5-4E5D-B82F-DAC09775BD7D}" type="datetimeFigureOut">
               <a:rPr lang="en-US" smtClean="0"/>
-              <a:t>8/10/2022</a:t>
+              <a:t>2022-08-10</a:t>
             </a:fld>
             <a:endParaRPr lang="en-US"/>
           </a:p>
@@ -2070,7 +2070,7 @@
           <a:p>
             <a:fld id="{0A968979-5CB5-4E5D-B82F-DAC09775BD7D}" type="datetimeFigureOut">
               <a:rPr lang="en-US" smtClean="0"/>
-              <a:t>8/10/2022</a:t>
+              <a:t>2022-08-10</a:t>
             </a:fld>
             <a:endParaRPr lang="en-US"/>
           </a:p>
@@ -2188,7 +2188,7 @@
           <a:p>
             <a:fld id="{0A968979-5CB5-4E5D-B82F-DAC09775BD7D}" type="datetimeFigureOut">
               <a:rPr lang="en-US" smtClean="0"/>
-              <a:t>8/10/2022</a:t>
+              <a:t>2022-08-10</a:t>
             </a:fld>
             <a:endParaRPr lang="en-US"/>
           </a:p>
@@ -2283,7 +2283,7 @@
           <a:p>
             <a:fld id="{0A968979-5CB5-4E5D-B82F-DAC09775BD7D}" type="datetimeFigureOut">
               <a:rPr lang="en-US" smtClean="0"/>
-              <a:t>8/10/2022</a:t>
+              <a:t>2022-08-10</a:t>
             </a:fld>
             <a:endParaRPr lang="en-US"/>
           </a:p>
@@ -2560,7 +2560,7 @@
           <a:p>
             <a:fld id="{0A968979-5CB5-4E5D-B82F-DAC09775BD7D}" type="datetimeFigureOut">
               <a:rPr lang="en-US" smtClean="0"/>
-              <a:t>8/10/2022</a:t>
+              <a:t>2022-08-10</a:t>
             </a:fld>
             <a:endParaRPr lang="en-US"/>
           </a:p>
@@ -2817,7 +2817,7 @@
           <a:p>
             <a:fld id="{0A968979-5CB5-4E5D-B82F-DAC09775BD7D}" type="datetimeFigureOut">
               <a:rPr lang="en-US" smtClean="0"/>
-              <a:t>8/10/2022</a:t>
+              <a:t>2022-08-10</a:t>
             </a:fld>
             <a:endParaRPr lang="en-US"/>
           </a:p>
@@ -3030,7 +3030,7 @@
           <a:p>
             <a:fld id="{0A968979-5CB5-4E5D-B82F-DAC09775BD7D}" type="datetimeFigureOut">
               <a:rPr lang="en-US" smtClean="0"/>
-              <a:t>8/10/2022</a:t>
+              <a:t>2022-08-10</a:t>
             </a:fld>
             <a:endParaRPr lang="en-US"/>
           </a:p>
@@ -5394,7 +5394,7 @@
               <a:rPr lang="en-US" dirty="0">
                 <a:latin typeface="Sylfaen" panose="010A0502050306030303" pitchFamily="18" charset="0"/>
               </a:rPr>
-              <a:t>Redirect and Forwarding</a:t>
+              <a:t>Redirect and Forward</a:t>
             </a:r>
           </a:p>
         </p:txBody>
@@ -5535,7 +5535,7 @@
                 <a:ea typeface="+mj-ea"/>
                 <a:cs typeface="+mj-cs"/>
               </a:rPr>
-              <a:t>Forwarding</a:t>
+              <a:t>Forward</a:t>
             </a:r>
           </a:p>
           <a:p>
@@ -6011,8 +6011,8 @@
         </p:nvSpPr>
         <p:spPr>
           <a:xfrm>
-            <a:off x="5531370" y="1825625"/>
-            <a:ext cx="6190938" cy="3675766"/>
+            <a:off x="5546360" y="1825625"/>
+            <a:ext cx="6175947" cy="3690756"/>
           </a:xfrm>
           <a:prstGeom prst="rect">
             <a:avLst/>
@@ -6613,6 +6613,388 @@
 </file>
 
 <file path=ppt/slides/slide16.xml><?xml version="1.0" encoding="utf-8"?>
+<p:sld xmlns:a="http://schemas.openxmlformats.org/drawingml/2006/main" xmlns:r="http://schemas.openxmlformats.org/officeDocument/2006/relationships" xmlns:p="http://schemas.openxmlformats.org/presentationml/2006/main">
+  <p:cSld>
+    <p:spTree>
+      <p:nvGrpSpPr>
+        <p:cNvPr id="1" name=""/>
+        <p:cNvGrpSpPr/>
+        <p:nvPr/>
+      </p:nvGrpSpPr>
+      <p:grpSpPr>
+        <a:xfrm>
+          <a:off x="0" y="0"/>
+          <a:ext cx="0" cy="0"/>
+          <a:chOff x="0" y="0"/>
+          <a:chExt cx="0" cy="0"/>
+        </a:xfrm>
+      </p:grpSpPr>
+      <p:sp>
+        <p:nvSpPr>
+          <p:cNvPr id="2" name="Заголовок 1">
+            <a:extLst>
+              <a:ext uri="{FF2B5EF4-FFF2-40B4-BE49-F238E27FC236}">
+                <a16:creationId xmlns:a16="http://schemas.microsoft.com/office/drawing/2014/main" id="{E54C0311-210E-437B-B22C-39E01186991D}"/>
+              </a:ext>
+            </a:extLst>
+          </p:cNvPr>
+          <p:cNvSpPr>
+            <a:spLocks noGrp="1"/>
+          </p:cNvSpPr>
+          <p:nvPr>
+            <p:ph type="title"/>
+          </p:nvPr>
+        </p:nvSpPr>
+        <p:spPr>
+          <a:xfrm>
+            <a:off x="838200" y="18255"/>
+            <a:ext cx="10515600" cy="1325563"/>
+          </a:xfrm>
+        </p:spPr>
+        <p:txBody>
+          <a:bodyPr/>
+          <a:lstStyle/>
+          <a:p>
+            <a:pPr algn="ctr"/>
+            <a:r>
+              <a:rPr lang="en-US" dirty="0">
+                <a:latin typeface="Sylfaen" panose="010A0502050306030303" pitchFamily="18" charset="0"/>
+              </a:rPr>
+              <a:t>Listeners</a:t>
+            </a:r>
+            <a:endParaRPr lang="ru-RU" dirty="0"/>
+          </a:p>
+        </p:txBody>
+      </p:sp>
+      <p:sp>
+        <p:nvSpPr>
+          <p:cNvPr id="3" name="Объект 2">
+            <a:extLst>
+              <a:ext uri="{FF2B5EF4-FFF2-40B4-BE49-F238E27FC236}">
+                <a16:creationId xmlns:a16="http://schemas.microsoft.com/office/drawing/2014/main" id="{13F509E5-3881-444C-9A90-6EA449BE7AD6}"/>
+              </a:ext>
+            </a:extLst>
+          </p:cNvPr>
+          <p:cNvSpPr>
+            <a:spLocks noGrp="1"/>
+          </p:cNvSpPr>
+          <p:nvPr>
+            <p:ph idx="1"/>
+          </p:nvPr>
+        </p:nvSpPr>
+        <p:spPr>
+          <a:xfrm>
+            <a:off x="838200" y="1298655"/>
+            <a:ext cx="10515600" cy="5023108"/>
+          </a:xfrm>
+        </p:spPr>
+        <p:txBody>
+          <a:bodyPr>
+            <a:normAutofit/>
+          </a:bodyPr>
+          <a:lstStyle/>
+          <a:p>
+            <a:pPr marL="0" indent="0">
+              <a:lnSpc>
+                <a:spcPct val="110000"/>
+              </a:lnSpc>
+              <a:buNone/>
+            </a:pPr>
+            <a:r>
+              <a:rPr lang="hy-AM" sz="2900" dirty="0">
+                <a:effectLst>
+                  <a:outerShdw blurRad="38100" dist="38100" dir="2700000" algn="tl">
+                    <a:srgbClr val="000000">
+                      <a:alpha val="43137"/>
+                    </a:srgbClr>
+                  </a:outerShdw>
+                </a:effectLst>
+                <a:latin typeface="Sylfaen" panose="010A0502050306030303" pitchFamily="18" charset="0"/>
+              </a:rPr>
+              <a:t>ServletRequestListener</a:t>
+            </a:r>
+            <a:endParaRPr lang="ru-RU" sz="2900" dirty="0">
+              <a:effectLst>
+                <a:outerShdw blurRad="38100" dist="38100" dir="2700000" algn="tl">
+                  <a:srgbClr val="000000">
+                    <a:alpha val="43137"/>
+                  </a:srgbClr>
+                </a:outerShdw>
+              </a:effectLst>
+              <a:latin typeface="Sylfaen" panose="010A0502050306030303" pitchFamily="18" charset="0"/>
+            </a:endParaRPr>
+          </a:p>
+          <a:p>
+            <a:pPr marL="0" indent="0">
+              <a:lnSpc>
+                <a:spcPct val="110000"/>
+              </a:lnSpc>
+              <a:buNone/>
+            </a:pPr>
+            <a:r>
+              <a:rPr lang="hy-AM" sz="2900" dirty="0">
+                <a:effectLst>
+                  <a:outerShdw blurRad="38100" dist="38100" dir="2700000" algn="tl">
+                    <a:srgbClr val="000000">
+                      <a:alpha val="43137"/>
+                    </a:srgbClr>
+                  </a:outerShdw>
+                </a:effectLst>
+                <a:latin typeface="Sylfaen" panose="010A0502050306030303" pitchFamily="18" charset="0"/>
+              </a:rPr>
+              <a:t>ServletRequestAttributeListener</a:t>
+            </a:r>
+            <a:endParaRPr lang="ru-RU" sz="2900" dirty="0">
+              <a:effectLst>
+                <a:outerShdw blurRad="38100" dist="38100" dir="2700000" algn="tl">
+                  <a:srgbClr val="000000">
+                    <a:alpha val="43137"/>
+                  </a:srgbClr>
+                </a:outerShdw>
+              </a:effectLst>
+              <a:latin typeface="Sylfaen" panose="010A0502050306030303" pitchFamily="18" charset="0"/>
+            </a:endParaRPr>
+          </a:p>
+          <a:p>
+            <a:pPr marL="0" indent="0">
+              <a:lnSpc>
+                <a:spcPct val="110000"/>
+              </a:lnSpc>
+              <a:buNone/>
+            </a:pPr>
+            <a:r>
+              <a:rPr lang="hy-AM" sz="2900" dirty="0">
+                <a:effectLst>
+                  <a:outerShdw blurRad="38100" dist="38100" dir="2700000" algn="tl">
+                    <a:srgbClr val="000000">
+                      <a:alpha val="43137"/>
+                    </a:srgbClr>
+                  </a:outerShdw>
+                </a:effectLst>
+                <a:latin typeface="Sylfaen" panose="010A0502050306030303" pitchFamily="18" charset="0"/>
+              </a:rPr>
+              <a:t>ServletContextListener</a:t>
+            </a:r>
+            <a:endParaRPr lang="ru-RU" sz="2900" dirty="0">
+              <a:effectLst>
+                <a:outerShdw blurRad="38100" dist="38100" dir="2700000" algn="tl">
+                  <a:srgbClr val="000000">
+                    <a:alpha val="43137"/>
+                  </a:srgbClr>
+                </a:outerShdw>
+              </a:effectLst>
+              <a:latin typeface="Sylfaen" panose="010A0502050306030303" pitchFamily="18" charset="0"/>
+            </a:endParaRPr>
+          </a:p>
+          <a:p>
+            <a:pPr marL="0" indent="0">
+              <a:lnSpc>
+                <a:spcPct val="110000"/>
+              </a:lnSpc>
+              <a:buNone/>
+            </a:pPr>
+            <a:r>
+              <a:rPr lang="hy-AM" sz="2900" dirty="0">
+                <a:effectLst>
+                  <a:outerShdw blurRad="38100" dist="38100" dir="2700000" algn="tl">
+                    <a:srgbClr val="000000">
+                      <a:alpha val="43137"/>
+                    </a:srgbClr>
+                  </a:outerShdw>
+                </a:effectLst>
+                <a:latin typeface="Sylfaen" panose="010A0502050306030303" pitchFamily="18" charset="0"/>
+              </a:rPr>
+              <a:t>ServletContextAttributeListener</a:t>
+            </a:r>
+            <a:endParaRPr lang="ru-RU" sz="2900" dirty="0">
+              <a:effectLst>
+                <a:outerShdw blurRad="38100" dist="38100" dir="2700000" algn="tl">
+                  <a:srgbClr val="000000">
+                    <a:alpha val="43137"/>
+                  </a:srgbClr>
+                </a:outerShdw>
+              </a:effectLst>
+              <a:latin typeface="Sylfaen" panose="010A0502050306030303" pitchFamily="18" charset="0"/>
+            </a:endParaRPr>
+          </a:p>
+          <a:p>
+            <a:pPr marL="0" indent="0">
+              <a:lnSpc>
+                <a:spcPct val="110000"/>
+              </a:lnSpc>
+              <a:buNone/>
+            </a:pPr>
+            <a:r>
+              <a:rPr lang="hy-AM" sz="2900" dirty="0">
+                <a:effectLst>
+                  <a:outerShdw blurRad="38100" dist="38100" dir="2700000" algn="tl">
+                    <a:srgbClr val="000000">
+                      <a:alpha val="43137"/>
+                    </a:srgbClr>
+                  </a:outerShdw>
+                </a:effectLst>
+                <a:latin typeface="Sylfaen" panose="010A0502050306030303" pitchFamily="18" charset="0"/>
+              </a:rPr>
+              <a:t>HttpSessionListener</a:t>
+            </a:r>
+            <a:endParaRPr lang="ru-RU" sz="2900" dirty="0">
+              <a:effectLst>
+                <a:outerShdw blurRad="38100" dist="38100" dir="2700000" algn="tl">
+                  <a:srgbClr val="000000">
+                    <a:alpha val="43137"/>
+                  </a:srgbClr>
+                </a:outerShdw>
+              </a:effectLst>
+              <a:latin typeface="Sylfaen" panose="010A0502050306030303" pitchFamily="18" charset="0"/>
+            </a:endParaRPr>
+          </a:p>
+          <a:p>
+            <a:pPr marL="0" indent="0">
+              <a:lnSpc>
+                <a:spcPct val="110000"/>
+              </a:lnSpc>
+              <a:buNone/>
+            </a:pPr>
+            <a:r>
+              <a:rPr lang="hy-AM" sz="2900" dirty="0">
+                <a:effectLst>
+                  <a:outerShdw blurRad="38100" dist="38100" dir="2700000" algn="tl">
+                    <a:srgbClr val="000000">
+                      <a:alpha val="43137"/>
+                    </a:srgbClr>
+                  </a:outerShdw>
+                </a:effectLst>
+                <a:latin typeface="Sylfaen" panose="010A0502050306030303" pitchFamily="18" charset="0"/>
+              </a:rPr>
+              <a:t>HttpSessionAttributeListener</a:t>
+            </a:r>
+            <a:endParaRPr lang="ru-RU" sz="2900" dirty="0">
+              <a:effectLst>
+                <a:outerShdw blurRad="38100" dist="38100" dir="2700000" algn="tl">
+                  <a:srgbClr val="000000">
+                    <a:alpha val="43137"/>
+                  </a:srgbClr>
+                </a:outerShdw>
+              </a:effectLst>
+              <a:latin typeface="Sylfaen" panose="010A0502050306030303" pitchFamily="18" charset="0"/>
+            </a:endParaRPr>
+          </a:p>
+          <a:p>
+            <a:pPr marL="0" indent="0">
+              <a:lnSpc>
+                <a:spcPct val="110000"/>
+              </a:lnSpc>
+              <a:buNone/>
+            </a:pPr>
+            <a:r>
+              <a:rPr lang="hy-AM" sz="2900" dirty="0">
+                <a:effectLst>
+                  <a:outerShdw blurRad="38100" dist="38100" dir="2700000" algn="tl">
+                    <a:srgbClr val="000000">
+                      <a:alpha val="43137"/>
+                    </a:srgbClr>
+                  </a:outerShdw>
+                </a:effectLst>
+                <a:latin typeface="Sylfaen" panose="010A0502050306030303" pitchFamily="18" charset="0"/>
+              </a:rPr>
+              <a:t>HttpSessionBindingListener</a:t>
+            </a:r>
+            <a:endParaRPr lang="ru-RU" sz="2900" dirty="0">
+              <a:effectLst>
+                <a:outerShdw blurRad="38100" dist="38100" dir="2700000" algn="tl">
+                  <a:srgbClr val="000000">
+                    <a:alpha val="43137"/>
+                  </a:srgbClr>
+                </a:outerShdw>
+              </a:effectLst>
+              <a:latin typeface="Sylfaen" panose="010A0502050306030303" pitchFamily="18" charset="0"/>
+            </a:endParaRPr>
+          </a:p>
+          <a:p>
+            <a:pPr marL="0" indent="0">
+              <a:lnSpc>
+                <a:spcPct val="110000"/>
+              </a:lnSpc>
+              <a:buNone/>
+            </a:pPr>
+            <a:r>
+              <a:rPr lang="hy-AM" sz="2900" dirty="0">
+                <a:effectLst>
+                  <a:outerShdw blurRad="38100" dist="38100" dir="2700000" algn="tl">
+                    <a:srgbClr val="000000">
+                      <a:alpha val="43137"/>
+                    </a:srgbClr>
+                  </a:outerShdw>
+                </a:effectLst>
+                <a:latin typeface="Sylfaen" panose="010A0502050306030303" pitchFamily="18" charset="0"/>
+              </a:rPr>
+              <a:t>HttpSessionActivationListener</a:t>
+            </a:r>
+            <a:endParaRPr lang="ru-RU" sz="2900" dirty="0">
+              <a:effectLst>
+                <a:outerShdw blurRad="38100" dist="38100" dir="2700000" algn="tl">
+                  <a:srgbClr val="000000">
+                    <a:alpha val="43137"/>
+                  </a:srgbClr>
+                </a:outerShdw>
+              </a:effectLst>
+              <a:latin typeface="Sylfaen" panose="010A0502050306030303" pitchFamily="18" charset="0"/>
+            </a:endParaRPr>
+          </a:p>
+        </p:txBody>
+      </p:sp>
+      <p:cxnSp>
+        <p:nvCxnSpPr>
+          <p:cNvPr id="4" name="Straight Connector 9">
+            <a:extLst>
+              <a:ext uri="{FF2B5EF4-FFF2-40B4-BE49-F238E27FC236}">
+                <a16:creationId xmlns:a16="http://schemas.microsoft.com/office/drawing/2014/main" id="{8496A0E5-9AB2-49F3-8787-BE59E03850A2}"/>
+              </a:ext>
+            </a:extLst>
+          </p:cNvPr>
+          <p:cNvCxnSpPr>
+            <a:cxnSpLocks/>
+          </p:cNvCxnSpPr>
+          <p:nvPr/>
+        </p:nvCxnSpPr>
+        <p:spPr>
+          <a:xfrm>
+            <a:off x="569235" y="1091038"/>
+            <a:ext cx="11053530" cy="0"/>
+          </a:xfrm>
+          <a:prstGeom prst="line">
+            <a:avLst/>
+          </a:prstGeom>
+        </p:spPr>
+        <p:style>
+          <a:lnRef idx="3">
+            <a:schemeClr val="accent1"/>
+          </a:lnRef>
+          <a:fillRef idx="0">
+            <a:schemeClr val="accent1"/>
+          </a:fillRef>
+          <a:effectRef idx="2">
+            <a:schemeClr val="accent1"/>
+          </a:effectRef>
+          <a:fontRef idx="minor">
+            <a:schemeClr val="tx1"/>
+          </a:fontRef>
+        </p:style>
+      </p:cxnSp>
+    </p:spTree>
+    <p:extLst>
+      <p:ext uri="{BB962C8B-B14F-4D97-AF65-F5344CB8AC3E}">
+        <p14:creationId xmlns:p14="http://schemas.microsoft.com/office/powerpoint/2010/main" val="1551804467"/>
+      </p:ext>
+    </p:extLst>
+  </p:cSld>
+  <p:clrMapOvr>
+    <a:masterClrMapping/>
+  </p:clrMapOvr>
+</p:sld>
+</file>
+
+<file path=ppt/slides/slide17.xml><?xml version="1.0" encoding="utf-8"?>
 <p:sld xmlns:a="http://schemas.openxmlformats.org/drawingml/2006/main" xmlns:r="http://schemas.openxmlformats.org/officeDocument/2006/relationships" xmlns:p="http://schemas.openxmlformats.org/presentationml/2006/main">
   <p:cSld>
     <p:spTree>
@@ -7358,388 +7740,6 @@
 </p:sld>
 </file>
 
-<file path=ppt/slides/slide17.xml><?xml version="1.0" encoding="utf-8"?>
-<p:sld xmlns:a="http://schemas.openxmlformats.org/drawingml/2006/main" xmlns:r="http://schemas.openxmlformats.org/officeDocument/2006/relationships" xmlns:p="http://schemas.openxmlformats.org/presentationml/2006/main">
-  <p:cSld>
-    <p:spTree>
-      <p:nvGrpSpPr>
-        <p:cNvPr id="1" name=""/>
-        <p:cNvGrpSpPr/>
-        <p:nvPr/>
-      </p:nvGrpSpPr>
-      <p:grpSpPr>
-        <a:xfrm>
-          <a:off x="0" y="0"/>
-          <a:ext cx="0" cy="0"/>
-          <a:chOff x="0" y="0"/>
-          <a:chExt cx="0" cy="0"/>
-        </a:xfrm>
-      </p:grpSpPr>
-      <p:sp>
-        <p:nvSpPr>
-          <p:cNvPr id="2" name="Заголовок 1">
-            <a:extLst>
-              <a:ext uri="{FF2B5EF4-FFF2-40B4-BE49-F238E27FC236}">
-                <a16:creationId xmlns:a16="http://schemas.microsoft.com/office/drawing/2014/main" id="{E54C0311-210E-437B-B22C-39E01186991D}"/>
-              </a:ext>
-            </a:extLst>
-          </p:cNvPr>
-          <p:cNvSpPr>
-            <a:spLocks noGrp="1"/>
-          </p:cNvSpPr>
-          <p:nvPr>
-            <p:ph type="title"/>
-          </p:nvPr>
-        </p:nvSpPr>
-        <p:spPr>
-          <a:xfrm>
-            <a:off x="838200" y="18255"/>
-            <a:ext cx="10515600" cy="1325563"/>
-          </a:xfrm>
-        </p:spPr>
-        <p:txBody>
-          <a:bodyPr/>
-          <a:lstStyle/>
-          <a:p>
-            <a:pPr algn="ctr"/>
-            <a:r>
-              <a:rPr lang="en-US" dirty="0">
-                <a:latin typeface="Sylfaen" panose="010A0502050306030303" pitchFamily="18" charset="0"/>
-              </a:rPr>
-              <a:t>Listeners</a:t>
-            </a:r>
-            <a:endParaRPr lang="ru-RU" dirty="0"/>
-          </a:p>
-        </p:txBody>
-      </p:sp>
-      <p:sp>
-        <p:nvSpPr>
-          <p:cNvPr id="3" name="Объект 2">
-            <a:extLst>
-              <a:ext uri="{FF2B5EF4-FFF2-40B4-BE49-F238E27FC236}">
-                <a16:creationId xmlns:a16="http://schemas.microsoft.com/office/drawing/2014/main" id="{13F509E5-3881-444C-9A90-6EA449BE7AD6}"/>
-              </a:ext>
-            </a:extLst>
-          </p:cNvPr>
-          <p:cNvSpPr>
-            <a:spLocks noGrp="1"/>
-          </p:cNvSpPr>
-          <p:nvPr>
-            <p:ph idx="1"/>
-          </p:nvPr>
-        </p:nvSpPr>
-        <p:spPr>
-          <a:xfrm>
-            <a:off x="838200" y="1298655"/>
-            <a:ext cx="10515600" cy="5023108"/>
-          </a:xfrm>
-        </p:spPr>
-        <p:txBody>
-          <a:bodyPr>
-            <a:normAutofit/>
-          </a:bodyPr>
-          <a:lstStyle/>
-          <a:p>
-            <a:pPr marL="0" indent="0">
-              <a:lnSpc>
-                <a:spcPct val="110000"/>
-              </a:lnSpc>
-              <a:buNone/>
-            </a:pPr>
-            <a:r>
-              <a:rPr lang="hy-AM" sz="2900" dirty="0">
-                <a:effectLst>
-                  <a:outerShdw blurRad="38100" dist="38100" dir="2700000" algn="tl">
-                    <a:srgbClr val="000000">
-                      <a:alpha val="43137"/>
-                    </a:srgbClr>
-                  </a:outerShdw>
-                </a:effectLst>
-                <a:latin typeface="Sylfaen" panose="010A0502050306030303" pitchFamily="18" charset="0"/>
-              </a:rPr>
-              <a:t>ServletRequestListener</a:t>
-            </a:r>
-            <a:endParaRPr lang="ru-RU" sz="2900" dirty="0">
-              <a:effectLst>
-                <a:outerShdw blurRad="38100" dist="38100" dir="2700000" algn="tl">
-                  <a:srgbClr val="000000">
-                    <a:alpha val="43137"/>
-                  </a:srgbClr>
-                </a:outerShdw>
-              </a:effectLst>
-              <a:latin typeface="Sylfaen" panose="010A0502050306030303" pitchFamily="18" charset="0"/>
-            </a:endParaRPr>
-          </a:p>
-          <a:p>
-            <a:pPr marL="0" indent="0">
-              <a:lnSpc>
-                <a:spcPct val="110000"/>
-              </a:lnSpc>
-              <a:buNone/>
-            </a:pPr>
-            <a:r>
-              <a:rPr lang="hy-AM" sz="2900" dirty="0">
-                <a:effectLst>
-                  <a:outerShdw blurRad="38100" dist="38100" dir="2700000" algn="tl">
-                    <a:srgbClr val="000000">
-                      <a:alpha val="43137"/>
-                    </a:srgbClr>
-                  </a:outerShdw>
-                </a:effectLst>
-                <a:latin typeface="Sylfaen" panose="010A0502050306030303" pitchFamily="18" charset="0"/>
-              </a:rPr>
-              <a:t>ServletRequestAttributeListener</a:t>
-            </a:r>
-            <a:endParaRPr lang="ru-RU" sz="2900" dirty="0">
-              <a:effectLst>
-                <a:outerShdw blurRad="38100" dist="38100" dir="2700000" algn="tl">
-                  <a:srgbClr val="000000">
-                    <a:alpha val="43137"/>
-                  </a:srgbClr>
-                </a:outerShdw>
-              </a:effectLst>
-              <a:latin typeface="Sylfaen" panose="010A0502050306030303" pitchFamily="18" charset="0"/>
-            </a:endParaRPr>
-          </a:p>
-          <a:p>
-            <a:pPr marL="0" indent="0">
-              <a:lnSpc>
-                <a:spcPct val="110000"/>
-              </a:lnSpc>
-              <a:buNone/>
-            </a:pPr>
-            <a:r>
-              <a:rPr lang="hy-AM" sz="2900" dirty="0">
-                <a:effectLst>
-                  <a:outerShdw blurRad="38100" dist="38100" dir="2700000" algn="tl">
-                    <a:srgbClr val="000000">
-                      <a:alpha val="43137"/>
-                    </a:srgbClr>
-                  </a:outerShdw>
-                </a:effectLst>
-                <a:latin typeface="Sylfaen" panose="010A0502050306030303" pitchFamily="18" charset="0"/>
-              </a:rPr>
-              <a:t>ServletContextListener</a:t>
-            </a:r>
-            <a:endParaRPr lang="ru-RU" sz="2900" dirty="0">
-              <a:effectLst>
-                <a:outerShdw blurRad="38100" dist="38100" dir="2700000" algn="tl">
-                  <a:srgbClr val="000000">
-                    <a:alpha val="43137"/>
-                  </a:srgbClr>
-                </a:outerShdw>
-              </a:effectLst>
-              <a:latin typeface="Sylfaen" panose="010A0502050306030303" pitchFamily="18" charset="0"/>
-            </a:endParaRPr>
-          </a:p>
-          <a:p>
-            <a:pPr marL="0" indent="0">
-              <a:lnSpc>
-                <a:spcPct val="110000"/>
-              </a:lnSpc>
-              <a:buNone/>
-            </a:pPr>
-            <a:r>
-              <a:rPr lang="hy-AM" sz="2900" dirty="0">
-                <a:effectLst>
-                  <a:outerShdw blurRad="38100" dist="38100" dir="2700000" algn="tl">
-                    <a:srgbClr val="000000">
-                      <a:alpha val="43137"/>
-                    </a:srgbClr>
-                  </a:outerShdw>
-                </a:effectLst>
-                <a:latin typeface="Sylfaen" panose="010A0502050306030303" pitchFamily="18" charset="0"/>
-              </a:rPr>
-              <a:t>ServletContextAttributeListener</a:t>
-            </a:r>
-            <a:endParaRPr lang="ru-RU" sz="2900" dirty="0">
-              <a:effectLst>
-                <a:outerShdw blurRad="38100" dist="38100" dir="2700000" algn="tl">
-                  <a:srgbClr val="000000">
-                    <a:alpha val="43137"/>
-                  </a:srgbClr>
-                </a:outerShdw>
-              </a:effectLst>
-              <a:latin typeface="Sylfaen" panose="010A0502050306030303" pitchFamily="18" charset="0"/>
-            </a:endParaRPr>
-          </a:p>
-          <a:p>
-            <a:pPr marL="0" indent="0">
-              <a:lnSpc>
-                <a:spcPct val="110000"/>
-              </a:lnSpc>
-              <a:buNone/>
-            </a:pPr>
-            <a:r>
-              <a:rPr lang="hy-AM" sz="2900" dirty="0">
-                <a:effectLst>
-                  <a:outerShdw blurRad="38100" dist="38100" dir="2700000" algn="tl">
-                    <a:srgbClr val="000000">
-                      <a:alpha val="43137"/>
-                    </a:srgbClr>
-                  </a:outerShdw>
-                </a:effectLst>
-                <a:latin typeface="Sylfaen" panose="010A0502050306030303" pitchFamily="18" charset="0"/>
-              </a:rPr>
-              <a:t>HttpSessionListener</a:t>
-            </a:r>
-            <a:endParaRPr lang="ru-RU" sz="2900" dirty="0">
-              <a:effectLst>
-                <a:outerShdw blurRad="38100" dist="38100" dir="2700000" algn="tl">
-                  <a:srgbClr val="000000">
-                    <a:alpha val="43137"/>
-                  </a:srgbClr>
-                </a:outerShdw>
-              </a:effectLst>
-              <a:latin typeface="Sylfaen" panose="010A0502050306030303" pitchFamily="18" charset="0"/>
-            </a:endParaRPr>
-          </a:p>
-          <a:p>
-            <a:pPr marL="0" indent="0">
-              <a:lnSpc>
-                <a:spcPct val="110000"/>
-              </a:lnSpc>
-              <a:buNone/>
-            </a:pPr>
-            <a:r>
-              <a:rPr lang="hy-AM" sz="2900" dirty="0">
-                <a:effectLst>
-                  <a:outerShdw blurRad="38100" dist="38100" dir="2700000" algn="tl">
-                    <a:srgbClr val="000000">
-                      <a:alpha val="43137"/>
-                    </a:srgbClr>
-                  </a:outerShdw>
-                </a:effectLst>
-                <a:latin typeface="Sylfaen" panose="010A0502050306030303" pitchFamily="18" charset="0"/>
-              </a:rPr>
-              <a:t>HttpSessionAttributeListener</a:t>
-            </a:r>
-            <a:endParaRPr lang="ru-RU" sz="2900" dirty="0">
-              <a:effectLst>
-                <a:outerShdw blurRad="38100" dist="38100" dir="2700000" algn="tl">
-                  <a:srgbClr val="000000">
-                    <a:alpha val="43137"/>
-                  </a:srgbClr>
-                </a:outerShdw>
-              </a:effectLst>
-              <a:latin typeface="Sylfaen" panose="010A0502050306030303" pitchFamily="18" charset="0"/>
-            </a:endParaRPr>
-          </a:p>
-          <a:p>
-            <a:pPr marL="0" indent="0">
-              <a:lnSpc>
-                <a:spcPct val="110000"/>
-              </a:lnSpc>
-              <a:buNone/>
-            </a:pPr>
-            <a:r>
-              <a:rPr lang="hy-AM" sz="2900" dirty="0">
-                <a:effectLst>
-                  <a:outerShdw blurRad="38100" dist="38100" dir="2700000" algn="tl">
-                    <a:srgbClr val="000000">
-                      <a:alpha val="43137"/>
-                    </a:srgbClr>
-                  </a:outerShdw>
-                </a:effectLst>
-                <a:latin typeface="Sylfaen" panose="010A0502050306030303" pitchFamily="18" charset="0"/>
-              </a:rPr>
-              <a:t>HttpSessionBindingListener</a:t>
-            </a:r>
-            <a:endParaRPr lang="ru-RU" sz="2900" dirty="0">
-              <a:effectLst>
-                <a:outerShdw blurRad="38100" dist="38100" dir="2700000" algn="tl">
-                  <a:srgbClr val="000000">
-                    <a:alpha val="43137"/>
-                  </a:srgbClr>
-                </a:outerShdw>
-              </a:effectLst>
-              <a:latin typeface="Sylfaen" panose="010A0502050306030303" pitchFamily="18" charset="0"/>
-            </a:endParaRPr>
-          </a:p>
-          <a:p>
-            <a:pPr marL="0" indent="0">
-              <a:lnSpc>
-                <a:spcPct val="110000"/>
-              </a:lnSpc>
-              <a:buNone/>
-            </a:pPr>
-            <a:r>
-              <a:rPr lang="hy-AM" sz="2900" dirty="0">
-                <a:effectLst>
-                  <a:outerShdw blurRad="38100" dist="38100" dir="2700000" algn="tl">
-                    <a:srgbClr val="000000">
-                      <a:alpha val="43137"/>
-                    </a:srgbClr>
-                  </a:outerShdw>
-                </a:effectLst>
-                <a:latin typeface="Sylfaen" panose="010A0502050306030303" pitchFamily="18" charset="0"/>
-              </a:rPr>
-              <a:t>HttpSessionActivationListener</a:t>
-            </a:r>
-            <a:endParaRPr lang="ru-RU" sz="2900" dirty="0">
-              <a:effectLst>
-                <a:outerShdw blurRad="38100" dist="38100" dir="2700000" algn="tl">
-                  <a:srgbClr val="000000">
-                    <a:alpha val="43137"/>
-                  </a:srgbClr>
-                </a:outerShdw>
-              </a:effectLst>
-              <a:latin typeface="Sylfaen" panose="010A0502050306030303" pitchFamily="18" charset="0"/>
-            </a:endParaRPr>
-          </a:p>
-        </p:txBody>
-      </p:sp>
-      <p:cxnSp>
-        <p:nvCxnSpPr>
-          <p:cNvPr id="4" name="Straight Connector 9">
-            <a:extLst>
-              <a:ext uri="{FF2B5EF4-FFF2-40B4-BE49-F238E27FC236}">
-                <a16:creationId xmlns:a16="http://schemas.microsoft.com/office/drawing/2014/main" id="{8496A0E5-9AB2-49F3-8787-BE59E03850A2}"/>
-              </a:ext>
-            </a:extLst>
-          </p:cNvPr>
-          <p:cNvCxnSpPr>
-            <a:cxnSpLocks/>
-          </p:cNvCxnSpPr>
-          <p:nvPr/>
-        </p:nvCxnSpPr>
-        <p:spPr>
-          <a:xfrm>
-            <a:off x="569235" y="1091038"/>
-            <a:ext cx="11053530" cy="0"/>
-          </a:xfrm>
-          <a:prstGeom prst="line">
-            <a:avLst/>
-          </a:prstGeom>
-        </p:spPr>
-        <p:style>
-          <a:lnRef idx="3">
-            <a:schemeClr val="accent1"/>
-          </a:lnRef>
-          <a:fillRef idx="0">
-            <a:schemeClr val="accent1"/>
-          </a:fillRef>
-          <a:effectRef idx="2">
-            <a:schemeClr val="accent1"/>
-          </a:effectRef>
-          <a:fontRef idx="minor">
-            <a:schemeClr val="tx1"/>
-          </a:fontRef>
-        </p:style>
-      </p:cxnSp>
-    </p:spTree>
-    <p:extLst>
-      <p:ext uri="{BB962C8B-B14F-4D97-AF65-F5344CB8AC3E}">
-        <p14:creationId xmlns:p14="http://schemas.microsoft.com/office/powerpoint/2010/main" val="1551804467"/>
-      </p:ext>
-    </p:extLst>
-  </p:cSld>
-  <p:clrMapOvr>
-    <a:masterClrMapping/>
-  </p:clrMapOvr>
-</p:sld>
-</file>
-
 <file path=ppt/slides/slide18.xml><?xml version="1.0" encoding="utf-8"?>
 <p:sld xmlns:a="http://schemas.openxmlformats.org/drawingml/2006/main" xmlns:r="http://schemas.openxmlformats.org/officeDocument/2006/relationships" xmlns:p="http://schemas.openxmlformats.org/presentationml/2006/main">
   <p:cSld>
@@ -8071,7 +8071,7 @@
         </p:nvCxnSpPr>
         <p:spPr>
           <a:xfrm>
-            <a:off x="569235" y="1587749"/>
+            <a:off x="569235" y="1504170"/>
             <a:ext cx="11053530" cy="0"/>
           </a:xfrm>
           <a:prstGeom prst="line">
@@ -8608,7 +8608,7 @@
           <p:nvPr>
             <p:extLst>
               <p:ext uri="{D42A27DB-BD31-4B8C-83A1-F6EECF244321}">
-                <p14:modId xmlns:p14="http://schemas.microsoft.com/office/powerpoint/2010/main" val="2097670510"/>
+                <p14:modId xmlns:p14="http://schemas.microsoft.com/office/powerpoint/2010/main" val="122063813"/>
               </p:ext>
             </p:extLst>
           </p:nvPr>
@@ -8639,7 +8639,7 @@
                   </a:extLst>
                 </a:gridCol>
               </a:tblGrid>
-              <a:tr h="0">
+              <a:tr h="925183">
                 <a:tc>
                   <a:txBody>
                     <a:bodyPr/>
@@ -8784,7 +8784,7 @@
                   </a:ext>
                 </a:extLst>
               </a:tr>
-              <a:tr h="370840">
+              <a:tr h="925183">
                 <a:tc>
                   <a:txBody>
                     <a:bodyPr/>
@@ -8945,7 +8945,7 @@
                   </a:ext>
                 </a:extLst>
               </a:tr>
-              <a:tr h="370840">
+              <a:tr h="925183">
                 <a:tc>
                   <a:txBody>
                     <a:bodyPr/>
@@ -9124,7 +9124,7 @@
                   </a:ext>
                 </a:extLst>
               </a:tr>
-              <a:tr h="370840">
+              <a:tr h="925183">
                 <a:tc>
                   <a:txBody>
                     <a:bodyPr/>
@@ -9303,7 +9303,7 @@
                   </a:ext>
                 </a:extLst>
               </a:tr>
-              <a:tr h="370840">
+              <a:tr h="925183">
                 <a:tc>
                   <a:txBody>
                     <a:bodyPr/>

--- a/Servlet/Servlet_Presentation.pptx
+++ b/Servlet/Servlet_Presentation.pptx
@@ -223,7 +223,7 @@
           <a:p>
             <a:fld id="{F988C94B-7918-458B-9AF1-0DBDD7FC850F}" type="datetimeFigureOut">
               <a:rPr lang="en-US" smtClean="0"/>
-              <a:t>2022-08-10</a:t>
+              <a:t>2022-08-11</a:t>
             </a:fld>
             <a:endParaRPr lang="en-US"/>
           </a:p>
@@ -705,7 +705,7 @@
           <a:p>
             <a:fld id="{0A968979-5CB5-4E5D-B82F-DAC09775BD7D}" type="datetimeFigureOut">
               <a:rPr lang="en-US" smtClean="0"/>
-              <a:t>2022-08-10</a:t>
+              <a:t>2022-08-11</a:t>
             </a:fld>
             <a:endParaRPr lang="en-US"/>
           </a:p>
@@ -875,7 +875,7 @@
           <a:p>
             <a:fld id="{0A968979-5CB5-4E5D-B82F-DAC09775BD7D}" type="datetimeFigureOut">
               <a:rPr lang="en-US" smtClean="0"/>
-              <a:t>2022-08-10</a:t>
+              <a:t>2022-08-11</a:t>
             </a:fld>
             <a:endParaRPr lang="en-US"/>
           </a:p>
@@ -1055,7 +1055,7 @@
           <a:p>
             <a:fld id="{0A968979-5CB5-4E5D-B82F-DAC09775BD7D}" type="datetimeFigureOut">
               <a:rPr lang="en-US" smtClean="0"/>
-              <a:t>2022-08-10</a:t>
+              <a:t>2022-08-11</a:t>
             </a:fld>
             <a:endParaRPr lang="en-US"/>
           </a:p>
@@ -1225,7 +1225,7 @@
           <a:p>
             <a:fld id="{0A968979-5CB5-4E5D-B82F-DAC09775BD7D}" type="datetimeFigureOut">
               <a:rPr lang="en-US" smtClean="0"/>
-              <a:t>2022-08-10</a:t>
+              <a:t>2022-08-11</a:t>
             </a:fld>
             <a:endParaRPr lang="en-US"/>
           </a:p>
@@ -1471,7 +1471,7 @@
           <a:p>
             <a:fld id="{0A968979-5CB5-4E5D-B82F-DAC09775BD7D}" type="datetimeFigureOut">
               <a:rPr lang="en-US" smtClean="0"/>
-              <a:t>2022-08-10</a:t>
+              <a:t>2022-08-11</a:t>
             </a:fld>
             <a:endParaRPr lang="en-US"/>
           </a:p>
@@ -1703,7 +1703,7 @@
           <a:p>
             <a:fld id="{0A968979-5CB5-4E5D-B82F-DAC09775BD7D}" type="datetimeFigureOut">
               <a:rPr lang="en-US" smtClean="0"/>
-              <a:t>2022-08-10</a:t>
+              <a:t>2022-08-11</a:t>
             </a:fld>
             <a:endParaRPr lang="en-US"/>
           </a:p>
@@ -2070,7 +2070,7 @@
           <a:p>
             <a:fld id="{0A968979-5CB5-4E5D-B82F-DAC09775BD7D}" type="datetimeFigureOut">
               <a:rPr lang="en-US" smtClean="0"/>
-              <a:t>2022-08-10</a:t>
+              <a:t>2022-08-11</a:t>
             </a:fld>
             <a:endParaRPr lang="en-US"/>
           </a:p>
@@ -2188,7 +2188,7 @@
           <a:p>
             <a:fld id="{0A968979-5CB5-4E5D-B82F-DAC09775BD7D}" type="datetimeFigureOut">
               <a:rPr lang="en-US" smtClean="0"/>
-              <a:t>2022-08-10</a:t>
+              <a:t>2022-08-11</a:t>
             </a:fld>
             <a:endParaRPr lang="en-US"/>
           </a:p>
@@ -2283,7 +2283,7 @@
           <a:p>
             <a:fld id="{0A968979-5CB5-4E5D-B82F-DAC09775BD7D}" type="datetimeFigureOut">
               <a:rPr lang="en-US" smtClean="0"/>
-              <a:t>2022-08-10</a:t>
+              <a:t>2022-08-11</a:t>
             </a:fld>
             <a:endParaRPr lang="en-US"/>
           </a:p>
@@ -2560,7 +2560,7 @@
           <a:p>
             <a:fld id="{0A968979-5CB5-4E5D-B82F-DAC09775BD7D}" type="datetimeFigureOut">
               <a:rPr lang="en-US" smtClean="0"/>
-              <a:t>2022-08-10</a:t>
+              <a:t>2022-08-11</a:t>
             </a:fld>
             <a:endParaRPr lang="en-US"/>
           </a:p>
@@ -2817,7 +2817,7 @@
           <a:p>
             <a:fld id="{0A968979-5CB5-4E5D-B82F-DAC09775BD7D}" type="datetimeFigureOut">
               <a:rPr lang="en-US" smtClean="0"/>
-              <a:t>2022-08-10</a:t>
+              <a:t>2022-08-11</a:t>
             </a:fld>
             <a:endParaRPr lang="en-US"/>
           </a:p>
@@ -3030,7 +3030,7 @@
           <a:p>
             <a:fld id="{0A968979-5CB5-4E5D-B82F-DAC09775BD7D}" type="datetimeFigureOut">
               <a:rPr lang="en-US" smtClean="0"/>
-              <a:t>2022-08-10</a:t>
+              <a:t>2022-08-11</a:t>
             </a:fld>
             <a:endParaRPr lang="en-US"/>
           </a:p>
@@ -11750,14 +11750,14 @@
           <p:nvPr>
             <p:extLst>
               <p:ext uri="{D42A27DB-BD31-4B8C-83A1-F6EECF244321}">
-                <p14:modId xmlns:p14="http://schemas.microsoft.com/office/powerpoint/2010/main" val="1214924366"/>
+                <p14:modId xmlns:p14="http://schemas.microsoft.com/office/powerpoint/2010/main" val="334618425"/>
               </p:ext>
             </p:extLst>
           </p:nvPr>
         </p:nvGraphicFramePr>
         <p:xfrm>
-          <a:off x="3372276" y="1447088"/>
-          <a:ext cx="5447448" cy="3017520"/>
+          <a:off x="3372276" y="1727278"/>
+          <a:ext cx="5447448" cy="2499360"/>
         </p:xfrm>
         <a:graphic>
           <a:graphicData uri="http://schemas.openxmlformats.org/drawingml/2006/table">
@@ -11854,82 +11854,6 @@
                 <a:extLst>
                   <a:ext uri="{0D108BD9-81ED-4DB2-BD59-A6C34878D82A}">
                     <a16:rowId xmlns:a16="http://schemas.microsoft.com/office/drawing/2014/main" val="2257232019"/>
-                  </a:ext>
-                </a:extLst>
-              </a:tr>
-              <a:tr h="478169">
-                <a:tc>
-                  <a:txBody>
-                    <a:bodyPr/>
-                    <a:lstStyle/>
-                    <a:p>
-                      <a:r>
-                        <a:rPr lang="en-US" sz="2800" kern="1200" dirty="0" err="1">
-                          <a:solidFill>
-                            <a:schemeClr val="tx1"/>
-                          </a:solidFill>
-                          <a:effectLst>
-                            <a:outerShdw blurRad="38100" dist="38100" dir="2700000" algn="tl">
-                              <a:srgbClr val="000000">
-                                <a:alpha val="43137"/>
-                              </a:srgbClr>
-                            </a:outerShdw>
-                          </a:effectLst>
-                          <a:latin typeface="+mn-lt"/>
-                          <a:ea typeface="+mn-ea"/>
-                          <a:cs typeface="+mn-cs"/>
-                        </a:rPr>
-                        <a:t>HttpServletResponse</a:t>
-                      </a:r>
-                      <a:endParaRPr lang="en-US" sz="2800" kern="1200" dirty="0">
-                        <a:solidFill>
-                          <a:schemeClr val="tx1"/>
-                        </a:solidFill>
-                        <a:effectLst>
-                          <a:outerShdw blurRad="38100" dist="38100" dir="2700000" algn="tl">
-                            <a:srgbClr val="000000">
-                              <a:alpha val="43137"/>
-                            </a:srgbClr>
-                          </a:outerShdw>
-                        </a:effectLst>
-                        <a:latin typeface="+mn-lt"/>
-                        <a:ea typeface="+mn-ea"/>
-                        <a:cs typeface="+mn-cs"/>
-                      </a:endParaRPr>
-                    </a:p>
-                  </a:txBody>
-                  <a:tcPr/>
-                </a:tc>
-                <a:tc>
-                  <a:txBody>
-                    <a:bodyPr/>
-                    <a:lstStyle/>
-                    <a:p>
-                      <a:r>
-                        <a:rPr lang="en-US" sz="2800" kern="1200" dirty="0">
-                          <a:solidFill>
-                            <a:schemeClr val="tx1"/>
-                          </a:solidFill>
-                          <a:effectLst>
-                            <a:outerShdw blurRad="38100" dist="38100" dir="2700000" algn="tl">
-                              <a:srgbClr val="000000">
-                                <a:alpha val="43137"/>
-                              </a:srgbClr>
-                            </a:outerShdw>
-                          </a:effectLst>
-                          <a:latin typeface="+mn-lt"/>
-                          <a:ea typeface="+mn-ea"/>
-                          <a:cs typeface="+mn-cs"/>
-                        </a:rPr>
-                        <a:t>response</a:t>
-                      </a:r>
-                    </a:p>
-                  </a:txBody>
-                  <a:tcPr/>
-                </a:tc>
-                <a:extLst>
-                  <a:ext uri="{0D108BD9-81ED-4DB2-BD59-A6C34878D82A}">
-                    <a16:rowId xmlns:a16="http://schemas.microsoft.com/office/drawing/2014/main" val="2502332909"/>
                   </a:ext>
                 </a:extLst>
               </a:tr>
@@ -12234,7 +12158,7 @@
         </p:nvSpPr>
         <p:spPr>
           <a:xfrm>
-            <a:off x="2925297" y="4464608"/>
+            <a:off x="2820366" y="4355330"/>
             <a:ext cx="6341406" cy="1828801"/>
           </a:xfrm>
           <a:prstGeom prst="rect">

--- a/Servlet/Servlet_Presentation.pptx
+++ b/Servlet/Servlet_Presentation.pptx
@@ -223,7 +223,7 @@
           <a:p>
             <a:fld id="{F988C94B-7918-458B-9AF1-0DBDD7FC850F}" type="datetimeFigureOut">
               <a:rPr lang="en-US" smtClean="0"/>
-              <a:t>2022-08-11</a:t>
+              <a:t>2022-08-12</a:t>
             </a:fld>
             <a:endParaRPr lang="en-US"/>
           </a:p>
@@ -705,7 +705,7 @@
           <a:p>
             <a:fld id="{0A968979-5CB5-4E5D-B82F-DAC09775BD7D}" type="datetimeFigureOut">
               <a:rPr lang="en-US" smtClean="0"/>
-              <a:t>2022-08-11</a:t>
+              <a:t>2022-08-12</a:t>
             </a:fld>
             <a:endParaRPr lang="en-US"/>
           </a:p>
@@ -875,7 +875,7 @@
           <a:p>
             <a:fld id="{0A968979-5CB5-4E5D-B82F-DAC09775BD7D}" type="datetimeFigureOut">
               <a:rPr lang="en-US" smtClean="0"/>
-              <a:t>2022-08-11</a:t>
+              <a:t>2022-08-12</a:t>
             </a:fld>
             <a:endParaRPr lang="en-US"/>
           </a:p>
@@ -1055,7 +1055,7 @@
           <a:p>
             <a:fld id="{0A968979-5CB5-4E5D-B82F-DAC09775BD7D}" type="datetimeFigureOut">
               <a:rPr lang="en-US" smtClean="0"/>
-              <a:t>2022-08-11</a:t>
+              <a:t>2022-08-12</a:t>
             </a:fld>
             <a:endParaRPr lang="en-US"/>
           </a:p>
@@ -1225,7 +1225,7 @@
           <a:p>
             <a:fld id="{0A968979-5CB5-4E5D-B82F-DAC09775BD7D}" type="datetimeFigureOut">
               <a:rPr lang="en-US" smtClean="0"/>
-              <a:t>2022-08-11</a:t>
+              <a:t>2022-08-12</a:t>
             </a:fld>
             <a:endParaRPr lang="en-US"/>
           </a:p>
@@ -1471,7 +1471,7 @@
           <a:p>
             <a:fld id="{0A968979-5CB5-4E5D-B82F-DAC09775BD7D}" type="datetimeFigureOut">
               <a:rPr lang="en-US" smtClean="0"/>
-              <a:t>2022-08-11</a:t>
+              <a:t>2022-08-12</a:t>
             </a:fld>
             <a:endParaRPr lang="en-US"/>
           </a:p>
@@ -1703,7 +1703,7 @@
           <a:p>
             <a:fld id="{0A968979-5CB5-4E5D-B82F-DAC09775BD7D}" type="datetimeFigureOut">
               <a:rPr lang="en-US" smtClean="0"/>
-              <a:t>2022-08-11</a:t>
+              <a:t>2022-08-12</a:t>
             </a:fld>
             <a:endParaRPr lang="en-US"/>
           </a:p>
@@ -2070,7 +2070,7 @@
           <a:p>
             <a:fld id="{0A968979-5CB5-4E5D-B82F-DAC09775BD7D}" type="datetimeFigureOut">
               <a:rPr lang="en-US" smtClean="0"/>
-              <a:t>2022-08-11</a:t>
+              <a:t>2022-08-12</a:t>
             </a:fld>
             <a:endParaRPr lang="en-US"/>
           </a:p>
@@ -2188,7 +2188,7 @@
           <a:p>
             <a:fld id="{0A968979-5CB5-4E5D-B82F-DAC09775BD7D}" type="datetimeFigureOut">
               <a:rPr lang="en-US" smtClean="0"/>
-              <a:t>2022-08-11</a:t>
+              <a:t>2022-08-12</a:t>
             </a:fld>
             <a:endParaRPr lang="en-US"/>
           </a:p>
@@ -2283,7 +2283,7 @@
           <a:p>
             <a:fld id="{0A968979-5CB5-4E5D-B82F-DAC09775BD7D}" type="datetimeFigureOut">
               <a:rPr lang="en-US" smtClean="0"/>
-              <a:t>2022-08-11</a:t>
+              <a:t>2022-08-12</a:t>
             </a:fld>
             <a:endParaRPr lang="en-US"/>
           </a:p>
@@ -2560,7 +2560,7 @@
           <a:p>
             <a:fld id="{0A968979-5CB5-4E5D-B82F-DAC09775BD7D}" type="datetimeFigureOut">
               <a:rPr lang="en-US" smtClean="0"/>
-              <a:t>2022-08-11</a:t>
+              <a:t>2022-08-12</a:t>
             </a:fld>
             <a:endParaRPr lang="en-US"/>
           </a:p>
@@ -2817,7 +2817,7 @@
           <a:p>
             <a:fld id="{0A968979-5CB5-4E5D-B82F-DAC09775BD7D}" type="datetimeFigureOut">
               <a:rPr lang="en-US" smtClean="0"/>
-              <a:t>2022-08-11</a:t>
+              <a:t>2022-08-12</a:t>
             </a:fld>
             <a:endParaRPr lang="en-US"/>
           </a:p>
@@ -3030,7 +3030,7 @@
           <a:p>
             <a:fld id="{0A968979-5CB5-4E5D-B82F-DAC09775BD7D}" type="datetimeFigureOut">
               <a:rPr lang="en-US" smtClean="0"/>
-              <a:t>2022-08-11</a:t>
+              <a:t>2022-08-12</a:t>
             </a:fld>
             <a:endParaRPr lang="en-US"/>
           </a:p>
@@ -13031,8 +13031,8 @@
         </p:nvSpPr>
         <p:spPr>
           <a:xfrm>
-            <a:off x="2564253" y="3724324"/>
-            <a:ext cx="7063491" cy="2193425"/>
+            <a:off x="234523" y="4170797"/>
+            <a:ext cx="5861470" cy="1101172"/>
           </a:xfrm>
         </p:spPr>
         <p:txBody>
@@ -13114,7 +13114,7 @@
                   </a:outerShdw>
                 </a:effectLst>
               </a:rPr>
-              <a:t> }</a:t>
+              <a:t> }   </a:t>
             </a:r>
           </a:p>
           <a:p>
@@ -13156,160 +13156,6 @@
                 </a:effectLst>
               </a:rPr>
               <a:t>requestScope</a:t>
-            </a:r>
-            <a:r>
-              <a:rPr lang="en-US" dirty="0">
-                <a:effectLst>
-                  <a:outerShdw blurRad="38100" dist="38100" dir="2700000" algn="tl">
-                    <a:srgbClr val="000000">
-                      <a:alpha val="43137"/>
-                    </a:srgbClr>
-                  </a:outerShdw>
-                </a:effectLst>
-              </a:rPr>
-              <a:t>.</a:t>
-            </a:r>
-            <a:r>
-              <a:rPr lang="en-US" dirty="0" err="1">
-                <a:effectLst>
-                  <a:outerShdw blurRad="38100" dist="38100" dir="2700000" algn="tl">
-                    <a:srgbClr val="000000">
-                      <a:alpha val="43137"/>
-                    </a:srgbClr>
-                  </a:outerShdw>
-                </a:effectLst>
-              </a:rPr>
-              <a:t>attributeName</a:t>
-            </a:r>
-            <a:r>
-              <a:rPr lang="en-US" dirty="0">
-                <a:effectLst>
-                  <a:outerShdw blurRad="38100" dist="38100" dir="2700000" algn="tl">
-                    <a:srgbClr val="000000">
-                      <a:alpha val="43137"/>
-                    </a:srgbClr>
-                  </a:outerShdw>
-                </a:effectLst>
-              </a:rPr>
-              <a:t> }</a:t>
-            </a:r>
-          </a:p>
-          <a:p>
-            <a:pPr marL="0" indent="0" algn="ctr">
-              <a:buNone/>
-            </a:pPr>
-            <a:r>
-              <a:rPr lang="hy-AM" dirty="0">
-                <a:effectLst>
-                  <a:outerShdw blurRad="38100" dist="38100" dir="2700000" algn="tl">
-                    <a:srgbClr val="000000">
-                      <a:alpha val="43137"/>
-                    </a:srgbClr>
-                  </a:outerShdw>
-                </a:effectLst>
-              </a:rPr>
-              <a:t>${</a:t>
-            </a:r>
-            <a:r>
-              <a:rPr lang="en-US" dirty="0">
-                <a:effectLst>
-                  <a:outerShdw blurRad="38100" dist="38100" dir="2700000" algn="tl">
-                    <a:srgbClr val="000000">
-                      <a:alpha val="43137"/>
-                    </a:srgbClr>
-                  </a:outerShdw>
-                </a:effectLst>
-              </a:rPr>
-              <a:t> </a:t>
-            </a:r>
-            <a:r>
-              <a:rPr lang="hy-AM" dirty="0">
-                <a:effectLst>
-                  <a:outerShdw blurRad="38100" dist="38100" dir="2700000" algn="tl">
-                    <a:srgbClr val="000000">
-                      <a:alpha val="43137"/>
-                    </a:srgbClr>
-                  </a:outerShdw>
-                </a:effectLst>
-              </a:rPr>
-              <a:t>sessionScope</a:t>
-            </a:r>
-            <a:r>
-              <a:rPr lang="en-US" dirty="0">
-                <a:effectLst>
-                  <a:outerShdw blurRad="38100" dist="38100" dir="2700000" algn="tl">
-                    <a:srgbClr val="000000">
-                      <a:alpha val="43137"/>
-                    </a:srgbClr>
-                  </a:outerShdw>
-                </a:effectLst>
-              </a:rPr>
-              <a:t>.</a:t>
-            </a:r>
-            <a:r>
-              <a:rPr lang="en-US" dirty="0" err="1">
-                <a:effectLst>
-                  <a:outerShdw blurRad="38100" dist="38100" dir="2700000" algn="tl">
-                    <a:srgbClr val="000000">
-                      <a:alpha val="43137"/>
-                    </a:srgbClr>
-                  </a:outerShdw>
-                </a:effectLst>
-              </a:rPr>
-              <a:t>attributeName</a:t>
-            </a:r>
-            <a:r>
-              <a:rPr lang="en-US" dirty="0">
-                <a:effectLst>
-                  <a:outerShdw blurRad="38100" dist="38100" dir="2700000" algn="tl">
-                    <a:srgbClr val="000000">
-                      <a:alpha val="43137"/>
-                    </a:srgbClr>
-                  </a:outerShdw>
-                </a:effectLst>
-              </a:rPr>
-              <a:t> }</a:t>
-            </a:r>
-          </a:p>
-          <a:p>
-            <a:pPr marL="0" indent="0" algn="ctr">
-              <a:buNone/>
-            </a:pPr>
-            <a:r>
-              <a:rPr lang="hy-AM" dirty="0">
-                <a:effectLst>
-                  <a:outerShdw blurRad="38100" dist="38100" dir="2700000" algn="tl">
-                    <a:srgbClr val="000000">
-                      <a:alpha val="43137"/>
-                    </a:srgbClr>
-                  </a:outerShdw>
-                </a:effectLst>
-              </a:rPr>
-              <a:t>${</a:t>
-            </a:r>
-            <a:r>
-              <a:rPr lang="en-US" dirty="0">
-                <a:effectLst>
-                  <a:outerShdw blurRad="38100" dist="38100" dir="2700000" algn="tl">
-                    <a:srgbClr val="000000">
-                      <a:alpha val="43137"/>
-                    </a:srgbClr>
-                  </a:outerShdw>
-                </a:effectLst>
-              </a:rPr>
-              <a:t> </a:t>
-            </a:r>
-            <a:r>
-              <a:rPr lang="hy-AM" dirty="0">
-                <a:effectLst>
-                  <a:outerShdw blurRad="38100" dist="38100" dir="2700000" algn="tl">
-                    <a:srgbClr val="000000">
-                      <a:alpha val="43137"/>
-                    </a:srgbClr>
-                  </a:outerShdw>
-                </a:effectLst>
-              </a:rPr>
-              <a:t>applicationScope</a:t>
             </a:r>
             <a:r>
               <a:rPr lang="en-US" dirty="0">
@@ -13366,8 +13212,8 @@
         </p:nvSpPr>
         <p:spPr>
           <a:xfrm>
-            <a:off x="3189781" y="1652979"/>
-            <a:ext cx="6117236" cy="497059"/>
+            <a:off x="569232" y="1375757"/>
+            <a:ext cx="3666973" cy="1552547"/>
           </a:xfrm>
           <a:prstGeom prst="rect">
             <a:avLst/>
@@ -13606,6 +13452,183 @@
               </a:rPr>
               <a:t>}</a:t>
             </a:r>
+            <a:endParaRPr lang="en-US" dirty="0">
+              <a:effectLst>
+                <a:outerShdw blurRad="38100" dist="38100" dir="2700000" algn="tl">
+                  <a:srgbClr val="000000">
+                    <a:alpha val="43137"/>
+                  </a:srgbClr>
+                </a:outerShdw>
+              </a:effectLst>
+            </a:endParaRPr>
+          </a:p>
+          <a:p>
+            <a:pPr marL="0" indent="0" algn="ctr">
+              <a:buNone/>
+            </a:pPr>
+            <a:r>
+              <a:rPr lang="hy-AM" dirty="0">
+                <a:effectLst>
+                  <a:outerShdw blurRad="38100" dist="38100" dir="2700000" algn="tl">
+                    <a:srgbClr val="000000">
+                      <a:alpha val="43137"/>
+                    </a:srgbClr>
+                  </a:outerShdw>
+                </a:effectLst>
+              </a:rPr>
+              <a:t>${</a:t>
+            </a:r>
+            <a:r>
+              <a:rPr lang="en-US" dirty="0">
+                <a:effectLst>
+                  <a:outerShdw blurRad="38100" dist="38100" dir="2700000" algn="tl">
+                    <a:srgbClr val="000000">
+                      <a:alpha val="43137"/>
+                    </a:srgbClr>
+                  </a:outerShdw>
+                </a:effectLst>
+              </a:rPr>
+              <a:t> </a:t>
+            </a:r>
+            <a:r>
+              <a:rPr lang="en-US" dirty="0" err="1">
+                <a:effectLst>
+                  <a:outerShdw blurRad="38100" dist="38100" dir="2700000" algn="tl">
+                    <a:srgbClr val="000000">
+                      <a:alpha val="43137"/>
+                    </a:srgbClr>
+                  </a:outerShdw>
+                </a:effectLst>
+              </a:rPr>
+              <a:t>myBean.field</a:t>
+            </a:r>
+            <a:r>
+              <a:rPr lang="en-US" dirty="0">
+                <a:effectLst>
+                  <a:outerShdw blurRad="38100" dist="38100" dir="2700000" algn="tl">
+                    <a:srgbClr val="000000">
+                      <a:alpha val="43137"/>
+                    </a:srgbClr>
+                  </a:outerShdw>
+                </a:effectLst>
+              </a:rPr>
+              <a:t> </a:t>
+            </a:r>
+            <a:r>
+              <a:rPr lang="hy-AM" dirty="0">
+                <a:effectLst>
+                  <a:outerShdw blurRad="38100" dist="38100" dir="2700000" algn="tl">
+                    <a:srgbClr val="000000">
+                      <a:alpha val="43137"/>
+                    </a:srgbClr>
+                  </a:outerShdw>
+                </a:effectLst>
+              </a:rPr>
+              <a:t>}</a:t>
+            </a:r>
+            <a:endParaRPr lang="en-US" dirty="0">
+              <a:effectLst>
+                <a:outerShdw blurRad="38100" dist="38100" dir="2700000" algn="tl">
+                  <a:srgbClr val="000000">
+                    <a:alpha val="43137"/>
+                  </a:srgbClr>
+                </a:outerShdw>
+              </a:effectLst>
+            </a:endParaRPr>
+          </a:p>
+          <a:p>
+            <a:pPr marL="0" indent="0" algn="ctr">
+              <a:buNone/>
+            </a:pPr>
+            <a:r>
+              <a:rPr lang="hy-AM" dirty="0">
+                <a:effectLst>
+                  <a:outerShdw blurRad="38100" dist="38100" dir="2700000" algn="tl">
+                    <a:srgbClr val="000000">
+                      <a:alpha val="43137"/>
+                    </a:srgbClr>
+                  </a:outerShdw>
+                </a:effectLst>
+              </a:rPr>
+              <a:t>${</a:t>
+            </a:r>
+            <a:r>
+              <a:rPr lang="en-US" dirty="0">
+                <a:effectLst>
+                  <a:outerShdw blurRad="38100" dist="38100" dir="2700000" algn="tl">
+                    <a:srgbClr val="000000">
+                      <a:alpha val="43137"/>
+                    </a:srgbClr>
+                  </a:outerShdw>
+                </a:effectLst>
+              </a:rPr>
+              <a:t> </a:t>
+            </a:r>
+            <a:r>
+              <a:rPr lang="en-US" dirty="0" err="1">
+                <a:effectLst>
+                  <a:outerShdw blurRad="38100" dist="38100" dir="2700000" algn="tl">
+                    <a:srgbClr val="000000">
+                      <a:alpha val="43137"/>
+                    </a:srgbClr>
+                  </a:outerShdw>
+                </a:effectLst>
+              </a:rPr>
+              <a:t>myBean</a:t>
+            </a:r>
+            <a:r>
+              <a:rPr lang="en-US" dirty="0">
+                <a:effectLst>
+                  <a:outerShdw blurRad="38100" dist="38100" dir="2700000" algn="tl">
+                    <a:srgbClr val="000000">
+                      <a:alpha val="43137"/>
+                    </a:srgbClr>
+                  </a:outerShdw>
+                </a:effectLst>
+              </a:rPr>
+              <a:t>[“field”] </a:t>
+            </a:r>
+            <a:r>
+              <a:rPr lang="hy-AM" dirty="0">
+                <a:effectLst>
+                  <a:outerShdw blurRad="38100" dist="38100" dir="2700000" algn="tl">
+                    <a:srgbClr val="000000">
+                      <a:alpha val="43137"/>
+                    </a:srgbClr>
+                  </a:outerShdw>
+                </a:effectLst>
+              </a:rPr>
+              <a:t>}</a:t>
+            </a:r>
+            <a:endParaRPr lang="en-US" dirty="0">
+              <a:effectLst>
+                <a:outerShdw blurRad="38100" dist="38100" dir="2700000" algn="tl">
+                  <a:srgbClr val="000000">
+                    <a:alpha val="43137"/>
+                  </a:srgbClr>
+                </a:outerShdw>
+              </a:effectLst>
+            </a:endParaRPr>
+          </a:p>
+          <a:p>
+            <a:pPr marL="0" indent="0" algn="ctr">
+              <a:buNone/>
+            </a:pPr>
+            <a:endParaRPr lang="en-US" dirty="0">
+              <a:effectLst>
+                <a:outerShdw blurRad="38100" dist="38100" dir="2700000" algn="tl">
+                  <a:srgbClr val="000000">
+                    <a:alpha val="43137"/>
+                  </a:srgbClr>
+                </a:outerShdw>
+              </a:effectLst>
+            </a:endParaRPr>
+          </a:p>
+          <a:p>
+            <a:pPr marL="0" indent="0" algn="ctr">
+              <a:buFont typeface="Arial" panose="020B0604020202020204" pitchFamily="34" charset="0"/>
+              <a:buNone/>
+            </a:pPr>
             <a:endParaRPr lang="en-US" dirty="0">
               <a:effectLst>
                 <a:outerShdw blurRad="38100" dist="38100" dir="2700000" algn="tl">
@@ -13634,7 +13657,7 @@
         </p:nvSpPr>
         <p:spPr>
           <a:xfrm>
-            <a:off x="234532" y="2669347"/>
+            <a:off x="234527" y="3429000"/>
             <a:ext cx="11722933" cy="535668"/>
           </a:xfrm>
           <a:prstGeom prst="rect">
@@ -13845,7 +13868,7 @@
         </p:nvCxnSpPr>
         <p:spPr>
           <a:xfrm>
-            <a:off x="2309420" y="2908091"/>
+            <a:off x="2294431" y="3699365"/>
             <a:ext cx="509665" cy="0"/>
           </a:xfrm>
           <a:prstGeom prst="straightConnector1">
@@ -13886,7 +13909,7 @@
         </p:nvCxnSpPr>
         <p:spPr>
           <a:xfrm>
-            <a:off x="5402214" y="2908091"/>
+            <a:off x="5417204" y="3696834"/>
             <a:ext cx="509665" cy="0"/>
           </a:xfrm>
           <a:prstGeom prst="straightConnector1">
@@ -13927,7 +13950,7 @@
         </p:nvCxnSpPr>
         <p:spPr>
           <a:xfrm>
-            <a:off x="8400246" y="2908091"/>
+            <a:off x="8400246" y="3696834"/>
             <a:ext cx="509665" cy="0"/>
           </a:xfrm>
           <a:prstGeom prst="straightConnector1">
@@ -13968,7 +13991,7 @@
         </p:nvCxnSpPr>
         <p:spPr>
           <a:xfrm>
-            <a:off x="569235" y="1210927"/>
+            <a:off x="569232" y="1076015"/>
             <a:ext cx="11053530" cy="0"/>
           </a:xfrm>
           <a:prstGeom prst="line">
@@ -13990,6 +14013,1557 @@
           </a:fontRef>
         </p:style>
       </p:cxnSp>
+      <p:sp>
+        <p:nvSpPr>
+          <p:cNvPr id="10" name="Content Placeholder 2">
+            <a:extLst>
+              <a:ext uri="{FF2B5EF4-FFF2-40B4-BE49-F238E27FC236}">
+                <a16:creationId xmlns:a16="http://schemas.microsoft.com/office/drawing/2014/main" id="{1C83CBE5-B341-4B94-9124-21116F6F9563}"/>
+              </a:ext>
+            </a:extLst>
+          </p:cNvPr>
+          <p:cNvSpPr txBox="1">
+            <a:spLocks/>
+          </p:cNvSpPr>
+          <p:nvPr/>
+        </p:nvSpPr>
+        <p:spPr>
+          <a:xfrm>
+            <a:off x="4507102" y="1375656"/>
+            <a:ext cx="3177785" cy="1552547"/>
+          </a:xfrm>
+          <a:prstGeom prst="rect">
+            <a:avLst/>
+          </a:prstGeom>
+        </p:spPr>
+        <p:txBody>
+          <a:bodyPr vert="horz" lIns="91440" tIns="45720" rIns="91440" bIns="45720" rtlCol="0">
+            <a:normAutofit/>
+          </a:bodyPr>
+          <a:lstStyle>
+            <a:lvl1pPr marL="228600" indent="-228600" algn="l" defTabSz="914400" rtl="0" eaLnBrk="1" latinLnBrk="0" hangingPunct="1">
+              <a:lnSpc>
+                <a:spcPct val="90000"/>
+              </a:lnSpc>
+              <a:spcBef>
+                <a:spcPts val="1000"/>
+              </a:spcBef>
+              <a:buFont typeface="Arial" panose="020B0604020202020204" pitchFamily="34" charset="0"/>
+              <a:buChar char="•"/>
+              <a:defRPr sz="2800" kern="1200">
+                <a:solidFill>
+                  <a:schemeClr val="tx1"/>
+                </a:solidFill>
+                <a:latin typeface="+mn-lt"/>
+                <a:ea typeface="+mn-ea"/>
+                <a:cs typeface="+mn-cs"/>
+              </a:defRPr>
+            </a:lvl1pPr>
+            <a:lvl2pPr marL="685800" indent="-228600" algn="l" defTabSz="914400" rtl="0" eaLnBrk="1" latinLnBrk="0" hangingPunct="1">
+              <a:lnSpc>
+                <a:spcPct val="90000"/>
+              </a:lnSpc>
+              <a:spcBef>
+                <a:spcPts val="500"/>
+              </a:spcBef>
+              <a:buFont typeface="Arial" panose="020B0604020202020204" pitchFamily="34" charset="0"/>
+              <a:buChar char="•"/>
+              <a:defRPr sz="2400" kern="1200">
+                <a:solidFill>
+                  <a:schemeClr val="tx1"/>
+                </a:solidFill>
+                <a:latin typeface="+mn-lt"/>
+                <a:ea typeface="+mn-ea"/>
+                <a:cs typeface="+mn-cs"/>
+              </a:defRPr>
+            </a:lvl2pPr>
+            <a:lvl3pPr marL="1143000" indent="-228600" algn="l" defTabSz="914400" rtl="0" eaLnBrk="1" latinLnBrk="0" hangingPunct="1">
+              <a:lnSpc>
+                <a:spcPct val="90000"/>
+              </a:lnSpc>
+              <a:spcBef>
+                <a:spcPts val="500"/>
+              </a:spcBef>
+              <a:buFont typeface="Arial" panose="020B0604020202020204" pitchFamily="34" charset="0"/>
+              <a:buChar char="•"/>
+              <a:defRPr sz="2000" kern="1200">
+                <a:solidFill>
+                  <a:schemeClr val="tx1"/>
+                </a:solidFill>
+                <a:latin typeface="+mn-lt"/>
+                <a:ea typeface="+mn-ea"/>
+                <a:cs typeface="+mn-cs"/>
+              </a:defRPr>
+            </a:lvl3pPr>
+            <a:lvl4pPr marL="1600200" indent="-228600" algn="l" defTabSz="914400" rtl="0" eaLnBrk="1" latinLnBrk="0" hangingPunct="1">
+              <a:lnSpc>
+                <a:spcPct val="90000"/>
+              </a:lnSpc>
+              <a:spcBef>
+                <a:spcPts val="500"/>
+              </a:spcBef>
+              <a:buFont typeface="Arial" panose="020B0604020202020204" pitchFamily="34" charset="0"/>
+              <a:buChar char="•"/>
+              <a:defRPr sz="1800" kern="1200">
+                <a:solidFill>
+                  <a:schemeClr val="tx1"/>
+                </a:solidFill>
+                <a:latin typeface="+mn-lt"/>
+                <a:ea typeface="+mn-ea"/>
+                <a:cs typeface="+mn-cs"/>
+              </a:defRPr>
+            </a:lvl4pPr>
+            <a:lvl5pPr marL="2057400" indent="-228600" algn="l" defTabSz="914400" rtl="0" eaLnBrk="1" latinLnBrk="0" hangingPunct="1">
+              <a:lnSpc>
+                <a:spcPct val="90000"/>
+              </a:lnSpc>
+              <a:spcBef>
+                <a:spcPts val="500"/>
+              </a:spcBef>
+              <a:buFont typeface="Arial" panose="020B0604020202020204" pitchFamily="34" charset="0"/>
+              <a:buChar char="•"/>
+              <a:defRPr sz="1800" kern="1200">
+                <a:solidFill>
+                  <a:schemeClr val="tx1"/>
+                </a:solidFill>
+                <a:latin typeface="+mn-lt"/>
+                <a:ea typeface="+mn-ea"/>
+                <a:cs typeface="+mn-cs"/>
+              </a:defRPr>
+            </a:lvl5pPr>
+            <a:lvl6pPr marL="2514600" indent="-228600" algn="l" defTabSz="914400" rtl="0" eaLnBrk="1" latinLnBrk="0" hangingPunct="1">
+              <a:lnSpc>
+                <a:spcPct val="90000"/>
+              </a:lnSpc>
+              <a:spcBef>
+                <a:spcPts val="500"/>
+              </a:spcBef>
+              <a:buFont typeface="Arial" panose="020B0604020202020204" pitchFamily="34" charset="0"/>
+              <a:buChar char="•"/>
+              <a:defRPr sz="1800" kern="1200">
+                <a:solidFill>
+                  <a:schemeClr val="tx1"/>
+                </a:solidFill>
+                <a:latin typeface="+mn-lt"/>
+                <a:ea typeface="+mn-ea"/>
+                <a:cs typeface="+mn-cs"/>
+              </a:defRPr>
+            </a:lvl6pPr>
+            <a:lvl7pPr marL="2971800" indent="-228600" algn="l" defTabSz="914400" rtl="0" eaLnBrk="1" latinLnBrk="0" hangingPunct="1">
+              <a:lnSpc>
+                <a:spcPct val="90000"/>
+              </a:lnSpc>
+              <a:spcBef>
+                <a:spcPts val="500"/>
+              </a:spcBef>
+              <a:buFont typeface="Arial" panose="020B0604020202020204" pitchFamily="34" charset="0"/>
+              <a:buChar char="•"/>
+              <a:defRPr sz="1800" kern="1200">
+                <a:solidFill>
+                  <a:schemeClr val="tx1"/>
+                </a:solidFill>
+                <a:latin typeface="+mn-lt"/>
+                <a:ea typeface="+mn-ea"/>
+                <a:cs typeface="+mn-cs"/>
+              </a:defRPr>
+            </a:lvl7pPr>
+            <a:lvl8pPr marL="3429000" indent="-228600" algn="l" defTabSz="914400" rtl="0" eaLnBrk="1" latinLnBrk="0" hangingPunct="1">
+              <a:lnSpc>
+                <a:spcPct val="90000"/>
+              </a:lnSpc>
+              <a:spcBef>
+                <a:spcPts val="500"/>
+              </a:spcBef>
+              <a:buFont typeface="Arial" panose="020B0604020202020204" pitchFamily="34" charset="0"/>
+              <a:buChar char="•"/>
+              <a:defRPr sz="1800" kern="1200">
+                <a:solidFill>
+                  <a:schemeClr val="tx1"/>
+                </a:solidFill>
+                <a:latin typeface="+mn-lt"/>
+                <a:ea typeface="+mn-ea"/>
+                <a:cs typeface="+mn-cs"/>
+              </a:defRPr>
+            </a:lvl8pPr>
+            <a:lvl9pPr marL="3886200" indent="-228600" algn="l" defTabSz="914400" rtl="0" eaLnBrk="1" latinLnBrk="0" hangingPunct="1">
+              <a:lnSpc>
+                <a:spcPct val="90000"/>
+              </a:lnSpc>
+              <a:spcBef>
+                <a:spcPts val="500"/>
+              </a:spcBef>
+              <a:buFont typeface="Arial" panose="020B0604020202020204" pitchFamily="34" charset="0"/>
+              <a:buChar char="•"/>
+              <a:defRPr sz="1800" kern="1200">
+                <a:solidFill>
+                  <a:schemeClr val="tx1"/>
+                </a:solidFill>
+                <a:latin typeface="+mn-lt"/>
+                <a:ea typeface="+mn-ea"/>
+                <a:cs typeface="+mn-cs"/>
+              </a:defRPr>
+            </a:lvl9pPr>
+          </a:lstStyle>
+          <a:p>
+            <a:pPr marL="0" indent="0" algn="ctr">
+              <a:buNone/>
+            </a:pPr>
+            <a:r>
+              <a:rPr lang="hy-AM" dirty="0">
+                <a:effectLst>
+                  <a:outerShdw blurRad="38100" dist="38100" dir="2700000" algn="tl">
+                    <a:srgbClr val="000000">
+                      <a:alpha val="43137"/>
+                    </a:srgbClr>
+                  </a:outerShdw>
+                </a:effectLst>
+              </a:rPr>
+              <a:t>${</a:t>
+            </a:r>
+            <a:r>
+              <a:rPr lang="en-US" dirty="0">
+                <a:effectLst>
+                  <a:outerShdw blurRad="38100" dist="38100" dir="2700000" algn="tl">
+                    <a:srgbClr val="000000">
+                      <a:alpha val="43137"/>
+                    </a:srgbClr>
+                  </a:outerShdw>
+                </a:effectLst>
+              </a:rPr>
+              <a:t> array[“1”] </a:t>
+            </a:r>
+            <a:r>
+              <a:rPr lang="hy-AM" dirty="0">
+                <a:effectLst>
+                  <a:outerShdw blurRad="38100" dist="38100" dir="2700000" algn="tl">
+                    <a:srgbClr val="000000">
+                      <a:alpha val="43137"/>
+                    </a:srgbClr>
+                  </a:outerShdw>
+                </a:effectLst>
+              </a:rPr>
+              <a:t>}</a:t>
+            </a:r>
+            <a:endParaRPr lang="en-US" dirty="0">
+              <a:effectLst>
+                <a:outerShdw blurRad="38100" dist="38100" dir="2700000" algn="tl">
+                  <a:srgbClr val="000000">
+                    <a:alpha val="43137"/>
+                  </a:srgbClr>
+                </a:outerShdw>
+              </a:effectLst>
+            </a:endParaRPr>
+          </a:p>
+          <a:p>
+            <a:pPr marL="0" indent="0" algn="ctr">
+              <a:buNone/>
+            </a:pPr>
+            <a:r>
+              <a:rPr lang="hy-AM" dirty="0">
+                <a:effectLst>
+                  <a:outerShdw blurRad="38100" dist="38100" dir="2700000" algn="tl">
+                    <a:srgbClr val="000000">
+                      <a:alpha val="43137"/>
+                    </a:srgbClr>
+                  </a:outerShdw>
+                </a:effectLst>
+              </a:rPr>
+              <a:t>${</a:t>
+            </a:r>
+            <a:r>
+              <a:rPr lang="en-US" dirty="0">
+                <a:effectLst>
+                  <a:outerShdw blurRad="38100" dist="38100" dir="2700000" algn="tl">
+                    <a:srgbClr val="000000">
+                      <a:alpha val="43137"/>
+                    </a:srgbClr>
+                  </a:outerShdw>
+                </a:effectLst>
+              </a:rPr>
+              <a:t> list[1] </a:t>
+            </a:r>
+            <a:r>
+              <a:rPr lang="hy-AM" dirty="0">
+                <a:effectLst>
+                  <a:outerShdw blurRad="38100" dist="38100" dir="2700000" algn="tl">
+                    <a:srgbClr val="000000">
+                      <a:alpha val="43137"/>
+                    </a:srgbClr>
+                  </a:outerShdw>
+                </a:effectLst>
+              </a:rPr>
+              <a:t>}</a:t>
+            </a:r>
+            <a:endParaRPr lang="en-US" dirty="0">
+              <a:effectLst>
+                <a:outerShdw blurRad="38100" dist="38100" dir="2700000" algn="tl">
+                  <a:srgbClr val="000000">
+                    <a:alpha val="43137"/>
+                  </a:srgbClr>
+                </a:outerShdw>
+              </a:effectLst>
+            </a:endParaRPr>
+          </a:p>
+          <a:p>
+            <a:pPr marL="0" indent="0" algn="ctr">
+              <a:buNone/>
+            </a:pPr>
+            <a:r>
+              <a:rPr lang="hy-AM" dirty="0">
+                <a:effectLst>
+                  <a:outerShdw blurRad="38100" dist="38100" dir="2700000" algn="tl">
+                    <a:srgbClr val="000000">
+                      <a:alpha val="43137"/>
+                    </a:srgbClr>
+                  </a:outerShdw>
+                </a:effectLst>
+              </a:rPr>
+              <a:t>${</a:t>
+            </a:r>
+            <a:r>
+              <a:rPr lang="en-US" dirty="0">
+                <a:effectLst>
+                  <a:outerShdw blurRad="38100" dist="38100" dir="2700000" algn="tl">
+                    <a:srgbClr val="000000">
+                      <a:alpha val="43137"/>
+                    </a:srgbClr>
+                  </a:outerShdw>
+                </a:effectLst>
+              </a:rPr>
+              <a:t> map[“key”] </a:t>
+            </a:r>
+            <a:r>
+              <a:rPr lang="hy-AM" dirty="0">
+                <a:effectLst>
+                  <a:outerShdw blurRad="38100" dist="38100" dir="2700000" algn="tl">
+                    <a:srgbClr val="000000">
+                      <a:alpha val="43137"/>
+                    </a:srgbClr>
+                  </a:outerShdw>
+                </a:effectLst>
+              </a:rPr>
+              <a:t>}</a:t>
+            </a:r>
+            <a:endParaRPr lang="en-US" dirty="0">
+              <a:effectLst>
+                <a:outerShdw blurRad="38100" dist="38100" dir="2700000" algn="tl">
+                  <a:srgbClr val="000000">
+                    <a:alpha val="43137"/>
+                  </a:srgbClr>
+                </a:outerShdw>
+              </a:effectLst>
+            </a:endParaRPr>
+          </a:p>
+          <a:p>
+            <a:pPr marL="0" indent="0" algn="ctr">
+              <a:buNone/>
+            </a:pPr>
+            <a:endParaRPr lang="en-US" dirty="0">
+              <a:effectLst>
+                <a:outerShdw blurRad="38100" dist="38100" dir="2700000" algn="tl">
+                  <a:srgbClr val="000000">
+                    <a:alpha val="43137"/>
+                  </a:srgbClr>
+                </a:outerShdw>
+              </a:effectLst>
+            </a:endParaRPr>
+          </a:p>
+          <a:p>
+            <a:pPr marL="0" indent="0" algn="ctr">
+              <a:buFont typeface="Arial" panose="020B0604020202020204" pitchFamily="34" charset="0"/>
+              <a:buNone/>
+            </a:pPr>
+            <a:endParaRPr lang="en-US" dirty="0">
+              <a:effectLst>
+                <a:outerShdw blurRad="38100" dist="38100" dir="2700000" algn="tl">
+                  <a:srgbClr val="000000">
+                    <a:alpha val="43137"/>
+                  </a:srgbClr>
+                </a:outerShdw>
+              </a:effectLst>
+            </a:endParaRPr>
+          </a:p>
+        </p:txBody>
+      </p:sp>
+      <p:sp>
+        <p:nvSpPr>
+          <p:cNvPr id="12" name="Content Placeholder 2">
+            <a:extLst>
+              <a:ext uri="{FF2B5EF4-FFF2-40B4-BE49-F238E27FC236}">
+                <a16:creationId xmlns:a16="http://schemas.microsoft.com/office/drawing/2014/main" id="{29B4ADE5-80AF-4BCF-A311-4848337F6348}"/>
+              </a:ext>
+            </a:extLst>
+          </p:cNvPr>
+          <p:cNvSpPr txBox="1">
+            <a:spLocks/>
+          </p:cNvSpPr>
+          <p:nvPr/>
+        </p:nvSpPr>
+        <p:spPr>
+          <a:xfrm>
+            <a:off x="8176015" y="1375656"/>
+            <a:ext cx="3177785" cy="1552547"/>
+          </a:xfrm>
+          <a:prstGeom prst="rect">
+            <a:avLst/>
+          </a:prstGeom>
+        </p:spPr>
+        <p:txBody>
+          <a:bodyPr vert="horz" lIns="91440" tIns="45720" rIns="91440" bIns="45720" rtlCol="0">
+            <a:normAutofit/>
+          </a:bodyPr>
+          <a:lstStyle>
+            <a:lvl1pPr marL="228600" indent="-228600" algn="l" defTabSz="914400" rtl="0" eaLnBrk="1" latinLnBrk="0" hangingPunct="1">
+              <a:lnSpc>
+                <a:spcPct val="90000"/>
+              </a:lnSpc>
+              <a:spcBef>
+                <a:spcPts val="1000"/>
+              </a:spcBef>
+              <a:buFont typeface="Arial" panose="020B0604020202020204" pitchFamily="34" charset="0"/>
+              <a:buChar char="•"/>
+              <a:defRPr sz="2800" kern="1200">
+                <a:solidFill>
+                  <a:schemeClr val="tx1"/>
+                </a:solidFill>
+                <a:latin typeface="+mn-lt"/>
+                <a:ea typeface="+mn-ea"/>
+                <a:cs typeface="+mn-cs"/>
+              </a:defRPr>
+            </a:lvl1pPr>
+            <a:lvl2pPr marL="685800" indent="-228600" algn="l" defTabSz="914400" rtl="0" eaLnBrk="1" latinLnBrk="0" hangingPunct="1">
+              <a:lnSpc>
+                <a:spcPct val="90000"/>
+              </a:lnSpc>
+              <a:spcBef>
+                <a:spcPts val="500"/>
+              </a:spcBef>
+              <a:buFont typeface="Arial" panose="020B0604020202020204" pitchFamily="34" charset="0"/>
+              <a:buChar char="•"/>
+              <a:defRPr sz="2400" kern="1200">
+                <a:solidFill>
+                  <a:schemeClr val="tx1"/>
+                </a:solidFill>
+                <a:latin typeface="+mn-lt"/>
+                <a:ea typeface="+mn-ea"/>
+                <a:cs typeface="+mn-cs"/>
+              </a:defRPr>
+            </a:lvl2pPr>
+            <a:lvl3pPr marL="1143000" indent="-228600" algn="l" defTabSz="914400" rtl="0" eaLnBrk="1" latinLnBrk="0" hangingPunct="1">
+              <a:lnSpc>
+                <a:spcPct val="90000"/>
+              </a:lnSpc>
+              <a:spcBef>
+                <a:spcPts val="500"/>
+              </a:spcBef>
+              <a:buFont typeface="Arial" panose="020B0604020202020204" pitchFamily="34" charset="0"/>
+              <a:buChar char="•"/>
+              <a:defRPr sz="2000" kern="1200">
+                <a:solidFill>
+                  <a:schemeClr val="tx1"/>
+                </a:solidFill>
+                <a:latin typeface="+mn-lt"/>
+                <a:ea typeface="+mn-ea"/>
+                <a:cs typeface="+mn-cs"/>
+              </a:defRPr>
+            </a:lvl3pPr>
+            <a:lvl4pPr marL="1600200" indent="-228600" algn="l" defTabSz="914400" rtl="0" eaLnBrk="1" latinLnBrk="0" hangingPunct="1">
+              <a:lnSpc>
+                <a:spcPct val="90000"/>
+              </a:lnSpc>
+              <a:spcBef>
+                <a:spcPts val="500"/>
+              </a:spcBef>
+              <a:buFont typeface="Arial" panose="020B0604020202020204" pitchFamily="34" charset="0"/>
+              <a:buChar char="•"/>
+              <a:defRPr sz="1800" kern="1200">
+                <a:solidFill>
+                  <a:schemeClr val="tx1"/>
+                </a:solidFill>
+                <a:latin typeface="+mn-lt"/>
+                <a:ea typeface="+mn-ea"/>
+                <a:cs typeface="+mn-cs"/>
+              </a:defRPr>
+            </a:lvl4pPr>
+            <a:lvl5pPr marL="2057400" indent="-228600" algn="l" defTabSz="914400" rtl="0" eaLnBrk="1" latinLnBrk="0" hangingPunct="1">
+              <a:lnSpc>
+                <a:spcPct val="90000"/>
+              </a:lnSpc>
+              <a:spcBef>
+                <a:spcPts val="500"/>
+              </a:spcBef>
+              <a:buFont typeface="Arial" panose="020B0604020202020204" pitchFamily="34" charset="0"/>
+              <a:buChar char="•"/>
+              <a:defRPr sz="1800" kern="1200">
+                <a:solidFill>
+                  <a:schemeClr val="tx1"/>
+                </a:solidFill>
+                <a:latin typeface="+mn-lt"/>
+                <a:ea typeface="+mn-ea"/>
+                <a:cs typeface="+mn-cs"/>
+              </a:defRPr>
+            </a:lvl5pPr>
+            <a:lvl6pPr marL="2514600" indent="-228600" algn="l" defTabSz="914400" rtl="0" eaLnBrk="1" latinLnBrk="0" hangingPunct="1">
+              <a:lnSpc>
+                <a:spcPct val="90000"/>
+              </a:lnSpc>
+              <a:spcBef>
+                <a:spcPts val="500"/>
+              </a:spcBef>
+              <a:buFont typeface="Arial" panose="020B0604020202020204" pitchFamily="34" charset="0"/>
+              <a:buChar char="•"/>
+              <a:defRPr sz="1800" kern="1200">
+                <a:solidFill>
+                  <a:schemeClr val="tx1"/>
+                </a:solidFill>
+                <a:latin typeface="+mn-lt"/>
+                <a:ea typeface="+mn-ea"/>
+                <a:cs typeface="+mn-cs"/>
+              </a:defRPr>
+            </a:lvl6pPr>
+            <a:lvl7pPr marL="2971800" indent="-228600" algn="l" defTabSz="914400" rtl="0" eaLnBrk="1" latinLnBrk="0" hangingPunct="1">
+              <a:lnSpc>
+                <a:spcPct val="90000"/>
+              </a:lnSpc>
+              <a:spcBef>
+                <a:spcPts val="500"/>
+              </a:spcBef>
+              <a:buFont typeface="Arial" panose="020B0604020202020204" pitchFamily="34" charset="0"/>
+              <a:buChar char="•"/>
+              <a:defRPr sz="1800" kern="1200">
+                <a:solidFill>
+                  <a:schemeClr val="tx1"/>
+                </a:solidFill>
+                <a:latin typeface="+mn-lt"/>
+                <a:ea typeface="+mn-ea"/>
+                <a:cs typeface="+mn-cs"/>
+              </a:defRPr>
+            </a:lvl7pPr>
+            <a:lvl8pPr marL="3429000" indent="-228600" algn="l" defTabSz="914400" rtl="0" eaLnBrk="1" latinLnBrk="0" hangingPunct="1">
+              <a:lnSpc>
+                <a:spcPct val="90000"/>
+              </a:lnSpc>
+              <a:spcBef>
+                <a:spcPts val="500"/>
+              </a:spcBef>
+              <a:buFont typeface="Arial" panose="020B0604020202020204" pitchFamily="34" charset="0"/>
+              <a:buChar char="•"/>
+              <a:defRPr sz="1800" kern="1200">
+                <a:solidFill>
+                  <a:schemeClr val="tx1"/>
+                </a:solidFill>
+                <a:latin typeface="+mn-lt"/>
+                <a:ea typeface="+mn-ea"/>
+                <a:cs typeface="+mn-cs"/>
+              </a:defRPr>
+            </a:lvl8pPr>
+            <a:lvl9pPr marL="3886200" indent="-228600" algn="l" defTabSz="914400" rtl="0" eaLnBrk="1" latinLnBrk="0" hangingPunct="1">
+              <a:lnSpc>
+                <a:spcPct val="90000"/>
+              </a:lnSpc>
+              <a:spcBef>
+                <a:spcPts val="500"/>
+              </a:spcBef>
+              <a:buFont typeface="Arial" panose="020B0604020202020204" pitchFamily="34" charset="0"/>
+              <a:buChar char="•"/>
+              <a:defRPr sz="1800" kern="1200">
+                <a:solidFill>
+                  <a:schemeClr val="tx1"/>
+                </a:solidFill>
+                <a:latin typeface="+mn-lt"/>
+                <a:ea typeface="+mn-ea"/>
+                <a:cs typeface="+mn-cs"/>
+              </a:defRPr>
+            </a:lvl9pPr>
+          </a:lstStyle>
+          <a:p>
+            <a:pPr marL="0" indent="0" algn="ctr">
+              <a:buNone/>
+            </a:pPr>
+            <a:r>
+              <a:rPr lang="hy-AM" dirty="0">
+                <a:effectLst>
+                  <a:outerShdw blurRad="38100" dist="38100" dir="2700000" algn="tl">
+                    <a:srgbClr val="000000">
+                      <a:alpha val="43137"/>
+                    </a:srgbClr>
+                  </a:outerShdw>
+                </a:effectLst>
+              </a:rPr>
+              <a:t>${</a:t>
+            </a:r>
+            <a:r>
+              <a:rPr lang="en-US" dirty="0">
+                <a:effectLst>
+                  <a:outerShdw blurRad="38100" dist="38100" dir="2700000" algn="tl">
+                    <a:srgbClr val="000000">
+                      <a:alpha val="43137"/>
+                    </a:srgbClr>
+                  </a:outerShdw>
+                </a:effectLst>
+              </a:rPr>
+              <a:t> 1 + 2 * 3 / 2 </a:t>
+            </a:r>
+            <a:r>
+              <a:rPr lang="hy-AM" dirty="0">
+                <a:effectLst>
+                  <a:outerShdw blurRad="38100" dist="38100" dir="2700000" algn="tl">
+                    <a:srgbClr val="000000">
+                      <a:alpha val="43137"/>
+                    </a:srgbClr>
+                  </a:outerShdw>
+                </a:effectLst>
+              </a:rPr>
+              <a:t>}</a:t>
+            </a:r>
+            <a:endParaRPr lang="en-US" dirty="0">
+              <a:effectLst>
+                <a:outerShdw blurRad="38100" dist="38100" dir="2700000" algn="tl">
+                  <a:srgbClr val="000000">
+                    <a:alpha val="43137"/>
+                  </a:srgbClr>
+                </a:outerShdw>
+              </a:effectLst>
+            </a:endParaRPr>
+          </a:p>
+          <a:p>
+            <a:pPr marL="0" indent="0" algn="ctr">
+              <a:buNone/>
+            </a:pPr>
+            <a:r>
+              <a:rPr lang="hy-AM" dirty="0">
+                <a:effectLst>
+                  <a:outerShdw blurRad="38100" dist="38100" dir="2700000" algn="tl">
+                    <a:srgbClr val="000000">
+                      <a:alpha val="43137"/>
+                    </a:srgbClr>
+                  </a:outerShdw>
+                </a:effectLst>
+              </a:rPr>
+              <a:t>${</a:t>
+            </a:r>
+            <a:r>
+              <a:rPr lang="en-US" dirty="0">
+                <a:effectLst>
+                  <a:outerShdw blurRad="38100" dist="38100" dir="2700000" algn="tl">
+                    <a:srgbClr val="000000">
+                      <a:alpha val="43137"/>
+                    </a:srgbClr>
+                  </a:outerShdw>
+                </a:effectLst>
+              </a:rPr>
+              <a:t> list[1] == “one”</a:t>
+            </a:r>
+            <a:r>
+              <a:rPr lang="hy-AM" dirty="0">
+                <a:effectLst>
+                  <a:outerShdw blurRad="38100" dist="38100" dir="2700000" algn="tl">
+                    <a:srgbClr val="000000">
+                      <a:alpha val="43137"/>
+                    </a:srgbClr>
+                  </a:outerShdw>
+                </a:effectLst>
+              </a:rPr>
+              <a:t>}</a:t>
+            </a:r>
+            <a:endParaRPr lang="en-US" dirty="0">
+              <a:effectLst>
+                <a:outerShdw blurRad="38100" dist="38100" dir="2700000" algn="tl">
+                  <a:srgbClr val="000000">
+                    <a:alpha val="43137"/>
+                  </a:srgbClr>
+                </a:outerShdw>
+              </a:effectLst>
+            </a:endParaRPr>
+          </a:p>
+          <a:p>
+            <a:pPr marL="0" indent="0" algn="ctr">
+              <a:buNone/>
+            </a:pPr>
+            <a:r>
+              <a:rPr lang="hy-AM" dirty="0">
+                <a:effectLst>
+                  <a:outerShdw blurRad="38100" dist="38100" dir="2700000" algn="tl">
+                    <a:srgbClr val="000000">
+                      <a:alpha val="43137"/>
+                    </a:srgbClr>
+                  </a:outerShdw>
+                </a:effectLst>
+              </a:rPr>
+              <a:t>${</a:t>
+            </a:r>
+            <a:r>
+              <a:rPr lang="en-US" dirty="0">
+                <a:effectLst>
+                  <a:outerShdw blurRad="38100" dist="38100" dir="2700000" algn="tl">
+                    <a:srgbClr val="000000">
+                      <a:alpha val="43137"/>
+                    </a:srgbClr>
+                  </a:outerShdw>
+                </a:effectLst>
+              </a:rPr>
+              <a:t> null + 1 </a:t>
+            </a:r>
+            <a:r>
+              <a:rPr lang="hy-AM" dirty="0">
+                <a:effectLst>
+                  <a:outerShdw blurRad="38100" dist="38100" dir="2700000" algn="tl">
+                    <a:srgbClr val="000000">
+                      <a:alpha val="43137"/>
+                    </a:srgbClr>
+                  </a:outerShdw>
+                </a:effectLst>
+              </a:rPr>
+              <a:t>}</a:t>
+            </a:r>
+            <a:endParaRPr lang="en-US" dirty="0">
+              <a:effectLst>
+                <a:outerShdw blurRad="38100" dist="38100" dir="2700000" algn="tl">
+                  <a:srgbClr val="000000">
+                    <a:alpha val="43137"/>
+                  </a:srgbClr>
+                </a:outerShdw>
+              </a:effectLst>
+            </a:endParaRPr>
+          </a:p>
+          <a:p>
+            <a:pPr marL="0" indent="0" algn="ctr">
+              <a:buNone/>
+            </a:pPr>
+            <a:endParaRPr lang="en-US" dirty="0">
+              <a:effectLst>
+                <a:outerShdw blurRad="38100" dist="38100" dir="2700000" algn="tl">
+                  <a:srgbClr val="000000">
+                    <a:alpha val="43137"/>
+                  </a:srgbClr>
+                </a:outerShdw>
+              </a:effectLst>
+            </a:endParaRPr>
+          </a:p>
+          <a:p>
+            <a:pPr marL="0" indent="0" algn="ctr">
+              <a:buFont typeface="Arial" panose="020B0604020202020204" pitchFamily="34" charset="0"/>
+              <a:buNone/>
+            </a:pPr>
+            <a:endParaRPr lang="en-US" dirty="0">
+              <a:effectLst>
+                <a:outerShdw blurRad="38100" dist="38100" dir="2700000" algn="tl">
+                  <a:srgbClr val="000000">
+                    <a:alpha val="43137"/>
+                  </a:srgbClr>
+                </a:outerShdw>
+              </a:effectLst>
+            </a:endParaRPr>
+          </a:p>
+        </p:txBody>
+      </p:sp>
+      <p:sp>
+        <p:nvSpPr>
+          <p:cNvPr id="16" name="Content Placeholder 2">
+            <a:extLst>
+              <a:ext uri="{FF2B5EF4-FFF2-40B4-BE49-F238E27FC236}">
+                <a16:creationId xmlns:a16="http://schemas.microsoft.com/office/drawing/2014/main" id="{E484FAB1-20DF-4239-B470-C5E202E8D3A9}"/>
+              </a:ext>
+            </a:extLst>
+          </p:cNvPr>
+          <p:cNvSpPr txBox="1">
+            <a:spLocks/>
+          </p:cNvSpPr>
+          <p:nvPr/>
+        </p:nvSpPr>
+        <p:spPr>
+          <a:xfrm>
+            <a:off x="5761292" y="4184634"/>
+            <a:ext cx="5861470" cy="1101172"/>
+          </a:xfrm>
+          <a:prstGeom prst="rect">
+            <a:avLst/>
+          </a:prstGeom>
+        </p:spPr>
+        <p:txBody>
+          <a:bodyPr vert="horz" lIns="91440" tIns="45720" rIns="91440" bIns="45720" rtlCol="0">
+            <a:normAutofit/>
+          </a:bodyPr>
+          <a:lstStyle>
+            <a:lvl1pPr marL="228600" indent="-228600" algn="l" defTabSz="914400" rtl="0" eaLnBrk="1" latinLnBrk="0" hangingPunct="1">
+              <a:lnSpc>
+                <a:spcPct val="90000"/>
+              </a:lnSpc>
+              <a:spcBef>
+                <a:spcPts val="1000"/>
+              </a:spcBef>
+              <a:buFont typeface="Arial" panose="020B0604020202020204" pitchFamily="34" charset="0"/>
+              <a:buChar char="•"/>
+              <a:defRPr sz="2800" kern="1200">
+                <a:solidFill>
+                  <a:schemeClr val="tx1"/>
+                </a:solidFill>
+                <a:latin typeface="+mn-lt"/>
+                <a:ea typeface="+mn-ea"/>
+                <a:cs typeface="+mn-cs"/>
+              </a:defRPr>
+            </a:lvl1pPr>
+            <a:lvl2pPr marL="685800" indent="-228600" algn="l" defTabSz="914400" rtl="0" eaLnBrk="1" latinLnBrk="0" hangingPunct="1">
+              <a:lnSpc>
+                <a:spcPct val="90000"/>
+              </a:lnSpc>
+              <a:spcBef>
+                <a:spcPts val="500"/>
+              </a:spcBef>
+              <a:buFont typeface="Arial" panose="020B0604020202020204" pitchFamily="34" charset="0"/>
+              <a:buChar char="•"/>
+              <a:defRPr sz="2400" kern="1200">
+                <a:solidFill>
+                  <a:schemeClr val="tx1"/>
+                </a:solidFill>
+                <a:latin typeface="+mn-lt"/>
+                <a:ea typeface="+mn-ea"/>
+                <a:cs typeface="+mn-cs"/>
+              </a:defRPr>
+            </a:lvl2pPr>
+            <a:lvl3pPr marL="1143000" indent="-228600" algn="l" defTabSz="914400" rtl="0" eaLnBrk="1" latinLnBrk="0" hangingPunct="1">
+              <a:lnSpc>
+                <a:spcPct val="90000"/>
+              </a:lnSpc>
+              <a:spcBef>
+                <a:spcPts val="500"/>
+              </a:spcBef>
+              <a:buFont typeface="Arial" panose="020B0604020202020204" pitchFamily="34" charset="0"/>
+              <a:buChar char="•"/>
+              <a:defRPr sz="2000" kern="1200">
+                <a:solidFill>
+                  <a:schemeClr val="tx1"/>
+                </a:solidFill>
+                <a:latin typeface="+mn-lt"/>
+                <a:ea typeface="+mn-ea"/>
+                <a:cs typeface="+mn-cs"/>
+              </a:defRPr>
+            </a:lvl3pPr>
+            <a:lvl4pPr marL="1600200" indent="-228600" algn="l" defTabSz="914400" rtl="0" eaLnBrk="1" latinLnBrk="0" hangingPunct="1">
+              <a:lnSpc>
+                <a:spcPct val="90000"/>
+              </a:lnSpc>
+              <a:spcBef>
+                <a:spcPts val="500"/>
+              </a:spcBef>
+              <a:buFont typeface="Arial" panose="020B0604020202020204" pitchFamily="34" charset="0"/>
+              <a:buChar char="•"/>
+              <a:defRPr sz="1800" kern="1200">
+                <a:solidFill>
+                  <a:schemeClr val="tx1"/>
+                </a:solidFill>
+                <a:latin typeface="+mn-lt"/>
+                <a:ea typeface="+mn-ea"/>
+                <a:cs typeface="+mn-cs"/>
+              </a:defRPr>
+            </a:lvl4pPr>
+            <a:lvl5pPr marL="2057400" indent="-228600" algn="l" defTabSz="914400" rtl="0" eaLnBrk="1" latinLnBrk="0" hangingPunct="1">
+              <a:lnSpc>
+                <a:spcPct val="90000"/>
+              </a:lnSpc>
+              <a:spcBef>
+                <a:spcPts val="500"/>
+              </a:spcBef>
+              <a:buFont typeface="Arial" panose="020B0604020202020204" pitchFamily="34" charset="0"/>
+              <a:buChar char="•"/>
+              <a:defRPr sz="1800" kern="1200">
+                <a:solidFill>
+                  <a:schemeClr val="tx1"/>
+                </a:solidFill>
+                <a:latin typeface="+mn-lt"/>
+                <a:ea typeface="+mn-ea"/>
+                <a:cs typeface="+mn-cs"/>
+              </a:defRPr>
+            </a:lvl5pPr>
+            <a:lvl6pPr marL="2514600" indent="-228600" algn="l" defTabSz="914400" rtl="0" eaLnBrk="1" latinLnBrk="0" hangingPunct="1">
+              <a:lnSpc>
+                <a:spcPct val="90000"/>
+              </a:lnSpc>
+              <a:spcBef>
+                <a:spcPts val="500"/>
+              </a:spcBef>
+              <a:buFont typeface="Arial" panose="020B0604020202020204" pitchFamily="34" charset="0"/>
+              <a:buChar char="•"/>
+              <a:defRPr sz="1800" kern="1200">
+                <a:solidFill>
+                  <a:schemeClr val="tx1"/>
+                </a:solidFill>
+                <a:latin typeface="+mn-lt"/>
+                <a:ea typeface="+mn-ea"/>
+                <a:cs typeface="+mn-cs"/>
+              </a:defRPr>
+            </a:lvl6pPr>
+            <a:lvl7pPr marL="2971800" indent="-228600" algn="l" defTabSz="914400" rtl="0" eaLnBrk="1" latinLnBrk="0" hangingPunct="1">
+              <a:lnSpc>
+                <a:spcPct val="90000"/>
+              </a:lnSpc>
+              <a:spcBef>
+                <a:spcPts val="500"/>
+              </a:spcBef>
+              <a:buFont typeface="Arial" panose="020B0604020202020204" pitchFamily="34" charset="0"/>
+              <a:buChar char="•"/>
+              <a:defRPr sz="1800" kern="1200">
+                <a:solidFill>
+                  <a:schemeClr val="tx1"/>
+                </a:solidFill>
+                <a:latin typeface="+mn-lt"/>
+                <a:ea typeface="+mn-ea"/>
+                <a:cs typeface="+mn-cs"/>
+              </a:defRPr>
+            </a:lvl7pPr>
+            <a:lvl8pPr marL="3429000" indent="-228600" algn="l" defTabSz="914400" rtl="0" eaLnBrk="1" latinLnBrk="0" hangingPunct="1">
+              <a:lnSpc>
+                <a:spcPct val="90000"/>
+              </a:lnSpc>
+              <a:spcBef>
+                <a:spcPts val="500"/>
+              </a:spcBef>
+              <a:buFont typeface="Arial" panose="020B0604020202020204" pitchFamily="34" charset="0"/>
+              <a:buChar char="•"/>
+              <a:defRPr sz="1800" kern="1200">
+                <a:solidFill>
+                  <a:schemeClr val="tx1"/>
+                </a:solidFill>
+                <a:latin typeface="+mn-lt"/>
+                <a:ea typeface="+mn-ea"/>
+                <a:cs typeface="+mn-cs"/>
+              </a:defRPr>
+            </a:lvl8pPr>
+            <a:lvl9pPr marL="3886200" indent="-228600" algn="l" defTabSz="914400" rtl="0" eaLnBrk="1" latinLnBrk="0" hangingPunct="1">
+              <a:lnSpc>
+                <a:spcPct val="90000"/>
+              </a:lnSpc>
+              <a:spcBef>
+                <a:spcPts val="500"/>
+              </a:spcBef>
+              <a:buFont typeface="Arial" panose="020B0604020202020204" pitchFamily="34" charset="0"/>
+              <a:buChar char="•"/>
+              <a:defRPr sz="1800" kern="1200">
+                <a:solidFill>
+                  <a:schemeClr val="tx1"/>
+                </a:solidFill>
+                <a:latin typeface="+mn-lt"/>
+                <a:ea typeface="+mn-ea"/>
+                <a:cs typeface="+mn-cs"/>
+              </a:defRPr>
+            </a:lvl9pPr>
+          </a:lstStyle>
+          <a:p>
+            <a:pPr marL="0" indent="0" algn="ctr">
+              <a:buFont typeface="Arial" panose="020B0604020202020204" pitchFamily="34" charset="0"/>
+              <a:buNone/>
+            </a:pPr>
+            <a:r>
+              <a:rPr lang="hy-AM" dirty="0">
+                <a:effectLst>
+                  <a:outerShdw blurRad="38100" dist="38100" dir="2700000" algn="tl">
+                    <a:srgbClr val="000000">
+                      <a:alpha val="43137"/>
+                    </a:srgbClr>
+                  </a:outerShdw>
+                </a:effectLst>
+              </a:rPr>
+              <a:t>${</a:t>
+            </a:r>
+            <a:r>
+              <a:rPr lang="en-US" dirty="0">
+                <a:effectLst>
+                  <a:outerShdw blurRad="38100" dist="38100" dir="2700000" algn="tl">
+                    <a:srgbClr val="000000">
+                      <a:alpha val="43137"/>
+                    </a:srgbClr>
+                  </a:outerShdw>
+                </a:effectLst>
+              </a:rPr>
+              <a:t> </a:t>
+            </a:r>
+            <a:r>
+              <a:rPr lang="hy-AM" dirty="0">
+                <a:effectLst>
+                  <a:outerShdw blurRad="38100" dist="38100" dir="2700000" algn="tl">
+                    <a:srgbClr val="000000">
+                      <a:alpha val="43137"/>
+                    </a:srgbClr>
+                  </a:outerShdw>
+                </a:effectLst>
+              </a:rPr>
+              <a:t>sessionScope</a:t>
+            </a:r>
+            <a:r>
+              <a:rPr lang="en-US" dirty="0">
+                <a:effectLst>
+                  <a:outerShdw blurRad="38100" dist="38100" dir="2700000" algn="tl">
+                    <a:srgbClr val="000000">
+                      <a:alpha val="43137"/>
+                    </a:srgbClr>
+                  </a:outerShdw>
+                </a:effectLst>
+              </a:rPr>
+              <a:t>.</a:t>
+            </a:r>
+            <a:r>
+              <a:rPr lang="en-US" dirty="0" err="1">
+                <a:effectLst>
+                  <a:outerShdw blurRad="38100" dist="38100" dir="2700000" algn="tl">
+                    <a:srgbClr val="000000">
+                      <a:alpha val="43137"/>
+                    </a:srgbClr>
+                  </a:outerShdw>
+                </a:effectLst>
+              </a:rPr>
+              <a:t>attributeName</a:t>
+            </a:r>
+            <a:r>
+              <a:rPr lang="en-US" dirty="0">
+                <a:effectLst>
+                  <a:outerShdw blurRad="38100" dist="38100" dir="2700000" algn="tl">
+                    <a:srgbClr val="000000">
+                      <a:alpha val="43137"/>
+                    </a:srgbClr>
+                  </a:outerShdw>
+                </a:effectLst>
+              </a:rPr>
+              <a:t> }   </a:t>
+            </a:r>
+          </a:p>
+          <a:p>
+            <a:pPr marL="0" indent="0" algn="ctr">
+              <a:buFont typeface="Arial" panose="020B0604020202020204" pitchFamily="34" charset="0"/>
+              <a:buNone/>
+            </a:pPr>
+            <a:r>
+              <a:rPr lang="hy-AM" dirty="0">
+                <a:effectLst>
+                  <a:outerShdw blurRad="38100" dist="38100" dir="2700000" algn="tl">
+                    <a:srgbClr val="000000">
+                      <a:alpha val="43137"/>
+                    </a:srgbClr>
+                  </a:outerShdw>
+                </a:effectLst>
+              </a:rPr>
+              <a:t>${</a:t>
+            </a:r>
+            <a:r>
+              <a:rPr lang="en-US" dirty="0">
+                <a:effectLst>
+                  <a:outerShdw blurRad="38100" dist="38100" dir="2700000" algn="tl">
+                    <a:srgbClr val="000000">
+                      <a:alpha val="43137"/>
+                    </a:srgbClr>
+                  </a:outerShdw>
+                </a:effectLst>
+              </a:rPr>
+              <a:t> </a:t>
+            </a:r>
+            <a:r>
+              <a:rPr lang="hy-AM" dirty="0">
+                <a:effectLst>
+                  <a:outerShdw blurRad="38100" dist="38100" dir="2700000" algn="tl">
+                    <a:srgbClr val="000000">
+                      <a:alpha val="43137"/>
+                    </a:srgbClr>
+                  </a:outerShdw>
+                </a:effectLst>
+              </a:rPr>
+              <a:t>applicationScope</a:t>
+            </a:r>
+            <a:r>
+              <a:rPr lang="en-US" dirty="0">
+                <a:effectLst>
+                  <a:outerShdw blurRad="38100" dist="38100" dir="2700000" algn="tl">
+                    <a:srgbClr val="000000">
+                      <a:alpha val="43137"/>
+                    </a:srgbClr>
+                  </a:outerShdw>
+                </a:effectLst>
+              </a:rPr>
+              <a:t>.</a:t>
+            </a:r>
+            <a:r>
+              <a:rPr lang="en-US" dirty="0" err="1">
+                <a:effectLst>
+                  <a:outerShdw blurRad="38100" dist="38100" dir="2700000" algn="tl">
+                    <a:srgbClr val="000000">
+                      <a:alpha val="43137"/>
+                    </a:srgbClr>
+                  </a:outerShdw>
+                </a:effectLst>
+              </a:rPr>
+              <a:t>attributeName</a:t>
+            </a:r>
+            <a:r>
+              <a:rPr lang="en-US" dirty="0">
+                <a:effectLst>
+                  <a:outerShdw blurRad="38100" dist="38100" dir="2700000" algn="tl">
+                    <a:srgbClr val="000000">
+                      <a:alpha val="43137"/>
+                    </a:srgbClr>
+                  </a:outerShdw>
+                </a:effectLst>
+              </a:rPr>
+              <a:t> }</a:t>
+            </a:r>
+          </a:p>
+        </p:txBody>
+      </p:sp>
+      <p:sp>
+        <p:nvSpPr>
+          <p:cNvPr id="17" name="Content Placeholder 2">
+            <a:extLst>
+              <a:ext uri="{FF2B5EF4-FFF2-40B4-BE49-F238E27FC236}">
+                <a16:creationId xmlns:a16="http://schemas.microsoft.com/office/drawing/2014/main" id="{BDA4E1C0-C23B-410F-9564-6685C662086B}"/>
+              </a:ext>
+            </a:extLst>
+          </p:cNvPr>
+          <p:cNvSpPr txBox="1">
+            <a:spLocks/>
+          </p:cNvSpPr>
+          <p:nvPr/>
+        </p:nvSpPr>
+        <p:spPr>
+          <a:xfrm>
+            <a:off x="569233" y="5661987"/>
+            <a:ext cx="3937870" cy="655665"/>
+          </a:xfrm>
+          <a:prstGeom prst="rect">
+            <a:avLst/>
+          </a:prstGeom>
+        </p:spPr>
+        <p:txBody>
+          <a:bodyPr vert="horz" lIns="91440" tIns="45720" rIns="91440" bIns="45720" rtlCol="0">
+            <a:normAutofit/>
+          </a:bodyPr>
+          <a:lstStyle>
+            <a:lvl1pPr marL="228600" indent="-228600" algn="l" defTabSz="914400" rtl="0" eaLnBrk="1" latinLnBrk="0" hangingPunct="1">
+              <a:lnSpc>
+                <a:spcPct val="90000"/>
+              </a:lnSpc>
+              <a:spcBef>
+                <a:spcPts val="1000"/>
+              </a:spcBef>
+              <a:buFont typeface="Arial" panose="020B0604020202020204" pitchFamily="34" charset="0"/>
+              <a:buChar char="•"/>
+              <a:defRPr sz="2800" kern="1200">
+                <a:solidFill>
+                  <a:schemeClr val="tx1"/>
+                </a:solidFill>
+                <a:latin typeface="+mn-lt"/>
+                <a:ea typeface="+mn-ea"/>
+                <a:cs typeface="+mn-cs"/>
+              </a:defRPr>
+            </a:lvl1pPr>
+            <a:lvl2pPr marL="685800" indent="-228600" algn="l" defTabSz="914400" rtl="0" eaLnBrk="1" latinLnBrk="0" hangingPunct="1">
+              <a:lnSpc>
+                <a:spcPct val="90000"/>
+              </a:lnSpc>
+              <a:spcBef>
+                <a:spcPts val="500"/>
+              </a:spcBef>
+              <a:buFont typeface="Arial" panose="020B0604020202020204" pitchFamily="34" charset="0"/>
+              <a:buChar char="•"/>
+              <a:defRPr sz="2400" kern="1200">
+                <a:solidFill>
+                  <a:schemeClr val="tx1"/>
+                </a:solidFill>
+                <a:latin typeface="+mn-lt"/>
+                <a:ea typeface="+mn-ea"/>
+                <a:cs typeface="+mn-cs"/>
+              </a:defRPr>
+            </a:lvl2pPr>
+            <a:lvl3pPr marL="1143000" indent="-228600" algn="l" defTabSz="914400" rtl="0" eaLnBrk="1" latinLnBrk="0" hangingPunct="1">
+              <a:lnSpc>
+                <a:spcPct val="90000"/>
+              </a:lnSpc>
+              <a:spcBef>
+                <a:spcPts val="500"/>
+              </a:spcBef>
+              <a:buFont typeface="Arial" panose="020B0604020202020204" pitchFamily="34" charset="0"/>
+              <a:buChar char="•"/>
+              <a:defRPr sz="2000" kern="1200">
+                <a:solidFill>
+                  <a:schemeClr val="tx1"/>
+                </a:solidFill>
+                <a:latin typeface="+mn-lt"/>
+                <a:ea typeface="+mn-ea"/>
+                <a:cs typeface="+mn-cs"/>
+              </a:defRPr>
+            </a:lvl3pPr>
+            <a:lvl4pPr marL="1600200" indent="-228600" algn="l" defTabSz="914400" rtl="0" eaLnBrk="1" latinLnBrk="0" hangingPunct="1">
+              <a:lnSpc>
+                <a:spcPct val="90000"/>
+              </a:lnSpc>
+              <a:spcBef>
+                <a:spcPts val="500"/>
+              </a:spcBef>
+              <a:buFont typeface="Arial" panose="020B0604020202020204" pitchFamily="34" charset="0"/>
+              <a:buChar char="•"/>
+              <a:defRPr sz="1800" kern="1200">
+                <a:solidFill>
+                  <a:schemeClr val="tx1"/>
+                </a:solidFill>
+                <a:latin typeface="+mn-lt"/>
+                <a:ea typeface="+mn-ea"/>
+                <a:cs typeface="+mn-cs"/>
+              </a:defRPr>
+            </a:lvl4pPr>
+            <a:lvl5pPr marL="2057400" indent="-228600" algn="l" defTabSz="914400" rtl="0" eaLnBrk="1" latinLnBrk="0" hangingPunct="1">
+              <a:lnSpc>
+                <a:spcPct val="90000"/>
+              </a:lnSpc>
+              <a:spcBef>
+                <a:spcPts val="500"/>
+              </a:spcBef>
+              <a:buFont typeface="Arial" panose="020B0604020202020204" pitchFamily="34" charset="0"/>
+              <a:buChar char="•"/>
+              <a:defRPr sz="1800" kern="1200">
+                <a:solidFill>
+                  <a:schemeClr val="tx1"/>
+                </a:solidFill>
+                <a:latin typeface="+mn-lt"/>
+                <a:ea typeface="+mn-ea"/>
+                <a:cs typeface="+mn-cs"/>
+              </a:defRPr>
+            </a:lvl5pPr>
+            <a:lvl6pPr marL="2514600" indent="-228600" algn="l" defTabSz="914400" rtl="0" eaLnBrk="1" latinLnBrk="0" hangingPunct="1">
+              <a:lnSpc>
+                <a:spcPct val="90000"/>
+              </a:lnSpc>
+              <a:spcBef>
+                <a:spcPts val="500"/>
+              </a:spcBef>
+              <a:buFont typeface="Arial" panose="020B0604020202020204" pitchFamily="34" charset="0"/>
+              <a:buChar char="•"/>
+              <a:defRPr sz="1800" kern="1200">
+                <a:solidFill>
+                  <a:schemeClr val="tx1"/>
+                </a:solidFill>
+                <a:latin typeface="+mn-lt"/>
+                <a:ea typeface="+mn-ea"/>
+                <a:cs typeface="+mn-cs"/>
+              </a:defRPr>
+            </a:lvl6pPr>
+            <a:lvl7pPr marL="2971800" indent="-228600" algn="l" defTabSz="914400" rtl="0" eaLnBrk="1" latinLnBrk="0" hangingPunct="1">
+              <a:lnSpc>
+                <a:spcPct val="90000"/>
+              </a:lnSpc>
+              <a:spcBef>
+                <a:spcPts val="500"/>
+              </a:spcBef>
+              <a:buFont typeface="Arial" panose="020B0604020202020204" pitchFamily="34" charset="0"/>
+              <a:buChar char="•"/>
+              <a:defRPr sz="1800" kern="1200">
+                <a:solidFill>
+                  <a:schemeClr val="tx1"/>
+                </a:solidFill>
+                <a:latin typeface="+mn-lt"/>
+                <a:ea typeface="+mn-ea"/>
+                <a:cs typeface="+mn-cs"/>
+              </a:defRPr>
+            </a:lvl7pPr>
+            <a:lvl8pPr marL="3429000" indent="-228600" algn="l" defTabSz="914400" rtl="0" eaLnBrk="1" latinLnBrk="0" hangingPunct="1">
+              <a:lnSpc>
+                <a:spcPct val="90000"/>
+              </a:lnSpc>
+              <a:spcBef>
+                <a:spcPts val="500"/>
+              </a:spcBef>
+              <a:buFont typeface="Arial" panose="020B0604020202020204" pitchFamily="34" charset="0"/>
+              <a:buChar char="•"/>
+              <a:defRPr sz="1800" kern="1200">
+                <a:solidFill>
+                  <a:schemeClr val="tx1"/>
+                </a:solidFill>
+                <a:latin typeface="+mn-lt"/>
+                <a:ea typeface="+mn-ea"/>
+                <a:cs typeface="+mn-cs"/>
+              </a:defRPr>
+            </a:lvl8pPr>
+            <a:lvl9pPr marL="3886200" indent="-228600" algn="l" defTabSz="914400" rtl="0" eaLnBrk="1" latinLnBrk="0" hangingPunct="1">
+              <a:lnSpc>
+                <a:spcPct val="90000"/>
+              </a:lnSpc>
+              <a:spcBef>
+                <a:spcPts val="500"/>
+              </a:spcBef>
+              <a:buFont typeface="Arial" panose="020B0604020202020204" pitchFamily="34" charset="0"/>
+              <a:buChar char="•"/>
+              <a:defRPr sz="1800" kern="1200">
+                <a:solidFill>
+                  <a:schemeClr val="tx1"/>
+                </a:solidFill>
+                <a:latin typeface="+mn-lt"/>
+                <a:ea typeface="+mn-ea"/>
+                <a:cs typeface="+mn-cs"/>
+              </a:defRPr>
+            </a:lvl9pPr>
+          </a:lstStyle>
+          <a:p>
+            <a:pPr marL="0" indent="0" algn="ctr">
+              <a:buFont typeface="Arial" panose="020B0604020202020204" pitchFamily="34" charset="0"/>
+              <a:buNone/>
+            </a:pPr>
+            <a:r>
+              <a:rPr lang="en-US" dirty="0">
+                <a:effectLst>
+                  <a:outerShdw blurRad="38100" dist="38100" dir="2700000" algn="tl">
+                    <a:srgbClr val="000000">
+                      <a:alpha val="43137"/>
+                    </a:srgbClr>
+                  </a:outerShdw>
+                </a:effectLst>
+              </a:rPr>
+              <a:t>\ </a:t>
+            </a:r>
+            <a:r>
+              <a:rPr lang="hy-AM" dirty="0">
+                <a:effectLst>
+                  <a:outerShdw blurRad="38100" dist="38100" dir="2700000" algn="tl">
+                    <a:srgbClr val="000000">
+                      <a:alpha val="43137"/>
+                    </a:srgbClr>
+                  </a:outerShdw>
+                </a:effectLst>
+              </a:rPr>
+              <a:t>${</a:t>
+            </a:r>
+            <a:r>
+              <a:rPr lang="en-US" dirty="0">
+                <a:effectLst>
+                  <a:outerShdw blurRad="38100" dist="38100" dir="2700000" algn="tl">
+                    <a:srgbClr val="000000">
+                      <a:alpha val="43137"/>
+                    </a:srgbClr>
+                  </a:outerShdw>
+                </a:effectLst>
+              </a:rPr>
+              <a:t> expression}</a:t>
+            </a:r>
+          </a:p>
+        </p:txBody>
+      </p:sp>
+      <p:sp>
+        <p:nvSpPr>
+          <p:cNvPr id="18" name="Content Placeholder 2">
+            <a:extLst>
+              <a:ext uri="{FF2B5EF4-FFF2-40B4-BE49-F238E27FC236}">
+                <a16:creationId xmlns:a16="http://schemas.microsoft.com/office/drawing/2014/main" id="{C2046410-A656-43BC-B63F-A53AEA08D038}"/>
+              </a:ext>
+            </a:extLst>
+          </p:cNvPr>
+          <p:cNvSpPr txBox="1">
+            <a:spLocks/>
+          </p:cNvSpPr>
+          <p:nvPr/>
+        </p:nvSpPr>
+        <p:spPr>
+          <a:xfrm>
+            <a:off x="5417204" y="5661986"/>
+            <a:ext cx="3937870" cy="655665"/>
+          </a:xfrm>
+          <a:prstGeom prst="rect">
+            <a:avLst/>
+          </a:prstGeom>
+        </p:spPr>
+        <p:txBody>
+          <a:bodyPr vert="horz" lIns="91440" tIns="45720" rIns="91440" bIns="45720" rtlCol="0">
+            <a:normAutofit/>
+          </a:bodyPr>
+          <a:lstStyle>
+            <a:lvl1pPr marL="228600" indent="-228600" algn="l" defTabSz="914400" rtl="0" eaLnBrk="1" latinLnBrk="0" hangingPunct="1">
+              <a:lnSpc>
+                <a:spcPct val="90000"/>
+              </a:lnSpc>
+              <a:spcBef>
+                <a:spcPts val="1000"/>
+              </a:spcBef>
+              <a:buFont typeface="Arial" panose="020B0604020202020204" pitchFamily="34" charset="0"/>
+              <a:buChar char="•"/>
+              <a:defRPr sz="2800" kern="1200">
+                <a:solidFill>
+                  <a:schemeClr val="tx1"/>
+                </a:solidFill>
+                <a:latin typeface="+mn-lt"/>
+                <a:ea typeface="+mn-ea"/>
+                <a:cs typeface="+mn-cs"/>
+              </a:defRPr>
+            </a:lvl1pPr>
+            <a:lvl2pPr marL="685800" indent="-228600" algn="l" defTabSz="914400" rtl="0" eaLnBrk="1" latinLnBrk="0" hangingPunct="1">
+              <a:lnSpc>
+                <a:spcPct val="90000"/>
+              </a:lnSpc>
+              <a:spcBef>
+                <a:spcPts val="500"/>
+              </a:spcBef>
+              <a:buFont typeface="Arial" panose="020B0604020202020204" pitchFamily="34" charset="0"/>
+              <a:buChar char="•"/>
+              <a:defRPr sz="2400" kern="1200">
+                <a:solidFill>
+                  <a:schemeClr val="tx1"/>
+                </a:solidFill>
+                <a:latin typeface="+mn-lt"/>
+                <a:ea typeface="+mn-ea"/>
+                <a:cs typeface="+mn-cs"/>
+              </a:defRPr>
+            </a:lvl2pPr>
+            <a:lvl3pPr marL="1143000" indent="-228600" algn="l" defTabSz="914400" rtl="0" eaLnBrk="1" latinLnBrk="0" hangingPunct="1">
+              <a:lnSpc>
+                <a:spcPct val="90000"/>
+              </a:lnSpc>
+              <a:spcBef>
+                <a:spcPts val="500"/>
+              </a:spcBef>
+              <a:buFont typeface="Arial" panose="020B0604020202020204" pitchFamily="34" charset="0"/>
+              <a:buChar char="•"/>
+              <a:defRPr sz="2000" kern="1200">
+                <a:solidFill>
+                  <a:schemeClr val="tx1"/>
+                </a:solidFill>
+                <a:latin typeface="+mn-lt"/>
+                <a:ea typeface="+mn-ea"/>
+                <a:cs typeface="+mn-cs"/>
+              </a:defRPr>
+            </a:lvl3pPr>
+            <a:lvl4pPr marL="1600200" indent="-228600" algn="l" defTabSz="914400" rtl="0" eaLnBrk="1" latinLnBrk="0" hangingPunct="1">
+              <a:lnSpc>
+                <a:spcPct val="90000"/>
+              </a:lnSpc>
+              <a:spcBef>
+                <a:spcPts val="500"/>
+              </a:spcBef>
+              <a:buFont typeface="Arial" panose="020B0604020202020204" pitchFamily="34" charset="0"/>
+              <a:buChar char="•"/>
+              <a:defRPr sz="1800" kern="1200">
+                <a:solidFill>
+                  <a:schemeClr val="tx1"/>
+                </a:solidFill>
+                <a:latin typeface="+mn-lt"/>
+                <a:ea typeface="+mn-ea"/>
+                <a:cs typeface="+mn-cs"/>
+              </a:defRPr>
+            </a:lvl4pPr>
+            <a:lvl5pPr marL="2057400" indent="-228600" algn="l" defTabSz="914400" rtl="0" eaLnBrk="1" latinLnBrk="0" hangingPunct="1">
+              <a:lnSpc>
+                <a:spcPct val="90000"/>
+              </a:lnSpc>
+              <a:spcBef>
+                <a:spcPts val="500"/>
+              </a:spcBef>
+              <a:buFont typeface="Arial" panose="020B0604020202020204" pitchFamily="34" charset="0"/>
+              <a:buChar char="•"/>
+              <a:defRPr sz="1800" kern="1200">
+                <a:solidFill>
+                  <a:schemeClr val="tx1"/>
+                </a:solidFill>
+                <a:latin typeface="+mn-lt"/>
+                <a:ea typeface="+mn-ea"/>
+                <a:cs typeface="+mn-cs"/>
+              </a:defRPr>
+            </a:lvl5pPr>
+            <a:lvl6pPr marL="2514600" indent="-228600" algn="l" defTabSz="914400" rtl="0" eaLnBrk="1" latinLnBrk="0" hangingPunct="1">
+              <a:lnSpc>
+                <a:spcPct val="90000"/>
+              </a:lnSpc>
+              <a:spcBef>
+                <a:spcPts val="500"/>
+              </a:spcBef>
+              <a:buFont typeface="Arial" panose="020B0604020202020204" pitchFamily="34" charset="0"/>
+              <a:buChar char="•"/>
+              <a:defRPr sz="1800" kern="1200">
+                <a:solidFill>
+                  <a:schemeClr val="tx1"/>
+                </a:solidFill>
+                <a:latin typeface="+mn-lt"/>
+                <a:ea typeface="+mn-ea"/>
+                <a:cs typeface="+mn-cs"/>
+              </a:defRPr>
+            </a:lvl6pPr>
+            <a:lvl7pPr marL="2971800" indent="-228600" algn="l" defTabSz="914400" rtl="0" eaLnBrk="1" latinLnBrk="0" hangingPunct="1">
+              <a:lnSpc>
+                <a:spcPct val="90000"/>
+              </a:lnSpc>
+              <a:spcBef>
+                <a:spcPts val="500"/>
+              </a:spcBef>
+              <a:buFont typeface="Arial" panose="020B0604020202020204" pitchFamily="34" charset="0"/>
+              <a:buChar char="•"/>
+              <a:defRPr sz="1800" kern="1200">
+                <a:solidFill>
+                  <a:schemeClr val="tx1"/>
+                </a:solidFill>
+                <a:latin typeface="+mn-lt"/>
+                <a:ea typeface="+mn-ea"/>
+                <a:cs typeface="+mn-cs"/>
+              </a:defRPr>
+            </a:lvl7pPr>
+            <a:lvl8pPr marL="3429000" indent="-228600" algn="l" defTabSz="914400" rtl="0" eaLnBrk="1" latinLnBrk="0" hangingPunct="1">
+              <a:lnSpc>
+                <a:spcPct val="90000"/>
+              </a:lnSpc>
+              <a:spcBef>
+                <a:spcPts val="500"/>
+              </a:spcBef>
+              <a:buFont typeface="Arial" panose="020B0604020202020204" pitchFamily="34" charset="0"/>
+              <a:buChar char="•"/>
+              <a:defRPr sz="1800" kern="1200">
+                <a:solidFill>
+                  <a:schemeClr val="tx1"/>
+                </a:solidFill>
+                <a:latin typeface="+mn-lt"/>
+                <a:ea typeface="+mn-ea"/>
+                <a:cs typeface="+mn-cs"/>
+              </a:defRPr>
+            </a:lvl8pPr>
+            <a:lvl9pPr marL="3886200" indent="-228600" algn="l" defTabSz="914400" rtl="0" eaLnBrk="1" latinLnBrk="0" hangingPunct="1">
+              <a:lnSpc>
+                <a:spcPct val="90000"/>
+              </a:lnSpc>
+              <a:spcBef>
+                <a:spcPts val="500"/>
+              </a:spcBef>
+              <a:buFont typeface="Arial" panose="020B0604020202020204" pitchFamily="34" charset="0"/>
+              <a:buChar char="•"/>
+              <a:defRPr sz="1800" kern="1200">
+                <a:solidFill>
+                  <a:schemeClr val="tx1"/>
+                </a:solidFill>
+                <a:latin typeface="+mn-lt"/>
+                <a:ea typeface="+mn-ea"/>
+                <a:cs typeface="+mn-cs"/>
+              </a:defRPr>
+            </a:lvl9pPr>
+          </a:lstStyle>
+          <a:p>
+            <a:pPr marL="0" indent="0" algn="ctr">
+              <a:buFont typeface="Arial" panose="020B0604020202020204" pitchFamily="34" charset="0"/>
+              <a:buNone/>
+            </a:pPr>
+            <a:r>
+              <a:rPr lang="en-US" dirty="0" err="1">
+                <a:effectLst>
+                  <a:outerShdw blurRad="38100" dist="38100" dir="2700000" algn="tl">
+                    <a:srgbClr val="000000">
+                      <a:alpha val="43137"/>
+                    </a:srgbClr>
+                  </a:outerShdw>
+                </a:effectLst>
+              </a:rPr>
+              <a:t>isElIgnored</a:t>
+            </a:r>
+            <a:r>
+              <a:rPr lang="en-US" dirty="0">
+                <a:effectLst>
+                  <a:outerShdw blurRad="38100" dist="38100" dir="2700000" algn="tl">
+                    <a:srgbClr val="000000">
+                      <a:alpha val="43137"/>
+                    </a:srgbClr>
+                  </a:outerShdw>
+                </a:effectLst>
+              </a:rPr>
+              <a:t>=“true”</a:t>
+            </a:r>
+          </a:p>
+        </p:txBody>
+      </p:sp>
     </p:spTree>
     <p:extLst>
       <p:ext uri="{BB962C8B-B14F-4D97-AF65-F5344CB8AC3E}">

--- a/Servlet/Servlet_Presentation.pptx
+++ b/Servlet/Servlet_Presentation.pptx
@@ -32,9 +32,9 @@
     <p:sldId id="277" r:id="rId23"/>
     <p:sldId id="278" r:id="rId24"/>
     <p:sldId id="279" r:id="rId25"/>
-    <p:sldId id="281" r:id="rId26"/>
-    <p:sldId id="280" r:id="rId27"/>
-    <p:sldId id="282" r:id="rId28"/>
+    <p:sldId id="280" r:id="rId26"/>
+    <p:sldId id="282" r:id="rId27"/>
+    <p:sldId id="281" r:id="rId28"/>
   </p:sldIdLst>
   <p:sldSz cx="12192000" cy="6858000"/>
   <p:notesSz cx="6858000" cy="9144000"/>
@@ -223,7 +223,7 @@
           <a:p>
             <a:fld id="{F988C94B-7918-458B-9AF1-0DBDD7FC850F}" type="datetimeFigureOut">
               <a:rPr lang="en-US" smtClean="0"/>
-              <a:t>2022-08-12</a:t>
+              <a:t>2022-08-15</a:t>
             </a:fld>
             <a:endParaRPr lang="en-US"/>
           </a:p>
@@ -705,7 +705,7 @@
           <a:p>
             <a:fld id="{0A968979-5CB5-4E5D-B82F-DAC09775BD7D}" type="datetimeFigureOut">
               <a:rPr lang="en-US" smtClean="0"/>
-              <a:t>2022-08-12</a:t>
+              <a:t>2022-08-15</a:t>
             </a:fld>
             <a:endParaRPr lang="en-US"/>
           </a:p>
@@ -875,7 +875,7 @@
           <a:p>
             <a:fld id="{0A968979-5CB5-4E5D-B82F-DAC09775BD7D}" type="datetimeFigureOut">
               <a:rPr lang="en-US" smtClean="0"/>
-              <a:t>2022-08-12</a:t>
+              <a:t>2022-08-15</a:t>
             </a:fld>
             <a:endParaRPr lang="en-US"/>
           </a:p>
@@ -1055,7 +1055,7 @@
           <a:p>
             <a:fld id="{0A968979-5CB5-4E5D-B82F-DAC09775BD7D}" type="datetimeFigureOut">
               <a:rPr lang="en-US" smtClean="0"/>
-              <a:t>2022-08-12</a:t>
+              <a:t>2022-08-15</a:t>
             </a:fld>
             <a:endParaRPr lang="en-US"/>
           </a:p>
@@ -1225,7 +1225,7 @@
           <a:p>
             <a:fld id="{0A968979-5CB5-4E5D-B82F-DAC09775BD7D}" type="datetimeFigureOut">
               <a:rPr lang="en-US" smtClean="0"/>
-              <a:t>2022-08-12</a:t>
+              <a:t>2022-08-15</a:t>
             </a:fld>
             <a:endParaRPr lang="en-US"/>
           </a:p>
@@ -1471,7 +1471,7 @@
           <a:p>
             <a:fld id="{0A968979-5CB5-4E5D-B82F-DAC09775BD7D}" type="datetimeFigureOut">
               <a:rPr lang="en-US" smtClean="0"/>
-              <a:t>2022-08-12</a:t>
+              <a:t>2022-08-15</a:t>
             </a:fld>
             <a:endParaRPr lang="en-US"/>
           </a:p>
@@ -1703,7 +1703,7 @@
           <a:p>
             <a:fld id="{0A968979-5CB5-4E5D-B82F-DAC09775BD7D}" type="datetimeFigureOut">
               <a:rPr lang="en-US" smtClean="0"/>
-              <a:t>2022-08-12</a:t>
+              <a:t>2022-08-15</a:t>
             </a:fld>
             <a:endParaRPr lang="en-US"/>
           </a:p>
@@ -2070,7 +2070,7 @@
           <a:p>
             <a:fld id="{0A968979-5CB5-4E5D-B82F-DAC09775BD7D}" type="datetimeFigureOut">
               <a:rPr lang="en-US" smtClean="0"/>
-              <a:t>2022-08-12</a:t>
+              <a:t>2022-08-15</a:t>
             </a:fld>
             <a:endParaRPr lang="en-US"/>
           </a:p>
@@ -2188,7 +2188,7 @@
           <a:p>
             <a:fld id="{0A968979-5CB5-4E5D-B82F-DAC09775BD7D}" type="datetimeFigureOut">
               <a:rPr lang="en-US" smtClean="0"/>
-              <a:t>2022-08-12</a:t>
+              <a:t>2022-08-15</a:t>
             </a:fld>
             <a:endParaRPr lang="en-US"/>
           </a:p>
@@ -2283,7 +2283,7 @@
           <a:p>
             <a:fld id="{0A968979-5CB5-4E5D-B82F-DAC09775BD7D}" type="datetimeFigureOut">
               <a:rPr lang="en-US" smtClean="0"/>
-              <a:t>2022-08-12</a:t>
+              <a:t>2022-08-15</a:t>
             </a:fld>
             <a:endParaRPr lang="en-US"/>
           </a:p>
@@ -2560,7 +2560,7 @@
           <a:p>
             <a:fld id="{0A968979-5CB5-4E5D-B82F-DAC09775BD7D}" type="datetimeFigureOut">
               <a:rPr lang="en-US" smtClean="0"/>
-              <a:t>2022-08-12</a:t>
+              <a:t>2022-08-15</a:t>
             </a:fld>
             <a:endParaRPr lang="en-US"/>
           </a:p>
@@ -2817,7 +2817,7 @@
           <a:p>
             <a:fld id="{0A968979-5CB5-4E5D-B82F-DAC09775BD7D}" type="datetimeFigureOut">
               <a:rPr lang="en-US" smtClean="0"/>
-              <a:t>2022-08-12</a:t>
+              <a:t>2022-08-15</a:t>
             </a:fld>
             <a:endParaRPr lang="en-US"/>
           </a:p>
@@ -3030,7 +3030,7 @@
           <a:p>
             <a:fld id="{0A968979-5CB5-4E5D-B82F-DAC09775BD7D}" type="datetimeFigureOut">
               <a:rPr lang="en-US" smtClean="0"/>
-              <a:t>2022-08-12</a:t>
+              <a:t>2022-08-15</a:t>
             </a:fld>
             <a:endParaRPr lang="en-US"/>
           </a:p>
@@ -5260,41 +5260,6 @@
           </a:p>
         </p:txBody>
       </p:sp>
-      <p:pic>
-        <p:nvPicPr>
-          <p:cNvPr id="5" name="Content Placeholder 4">
-            <a:extLst>
-              <a:ext uri="{FF2B5EF4-FFF2-40B4-BE49-F238E27FC236}">
-                <a16:creationId xmlns:a16="http://schemas.microsoft.com/office/drawing/2014/main" id="{22E71514-A81A-41CB-AF4E-D928495C72FE}"/>
-              </a:ext>
-            </a:extLst>
-          </p:cNvPr>
-          <p:cNvPicPr>
-            <a:picLocks noGrp="1" noChangeAspect="1"/>
-          </p:cNvPicPr>
-          <p:nvPr>
-            <p:ph idx="1"/>
-          </p:nvPr>
-        </p:nvPicPr>
-        <p:blipFill>
-          <a:blip r:embed="rId2">
-            <a:extLst>
-              <a:ext uri="{28A0092B-C50C-407E-A947-70E740481C1C}">
-                <a14:useLocalDpi xmlns:a14="http://schemas.microsoft.com/office/drawing/2010/main" val="0"/>
-              </a:ext>
-            </a:extLst>
-          </a:blip>
-          <a:stretch>
-            <a:fillRect/>
-          </a:stretch>
-        </p:blipFill>
-        <p:spPr>
-          <a:xfrm>
-            <a:off x="1914720" y="1551485"/>
-            <a:ext cx="8362560" cy="4441064"/>
-          </a:xfrm>
-        </p:spPr>
-      </p:pic>
       <p:cxnSp>
         <p:nvCxnSpPr>
           <p:cNvPr id="6" name="Straight Connector 5">
@@ -5333,6 +5298,41 @@
           </a:fontRef>
         </p:style>
       </p:cxnSp>
+      <p:pic>
+        <p:nvPicPr>
+          <p:cNvPr id="8" name="Content Placeholder 7">
+            <a:extLst>
+              <a:ext uri="{FF2B5EF4-FFF2-40B4-BE49-F238E27FC236}">
+                <a16:creationId xmlns:a16="http://schemas.microsoft.com/office/drawing/2014/main" id="{47660A82-CEA2-4EE7-B21E-1808F3421214}"/>
+              </a:ext>
+            </a:extLst>
+          </p:cNvPr>
+          <p:cNvPicPr>
+            <a:picLocks noGrp="1" noChangeAspect="1"/>
+          </p:cNvPicPr>
+          <p:nvPr>
+            <p:ph idx="1"/>
+          </p:nvPr>
+        </p:nvPicPr>
+        <p:blipFill>
+          <a:blip r:embed="rId2">
+            <a:extLst>
+              <a:ext uri="{28A0092B-C50C-407E-A947-70E740481C1C}">
+                <a14:useLocalDpi xmlns:a14="http://schemas.microsoft.com/office/drawing/2010/main" val="0"/>
+              </a:ext>
+            </a:extLst>
+          </a:blip>
+          <a:stretch>
+            <a:fillRect/>
+          </a:stretch>
+        </p:blipFill>
+        <p:spPr>
+          <a:xfrm>
+            <a:off x="1549690" y="1512067"/>
+            <a:ext cx="9092619" cy="4828772"/>
+          </a:xfrm>
+        </p:spPr>
+      </p:pic>
     </p:spTree>
     <p:extLst>
       <p:ext uri="{BB962C8B-B14F-4D97-AF65-F5344CB8AC3E}">
@@ -12444,524 +12444,6 @@
 <file path=ppt/slides/slide25.xml><?xml version="1.0" encoding="utf-8"?>
 <p:sld xmlns:a="http://schemas.openxmlformats.org/drawingml/2006/main" xmlns:r="http://schemas.openxmlformats.org/officeDocument/2006/relationships" xmlns:p="http://schemas.openxmlformats.org/presentationml/2006/main">
   <p:cSld>
-    <p:bg>
-      <p:bgRef idx="1001">
-        <a:schemeClr val="bg1"/>
-      </p:bgRef>
-    </p:bg>
-    <p:spTree>
-      <p:nvGrpSpPr>
-        <p:cNvPr id="1" name=""/>
-        <p:cNvGrpSpPr/>
-        <p:nvPr/>
-      </p:nvGrpSpPr>
-      <p:grpSpPr>
-        <a:xfrm>
-          <a:off x="0" y="0"/>
-          <a:ext cx="0" cy="0"/>
-          <a:chOff x="0" y="0"/>
-          <a:chExt cx="0" cy="0"/>
-        </a:xfrm>
-      </p:grpSpPr>
-      <p:sp>
-        <p:nvSpPr>
-          <p:cNvPr id="2" name="Title 1">
-            <a:extLst>
-              <a:ext uri="{FF2B5EF4-FFF2-40B4-BE49-F238E27FC236}">
-                <a16:creationId xmlns:a16="http://schemas.microsoft.com/office/drawing/2014/main" id="{30211D06-EE15-49A4-9A1C-1066724B6CF0}"/>
-              </a:ext>
-            </a:extLst>
-          </p:cNvPr>
-          <p:cNvSpPr>
-            <a:spLocks noGrp="1"/>
-          </p:cNvSpPr>
-          <p:nvPr>
-            <p:ph type="title"/>
-          </p:nvPr>
-        </p:nvSpPr>
-        <p:spPr>
-          <a:xfrm>
-            <a:off x="838200" y="192713"/>
-            <a:ext cx="10515600" cy="1325563"/>
-          </a:xfrm>
-        </p:spPr>
-        <p:txBody>
-          <a:bodyPr/>
-          <a:lstStyle/>
-          <a:p>
-            <a:pPr algn="ctr"/>
-            <a:r>
-              <a:rPr lang="en-US" b="0" i="0" dirty="0">
-                <a:solidFill>
-                  <a:srgbClr val="3D3B49"/>
-                </a:solidFill>
-                <a:effectLst/>
-                <a:latin typeface="Noto Serif" panose="020B0604020202020204" pitchFamily="18" charset="0"/>
-              </a:rPr>
-              <a:t>&lt;</a:t>
-            </a:r>
-            <a:r>
-              <a:rPr lang="en-US" b="0" i="0" dirty="0" err="1">
-                <a:solidFill>
-                  <a:srgbClr val="3D3B49"/>
-                </a:solidFill>
-                <a:effectLst/>
-                <a:latin typeface="Noto Serif" panose="020B0604020202020204" pitchFamily="18" charset="0"/>
-              </a:rPr>
-              <a:t>jsp:useBean</a:t>
-            </a:r>
-            <a:r>
-              <a:rPr lang="en-US" b="0" i="0" dirty="0">
-                <a:solidFill>
-                  <a:srgbClr val="3D3B49"/>
-                </a:solidFill>
-                <a:effectLst/>
-                <a:latin typeface="Noto Serif" panose="020B0604020202020204" pitchFamily="18" charset="0"/>
-              </a:rPr>
-              <a:t>&gt; </a:t>
-            </a:r>
-            <a:r>
-              <a:rPr lang="en-US" dirty="0">
-                <a:solidFill>
-                  <a:srgbClr val="3D3B49"/>
-                </a:solidFill>
-                <a:latin typeface="Noto Serif" panose="020B0604020202020204" pitchFamily="18" charset="0"/>
-              </a:rPr>
-              <a:t>and</a:t>
-            </a:r>
-            <a:r>
-              <a:rPr lang="ru-RU" b="0" i="0" dirty="0">
-                <a:solidFill>
-                  <a:srgbClr val="3D3B49"/>
-                </a:solidFill>
-                <a:effectLst/>
-                <a:latin typeface="Noto Serif" panose="020B0604020202020204" pitchFamily="18" charset="0"/>
-              </a:rPr>
-              <a:t> &lt;</a:t>
-            </a:r>
-            <a:r>
-              <a:rPr lang="en-US" b="0" i="0" dirty="0" err="1">
-                <a:solidFill>
-                  <a:srgbClr val="3D3B49"/>
-                </a:solidFill>
-                <a:effectLst/>
-                <a:latin typeface="Noto Serif" panose="020B0604020202020204" pitchFamily="18" charset="0"/>
-              </a:rPr>
-              <a:t>jsp:getProperty</a:t>
-            </a:r>
-            <a:r>
-              <a:rPr lang="en-US" b="0" i="0" dirty="0">
-                <a:solidFill>
-                  <a:srgbClr val="3D3B49"/>
-                </a:solidFill>
-                <a:effectLst/>
-                <a:latin typeface="Noto Serif" panose="020B0604020202020204" pitchFamily="18" charset="0"/>
-              </a:rPr>
-              <a:t>&gt;</a:t>
-            </a:r>
-            <a:br>
-              <a:rPr lang="en-US" b="0" i="0" dirty="0">
-                <a:solidFill>
-                  <a:srgbClr val="3D3B49"/>
-                </a:solidFill>
-                <a:effectLst/>
-                <a:latin typeface="Noto Serif" panose="020B0604020202020204" pitchFamily="18" charset="0"/>
-              </a:rPr>
-            </a:br>
-            <a:endParaRPr lang="en-US" dirty="0"/>
-          </a:p>
-        </p:txBody>
-      </p:sp>
-      <p:sp>
-        <p:nvSpPr>
-          <p:cNvPr id="3" name="Content Placeholder 2">
-            <a:extLst>
-              <a:ext uri="{FF2B5EF4-FFF2-40B4-BE49-F238E27FC236}">
-                <a16:creationId xmlns:a16="http://schemas.microsoft.com/office/drawing/2014/main" id="{F511094B-555E-4026-81D3-E5A762AB5425}"/>
-              </a:ext>
-            </a:extLst>
-          </p:cNvPr>
-          <p:cNvSpPr>
-            <a:spLocks noGrp="1"/>
-          </p:cNvSpPr>
-          <p:nvPr>
-            <p:ph idx="1"/>
-          </p:nvPr>
-        </p:nvSpPr>
-        <p:spPr>
-          <a:xfrm>
-            <a:off x="838200" y="1425912"/>
-            <a:ext cx="11053529" cy="4665109"/>
-          </a:xfrm>
-        </p:spPr>
-        <p:txBody>
-          <a:bodyPr/>
-          <a:lstStyle/>
-          <a:p>
-            <a:pPr marL="0" indent="0" algn="ctr">
-              <a:buNone/>
-            </a:pPr>
-            <a:endParaRPr lang="en-US" dirty="0"/>
-          </a:p>
-          <a:p>
-            <a:pPr marL="0" indent="0">
-              <a:buNone/>
-            </a:pPr>
-            <a:r>
-              <a:rPr lang="hy-AM" sz="2900" dirty="0">
-                <a:effectLst>
-                  <a:outerShdw blurRad="38100" dist="38100" dir="2700000" algn="tl">
-                    <a:srgbClr val="000000">
-                      <a:alpha val="43137"/>
-                    </a:srgbClr>
-                  </a:outerShdw>
-                </a:effectLst>
-                <a:latin typeface="Sylfaen" panose="010A0502050306030303" pitchFamily="18" charset="0"/>
-              </a:rPr>
-              <a:t>&lt;</a:t>
-            </a:r>
-            <a:r>
-              <a:rPr lang="en-US" sz="2900" dirty="0" err="1">
-                <a:effectLst>
-                  <a:outerShdw blurRad="38100" dist="38100" dir="2700000" algn="tl">
-                    <a:srgbClr val="000000">
-                      <a:alpha val="43137"/>
-                    </a:srgbClr>
-                  </a:outerShdw>
-                </a:effectLst>
-                <a:latin typeface="Sylfaen" panose="010A0502050306030303" pitchFamily="18" charset="0"/>
-              </a:rPr>
-              <a:t>jsp:useBean</a:t>
-            </a:r>
-            <a:r>
-              <a:rPr lang="en-US" sz="2900" dirty="0">
-                <a:effectLst>
-                  <a:outerShdw blurRad="38100" dist="38100" dir="2700000" algn="tl">
-                    <a:srgbClr val="000000">
-                      <a:alpha val="43137"/>
-                    </a:srgbClr>
-                  </a:outerShdw>
-                </a:effectLst>
-                <a:latin typeface="Sylfaen" panose="010A0502050306030303" pitchFamily="18" charset="0"/>
-              </a:rPr>
-              <a:t> id=“person” class=“</a:t>
-            </a:r>
-            <a:r>
-              <a:rPr lang="en-US" sz="2900" dirty="0" err="1">
-                <a:effectLst>
-                  <a:outerShdw blurRad="38100" dist="38100" dir="2700000" algn="tl">
-                    <a:srgbClr val="000000">
-                      <a:alpha val="43137"/>
-                    </a:srgbClr>
-                  </a:outerShdw>
-                </a:effectLst>
-                <a:latin typeface="Sylfaen" panose="010A0502050306030303" pitchFamily="18" charset="0"/>
-              </a:rPr>
-              <a:t>foo.Person</a:t>
-            </a:r>
-            <a:r>
-              <a:rPr lang="en-US" sz="2900" dirty="0">
-                <a:effectLst>
-                  <a:outerShdw blurRad="38100" dist="38100" dir="2700000" algn="tl">
-                    <a:srgbClr val="000000">
-                      <a:alpha val="43137"/>
-                    </a:srgbClr>
-                  </a:outerShdw>
-                </a:effectLst>
-                <a:latin typeface="Sylfaen" panose="010A0502050306030303" pitchFamily="18" charset="0"/>
-              </a:rPr>
-              <a:t>” scope=“request” &gt;</a:t>
-            </a:r>
-          </a:p>
-          <a:p>
-            <a:pPr marL="0" indent="0">
-              <a:buNone/>
-            </a:pPr>
-            <a:endParaRPr lang="en-US" sz="2900" dirty="0">
-              <a:effectLst>
-                <a:outerShdw blurRad="38100" dist="38100" dir="2700000" algn="tl">
-                  <a:srgbClr val="000000">
-                    <a:alpha val="43137"/>
-                  </a:srgbClr>
-                </a:outerShdw>
-              </a:effectLst>
-              <a:latin typeface="Sylfaen" panose="010A0502050306030303" pitchFamily="18" charset="0"/>
-            </a:endParaRPr>
-          </a:p>
-          <a:p>
-            <a:pPr marL="0" indent="0">
-              <a:buNone/>
-            </a:pPr>
-            <a:r>
-              <a:rPr lang="hy-AM" sz="2900" dirty="0">
-                <a:effectLst>
-                  <a:outerShdw blurRad="38100" dist="38100" dir="2700000" algn="tl">
-                    <a:srgbClr val="000000">
-                      <a:alpha val="43137"/>
-                    </a:srgbClr>
-                  </a:outerShdw>
-                </a:effectLst>
-                <a:latin typeface="Sylfaen" panose="010A0502050306030303" pitchFamily="18" charset="0"/>
-              </a:rPr>
-              <a:t>	&lt;</a:t>
-            </a:r>
-            <a:r>
-              <a:rPr lang="en-US" sz="2900" dirty="0" err="1">
-                <a:effectLst>
-                  <a:outerShdw blurRad="38100" dist="38100" dir="2700000" algn="tl">
-                    <a:srgbClr val="000000">
-                      <a:alpha val="43137"/>
-                    </a:srgbClr>
-                  </a:outerShdw>
-                </a:effectLst>
-                <a:latin typeface="Sylfaen" panose="010A0502050306030303" pitchFamily="18" charset="0"/>
-              </a:rPr>
-              <a:t>jsp:getProperty</a:t>
-            </a:r>
-            <a:r>
-              <a:rPr lang="en-US" sz="2900" dirty="0">
-                <a:effectLst>
-                  <a:outerShdw blurRad="38100" dist="38100" dir="2700000" algn="tl">
-                    <a:srgbClr val="000000">
-                      <a:alpha val="43137"/>
-                    </a:srgbClr>
-                  </a:outerShdw>
-                </a:effectLst>
-                <a:latin typeface="Sylfaen" panose="010A0502050306030303" pitchFamily="18" charset="0"/>
-              </a:rPr>
-              <a:t> name=“person” property=“</a:t>
-            </a:r>
-            <a:r>
-              <a:rPr lang="en-US" sz="2900" dirty="0" err="1">
-                <a:effectLst>
-                  <a:outerShdw blurRad="38100" dist="38100" dir="2700000" algn="tl">
-                    <a:srgbClr val="000000">
-                      <a:alpha val="43137"/>
-                    </a:srgbClr>
-                  </a:outerShdw>
-                </a:effectLst>
-                <a:latin typeface="Sylfaen" panose="010A0502050306030303" pitchFamily="18" charset="0"/>
-              </a:rPr>
-              <a:t>firstName</a:t>
-            </a:r>
-            <a:r>
-              <a:rPr lang="en-US" sz="2900" dirty="0">
-                <a:effectLst>
-                  <a:outerShdw blurRad="38100" dist="38100" dir="2700000" algn="tl">
-                    <a:srgbClr val="000000">
-                      <a:alpha val="43137"/>
-                    </a:srgbClr>
-                  </a:outerShdw>
-                </a:effectLst>
-                <a:latin typeface="Sylfaen" panose="010A0502050306030303" pitchFamily="18" charset="0"/>
-              </a:rPr>
-              <a:t>” /&gt;</a:t>
-            </a:r>
-            <a:endParaRPr lang="hy-AM" sz="2900" dirty="0">
-              <a:effectLst>
-                <a:outerShdw blurRad="38100" dist="38100" dir="2700000" algn="tl">
-                  <a:srgbClr val="000000">
-                    <a:alpha val="43137"/>
-                  </a:srgbClr>
-                </a:outerShdw>
-              </a:effectLst>
-              <a:latin typeface="Sylfaen" panose="010A0502050306030303" pitchFamily="18" charset="0"/>
-            </a:endParaRPr>
-          </a:p>
-          <a:p>
-            <a:pPr marL="0" indent="0">
-              <a:buNone/>
-            </a:pPr>
-            <a:endParaRPr lang="en-US" sz="2900" dirty="0">
-              <a:effectLst>
-                <a:outerShdw blurRad="38100" dist="38100" dir="2700000" algn="tl">
-                  <a:srgbClr val="000000">
-                    <a:alpha val="43137"/>
-                  </a:srgbClr>
-                </a:outerShdw>
-              </a:effectLst>
-              <a:latin typeface="Sylfaen" panose="010A0502050306030303" pitchFamily="18" charset="0"/>
-            </a:endParaRPr>
-          </a:p>
-          <a:p>
-            <a:pPr marL="0" indent="0">
-              <a:buNone/>
-            </a:pPr>
-            <a:r>
-              <a:rPr lang="hy-AM" sz="2900" dirty="0">
-                <a:effectLst>
-                  <a:outerShdw blurRad="38100" dist="38100" dir="2700000" algn="tl">
-                    <a:srgbClr val="000000">
-                      <a:alpha val="43137"/>
-                    </a:srgbClr>
-                  </a:outerShdw>
-                </a:effectLst>
-                <a:latin typeface="Sylfaen" panose="010A0502050306030303" pitchFamily="18" charset="0"/>
-              </a:rPr>
-              <a:t>	&lt;jsp:setProperty name="person" property="name" value=</a:t>
-            </a:r>
-            <a:r>
-              <a:rPr lang="en-US" sz="2900" dirty="0">
-                <a:effectLst>
-                  <a:outerShdw blurRad="38100" dist="38100" dir="2700000" algn="tl">
-                    <a:srgbClr val="000000">
-                      <a:alpha val="43137"/>
-                    </a:srgbClr>
-                  </a:outerShdw>
-                </a:effectLst>
-                <a:latin typeface="Sylfaen" panose="010A0502050306030303" pitchFamily="18" charset="0"/>
-              </a:rPr>
-              <a:t>John</a:t>
-            </a:r>
-            <a:r>
-              <a:rPr lang="hy-AM" sz="2900" dirty="0">
-                <a:effectLst>
-                  <a:outerShdw blurRad="38100" dist="38100" dir="2700000" algn="tl">
-                    <a:srgbClr val="000000">
-                      <a:alpha val="43137"/>
-                    </a:srgbClr>
-                  </a:outerShdw>
-                </a:effectLst>
-                <a:latin typeface="Sylfaen" panose="010A0502050306030303" pitchFamily="18" charset="0"/>
-              </a:rPr>
-              <a:t>" /&gt;</a:t>
-            </a:r>
-            <a:endParaRPr lang="en-US" sz="2900" dirty="0">
-              <a:effectLst>
-                <a:outerShdw blurRad="38100" dist="38100" dir="2700000" algn="tl">
-                  <a:srgbClr val="000000">
-                    <a:alpha val="43137"/>
-                  </a:srgbClr>
-                </a:outerShdw>
-              </a:effectLst>
-              <a:latin typeface="Sylfaen" panose="010A0502050306030303" pitchFamily="18" charset="0"/>
-            </a:endParaRPr>
-          </a:p>
-          <a:p>
-            <a:pPr marL="0" indent="0">
-              <a:buNone/>
-            </a:pPr>
-            <a:endParaRPr lang="hy-AM" sz="2900" dirty="0">
-              <a:effectLst>
-                <a:outerShdw blurRad="38100" dist="38100" dir="2700000" algn="tl">
-                  <a:srgbClr val="000000">
-                    <a:alpha val="43137"/>
-                  </a:srgbClr>
-                </a:outerShdw>
-              </a:effectLst>
-              <a:latin typeface="Sylfaen" panose="010A0502050306030303" pitchFamily="18" charset="0"/>
-            </a:endParaRPr>
-          </a:p>
-          <a:p>
-            <a:pPr marL="0" indent="0">
-              <a:buNone/>
-            </a:pPr>
-            <a:r>
-              <a:rPr lang="hy-AM" sz="2900" dirty="0">
-                <a:effectLst>
-                  <a:outerShdw blurRad="38100" dist="38100" dir="2700000" algn="tl">
-                    <a:srgbClr val="000000">
-                      <a:alpha val="43137"/>
-                    </a:srgbClr>
-                  </a:outerShdw>
-                </a:effectLst>
-                <a:latin typeface="Sylfaen" panose="010A0502050306030303" pitchFamily="18" charset="0"/>
-              </a:rPr>
-              <a:t>&lt;/ </a:t>
-            </a:r>
-            <a:r>
-              <a:rPr lang="en-US" sz="2900" dirty="0" err="1">
-                <a:effectLst>
-                  <a:outerShdw blurRad="38100" dist="38100" dir="2700000" algn="tl">
-                    <a:srgbClr val="000000">
-                      <a:alpha val="43137"/>
-                    </a:srgbClr>
-                  </a:outerShdw>
-                </a:effectLst>
-                <a:latin typeface="Sylfaen" panose="010A0502050306030303" pitchFamily="18" charset="0"/>
-              </a:rPr>
-              <a:t>jsp:useBean</a:t>
-            </a:r>
-            <a:r>
-              <a:rPr lang="hy-AM" sz="2900" dirty="0">
-                <a:effectLst>
-                  <a:outerShdw blurRad="38100" dist="38100" dir="2700000" algn="tl">
-                    <a:srgbClr val="000000">
-                      <a:alpha val="43137"/>
-                    </a:srgbClr>
-                  </a:outerShdw>
-                </a:effectLst>
-                <a:latin typeface="Sylfaen" panose="010A0502050306030303" pitchFamily="18" charset="0"/>
-              </a:rPr>
-              <a:t> &gt;</a:t>
-            </a:r>
-            <a:endParaRPr lang="en-US" sz="2900" dirty="0">
-              <a:effectLst>
-                <a:outerShdw blurRad="38100" dist="38100" dir="2700000" algn="tl">
-                  <a:srgbClr val="000000">
-                    <a:alpha val="43137"/>
-                  </a:srgbClr>
-                </a:outerShdw>
-              </a:effectLst>
-              <a:latin typeface="Sylfaen" panose="010A0502050306030303" pitchFamily="18" charset="0"/>
-            </a:endParaRPr>
-          </a:p>
-        </p:txBody>
-      </p:sp>
-      <p:cxnSp>
-        <p:nvCxnSpPr>
-          <p:cNvPr id="6" name="Straight Connector 9">
-            <a:extLst>
-              <a:ext uri="{FF2B5EF4-FFF2-40B4-BE49-F238E27FC236}">
-                <a16:creationId xmlns:a16="http://schemas.microsoft.com/office/drawing/2014/main" id="{66A26303-DF12-46ED-8B5B-D33967CF18C4}"/>
-              </a:ext>
-            </a:extLst>
-          </p:cNvPr>
-          <p:cNvCxnSpPr>
-            <a:cxnSpLocks/>
-          </p:cNvCxnSpPr>
-          <p:nvPr/>
-        </p:nvCxnSpPr>
-        <p:spPr>
-          <a:xfrm>
-            <a:off x="569235" y="1146273"/>
-            <a:ext cx="11053530" cy="0"/>
-          </a:xfrm>
-          <a:prstGeom prst="line">
-            <a:avLst/>
-          </a:prstGeom>
-        </p:spPr>
-        <p:style>
-          <a:lnRef idx="3">
-            <a:schemeClr val="accent1"/>
-          </a:lnRef>
-          <a:fillRef idx="0">
-            <a:schemeClr val="accent1"/>
-          </a:fillRef>
-          <a:effectRef idx="2">
-            <a:schemeClr val="accent1"/>
-          </a:effectRef>
-          <a:fontRef idx="minor">
-            <a:schemeClr val="tx1"/>
-          </a:fontRef>
-        </p:style>
-      </p:cxnSp>
-    </p:spTree>
-    <p:extLst>
-      <p:ext uri="{BB962C8B-B14F-4D97-AF65-F5344CB8AC3E}">
-        <p14:creationId xmlns:p14="http://schemas.microsoft.com/office/powerpoint/2010/main" val="4034808964"/>
-      </p:ext>
-    </p:extLst>
-  </p:cSld>
-  <p:clrMapOvr>
-    <a:overrideClrMapping bg1="lt1" tx1="dk1" bg2="lt2" tx2="dk2" accent1="accent1" accent2="accent2" accent3="accent3" accent4="accent4" accent5="accent5" accent6="accent6" hlink="hlink" folHlink="folHlink"/>
-  </p:clrMapOvr>
-</p:sld>
-</file>
-
-<file path=ppt/slides/slide26.xml><?xml version="1.0" encoding="utf-8"?>
-<p:sld xmlns:a="http://schemas.openxmlformats.org/drawingml/2006/main" xmlns:r="http://schemas.openxmlformats.org/officeDocument/2006/relationships" xmlns:p="http://schemas.openxmlformats.org/presentationml/2006/main">
-  <p:cSld>
     <p:spTree>
       <p:nvGrpSpPr>
         <p:cNvPr id="1" name=""/>
@@ -15577,7 +15059,7 @@
 </p:sld>
 </file>
 
-<file path=ppt/slides/slide27.xml><?xml version="1.0" encoding="utf-8"?>
+<file path=ppt/slides/slide26.xml><?xml version="1.0" encoding="utf-8"?>
 <p:sld xmlns:a="http://schemas.openxmlformats.org/drawingml/2006/main" xmlns:r="http://schemas.openxmlformats.org/officeDocument/2006/relationships" xmlns:p="http://schemas.openxmlformats.org/presentationml/2006/main">
   <p:cSld>
     <p:spTree>
@@ -17657,6 +17139,555 @@
   </p:cSld>
   <p:clrMapOvr>
     <a:masterClrMapping/>
+  </p:clrMapOvr>
+</p:sld>
+</file>
+
+<file path=ppt/slides/slide27.xml><?xml version="1.0" encoding="utf-8"?>
+<p:sld xmlns:a="http://schemas.openxmlformats.org/drawingml/2006/main" xmlns:r="http://schemas.openxmlformats.org/officeDocument/2006/relationships" xmlns:p="http://schemas.openxmlformats.org/presentationml/2006/main">
+  <p:cSld>
+    <p:bg>
+      <p:bgRef idx="1001">
+        <a:schemeClr val="bg1"/>
+      </p:bgRef>
+    </p:bg>
+    <p:spTree>
+      <p:nvGrpSpPr>
+        <p:cNvPr id="1" name=""/>
+        <p:cNvGrpSpPr/>
+        <p:nvPr/>
+      </p:nvGrpSpPr>
+      <p:grpSpPr>
+        <a:xfrm>
+          <a:off x="0" y="0"/>
+          <a:ext cx="0" cy="0"/>
+          <a:chOff x="0" y="0"/>
+          <a:chExt cx="0" cy="0"/>
+        </a:xfrm>
+      </p:grpSpPr>
+      <p:sp>
+        <p:nvSpPr>
+          <p:cNvPr id="2" name="Title 1">
+            <a:extLst>
+              <a:ext uri="{FF2B5EF4-FFF2-40B4-BE49-F238E27FC236}">
+                <a16:creationId xmlns:a16="http://schemas.microsoft.com/office/drawing/2014/main" id="{30211D06-EE15-49A4-9A1C-1066724B6CF0}"/>
+              </a:ext>
+            </a:extLst>
+          </p:cNvPr>
+          <p:cNvSpPr>
+            <a:spLocks noGrp="1"/>
+          </p:cNvSpPr>
+          <p:nvPr>
+            <p:ph type="title"/>
+          </p:nvPr>
+        </p:nvSpPr>
+        <p:spPr>
+          <a:xfrm>
+            <a:off x="838200" y="192713"/>
+            <a:ext cx="10515600" cy="1325563"/>
+          </a:xfrm>
+        </p:spPr>
+        <p:txBody>
+          <a:bodyPr>
+            <a:normAutofit fontScale="90000"/>
+          </a:bodyPr>
+          <a:lstStyle/>
+          <a:p>
+            <a:pPr algn="ctr"/>
+            <a:r>
+              <a:rPr lang="en-US" b="0" i="0" dirty="0" err="1">
+                <a:solidFill>
+                  <a:srgbClr val="3D3B49"/>
+                </a:solidFill>
+                <a:effectLst/>
+                <a:latin typeface="Noto Serif" panose="020B0604020202020204" pitchFamily="18" charset="0"/>
+              </a:rPr>
+              <a:t>Jsp</a:t>
+            </a:r>
+            <a:r>
+              <a:rPr lang="en-US" b="0" i="0" dirty="0">
+                <a:solidFill>
+                  <a:srgbClr val="3D3B49"/>
+                </a:solidFill>
+                <a:effectLst/>
+                <a:latin typeface="Noto Serif" panose="020B0604020202020204" pitchFamily="18" charset="0"/>
+              </a:rPr>
+              <a:t> and Java beans </a:t>
+            </a:r>
+            <a:br>
+              <a:rPr lang="en-US" b="0" i="0" dirty="0">
+                <a:solidFill>
+                  <a:srgbClr val="3D3B49"/>
+                </a:solidFill>
+                <a:effectLst/>
+                <a:latin typeface="Noto Serif" panose="020B0604020202020204" pitchFamily="18" charset="0"/>
+              </a:rPr>
+            </a:br>
+            <a:r>
+              <a:rPr lang="en-US" b="0" i="0" dirty="0">
+                <a:solidFill>
+                  <a:srgbClr val="3D3B49"/>
+                </a:solidFill>
+                <a:effectLst/>
+                <a:latin typeface="Noto Serif" panose="020B0604020202020204" pitchFamily="18" charset="0"/>
+              </a:rPr>
+              <a:t>&lt;</a:t>
+            </a:r>
+            <a:r>
+              <a:rPr lang="en-US" b="0" i="0" dirty="0" err="1">
+                <a:solidFill>
+                  <a:srgbClr val="3D3B49"/>
+                </a:solidFill>
+                <a:effectLst/>
+                <a:latin typeface="Noto Serif" panose="020B0604020202020204" pitchFamily="18" charset="0"/>
+              </a:rPr>
+              <a:t>jsp:useBean</a:t>
+            </a:r>
+            <a:r>
+              <a:rPr lang="en-US" b="0" i="0" dirty="0">
+                <a:solidFill>
+                  <a:srgbClr val="3D3B49"/>
+                </a:solidFill>
+                <a:effectLst/>
+                <a:latin typeface="Noto Serif" panose="020B0604020202020204" pitchFamily="18" charset="0"/>
+              </a:rPr>
+              <a:t>&gt; </a:t>
+            </a:r>
+            <a:r>
+              <a:rPr lang="en-US" dirty="0">
+                <a:solidFill>
+                  <a:srgbClr val="3D3B49"/>
+                </a:solidFill>
+                <a:latin typeface="Noto Serif" panose="020B0604020202020204" pitchFamily="18" charset="0"/>
+              </a:rPr>
+              <a:t>and</a:t>
+            </a:r>
+            <a:r>
+              <a:rPr lang="ru-RU" b="0" i="0" dirty="0">
+                <a:solidFill>
+                  <a:srgbClr val="3D3B49"/>
+                </a:solidFill>
+                <a:effectLst/>
+                <a:latin typeface="Noto Serif" panose="020B0604020202020204" pitchFamily="18" charset="0"/>
+              </a:rPr>
+              <a:t> &lt;</a:t>
+            </a:r>
+            <a:r>
+              <a:rPr lang="en-US" b="0" i="0" dirty="0" err="1">
+                <a:solidFill>
+                  <a:srgbClr val="3D3B49"/>
+                </a:solidFill>
+                <a:effectLst/>
+                <a:latin typeface="Noto Serif" panose="020B0604020202020204" pitchFamily="18" charset="0"/>
+              </a:rPr>
+              <a:t>jsp:getProperty</a:t>
+            </a:r>
+            <a:r>
+              <a:rPr lang="en-US" b="0" i="0" dirty="0">
+                <a:solidFill>
+                  <a:srgbClr val="3D3B49"/>
+                </a:solidFill>
+                <a:effectLst/>
+                <a:latin typeface="Noto Serif" panose="020B0604020202020204" pitchFamily="18" charset="0"/>
+              </a:rPr>
+              <a:t>&gt;</a:t>
+            </a:r>
+            <a:br>
+              <a:rPr lang="en-US" b="0" i="0" dirty="0">
+                <a:solidFill>
+                  <a:srgbClr val="3D3B49"/>
+                </a:solidFill>
+                <a:effectLst/>
+                <a:latin typeface="Noto Serif" panose="020B0604020202020204" pitchFamily="18" charset="0"/>
+              </a:rPr>
+            </a:br>
+            <a:endParaRPr lang="en-US" dirty="0"/>
+          </a:p>
+        </p:txBody>
+      </p:sp>
+      <p:sp>
+        <p:nvSpPr>
+          <p:cNvPr id="3" name="Content Placeholder 2">
+            <a:extLst>
+              <a:ext uri="{FF2B5EF4-FFF2-40B4-BE49-F238E27FC236}">
+                <a16:creationId xmlns:a16="http://schemas.microsoft.com/office/drawing/2014/main" id="{F511094B-555E-4026-81D3-E5A762AB5425}"/>
+              </a:ext>
+            </a:extLst>
+          </p:cNvPr>
+          <p:cNvSpPr>
+            <a:spLocks noGrp="1"/>
+          </p:cNvSpPr>
+          <p:nvPr>
+            <p:ph idx="1"/>
+          </p:nvPr>
+        </p:nvSpPr>
+        <p:spPr>
+          <a:xfrm>
+            <a:off x="838200" y="1425912"/>
+            <a:ext cx="11053529" cy="4665109"/>
+          </a:xfrm>
+        </p:spPr>
+        <p:txBody>
+          <a:bodyPr/>
+          <a:lstStyle/>
+          <a:p>
+            <a:pPr marL="0" indent="0" algn="ctr">
+              <a:buNone/>
+            </a:pPr>
+            <a:endParaRPr lang="en-US" dirty="0"/>
+          </a:p>
+          <a:p>
+            <a:pPr marL="0" indent="0">
+              <a:buNone/>
+            </a:pPr>
+            <a:r>
+              <a:rPr lang="hy-AM" sz="2900" dirty="0">
+                <a:effectLst>
+                  <a:outerShdw blurRad="38100" dist="38100" dir="2700000" algn="tl">
+                    <a:srgbClr val="000000">
+                      <a:alpha val="43137"/>
+                    </a:srgbClr>
+                  </a:outerShdw>
+                </a:effectLst>
+                <a:latin typeface="Sylfaen" panose="010A0502050306030303" pitchFamily="18" charset="0"/>
+              </a:rPr>
+              <a:t>&lt;</a:t>
+            </a:r>
+            <a:r>
+              <a:rPr lang="en-US" sz="2900" dirty="0" err="1">
+                <a:effectLst>
+                  <a:outerShdw blurRad="38100" dist="38100" dir="2700000" algn="tl">
+                    <a:srgbClr val="000000">
+                      <a:alpha val="43137"/>
+                    </a:srgbClr>
+                  </a:outerShdw>
+                </a:effectLst>
+                <a:latin typeface="Sylfaen" panose="010A0502050306030303" pitchFamily="18" charset="0"/>
+              </a:rPr>
+              <a:t>jsp:useBean</a:t>
+            </a:r>
+            <a:r>
+              <a:rPr lang="en-US" sz="2900" dirty="0">
+                <a:effectLst>
+                  <a:outerShdw blurRad="38100" dist="38100" dir="2700000" algn="tl">
+                    <a:srgbClr val="000000">
+                      <a:alpha val="43137"/>
+                    </a:srgbClr>
+                  </a:outerShdw>
+                </a:effectLst>
+                <a:latin typeface="Sylfaen" panose="010A0502050306030303" pitchFamily="18" charset="0"/>
+              </a:rPr>
+              <a:t> id=“person” class=“</a:t>
+            </a:r>
+            <a:r>
+              <a:rPr lang="en-US" sz="2900" dirty="0" err="1">
+                <a:effectLst>
+                  <a:outerShdw blurRad="38100" dist="38100" dir="2700000" algn="tl">
+                    <a:srgbClr val="000000">
+                      <a:alpha val="43137"/>
+                    </a:srgbClr>
+                  </a:outerShdw>
+                </a:effectLst>
+                <a:latin typeface="Sylfaen" panose="010A0502050306030303" pitchFamily="18" charset="0"/>
+              </a:rPr>
+              <a:t>foo.Person</a:t>
+            </a:r>
+            <a:r>
+              <a:rPr lang="en-US" sz="2900" dirty="0">
+                <a:effectLst>
+                  <a:outerShdw blurRad="38100" dist="38100" dir="2700000" algn="tl">
+                    <a:srgbClr val="000000">
+                      <a:alpha val="43137"/>
+                    </a:srgbClr>
+                  </a:outerShdw>
+                </a:effectLst>
+                <a:latin typeface="Sylfaen" panose="010A0502050306030303" pitchFamily="18" charset="0"/>
+              </a:rPr>
+              <a:t>” scope=“request” &gt;</a:t>
+            </a:r>
+          </a:p>
+          <a:p>
+            <a:pPr marL="0" indent="0">
+              <a:buNone/>
+            </a:pPr>
+            <a:endParaRPr lang="en-US" sz="2900" dirty="0">
+              <a:effectLst>
+                <a:outerShdw blurRad="38100" dist="38100" dir="2700000" algn="tl">
+                  <a:srgbClr val="000000">
+                    <a:alpha val="43137"/>
+                  </a:srgbClr>
+                </a:outerShdw>
+              </a:effectLst>
+              <a:latin typeface="Sylfaen" panose="010A0502050306030303" pitchFamily="18" charset="0"/>
+            </a:endParaRPr>
+          </a:p>
+          <a:p>
+            <a:pPr marL="0" indent="0">
+              <a:buNone/>
+            </a:pPr>
+            <a:r>
+              <a:rPr lang="hy-AM" sz="2900" dirty="0">
+                <a:effectLst>
+                  <a:outerShdw blurRad="38100" dist="38100" dir="2700000" algn="tl">
+                    <a:srgbClr val="000000">
+                      <a:alpha val="43137"/>
+                    </a:srgbClr>
+                  </a:outerShdw>
+                </a:effectLst>
+                <a:latin typeface="Sylfaen" panose="010A0502050306030303" pitchFamily="18" charset="0"/>
+              </a:rPr>
+              <a:t>	&lt;</a:t>
+            </a:r>
+            <a:r>
+              <a:rPr lang="en-US" sz="2900" dirty="0" err="1">
+                <a:effectLst>
+                  <a:outerShdw blurRad="38100" dist="38100" dir="2700000" algn="tl">
+                    <a:srgbClr val="000000">
+                      <a:alpha val="43137"/>
+                    </a:srgbClr>
+                  </a:outerShdw>
+                </a:effectLst>
+                <a:latin typeface="Sylfaen" panose="010A0502050306030303" pitchFamily="18" charset="0"/>
+              </a:rPr>
+              <a:t>jsp:getProperty</a:t>
+            </a:r>
+            <a:r>
+              <a:rPr lang="en-US" sz="2900" dirty="0">
+                <a:effectLst>
+                  <a:outerShdw blurRad="38100" dist="38100" dir="2700000" algn="tl">
+                    <a:srgbClr val="000000">
+                      <a:alpha val="43137"/>
+                    </a:srgbClr>
+                  </a:outerShdw>
+                </a:effectLst>
+                <a:latin typeface="Sylfaen" panose="010A0502050306030303" pitchFamily="18" charset="0"/>
+              </a:rPr>
+              <a:t> name=“person” property=“</a:t>
+            </a:r>
+            <a:r>
+              <a:rPr lang="en-US" sz="2900" dirty="0" err="1">
+                <a:effectLst>
+                  <a:outerShdw blurRad="38100" dist="38100" dir="2700000" algn="tl">
+                    <a:srgbClr val="000000">
+                      <a:alpha val="43137"/>
+                    </a:srgbClr>
+                  </a:outerShdw>
+                </a:effectLst>
+                <a:latin typeface="Sylfaen" panose="010A0502050306030303" pitchFamily="18" charset="0"/>
+              </a:rPr>
+              <a:t>firstName</a:t>
+            </a:r>
+            <a:r>
+              <a:rPr lang="en-US" sz="2900" dirty="0">
+                <a:effectLst>
+                  <a:outerShdw blurRad="38100" dist="38100" dir="2700000" algn="tl">
+                    <a:srgbClr val="000000">
+                      <a:alpha val="43137"/>
+                    </a:srgbClr>
+                  </a:outerShdw>
+                </a:effectLst>
+                <a:latin typeface="Sylfaen" panose="010A0502050306030303" pitchFamily="18" charset="0"/>
+              </a:rPr>
+              <a:t>” /&gt;</a:t>
+            </a:r>
+            <a:endParaRPr lang="hy-AM" sz="2900" dirty="0">
+              <a:effectLst>
+                <a:outerShdw blurRad="38100" dist="38100" dir="2700000" algn="tl">
+                  <a:srgbClr val="000000">
+                    <a:alpha val="43137"/>
+                  </a:srgbClr>
+                </a:outerShdw>
+              </a:effectLst>
+              <a:latin typeface="Sylfaen" panose="010A0502050306030303" pitchFamily="18" charset="0"/>
+            </a:endParaRPr>
+          </a:p>
+          <a:p>
+            <a:pPr marL="0" indent="0">
+              <a:buNone/>
+            </a:pPr>
+            <a:endParaRPr lang="en-US" sz="2900" dirty="0">
+              <a:effectLst>
+                <a:outerShdw blurRad="38100" dist="38100" dir="2700000" algn="tl">
+                  <a:srgbClr val="000000">
+                    <a:alpha val="43137"/>
+                  </a:srgbClr>
+                </a:outerShdw>
+              </a:effectLst>
+              <a:latin typeface="Sylfaen" panose="010A0502050306030303" pitchFamily="18" charset="0"/>
+            </a:endParaRPr>
+          </a:p>
+          <a:p>
+            <a:pPr marL="0" indent="0">
+              <a:buNone/>
+            </a:pPr>
+            <a:r>
+              <a:rPr lang="hy-AM" sz="2900" dirty="0">
+                <a:effectLst>
+                  <a:outerShdw blurRad="38100" dist="38100" dir="2700000" algn="tl">
+                    <a:srgbClr val="000000">
+                      <a:alpha val="43137"/>
+                    </a:srgbClr>
+                  </a:outerShdw>
+                </a:effectLst>
+                <a:latin typeface="Sylfaen" panose="010A0502050306030303" pitchFamily="18" charset="0"/>
+              </a:rPr>
+              <a:t>	&lt;jsp:setProperty name="person" property="name" value=</a:t>
+            </a:r>
+            <a:r>
+              <a:rPr lang="en-US" sz="2900" dirty="0">
+                <a:effectLst>
+                  <a:outerShdw blurRad="38100" dist="38100" dir="2700000" algn="tl">
+                    <a:srgbClr val="000000">
+                      <a:alpha val="43137"/>
+                    </a:srgbClr>
+                  </a:outerShdw>
+                </a:effectLst>
+                <a:latin typeface="Sylfaen" panose="010A0502050306030303" pitchFamily="18" charset="0"/>
+              </a:rPr>
+              <a:t>John</a:t>
+            </a:r>
+            <a:r>
+              <a:rPr lang="hy-AM" sz="2900" dirty="0">
+                <a:effectLst>
+                  <a:outerShdw blurRad="38100" dist="38100" dir="2700000" algn="tl">
+                    <a:srgbClr val="000000">
+                      <a:alpha val="43137"/>
+                    </a:srgbClr>
+                  </a:outerShdw>
+                </a:effectLst>
+                <a:latin typeface="Sylfaen" panose="010A0502050306030303" pitchFamily="18" charset="0"/>
+              </a:rPr>
+              <a:t>" /&gt;</a:t>
+            </a:r>
+            <a:endParaRPr lang="en-US" sz="2900" dirty="0">
+              <a:effectLst>
+                <a:outerShdw blurRad="38100" dist="38100" dir="2700000" algn="tl">
+                  <a:srgbClr val="000000">
+                    <a:alpha val="43137"/>
+                  </a:srgbClr>
+                </a:outerShdw>
+              </a:effectLst>
+              <a:latin typeface="Sylfaen" panose="010A0502050306030303" pitchFamily="18" charset="0"/>
+            </a:endParaRPr>
+          </a:p>
+          <a:p>
+            <a:pPr marL="0" indent="0">
+              <a:buNone/>
+            </a:pPr>
+            <a:endParaRPr lang="hy-AM" sz="2900" dirty="0">
+              <a:effectLst>
+                <a:outerShdw blurRad="38100" dist="38100" dir="2700000" algn="tl">
+                  <a:srgbClr val="000000">
+                    <a:alpha val="43137"/>
+                  </a:srgbClr>
+                </a:outerShdw>
+              </a:effectLst>
+              <a:latin typeface="Sylfaen" panose="010A0502050306030303" pitchFamily="18" charset="0"/>
+            </a:endParaRPr>
+          </a:p>
+          <a:p>
+            <a:pPr marL="0" indent="0">
+              <a:buNone/>
+            </a:pPr>
+            <a:r>
+              <a:rPr lang="hy-AM" sz="2900" dirty="0">
+                <a:effectLst>
+                  <a:outerShdw blurRad="38100" dist="38100" dir="2700000" algn="tl">
+                    <a:srgbClr val="000000">
+                      <a:alpha val="43137"/>
+                    </a:srgbClr>
+                  </a:outerShdw>
+                </a:effectLst>
+                <a:latin typeface="Sylfaen" panose="010A0502050306030303" pitchFamily="18" charset="0"/>
+              </a:rPr>
+              <a:t>&lt;/ </a:t>
+            </a:r>
+            <a:r>
+              <a:rPr lang="en-US" sz="2900" dirty="0" err="1">
+                <a:effectLst>
+                  <a:outerShdw blurRad="38100" dist="38100" dir="2700000" algn="tl">
+                    <a:srgbClr val="000000">
+                      <a:alpha val="43137"/>
+                    </a:srgbClr>
+                  </a:outerShdw>
+                </a:effectLst>
+                <a:latin typeface="Sylfaen" panose="010A0502050306030303" pitchFamily="18" charset="0"/>
+              </a:rPr>
+              <a:t>jsp:useBean</a:t>
+            </a:r>
+            <a:r>
+              <a:rPr lang="hy-AM" sz="2900" dirty="0">
+                <a:effectLst>
+                  <a:outerShdw blurRad="38100" dist="38100" dir="2700000" algn="tl">
+                    <a:srgbClr val="000000">
+                      <a:alpha val="43137"/>
+                    </a:srgbClr>
+                  </a:outerShdw>
+                </a:effectLst>
+                <a:latin typeface="Sylfaen" panose="010A0502050306030303" pitchFamily="18" charset="0"/>
+              </a:rPr>
+              <a:t> &gt;</a:t>
+            </a:r>
+            <a:endParaRPr lang="en-US" sz="2900" dirty="0">
+              <a:effectLst>
+                <a:outerShdw blurRad="38100" dist="38100" dir="2700000" algn="tl">
+                  <a:srgbClr val="000000">
+                    <a:alpha val="43137"/>
+                  </a:srgbClr>
+                </a:outerShdw>
+              </a:effectLst>
+              <a:latin typeface="Sylfaen" panose="010A0502050306030303" pitchFamily="18" charset="0"/>
+            </a:endParaRPr>
+          </a:p>
+        </p:txBody>
+      </p:sp>
+      <p:cxnSp>
+        <p:nvCxnSpPr>
+          <p:cNvPr id="6" name="Straight Connector 9">
+            <a:extLst>
+              <a:ext uri="{FF2B5EF4-FFF2-40B4-BE49-F238E27FC236}">
+                <a16:creationId xmlns:a16="http://schemas.microsoft.com/office/drawing/2014/main" id="{66A26303-DF12-46ED-8B5B-D33967CF18C4}"/>
+              </a:ext>
+            </a:extLst>
+          </p:cNvPr>
+          <p:cNvCxnSpPr>
+            <a:cxnSpLocks/>
+          </p:cNvCxnSpPr>
+          <p:nvPr/>
+        </p:nvCxnSpPr>
+        <p:spPr>
+          <a:xfrm>
+            <a:off x="569235" y="1146273"/>
+            <a:ext cx="11053530" cy="0"/>
+          </a:xfrm>
+          <a:prstGeom prst="line">
+            <a:avLst/>
+          </a:prstGeom>
+        </p:spPr>
+        <p:style>
+          <a:lnRef idx="3">
+            <a:schemeClr val="accent1"/>
+          </a:lnRef>
+          <a:fillRef idx="0">
+            <a:schemeClr val="accent1"/>
+          </a:fillRef>
+          <a:effectRef idx="2">
+            <a:schemeClr val="accent1"/>
+          </a:effectRef>
+          <a:fontRef idx="minor">
+            <a:schemeClr val="tx1"/>
+          </a:fontRef>
+        </p:style>
+      </p:cxnSp>
+    </p:spTree>
+    <p:extLst>
+      <p:ext uri="{BB962C8B-B14F-4D97-AF65-F5344CB8AC3E}">
+        <p14:creationId xmlns:p14="http://schemas.microsoft.com/office/powerpoint/2010/main" val="4034808964"/>
+      </p:ext>
+    </p:extLst>
+  </p:cSld>
+  <p:clrMapOvr>
+    <a:overrideClrMapping bg1="lt1" tx1="dk1" bg2="lt2" tx2="dk2" accent1="accent1" accent2="accent2" accent3="accent3" accent4="accent4" accent5="accent5" accent6="accent6" hlink="hlink" folHlink="folHlink"/>
   </p:clrMapOvr>
 </p:sld>
 </file>

--- a/Servlet/Servlet_Presentation.pptx
+++ b/Servlet/Servlet_Presentation.pptx
@@ -14,8 +14,8 @@
     <p:sldId id="260" r:id="rId5"/>
     <p:sldId id="261" r:id="rId6"/>
     <p:sldId id="262" r:id="rId7"/>
-    <p:sldId id="263" r:id="rId8"/>
-    <p:sldId id="264" r:id="rId9"/>
+    <p:sldId id="264" r:id="rId8"/>
+    <p:sldId id="263" r:id="rId9"/>
     <p:sldId id="265" r:id="rId10"/>
     <p:sldId id="267" r:id="rId11"/>
     <p:sldId id="268" r:id="rId12"/>
@@ -223,7 +223,7 @@
           <a:p>
             <a:fld id="{F988C94B-7918-458B-9AF1-0DBDD7FC850F}" type="datetimeFigureOut">
               <a:rPr lang="en-US" smtClean="0"/>
-              <a:t>2022-08-15</a:t>
+              <a:t>2022-08-16</a:t>
             </a:fld>
             <a:endParaRPr lang="en-US"/>
           </a:p>
@@ -705,7 +705,7 @@
           <a:p>
             <a:fld id="{0A968979-5CB5-4E5D-B82F-DAC09775BD7D}" type="datetimeFigureOut">
               <a:rPr lang="en-US" smtClean="0"/>
-              <a:t>2022-08-15</a:t>
+              <a:t>2022-08-16</a:t>
             </a:fld>
             <a:endParaRPr lang="en-US"/>
           </a:p>
@@ -875,7 +875,7 @@
           <a:p>
             <a:fld id="{0A968979-5CB5-4E5D-B82F-DAC09775BD7D}" type="datetimeFigureOut">
               <a:rPr lang="en-US" smtClean="0"/>
-              <a:t>2022-08-15</a:t>
+              <a:t>2022-08-16</a:t>
             </a:fld>
             <a:endParaRPr lang="en-US"/>
           </a:p>
@@ -1055,7 +1055,7 @@
           <a:p>
             <a:fld id="{0A968979-5CB5-4E5D-B82F-DAC09775BD7D}" type="datetimeFigureOut">
               <a:rPr lang="en-US" smtClean="0"/>
-              <a:t>2022-08-15</a:t>
+              <a:t>2022-08-16</a:t>
             </a:fld>
             <a:endParaRPr lang="en-US"/>
           </a:p>
@@ -1225,7 +1225,7 @@
           <a:p>
             <a:fld id="{0A968979-5CB5-4E5D-B82F-DAC09775BD7D}" type="datetimeFigureOut">
               <a:rPr lang="en-US" smtClean="0"/>
-              <a:t>2022-08-15</a:t>
+              <a:t>2022-08-16</a:t>
             </a:fld>
             <a:endParaRPr lang="en-US"/>
           </a:p>
@@ -1471,7 +1471,7 @@
           <a:p>
             <a:fld id="{0A968979-5CB5-4E5D-B82F-DAC09775BD7D}" type="datetimeFigureOut">
               <a:rPr lang="en-US" smtClean="0"/>
-              <a:t>2022-08-15</a:t>
+              <a:t>2022-08-16</a:t>
             </a:fld>
             <a:endParaRPr lang="en-US"/>
           </a:p>
@@ -1703,7 +1703,7 @@
           <a:p>
             <a:fld id="{0A968979-5CB5-4E5D-B82F-DAC09775BD7D}" type="datetimeFigureOut">
               <a:rPr lang="en-US" smtClean="0"/>
-              <a:t>2022-08-15</a:t>
+              <a:t>2022-08-16</a:t>
             </a:fld>
             <a:endParaRPr lang="en-US"/>
           </a:p>
@@ -2070,7 +2070,7 @@
           <a:p>
             <a:fld id="{0A968979-5CB5-4E5D-B82F-DAC09775BD7D}" type="datetimeFigureOut">
               <a:rPr lang="en-US" smtClean="0"/>
-              <a:t>2022-08-15</a:t>
+              <a:t>2022-08-16</a:t>
             </a:fld>
             <a:endParaRPr lang="en-US"/>
           </a:p>
@@ -2188,7 +2188,7 @@
           <a:p>
             <a:fld id="{0A968979-5CB5-4E5D-B82F-DAC09775BD7D}" type="datetimeFigureOut">
               <a:rPr lang="en-US" smtClean="0"/>
-              <a:t>2022-08-15</a:t>
+              <a:t>2022-08-16</a:t>
             </a:fld>
             <a:endParaRPr lang="en-US"/>
           </a:p>
@@ -2283,7 +2283,7 @@
           <a:p>
             <a:fld id="{0A968979-5CB5-4E5D-B82F-DAC09775BD7D}" type="datetimeFigureOut">
               <a:rPr lang="en-US" smtClean="0"/>
-              <a:t>2022-08-15</a:t>
+              <a:t>2022-08-16</a:t>
             </a:fld>
             <a:endParaRPr lang="en-US"/>
           </a:p>
@@ -2560,7 +2560,7 @@
           <a:p>
             <a:fld id="{0A968979-5CB5-4E5D-B82F-DAC09775BD7D}" type="datetimeFigureOut">
               <a:rPr lang="en-US" smtClean="0"/>
-              <a:t>2022-08-15</a:t>
+              <a:t>2022-08-16</a:t>
             </a:fld>
             <a:endParaRPr lang="en-US"/>
           </a:p>
@@ -2817,7 +2817,7 @@
           <a:p>
             <a:fld id="{0A968979-5CB5-4E5D-B82F-DAC09775BD7D}" type="datetimeFigureOut">
               <a:rPr lang="en-US" smtClean="0"/>
-              <a:t>2022-08-15</a:t>
+              <a:t>2022-08-16</a:t>
             </a:fld>
             <a:endParaRPr lang="en-US"/>
           </a:p>
@@ -3030,7 +3030,7 @@
           <a:p>
             <a:fld id="{0A968979-5CB5-4E5D-B82F-DAC09775BD7D}" type="datetimeFigureOut">
               <a:rPr lang="en-US" smtClean="0"/>
-              <a:t>2022-08-15</a:t>
+              <a:t>2022-08-16</a:t>
             </a:fld>
             <a:endParaRPr lang="en-US"/>
           </a:p>
@@ -3633,13 +3633,13 @@
         </p:nvSpPr>
         <p:spPr>
           <a:xfrm>
-            <a:off x="838200" y="1511589"/>
-            <a:ext cx="10515600" cy="4351338"/>
+            <a:off x="569235" y="1511588"/>
+            <a:ext cx="11053529" cy="4709321"/>
           </a:xfrm>
         </p:spPr>
         <p:txBody>
           <a:bodyPr>
-            <a:normAutofit fontScale="92500"/>
+            <a:normAutofit/>
           </a:bodyPr>
           <a:lstStyle/>
           <a:p>
@@ -3710,6 +3710,49 @@
               <a:t>getParameterValues(String param) </a:t>
             </a:r>
             <a:endParaRPr lang="en-US" sz="3600" dirty="0">
+              <a:effectLst>
+                <a:outerShdw blurRad="38100" dist="38100" dir="2700000" algn="tl">
+                  <a:srgbClr val="000000">
+                    <a:alpha val="43137"/>
+                  </a:srgbClr>
+                </a:outerShdw>
+              </a:effectLst>
+              <a:latin typeface="Sylfaen" panose="010A0502050306030303" pitchFamily="18" charset="0"/>
+            </a:endParaRPr>
+          </a:p>
+          <a:p>
+            <a:pPr marL="0" indent="0">
+              <a:buNone/>
+            </a:pPr>
+            <a:endParaRPr lang="hy-AM" sz="3600" dirty="0">
+              <a:effectLst>
+                <a:outerShdw blurRad="38100" dist="38100" dir="2700000" algn="tl">
+                  <a:srgbClr val="000000">
+                    <a:alpha val="43137"/>
+                  </a:srgbClr>
+                </a:outerShdw>
+              </a:effectLst>
+              <a:latin typeface="Sylfaen" panose="010A0502050306030303" pitchFamily="18" charset="0"/>
+            </a:endParaRPr>
+          </a:p>
+          <a:p>
+            <a:pPr marL="0" indent="0">
+              <a:buNone/>
+            </a:pPr>
+            <a:r>
+              <a:rPr lang="en-US" sz="3600" dirty="0">
+                <a:effectLst>
+                  <a:outerShdw blurRad="38100" dist="38100" dir="2700000" algn="tl">
+                    <a:srgbClr val="000000">
+                      <a:alpha val="43137"/>
+                    </a:srgbClr>
+                  </a:outerShdw>
+                </a:effectLst>
+                <a:latin typeface="Sylfaen" panose="010A0502050306030303" pitchFamily="18" charset="0"/>
+              </a:rPr>
+              <a:t>resource_name?parameter1=value1&amp;parameter2=value2</a:t>
+            </a:r>
+            <a:endParaRPr lang="hy-AM" sz="3600" dirty="0">
               <a:effectLst>
                 <a:outerShdw blurRad="38100" dist="38100" dir="2700000" algn="tl">
                   <a:srgbClr val="000000">
@@ -3750,53 +3793,8 @@
                 </a:effectLst>
                 <a:latin typeface="Sylfaen" panose="010A0502050306030303" pitchFamily="18" charset="0"/>
               </a:rPr>
-              <a:t>resource_name?parameter1=value1&amp;parameter2=value2</a:t>
-            </a:r>
-          </a:p>
-          <a:p>
-            <a:pPr marL="0" indent="0">
-              <a:buNone/>
-            </a:pPr>
-            <a:endParaRPr lang="en-US" sz="3600" dirty="0">
-              <a:effectLst>
-                <a:outerShdw blurRad="38100" dist="38100" dir="2700000" algn="tl">
-                  <a:srgbClr val="000000">
-                    <a:alpha val="43137"/>
-                  </a:srgbClr>
-                </a:outerShdw>
-              </a:effectLst>
-              <a:latin typeface="Sylfaen" panose="010A0502050306030303" pitchFamily="18" charset="0"/>
-            </a:endParaRPr>
-          </a:p>
-          <a:p>
-            <a:pPr marL="0" indent="0">
-              <a:buNone/>
-            </a:pPr>
-            <a:r>
-              <a:rPr lang="en-US" sz="3600" dirty="0">
-                <a:effectLst>
-                  <a:outerShdw blurRad="38100" dist="38100" dir="2700000" algn="tl">
-                    <a:srgbClr val="000000">
-                      <a:alpha val="43137"/>
-                    </a:srgbClr>
-                  </a:outerShdw>
-                </a:effectLst>
-                <a:latin typeface="Sylfaen" panose="010A0502050306030303" pitchFamily="18" charset="0"/>
-              </a:rPr>
               <a:t>name attribute of HTML input element</a:t>
             </a:r>
-          </a:p>
-          <a:p>
-            <a:pPr marL="0" indent="0">
-              <a:buNone/>
-            </a:pPr>
-            <a:endParaRPr lang="en-US" dirty="0"/>
-          </a:p>
-          <a:p>
-            <a:pPr marL="0" indent="0">
-              <a:buNone/>
-            </a:pPr>
-            <a:endParaRPr lang="ru-RU" dirty="0"/>
           </a:p>
         </p:txBody>
       </p:sp>
@@ -5417,8 +5415,8 @@
         </p:nvSpPr>
         <p:spPr>
           <a:xfrm>
-            <a:off x="564629" y="974361"/>
-            <a:ext cx="11062741" cy="5390029"/>
+            <a:off x="564629" y="1199213"/>
+            <a:ext cx="11062741" cy="5411446"/>
           </a:xfrm>
         </p:spPr>
         <p:txBody>
@@ -5880,7 +5878,7 @@
         <p:spPr>
           <a:xfrm>
             <a:off x="838200" y="0"/>
-            <a:ext cx="10515600" cy="1543987"/>
+            <a:ext cx="10515600" cy="1064301"/>
           </a:xfrm>
         </p:spPr>
         <p:txBody>
@@ -5916,18 +5914,33 @@
         </p:nvSpPr>
         <p:spPr>
           <a:xfrm>
-            <a:off x="838200" y="1825625"/>
-            <a:ext cx="4243466" cy="4351338"/>
+            <a:off x="973968" y="2093543"/>
+            <a:ext cx="4557402" cy="3367958"/>
           </a:xfrm>
         </p:spPr>
         <p:txBody>
-          <a:bodyPr/>
+          <a:bodyPr>
+            <a:normAutofit/>
+          </a:bodyPr>
           <a:lstStyle/>
           <a:p>
             <a:pPr marL="0" indent="0">
               <a:buNone/>
             </a:pPr>
             <a:r>
+              <a:rPr lang="en-US" sz="3200" dirty="0" err="1">
+                <a:effectLst>
+                  <a:outerShdw blurRad="38100" dist="38100" dir="2700000" algn="tl">
+                    <a:srgbClr val="000000">
+                      <a:alpha val="43137"/>
+                    </a:srgbClr>
+                  </a:outerShdw>
+                </a:effectLst>
+                <a:latin typeface="Sylfaen" panose="010A0502050306030303" pitchFamily="18" charset="0"/>
+              </a:rPr>
+              <a:t>HttpSession</a:t>
+            </a:r>
+            <a:r>
               <a:rPr lang="en-US" sz="3200" dirty="0">
                 <a:effectLst>
                   <a:outerShdw blurRad="38100" dist="38100" dir="2700000" algn="tl">
@@ -5938,7 +5951,7 @@
                 </a:effectLst>
                 <a:latin typeface="Sylfaen" panose="010A0502050306030303" pitchFamily="18" charset="0"/>
               </a:rPr>
-              <a:t>Session Id</a:t>
+              <a:t> interface</a:t>
             </a:r>
           </a:p>
           <a:p>
@@ -5971,7 +5984,7 @@
                 </a:effectLst>
                 <a:latin typeface="Sylfaen" panose="010A0502050306030303" pitchFamily="18" charset="0"/>
               </a:rPr>
-              <a:t>HttpSession</a:t>
+              <a:t>request.getSession</a:t>
             </a:r>
             <a:r>
               <a:rPr lang="en-US" sz="3200" dirty="0">
@@ -5984,13 +5997,41 @@
                 </a:effectLst>
                 <a:latin typeface="Sylfaen" panose="010A0502050306030303" pitchFamily="18" charset="0"/>
               </a:rPr>
-              <a:t> interface</a:t>
+              <a:t>()</a:t>
             </a:r>
           </a:p>
           <a:p>
             <a:pPr marL="0" indent="0">
               <a:buNone/>
             </a:pPr>
+            <a:endParaRPr lang="en-US" sz="3200" dirty="0">
+              <a:effectLst>
+                <a:outerShdw blurRad="38100" dist="38100" dir="2700000" algn="tl">
+                  <a:srgbClr val="000000">
+                    <a:alpha val="43137"/>
+                  </a:srgbClr>
+                </a:outerShdw>
+              </a:effectLst>
+              <a:latin typeface="Sylfaen" panose="010A0502050306030303" pitchFamily="18" charset="0"/>
+            </a:endParaRPr>
+          </a:p>
+          <a:p>
+            <a:pPr marL="0" indent="0">
+              <a:buNone/>
+            </a:pPr>
+            <a:r>
+              <a:rPr lang="en-US" sz="3200" dirty="0">
+                <a:effectLst>
+                  <a:outerShdw blurRad="38100" dist="38100" dir="2700000" algn="tl">
+                    <a:srgbClr val="000000">
+                      <a:alpha val="43137"/>
+                    </a:srgbClr>
+                  </a:outerShdw>
+                </a:effectLst>
+                <a:latin typeface="Sylfaen" panose="010A0502050306030303" pitchFamily="18" charset="0"/>
+              </a:rPr>
+              <a:t>Session Id</a:t>
+            </a:r>
             <a:endParaRPr lang="hy-AM" dirty="0"/>
           </a:p>
         </p:txBody>
@@ -6011,8 +6052,8 @@
         </p:nvSpPr>
         <p:spPr>
           <a:xfrm>
-            <a:off x="5546360" y="1825625"/>
-            <a:ext cx="6175947" cy="3690756"/>
+            <a:off x="5971081" y="1229194"/>
+            <a:ext cx="6220919" cy="5096656"/>
           </a:xfrm>
           <a:prstGeom prst="rect">
             <a:avLst/>
@@ -6020,7 +6061,7 @@
         </p:spPr>
         <p:txBody>
           <a:bodyPr vert="horz" lIns="91440" tIns="45720" rIns="91440" bIns="45720" rtlCol="0">
-            <a:normAutofit fontScale="70000" lnSpcReduction="20000"/>
+            <a:normAutofit fontScale="62500" lnSpcReduction="20000"/>
           </a:bodyPr>
           <a:lstStyle>
             <a:lvl1pPr marL="228600" indent="-228600" algn="l" defTabSz="914400" rtl="0" eaLnBrk="1" latinLnBrk="0" hangingPunct="1">
@@ -6189,7 +6230,7 @@
           <a:p>
             <a:pPr algn="just">
               <a:lnSpc>
-                <a:spcPct val="120000"/>
+                <a:spcPct val="170000"/>
               </a:lnSpc>
               <a:spcBef>
                 <a:spcPts val="0"/>
@@ -6222,7 +6263,7 @@
           <a:p>
             <a:pPr algn="just">
               <a:lnSpc>
-                <a:spcPct val="120000"/>
+                <a:spcPct val="170000"/>
               </a:lnSpc>
               <a:spcBef>
                 <a:spcPts val="0"/>
@@ -6255,7 +6296,7 @@
           <a:p>
             <a:pPr algn="just">
               <a:lnSpc>
-                <a:spcPct val="120000"/>
+                <a:spcPct val="170000"/>
               </a:lnSpc>
               <a:spcBef>
                 <a:spcPts val="0"/>
@@ -6288,7 +6329,7 @@
           <a:p>
             <a:pPr algn="just">
               <a:lnSpc>
-                <a:spcPct val="120000"/>
+                <a:spcPct val="170000"/>
               </a:lnSpc>
               <a:spcBef>
                 <a:spcPts val="0"/>
@@ -6321,7 +6362,7 @@
           <a:p>
             <a:pPr algn="just">
               <a:lnSpc>
-                <a:spcPct val="120000"/>
+                <a:spcPct val="170000"/>
               </a:lnSpc>
               <a:spcBef>
                 <a:spcPts val="0"/>
@@ -6354,7 +6395,7 @@
           <a:p>
             <a:pPr algn="just">
               <a:lnSpc>
-                <a:spcPct val="120000"/>
+                <a:spcPct val="170000"/>
               </a:lnSpc>
               <a:spcBef>
                 <a:spcPts val="0"/>
@@ -6387,7 +6428,7 @@
           <a:p>
             <a:pPr algn="just">
               <a:lnSpc>
-                <a:spcPct val="120000"/>
+                <a:spcPct val="170000"/>
               </a:lnSpc>
               <a:spcBef>
                 <a:spcPts val="0"/>
@@ -6420,7 +6461,7 @@
           <a:p>
             <a:pPr algn="just">
               <a:lnSpc>
-                <a:spcPct val="120000"/>
+                <a:spcPct val="170000"/>
               </a:lnSpc>
               <a:spcBef>
                 <a:spcPts val="0"/>
@@ -6459,6 +6500,44 @@
           </a:p>
         </p:txBody>
       </p:sp>
+      <p:cxnSp>
+        <p:nvCxnSpPr>
+          <p:cNvPr id="5" name="Straight Connector 4">
+            <a:extLst>
+              <a:ext uri="{FF2B5EF4-FFF2-40B4-BE49-F238E27FC236}">
+                <a16:creationId xmlns:a16="http://schemas.microsoft.com/office/drawing/2014/main" id="{8987513D-DC69-4DAE-A21C-0C72433B362C}"/>
+              </a:ext>
+            </a:extLst>
+          </p:cNvPr>
+          <p:cNvCxnSpPr>
+            <a:cxnSpLocks/>
+          </p:cNvCxnSpPr>
+          <p:nvPr/>
+        </p:nvCxnSpPr>
+        <p:spPr>
+          <a:xfrm>
+            <a:off x="569235" y="1010770"/>
+            <a:ext cx="11053530" cy="0"/>
+          </a:xfrm>
+          <a:prstGeom prst="line">
+            <a:avLst/>
+          </a:prstGeom>
+        </p:spPr>
+        <p:style>
+          <a:lnRef idx="3">
+            <a:schemeClr val="accent1"/>
+          </a:lnRef>
+          <a:fillRef idx="0">
+            <a:schemeClr val="accent1"/>
+          </a:fillRef>
+          <a:effectRef idx="2">
+            <a:schemeClr val="accent1"/>
+          </a:effectRef>
+          <a:fontRef idx="minor">
+            <a:schemeClr val="tx1"/>
+          </a:fontRef>
+        </p:style>
+      </p:cxnSp>
     </p:spTree>
     <p:extLst>
       <p:ext uri="{BB962C8B-B14F-4D97-AF65-F5344CB8AC3E}">
@@ -6647,8 +6726,8 @@
         </p:nvSpPr>
         <p:spPr>
           <a:xfrm>
-            <a:off x="838200" y="18255"/>
-            <a:ext cx="10515600" cy="1325563"/>
+            <a:off x="838200" y="18256"/>
+            <a:ext cx="10515600" cy="1072782"/>
           </a:xfrm>
         </p:spPr>
         <p:txBody>
@@ -6685,7 +6764,7 @@
         <p:spPr>
           <a:xfrm>
             <a:off x="838200" y="1298655"/>
-            <a:ext cx="10515600" cy="5023108"/>
+            <a:ext cx="5257800" cy="5023108"/>
           </a:xfrm>
         </p:spPr>
         <p:txBody>
@@ -6981,6 +7060,42 @@
           </a:fontRef>
         </p:style>
       </p:cxnSp>
+      <p:pic>
+        <p:nvPicPr>
+          <p:cNvPr id="6" name="Picture 5">
+            <a:extLst>
+              <a:ext uri="{FF2B5EF4-FFF2-40B4-BE49-F238E27FC236}">
+                <a16:creationId xmlns:a16="http://schemas.microsoft.com/office/drawing/2014/main" id="{32089D82-7540-42BA-9F16-364B48DB1A8A}"/>
+              </a:ext>
+            </a:extLst>
+          </p:cNvPr>
+          <p:cNvPicPr>
+            <a:picLocks noChangeAspect="1"/>
+          </p:cNvPicPr>
+          <p:nvPr/>
+        </p:nvPicPr>
+        <p:blipFill>
+          <a:blip r:embed="rId2">
+            <a:extLst>
+              <a:ext uri="{28A0092B-C50C-407E-A947-70E740481C1C}">
+                <a14:useLocalDpi xmlns:a14="http://schemas.microsoft.com/office/drawing/2010/main" val="0"/>
+              </a:ext>
+            </a:extLst>
+          </a:blip>
+          <a:stretch>
+            <a:fillRect/>
+          </a:stretch>
+        </p:blipFill>
+        <p:spPr>
+          <a:xfrm>
+            <a:off x="6851133" y="2050570"/>
+            <a:ext cx="4771632" cy="3519277"/>
+          </a:xfrm>
+          <a:prstGeom prst="rect">
+            <a:avLst/>
+          </a:prstGeom>
+        </p:spPr>
+      </p:pic>
     </p:spTree>
     <p:extLst>
       <p:ext uri="{BB962C8B-B14F-4D97-AF65-F5344CB8AC3E}">
@@ -7029,8 +7144,8 @@
         </p:nvSpPr>
         <p:spPr>
           <a:xfrm>
-            <a:off x="838200" y="0"/>
-            <a:ext cx="10515600" cy="1325563"/>
+            <a:off x="838200" y="1"/>
+            <a:ext cx="10515600" cy="1155624"/>
           </a:xfrm>
         </p:spPr>
         <p:txBody>
@@ -7099,44 +7214,6 @@
         <p:spPr>
           <a:xfrm>
             <a:off x="569235" y="1155625"/>
-            <a:ext cx="11053530" cy="0"/>
-          </a:xfrm>
-          <a:prstGeom prst="line">
-            <a:avLst/>
-          </a:prstGeom>
-        </p:spPr>
-        <p:style>
-          <a:lnRef idx="3">
-            <a:schemeClr val="accent1"/>
-          </a:lnRef>
-          <a:fillRef idx="0">
-            <a:schemeClr val="accent1"/>
-          </a:fillRef>
-          <a:effectRef idx="2">
-            <a:schemeClr val="accent1"/>
-          </a:effectRef>
-          <a:fontRef idx="minor">
-            <a:schemeClr val="tx1"/>
-          </a:fontRef>
-        </p:style>
-      </p:cxnSp>
-      <p:cxnSp>
-        <p:nvCxnSpPr>
-          <p:cNvPr id="7" name="Straight Connector 6">
-            <a:extLst>
-              <a:ext uri="{FF2B5EF4-FFF2-40B4-BE49-F238E27FC236}">
-                <a16:creationId xmlns:a16="http://schemas.microsoft.com/office/drawing/2014/main" id="{5DCFC1EA-0323-4FEF-B3DC-633CF6D80858}"/>
-              </a:ext>
-            </a:extLst>
-          </p:cNvPr>
-          <p:cNvCxnSpPr>
-            <a:cxnSpLocks/>
-          </p:cNvCxnSpPr>
-          <p:nvPr/>
-        </p:nvCxnSpPr>
-        <p:spPr>
-          <a:xfrm>
-            <a:off x="569235" y="1305527"/>
             <a:ext cx="11053530" cy="0"/>
           </a:xfrm>
           <a:prstGeom prst="line">
@@ -14604,7 +14681,7 @@
         </p:nvSpPr>
         <p:spPr>
           <a:xfrm>
-            <a:off x="569233" y="5661987"/>
+            <a:off x="1196323" y="5661986"/>
             <a:ext cx="3937870" cy="655665"/>
           </a:xfrm>
           <a:prstGeom prst="rect">
@@ -14839,7 +14916,7 @@
         </p:nvSpPr>
         <p:spPr>
           <a:xfrm>
-            <a:off x="5417204" y="5661986"/>
+            <a:off x="6431311" y="5661986"/>
             <a:ext cx="3937870" cy="655665"/>
           </a:xfrm>
           <a:prstGeom prst="rect">
@@ -17183,13 +17260,13 @@
         </p:nvSpPr>
         <p:spPr>
           <a:xfrm>
-            <a:off x="838200" y="192713"/>
-            <a:ext cx="10515600" cy="1325563"/>
+            <a:off x="838200" y="104198"/>
+            <a:ext cx="10515600" cy="1321714"/>
           </a:xfrm>
         </p:spPr>
         <p:txBody>
           <a:bodyPr>
-            <a:normAutofit fontScale="90000"/>
+            <a:normAutofit/>
           </a:bodyPr>
           <a:lstStyle/>
           <a:p>
@@ -17213,84 +17290,6 @@
                 <a:latin typeface="Noto Serif" panose="020B0604020202020204" pitchFamily="18" charset="0"/>
               </a:rPr>
               <a:t> and Java beans </a:t>
-            </a:r>
-            <a:br>
-              <a:rPr lang="en-US" b="0" i="0" dirty="0">
-                <a:solidFill>
-                  <a:srgbClr val="3D3B49"/>
-                </a:solidFill>
-                <a:effectLst/>
-                <a:latin typeface="Noto Serif" panose="020B0604020202020204" pitchFamily="18" charset="0"/>
-              </a:rPr>
-            </a:br>
-            <a:r>
-              <a:rPr lang="en-US" b="0" i="0" dirty="0">
-                <a:solidFill>
-                  <a:srgbClr val="3D3B49"/>
-                </a:solidFill>
-                <a:effectLst/>
-                <a:latin typeface="Noto Serif" panose="020B0604020202020204" pitchFamily="18" charset="0"/>
-              </a:rPr>
-              <a:t>&lt;</a:t>
-            </a:r>
-            <a:r>
-              <a:rPr lang="en-US" b="0" i="0" dirty="0" err="1">
-                <a:solidFill>
-                  <a:srgbClr val="3D3B49"/>
-                </a:solidFill>
-                <a:effectLst/>
-                <a:latin typeface="Noto Serif" panose="020B0604020202020204" pitchFamily="18" charset="0"/>
-              </a:rPr>
-              <a:t>jsp:useBean</a:t>
-            </a:r>
-            <a:r>
-              <a:rPr lang="en-US" b="0" i="0" dirty="0">
-                <a:solidFill>
-                  <a:srgbClr val="3D3B49"/>
-                </a:solidFill>
-                <a:effectLst/>
-                <a:latin typeface="Noto Serif" panose="020B0604020202020204" pitchFamily="18" charset="0"/>
-              </a:rPr>
-              <a:t>&gt; </a:t>
-            </a:r>
-            <a:r>
-              <a:rPr lang="en-US" dirty="0">
-                <a:solidFill>
-                  <a:srgbClr val="3D3B49"/>
-                </a:solidFill>
-                <a:latin typeface="Noto Serif" panose="020B0604020202020204" pitchFamily="18" charset="0"/>
-              </a:rPr>
-              <a:t>and</a:t>
-            </a:r>
-            <a:r>
-              <a:rPr lang="ru-RU" b="0" i="0" dirty="0">
-                <a:solidFill>
-                  <a:srgbClr val="3D3B49"/>
-                </a:solidFill>
-                <a:effectLst/>
-                <a:latin typeface="Noto Serif" panose="020B0604020202020204" pitchFamily="18" charset="0"/>
-              </a:rPr>
-              <a:t> &lt;</a:t>
-            </a:r>
-            <a:r>
-              <a:rPr lang="en-US" b="0" i="0" dirty="0" err="1">
-                <a:solidFill>
-                  <a:srgbClr val="3D3B49"/>
-                </a:solidFill>
-                <a:effectLst/>
-                <a:latin typeface="Noto Serif" panose="020B0604020202020204" pitchFamily="18" charset="0"/>
-              </a:rPr>
-              <a:t>jsp:getProperty</a:t>
-            </a:r>
-            <a:r>
-              <a:rPr lang="en-US" b="0" i="0" dirty="0">
-                <a:solidFill>
-                  <a:srgbClr val="3D3B49"/>
-                </a:solidFill>
-                <a:effectLst/>
-                <a:latin typeface="Noto Serif" panose="020B0604020202020204" pitchFamily="18" charset="0"/>
-              </a:rPr>
-              <a:t>&gt;</a:t>
             </a:r>
             <a:br>
               <a:rPr lang="en-US" b="0" i="0" dirty="0">
@@ -19226,239 +19225,6 @@
           <p:cNvPr id="2" name="Title 1">
             <a:extLst>
               <a:ext uri="{FF2B5EF4-FFF2-40B4-BE49-F238E27FC236}">
-                <a16:creationId xmlns:a16="http://schemas.microsoft.com/office/drawing/2014/main" id="{83B6179C-5907-425C-96B5-DC09AEBD2292}"/>
-              </a:ext>
-            </a:extLst>
-          </p:cNvPr>
-          <p:cNvSpPr>
-            <a:spLocks noGrp="1"/>
-          </p:cNvSpPr>
-          <p:nvPr>
-            <p:ph type="title"/>
-          </p:nvPr>
-        </p:nvSpPr>
-        <p:spPr>
-          <a:xfrm>
-            <a:off x="191910" y="61889"/>
-            <a:ext cx="11808177" cy="1325563"/>
-          </a:xfrm>
-        </p:spPr>
-        <p:txBody>
-          <a:bodyPr>
-            <a:normAutofit/>
-          </a:bodyPr>
-          <a:lstStyle/>
-          <a:p>
-            <a:pPr algn="ctr"/>
-            <a:r>
-              <a:rPr lang="en-US" dirty="0">
-                <a:latin typeface="Sylfaen" panose="010A0502050306030303" pitchFamily="18" charset="0"/>
-              </a:rPr>
-              <a:t>Configuration with web.xml file</a:t>
-            </a:r>
-            <a:endParaRPr lang="en-US" dirty="0"/>
-          </a:p>
-        </p:txBody>
-      </p:sp>
-      <p:sp>
-        <p:nvSpPr>
-          <p:cNvPr id="3" name="Content Placeholder 2">
-            <a:extLst>
-              <a:ext uri="{FF2B5EF4-FFF2-40B4-BE49-F238E27FC236}">
-                <a16:creationId xmlns:a16="http://schemas.microsoft.com/office/drawing/2014/main" id="{26DCA64B-EE69-4946-8CA0-4402C0815B9B}"/>
-              </a:ext>
-            </a:extLst>
-          </p:cNvPr>
-          <p:cNvSpPr>
-            <a:spLocks noGrp="1"/>
-          </p:cNvSpPr>
-          <p:nvPr>
-            <p:ph idx="1"/>
-          </p:nvPr>
-        </p:nvSpPr>
-        <p:spPr>
-          <a:xfrm>
-            <a:off x="1294692" y="1848202"/>
-            <a:ext cx="3190522" cy="4351338"/>
-          </a:xfrm>
-        </p:spPr>
-        <p:txBody>
-          <a:bodyPr/>
-          <a:lstStyle/>
-          <a:p>
-            <a:pPr marL="0" indent="0">
-              <a:buNone/>
-            </a:pPr>
-            <a:r>
-              <a:rPr lang="en-US" b="1" dirty="0">
-                <a:effectLst>
-                  <a:outerShdw blurRad="38100" dist="38100" dir="2700000" algn="tl">
-                    <a:srgbClr val="000000">
-                      <a:alpha val="43137"/>
-                    </a:srgbClr>
-                  </a:outerShdw>
-                </a:effectLst>
-                <a:latin typeface="Sylfaen" panose="010A0502050306030303" pitchFamily="18" charset="0"/>
-              </a:rPr>
-              <a:t>Servlet mapping</a:t>
-            </a:r>
-          </a:p>
-          <a:p>
-            <a:pPr marL="0" indent="0">
-              <a:buNone/>
-            </a:pPr>
-            <a:endParaRPr lang="en-US" b="1" dirty="0">
-              <a:effectLst>
-                <a:outerShdw blurRad="38100" dist="38100" dir="2700000" algn="tl">
-                  <a:srgbClr val="000000">
-                    <a:alpha val="43137"/>
-                  </a:srgbClr>
-                </a:outerShdw>
-              </a:effectLst>
-              <a:latin typeface="Sylfaen" panose="010A0502050306030303" pitchFamily="18" charset="0"/>
-            </a:endParaRPr>
-          </a:p>
-          <a:p>
-            <a:pPr marL="0" indent="0">
-              <a:buNone/>
-            </a:pPr>
-            <a:r>
-              <a:rPr lang="en-US" b="1" dirty="0">
-                <a:effectLst>
-                  <a:outerShdw blurRad="38100" dist="38100" dir="2700000" algn="tl">
-                    <a:srgbClr val="000000">
-                      <a:alpha val="43137"/>
-                    </a:srgbClr>
-                  </a:outerShdw>
-                </a:effectLst>
-                <a:latin typeface="Sylfaen" panose="010A0502050306030303" pitchFamily="18" charset="0"/>
-              </a:rPr>
-              <a:t>Error handling</a:t>
-            </a:r>
-          </a:p>
-          <a:p>
-            <a:pPr marL="0" indent="0">
-              <a:buNone/>
-            </a:pPr>
-            <a:endParaRPr lang="en-US" b="1" dirty="0">
-              <a:effectLst>
-                <a:outerShdw blurRad="38100" dist="38100" dir="2700000" algn="tl">
-                  <a:srgbClr val="000000">
-                    <a:alpha val="43137"/>
-                  </a:srgbClr>
-                </a:outerShdw>
-              </a:effectLst>
-              <a:latin typeface="Sylfaen" panose="010A0502050306030303" pitchFamily="18" charset="0"/>
-            </a:endParaRPr>
-          </a:p>
-          <a:p>
-            <a:pPr marL="0" indent="0">
-              <a:buNone/>
-            </a:pPr>
-            <a:r>
-              <a:rPr lang="en-US" b="1" dirty="0">
-                <a:effectLst>
-                  <a:outerShdw blurRad="38100" dist="38100" dir="2700000" algn="tl">
-                    <a:srgbClr val="000000">
-                      <a:alpha val="43137"/>
-                    </a:srgbClr>
-                  </a:outerShdw>
-                </a:effectLst>
-                <a:latin typeface="Sylfaen" panose="010A0502050306030303" pitchFamily="18" charset="0"/>
-              </a:rPr>
-              <a:t>Exception handling</a:t>
-            </a:r>
-          </a:p>
-          <a:p>
-            <a:pPr marL="0" indent="0">
-              <a:buNone/>
-            </a:pPr>
-            <a:endParaRPr lang="en-US" b="1" dirty="0">
-              <a:effectLst>
-                <a:outerShdw blurRad="38100" dist="38100" dir="2700000" algn="tl">
-                  <a:srgbClr val="000000">
-                    <a:alpha val="43137"/>
-                  </a:srgbClr>
-                </a:outerShdw>
-              </a:effectLst>
-              <a:latin typeface="Sylfaen" panose="010A0502050306030303" pitchFamily="18" charset="0"/>
-            </a:endParaRPr>
-          </a:p>
-        </p:txBody>
-      </p:sp>
-      <p:cxnSp>
-        <p:nvCxnSpPr>
-          <p:cNvPr id="4" name="Straight Connector 14">
-            <a:extLst>
-              <a:ext uri="{FF2B5EF4-FFF2-40B4-BE49-F238E27FC236}">
-                <a16:creationId xmlns:a16="http://schemas.microsoft.com/office/drawing/2014/main" id="{388EA137-6330-4A80-96C4-346766F24EC0}"/>
-              </a:ext>
-            </a:extLst>
-          </p:cNvPr>
-          <p:cNvCxnSpPr>
-            <a:cxnSpLocks/>
-          </p:cNvCxnSpPr>
-          <p:nvPr/>
-        </p:nvCxnSpPr>
-        <p:spPr>
-          <a:xfrm>
-            <a:off x="569233" y="1379679"/>
-            <a:ext cx="11053530" cy="0"/>
-          </a:xfrm>
-          <a:prstGeom prst="line">
-            <a:avLst/>
-          </a:prstGeom>
-        </p:spPr>
-        <p:style>
-          <a:lnRef idx="3">
-            <a:schemeClr val="accent1"/>
-          </a:lnRef>
-          <a:fillRef idx="0">
-            <a:schemeClr val="accent1"/>
-          </a:fillRef>
-          <a:effectRef idx="2">
-            <a:schemeClr val="accent1"/>
-          </a:effectRef>
-          <a:fontRef idx="minor">
-            <a:schemeClr val="tx1"/>
-          </a:fontRef>
-        </p:style>
-      </p:cxnSp>
-    </p:spTree>
-    <p:extLst>
-      <p:ext uri="{BB962C8B-B14F-4D97-AF65-F5344CB8AC3E}">
-        <p14:creationId xmlns:p14="http://schemas.microsoft.com/office/powerpoint/2010/main" val="3903396036"/>
-      </p:ext>
-    </p:extLst>
-  </p:cSld>
-  <p:clrMapOvr>
-    <a:masterClrMapping/>
-  </p:clrMapOvr>
-</p:sld>
-</file>
-
-<file path=ppt/slides/slide8.xml><?xml version="1.0" encoding="utf-8"?>
-<p:sld xmlns:a="http://schemas.openxmlformats.org/drawingml/2006/main" xmlns:r="http://schemas.openxmlformats.org/officeDocument/2006/relationships" xmlns:p="http://schemas.openxmlformats.org/presentationml/2006/main">
-  <p:cSld>
-    <p:spTree>
-      <p:nvGrpSpPr>
-        <p:cNvPr id="1" name=""/>
-        <p:cNvGrpSpPr/>
-        <p:nvPr/>
-      </p:nvGrpSpPr>
-      <p:grpSpPr>
-        <a:xfrm>
-          <a:off x="0" y="0"/>
-          <a:ext cx="0" cy="0"/>
-          <a:chOff x="0" y="0"/>
-          <a:chExt cx="0" cy="0"/>
-        </a:xfrm>
-      </p:grpSpPr>
-      <p:sp>
-        <p:nvSpPr>
-          <p:cNvPr id="2" name="Title 1">
-            <a:extLst>
-              <a:ext uri="{FF2B5EF4-FFF2-40B4-BE49-F238E27FC236}">
                 <a16:creationId xmlns:a16="http://schemas.microsoft.com/office/drawing/2014/main" id="{E0101F59-ABAD-4505-9156-A14335F17778}"/>
               </a:ext>
             </a:extLst>
@@ -19718,6 +19484,239 @@
     <p:extLst>
       <p:ext uri="{BB962C8B-B14F-4D97-AF65-F5344CB8AC3E}">
         <p14:creationId xmlns:p14="http://schemas.microsoft.com/office/powerpoint/2010/main" val="2452048756"/>
+      </p:ext>
+    </p:extLst>
+  </p:cSld>
+  <p:clrMapOvr>
+    <a:masterClrMapping/>
+  </p:clrMapOvr>
+</p:sld>
+</file>
+
+<file path=ppt/slides/slide8.xml><?xml version="1.0" encoding="utf-8"?>
+<p:sld xmlns:a="http://schemas.openxmlformats.org/drawingml/2006/main" xmlns:r="http://schemas.openxmlformats.org/officeDocument/2006/relationships" xmlns:p="http://schemas.openxmlformats.org/presentationml/2006/main">
+  <p:cSld>
+    <p:spTree>
+      <p:nvGrpSpPr>
+        <p:cNvPr id="1" name=""/>
+        <p:cNvGrpSpPr/>
+        <p:nvPr/>
+      </p:nvGrpSpPr>
+      <p:grpSpPr>
+        <a:xfrm>
+          <a:off x="0" y="0"/>
+          <a:ext cx="0" cy="0"/>
+          <a:chOff x="0" y="0"/>
+          <a:chExt cx="0" cy="0"/>
+        </a:xfrm>
+      </p:grpSpPr>
+      <p:sp>
+        <p:nvSpPr>
+          <p:cNvPr id="2" name="Title 1">
+            <a:extLst>
+              <a:ext uri="{FF2B5EF4-FFF2-40B4-BE49-F238E27FC236}">
+                <a16:creationId xmlns:a16="http://schemas.microsoft.com/office/drawing/2014/main" id="{83B6179C-5907-425C-96B5-DC09AEBD2292}"/>
+              </a:ext>
+            </a:extLst>
+          </p:cNvPr>
+          <p:cNvSpPr>
+            <a:spLocks noGrp="1"/>
+          </p:cNvSpPr>
+          <p:nvPr>
+            <p:ph type="title"/>
+          </p:nvPr>
+        </p:nvSpPr>
+        <p:spPr>
+          <a:xfrm>
+            <a:off x="191910" y="61889"/>
+            <a:ext cx="11808177" cy="1325563"/>
+          </a:xfrm>
+        </p:spPr>
+        <p:txBody>
+          <a:bodyPr>
+            <a:normAutofit/>
+          </a:bodyPr>
+          <a:lstStyle/>
+          <a:p>
+            <a:pPr algn="ctr"/>
+            <a:r>
+              <a:rPr lang="en-US" dirty="0">
+                <a:latin typeface="Sylfaen" panose="010A0502050306030303" pitchFamily="18" charset="0"/>
+              </a:rPr>
+              <a:t>Mapping with web.xml file</a:t>
+            </a:r>
+            <a:endParaRPr lang="en-US" dirty="0"/>
+          </a:p>
+        </p:txBody>
+      </p:sp>
+      <p:sp>
+        <p:nvSpPr>
+          <p:cNvPr id="3" name="Content Placeholder 2">
+            <a:extLst>
+              <a:ext uri="{FF2B5EF4-FFF2-40B4-BE49-F238E27FC236}">
+                <a16:creationId xmlns:a16="http://schemas.microsoft.com/office/drawing/2014/main" id="{26DCA64B-EE69-4946-8CA0-4402C0815B9B}"/>
+              </a:ext>
+            </a:extLst>
+          </p:cNvPr>
+          <p:cNvSpPr>
+            <a:spLocks noGrp="1"/>
+          </p:cNvSpPr>
+          <p:nvPr>
+            <p:ph idx="1"/>
+          </p:nvPr>
+        </p:nvSpPr>
+        <p:spPr>
+          <a:xfrm>
+            <a:off x="1294692" y="1848202"/>
+            <a:ext cx="3190522" cy="4351338"/>
+          </a:xfrm>
+        </p:spPr>
+        <p:txBody>
+          <a:bodyPr/>
+          <a:lstStyle/>
+          <a:p>
+            <a:pPr marL="0" indent="0">
+              <a:buNone/>
+            </a:pPr>
+            <a:r>
+              <a:rPr lang="en-US" b="1" dirty="0">
+                <a:effectLst>
+                  <a:outerShdw blurRad="38100" dist="38100" dir="2700000" algn="tl">
+                    <a:srgbClr val="000000">
+                      <a:alpha val="43137"/>
+                    </a:srgbClr>
+                  </a:outerShdw>
+                </a:effectLst>
+                <a:latin typeface="Sylfaen" panose="010A0502050306030303" pitchFamily="18" charset="0"/>
+              </a:rPr>
+              <a:t>Servlet mapping</a:t>
+            </a:r>
+          </a:p>
+          <a:p>
+            <a:pPr marL="0" indent="0">
+              <a:buNone/>
+            </a:pPr>
+            <a:endParaRPr lang="en-US" b="1" dirty="0">
+              <a:effectLst>
+                <a:outerShdw blurRad="38100" dist="38100" dir="2700000" algn="tl">
+                  <a:srgbClr val="000000">
+                    <a:alpha val="43137"/>
+                  </a:srgbClr>
+                </a:outerShdw>
+              </a:effectLst>
+              <a:latin typeface="Sylfaen" panose="010A0502050306030303" pitchFamily="18" charset="0"/>
+            </a:endParaRPr>
+          </a:p>
+          <a:p>
+            <a:pPr marL="0" indent="0">
+              <a:buNone/>
+            </a:pPr>
+            <a:r>
+              <a:rPr lang="en-US" b="1" dirty="0">
+                <a:effectLst>
+                  <a:outerShdw blurRad="38100" dist="38100" dir="2700000" algn="tl">
+                    <a:srgbClr val="000000">
+                      <a:alpha val="43137"/>
+                    </a:srgbClr>
+                  </a:outerShdw>
+                </a:effectLst>
+                <a:latin typeface="Sylfaen" panose="010A0502050306030303" pitchFamily="18" charset="0"/>
+              </a:rPr>
+              <a:t>Error handling</a:t>
+            </a:r>
+          </a:p>
+          <a:p>
+            <a:pPr marL="0" indent="0">
+              <a:buNone/>
+            </a:pPr>
+            <a:endParaRPr lang="en-US" b="1" dirty="0">
+              <a:effectLst>
+                <a:outerShdw blurRad="38100" dist="38100" dir="2700000" algn="tl">
+                  <a:srgbClr val="000000">
+                    <a:alpha val="43137"/>
+                  </a:srgbClr>
+                </a:outerShdw>
+              </a:effectLst>
+              <a:latin typeface="Sylfaen" panose="010A0502050306030303" pitchFamily="18" charset="0"/>
+            </a:endParaRPr>
+          </a:p>
+          <a:p>
+            <a:pPr marL="0" indent="0">
+              <a:buNone/>
+            </a:pPr>
+            <a:r>
+              <a:rPr lang="en-US" b="1" dirty="0">
+                <a:effectLst>
+                  <a:outerShdw blurRad="38100" dist="38100" dir="2700000" algn="tl">
+                    <a:srgbClr val="000000">
+                      <a:alpha val="43137"/>
+                    </a:srgbClr>
+                  </a:outerShdw>
+                </a:effectLst>
+                <a:latin typeface="Sylfaen" panose="010A0502050306030303" pitchFamily="18" charset="0"/>
+              </a:rPr>
+              <a:t>Exception handling</a:t>
+            </a:r>
+          </a:p>
+          <a:p>
+            <a:pPr marL="0" indent="0">
+              <a:buNone/>
+            </a:pPr>
+            <a:endParaRPr lang="en-US" b="1" dirty="0">
+              <a:effectLst>
+                <a:outerShdw blurRad="38100" dist="38100" dir="2700000" algn="tl">
+                  <a:srgbClr val="000000">
+                    <a:alpha val="43137"/>
+                  </a:srgbClr>
+                </a:outerShdw>
+              </a:effectLst>
+              <a:latin typeface="Sylfaen" panose="010A0502050306030303" pitchFamily="18" charset="0"/>
+            </a:endParaRPr>
+          </a:p>
+        </p:txBody>
+      </p:sp>
+      <p:cxnSp>
+        <p:nvCxnSpPr>
+          <p:cNvPr id="4" name="Straight Connector 14">
+            <a:extLst>
+              <a:ext uri="{FF2B5EF4-FFF2-40B4-BE49-F238E27FC236}">
+                <a16:creationId xmlns:a16="http://schemas.microsoft.com/office/drawing/2014/main" id="{388EA137-6330-4A80-96C4-346766F24EC0}"/>
+              </a:ext>
+            </a:extLst>
+          </p:cNvPr>
+          <p:cNvCxnSpPr>
+            <a:cxnSpLocks/>
+          </p:cNvCxnSpPr>
+          <p:nvPr/>
+        </p:nvCxnSpPr>
+        <p:spPr>
+          <a:xfrm>
+            <a:off x="569233" y="1379679"/>
+            <a:ext cx="11053530" cy="0"/>
+          </a:xfrm>
+          <a:prstGeom prst="line">
+            <a:avLst/>
+          </a:prstGeom>
+        </p:spPr>
+        <p:style>
+          <a:lnRef idx="3">
+            <a:schemeClr val="accent1"/>
+          </a:lnRef>
+          <a:fillRef idx="0">
+            <a:schemeClr val="accent1"/>
+          </a:fillRef>
+          <a:effectRef idx="2">
+            <a:schemeClr val="accent1"/>
+          </a:effectRef>
+          <a:fontRef idx="minor">
+            <a:schemeClr val="tx1"/>
+          </a:fontRef>
+        </p:style>
+      </p:cxnSp>
+    </p:spTree>
+    <p:extLst>
+      <p:ext uri="{BB962C8B-B14F-4D97-AF65-F5344CB8AC3E}">
+        <p14:creationId xmlns:p14="http://schemas.microsoft.com/office/powerpoint/2010/main" val="3903396036"/>
       </p:ext>
     </p:extLst>
   </p:cSld>

--- a/Servlet/Servlet_Presentation.pptx
+++ b/Servlet/Servlet_Presentation.pptx
@@ -223,7 +223,7 @@
           <a:p>
             <a:fld id="{F988C94B-7918-458B-9AF1-0DBDD7FC850F}" type="datetimeFigureOut">
               <a:rPr lang="en-US" smtClean="0"/>
-              <a:t>2022-08-16</a:t>
+              <a:t>2022-08-17</a:t>
             </a:fld>
             <a:endParaRPr lang="en-US"/>
           </a:p>
@@ -705,7 +705,7 @@
           <a:p>
             <a:fld id="{0A968979-5CB5-4E5D-B82F-DAC09775BD7D}" type="datetimeFigureOut">
               <a:rPr lang="en-US" smtClean="0"/>
-              <a:t>2022-08-16</a:t>
+              <a:t>2022-08-17</a:t>
             </a:fld>
             <a:endParaRPr lang="en-US"/>
           </a:p>
@@ -875,7 +875,7 @@
           <a:p>
             <a:fld id="{0A968979-5CB5-4E5D-B82F-DAC09775BD7D}" type="datetimeFigureOut">
               <a:rPr lang="en-US" smtClean="0"/>
-              <a:t>2022-08-16</a:t>
+              <a:t>2022-08-17</a:t>
             </a:fld>
             <a:endParaRPr lang="en-US"/>
           </a:p>
@@ -1055,7 +1055,7 @@
           <a:p>
             <a:fld id="{0A968979-5CB5-4E5D-B82F-DAC09775BD7D}" type="datetimeFigureOut">
               <a:rPr lang="en-US" smtClean="0"/>
-              <a:t>2022-08-16</a:t>
+              <a:t>2022-08-17</a:t>
             </a:fld>
             <a:endParaRPr lang="en-US"/>
           </a:p>
@@ -1225,7 +1225,7 @@
           <a:p>
             <a:fld id="{0A968979-5CB5-4E5D-B82F-DAC09775BD7D}" type="datetimeFigureOut">
               <a:rPr lang="en-US" smtClean="0"/>
-              <a:t>2022-08-16</a:t>
+              <a:t>2022-08-17</a:t>
             </a:fld>
             <a:endParaRPr lang="en-US"/>
           </a:p>
@@ -1471,7 +1471,7 @@
           <a:p>
             <a:fld id="{0A968979-5CB5-4E5D-B82F-DAC09775BD7D}" type="datetimeFigureOut">
               <a:rPr lang="en-US" smtClean="0"/>
-              <a:t>2022-08-16</a:t>
+              <a:t>2022-08-17</a:t>
             </a:fld>
             <a:endParaRPr lang="en-US"/>
           </a:p>
@@ -1703,7 +1703,7 @@
           <a:p>
             <a:fld id="{0A968979-5CB5-4E5D-B82F-DAC09775BD7D}" type="datetimeFigureOut">
               <a:rPr lang="en-US" smtClean="0"/>
-              <a:t>2022-08-16</a:t>
+              <a:t>2022-08-17</a:t>
             </a:fld>
             <a:endParaRPr lang="en-US"/>
           </a:p>
@@ -2070,7 +2070,7 @@
           <a:p>
             <a:fld id="{0A968979-5CB5-4E5D-B82F-DAC09775BD7D}" type="datetimeFigureOut">
               <a:rPr lang="en-US" smtClean="0"/>
-              <a:t>2022-08-16</a:t>
+              <a:t>2022-08-17</a:t>
             </a:fld>
             <a:endParaRPr lang="en-US"/>
           </a:p>
@@ -2188,7 +2188,7 @@
           <a:p>
             <a:fld id="{0A968979-5CB5-4E5D-B82F-DAC09775BD7D}" type="datetimeFigureOut">
               <a:rPr lang="en-US" smtClean="0"/>
-              <a:t>2022-08-16</a:t>
+              <a:t>2022-08-17</a:t>
             </a:fld>
             <a:endParaRPr lang="en-US"/>
           </a:p>
@@ -2283,7 +2283,7 @@
           <a:p>
             <a:fld id="{0A968979-5CB5-4E5D-B82F-DAC09775BD7D}" type="datetimeFigureOut">
               <a:rPr lang="en-US" smtClean="0"/>
-              <a:t>2022-08-16</a:t>
+              <a:t>2022-08-17</a:t>
             </a:fld>
             <a:endParaRPr lang="en-US"/>
           </a:p>
@@ -2560,7 +2560,7 @@
           <a:p>
             <a:fld id="{0A968979-5CB5-4E5D-B82F-DAC09775BD7D}" type="datetimeFigureOut">
               <a:rPr lang="en-US" smtClean="0"/>
-              <a:t>2022-08-16</a:t>
+              <a:t>2022-08-17</a:t>
             </a:fld>
             <a:endParaRPr lang="en-US"/>
           </a:p>
@@ -2817,7 +2817,7 @@
           <a:p>
             <a:fld id="{0A968979-5CB5-4E5D-B82F-DAC09775BD7D}" type="datetimeFigureOut">
               <a:rPr lang="en-US" smtClean="0"/>
-              <a:t>2022-08-16</a:t>
+              <a:t>2022-08-17</a:t>
             </a:fld>
             <a:endParaRPr lang="en-US"/>
           </a:p>
@@ -3030,7 +3030,7 @@
           <a:p>
             <a:fld id="{0A968979-5CB5-4E5D-B82F-DAC09775BD7D}" type="datetimeFigureOut">
               <a:rPr lang="en-US" smtClean="0"/>
-              <a:t>2022-08-16</a:t>
+              <a:t>2022-08-17</a:t>
             </a:fld>
             <a:endParaRPr lang="en-US"/>
           </a:p>
@@ -3922,7 +3922,7 @@
         <p:spPr>
           <a:xfrm>
             <a:off x="323848" y="1253334"/>
-            <a:ext cx="5379361" cy="4518881"/>
+            <a:ext cx="5541286" cy="5297367"/>
           </a:xfrm>
         </p:spPr>
         <p:txBody>
@@ -3987,6 +3987,111 @@
                 <a:latin typeface="Sylfaen" panose="010A0502050306030303" pitchFamily="18" charset="0"/>
               </a:rPr>
               <a:t>()</a:t>
+            </a:r>
+          </a:p>
+          <a:p>
+            <a:pPr marL="0" indent="0">
+              <a:buNone/>
+            </a:pPr>
+            <a:r>
+              <a:rPr lang="hy-AM" sz="3300" dirty="0">
+                <a:effectLst>
+                  <a:outerShdw blurRad="38100" dist="38100" dir="2700000" algn="tl">
+                    <a:srgbClr val="000000">
+                      <a:alpha val="43137"/>
+                    </a:srgbClr>
+                  </a:outerShdw>
+                </a:effectLst>
+                <a:latin typeface="Sylfaen" panose="010A0502050306030303" pitchFamily="18" charset="0"/>
+              </a:rPr>
+              <a:t>getInitParameter</a:t>
+            </a:r>
+            <a:r>
+              <a:rPr lang="en-US" sz="3300" dirty="0">
+                <a:effectLst>
+                  <a:outerShdw blurRad="38100" dist="38100" dir="2700000" algn="tl">
+                    <a:srgbClr val="000000">
+                      <a:alpha val="43137"/>
+                    </a:srgbClr>
+                  </a:outerShdw>
+                </a:effectLst>
+                <a:latin typeface="Sylfaen" panose="010A0502050306030303" pitchFamily="18" charset="0"/>
+              </a:rPr>
+              <a:t>(String name)</a:t>
+            </a:r>
+          </a:p>
+          <a:p>
+            <a:pPr marL="0" indent="0">
+              <a:buNone/>
+            </a:pPr>
+            <a:endParaRPr lang="ru-RU" sz="3300" dirty="0">
+              <a:effectLst>
+                <a:outerShdw blurRad="38100" dist="38100" dir="2700000" algn="tl">
+                  <a:srgbClr val="000000">
+                    <a:alpha val="43137"/>
+                  </a:srgbClr>
+                </a:outerShdw>
+              </a:effectLst>
+              <a:latin typeface="Sylfaen" panose="010A0502050306030303" pitchFamily="18" charset="0"/>
+            </a:endParaRPr>
+          </a:p>
+          <a:p>
+            <a:pPr marL="0" indent="0">
+              <a:buNone/>
+            </a:pPr>
+            <a:r>
+              <a:rPr lang="en-US" sz="3300" dirty="0" err="1">
+                <a:effectLst>
+                  <a:outerShdw blurRad="38100" dist="38100" dir="2700000" algn="tl">
+                    <a:srgbClr val="000000">
+                      <a:alpha val="43137"/>
+                    </a:srgbClr>
+                  </a:outerShdw>
+                </a:effectLst>
+                <a:latin typeface="Sylfaen" panose="010A0502050306030303" pitchFamily="18" charset="0"/>
+              </a:rPr>
+              <a:t>ServletConfig</a:t>
+            </a:r>
+            <a:endParaRPr lang="en-US" sz="3300" dirty="0">
+              <a:effectLst>
+                <a:outerShdw blurRad="38100" dist="38100" dir="2700000" algn="tl">
+                  <a:srgbClr val="000000">
+                    <a:alpha val="43137"/>
+                  </a:srgbClr>
+                </a:outerShdw>
+              </a:effectLst>
+              <a:latin typeface="Sylfaen" panose="010A0502050306030303" pitchFamily="18" charset="0"/>
+            </a:endParaRPr>
+          </a:p>
+          <a:p>
+            <a:pPr marL="0" indent="0">
+              <a:buNone/>
+            </a:pPr>
+            <a:r>
+              <a:rPr lang="hy-AM" sz="3300" dirty="0">
+                <a:effectLst>
+                  <a:outerShdw blurRad="38100" dist="38100" dir="2700000" algn="tl">
+                    <a:srgbClr val="000000">
+                      <a:alpha val="43137"/>
+                    </a:srgbClr>
+                  </a:outerShdw>
+                </a:effectLst>
+                <a:latin typeface="Sylfaen" panose="010A0502050306030303" pitchFamily="18" charset="0"/>
+              </a:rPr>
+              <a:t>getServlet</a:t>
+            </a:r>
+            <a:r>
+              <a:rPr lang="en-US" sz="3300" dirty="0">
+                <a:effectLst>
+                  <a:outerShdw blurRad="38100" dist="38100" dir="2700000" algn="tl">
+                    <a:srgbClr val="000000">
+                      <a:alpha val="43137"/>
+                    </a:srgbClr>
+                  </a:outerShdw>
+                </a:effectLst>
+                <a:latin typeface="Sylfaen" panose="010A0502050306030303" pitchFamily="18" charset="0"/>
+              </a:rPr>
+              <a:t>Config()</a:t>
             </a:r>
           </a:p>
           <a:p>
@@ -4039,62 +4144,6 @@
             <a:pPr marL="0" indent="0">
               <a:buNone/>
             </a:pPr>
-            <a:endParaRPr lang="ru-RU" sz="3300" dirty="0">
-              <a:effectLst>
-                <a:outerShdw blurRad="38100" dist="38100" dir="2700000" algn="tl">
-                  <a:srgbClr val="000000">
-                    <a:alpha val="43137"/>
-                  </a:srgbClr>
-                </a:outerShdw>
-              </a:effectLst>
-              <a:latin typeface="Sylfaen" panose="010A0502050306030303" pitchFamily="18" charset="0"/>
-            </a:endParaRPr>
-          </a:p>
-          <a:p>
-            <a:pPr marL="0" indent="0">
-              <a:buNone/>
-            </a:pPr>
-            <a:r>
-              <a:rPr lang="en-US" sz="3300" dirty="0" err="1">
-                <a:effectLst>
-                  <a:outerShdw blurRad="38100" dist="38100" dir="2700000" algn="tl">
-                    <a:srgbClr val="000000">
-                      <a:alpha val="43137"/>
-                    </a:srgbClr>
-                  </a:outerShdw>
-                </a:effectLst>
-                <a:latin typeface="Sylfaen" panose="010A0502050306030303" pitchFamily="18" charset="0"/>
-              </a:rPr>
-              <a:t>ServletConfig</a:t>
-            </a:r>
-            <a:endParaRPr lang="en-US" sz="3300" dirty="0">
-              <a:effectLst>
-                <a:outerShdw blurRad="38100" dist="38100" dir="2700000" algn="tl">
-                  <a:srgbClr val="000000">
-                    <a:alpha val="43137"/>
-                  </a:srgbClr>
-                </a:outerShdw>
-              </a:effectLst>
-              <a:latin typeface="Sylfaen" panose="010A0502050306030303" pitchFamily="18" charset="0"/>
-            </a:endParaRPr>
-          </a:p>
-          <a:p>
-            <a:pPr marL="0" indent="0">
-              <a:buNone/>
-            </a:pPr>
-            <a:r>
-              <a:rPr lang="hy-AM" sz="3300" dirty="0">
-                <a:effectLst>
-                  <a:outerShdw blurRad="38100" dist="38100" dir="2700000" algn="tl">
-                    <a:srgbClr val="000000">
-                      <a:alpha val="43137"/>
-                    </a:srgbClr>
-                  </a:outerShdw>
-                </a:effectLst>
-                <a:latin typeface="Sylfaen" panose="010A0502050306030303" pitchFamily="18" charset="0"/>
-              </a:rPr>
-              <a:t>getServlet</a:t>
-            </a:r>
             <a:r>
               <a:rPr lang="en-US" sz="3300" dirty="0">
                 <a:effectLst>
@@ -4106,38 +4155,7 @@
                 </a:effectLst>
                 <a:latin typeface="Sylfaen" panose="010A0502050306030303" pitchFamily="18" charset="0"/>
               </a:rPr>
-              <a:t>Config()</a:t>
-            </a:r>
-          </a:p>
-          <a:p>
-            <a:pPr marL="0" indent="0">
-              <a:buNone/>
-            </a:pPr>
-            <a:r>
-              <a:rPr lang="hy-AM" sz="3300" dirty="0">
-                <a:effectLst>
-                  <a:outerShdw blurRad="38100" dist="38100" dir="2700000" algn="tl">
-                    <a:srgbClr val="000000">
-                      <a:alpha val="43137"/>
-                    </a:srgbClr>
-                  </a:outerShdw>
-                </a:effectLst>
-                <a:latin typeface="Sylfaen" panose="010A0502050306030303" pitchFamily="18" charset="0"/>
-              </a:rPr>
-              <a:t>getInitParameter</a:t>
-            </a:r>
-            <a:r>
-              <a:rPr lang="en-US" sz="3300" dirty="0">
-                <a:effectLst>
-                  <a:outerShdw blurRad="38100" dist="38100" dir="2700000" algn="tl">
-                    <a:srgbClr val="000000">
-                      <a:alpha val="43137"/>
-                    </a:srgbClr>
-                  </a:outerShdw>
-                </a:effectLst>
-                <a:latin typeface="Sylfaen" panose="010A0502050306030303" pitchFamily="18" charset="0"/>
-              </a:rPr>
-              <a:t>(String name)</a:t>
+              <a:t>@WebInitParam</a:t>
             </a:r>
           </a:p>
           <a:p>
@@ -4522,7 +4540,7 @@
         <p:spPr>
           <a:xfrm>
             <a:off x="6181727" y="3429000"/>
-            <a:ext cx="5829298" cy="2627312"/>
+            <a:ext cx="5374363" cy="2911819"/>
           </a:xfrm>
           <a:prstGeom prst="rect">
             <a:avLst/>
@@ -6763,7 +6781,7 @@
         </p:nvSpPr>
         <p:spPr>
           <a:xfrm>
-            <a:off x="838200" y="1298655"/>
+            <a:off x="6096000" y="1373605"/>
             <a:ext cx="5257800" cy="5023108"/>
           </a:xfrm>
         </p:spPr>
@@ -7088,7 +7106,7 @@
         </p:blipFill>
         <p:spPr>
           <a:xfrm>
-            <a:off x="6851133" y="2050570"/>
+            <a:off x="719528" y="2530255"/>
             <a:ext cx="4771632" cy="3519277"/>
           </a:xfrm>
           <a:prstGeom prst="rect">
@@ -7096,6 +7114,443 @@
           </a:prstGeom>
         </p:spPr>
       </p:pic>
+      <p:sp>
+        <p:nvSpPr>
+          <p:cNvPr id="7" name="Объект 2">
+            <a:extLst>
+              <a:ext uri="{FF2B5EF4-FFF2-40B4-BE49-F238E27FC236}">
+                <a16:creationId xmlns:a16="http://schemas.microsoft.com/office/drawing/2014/main" id="{EFE876DD-1386-40F5-9E60-98E00B73739A}"/>
+              </a:ext>
+            </a:extLst>
+          </p:cNvPr>
+          <p:cNvSpPr txBox="1">
+            <a:spLocks/>
+          </p:cNvSpPr>
+          <p:nvPr/>
+        </p:nvSpPr>
+        <p:spPr>
+          <a:xfrm>
+            <a:off x="1128248" y="1378837"/>
+            <a:ext cx="3653614" cy="1072779"/>
+          </a:xfrm>
+          <a:prstGeom prst="rect">
+            <a:avLst/>
+          </a:prstGeom>
+        </p:spPr>
+        <p:txBody>
+          <a:bodyPr vert="horz" lIns="91440" tIns="45720" rIns="91440" bIns="45720" rtlCol="0">
+            <a:normAutofit/>
+          </a:bodyPr>
+          <a:lstStyle>
+            <a:lvl1pPr marL="228600" indent="-228600" algn="l" defTabSz="914400" rtl="0" eaLnBrk="1" latinLnBrk="0" hangingPunct="1">
+              <a:lnSpc>
+                <a:spcPct val="90000"/>
+              </a:lnSpc>
+              <a:spcBef>
+                <a:spcPts val="1000"/>
+              </a:spcBef>
+              <a:buFont typeface="Arial" panose="020B0604020202020204" pitchFamily="34" charset="0"/>
+              <a:buChar char="•"/>
+              <a:defRPr sz="2800" kern="1200">
+                <a:solidFill>
+                  <a:schemeClr val="tx1"/>
+                </a:solidFill>
+                <a:latin typeface="+mn-lt"/>
+                <a:ea typeface="+mn-ea"/>
+                <a:cs typeface="+mn-cs"/>
+              </a:defRPr>
+            </a:lvl1pPr>
+            <a:lvl2pPr marL="685800" indent="-228600" algn="l" defTabSz="914400" rtl="0" eaLnBrk="1" latinLnBrk="0" hangingPunct="1">
+              <a:lnSpc>
+                <a:spcPct val="90000"/>
+              </a:lnSpc>
+              <a:spcBef>
+                <a:spcPts val="500"/>
+              </a:spcBef>
+              <a:buFont typeface="Arial" panose="020B0604020202020204" pitchFamily="34" charset="0"/>
+              <a:buChar char="•"/>
+              <a:defRPr sz="2400" kern="1200">
+                <a:solidFill>
+                  <a:schemeClr val="tx1"/>
+                </a:solidFill>
+                <a:latin typeface="+mn-lt"/>
+                <a:ea typeface="+mn-ea"/>
+                <a:cs typeface="+mn-cs"/>
+              </a:defRPr>
+            </a:lvl2pPr>
+            <a:lvl3pPr marL="1143000" indent="-228600" algn="l" defTabSz="914400" rtl="0" eaLnBrk="1" latinLnBrk="0" hangingPunct="1">
+              <a:lnSpc>
+                <a:spcPct val="90000"/>
+              </a:lnSpc>
+              <a:spcBef>
+                <a:spcPts val="500"/>
+              </a:spcBef>
+              <a:buFont typeface="Arial" panose="020B0604020202020204" pitchFamily="34" charset="0"/>
+              <a:buChar char="•"/>
+              <a:defRPr sz="2000" kern="1200">
+                <a:solidFill>
+                  <a:schemeClr val="tx1"/>
+                </a:solidFill>
+                <a:latin typeface="+mn-lt"/>
+                <a:ea typeface="+mn-ea"/>
+                <a:cs typeface="+mn-cs"/>
+              </a:defRPr>
+            </a:lvl3pPr>
+            <a:lvl4pPr marL="1600200" indent="-228600" algn="l" defTabSz="914400" rtl="0" eaLnBrk="1" latinLnBrk="0" hangingPunct="1">
+              <a:lnSpc>
+                <a:spcPct val="90000"/>
+              </a:lnSpc>
+              <a:spcBef>
+                <a:spcPts val="500"/>
+              </a:spcBef>
+              <a:buFont typeface="Arial" panose="020B0604020202020204" pitchFamily="34" charset="0"/>
+              <a:buChar char="•"/>
+              <a:defRPr sz="1800" kern="1200">
+                <a:solidFill>
+                  <a:schemeClr val="tx1"/>
+                </a:solidFill>
+                <a:latin typeface="+mn-lt"/>
+                <a:ea typeface="+mn-ea"/>
+                <a:cs typeface="+mn-cs"/>
+              </a:defRPr>
+            </a:lvl4pPr>
+            <a:lvl5pPr marL="2057400" indent="-228600" algn="l" defTabSz="914400" rtl="0" eaLnBrk="1" latinLnBrk="0" hangingPunct="1">
+              <a:lnSpc>
+                <a:spcPct val="90000"/>
+              </a:lnSpc>
+              <a:spcBef>
+                <a:spcPts val="500"/>
+              </a:spcBef>
+              <a:buFont typeface="Arial" panose="020B0604020202020204" pitchFamily="34" charset="0"/>
+              <a:buChar char="•"/>
+              <a:defRPr sz="1800" kern="1200">
+                <a:solidFill>
+                  <a:schemeClr val="tx1"/>
+                </a:solidFill>
+                <a:latin typeface="+mn-lt"/>
+                <a:ea typeface="+mn-ea"/>
+                <a:cs typeface="+mn-cs"/>
+              </a:defRPr>
+            </a:lvl5pPr>
+            <a:lvl6pPr marL="2514600" indent="-228600" algn="l" defTabSz="914400" rtl="0" eaLnBrk="1" latinLnBrk="0" hangingPunct="1">
+              <a:lnSpc>
+                <a:spcPct val="90000"/>
+              </a:lnSpc>
+              <a:spcBef>
+                <a:spcPts val="500"/>
+              </a:spcBef>
+              <a:buFont typeface="Arial" panose="020B0604020202020204" pitchFamily="34" charset="0"/>
+              <a:buChar char="•"/>
+              <a:defRPr sz="1800" kern="1200">
+                <a:solidFill>
+                  <a:schemeClr val="tx1"/>
+                </a:solidFill>
+                <a:latin typeface="+mn-lt"/>
+                <a:ea typeface="+mn-ea"/>
+                <a:cs typeface="+mn-cs"/>
+              </a:defRPr>
+            </a:lvl6pPr>
+            <a:lvl7pPr marL="2971800" indent="-228600" algn="l" defTabSz="914400" rtl="0" eaLnBrk="1" latinLnBrk="0" hangingPunct="1">
+              <a:lnSpc>
+                <a:spcPct val="90000"/>
+              </a:lnSpc>
+              <a:spcBef>
+                <a:spcPts val="500"/>
+              </a:spcBef>
+              <a:buFont typeface="Arial" panose="020B0604020202020204" pitchFamily="34" charset="0"/>
+              <a:buChar char="•"/>
+              <a:defRPr sz="1800" kern="1200">
+                <a:solidFill>
+                  <a:schemeClr val="tx1"/>
+                </a:solidFill>
+                <a:latin typeface="+mn-lt"/>
+                <a:ea typeface="+mn-ea"/>
+                <a:cs typeface="+mn-cs"/>
+              </a:defRPr>
+            </a:lvl7pPr>
+            <a:lvl8pPr marL="3429000" indent="-228600" algn="l" defTabSz="914400" rtl="0" eaLnBrk="1" latinLnBrk="0" hangingPunct="1">
+              <a:lnSpc>
+                <a:spcPct val="90000"/>
+              </a:lnSpc>
+              <a:spcBef>
+                <a:spcPts val="500"/>
+              </a:spcBef>
+              <a:buFont typeface="Arial" panose="020B0604020202020204" pitchFamily="34" charset="0"/>
+              <a:buChar char="•"/>
+              <a:defRPr sz="1800" kern="1200">
+                <a:solidFill>
+                  <a:schemeClr val="tx1"/>
+                </a:solidFill>
+                <a:latin typeface="+mn-lt"/>
+                <a:ea typeface="+mn-ea"/>
+                <a:cs typeface="+mn-cs"/>
+              </a:defRPr>
+            </a:lvl8pPr>
+            <a:lvl9pPr marL="3886200" indent="-228600" algn="l" defTabSz="914400" rtl="0" eaLnBrk="1" latinLnBrk="0" hangingPunct="1">
+              <a:lnSpc>
+                <a:spcPct val="90000"/>
+              </a:lnSpc>
+              <a:spcBef>
+                <a:spcPts val="500"/>
+              </a:spcBef>
+              <a:buFont typeface="Arial" panose="020B0604020202020204" pitchFamily="34" charset="0"/>
+              <a:buChar char="•"/>
+              <a:defRPr sz="1800" kern="1200">
+                <a:solidFill>
+                  <a:schemeClr val="tx1"/>
+                </a:solidFill>
+                <a:latin typeface="+mn-lt"/>
+                <a:ea typeface="+mn-ea"/>
+                <a:cs typeface="+mn-cs"/>
+              </a:defRPr>
+            </a:lvl9pPr>
+          </a:lstStyle>
+          <a:p>
+            <a:pPr marL="0" indent="0">
+              <a:lnSpc>
+                <a:spcPct val="110000"/>
+              </a:lnSpc>
+              <a:buFont typeface="Arial" panose="020B0604020202020204" pitchFamily="34" charset="0"/>
+              <a:buNone/>
+            </a:pPr>
+            <a:endParaRPr lang="ru-RU" sz="2900" dirty="0">
+              <a:effectLst>
+                <a:outerShdw blurRad="38100" dist="38100" dir="2700000" algn="tl">
+                  <a:srgbClr val="000000">
+                    <a:alpha val="43137"/>
+                  </a:srgbClr>
+                </a:outerShdw>
+              </a:effectLst>
+              <a:latin typeface="Sylfaen" panose="010A0502050306030303" pitchFamily="18" charset="0"/>
+            </a:endParaRPr>
+          </a:p>
+        </p:txBody>
+      </p:sp>
+      <p:sp>
+        <p:nvSpPr>
+          <p:cNvPr id="8" name="Объект 2">
+            <a:extLst>
+              <a:ext uri="{FF2B5EF4-FFF2-40B4-BE49-F238E27FC236}">
+                <a16:creationId xmlns:a16="http://schemas.microsoft.com/office/drawing/2014/main" id="{C9CC972A-0D16-4BE3-A92F-D9F37E867D80}"/>
+              </a:ext>
+            </a:extLst>
+          </p:cNvPr>
+          <p:cNvSpPr txBox="1">
+            <a:spLocks/>
+          </p:cNvSpPr>
+          <p:nvPr/>
+        </p:nvSpPr>
+        <p:spPr>
+          <a:xfrm>
+            <a:off x="838200" y="1362457"/>
+            <a:ext cx="2984528" cy="836393"/>
+          </a:xfrm>
+          <a:prstGeom prst="rect">
+            <a:avLst/>
+          </a:prstGeom>
+        </p:spPr>
+        <p:txBody>
+          <a:bodyPr vert="horz" lIns="91440" tIns="45720" rIns="91440" bIns="45720" rtlCol="0">
+            <a:normAutofit/>
+          </a:bodyPr>
+          <a:lstStyle>
+            <a:lvl1pPr marL="228600" indent="-228600" algn="l" defTabSz="914400" rtl="0" eaLnBrk="1" latinLnBrk="0" hangingPunct="1">
+              <a:lnSpc>
+                <a:spcPct val="90000"/>
+              </a:lnSpc>
+              <a:spcBef>
+                <a:spcPts val="1000"/>
+              </a:spcBef>
+              <a:buFont typeface="Arial" panose="020B0604020202020204" pitchFamily="34" charset="0"/>
+              <a:buChar char="•"/>
+              <a:defRPr sz="2800" kern="1200">
+                <a:solidFill>
+                  <a:schemeClr val="tx1"/>
+                </a:solidFill>
+                <a:latin typeface="+mn-lt"/>
+                <a:ea typeface="+mn-ea"/>
+                <a:cs typeface="+mn-cs"/>
+              </a:defRPr>
+            </a:lvl1pPr>
+            <a:lvl2pPr marL="685800" indent="-228600" algn="l" defTabSz="914400" rtl="0" eaLnBrk="1" latinLnBrk="0" hangingPunct="1">
+              <a:lnSpc>
+                <a:spcPct val="90000"/>
+              </a:lnSpc>
+              <a:spcBef>
+                <a:spcPts val="500"/>
+              </a:spcBef>
+              <a:buFont typeface="Arial" panose="020B0604020202020204" pitchFamily="34" charset="0"/>
+              <a:buChar char="•"/>
+              <a:defRPr sz="2400" kern="1200">
+                <a:solidFill>
+                  <a:schemeClr val="tx1"/>
+                </a:solidFill>
+                <a:latin typeface="+mn-lt"/>
+                <a:ea typeface="+mn-ea"/>
+                <a:cs typeface="+mn-cs"/>
+              </a:defRPr>
+            </a:lvl2pPr>
+            <a:lvl3pPr marL="1143000" indent="-228600" algn="l" defTabSz="914400" rtl="0" eaLnBrk="1" latinLnBrk="0" hangingPunct="1">
+              <a:lnSpc>
+                <a:spcPct val="90000"/>
+              </a:lnSpc>
+              <a:spcBef>
+                <a:spcPts val="500"/>
+              </a:spcBef>
+              <a:buFont typeface="Arial" panose="020B0604020202020204" pitchFamily="34" charset="0"/>
+              <a:buChar char="•"/>
+              <a:defRPr sz="2000" kern="1200">
+                <a:solidFill>
+                  <a:schemeClr val="tx1"/>
+                </a:solidFill>
+                <a:latin typeface="+mn-lt"/>
+                <a:ea typeface="+mn-ea"/>
+                <a:cs typeface="+mn-cs"/>
+              </a:defRPr>
+            </a:lvl3pPr>
+            <a:lvl4pPr marL="1600200" indent="-228600" algn="l" defTabSz="914400" rtl="0" eaLnBrk="1" latinLnBrk="0" hangingPunct="1">
+              <a:lnSpc>
+                <a:spcPct val="90000"/>
+              </a:lnSpc>
+              <a:spcBef>
+                <a:spcPts val="500"/>
+              </a:spcBef>
+              <a:buFont typeface="Arial" panose="020B0604020202020204" pitchFamily="34" charset="0"/>
+              <a:buChar char="•"/>
+              <a:defRPr sz="1800" kern="1200">
+                <a:solidFill>
+                  <a:schemeClr val="tx1"/>
+                </a:solidFill>
+                <a:latin typeface="+mn-lt"/>
+                <a:ea typeface="+mn-ea"/>
+                <a:cs typeface="+mn-cs"/>
+              </a:defRPr>
+            </a:lvl4pPr>
+            <a:lvl5pPr marL="2057400" indent="-228600" algn="l" defTabSz="914400" rtl="0" eaLnBrk="1" latinLnBrk="0" hangingPunct="1">
+              <a:lnSpc>
+                <a:spcPct val="90000"/>
+              </a:lnSpc>
+              <a:spcBef>
+                <a:spcPts val="500"/>
+              </a:spcBef>
+              <a:buFont typeface="Arial" panose="020B0604020202020204" pitchFamily="34" charset="0"/>
+              <a:buChar char="•"/>
+              <a:defRPr sz="1800" kern="1200">
+                <a:solidFill>
+                  <a:schemeClr val="tx1"/>
+                </a:solidFill>
+                <a:latin typeface="+mn-lt"/>
+                <a:ea typeface="+mn-ea"/>
+                <a:cs typeface="+mn-cs"/>
+              </a:defRPr>
+            </a:lvl5pPr>
+            <a:lvl6pPr marL="2514600" indent="-228600" algn="l" defTabSz="914400" rtl="0" eaLnBrk="1" latinLnBrk="0" hangingPunct="1">
+              <a:lnSpc>
+                <a:spcPct val="90000"/>
+              </a:lnSpc>
+              <a:spcBef>
+                <a:spcPts val="500"/>
+              </a:spcBef>
+              <a:buFont typeface="Arial" panose="020B0604020202020204" pitchFamily="34" charset="0"/>
+              <a:buChar char="•"/>
+              <a:defRPr sz="1800" kern="1200">
+                <a:solidFill>
+                  <a:schemeClr val="tx1"/>
+                </a:solidFill>
+                <a:latin typeface="+mn-lt"/>
+                <a:ea typeface="+mn-ea"/>
+                <a:cs typeface="+mn-cs"/>
+              </a:defRPr>
+            </a:lvl6pPr>
+            <a:lvl7pPr marL="2971800" indent="-228600" algn="l" defTabSz="914400" rtl="0" eaLnBrk="1" latinLnBrk="0" hangingPunct="1">
+              <a:lnSpc>
+                <a:spcPct val="90000"/>
+              </a:lnSpc>
+              <a:spcBef>
+                <a:spcPts val="500"/>
+              </a:spcBef>
+              <a:buFont typeface="Arial" panose="020B0604020202020204" pitchFamily="34" charset="0"/>
+              <a:buChar char="•"/>
+              <a:defRPr sz="1800" kern="1200">
+                <a:solidFill>
+                  <a:schemeClr val="tx1"/>
+                </a:solidFill>
+                <a:latin typeface="+mn-lt"/>
+                <a:ea typeface="+mn-ea"/>
+                <a:cs typeface="+mn-cs"/>
+              </a:defRPr>
+            </a:lvl7pPr>
+            <a:lvl8pPr marL="3429000" indent="-228600" algn="l" defTabSz="914400" rtl="0" eaLnBrk="1" latinLnBrk="0" hangingPunct="1">
+              <a:lnSpc>
+                <a:spcPct val="90000"/>
+              </a:lnSpc>
+              <a:spcBef>
+                <a:spcPts val="500"/>
+              </a:spcBef>
+              <a:buFont typeface="Arial" panose="020B0604020202020204" pitchFamily="34" charset="0"/>
+              <a:buChar char="•"/>
+              <a:defRPr sz="1800" kern="1200">
+                <a:solidFill>
+                  <a:schemeClr val="tx1"/>
+                </a:solidFill>
+                <a:latin typeface="+mn-lt"/>
+                <a:ea typeface="+mn-ea"/>
+                <a:cs typeface="+mn-cs"/>
+              </a:defRPr>
+            </a:lvl8pPr>
+            <a:lvl9pPr marL="3886200" indent="-228600" algn="l" defTabSz="914400" rtl="0" eaLnBrk="1" latinLnBrk="0" hangingPunct="1">
+              <a:lnSpc>
+                <a:spcPct val="90000"/>
+              </a:lnSpc>
+              <a:spcBef>
+                <a:spcPts val="500"/>
+              </a:spcBef>
+              <a:buFont typeface="Arial" panose="020B0604020202020204" pitchFamily="34" charset="0"/>
+              <a:buChar char="•"/>
+              <a:defRPr sz="1800" kern="1200">
+                <a:solidFill>
+                  <a:schemeClr val="tx1"/>
+                </a:solidFill>
+                <a:latin typeface="+mn-lt"/>
+                <a:ea typeface="+mn-ea"/>
+                <a:cs typeface="+mn-cs"/>
+              </a:defRPr>
+            </a:lvl9pPr>
+          </a:lstStyle>
+          <a:p>
+            <a:pPr marL="0" indent="0">
+              <a:lnSpc>
+                <a:spcPct val="110000"/>
+              </a:lnSpc>
+              <a:buFont typeface="Arial" panose="020B0604020202020204" pitchFamily="34" charset="0"/>
+              <a:buNone/>
+            </a:pPr>
+            <a:r>
+              <a:rPr lang="en-US" sz="2900" dirty="0">
+                <a:effectLst>
+                  <a:outerShdw blurRad="38100" dist="38100" dir="2700000" algn="tl">
+                    <a:srgbClr val="000000">
+                      <a:alpha val="43137"/>
+                    </a:srgbClr>
+                  </a:outerShdw>
+                </a:effectLst>
+                <a:latin typeface="Sylfaen" panose="010A0502050306030303" pitchFamily="18" charset="0"/>
+              </a:rPr>
+              <a:t>@WebListener</a:t>
+            </a:r>
+            <a:endParaRPr lang="ru-RU" sz="2900" dirty="0">
+              <a:effectLst>
+                <a:outerShdw blurRad="38100" dist="38100" dir="2700000" algn="tl">
+                  <a:srgbClr val="000000">
+                    <a:alpha val="43137"/>
+                  </a:srgbClr>
+                </a:outerShdw>
+              </a:effectLst>
+              <a:latin typeface="Sylfaen" panose="010A0502050306030303" pitchFamily="18" charset="0"/>
+            </a:endParaRPr>
+          </a:p>
+        </p:txBody>
+      </p:sp>
     </p:spTree>
     <p:extLst>
       <p:ext uri="{BB962C8B-B14F-4D97-AF65-F5344CB8AC3E}">
@@ -7192,7 +7647,7 @@
         </p:blipFill>
         <p:spPr>
           <a:xfrm>
-            <a:off x="569235" y="1881200"/>
+            <a:off x="569235" y="1805923"/>
             <a:ext cx="3404016" cy="3821175"/>
           </a:xfrm>
         </p:spPr>
@@ -7213,7 +7668,7 @@
         </p:nvCxnSpPr>
         <p:spPr>
           <a:xfrm>
-            <a:off x="569235" y="1155625"/>
+            <a:off x="569235" y="960752"/>
             <a:ext cx="11053530" cy="0"/>
           </a:xfrm>
           <a:prstGeom prst="line">
@@ -7251,8 +7706,8 @@
         </p:nvSpPr>
         <p:spPr>
           <a:xfrm>
-            <a:off x="4182754" y="1733995"/>
-            <a:ext cx="7765405" cy="4412591"/>
+            <a:off x="4336048" y="1364108"/>
+            <a:ext cx="7765405" cy="4818082"/>
           </a:xfrm>
           <a:prstGeom prst="rect">
             <a:avLst/>
@@ -7260,7 +7715,7 @@
         </p:spPr>
         <p:txBody>
           <a:bodyPr vert="horz" lIns="91440" tIns="45720" rIns="91440" bIns="45720" rtlCol="0">
-            <a:normAutofit lnSpcReduction="10000"/>
+            <a:normAutofit/>
           </a:bodyPr>
           <a:lstStyle>
             <a:lvl1pPr marL="228600" indent="-228600" algn="l" defTabSz="914400" rtl="0" eaLnBrk="1" latinLnBrk="0" hangingPunct="1">
@@ -7431,7 +7886,6 @@
               <a:lnSpc>
                 <a:spcPct val="150000"/>
               </a:lnSpc>
-              <a:buFont typeface="Arial" panose="020B0604020202020204" pitchFamily="34" charset="0"/>
               <a:buNone/>
             </a:pPr>
             <a:r>
@@ -7445,351 +7899,7 @@
                 </a:effectLst>
                 <a:latin typeface="Sylfaen" panose="010A0502050306030303" pitchFamily="18" charset="0"/>
               </a:rPr>
-              <a:t>default void </a:t>
-            </a:r>
-            <a:r>
-              <a:rPr lang="en-US" sz="2900" dirty="0" err="1">
-                <a:effectLst>
-                  <a:outerShdw blurRad="38100" dist="38100" dir="2700000" algn="tl">
-                    <a:srgbClr val="000000">
-                      <a:alpha val="43137"/>
-                    </a:srgbClr>
-                  </a:outerShdw>
-                </a:effectLst>
-                <a:latin typeface="Sylfaen" panose="010A0502050306030303" pitchFamily="18" charset="0"/>
-              </a:rPr>
-              <a:t>init</a:t>
-            </a:r>
-            <a:r>
-              <a:rPr lang="en-US" sz="2900" dirty="0">
-                <a:effectLst>
-                  <a:outerShdw blurRad="38100" dist="38100" dir="2700000" algn="tl">
-                    <a:srgbClr val="000000">
-                      <a:alpha val="43137"/>
-                    </a:srgbClr>
-                  </a:outerShdw>
-                </a:effectLst>
-                <a:latin typeface="Sylfaen" panose="010A0502050306030303" pitchFamily="18" charset="0"/>
-              </a:rPr>
-              <a:t> (</a:t>
-            </a:r>
-            <a:r>
-              <a:rPr lang="en-US" sz="2900" dirty="0" err="1">
-                <a:effectLst>
-                  <a:outerShdw blurRad="38100" dist="38100" dir="2700000" algn="tl">
-                    <a:srgbClr val="000000">
-                      <a:alpha val="43137"/>
-                    </a:srgbClr>
-                  </a:outerShdw>
-                </a:effectLst>
-                <a:latin typeface="Sylfaen" panose="010A0502050306030303" pitchFamily="18" charset="0"/>
-              </a:rPr>
-              <a:t>FilterConfig</a:t>
-            </a:r>
-            <a:r>
-              <a:rPr lang="en-US" sz="2900" dirty="0">
-                <a:effectLst>
-                  <a:outerShdw blurRad="38100" dist="38100" dir="2700000" algn="tl">
-                    <a:srgbClr val="000000">
-                      <a:alpha val="43137"/>
-                    </a:srgbClr>
-                  </a:outerShdw>
-                </a:effectLst>
-                <a:latin typeface="Sylfaen" panose="010A0502050306030303" pitchFamily="18" charset="0"/>
-              </a:rPr>
-              <a:t> </a:t>
-            </a:r>
-            <a:r>
-              <a:rPr lang="en-US" sz="2900" dirty="0" err="1">
-                <a:effectLst>
-                  <a:outerShdw blurRad="38100" dist="38100" dir="2700000" algn="tl">
-                    <a:srgbClr val="000000">
-                      <a:alpha val="43137"/>
-                    </a:srgbClr>
-                  </a:outerShdw>
-                </a:effectLst>
-                <a:latin typeface="Sylfaen" panose="010A0502050306030303" pitchFamily="18" charset="0"/>
-              </a:rPr>
-              <a:t>onfig</a:t>
-            </a:r>
-            <a:r>
-              <a:rPr lang="en-US" sz="2900" dirty="0">
-                <a:effectLst>
-                  <a:outerShdw blurRad="38100" dist="38100" dir="2700000" algn="tl">
-                    <a:srgbClr val="000000">
-                      <a:alpha val="43137"/>
-                    </a:srgbClr>
-                  </a:outerShdw>
-                </a:effectLst>
-                <a:latin typeface="Sylfaen" panose="010A0502050306030303" pitchFamily="18" charset="0"/>
-              </a:rPr>
-              <a:t>);</a:t>
-            </a:r>
-          </a:p>
-          <a:p>
-            <a:pPr marL="0" indent="0">
-              <a:lnSpc>
-                <a:spcPct val="150000"/>
-              </a:lnSpc>
-              <a:buNone/>
-            </a:pPr>
-            <a:r>
-              <a:rPr lang="en-US" sz="2900" dirty="0">
-                <a:effectLst>
-                  <a:outerShdw blurRad="38100" dist="38100" dir="2700000" algn="tl">
-                    <a:srgbClr val="000000">
-                      <a:alpha val="43137"/>
-                    </a:srgbClr>
-                  </a:outerShdw>
-                </a:effectLst>
-                <a:latin typeface="Sylfaen" panose="010A0502050306030303" pitchFamily="18" charset="0"/>
-              </a:rPr>
-              <a:t>default void destroy () throws </a:t>
-            </a:r>
-            <a:r>
-              <a:rPr lang="en-US" sz="2900" dirty="0" err="1">
-                <a:effectLst>
-                  <a:outerShdw blurRad="38100" dist="38100" dir="2700000" algn="tl">
-                    <a:srgbClr val="000000">
-                      <a:alpha val="43137"/>
-                    </a:srgbClr>
-                  </a:outerShdw>
-                </a:effectLst>
-                <a:latin typeface="Sylfaen" panose="010A0502050306030303" pitchFamily="18" charset="0"/>
-              </a:rPr>
-              <a:t>ServletException</a:t>
-            </a:r>
-            <a:r>
-              <a:rPr lang="en-US" sz="2900" dirty="0">
-                <a:effectLst>
-                  <a:outerShdw blurRad="38100" dist="38100" dir="2700000" algn="tl">
-                    <a:srgbClr val="000000">
-                      <a:alpha val="43137"/>
-                    </a:srgbClr>
-                  </a:outerShdw>
-                </a:effectLst>
-                <a:latin typeface="Sylfaen" panose="010A0502050306030303" pitchFamily="18" charset="0"/>
-              </a:rPr>
-              <a:t>;</a:t>
-            </a:r>
-          </a:p>
-          <a:p>
-            <a:pPr marL="0" indent="0">
-              <a:lnSpc>
-                <a:spcPct val="150000"/>
-              </a:lnSpc>
-              <a:buNone/>
-            </a:pPr>
-            <a:r>
-              <a:rPr lang="en-US" sz="2900" dirty="0">
-                <a:effectLst>
-                  <a:outerShdw blurRad="38100" dist="38100" dir="2700000" algn="tl">
-                    <a:srgbClr val="000000">
-                      <a:alpha val="43137"/>
-                    </a:srgbClr>
-                  </a:outerShdw>
-                </a:effectLst>
-                <a:latin typeface="Sylfaen" panose="010A0502050306030303" pitchFamily="18" charset="0"/>
-              </a:rPr>
-              <a:t>void </a:t>
-            </a:r>
-            <a:r>
-              <a:rPr lang="en-US" sz="2900" dirty="0" err="1">
-                <a:effectLst>
-                  <a:outerShdw blurRad="38100" dist="38100" dir="2700000" algn="tl">
-                    <a:srgbClr val="000000">
-                      <a:alpha val="43137"/>
-                    </a:srgbClr>
-                  </a:outerShdw>
-                </a:effectLst>
-                <a:latin typeface="Sylfaen" panose="010A0502050306030303" pitchFamily="18" charset="0"/>
-              </a:rPr>
-              <a:t>doFilter</a:t>
-            </a:r>
-            <a:r>
-              <a:rPr lang="en-US" sz="2900" dirty="0">
-                <a:effectLst>
-                  <a:outerShdw blurRad="38100" dist="38100" dir="2700000" algn="tl">
-                    <a:srgbClr val="000000">
-                      <a:alpha val="43137"/>
-                    </a:srgbClr>
-                  </a:outerShdw>
-                </a:effectLst>
-                <a:latin typeface="Sylfaen" panose="010A0502050306030303" pitchFamily="18" charset="0"/>
-              </a:rPr>
-              <a:t> (</a:t>
-            </a:r>
-            <a:r>
-              <a:rPr lang="en-US" sz="2900" dirty="0" err="1">
-                <a:effectLst>
-                  <a:outerShdw blurRad="38100" dist="38100" dir="2700000" algn="tl">
-                    <a:srgbClr val="000000">
-                      <a:alpha val="43137"/>
-                    </a:srgbClr>
-                  </a:outerShdw>
-                </a:effectLst>
-                <a:latin typeface="Sylfaen" panose="010A0502050306030303" pitchFamily="18" charset="0"/>
-              </a:rPr>
-              <a:t>ServletRequest</a:t>
-            </a:r>
-            <a:r>
-              <a:rPr lang="en-US" sz="2900" dirty="0">
-                <a:effectLst>
-                  <a:outerShdw blurRad="38100" dist="38100" dir="2700000" algn="tl">
-                    <a:srgbClr val="000000">
-                      <a:alpha val="43137"/>
-                    </a:srgbClr>
-                  </a:outerShdw>
-                </a:effectLst>
-                <a:latin typeface="Sylfaen" panose="010A0502050306030303" pitchFamily="18" charset="0"/>
-              </a:rPr>
-              <a:t> req,</a:t>
-            </a:r>
-          </a:p>
-          <a:p>
-            <a:pPr marL="0" indent="0">
-              <a:lnSpc>
-                <a:spcPct val="150000"/>
-              </a:lnSpc>
-              <a:buNone/>
-            </a:pPr>
-            <a:r>
-              <a:rPr lang="en-US" sz="2900" dirty="0">
-                <a:effectLst>
-                  <a:outerShdw blurRad="38100" dist="38100" dir="2700000" algn="tl">
-                    <a:srgbClr val="000000">
-                      <a:alpha val="43137"/>
-                    </a:srgbClr>
-                  </a:outerShdw>
-                </a:effectLst>
-                <a:latin typeface="Sylfaen" panose="010A0502050306030303" pitchFamily="18" charset="0"/>
-              </a:rPr>
-              <a:t>                        </a:t>
-            </a:r>
-            <a:r>
-              <a:rPr lang="en-US" sz="2900" dirty="0" err="1">
-                <a:effectLst>
-                  <a:outerShdw blurRad="38100" dist="38100" dir="2700000" algn="tl">
-                    <a:srgbClr val="000000">
-                      <a:alpha val="43137"/>
-                    </a:srgbClr>
-                  </a:outerShdw>
-                </a:effectLst>
-                <a:latin typeface="Sylfaen" panose="010A0502050306030303" pitchFamily="18" charset="0"/>
-              </a:rPr>
-              <a:t>ServletResponse</a:t>
-            </a:r>
-            <a:r>
-              <a:rPr lang="en-US" sz="2900" dirty="0">
-                <a:effectLst>
-                  <a:outerShdw blurRad="38100" dist="38100" dir="2700000" algn="tl">
-                    <a:srgbClr val="000000">
-                      <a:alpha val="43137"/>
-                    </a:srgbClr>
-                  </a:outerShdw>
-                </a:effectLst>
-                <a:latin typeface="Sylfaen" panose="010A0502050306030303" pitchFamily="18" charset="0"/>
-              </a:rPr>
-              <a:t> res,</a:t>
-            </a:r>
-          </a:p>
-          <a:p>
-            <a:pPr marL="0" indent="0">
-              <a:lnSpc>
-                <a:spcPct val="150000"/>
-              </a:lnSpc>
-              <a:buNone/>
-            </a:pPr>
-            <a:r>
-              <a:rPr lang="en-US" sz="2900" dirty="0">
-                <a:effectLst>
-                  <a:outerShdw blurRad="38100" dist="38100" dir="2700000" algn="tl">
-                    <a:srgbClr val="000000">
-                      <a:alpha val="43137"/>
-                    </a:srgbClr>
-                  </a:outerShdw>
-                </a:effectLst>
-                <a:latin typeface="Sylfaen" panose="010A0502050306030303" pitchFamily="18" charset="0"/>
-              </a:rPr>
-              <a:t>                        </a:t>
-            </a:r>
-            <a:r>
-              <a:rPr lang="en-US" sz="2900" dirty="0" err="1">
-                <a:effectLst>
-                  <a:outerShdw blurRad="38100" dist="38100" dir="2700000" algn="tl">
-                    <a:srgbClr val="000000">
-                      <a:alpha val="43137"/>
-                    </a:srgbClr>
-                  </a:outerShdw>
-                </a:effectLst>
-                <a:latin typeface="Sylfaen" panose="010A0502050306030303" pitchFamily="18" charset="0"/>
-              </a:rPr>
-              <a:t>FilterChain</a:t>
-            </a:r>
-            <a:r>
-              <a:rPr lang="en-US" sz="2900" dirty="0">
-                <a:effectLst>
-                  <a:outerShdw blurRad="38100" dist="38100" dir="2700000" algn="tl">
-                    <a:srgbClr val="000000">
-                      <a:alpha val="43137"/>
-                    </a:srgbClr>
-                  </a:outerShdw>
-                </a:effectLst>
-                <a:latin typeface="Sylfaen" panose="010A0502050306030303" pitchFamily="18" charset="0"/>
-              </a:rPr>
-              <a:t> chain) throw </a:t>
-            </a:r>
-            <a:r>
-              <a:rPr lang="en-US" sz="2900" dirty="0" err="1">
-                <a:effectLst>
-                  <a:outerShdw blurRad="38100" dist="38100" dir="2700000" algn="tl">
-                    <a:srgbClr val="000000">
-                      <a:alpha val="43137"/>
-                    </a:srgbClr>
-                  </a:outerShdw>
-                </a:effectLst>
-                <a:latin typeface="Sylfaen" panose="010A0502050306030303" pitchFamily="18" charset="0"/>
-              </a:rPr>
-              <a:t>IOException</a:t>
-            </a:r>
-            <a:r>
-              <a:rPr lang="en-US" sz="2900" dirty="0">
-                <a:effectLst>
-                  <a:outerShdw blurRad="38100" dist="38100" dir="2700000" algn="tl">
-                    <a:srgbClr val="000000">
-                      <a:alpha val="43137"/>
-                    </a:srgbClr>
-                  </a:outerShdw>
-                </a:effectLst>
-                <a:latin typeface="Sylfaen" panose="010A0502050306030303" pitchFamily="18" charset="0"/>
-              </a:rPr>
-              <a:t>, </a:t>
-            </a:r>
-            <a:r>
-              <a:rPr lang="en-US" sz="2900" dirty="0" err="1">
-                <a:effectLst>
-                  <a:outerShdw blurRad="38100" dist="38100" dir="2700000" algn="tl">
-                    <a:srgbClr val="000000">
-                      <a:alpha val="43137"/>
-                    </a:srgbClr>
-                  </a:outerShdw>
-                </a:effectLst>
-                <a:latin typeface="Sylfaen" panose="010A0502050306030303" pitchFamily="18" charset="0"/>
-              </a:rPr>
-              <a:t>ServletException</a:t>
-            </a:r>
-            <a:r>
-              <a:rPr lang="en-US" sz="2900" dirty="0">
-                <a:effectLst>
-                  <a:outerShdw blurRad="38100" dist="38100" dir="2700000" algn="tl">
-                    <a:srgbClr val="000000">
-                      <a:alpha val="43137"/>
-                    </a:srgbClr>
-                  </a:outerShdw>
-                </a:effectLst>
-                <a:latin typeface="Sylfaen" panose="010A0502050306030303" pitchFamily="18" charset="0"/>
-              </a:rPr>
-              <a:t>; </a:t>
+              <a:t>@WebFilter</a:t>
             </a:r>
             <a:endParaRPr lang="ru-RU" sz="2900" dirty="0">
               <a:effectLst>
@@ -7801,6 +7911,294 @@
               </a:effectLst>
               <a:latin typeface="Sylfaen" panose="010A0502050306030303" pitchFamily="18" charset="0"/>
             </a:endParaRPr>
+          </a:p>
+          <a:p>
+            <a:pPr marL="0" indent="0">
+              <a:lnSpc>
+                <a:spcPct val="150000"/>
+              </a:lnSpc>
+              <a:buFont typeface="Arial" panose="020B0604020202020204" pitchFamily="34" charset="0"/>
+              <a:buNone/>
+            </a:pPr>
+            <a:r>
+              <a:rPr lang="en-US" sz="2900" dirty="0">
+                <a:effectLst>
+                  <a:outerShdw blurRad="38100" dist="38100" dir="2700000" algn="tl">
+                    <a:srgbClr val="000000">
+                      <a:alpha val="43137"/>
+                    </a:srgbClr>
+                  </a:outerShdw>
+                </a:effectLst>
+                <a:latin typeface="Sylfaen" panose="010A0502050306030303" pitchFamily="18" charset="0"/>
+              </a:rPr>
+              <a:t>default void </a:t>
+            </a:r>
+            <a:r>
+              <a:rPr lang="en-US" sz="2900" dirty="0" err="1">
+                <a:effectLst>
+                  <a:outerShdw blurRad="38100" dist="38100" dir="2700000" algn="tl">
+                    <a:srgbClr val="000000">
+                      <a:alpha val="43137"/>
+                    </a:srgbClr>
+                  </a:outerShdw>
+                </a:effectLst>
+                <a:latin typeface="Sylfaen" panose="010A0502050306030303" pitchFamily="18" charset="0"/>
+              </a:rPr>
+              <a:t>init</a:t>
+            </a:r>
+            <a:r>
+              <a:rPr lang="en-US" sz="2900" dirty="0">
+                <a:effectLst>
+                  <a:outerShdw blurRad="38100" dist="38100" dir="2700000" algn="tl">
+                    <a:srgbClr val="000000">
+                      <a:alpha val="43137"/>
+                    </a:srgbClr>
+                  </a:outerShdw>
+                </a:effectLst>
+                <a:latin typeface="Sylfaen" panose="010A0502050306030303" pitchFamily="18" charset="0"/>
+              </a:rPr>
+              <a:t> (</a:t>
+            </a:r>
+            <a:r>
+              <a:rPr lang="en-US" sz="2900" dirty="0" err="1">
+                <a:effectLst>
+                  <a:outerShdw blurRad="38100" dist="38100" dir="2700000" algn="tl">
+                    <a:srgbClr val="000000">
+                      <a:alpha val="43137"/>
+                    </a:srgbClr>
+                  </a:outerShdw>
+                </a:effectLst>
+                <a:latin typeface="Sylfaen" panose="010A0502050306030303" pitchFamily="18" charset="0"/>
+              </a:rPr>
+              <a:t>FilterConfig</a:t>
+            </a:r>
+            <a:r>
+              <a:rPr lang="en-US" sz="2900" dirty="0">
+                <a:effectLst>
+                  <a:outerShdw blurRad="38100" dist="38100" dir="2700000" algn="tl">
+                    <a:srgbClr val="000000">
+                      <a:alpha val="43137"/>
+                    </a:srgbClr>
+                  </a:outerShdw>
+                </a:effectLst>
+                <a:latin typeface="Sylfaen" panose="010A0502050306030303" pitchFamily="18" charset="0"/>
+              </a:rPr>
+              <a:t> </a:t>
+            </a:r>
+            <a:r>
+              <a:rPr lang="en-US" sz="2900" dirty="0" err="1">
+                <a:effectLst>
+                  <a:outerShdw blurRad="38100" dist="38100" dir="2700000" algn="tl">
+                    <a:srgbClr val="000000">
+                      <a:alpha val="43137"/>
+                    </a:srgbClr>
+                  </a:outerShdw>
+                </a:effectLst>
+                <a:latin typeface="Sylfaen" panose="010A0502050306030303" pitchFamily="18" charset="0"/>
+              </a:rPr>
+              <a:t>onfig</a:t>
+            </a:r>
+            <a:r>
+              <a:rPr lang="en-US" sz="2900" dirty="0">
+                <a:effectLst>
+                  <a:outerShdw blurRad="38100" dist="38100" dir="2700000" algn="tl">
+                    <a:srgbClr val="000000">
+                      <a:alpha val="43137"/>
+                    </a:srgbClr>
+                  </a:outerShdw>
+                </a:effectLst>
+                <a:latin typeface="Sylfaen" panose="010A0502050306030303" pitchFamily="18" charset="0"/>
+              </a:rPr>
+              <a:t>);</a:t>
+            </a:r>
+          </a:p>
+          <a:p>
+            <a:pPr marL="0" indent="0">
+              <a:lnSpc>
+                <a:spcPct val="150000"/>
+              </a:lnSpc>
+              <a:buNone/>
+            </a:pPr>
+            <a:r>
+              <a:rPr lang="en-US" sz="2900" dirty="0">
+                <a:effectLst>
+                  <a:outerShdw blurRad="38100" dist="38100" dir="2700000" algn="tl">
+                    <a:srgbClr val="000000">
+                      <a:alpha val="43137"/>
+                    </a:srgbClr>
+                  </a:outerShdw>
+                </a:effectLst>
+                <a:latin typeface="Sylfaen" panose="010A0502050306030303" pitchFamily="18" charset="0"/>
+              </a:rPr>
+              <a:t>default void destroy ();</a:t>
+            </a:r>
+          </a:p>
+          <a:p>
+            <a:pPr marL="0" indent="0">
+              <a:lnSpc>
+                <a:spcPct val="150000"/>
+              </a:lnSpc>
+              <a:buNone/>
+            </a:pPr>
+            <a:r>
+              <a:rPr lang="en-US" sz="2900" dirty="0">
+                <a:effectLst>
+                  <a:outerShdw blurRad="38100" dist="38100" dir="2700000" algn="tl">
+                    <a:srgbClr val="000000">
+                      <a:alpha val="43137"/>
+                    </a:srgbClr>
+                  </a:outerShdw>
+                </a:effectLst>
+                <a:latin typeface="Sylfaen" panose="010A0502050306030303" pitchFamily="18" charset="0"/>
+              </a:rPr>
+              <a:t>void </a:t>
+            </a:r>
+            <a:r>
+              <a:rPr lang="en-US" sz="2900" dirty="0" err="1">
+                <a:effectLst>
+                  <a:outerShdw blurRad="38100" dist="38100" dir="2700000" algn="tl">
+                    <a:srgbClr val="000000">
+                      <a:alpha val="43137"/>
+                    </a:srgbClr>
+                  </a:outerShdw>
+                </a:effectLst>
+                <a:latin typeface="Sylfaen" panose="010A0502050306030303" pitchFamily="18" charset="0"/>
+              </a:rPr>
+              <a:t>doFilter</a:t>
+            </a:r>
+            <a:r>
+              <a:rPr lang="en-US" sz="2900" dirty="0">
+                <a:effectLst>
+                  <a:outerShdw blurRad="38100" dist="38100" dir="2700000" algn="tl">
+                    <a:srgbClr val="000000">
+                      <a:alpha val="43137"/>
+                    </a:srgbClr>
+                  </a:outerShdw>
+                </a:effectLst>
+                <a:latin typeface="Sylfaen" panose="010A0502050306030303" pitchFamily="18" charset="0"/>
+              </a:rPr>
+              <a:t> (</a:t>
+            </a:r>
+            <a:r>
+              <a:rPr lang="en-US" sz="2900" dirty="0" err="1">
+                <a:effectLst>
+                  <a:outerShdw blurRad="38100" dist="38100" dir="2700000" algn="tl">
+                    <a:srgbClr val="000000">
+                      <a:alpha val="43137"/>
+                    </a:srgbClr>
+                  </a:outerShdw>
+                </a:effectLst>
+                <a:latin typeface="Sylfaen" panose="010A0502050306030303" pitchFamily="18" charset="0"/>
+              </a:rPr>
+              <a:t>ServletRequest</a:t>
+            </a:r>
+            <a:r>
+              <a:rPr lang="en-US" sz="2900" dirty="0">
+                <a:effectLst>
+                  <a:outerShdw blurRad="38100" dist="38100" dir="2700000" algn="tl">
+                    <a:srgbClr val="000000">
+                      <a:alpha val="43137"/>
+                    </a:srgbClr>
+                  </a:outerShdw>
+                </a:effectLst>
+                <a:latin typeface="Sylfaen" panose="010A0502050306030303" pitchFamily="18" charset="0"/>
+              </a:rPr>
+              <a:t> req,</a:t>
+            </a:r>
+          </a:p>
+          <a:p>
+            <a:pPr marL="0" indent="0">
+              <a:lnSpc>
+                <a:spcPct val="150000"/>
+              </a:lnSpc>
+              <a:buNone/>
+            </a:pPr>
+            <a:r>
+              <a:rPr lang="en-US" sz="2900" dirty="0">
+                <a:effectLst>
+                  <a:outerShdw blurRad="38100" dist="38100" dir="2700000" algn="tl">
+                    <a:srgbClr val="000000">
+                      <a:alpha val="43137"/>
+                    </a:srgbClr>
+                  </a:outerShdw>
+                </a:effectLst>
+                <a:latin typeface="Sylfaen" panose="010A0502050306030303" pitchFamily="18" charset="0"/>
+              </a:rPr>
+              <a:t>                        </a:t>
+            </a:r>
+            <a:r>
+              <a:rPr lang="en-US" sz="2900" dirty="0" err="1">
+                <a:effectLst>
+                  <a:outerShdw blurRad="38100" dist="38100" dir="2700000" algn="tl">
+                    <a:srgbClr val="000000">
+                      <a:alpha val="43137"/>
+                    </a:srgbClr>
+                  </a:outerShdw>
+                </a:effectLst>
+                <a:latin typeface="Sylfaen" panose="010A0502050306030303" pitchFamily="18" charset="0"/>
+              </a:rPr>
+              <a:t>ServletResponse</a:t>
+            </a:r>
+            <a:r>
+              <a:rPr lang="en-US" sz="2900" dirty="0">
+                <a:effectLst>
+                  <a:outerShdw blurRad="38100" dist="38100" dir="2700000" algn="tl">
+                    <a:srgbClr val="000000">
+                      <a:alpha val="43137"/>
+                    </a:srgbClr>
+                  </a:outerShdw>
+                </a:effectLst>
+                <a:latin typeface="Sylfaen" panose="010A0502050306030303" pitchFamily="18" charset="0"/>
+              </a:rPr>
+              <a:t> res,</a:t>
+            </a:r>
+          </a:p>
+          <a:p>
+            <a:pPr marL="0" indent="0">
+              <a:lnSpc>
+                <a:spcPct val="150000"/>
+              </a:lnSpc>
+              <a:buNone/>
+            </a:pPr>
+            <a:r>
+              <a:rPr lang="en-US" sz="2900" dirty="0">
+                <a:effectLst>
+                  <a:outerShdw blurRad="38100" dist="38100" dir="2700000" algn="tl">
+                    <a:srgbClr val="000000">
+                      <a:alpha val="43137"/>
+                    </a:srgbClr>
+                  </a:outerShdw>
+                </a:effectLst>
+                <a:latin typeface="Sylfaen" panose="010A0502050306030303" pitchFamily="18" charset="0"/>
+              </a:rPr>
+              <a:t>                        </a:t>
+            </a:r>
+            <a:r>
+              <a:rPr lang="en-US" sz="2900" dirty="0" err="1">
+                <a:effectLst>
+                  <a:outerShdw blurRad="38100" dist="38100" dir="2700000" algn="tl">
+                    <a:srgbClr val="000000">
+                      <a:alpha val="43137"/>
+                    </a:srgbClr>
+                  </a:outerShdw>
+                </a:effectLst>
+                <a:latin typeface="Sylfaen" panose="010A0502050306030303" pitchFamily="18" charset="0"/>
+              </a:rPr>
+              <a:t>FilterChain</a:t>
+            </a:r>
+            <a:r>
+              <a:rPr lang="en-US" sz="2900" dirty="0">
+                <a:effectLst>
+                  <a:outerShdw blurRad="38100" dist="38100" dir="2700000" algn="tl">
+                    <a:srgbClr val="000000">
+                      <a:alpha val="43137"/>
+                    </a:srgbClr>
+                  </a:outerShdw>
+                </a:effectLst>
+                <a:latin typeface="Sylfaen" panose="010A0502050306030303" pitchFamily="18" charset="0"/>
+              </a:rPr>
+              <a:t> chain); </a:t>
+            </a:r>
           </a:p>
         </p:txBody>
       </p:sp>
@@ -17322,25 +17720,24 @@
         </p:nvSpPr>
         <p:spPr>
           <a:xfrm>
-            <a:off x="838200" y="1425912"/>
-            <a:ext cx="11053529" cy="4665109"/>
+            <a:off x="150135" y="1425912"/>
+            <a:ext cx="11891730" cy="5327888"/>
           </a:xfrm>
         </p:spPr>
         <p:txBody>
-          <a:bodyPr/>
+          <a:bodyPr>
+            <a:normAutofit/>
+          </a:bodyPr>
           <a:lstStyle/>
           <a:p>
-            <a:pPr marL="0" indent="0" algn="ctr">
+            <a:pPr marL="0" indent="0">
+              <a:lnSpc>
+                <a:spcPct val="150000"/>
+              </a:lnSpc>
               <a:buNone/>
             </a:pPr>
-            <a:endParaRPr lang="en-US" dirty="0"/>
-          </a:p>
-          <a:p>
-            <a:pPr marL="0" indent="0">
-              <a:buNone/>
-            </a:pPr>
-            <a:r>
-              <a:rPr lang="hy-AM" sz="2900" dirty="0">
+            <a:r>
+              <a:rPr lang="hy-AM" sz="2800" dirty="0">
                 <a:effectLst>
                   <a:outerShdw blurRad="38100" dist="38100" dir="2700000" algn="tl">
                     <a:srgbClr val="000000">
@@ -17353,7 +17750,7 @@
               <a:t>&lt;</a:t>
             </a:r>
             <a:r>
-              <a:rPr lang="en-US" sz="2900" dirty="0" err="1">
+              <a:rPr lang="en-US" sz="2800" dirty="0" err="1">
                 <a:effectLst>
                   <a:outerShdw blurRad="38100" dist="38100" dir="2700000" algn="tl">
                     <a:srgbClr val="000000">
@@ -17366,50 +17763,19 @@
               <a:t>jsp:useBean</a:t>
             </a:r>
             <a:r>
-              <a:rPr lang="en-US" sz="2900" dirty="0">
-                <a:effectLst>
-                  <a:outerShdw blurRad="38100" dist="38100" dir="2700000" algn="tl">
-                    <a:srgbClr val="000000">
-                      <a:alpha val="43137"/>
-                    </a:srgbClr>
-                  </a:outerShdw>
-                </a:effectLst>
-                <a:latin typeface="Sylfaen" panose="010A0502050306030303" pitchFamily="18" charset="0"/>
-              </a:rPr>
-              <a:t> id=“person” class=“</a:t>
-            </a:r>
-            <a:r>
-              <a:rPr lang="en-US" sz="2900" dirty="0" err="1">
-                <a:effectLst>
-                  <a:outerShdw blurRad="38100" dist="38100" dir="2700000" algn="tl">
-                    <a:srgbClr val="000000">
-                      <a:alpha val="43137"/>
-                    </a:srgbClr>
-                  </a:outerShdw>
-                </a:effectLst>
-                <a:latin typeface="Sylfaen" panose="010A0502050306030303" pitchFamily="18" charset="0"/>
-              </a:rPr>
-              <a:t>foo.Person</a:t>
-            </a:r>
-            <a:r>
-              <a:rPr lang="en-US" sz="2900" dirty="0">
-                <a:effectLst>
-                  <a:outerShdw blurRad="38100" dist="38100" dir="2700000" algn="tl">
-                    <a:srgbClr val="000000">
-                      <a:alpha val="43137"/>
-                    </a:srgbClr>
-                  </a:outerShdw>
-                </a:effectLst>
-                <a:latin typeface="Sylfaen" panose="010A0502050306030303" pitchFamily="18" charset="0"/>
-              </a:rPr>
-              <a:t>” scope=“request” &gt;</a:t>
-            </a:r>
-          </a:p>
-          <a:p>
-            <a:pPr marL="0" indent="0">
-              <a:buNone/>
-            </a:pPr>
-            <a:endParaRPr lang="en-US" sz="2900" dirty="0">
+              <a:rPr lang="en-US" sz="2800" dirty="0">
+                <a:effectLst>
+                  <a:outerShdw blurRad="38100" dist="38100" dir="2700000" algn="tl">
+                    <a:srgbClr val="000000">
+                      <a:alpha val="43137"/>
+                    </a:srgbClr>
+                  </a:outerShdw>
+                </a:effectLst>
+                <a:latin typeface="Sylfaen" panose="010A0502050306030303" pitchFamily="18" charset="0"/>
+              </a:rPr>
+              <a:t> id=“person” class=“Person” scope=“request” /&gt;</a:t>
+            </a:r>
+            <a:endParaRPr lang="hy-AM" sz="2800" dirty="0">
               <a:effectLst>
                 <a:outerShdw blurRad="38100" dist="38100" dir="2700000" algn="tl">
                   <a:srgbClr val="000000">
@@ -17422,74 +17788,223 @@
           </a:p>
           <a:p>
             <a:pPr marL="0" indent="0">
+              <a:lnSpc>
+                <a:spcPct val="150000"/>
+              </a:lnSpc>
               <a:buNone/>
             </a:pPr>
             <a:r>
-              <a:rPr lang="hy-AM" sz="2900" dirty="0">
-                <a:effectLst>
-                  <a:outerShdw blurRad="38100" dist="38100" dir="2700000" algn="tl">
-                    <a:srgbClr val="000000">
-                      <a:alpha val="43137"/>
-                    </a:srgbClr>
-                  </a:outerShdw>
-                </a:effectLst>
-                <a:latin typeface="Sylfaen" panose="010A0502050306030303" pitchFamily="18" charset="0"/>
-              </a:rPr>
-              <a:t>	&lt;</a:t>
-            </a:r>
-            <a:r>
-              <a:rPr lang="en-US" sz="2900" dirty="0" err="1">
-                <a:effectLst>
-                  <a:outerShdw blurRad="38100" dist="38100" dir="2700000" algn="tl">
-                    <a:srgbClr val="000000">
-                      <a:alpha val="43137"/>
-                    </a:srgbClr>
-                  </a:outerShdw>
-                </a:effectLst>
-                <a:latin typeface="Sylfaen" panose="010A0502050306030303" pitchFamily="18" charset="0"/>
-              </a:rPr>
-              <a:t>jsp:getProperty</a:t>
-            </a:r>
-            <a:r>
-              <a:rPr lang="en-US" sz="2900" dirty="0">
-                <a:effectLst>
-                  <a:outerShdw blurRad="38100" dist="38100" dir="2700000" algn="tl">
-                    <a:srgbClr val="000000">
-                      <a:alpha val="43137"/>
-                    </a:srgbClr>
-                  </a:outerShdw>
-                </a:effectLst>
-                <a:latin typeface="Sylfaen" panose="010A0502050306030303" pitchFamily="18" charset="0"/>
-              </a:rPr>
-              <a:t> name=“person” property=“</a:t>
-            </a:r>
-            <a:r>
-              <a:rPr lang="en-US" sz="2900" dirty="0" err="1">
-                <a:effectLst>
-                  <a:outerShdw blurRad="38100" dist="38100" dir="2700000" algn="tl">
-                    <a:srgbClr val="000000">
-                      <a:alpha val="43137"/>
-                    </a:srgbClr>
-                  </a:outerShdw>
-                </a:effectLst>
-                <a:latin typeface="Sylfaen" panose="010A0502050306030303" pitchFamily="18" charset="0"/>
-              </a:rPr>
-              <a:t>firstName</a:t>
-            </a:r>
-            <a:r>
-              <a:rPr lang="en-US" sz="2900" dirty="0">
-                <a:effectLst>
-                  <a:outerShdw blurRad="38100" dist="38100" dir="2700000" algn="tl">
-                    <a:srgbClr val="000000">
-                      <a:alpha val="43137"/>
-                    </a:srgbClr>
-                  </a:outerShdw>
-                </a:effectLst>
-                <a:latin typeface="Sylfaen" panose="010A0502050306030303" pitchFamily="18" charset="0"/>
-              </a:rPr>
-              <a:t>” /&gt;</a:t>
-            </a:r>
-            <a:endParaRPr lang="hy-AM" sz="2900" dirty="0">
+              <a:rPr lang="hy-AM" sz="2800" dirty="0">
+                <a:effectLst>
+                  <a:outerShdw blurRad="38100" dist="38100" dir="2700000" algn="tl">
+                    <a:srgbClr val="000000">
+                      <a:alpha val="43137"/>
+                    </a:srgbClr>
+                  </a:outerShdw>
+                </a:effectLst>
+                <a:latin typeface="Sylfaen" panose="010A0502050306030303" pitchFamily="18" charset="0"/>
+              </a:rPr>
+              <a:t>&lt;</a:t>
+            </a:r>
+            <a:r>
+              <a:rPr lang="en-US" sz="2800" dirty="0" err="1">
+                <a:effectLst>
+                  <a:outerShdw blurRad="38100" dist="38100" dir="2700000" algn="tl">
+                    <a:srgbClr val="000000">
+                      <a:alpha val="43137"/>
+                    </a:srgbClr>
+                  </a:outerShdw>
+                </a:effectLst>
+                <a:latin typeface="Sylfaen" panose="010A0502050306030303" pitchFamily="18" charset="0"/>
+              </a:rPr>
+              <a:t>jsp:useBean</a:t>
+            </a:r>
+            <a:r>
+              <a:rPr lang="en-US" sz="2800" dirty="0">
+                <a:effectLst>
+                  <a:outerShdw blurRad="38100" dist="38100" dir="2700000" algn="tl">
+                    <a:srgbClr val="000000">
+                      <a:alpha val="43137"/>
+                    </a:srgbClr>
+                  </a:outerShdw>
+                </a:effectLst>
+                <a:latin typeface="Sylfaen" panose="010A0502050306030303" pitchFamily="18" charset="0"/>
+              </a:rPr>
+              <a:t> id=“person” class=“</a:t>
+            </a:r>
+            <a:r>
+              <a:rPr lang="en-US" sz="2800" dirty="0" err="1">
+                <a:effectLst>
+                  <a:outerShdw blurRad="38100" dist="38100" dir="2700000" algn="tl">
+                    <a:srgbClr val="000000">
+                      <a:alpha val="43137"/>
+                    </a:srgbClr>
+                  </a:outerShdw>
+                </a:effectLst>
+                <a:latin typeface="Sylfaen" panose="010A0502050306030303" pitchFamily="18" charset="0"/>
+              </a:rPr>
+              <a:t>foo.Person</a:t>
+            </a:r>
+            <a:r>
+              <a:rPr lang="en-US" sz="2800" dirty="0">
+                <a:effectLst>
+                  <a:outerShdw blurRad="38100" dist="38100" dir="2700000" algn="tl">
+                    <a:srgbClr val="000000">
+                      <a:alpha val="43137"/>
+                    </a:srgbClr>
+                  </a:outerShdw>
+                </a:effectLst>
+                <a:latin typeface="Sylfaen" panose="010A0502050306030303" pitchFamily="18" charset="0"/>
+              </a:rPr>
+              <a:t>” type=“Human” scope=“request” /&gt;</a:t>
+            </a:r>
+          </a:p>
+          <a:p>
+            <a:pPr marL="0" indent="0">
+              <a:lnSpc>
+                <a:spcPct val="150000"/>
+              </a:lnSpc>
+              <a:buNone/>
+            </a:pPr>
+            <a:r>
+              <a:rPr lang="hy-AM" sz="2800" dirty="0">
+                <a:effectLst>
+                  <a:outerShdw blurRad="38100" dist="38100" dir="2700000" algn="tl">
+                    <a:srgbClr val="000000">
+                      <a:alpha val="43137"/>
+                    </a:srgbClr>
+                  </a:outerShdw>
+                </a:effectLst>
+                <a:latin typeface="Sylfaen" panose="010A0502050306030303" pitchFamily="18" charset="0"/>
+              </a:rPr>
+              <a:t>&lt;</a:t>
+            </a:r>
+            <a:r>
+              <a:rPr lang="en-US" sz="2800" dirty="0" err="1">
+                <a:effectLst>
+                  <a:outerShdw blurRad="38100" dist="38100" dir="2700000" algn="tl">
+                    <a:srgbClr val="000000">
+                      <a:alpha val="43137"/>
+                    </a:srgbClr>
+                  </a:outerShdw>
+                </a:effectLst>
+                <a:latin typeface="Sylfaen" panose="010A0502050306030303" pitchFamily="18" charset="0"/>
+              </a:rPr>
+              <a:t>jsp:useBean</a:t>
+            </a:r>
+            <a:r>
+              <a:rPr lang="en-US" sz="2800" dirty="0">
+                <a:effectLst>
+                  <a:outerShdw blurRad="38100" dist="38100" dir="2700000" algn="tl">
+                    <a:srgbClr val="000000">
+                      <a:alpha val="43137"/>
+                    </a:srgbClr>
+                  </a:outerShdw>
+                </a:effectLst>
+                <a:latin typeface="Sylfaen" panose="010A0502050306030303" pitchFamily="18" charset="0"/>
+              </a:rPr>
+              <a:t>&gt; body </a:t>
+            </a:r>
+            <a:r>
+              <a:rPr lang="hy-AM" sz="2800" dirty="0">
+                <a:effectLst>
+                  <a:outerShdw blurRad="38100" dist="38100" dir="2700000" algn="tl">
+                    <a:srgbClr val="000000">
+                      <a:alpha val="43137"/>
+                    </a:srgbClr>
+                  </a:outerShdw>
+                </a:effectLst>
+                <a:latin typeface="Sylfaen" panose="010A0502050306030303" pitchFamily="18" charset="0"/>
+              </a:rPr>
+              <a:t>&lt;</a:t>
+            </a:r>
+            <a:r>
+              <a:rPr lang="en-US" sz="2800" dirty="0">
+                <a:effectLst>
+                  <a:outerShdw blurRad="38100" dist="38100" dir="2700000" algn="tl">
+                    <a:srgbClr val="000000">
+                      <a:alpha val="43137"/>
+                    </a:srgbClr>
+                  </a:outerShdw>
+                </a:effectLst>
+                <a:latin typeface="Sylfaen" panose="010A0502050306030303" pitchFamily="18" charset="0"/>
+              </a:rPr>
+              <a:t>/ </a:t>
+            </a:r>
+            <a:r>
+              <a:rPr lang="en-US" sz="2800" dirty="0" err="1">
+                <a:effectLst>
+                  <a:outerShdw blurRad="38100" dist="38100" dir="2700000" algn="tl">
+                    <a:srgbClr val="000000">
+                      <a:alpha val="43137"/>
+                    </a:srgbClr>
+                  </a:outerShdw>
+                </a:effectLst>
+                <a:latin typeface="Sylfaen" panose="010A0502050306030303" pitchFamily="18" charset="0"/>
+              </a:rPr>
+              <a:t>jsp:useBean</a:t>
+            </a:r>
+            <a:r>
+              <a:rPr lang="en-US" sz="2800" dirty="0">
+                <a:effectLst>
+                  <a:outerShdw blurRad="38100" dist="38100" dir="2700000" algn="tl">
+                    <a:srgbClr val="000000">
+                      <a:alpha val="43137"/>
+                    </a:srgbClr>
+                  </a:outerShdw>
+                </a:effectLst>
+                <a:latin typeface="Sylfaen" panose="010A0502050306030303" pitchFamily="18" charset="0"/>
+              </a:rPr>
+              <a:t>&gt; </a:t>
+            </a:r>
+          </a:p>
+          <a:p>
+            <a:pPr marL="0" indent="0">
+              <a:lnSpc>
+                <a:spcPct val="150000"/>
+              </a:lnSpc>
+              <a:buNone/>
+            </a:pPr>
+            <a:r>
+              <a:rPr lang="hy-AM" sz="2800" dirty="0">
+                <a:effectLst>
+                  <a:outerShdw blurRad="38100" dist="38100" dir="2700000" algn="tl">
+                    <a:srgbClr val="000000">
+                      <a:alpha val="43137"/>
+                    </a:srgbClr>
+                  </a:outerShdw>
+                </a:effectLst>
+                <a:latin typeface="Sylfaen" panose="010A0502050306030303" pitchFamily="18" charset="0"/>
+              </a:rPr>
+              <a:t>&lt;jsp:setProperty name="person" property="name" value=</a:t>
+            </a:r>
+            <a:r>
+              <a:rPr lang="en-US" sz="2800" dirty="0">
+                <a:effectLst>
+                  <a:outerShdw blurRad="38100" dist="38100" dir="2700000" algn="tl">
+                    <a:srgbClr val="000000">
+                      <a:alpha val="43137"/>
+                    </a:srgbClr>
+                  </a:outerShdw>
+                </a:effectLst>
+                <a:latin typeface="Sylfaen" panose="010A0502050306030303" pitchFamily="18" charset="0"/>
+              </a:rPr>
+              <a:t>“John</a:t>
+            </a:r>
+            <a:r>
+              <a:rPr lang="hy-AM" sz="2800" dirty="0">
+                <a:effectLst>
+                  <a:outerShdw blurRad="38100" dist="38100" dir="2700000" algn="tl">
+                    <a:srgbClr val="000000">
+                      <a:alpha val="43137"/>
+                    </a:srgbClr>
+                  </a:outerShdw>
+                </a:effectLst>
+                <a:latin typeface="Sylfaen" panose="010A0502050306030303" pitchFamily="18" charset="0"/>
+              </a:rPr>
+              <a:t>" /&gt;</a:t>
+            </a:r>
+            <a:endParaRPr lang="en-US" sz="2800" dirty="0">
               <a:effectLst>
                 <a:outerShdw blurRad="38100" dist="38100" dir="2700000" algn="tl">
                   <a:srgbClr val="000000">
@@ -17502,141 +18017,149 @@
           </a:p>
           <a:p>
             <a:pPr marL="0" indent="0">
+              <a:lnSpc>
+                <a:spcPct val="150000"/>
+              </a:lnSpc>
               <a:buNone/>
             </a:pPr>
-            <a:endParaRPr lang="en-US" sz="2900" dirty="0">
-              <a:effectLst>
-                <a:outerShdw blurRad="38100" dist="38100" dir="2700000" algn="tl">
-                  <a:srgbClr val="000000">
-                    <a:alpha val="43137"/>
-                  </a:srgbClr>
-                </a:outerShdw>
-              </a:effectLst>
-              <a:latin typeface="Sylfaen" panose="010A0502050306030303" pitchFamily="18" charset="0"/>
-            </a:endParaRPr>
+            <a:r>
+              <a:rPr lang="hy-AM" sz="2800" dirty="0">
+                <a:effectLst>
+                  <a:outerShdw blurRad="38100" dist="38100" dir="2700000" algn="tl">
+                    <a:srgbClr val="000000">
+                      <a:alpha val="43137"/>
+                    </a:srgbClr>
+                  </a:outerShdw>
+                </a:effectLst>
+                <a:latin typeface="Sylfaen" panose="010A0502050306030303" pitchFamily="18" charset="0"/>
+              </a:rPr>
+              <a:t>&lt;</a:t>
+            </a:r>
+            <a:r>
+              <a:rPr lang="en-US" sz="2800" dirty="0" err="1">
+                <a:effectLst>
+                  <a:outerShdw blurRad="38100" dist="38100" dir="2700000" algn="tl">
+                    <a:srgbClr val="000000">
+                      <a:alpha val="43137"/>
+                    </a:srgbClr>
+                  </a:outerShdw>
+                </a:effectLst>
+                <a:latin typeface="Sylfaen" panose="010A0502050306030303" pitchFamily="18" charset="0"/>
+              </a:rPr>
+              <a:t>jsp:getProperty</a:t>
+            </a:r>
+            <a:r>
+              <a:rPr lang="en-US" sz="2800" dirty="0">
+                <a:effectLst>
+                  <a:outerShdw blurRad="38100" dist="38100" dir="2700000" algn="tl">
+                    <a:srgbClr val="000000">
+                      <a:alpha val="43137"/>
+                    </a:srgbClr>
+                  </a:outerShdw>
+                </a:effectLst>
+                <a:latin typeface="Sylfaen" panose="010A0502050306030303" pitchFamily="18" charset="0"/>
+              </a:rPr>
+              <a:t> name=“person” property=“</a:t>
+            </a:r>
+            <a:r>
+              <a:rPr lang="en-US" sz="2800" dirty="0" err="1">
+                <a:effectLst>
+                  <a:outerShdw blurRad="38100" dist="38100" dir="2700000" algn="tl">
+                    <a:srgbClr val="000000">
+                      <a:alpha val="43137"/>
+                    </a:srgbClr>
+                  </a:outerShdw>
+                </a:effectLst>
+                <a:latin typeface="Sylfaen" panose="010A0502050306030303" pitchFamily="18" charset="0"/>
+              </a:rPr>
+              <a:t>firstName</a:t>
+            </a:r>
+            <a:r>
+              <a:rPr lang="en-US" sz="2800" dirty="0">
+                <a:effectLst>
+                  <a:outerShdw blurRad="38100" dist="38100" dir="2700000" algn="tl">
+                    <a:srgbClr val="000000">
+                      <a:alpha val="43137"/>
+                    </a:srgbClr>
+                  </a:outerShdw>
+                </a:effectLst>
+                <a:latin typeface="Sylfaen" panose="010A0502050306030303" pitchFamily="18" charset="0"/>
+              </a:rPr>
+              <a:t>” /&gt;</a:t>
+            </a:r>
           </a:p>
           <a:p>
             <a:pPr marL="0" indent="0">
+              <a:lnSpc>
+                <a:spcPct val="150000"/>
+              </a:lnSpc>
               <a:buNone/>
             </a:pPr>
             <a:r>
-              <a:rPr lang="hy-AM" sz="2900" dirty="0">
-                <a:effectLst>
-                  <a:outerShdw blurRad="38100" dist="38100" dir="2700000" algn="tl">
-                    <a:srgbClr val="000000">
-                      <a:alpha val="43137"/>
-                    </a:srgbClr>
-                  </a:outerShdw>
-                </a:effectLst>
-                <a:latin typeface="Sylfaen" panose="010A0502050306030303" pitchFamily="18" charset="0"/>
-              </a:rPr>
-              <a:t>	&lt;jsp:setProperty name="person" property="name" value=</a:t>
-            </a:r>
-            <a:r>
-              <a:rPr lang="en-US" sz="2900" dirty="0">
-                <a:effectLst>
-                  <a:outerShdw blurRad="38100" dist="38100" dir="2700000" algn="tl">
-                    <a:srgbClr val="000000">
-                      <a:alpha val="43137"/>
-                    </a:srgbClr>
-                  </a:outerShdw>
-                </a:effectLst>
-                <a:latin typeface="Sylfaen" panose="010A0502050306030303" pitchFamily="18" charset="0"/>
-              </a:rPr>
-              <a:t>John</a:t>
-            </a:r>
-            <a:r>
-              <a:rPr lang="hy-AM" sz="2900" dirty="0">
-                <a:effectLst>
-                  <a:outerShdw blurRad="38100" dist="38100" dir="2700000" algn="tl">
-                    <a:srgbClr val="000000">
-                      <a:alpha val="43137"/>
-                    </a:srgbClr>
-                  </a:outerShdw>
-                </a:effectLst>
-                <a:latin typeface="Sylfaen" panose="010A0502050306030303" pitchFamily="18" charset="0"/>
-              </a:rPr>
-              <a:t>" /&gt;</a:t>
-            </a:r>
-            <a:endParaRPr lang="en-US" sz="2900" dirty="0">
-              <a:effectLst>
-                <a:outerShdw blurRad="38100" dist="38100" dir="2700000" algn="tl">
-                  <a:srgbClr val="000000">
-                    <a:alpha val="43137"/>
-                  </a:srgbClr>
-                </a:outerShdw>
-              </a:effectLst>
-              <a:latin typeface="Sylfaen" panose="010A0502050306030303" pitchFamily="18" charset="0"/>
-            </a:endParaRPr>
-          </a:p>
-          <a:p>
-            <a:pPr marL="0" indent="0">
-              <a:buNone/>
-            </a:pPr>
-            <a:endParaRPr lang="hy-AM" sz="2900" dirty="0">
-              <a:effectLst>
-                <a:outerShdw blurRad="38100" dist="38100" dir="2700000" algn="tl">
-                  <a:srgbClr val="000000">
-                    <a:alpha val="43137"/>
-                  </a:srgbClr>
-                </a:outerShdw>
-              </a:effectLst>
-              <a:latin typeface="Sylfaen" panose="010A0502050306030303" pitchFamily="18" charset="0"/>
-            </a:endParaRPr>
-          </a:p>
-          <a:p>
-            <a:pPr marL="0" indent="0">
-              <a:buNone/>
-            </a:pPr>
-            <a:r>
-              <a:rPr lang="hy-AM" sz="2900" dirty="0">
-                <a:effectLst>
-                  <a:outerShdw blurRad="38100" dist="38100" dir="2700000" algn="tl">
-                    <a:srgbClr val="000000">
-                      <a:alpha val="43137"/>
-                    </a:srgbClr>
-                  </a:outerShdw>
-                </a:effectLst>
-                <a:latin typeface="Sylfaen" panose="010A0502050306030303" pitchFamily="18" charset="0"/>
-              </a:rPr>
-              <a:t>&lt;/ </a:t>
-            </a:r>
-            <a:r>
-              <a:rPr lang="en-US" sz="2900" dirty="0" err="1">
-                <a:effectLst>
-                  <a:outerShdw blurRad="38100" dist="38100" dir="2700000" algn="tl">
-                    <a:srgbClr val="000000">
-                      <a:alpha val="43137"/>
-                    </a:srgbClr>
-                  </a:outerShdw>
-                </a:effectLst>
-                <a:latin typeface="Sylfaen" panose="010A0502050306030303" pitchFamily="18" charset="0"/>
-              </a:rPr>
-              <a:t>jsp:useBean</a:t>
-            </a:r>
-            <a:r>
-              <a:rPr lang="hy-AM" sz="2900" dirty="0">
-                <a:effectLst>
-                  <a:outerShdw blurRad="38100" dist="38100" dir="2700000" algn="tl">
-                    <a:srgbClr val="000000">
-                      <a:alpha val="43137"/>
-                    </a:srgbClr>
-                  </a:outerShdw>
-                </a:effectLst>
-                <a:latin typeface="Sylfaen" panose="010A0502050306030303" pitchFamily="18" charset="0"/>
-              </a:rPr>
-              <a:t> &gt;</a:t>
-            </a:r>
-            <a:endParaRPr lang="en-US" sz="2900" dirty="0">
-              <a:effectLst>
-                <a:outerShdw blurRad="38100" dist="38100" dir="2700000" algn="tl">
-                  <a:srgbClr val="000000">
-                    <a:alpha val="43137"/>
-                  </a:srgbClr>
-                </a:outerShdw>
-              </a:effectLst>
-              <a:latin typeface="Sylfaen" panose="010A0502050306030303" pitchFamily="18" charset="0"/>
-            </a:endParaRPr>
+              <a:rPr lang="en-US" sz="2800" dirty="0">
+                <a:effectLst>
+                  <a:outerShdw blurRad="38100" dist="38100" dir="2700000" algn="tl">
+                    <a:srgbClr val="000000">
+                      <a:alpha val="43137"/>
+                    </a:srgbClr>
+                  </a:outerShdw>
+                </a:effectLst>
+                <a:latin typeface="Sylfaen" panose="010A0502050306030303" pitchFamily="18" charset="0"/>
+              </a:rPr>
+              <a:t>&lt;</a:t>
+            </a:r>
+            <a:r>
+              <a:rPr lang="en-US" sz="2800" dirty="0" err="1">
+                <a:effectLst>
+                  <a:outerShdw blurRad="38100" dist="38100" dir="2700000" algn="tl">
+                    <a:srgbClr val="000000">
+                      <a:alpha val="43137"/>
+                    </a:srgbClr>
+                  </a:outerShdw>
+                </a:effectLst>
+                <a:latin typeface="Sylfaen" panose="010A0502050306030303" pitchFamily="18" charset="0"/>
+              </a:rPr>
+              <a:t>jsp:include</a:t>
+            </a:r>
+            <a:r>
+              <a:rPr lang="en-US" sz="2800" dirty="0">
+                <a:effectLst>
+                  <a:outerShdw blurRad="38100" dist="38100" dir="2700000" algn="tl">
+                    <a:srgbClr val="000000">
+                      <a:alpha val="43137"/>
+                    </a:srgbClr>
+                  </a:outerShdw>
+                </a:effectLst>
+                <a:latin typeface="Sylfaen" panose="010A0502050306030303" pitchFamily="18" charset="0"/>
+              </a:rPr>
+              <a:t> page=“</a:t>
+            </a:r>
+            <a:r>
+              <a:rPr lang="en-US" sz="2800" dirty="0" err="1">
+                <a:effectLst>
+                  <a:outerShdw blurRad="38100" dist="38100" dir="2700000" algn="tl">
+                    <a:srgbClr val="000000">
+                      <a:alpha val="43137"/>
+                    </a:srgbClr>
+                  </a:outerShdw>
+                </a:effectLst>
+                <a:latin typeface="Sylfaen" panose="010A0502050306030303" pitchFamily="18" charset="0"/>
+              </a:rPr>
+              <a:t>MyPage.jsp</a:t>
+            </a:r>
+            <a:r>
+              <a:rPr lang="en-US" sz="2800" dirty="0">
+                <a:effectLst>
+                  <a:outerShdw blurRad="38100" dist="38100" dir="2700000" algn="tl">
+                    <a:srgbClr val="000000">
+                      <a:alpha val="43137"/>
+                    </a:srgbClr>
+                  </a:outerShdw>
+                </a:effectLst>
+                <a:latin typeface="Sylfaen" panose="010A0502050306030303" pitchFamily="18" charset="0"/>
+              </a:rPr>
+              <a:t>” /&gt;</a:t>
+            </a:r>
           </a:p>
         </p:txBody>
       </p:sp>
@@ -19543,7 +20066,7 @@
               <a:rPr lang="en-US" dirty="0">
                 <a:latin typeface="Sylfaen" panose="010A0502050306030303" pitchFamily="18" charset="0"/>
               </a:rPr>
-              <a:t>Mapping with web.xml file</a:t>
+              <a:t>Servlet mapping and application configuration</a:t>
             </a:r>
             <a:endParaRPr lang="en-US" dirty="0"/>
           </a:p>
@@ -19567,8 +20090,8 @@
         </p:nvSpPr>
         <p:spPr>
           <a:xfrm>
-            <a:off x="1294692" y="1848202"/>
-            <a:ext cx="3190522" cy="4351338"/>
+            <a:off x="1279702" y="1953133"/>
+            <a:ext cx="3577111" cy="3848061"/>
           </a:xfrm>
         </p:spPr>
         <p:txBody>
@@ -19579,7 +20102,7 @@
               <a:buNone/>
             </a:pPr>
             <a:r>
-              <a:rPr lang="en-US" b="1" dirty="0">
+              <a:rPr lang="en-US" sz="3600" dirty="0">
                 <a:effectLst>
                   <a:outerShdw blurRad="38100" dist="38100" dir="2700000" algn="tl">
                     <a:srgbClr val="000000">
@@ -19596,7 +20119,7 @@
             <a:pPr marL="0" indent="0">
               <a:buNone/>
             </a:pPr>
-            <a:endParaRPr lang="en-US" b="1" dirty="0">
+            <a:endParaRPr lang="en-US" sz="3600" dirty="0">
               <a:effectLst>
                 <a:outerShdw blurRad="38100" dist="38100" dir="2700000" algn="tl">
                   <a:srgbClr val="000000">
@@ -19612,24 +20135,24 @@
               <a:buNone/>
             </a:pPr>
             <a:r>
-              <a:rPr lang="en-US" b="1" dirty="0">
-                <a:effectLst>
-                  <a:outerShdw blurRad="38100" dist="38100" dir="2700000" algn="tl">
-                    <a:srgbClr val="000000">
-                      <a:alpha val="43137"/>
-                    </a:srgbClr>
-                  </a:outerShdw>
-                </a:effectLst>
-                <a:latin typeface="Sylfaen" panose="010A0502050306030303" pitchFamily="18" charset="0"/>
-              </a:rPr>
-              <a:t>Error handling</a:t>
+              <a:rPr lang="en-US" sz="3600" dirty="0">
+                <a:effectLst>
+                  <a:outerShdw blurRad="38100" dist="38100" dir="2700000" algn="tl">
+                    <a:srgbClr val="000000">
+                      <a:alpha val="43137"/>
+                    </a:srgbClr>
+                  </a:outerShdw>
+                </a:effectLst>
+                <a:latin typeface="Sylfaen" panose="010A0502050306030303" pitchFamily="18" charset="0"/>
+              </a:rPr>
+              <a:t>web.xml</a:t>
             </a:r>
           </a:p>
           <a:p>
             <a:pPr marL="0" indent="0">
               <a:buNone/>
             </a:pPr>
-            <a:endParaRPr lang="en-US" b="1" dirty="0">
+            <a:endParaRPr lang="en-US" sz="3600" dirty="0">
               <a:effectLst>
                 <a:outerShdw blurRad="38100" dist="38100" dir="2700000" algn="tl">
                   <a:srgbClr val="000000">
@@ -19645,18 +20168,28 @@
               <a:buNone/>
             </a:pPr>
             <a:r>
-              <a:rPr lang="en-US" b="1" dirty="0">
-                <a:effectLst>
-                  <a:outerShdw blurRad="38100" dist="38100" dir="2700000" algn="tl">
-                    <a:srgbClr val="000000">
-                      <a:alpha val="43137"/>
-                    </a:srgbClr>
-                  </a:outerShdw>
-                </a:effectLst>
-                <a:latin typeface="Sylfaen" panose="010A0502050306030303" pitchFamily="18" charset="0"/>
-              </a:rPr>
-              <a:t>Exception handling</a:t>
-            </a:r>
+              <a:rPr lang="en-US" sz="3600" dirty="0" err="1">
+                <a:effectLst>
+                  <a:outerShdw blurRad="38100" dist="38100" dir="2700000" algn="tl">
+                    <a:srgbClr val="000000">
+                      <a:alpha val="43137"/>
+                    </a:srgbClr>
+                  </a:outerShdw>
+                </a:effectLst>
+                <a:latin typeface="Sylfaen" panose="010A0502050306030303" pitchFamily="18" charset="0"/>
+              </a:rPr>
+              <a:t>Anotations</a:t>
+            </a:r>
+            <a:endParaRPr lang="en-US" sz="3600" dirty="0">
+              <a:effectLst>
+                <a:outerShdw blurRad="38100" dist="38100" dir="2700000" algn="tl">
+                  <a:srgbClr val="000000">
+                    <a:alpha val="43137"/>
+                  </a:srgbClr>
+                </a:outerShdw>
+              </a:effectLst>
+              <a:latin typeface="Sylfaen" panose="010A0502050306030303" pitchFamily="18" charset="0"/>
+            </a:endParaRPr>
           </a:p>
           <a:p>
             <a:pPr marL="0" indent="0">

--- a/Servlet/Servlet_Presentation.pptx
+++ b/Servlet/Servlet_Presentation.pptx
@@ -223,7 +223,7 @@
           <a:p>
             <a:fld id="{F988C94B-7918-458B-9AF1-0DBDD7FC850F}" type="datetimeFigureOut">
               <a:rPr lang="en-US" smtClean="0"/>
-              <a:t>2022-08-17</a:t>
+              <a:t>2022-08-18</a:t>
             </a:fld>
             <a:endParaRPr lang="en-US"/>
           </a:p>
@@ -705,7 +705,7 @@
           <a:p>
             <a:fld id="{0A968979-5CB5-4E5D-B82F-DAC09775BD7D}" type="datetimeFigureOut">
               <a:rPr lang="en-US" smtClean="0"/>
-              <a:t>2022-08-17</a:t>
+              <a:t>2022-08-18</a:t>
             </a:fld>
             <a:endParaRPr lang="en-US"/>
           </a:p>
@@ -875,7 +875,7 @@
           <a:p>
             <a:fld id="{0A968979-5CB5-4E5D-B82F-DAC09775BD7D}" type="datetimeFigureOut">
               <a:rPr lang="en-US" smtClean="0"/>
-              <a:t>2022-08-17</a:t>
+              <a:t>2022-08-18</a:t>
             </a:fld>
             <a:endParaRPr lang="en-US"/>
           </a:p>
@@ -1055,7 +1055,7 @@
           <a:p>
             <a:fld id="{0A968979-5CB5-4E5D-B82F-DAC09775BD7D}" type="datetimeFigureOut">
               <a:rPr lang="en-US" smtClean="0"/>
-              <a:t>2022-08-17</a:t>
+              <a:t>2022-08-18</a:t>
             </a:fld>
             <a:endParaRPr lang="en-US"/>
           </a:p>
@@ -1225,7 +1225,7 @@
           <a:p>
             <a:fld id="{0A968979-5CB5-4E5D-B82F-DAC09775BD7D}" type="datetimeFigureOut">
               <a:rPr lang="en-US" smtClean="0"/>
-              <a:t>2022-08-17</a:t>
+              <a:t>2022-08-18</a:t>
             </a:fld>
             <a:endParaRPr lang="en-US"/>
           </a:p>
@@ -1471,7 +1471,7 @@
           <a:p>
             <a:fld id="{0A968979-5CB5-4E5D-B82F-DAC09775BD7D}" type="datetimeFigureOut">
               <a:rPr lang="en-US" smtClean="0"/>
-              <a:t>2022-08-17</a:t>
+              <a:t>2022-08-18</a:t>
             </a:fld>
             <a:endParaRPr lang="en-US"/>
           </a:p>
@@ -1703,7 +1703,7 @@
           <a:p>
             <a:fld id="{0A968979-5CB5-4E5D-B82F-DAC09775BD7D}" type="datetimeFigureOut">
               <a:rPr lang="en-US" smtClean="0"/>
-              <a:t>2022-08-17</a:t>
+              <a:t>2022-08-18</a:t>
             </a:fld>
             <a:endParaRPr lang="en-US"/>
           </a:p>
@@ -2070,7 +2070,7 @@
           <a:p>
             <a:fld id="{0A968979-5CB5-4E5D-B82F-DAC09775BD7D}" type="datetimeFigureOut">
               <a:rPr lang="en-US" smtClean="0"/>
-              <a:t>2022-08-17</a:t>
+              <a:t>2022-08-18</a:t>
             </a:fld>
             <a:endParaRPr lang="en-US"/>
           </a:p>
@@ -2188,7 +2188,7 @@
           <a:p>
             <a:fld id="{0A968979-5CB5-4E5D-B82F-DAC09775BD7D}" type="datetimeFigureOut">
               <a:rPr lang="en-US" smtClean="0"/>
-              <a:t>2022-08-17</a:t>
+              <a:t>2022-08-18</a:t>
             </a:fld>
             <a:endParaRPr lang="en-US"/>
           </a:p>
@@ -2283,7 +2283,7 @@
           <a:p>
             <a:fld id="{0A968979-5CB5-4E5D-B82F-DAC09775BD7D}" type="datetimeFigureOut">
               <a:rPr lang="en-US" smtClean="0"/>
-              <a:t>2022-08-17</a:t>
+              <a:t>2022-08-18</a:t>
             </a:fld>
             <a:endParaRPr lang="en-US"/>
           </a:p>
@@ -2560,7 +2560,7 @@
           <a:p>
             <a:fld id="{0A968979-5CB5-4E5D-B82F-DAC09775BD7D}" type="datetimeFigureOut">
               <a:rPr lang="en-US" smtClean="0"/>
-              <a:t>2022-08-17</a:t>
+              <a:t>2022-08-18</a:t>
             </a:fld>
             <a:endParaRPr lang="en-US"/>
           </a:p>
@@ -2817,7 +2817,7 @@
           <a:p>
             <a:fld id="{0A968979-5CB5-4E5D-B82F-DAC09775BD7D}" type="datetimeFigureOut">
               <a:rPr lang="en-US" smtClean="0"/>
-              <a:t>2022-08-17</a:t>
+              <a:t>2022-08-18</a:t>
             </a:fld>
             <a:endParaRPr lang="en-US"/>
           </a:p>
@@ -3030,7 +3030,7 @@
           <a:p>
             <a:fld id="{0A968979-5CB5-4E5D-B82F-DAC09775BD7D}" type="datetimeFigureOut">
               <a:rPr lang="en-US" smtClean="0"/>
-              <a:t>2022-08-17</a:t>
+              <a:t>2022-08-18</a:t>
             </a:fld>
             <a:endParaRPr lang="en-US"/>
           </a:p>

--- a/Servlet/Servlet_Presentation.pptx
+++ b/Servlet/Servlet_Presentation.pptx
@@ -5,7 +5,7 @@
     <p:sldMasterId id="2147483684" r:id="rId1"/>
   </p:sldMasterIdLst>
   <p:notesMasterIdLst>
-    <p:notesMasterId r:id="rId29"/>
+    <p:notesMasterId r:id="rId31"/>
   </p:notesMasterIdLst>
   <p:sldIdLst>
     <p:sldId id="257" r:id="rId2"/>
@@ -21,20 +21,22 @@
     <p:sldId id="268" r:id="rId12"/>
     <p:sldId id="269" r:id="rId13"/>
     <p:sldId id="270" r:id="rId14"/>
-    <p:sldId id="271" r:id="rId15"/>
-    <p:sldId id="266" r:id="rId16"/>
-    <p:sldId id="272" r:id="rId17"/>
-    <p:sldId id="283" r:id="rId18"/>
-    <p:sldId id="273" r:id="rId19"/>
-    <p:sldId id="275" r:id="rId20"/>
-    <p:sldId id="274" r:id="rId21"/>
-    <p:sldId id="276" r:id="rId22"/>
-    <p:sldId id="277" r:id="rId23"/>
-    <p:sldId id="278" r:id="rId24"/>
-    <p:sldId id="279" r:id="rId25"/>
-    <p:sldId id="280" r:id="rId26"/>
-    <p:sldId id="282" r:id="rId27"/>
-    <p:sldId id="281" r:id="rId28"/>
+    <p:sldId id="284" r:id="rId15"/>
+    <p:sldId id="285" r:id="rId16"/>
+    <p:sldId id="271" r:id="rId17"/>
+    <p:sldId id="266" r:id="rId18"/>
+    <p:sldId id="272" r:id="rId19"/>
+    <p:sldId id="283" r:id="rId20"/>
+    <p:sldId id="273" r:id="rId21"/>
+    <p:sldId id="275" r:id="rId22"/>
+    <p:sldId id="274" r:id="rId23"/>
+    <p:sldId id="276" r:id="rId24"/>
+    <p:sldId id="277" r:id="rId25"/>
+    <p:sldId id="278" r:id="rId26"/>
+    <p:sldId id="279" r:id="rId27"/>
+    <p:sldId id="280" r:id="rId28"/>
+    <p:sldId id="282" r:id="rId29"/>
+    <p:sldId id="281" r:id="rId30"/>
   </p:sldIdLst>
   <p:sldSz cx="12192000" cy="6858000"/>
   <p:notesSz cx="6858000" cy="9144000"/>
@@ -223,7 +225,7 @@
           <a:p>
             <a:fld id="{F988C94B-7918-458B-9AF1-0DBDD7FC850F}" type="datetimeFigureOut">
               <a:rPr lang="en-US" smtClean="0"/>
-              <a:t>2022-08-18</a:t>
+              <a:t>2022-08-19</a:t>
             </a:fld>
             <a:endParaRPr lang="en-US"/>
           </a:p>
@@ -555,7 +557,7 @@
           <a:p>
             <a:fld id="{AD5C0D2C-FC79-4881-900B-A227C6589BC3}" type="slidenum">
               <a:rPr lang="en-US" smtClean="0"/>
-              <a:t>23</a:t>
+              <a:t>25</a:t>
             </a:fld>
             <a:endParaRPr lang="en-US"/>
           </a:p>
@@ -705,7 +707,7 @@
           <a:p>
             <a:fld id="{0A968979-5CB5-4E5D-B82F-DAC09775BD7D}" type="datetimeFigureOut">
               <a:rPr lang="en-US" smtClean="0"/>
-              <a:t>2022-08-18</a:t>
+              <a:t>2022-08-19</a:t>
             </a:fld>
             <a:endParaRPr lang="en-US"/>
           </a:p>
@@ -875,7 +877,7 @@
           <a:p>
             <a:fld id="{0A968979-5CB5-4E5D-B82F-DAC09775BD7D}" type="datetimeFigureOut">
               <a:rPr lang="en-US" smtClean="0"/>
-              <a:t>2022-08-18</a:t>
+              <a:t>2022-08-19</a:t>
             </a:fld>
             <a:endParaRPr lang="en-US"/>
           </a:p>
@@ -1055,7 +1057,7 @@
           <a:p>
             <a:fld id="{0A968979-5CB5-4E5D-B82F-DAC09775BD7D}" type="datetimeFigureOut">
               <a:rPr lang="en-US" smtClean="0"/>
-              <a:t>2022-08-18</a:t>
+              <a:t>2022-08-19</a:t>
             </a:fld>
             <a:endParaRPr lang="en-US"/>
           </a:p>
@@ -1225,7 +1227,7 @@
           <a:p>
             <a:fld id="{0A968979-5CB5-4E5D-B82F-DAC09775BD7D}" type="datetimeFigureOut">
               <a:rPr lang="en-US" smtClean="0"/>
-              <a:t>2022-08-18</a:t>
+              <a:t>2022-08-19</a:t>
             </a:fld>
             <a:endParaRPr lang="en-US"/>
           </a:p>
@@ -1471,7 +1473,7 @@
           <a:p>
             <a:fld id="{0A968979-5CB5-4E5D-B82F-DAC09775BD7D}" type="datetimeFigureOut">
               <a:rPr lang="en-US" smtClean="0"/>
-              <a:t>2022-08-18</a:t>
+              <a:t>2022-08-19</a:t>
             </a:fld>
             <a:endParaRPr lang="en-US"/>
           </a:p>
@@ -1703,7 +1705,7 @@
           <a:p>
             <a:fld id="{0A968979-5CB5-4E5D-B82F-DAC09775BD7D}" type="datetimeFigureOut">
               <a:rPr lang="en-US" smtClean="0"/>
-              <a:t>2022-08-18</a:t>
+              <a:t>2022-08-19</a:t>
             </a:fld>
             <a:endParaRPr lang="en-US"/>
           </a:p>
@@ -2070,7 +2072,7 @@
           <a:p>
             <a:fld id="{0A968979-5CB5-4E5D-B82F-DAC09775BD7D}" type="datetimeFigureOut">
               <a:rPr lang="en-US" smtClean="0"/>
-              <a:t>2022-08-18</a:t>
+              <a:t>2022-08-19</a:t>
             </a:fld>
             <a:endParaRPr lang="en-US"/>
           </a:p>
@@ -2188,7 +2190,7 @@
           <a:p>
             <a:fld id="{0A968979-5CB5-4E5D-B82F-DAC09775BD7D}" type="datetimeFigureOut">
               <a:rPr lang="en-US" smtClean="0"/>
-              <a:t>2022-08-18</a:t>
+              <a:t>2022-08-19</a:t>
             </a:fld>
             <a:endParaRPr lang="en-US"/>
           </a:p>
@@ -2283,7 +2285,7 @@
           <a:p>
             <a:fld id="{0A968979-5CB5-4E5D-B82F-DAC09775BD7D}" type="datetimeFigureOut">
               <a:rPr lang="en-US" smtClean="0"/>
-              <a:t>2022-08-18</a:t>
+              <a:t>2022-08-19</a:t>
             </a:fld>
             <a:endParaRPr lang="en-US"/>
           </a:p>
@@ -2560,7 +2562,7 @@
           <a:p>
             <a:fld id="{0A968979-5CB5-4E5D-B82F-DAC09775BD7D}" type="datetimeFigureOut">
               <a:rPr lang="en-US" smtClean="0"/>
-              <a:t>2022-08-18</a:t>
+              <a:t>2022-08-19</a:t>
             </a:fld>
             <a:endParaRPr lang="en-US"/>
           </a:p>
@@ -2817,7 +2819,7 @@
           <a:p>
             <a:fld id="{0A968979-5CB5-4E5D-B82F-DAC09775BD7D}" type="datetimeFigureOut">
               <a:rPr lang="en-US" smtClean="0"/>
-              <a:t>2022-08-18</a:t>
+              <a:t>2022-08-19</a:t>
             </a:fld>
             <a:endParaRPr lang="en-US"/>
           </a:p>
@@ -3030,7 +3032,7 @@
           <a:p>
             <a:fld id="{0A968979-5CB5-4E5D-B82F-DAC09775BD7D}" type="datetimeFigureOut">
               <a:rPr lang="en-US" smtClean="0"/>
-              <a:t>2022-08-18</a:t>
+              <a:t>2022-08-19</a:t>
             </a:fld>
             <a:endParaRPr lang="en-US"/>
           </a:p>
@@ -5433,8 +5435,8 @@
         </p:nvSpPr>
         <p:spPr>
           <a:xfrm>
-            <a:off x="564629" y="1199213"/>
-            <a:ext cx="11062741" cy="5411446"/>
+            <a:off x="960572" y="1275080"/>
+            <a:ext cx="9774233" cy="5010150"/>
           </a:xfrm>
         </p:spPr>
         <p:txBody>
@@ -5461,12 +5463,41 @@
               </a:rPr>
               <a:t>Redirect</a:t>
             </a:r>
+            <a:br>
+              <a:rPr lang="en-US" sz="2800" dirty="0"/>
+            </a:br>
+            <a:r>
+              <a:rPr lang="en-US" dirty="0">
+                <a:effectLst>
+                  <a:outerShdw blurRad="38100" dist="38100" dir="2700000" algn="tl">
+                    <a:srgbClr val="000000">
+                      <a:alpha val="43137"/>
+                    </a:srgbClr>
+                  </a:outerShdw>
+                </a:effectLst>
+                <a:latin typeface="Sylfaen" panose="010A0502050306030303" pitchFamily="18" charset="0"/>
+              </a:rPr>
+              <a:t>Redirect happen on the client side</a:t>
+            </a:r>
           </a:p>
           <a:p>
             <a:pPr marL="0" indent="0">
               <a:buNone/>
             </a:pPr>
             <a:r>
+              <a:rPr lang="en-US" dirty="0">
+                <a:effectLst>
+                  <a:outerShdw blurRad="38100" dist="38100" dir="2700000" algn="tl">
+                    <a:srgbClr val="000000">
+                      <a:alpha val="43137"/>
+                    </a:srgbClr>
+                  </a:outerShdw>
+                </a:effectLst>
+                <a:latin typeface="Sylfaen" panose="010A0502050306030303" pitchFamily="18" charset="0"/>
+              </a:rPr>
+              <a:t>Redirect changes </a:t>
+            </a:r>
+            <a:r>
               <a:rPr lang="en-US" dirty="0" err="1">
                 <a:effectLst>
                   <a:outerShdw blurRad="38100" dist="38100" dir="2700000" algn="tl">
@@ -5477,33 +5508,20 @@
                 </a:effectLst>
                 <a:latin typeface="Sylfaen" panose="010A0502050306030303" pitchFamily="18" charset="0"/>
               </a:rPr>
-              <a:t>httpServletResponse</a:t>
-            </a:r>
-            <a:r>
-              <a:rPr lang="en-US" sz="3400" dirty="0" err="1">
-                <a:effectLst>
-                  <a:outerShdw blurRad="38100" dist="38100" dir="2700000" algn="tl">
-                    <a:srgbClr val="000000">
-                      <a:alpha val="43137"/>
-                    </a:srgbClr>
-                  </a:outerShdw>
-                </a:effectLst>
-                <a:latin typeface="Sylfaen" panose="010A0502050306030303" pitchFamily="18" charset="0"/>
-              </a:rPr>
-              <a:t>.sendRedirect</a:t>
-            </a:r>
-            <a:r>
-              <a:rPr lang="en-US" sz="3400" dirty="0">
-                <a:effectLst>
-                  <a:outerShdw blurRad="38100" dist="38100" dir="2700000" algn="tl">
-                    <a:srgbClr val="000000">
-                      <a:alpha val="43137"/>
-                    </a:srgbClr>
-                  </a:outerShdw>
-                </a:effectLst>
-                <a:latin typeface="Sylfaen" panose="010A0502050306030303" pitchFamily="18" charset="0"/>
-              </a:rPr>
-              <a:t>(String resource)</a:t>
+              <a:t>url</a:t>
+            </a:r>
+            <a:r>
+              <a:rPr lang="en-US" dirty="0">
+                <a:effectLst>
+                  <a:outerShdw blurRad="38100" dist="38100" dir="2700000" algn="tl">
+                    <a:srgbClr val="000000">
+                      <a:alpha val="43137"/>
+                    </a:srgbClr>
+                  </a:outerShdw>
+                </a:effectLst>
+                <a:latin typeface="Sylfaen" panose="010A0502050306030303" pitchFamily="18" charset="0"/>
+              </a:rPr>
+              <a:t> in browser</a:t>
             </a:r>
           </a:p>
           <a:p>
@@ -5559,19 +5577,19 @@
               <a:buNone/>
             </a:pPr>
             <a:r>
-              <a:rPr lang="hy-AM" dirty="0">
-                <a:effectLst>
-                  <a:outerShdw blurRad="38100" dist="38100" dir="2700000" algn="tl">
-                    <a:srgbClr val="000000">
-                      <a:alpha val="43137"/>
-                    </a:srgbClr>
-                  </a:outerShdw>
-                </a:effectLst>
-                <a:latin typeface="Sylfaen" panose="010A0502050306030303" pitchFamily="18" charset="0"/>
-              </a:rPr>
-              <a:t>RequestDispatcher</a:t>
-            </a:r>
-            <a:endParaRPr lang="en-US" dirty="0">
+              <a:rPr lang="en-US" dirty="0">
+                <a:effectLst>
+                  <a:outerShdw blurRad="38100" dist="38100" dir="2700000" algn="tl">
+                    <a:srgbClr val="000000">
+                      <a:alpha val="43137"/>
+                    </a:srgbClr>
+                  </a:outerShdw>
+                </a:effectLst>
+                <a:latin typeface="Sylfaen" panose="010A0502050306030303" pitchFamily="18" charset="0"/>
+              </a:rPr>
+              <a:t>Forward happen on the server</a:t>
+            </a:r>
+            <a:endParaRPr lang="ru-RU" dirty="0">
               <a:effectLst>
                 <a:outerShdw blurRad="38100" dist="38100" dir="2700000" algn="tl">
                   <a:srgbClr val="000000">
@@ -5587,6 +5605,45 @@
               <a:buNone/>
             </a:pPr>
             <a:r>
+              <a:rPr lang="en-US" dirty="0">
+                <a:effectLst>
+                  <a:outerShdw blurRad="38100" dist="38100" dir="2700000" algn="tl">
+                    <a:srgbClr val="000000">
+                      <a:alpha val="43137"/>
+                    </a:srgbClr>
+                  </a:outerShdw>
+                </a:effectLst>
+                <a:latin typeface="Sylfaen" panose="010A0502050306030303" pitchFamily="18" charset="0"/>
+              </a:rPr>
+              <a:t>Forward</a:t>
+            </a:r>
+            <a:r>
+              <a:rPr lang="ru-RU" dirty="0">
+                <a:effectLst>
+                  <a:outerShdw blurRad="38100" dist="38100" dir="2700000" algn="tl">
+                    <a:srgbClr val="000000">
+                      <a:alpha val="43137"/>
+                    </a:srgbClr>
+                  </a:outerShdw>
+                </a:effectLst>
+                <a:latin typeface="Sylfaen" panose="010A0502050306030303" pitchFamily="18" charset="0"/>
+              </a:rPr>
+              <a:t> </a:t>
+            </a:r>
+            <a:r>
+              <a:rPr lang="en-US" dirty="0">
+                <a:effectLst>
+                  <a:outerShdw blurRad="38100" dist="38100" dir="2700000" algn="tl">
+                    <a:srgbClr val="000000">
+                      <a:alpha val="43137"/>
+                    </a:srgbClr>
+                  </a:outerShdw>
+                </a:effectLst>
+                <a:latin typeface="Sylfaen" panose="010A0502050306030303" pitchFamily="18" charset="0"/>
+              </a:rPr>
+              <a:t>doesn’t change </a:t>
+            </a:r>
+            <a:r>
               <a:rPr lang="en-US" dirty="0" err="1">
                 <a:effectLst>
                   <a:outerShdw blurRad="38100" dist="38100" dir="2700000" algn="tl">
@@ -5597,7 +5654,7 @@
                 </a:effectLst>
                 <a:latin typeface="Sylfaen" panose="010A0502050306030303" pitchFamily="18" charset="0"/>
               </a:rPr>
-              <a:t>httpServletRequest</a:t>
+              <a:t>url</a:t>
             </a:r>
             <a:r>
               <a:rPr lang="en-US" dirty="0">
@@ -5610,173 +5667,7 @@
                 </a:effectLst>
                 <a:latin typeface="Sylfaen" panose="010A0502050306030303" pitchFamily="18" charset="0"/>
               </a:rPr>
-              <a:t>.</a:t>
-            </a:r>
-            <a:r>
-              <a:rPr lang="hy-AM" dirty="0">
-                <a:effectLst>
-                  <a:outerShdw blurRad="38100" dist="38100" dir="2700000" algn="tl">
-                    <a:srgbClr val="000000">
-                      <a:alpha val="43137"/>
-                    </a:srgbClr>
-                  </a:outerShdw>
-                </a:effectLst>
-                <a:latin typeface="Sylfaen" panose="010A0502050306030303" pitchFamily="18" charset="0"/>
-              </a:rPr>
-              <a:t>getRequestDispatcher</a:t>
-            </a:r>
-            <a:r>
-              <a:rPr lang="en-US" dirty="0">
-                <a:effectLst>
-                  <a:outerShdw blurRad="38100" dist="38100" dir="2700000" algn="tl">
-                    <a:srgbClr val="000000">
-                      <a:alpha val="43137"/>
-                    </a:srgbClr>
-                  </a:outerShdw>
-                </a:effectLst>
-                <a:latin typeface="Sylfaen" panose="010A0502050306030303" pitchFamily="18" charset="0"/>
-              </a:rPr>
-              <a:t>(String resource)</a:t>
-            </a:r>
-          </a:p>
-          <a:p>
-            <a:pPr marL="0" indent="0">
-              <a:buNone/>
-            </a:pPr>
-            <a:r>
-              <a:rPr lang="en-US" dirty="0" err="1">
-                <a:effectLst>
-                  <a:outerShdw blurRad="38100" dist="38100" dir="2700000" algn="tl">
-                    <a:srgbClr val="000000">
-                      <a:alpha val="43137"/>
-                    </a:srgbClr>
-                  </a:outerShdw>
-                </a:effectLst>
-                <a:latin typeface="Sylfaen" panose="010A0502050306030303" pitchFamily="18" charset="0"/>
-              </a:rPr>
-              <a:t>servletContext</a:t>
-            </a:r>
-            <a:r>
-              <a:rPr lang="en-US" dirty="0">
-                <a:effectLst>
-                  <a:outerShdw blurRad="38100" dist="38100" dir="2700000" algn="tl">
-                    <a:srgbClr val="000000">
-                      <a:alpha val="43137"/>
-                    </a:srgbClr>
-                  </a:outerShdw>
-                </a:effectLst>
-                <a:latin typeface="Sylfaen" panose="010A0502050306030303" pitchFamily="18" charset="0"/>
-              </a:rPr>
-              <a:t>.</a:t>
-            </a:r>
-            <a:r>
-              <a:rPr lang="hy-AM" dirty="0">
-                <a:effectLst>
-                  <a:outerShdw blurRad="38100" dist="38100" dir="2700000" algn="tl">
-                    <a:srgbClr val="000000">
-                      <a:alpha val="43137"/>
-                    </a:srgbClr>
-                  </a:outerShdw>
-                </a:effectLst>
-                <a:latin typeface="Sylfaen" panose="010A0502050306030303" pitchFamily="18" charset="0"/>
-              </a:rPr>
-              <a:t>getRequestDispatcher</a:t>
-            </a:r>
-            <a:r>
-              <a:rPr lang="en-US" dirty="0">
-                <a:effectLst>
-                  <a:outerShdw blurRad="38100" dist="38100" dir="2700000" algn="tl">
-                    <a:srgbClr val="000000">
-                      <a:alpha val="43137"/>
-                    </a:srgbClr>
-                  </a:outerShdw>
-                </a:effectLst>
-                <a:latin typeface="Sylfaen" panose="010A0502050306030303" pitchFamily="18" charset="0"/>
-              </a:rPr>
-              <a:t>(String resource)</a:t>
-            </a:r>
-          </a:p>
-          <a:p>
-            <a:pPr marL="0" indent="0">
-              <a:buNone/>
-            </a:pPr>
-            <a:r>
-              <a:rPr lang="en-US" dirty="0" err="1">
-                <a:effectLst>
-                  <a:outerShdw blurRad="38100" dist="38100" dir="2700000" algn="tl">
-                    <a:srgbClr val="000000">
-                      <a:alpha val="43137"/>
-                    </a:srgbClr>
-                  </a:outerShdw>
-                </a:effectLst>
-                <a:latin typeface="Sylfaen" panose="010A0502050306030303" pitchFamily="18" charset="0"/>
-              </a:rPr>
-              <a:t>requestDispatcher.forward</a:t>
-            </a:r>
-            <a:r>
-              <a:rPr lang="en-US" dirty="0">
-                <a:effectLst>
-                  <a:outerShdw blurRad="38100" dist="38100" dir="2700000" algn="tl">
-                    <a:srgbClr val="000000">
-                      <a:alpha val="43137"/>
-                    </a:srgbClr>
-                  </a:outerShdw>
-                </a:effectLst>
-                <a:latin typeface="Sylfaen" panose="010A0502050306030303" pitchFamily="18" charset="0"/>
-              </a:rPr>
-              <a:t>(</a:t>
-            </a:r>
-            <a:r>
-              <a:rPr lang="en-US" dirty="0" err="1">
-                <a:effectLst>
-                  <a:outerShdw blurRad="38100" dist="38100" dir="2700000" algn="tl">
-                    <a:srgbClr val="000000">
-                      <a:alpha val="43137"/>
-                    </a:srgbClr>
-                  </a:outerShdw>
-                </a:effectLst>
-                <a:latin typeface="Sylfaen" panose="010A0502050306030303" pitchFamily="18" charset="0"/>
-              </a:rPr>
-              <a:t>rquest</a:t>
-            </a:r>
-            <a:r>
-              <a:rPr lang="en-US" dirty="0">
-                <a:effectLst>
-                  <a:outerShdw blurRad="38100" dist="38100" dir="2700000" algn="tl">
-                    <a:srgbClr val="000000">
-                      <a:alpha val="43137"/>
-                    </a:srgbClr>
-                  </a:outerShdw>
-                </a:effectLst>
-                <a:latin typeface="Sylfaen" panose="010A0502050306030303" pitchFamily="18" charset="0"/>
-              </a:rPr>
-              <a:t>, </a:t>
-            </a:r>
-            <a:r>
-              <a:rPr lang="en-US" dirty="0" err="1">
-                <a:effectLst>
-                  <a:outerShdw blurRad="38100" dist="38100" dir="2700000" algn="tl">
-                    <a:srgbClr val="000000">
-                      <a:alpha val="43137"/>
-                    </a:srgbClr>
-                  </a:outerShdw>
-                </a:effectLst>
-                <a:latin typeface="Sylfaen" panose="010A0502050306030303" pitchFamily="18" charset="0"/>
-              </a:rPr>
-              <a:t>reponse</a:t>
-            </a:r>
-            <a:r>
-              <a:rPr lang="en-US" dirty="0">
-                <a:effectLst>
-                  <a:outerShdw blurRad="38100" dist="38100" dir="2700000" algn="tl">
-                    <a:srgbClr val="000000">
-                      <a:alpha val="43137"/>
-                    </a:srgbClr>
-                  </a:outerShdw>
-                </a:effectLst>
-                <a:latin typeface="Sylfaen" panose="010A0502050306030303" pitchFamily="18" charset="0"/>
-              </a:rPr>
-              <a:t>)</a:t>
+              <a:t> in browser</a:t>
             </a:r>
           </a:p>
           <a:p>
@@ -5882,6 +5773,325 @@
           <p:cNvPr id="2" name="Title 1">
             <a:extLst>
               <a:ext uri="{FF2B5EF4-FFF2-40B4-BE49-F238E27FC236}">
+                <a16:creationId xmlns:a16="http://schemas.microsoft.com/office/drawing/2014/main" id="{410E09BF-F36B-4CF2-85A2-2F80C668341F}"/>
+              </a:ext>
+            </a:extLst>
+          </p:cNvPr>
+          <p:cNvSpPr>
+            <a:spLocks noGrp="1"/>
+          </p:cNvSpPr>
+          <p:nvPr>
+            <p:ph type="title"/>
+          </p:nvPr>
+        </p:nvSpPr>
+        <p:spPr>
+          <a:xfrm>
+            <a:off x="833594" y="106596"/>
+            <a:ext cx="10515600" cy="1148882"/>
+          </a:xfrm>
+        </p:spPr>
+        <p:txBody>
+          <a:bodyPr/>
+          <a:lstStyle/>
+          <a:p>
+            <a:pPr algn="ctr"/>
+            <a:r>
+              <a:rPr lang="en-US" dirty="0">
+                <a:latin typeface="Sylfaen" panose="010A0502050306030303" pitchFamily="18" charset="0"/>
+              </a:rPr>
+              <a:t>Redirect</a:t>
+            </a:r>
+            <a:endParaRPr lang="en-US" dirty="0"/>
+          </a:p>
+        </p:txBody>
+      </p:sp>
+      <p:pic>
+        <p:nvPicPr>
+          <p:cNvPr id="6" name="Content Placeholder 5">
+            <a:extLst>
+              <a:ext uri="{FF2B5EF4-FFF2-40B4-BE49-F238E27FC236}">
+                <a16:creationId xmlns:a16="http://schemas.microsoft.com/office/drawing/2014/main" id="{8F8FE60A-FD03-465D-945C-1E149CBFD30D}"/>
+              </a:ext>
+            </a:extLst>
+          </p:cNvPr>
+          <p:cNvPicPr>
+            <a:picLocks noGrp="1" noChangeAspect="1"/>
+          </p:cNvPicPr>
+          <p:nvPr>
+            <p:ph idx="1"/>
+          </p:nvPr>
+        </p:nvPicPr>
+        <p:blipFill>
+          <a:blip r:embed="rId2">
+            <a:extLst>
+              <a:ext uri="{28A0092B-C50C-407E-A947-70E740481C1C}">
+                <a14:useLocalDpi xmlns:a14="http://schemas.microsoft.com/office/drawing/2010/main" val="0"/>
+              </a:ext>
+            </a:extLst>
+          </a:blip>
+          <a:stretch>
+            <a:fillRect/>
+          </a:stretch>
+        </p:blipFill>
+        <p:spPr>
+          <a:xfrm>
+            <a:off x="1981632" y="1404778"/>
+            <a:ext cx="8219523" cy="4846120"/>
+          </a:xfrm>
+        </p:spPr>
+      </p:pic>
+      <p:cxnSp>
+        <p:nvCxnSpPr>
+          <p:cNvPr id="4" name="Straight Connector 3">
+            <a:extLst>
+              <a:ext uri="{FF2B5EF4-FFF2-40B4-BE49-F238E27FC236}">
+                <a16:creationId xmlns:a16="http://schemas.microsoft.com/office/drawing/2014/main" id="{7606CCA9-8107-4996-92CF-102EB82D69CF}"/>
+              </a:ext>
+            </a:extLst>
+          </p:cNvPr>
+          <p:cNvCxnSpPr>
+            <a:cxnSpLocks/>
+          </p:cNvCxnSpPr>
+          <p:nvPr/>
+        </p:nvCxnSpPr>
+        <p:spPr>
+          <a:xfrm>
+            <a:off x="564629" y="1124266"/>
+            <a:ext cx="11053530" cy="0"/>
+          </a:xfrm>
+          <a:prstGeom prst="line">
+            <a:avLst/>
+          </a:prstGeom>
+        </p:spPr>
+        <p:style>
+          <a:lnRef idx="3">
+            <a:schemeClr val="accent1"/>
+          </a:lnRef>
+          <a:fillRef idx="0">
+            <a:schemeClr val="accent1"/>
+          </a:fillRef>
+          <a:effectRef idx="2">
+            <a:schemeClr val="accent1"/>
+          </a:effectRef>
+          <a:fontRef idx="minor">
+            <a:schemeClr val="tx1"/>
+          </a:fontRef>
+        </p:style>
+      </p:cxnSp>
+      <p:cxnSp>
+        <p:nvCxnSpPr>
+          <p:cNvPr id="8" name="Straight Arrow Connector 7">
+            <a:extLst>
+              <a:ext uri="{FF2B5EF4-FFF2-40B4-BE49-F238E27FC236}">
+                <a16:creationId xmlns:a16="http://schemas.microsoft.com/office/drawing/2014/main" id="{E625DE4B-3333-484D-BC8B-B13A8C9D9940}"/>
+              </a:ext>
+            </a:extLst>
+          </p:cNvPr>
+          <p:cNvCxnSpPr/>
+          <p:nvPr/>
+        </p:nvCxnSpPr>
+        <p:spPr>
+          <a:xfrm flipV="1">
+            <a:off x="4451927" y="3429000"/>
+            <a:ext cx="3426691" cy="2085109"/>
+          </a:xfrm>
+          <a:prstGeom prst="straightConnector1">
+            <a:avLst/>
+          </a:prstGeom>
+          <a:ln>
+            <a:tailEnd type="triangle"/>
+          </a:ln>
+        </p:spPr>
+        <p:style>
+          <a:lnRef idx="3">
+            <a:schemeClr val="dk1"/>
+          </a:lnRef>
+          <a:fillRef idx="0">
+            <a:schemeClr val="dk1"/>
+          </a:fillRef>
+          <a:effectRef idx="2">
+            <a:schemeClr val="dk1"/>
+          </a:effectRef>
+          <a:fontRef idx="minor">
+            <a:schemeClr val="tx1"/>
+          </a:fontRef>
+        </p:style>
+      </p:cxnSp>
+    </p:spTree>
+    <p:extLst>
+      <p:ext uri="{BB962C8B-B14F-4D97-AF65-F5344CB8AC3E}">
+        <p14:creationId xmlns:p14="http://schemas.microsoft.com/office/powerpoint/2010/main" val="1940386282"/>
+      </p:ext>
+    </p:extLst>
+  </p:cSld>
+  <p:clrMapOvr>
+    <a:masterClrMapping/>
+  </p:clrMapOvr>
+</p:sld>
+</file>
+
+<file path=ppt/slides/slide15.xml><?xml version="1.0" encoding="utf-8"?>
+<p:sld xmlns:a="http://schemas.openxmlformats.org/drawingml/2006/main" xmlns:r="http://schemas.openxmlformats.org/officeDocument/2006/relationships" xmlns:p="http://schemas.openxmlformats.org/presentationml/2006/main">
+  <p:cSld>
+    <p:spTree>
+      <p:nvGrpSpPr>
+        <p:cNvPr id="1" name=""/>
+        <p:cNvGrpSpPr/>
+        <p:nvPr/>
+      </p:nvGrpSpPr>
+      <p:grpSpPr>
+        <a:xfrm>
+          <a:off x="0" y="0"/>
+          <a:ext cx="0" cy="0"/>
+          <a:chOff x="0" y="0"/>
+          <a:chExt cx="0" cy="0"/>
+        </a:xfrm>
+      </p:grpSpPr>
+      <p:sp>
+        <p:nvSpPr>
+          <p:cNvPr id="2" name="Title 1">
+            <a:extLst>
+              <a:ext uri="{FF2B5EF4-FFF2-40B4-BE49-F238E27FC236}">
+                <a16:creationId xmlns:a16="http://schemas.microsoft.com/office/drawing/2014/main" id="{D5E3BAD1-B759-4031-BCCC-9D350F478456}"/>
+              </a:ext>
+            </a:extLst>
+          </p:cNvPr>
+          <p:cNvSpPr>
+            <a:spLocks noGrp="1"/>
+          </p:cNvSpPr>
+          <p:nvPr>
+            <p:ph type="title"/>
+          </p:nvPr>
+        </p:nvSpPr>
+        <p:spPr>
+          <a:xfrm>
+            <a:off x="838200" y="0"/>
+            <a:ext cx="10515600" cy="1325563"/>
+          </a:xfrm>
+        </p:spPr>
+        <p:txBody>
+          <a:bodyPr/>
+          <a:lstStyle/>
+          <a:p>
+            <a:pPr algn="ctr"/>
+            <a:r>
+              <a:rPr lang="en-US" dirty="0">
+                <a:latin typeface="Sylfaen" panose="010A0502050306030303" pitchFamily="18" charset="0"/>
+              </a:rPr>
+              <a:t>Forward</a:t>
+            </a:r>
+            <a:endParaRPr lang="en-US" dirty="0"/>
+          </a:p>
+        </p:txBody>
+      </p:sp>
+      <p:pic>
+        <p:nvPicPr>
+          <p:cNvPr id="6" name="Content Placeholder 5">
+            <a:extLst>
+              <a:ext uri="{FF2B5EF4-FFF2-40B4-BE49-F238E27FC236}">
+                <a16:creationId xmlns:a16="http://schemas.microsoft.com/office/drawing/2014/main" id="{12382CC4-047C-463B-84C0-A8D17B53A44F}"/>
+              </a:ext>
+            </a:extLst>
+          </p:cNvPr>
+          <p:cNvPicPr>
+            <a:picLocks noGrp="1" noChangeAspect="1"/>
+          </p:cNvPicPr>
+          <p:nvPr>
+            <p:ph idx="1"/>
+          </p:nvPr>
+        </p:nvPicPr>
+        <p:blipFill>
+          <a:blip r:embed="rId2">
+            <a:extLst>
+              <a:ext uri="{28A0092B-C50C-407E-A947-70E740481C1C}">
+                <a14:useLocalDpi xmlns:a14="http://schemas.microsoft.com/office/drawing/2010/main" val="0"/>
+              </a:ext>
+            </a:extLst>
+          </a:blip>
+          <a:stretch>
+            <a:fillRect/>
+          </a:stretch>
+        </p:blipFill>
+        <p:spPr>
+          <a:xfrm>
+            <a:off x="2033165" y="1575428"/>
+            <a:ext cx="8125670" cy="4659045"/>
+          </a:xfrm>
+        </p:spPr>
+      </p:pic>
+      <p:cxnSp>
+        <p:nvCxnSpPr>
+          <p:cNvPr id="4" name="Straight Connector 3">
+            <a:extLst>
+              <a:ext uri="{FF2B5EF4-FFF2-40B4-BE49-F238E27FC236}">
+                <a16:creationId xmlns:a16="http://schemas.microsoft.com/office/drawing/2014/main" id="{D60C4F24-28E8-4120-B3FD-0C2195803FDC}"/>
+              </a:ext>
+            </a:extLst>
+          </p:cNvPr>
+          <p:cNvCxnSpPr>
+            <a:cxnSpLocks/>
+          </p:cNvCxnSpPr>
+          <p:nvPr/>
+        </p:nvCxnSpPr>
+        <p:spPr>
+          <a:xfrm>
+            <a:off x="564629" y="1124266"/>
+            <a:ext cx="11053530" cy="0"/>
+          </a:xfrm>
+          <a:prstGeom prst="line">
+            <a:avLst/>
+          </a:prstGeom>
+        </p:spPr>
+        <p:style>
+          <a:lnRef idx="3">
+            <a:schemeClr val="accent1"/>
+          </a:lnRef>
+          <a:fillRef idx="0">
+            <a:schemeClr val="accent1"/>
+          </a:fillRef>
+          <a:effectRef idx="2">
+            <a:schemeClr val="accent1"/>
+          </a:effectRef>
+          <a:fontRef idx="minor">
+            <a:schemeClr val="tx1"/>
+          </a:fontRef>
+        </p:style>
+      </p:cxnSp>
+    </p:spTree>
+    <p:extLst>
+      <p:ext uri="{BB962C8B-B14F-4D97-AF65-F5344CB8AC3E}">
+        <p14:creationId xmlns:p14="http://schemas.microsoft.com/office/powerpoint/2010/main" val="3940814739"/>
+      </p:ext>
+    </p:extLst>
+  </p:cSld>
+  <p:clrMapOvr>
+    <a:masterClrMapping/>
+  </p:clrMapOvr>
+</p:sld>
+</file>
+
+<file path=ppt/slides/slide16.xml><?xml version="1.0" encoding="utf-8"?>
+<p:sld xmlns:a="http://schemas.openxmlformats.org/drawingml/2006/main" xmlns:r="http://schemas.openxmlformats.org/officeDocument/2006/relationships" xmlns:p="http://schemas.openxmlformats.org/presentationml/2006/main">
+  <p:cSld>
+    <p:spTree>
+      <p:nvGrpSpPr>
+        <p:cNvPr id="1" name=""/>
+        <p:cNvGrpSpPr/>
+        <p:nvPr/>
+      </p:nvGrpSpPr>
+      <p:grpSpPr>
+        <a:xfrm>
+          <a:off x="0" y="0"/>
+          <a:ext cx="0" cy="0"/>
+          <a:chOff x="0" y="0"/>
+          <a:chExt cx="0" cy="0"/>
+        </a:xfrm>
+      </p:grpSpPr>
+      <p:sp>
+        <p:nvSpPr>
+          <p:cNvPr id="2" name="Title 1">
+            <a:extLst>
+              <a:ext uri="{FF2B5EF4-FFF2-40B4-BE49-F238E27FC236}">
                 <a16:creationId xmlns:a16="http://schemas.microsoft.com/office/drawing/2014/main" id="{7069C297-C6C8-40C1-BE7E-94C3D1D4C108}"/>
               </a:ext>
             </a:extLst>
@@ -6569,7 +6779,7 @@
 </p:sld>
 </file>
 
-<file path=ppt/slides/slide15.xml><?xml version="1.0" encoding="utf-8"?>
+<file path=ppt/slides/slide17.xml><?xml version="1.0" encoding="utf-8"?>
 <p:sld xmlns:a="http://schemas.openxmlformats.org/drawingml/2006/main" xmlns:r="http://schemas.openxmlformats.org/officeDocument/2006/relationships" xmlns:p="http://schemas.openxmlformats.org/presentationml/2006/main">
   <p:cSld>
     <p:spTree>
@@ -6709,7 +6919,7 @@
 </p:sld>
 </file>
 
-<file path=ppt/slides/slide16.xml><?xml version="1.0" encoding="utf-8"?>
+<file path=ppt/slides/slide18.xml><?xml version="1.0" encoding="utf-8"?>
 <p:sld xmlns:a="http://schemas.openxmlformats.org/drawingml/2006/main" xmlns:r="http://schemas.openxmlformats.org/officeDocument/2006/relationships" xmlns:p="http://schemas.openxmlformats.org/presentationml/2006/main">
   <p:cSld>
     <p:spTree>
@@ -7564,7 +7774,7 @@
 </p:sld>
 </file>
 
-<file path=ppt/slides/slide17.xml><?xml version="1.0" encoding="utf-8"?>
+<file path=ppt/slides/slide19.xml><?xml version="1.0" encoding="utf-8"?>
 <p:sld xmlns:a="http://schemas.openxmlformats.org/drawingml/2006/main" xmlns:r="http://schemas.openxmlformats.org/officeDocument/2006/relationships" xmlns:p="http://schemas.openxmlformats.org/presentationml/2006/main">
   <p:cSld>
     <p:spTree>
@@ -8215,7 +8425,329 @@
 </p:sld>
 </file>
 
-<file path=ppt/slides/slide18.xml><?xml version="1.0" encoding="utf-8"?>
+<file path=ppt/slides/slide2.xml><?xml version="1.0" encoding="utf-8"?>
+<p:sld xmlns:a="http://schemas.openxmlformats.org/drawingml/2006/main" xmlns:r="http://schemas.openxmlformats.org/officeDocument/2006/relationships" xmlns:p="http://schemas.openxmlformats.org/presentationml/2006/main">
+  <p:cSld>
+    <p:spTree>
+      <p:nvGrpSpPr>
+        <p:cNvPr id="1" name=""/>
+        <p:cNvGrpSpPr/>
+        <p:nvPr/>
+      </p:nvGrpSpPr>
+      <p:grpSpPr>
+        <a:xfrm>
+          <a:off x="0" y="0"/>
+          <a:ext cx="0" cy="0"/>
+          <a:chOff x="0" y="0"/>
+          <a:chExt cx="0" cy="0"/>
+        </a:xfrm>
+      </p:grpSpPr>
+      <p:sp>
+        <p:nvSpPr>
+          <p:cNvPr id="4" name="Rectangle 1">
+            <a:extLst>
+              <a:ext uri="{FF2B5EF4-FFF2-40B4-BE49-F238E27FC236}">
+                <a16:creationId xmlns:a16="http://schemas.microsoft.com/office/drawing/2014/main" id="{F1AAB021-AEB5-414E-AF4B-825217D25FEF}"/>
+              </a:ext>
+            </a:extLst>
+          </p:cNvPr>
+          <p:cNvSpPr>
+            <a:spLocks noGrp="1" noChangeArrowheads="1"/>
+          </p:cNvSpPr>
+          <p:nvPr>
+            <p:ph type="title"/>
+          </p:nvPr>
+        </p:nvSpPr>
+        <p:spPr bwMode="auto">
+          <a:xfrm>
+            <a:off x="1064974" y="210070"/>
+            <a:ext cx="10062050" cy="769441"/>
+          </a:xfrm>
+          <a:prstGeom prst="rect">
+            <a:avLst/>
+          </a:prstGeom>
+          <a:noFill/>
+          <a:ln>
+            <a:noFill/>
+          </a:ln>
+          <a:effectLst/>
+          <a:extLst>
+            <a:ext uri="{909E8E84-426E-40DD-AFC4-6F175D3DCCD1}">
+              <a14:hiddenFill xmlns:a14="http://schemas.microsoft.com/office/drawing/2010/main">
+                <a:solidFill>
+                  <a:schemeClr val="accent1"/>
+                </a:solidFill>
+              </a14:hiddenFill>
+            </a:ext>
+            <a:ext uri="{91240B29-F687-4F45-9708-019B960494DF}">
+              <a14:hiddenLine xmlns:a14="http://schemas.microsoft.com/office/drawing/2010/main" w="9525">
+                <a:solidFill>
+                  <a:schemeClr val="tx1"/>
+                </a:solidFill>
+                <a:miter lim="800000"/>
+                <a:headEnd/>
+                <a:tailEnd/>
+              </a14:hiddenLine>
+            </a:ext>
+            <a:ext uri="{AF507438-7753-43E0-B8FC-AC1667EBCBE1}">
+              <a14:hiddenEffects xmlns:a14="http://schemas.microsoft.com/office/drawing/2010/main">
+                <a:effectLst>
+                  <a:outerShdw dist="35921" dir="2700000" algn="ctr" rotWithShape="0">
+                    <a:schemeClr val="bg2"/>
+                  </a:outerShdw>
+                </a:effectLst>
+              </a14:hiddenEffects>
+            </a:ext>
+          </a:extLst>
+        </p:spPr>
+        <p:txBody>
+          <a:bodyPr vert="horz" wrap="none" lIns="0" tIns="0" rIns="0" bIns="0" numCol="1" anchor="ctr" anchorCtr="0" compatLnSpc="1">
+            <a:prstTxWarp prst="textNoShape">
+              <a:avLst/>
+            </a:prstTxWarp>
+            <a:spAutoFit/>
+          </a:bodyPr>
+          <a:lstStyle>
+            <a:lvl1pPr eaLnBrk="0" fontAlgn="base" hangingPunct="0">
+              <a:spcBef>
+                <a:spcPct val="0"/>
+              </a:spcBef>
+              <a:spcAft>
+                <a:spcPct val="0"/>
+              </a:spcAft>
+              <a:defRPr>
+                <a:solidFill>
+                  <a:schemeClr val="tx1"/>
+                </a:solidFill>
+                <a:latin typeface="Arial" panose="020B0604020202020204" pitchFamily="34" charset="0"/>
+              </a:defRPr>
+            </a:lvl1pPr>
+            <a:lvl2pPr eaLnBrk="0" fontAlgn="base" hangingPunct="0">
+              <a:spcBef>
+                <a:spcPct val="0"/>
+              </a:spcBef>
+              <a:spcAft>
+                <a:spcPct val="0"/>
+              </a:spcAft>
+              <a:defRPr>
+                <a:solidFill>
+                  <a:schemeClr val="tx1"/>
+                </a:solidFill>
+                <a:latin typeface="Arial" panose="020B0604020202020204" pitchFamily="34" charset="0"/>
+              </a:defRPr>
+            </a:lvl2pPr>
+            <a:lvl3pPr eaLnBrk="0" fontAlgn="base" hangingPunct="0">
+              <a:spcBef>
+                <a:spcPct val="0"/>
+              </a:spcBef>
+              <a:spcAft>
+                <a:spcPct val="0"/>
+              </a:spcAft>
+              <a:defRPr>
+                <a:solidFill>
+                  <a:schemeClr val="tx1"/>
+                </a:solidFill>
+                <a:latin typeface="Arial" panose="020B0604020202020204" pitchFamily="34" charset="0"/>
+              </a:defRPr>
+            </a:lvl3pPr>
+            <a:lvl4pPr eaLnBrk="0" fontAlgn="base" hangingPunct="0">
+              <a:spcBef>
+                <a:spcPct val="0"/>
+              </a:spcBef>
+              <a:spcAft>
+                <a:spcPct val="0"/>
+              </a:spcAft>
+              <a:defRPr>
+                <a:solidFill>
+                  <a:schemeClr val="tx1"/>
+                </a:solidFill>
+                <a:latin typeface="Arial" panose="020B0604020202020204" pitchFamily="34" charset="0"/>
+              </a:defRPr>
+            </a:lvl4pPr>
+            <a:lvl5pPr eaLnBrk="0" fontAlgn="base" hangingPunct="0">
+              <a:spcBef>
+                <a:spcPct val="0"/>
+              </a:spcBef>
+              <a:spcAft>
+                <a:spcPct val="0"/>
+              </a:spcAft>
+              <a:defRPr>
+                <a:solidFill>
+                  <a:schemeClr val="tx1"/>
+                </a:solidFill>
+                <a:latin typeface="Arial" panose="020B0604020202020204" pitchFamily="34" charset="0"/>
+              </a:defRPr>
+            </a:lvl5pPr>
+            <a:lvl6pPr eaLnBrk="0" fontAlgn="base" hangingPunct="0">
+              <a:spcBef>
+                <a:spcPct val="0"/>
+              </a:spcBef>
+              <a:spcAft>
+                <a:spcPct val="0"/>
+              </a:spcAft>
+              <a:defRPr>
+                <a:solidFill>
+                  <a:schemeClr val="tx1"/>
+                </a:solidFill>
+                <a:latin typeface="Arial" panose="020B0604020202020204" pitchFamily="34" charset="0"/>
+              </a:defRPr>
+            </a:lvl6pPr>
+            <a:lvl7pPr eaLnBrk="0" fontAlgn="base" hangingPunct="0">
+              <a:spcBef>
+                <a:spcPct val="0"/>
+              </a:spcBef>
+              <a:spcAft>
+                <a:spcPct val="0"/>
+              </a:spcAft>
+              <a:defRPr>
+                <a:solidFill>
+                  <a:schemeClr val="tx1"/>
+                </a:solidFill>
+                <a:latin typeface="Arial" panose="020B0604020202020204" pitchFamily="34" charset="0"/>
+              </a:defRPr>
+            </a:lvl7pPr>
+            <a:lvl8pPr eaLnBrk="0" fontAlgn="base" hangingPunct="0">
+              <a:spcBef>
+                <a:spcPct val="0"/>
+              </a:spcBef>
+              <a:spcAft>
+                <a:spcPct val="0"/>
+              </a:spcAft>
+              <a:defRPr>
+                <a:solidFill>
+                  <a:schemeClr val="tx1"/>
+                </a:solidFill>
+                <a:latin typeface="Arial" panose="020B0604020202020204" pitchFamily="34" charset="0"/>
+              </a:defRPr>
+            </a:lvl8pPr>
+            <a:lvl9pPr eaLnBrk="0" fontAlgn="base" hangingPunct="0">
+              <a:spcBef>
+                <a:spcPct val="0"/>
+              </a:spcBef>
+              <a:spcAft>
+                <a:spcPct val="0"/>
+              </a:spcAft>
+              <a:defRPr>
+                <a:solidFill>
+                  <a:schemeClr val="tx1"/>
+                </a:solidFill>
+                <a:latin typeface="Arial" panose="020B0604020202020204" pitchFamily="34" charset="0"/>
+              </a:defRPr>
+            </a:lvl9pPr>
+          </a:lstStyle>
+          <a:p>
+            <a:pPr marL="0" marR="0" lvl="0" indent="0" algn="ctr" defTabSz="914400" rtl="0" eaLnBrk="0" fontAlgn="base" latinLnBrk="0" hangingPunct="0">
+              <a:lnSpc>
+                <a:spcPct val="100000"/>
+              </a:lnSpc>
+              <a:spcBef>
+                <a:spcPct val="0"/>
+              </a:spcBef>
+              <a:spcAft>
+                <a:spcPct val="0"/>
+              </a:spcAft>
+              <a:buClrTx/>
+              <a:buSzTx/>
+              <a:buFontTx/>
+              <a:buNone/>
+              <a:tabLst/>
+            </a:pPr>
+            <a:r>
+              <a:rPr lang="en-US" altLang="en-US" sz="5000" dirty="0">
+                <a:latin typeface="Sylfaen" panose="010A0502050306030303" pitchFamily="18" charset="0"/>
+              </a:rPr>
+              <a:t>Interaction between client and server</a:t>
+            </a:r>
+          </a:p>
+        </p:txBody>
+      </p:sp>
+      <p:pic>
+        <p:nvPicPr>
+          <p:cNvPr id="16" name="Content Placeholder 15">
+            <a:extLst>
+              <a:ext uri="{FF2B5EF4-FFF2-40B4-BE49-F238E27FC236}">
+                <a16:creationId xmlns:a16="http://schemas.microsoft.com/office/drawing/2014/main" id="{4934E1DF-B8F2-4FA7-877A-85F1DB524E2C}"/>
+              </a:ext>
+            </a:extLst>
+          </p:cNvPr>
+          <p:cNvPicPr>
+            <a:picLocks noGrp="1" noChangeAspect="1"/>
+          </p:cNvPicPr>
+          <p:nvPr>
+            <p:ph idx="1"/>
+          </p:nvPr>
+        </p:nvPicPr>
+        <p:blipFill>
+          <a:blip r:embed="rId2">
+            <a:extLst>
+              <a:ext uri="{28A0092B-C50C-407E-A947-70E740481C1C}">
+                <a14:useLocalDpi xmlns:a14="http://schemas.microsoft.com/office/drawing/2010/main" val="0"/>
+              </a:ext>
+            </a:extLst>
+          </a:blip>
+          <a:stretch>
+            <a:fillRect/>
+          </a:stretch>
+        </p:blipFill>
+        <p:spPr>
+          <a:xfrm>
+            <a:off x="1410635" y="1666680"/>
+            <a:ext cx="9370729" cy="4376587"/>
+          </a:xfrm>
+        </p:spPr>
+      </p:pic>
+      <p:cxnSp>
+        <p:nvCxnSpPr>
+          <p:cNvPr id="17" name="Straight Connector 16">
+            <a:extLst>
+              <a:ext uri="{FF2B5EF4-FFF2-40B4-BE49-F238E27FC236}">
+                <a16:creationId xmlns:a16="http://schemas.microsoft.com/office/drawing/2014/main" id="{C14BC257-C9D1-4D66-9A7A-2B6E0C4A35AC}"/>
+              </a:ext>
+            </a:extLst>
+          </p:cNvPr>
+          <p:cNvCxnSpPr>
+            <a:cxnSpLocks/>
+          </p:cNvCxnSpPr>
+          <p:nvPr/>
+        </p:nvCxnSpPr>
+        <p:spPr>
+          <a:xfrm>
+            <a:off x="569234" y="1052576"/>
+            <a:ext cx="11053530" cy="0"/>
+          </a:xfrm>
+          <a:prstGeom prst="line">
+            <a:avLst/>
+          </a:prstGeom>
+        </p:spPr>
+        <p:style>
+          <a:lnRef idx="3">
+            <a:schemeClr val="accent1"/>
+          </a:lnRef>
+          <a:fillRef idx="0">
+            <a:schemeClr val="accent1"/>
+          </a:fillRef>
+          <a:effectRef idx="2">
+            <a:schemeClr val="accent1"/>
+          </a:effectRef>
+          <a:fontRef idx="minor">
+            <a:schemeClr val="tx1"/>
+          </a:fontRef>
+        </p:style>
+      </p:cxnSp>
+    </p:spTree>
+    <p:extLst>
+      <p:ext uri="{BB962C8B-B14F-4D97-AF65-F5344CB8AC3E}">
+        <p14:creationId xmlns:p14="http://schemas.microsoft.com/office/powerpoint/2010/main" val="1123805365"/>
+      </p:ext>
+    </p:extLst>
+  </p:cSld>
+  <p:clrMapOvr>
+    <a:masterClrMapping/>
+  </p:clrMapOvr>
+</p:sld>
+</file>
+
+<file path=ppt/slides/slide20.xml><?xml version="1.0" encoding="utf-8"?>
 <p:sld xmlns:a="http://schemas.openxmlformats.org/drawingml/2006/main" xmlns:r="http://schemas.openxmlformats.org/officeDocument/2006/relationships" xmlns:p="http://schemas.openxmlformats.org/presentationml/2006/main">
   <p:cSld>
     <p:spTree>
@@ -8461,7 +8993,7 @@
 </p:sld>
 </file>
 
-<file path=ppt/slides/slide19.xml><?xml version="1.0" encoding="utf-8"?>
+<file path=ppt/slides/slide21.xml><?xml version="1.0" encoding="utf-8"?>
 <p:sld xmlns:a="http://schemas.openxmlformats.org/drawingml/2006/main" xmlns:r="http://schemas.openxmlformats.org/officeDocument/2006/relationships" xmlns:p="http://schemas.openxmlformats.org/presentationml/2006/main">
   <p:cSld>
     <p:spTree>
@@ -8653,329 +9185,7 @@
 </p:sld>
 </file>
 
-<file path=ppt/slides/slide2.xml><?xml version="1.0" encoding="utf-8"?>
-<p:sld xmlns:a="http://schemas.openxmlformats.org/drawingml/2006/main" xmlns:r="http://schemas.openxmlformats.org/officeDocument/2006/relationships" xmlns:p="http://schemas.openxmlformats.org/presentationml/2006/main">
-  <p:cSld>
-    <p:spTree>
-      <p:nvGrpSpPr>
-        <p:cNvPr id="1" name=""/>
-        <p:cNvGrpSpPr/>
-        <p:nvPr/>
-      </p:nvGrpSpPr>
-      <p:grpSpPr>
-        <a:xfrm>
-          <a:off x="0" y="0"/>
-          <a:ext cx="0" cy="0"/>
-          <a:chOff x="0" y="0"/>
-          <a:chExt cx="0" cy="0"/>
-        </a:xfrm>
-      </p:grpSpPr>
-      <p:sp>
-        <p:nvSpPr>
-          <p:cNvPr id="4" name="Rectangle 1">
-            <a:extLst>
-              <a:ext uri="{FF2B5EF4-FFF2-40B4-BE49-F238E27FC236}">
-                <a16:creationId xmlns:a16="http://schemas.microsoft.com/office/drawing/2014/main" id="{F1AAB021-AEB5-414E-AF4B-825217D25FEF}"/>
-              </a:ext>
-            </a:extLst>
-          </p:cNvPr>
-          <p:cNvSpPr>
-            <a:spLocks noGrp="1" noChangeArrowheads="1"/>
-          </p:cNvSpPr>
-          <p:nvPr>
-            <p:ph type="title"/>
-          </p:nvPr>
-        </p:nvSpPr>
-        <p:spPr bwMode="auto">
-          <a:xfrm>
-            <a:off x="1064974" y="210070"/>
-            <a:ext cx="10062050" cy="769441"/>
-          </a:xfrm>
-          <a:prstGeom prst="rect">
-            <a:avLst/>
-          </a:prstGeom>
-          <a:noFill/>
-          <a:ln>
-            <a:noFill/>
-          </a:ln>
-          <a:effectLst/>
-          <a:extLst>
-            <a:ext uri="{909E8E84-426E-40DD-AFC4-6F175D3DCCD1}">
-              <a14:hiddenFill xmlns:a14="http://schemas.microsoft.com/office/drawing/2010/main">
-                <a:solidFill>
-                  <a:schemeClr val="accent1"/>
-                </a:solidFill>
-              </a14:hiddenFill>
-            </a:ext>
-            <a:ext uri="{91240B29-F687-4F45-9708-019B960494DF}">
-              <a14:hiddenLine xmlns:a14="http://schemas.microsoft.com/office/drawing/2010/main" w="9525">
-                <a:solidFill>
-                  <a:schemeClr val="tx1"/>
-                </a:solidFill>
-                <a:miter lim="800000"/>
-                <a:headEnd/>
-                <a:tailEnd/>
-              </a14:hiddenLine>
-            </a:ext>
-            <a:ext uri="{AF507438-7753-43E0-B8FC-AC1667EBCBE1}">
-              <a14:hiddenEffects xmlns:a14="http://schemas.microsoft.com/office/drawing/2010/main">
-                <a:effectLst>
-                  <a:outerShdw dist="35921" dir="2700000" algn="ctr" rotWithShape="0">
-                    <a:schemeClr val="bg2"/>
-                  </a:outerShdw>
-                </a:effectLst>
-              </a14:hiddenEffects>
-            </a:ext>
-          </a:extLst>
-        </p:spPr>
-        <p:txBody>
-          <a:bodyPr vert="horz" wrap="none" lIns="0" tIns="0" rIns="0" bIns="0" numCol="1" anchor="ctr" anchorCtr="0" compatLnSpc="1">
-            <a:prstTxWarp prst="textNoShape">
-              <a:avLst/>
-            </a:prstTxWarp>
-            <a:spAutoFit/>
-          </a:bodyPr>
-          <a:lstStyle>
-            <a:lvl1pPr eaLnBrk="0" fontAlgn="base" hangingPunct="0">
-              <a:spcBef>
-                <a:spcPct val="0"/>
-              </a:spcBef>
-              <a:spcAft>
-                <a:spcPct val="0"/>
-              </a:spcAft>
-              <a:defRPr>
-                <a:solidFill>
-                  <a:schemeClr val="tx1"/>
-                </a:solidFill>
-                <a:latin typeface="Arial" panose="020B0604020202020204" pitchFamily="34" charset="0"/>
-              </a:defRPr>
-            </a:lvl1pPr>
-            <a:lvl2pPr eaLnBrk="0" fontAlgn="base" hangingPunct="0">
-              <a:spcBef>
-                <a:spcPct val="0"/>
-              </a:spcBef>
-              <a:spcAft>
-                <a:spcPct val="0"/>
-              </a:spcAft>
-              <a:defRPr>
-                <a:solidFill>
-                  <a:schemeClr val="tx1"/>
-                </a:solidFill>
-                <a:latin typeface="Arial" panose="020B0604020202020204" pitchFamily="34" charset="0"/>
-              </a:defRPr>
-            </a:lvl2pPr>
-            <a:lvl3pPr eaLnBrk="0" fontAlgn="base" hangingPunct="0">
-              <a:spcBef>
-                <a:spcPct val="0"/>
-              </a:spcBef>
-              <a:spcAft>
-                <a:spcPct val="0"/>
-              </a:spcAft>
-              <a:defRPr>
-                <a:solidFill>
-                  <a:schemeClr val="tx1"/>
-                </a:solidFill>
-                <a:latin typeface="Arial" panose="020B0604020202020204" pitchFamily="34" charset="0"/>
-              </a:defRPr>
-            </a:lvl3pPr>
-            <a:lvl4pPr eaLnBrk="0" fontAlgn="base" hangingPunct="0">
-              <a:spcBef>
-                <a:spcPct val="0"/>
-              </a:spcBef>
-              <a:spcAft>
-                <a:spcPct val="0"/>
-              </a:spcAft>
-              <a:defRPr>
-                <a:solidFill>
-                  <a:schemeClr val="tx1"/>
-                </a:solidFill>
-                <a:latin typeface="Arial" panose="020B0604020202020204" pitchFamily="34" charset="0"/>
-              </a:defRPr>
-            </a:lvl4pPr>
-            <a:lvl5pPr eaLnBrk="0" fontAlgn="base" hangingPunct="0">
-              <a:spcBef>
-                <a:spcPct val="0"/>
-              </a:spcBef>
-              <a:spcAft>
-                <a:spcPct val="0"/>
-              </a:spcAft>
-              <a:defRPr>
-                <a:solidFill>
-                  <a:schemeClr val="tx1"/>
-                </a:solidFill>
-                <a:latin typeface="Arial" panose="020B0604020202020204" pitchFamily="34" charset="0"/>
-              </a:defRPr>
-            </a:lvl5pPr>
-            <a:lvl6pPr eaLnBrk="0" fontAlgn="base" hangingPunct="0">
-              <a:spcBef>
-                <a:spcPct val="0"/>
-              </a:spcBef>
-              <a:spcAft>
-                <a:spcPct val="0"/>
-              </a:spcAft>
-              <a:defRPr>
-                <a:solidFill>
-                  <a:schemeClr val="tx1"/>
-                </a:solidFill>
-                <a:latin typeface="Arial" panose="020B0604020202020204" pitchFamily="34" charset="0"/>
-              </a:defRPr>
-            </a:lvl6pPr>
-            <a:lvl7pPr eaLnBrk="0" fontAlgn="base" hangingPunct="0">
-              <a:spcBef>
-                <a:spcPct val="0"/>
-              </a:spcBef>
-              <a:spcAft>
-                <a:spcPct val="0"/>
-              </a:spcAft>
-              <a:defRPr>
-                <a:solidFill>
-                  <a:schemeClr val="tx1"/>
-                </a:solidFill>
-                <a:latin typeface="Arial" panose="020B0604020202020204" pitchFamily="34" charset="0"/>
-              </a:defRPr>
-            </a:lvl7pPr>
-            <a:lvl8pPr eaLnBrk="0" fontAlgn="base" hangingPunct="0">
-              <a:spcBef>
-                <a:spcPct val="0"/>
-              </a:spcBef>
-              <a:spcAft>
-                <a:spcPct val="0"/>
-              </a:spcAft>
-              <a:defRPr>
-                <a:solidFill>
-                  <a:schemeClr val="tx1"/>
-                </a:solidFill>
-                <a:latin typeface="Arial" panose="020B0604020202020204" pitchFamily="34" charset="0"/>
-              </a:defRPr>
-            </a:lvl8pPr>
-            <a:lvl9pPr eaLnBrk="0" fontAlgn="base" hangingPunct="0">
-              <a:spcBef>
-                <a:spcPct val="0"/>
-              </a:spcBef>
-              <a:spcAft>
-                <a:spcPct val="0"/>
-              </a:spcAft>
-              <a:defRPr>
-                <a:solidFill>
-                  <a:schemeClr val="tx1"/>
-                </a:solidFill>
-                <a:latin typeface="Arial" panose="020B0604020202020204" pitchFamily="34" charset="0"/>
-              </a:defRPr>
-            </a:lvl9pPr>
-          </a:lstStyle>
-          <a:p>
-            <a:pPr marL="0" marR="0" lvl="0" indent="0" algn="ctr" defTabSz="914400" rtl="0" eaLnBrk="0" fontAlgn="base" latinLnBrk="0" hangingPunct="0">
-              <a:lnSpc>
-                <a:spcPct val="100000"/>
-              </a:lnSpc>
-              <a:spcBef>
-                <a:spcPct val="0"/>
-              </a:spcBef>
-              <a:spcAft>
-                <a:spcPct val="0"/>
-              </a:spcAft>
-              <a:buClrTx/>
-              <a:buSzTx/>
-              <a:buFontTx/>
-              <a:buNone/>
-              <a:tabLst/>
-            </a:pPr>
-            <a:r>
-              <a:rPr lang="en-US" altLang="en-US" sz="5000" dirty="0">
-                <a:latin typeface="Sylfaen" panose="010A0502050306030303" pitchFamily="18" charset="0"/>
-              </a:rPr>
-              <a:t>Interaction between client and server</a:t>
-            </a:r>
-          </a:p>
-        </p:txBody>
-      </p:sp>
-      <p:pic>
-        <p:nvPicPr>
-          <p:cNvPr id="16" name="Content Placeholder 15">
-            <a:extLst>
-              <a:ext uri="{FF2B5EF4-FFF2-40B4-BE49-F238E27FC236}">
-                <a16:creationId xmlns:a16="http://schemas.microsoft.com/office/drawing/2014/main" id="{4934E1DF-B8F2-4FA7-877A-85F1DB524E2C}"/>
-              </a:ext>
-            </a:extLst>
-          </p:cNvPr>
-          <p:cNvPicPr>
-            <a:picLocks noGrp="1" noChangeAspect="1"/>
-          </p:cNvPicPr>
-          <p:nvPr>
-            <p:ph idx="1"/>
-          </p:nvPr>
-        </p:nvPicPr>
-        <p:blipFill>
-          <a:blip r:embed="rId2">
-            <a:extLst>
-              <a:ext uri="{28A0092B-C50C-407E-A947-70E740481C1C}">
-                <a14:useLocalDpi xmlns:a14="http://schemas.microsoft.com/office/drawing/2010/main" val="0"/>
-              </a:ext>
-            </a:extLst>
-          </a:blip>
-          <a:stretch>
-            <a:fillRect/>
-          </a:stretch>
-        </p:blipFill>
-        <p:spPr>
-          <a:xfrm>
-            <a:off x="1410635" y="1666680"/>
-            <a:ext cx="9370729" cy="4376587"/>
-          </a:xfrm>
-        </p:spPr>
-      </p:pic>
-      <p:cxnSp>
-        <p:nvCxnSpPr>
-          <p:cNvPr id="17" name="Straight Connector 16">
-            <a:extLst>
-              <a:ext uri="{FF2B5EF4-FFF2-40B4-BE49-F238E27FC236}">
-                <a16:creationId xmlns:a16="http://schemas.microsoft.com/office/drawing/2014/main" id="{C14BC257-C9D1-4D66-9A7A-2B6E0C4A35AC}"/>
-              </a:ext>
-            </a:extLst>
-          </p:cNvPr>
-          <p:cNvCxnSpPr>
-            <a:cxnSpLocks/>
-          </p:cNvCxnSpPr>
-          <p:nvPr/>
-        </p:nvCxnSpPr>
-        <p:spPr>
-          <a:xfrm>
-            <a:off x="569234" y="1052576"/>
-            <a:ext cx="11053530" cy="0"/>
-          </a:xfrm>
-          <a:prstGeom prst="line">
-            <a:avLst/>
-          </a:prstGeom>
-        </p:spPr>
-        <p:style>
-          <a:lnRef idx="3">
-            <a:schemeClr val="accent1"/>
-          </a:lnRef>
-          <a:fillRef idx="0">
-            <a:schemeClr val="accent1"/>
-          </a:fillRef>
-          <a:effectRef idx="2">
-            <a:schemeClr val="accent1"/>
-          </a:effectRef>
-          <a:fontRef idx="minor">
-            <a:schemeClr val="tx1"/>
-          </a:fontRef>
-        </p:style>
-      </p:cxnSp>
-    </p:spTree>
-    <p:extLst>
-      <p:ext uri="{BB962C8B-B14F-4D97-AF65-F5344CB8AC3E}">
-        <p14:creationId xmlns:p14="http://schemas.microsoft.com/office/powerpoint/2010/main" val="1123805365"/>
-      </p:ext>
-    </p:extLst>
-  </p:cSld>
-  <p:clrMapOvr>
-    <a:masterClrMapping/>
-  </p:clrMapOvr>
-</p:sld>
-</file>
-
-<file path=ppt/slides/slide20.xml><?xml version="1.0" encoding="utf-8"?>
+<file path=ppt/slides/slide22.xml><?xml version="1.0" encoding="utf-8"?>
 <p:sld xmlns:a="http://schemas.openxmlformats.org/drawingml/2006/main" xmlns:r="http://schemas.openxmlformats.org/officeDocument/2006/relationships" xmlns:p="http://schemas.openxmlformats.org/presentationml/2006/main">
   <p:cSld>
     <p:spTree>
@@ -9960,7 +10170,7 @@
 </p:sld>
 </file>
 
-<file path=ppt/slides/slide21.xml><?xml version="1.0" encoding="utf-8"?>
+<file path=ppt/slides/slide23.xml><?xml version="1.0" encoding="utf-8"?>
 <p:sld xmlns:a="http://schemas.openxmlformats.org/drawingml/2006/main" xmlns:r="http://schemas.openxmlformats.org/officeDocument/2006/relationships" xmlns:p="http://schemas.openxmlformats.org/presentationml/2006/main">
   <p:cSld>
     <p:spTree>
@@ -11052,7 +11262,7 @@
 </p:sld>
 </file>
 
-<file path=ppt/slides/slide22.xml><?xml version="1.0" encoding="utf-8"?>
+<file path=ppt/slides/slide24.xml><?xml version="1.0" encoding="utf-8"?>
 <p:sld xmlns:a="http://schemas.openxmlformats.org/drawingml/2006/main" xmlns:r="http://schemas.openxmlformats.org/officeDocument/2006/relationships" xmlns:p="http://schemas.openxmlformats.org/presentationml/2006/main">
   <p:cSld>
     <p:spTree>
@@ -11192,7 +11402,7 @@
 </p:sld>
 </file>
 
-<file path=ppt/slides/slide23.xml><?xml version="1.0" encoding="utf-8"?>
+<file path=ppt/slides/slide25.xml><?xml version="1.0" encoding="utf-8"?>
 <p:sld xmlns:a="http://schemas.openxmlformats.org/drawingml/2006/main" xmlns:r="http://schemas.openxmlformats.org/officeDocument/2006/relationships" xmlns:p="http://schemas.openxmlformats.org/presentationml/2006/main">
   <p:cSld>
     <p:spTree>
@@ -12016,7 +12226,7 @@
 </p:sld>
 </file>
 
-<file path=ppt/slides/slide24.xml><?xml version="1.0" encoding="utf-8"?>
+<file path=ppt/slides/slide26.xml><?xml version="1.0" encoding="utf-8"?>
 <p:sld xmlns:a="http://schemas.openxmlformats.org/drawingml/2006/main" xmlns:r="http://schemas.openxmlformats.org/officeDocument/2006/relationships" xmlns:p="http://schemas.openxmlformats.org/presentationml/2006/main">
   <p:cSld>
     <p:spTree>
@@ -12916,7 +13126,7 @@
 </p:sld>
 </file>
 
-<file path=ppt/slides/slide25.xml><?xml version="1.0" encoding="utf-8"?>
+<file path=ppt/slides/slide27.xml><?xml version="1.0" encoding="utf-8"?>
 <p:sld xmlns:a="http://schemas.openxmlformats.org/drawingml/2006/main" xmlns:r="http://schemas.openxmlformats.org/officeDocument/2006/relationships" xmlns:p="http://schemas.openxmlformats.org/presentationml/2006/main">
   <p:cSld>
     <p:spTree>
@@ -15534,7 +15744,7 @@
 </p:sld>
 </file>
 
-<file path=ppt/slides/slide26.xml><?xml version="1.0" encoding="utf-8"?>
+<file path=ppt/slides/slide28.xml><?xml version="1.0" encoding="utf-8"?>
 <p:sld xmlns:a="http://schemas.openxmlformats.org/drawingml/2006/main" xmlns:r="http://schemas.openxmlformats.org/officeDocument/2006/relationships" xmlns:p="http://schemas.openxmlformats.org/presentationml/2006/main">
   <p:cSld>
     <p:spTree>
@@ -17618,7 +17828,7 @@
 </p:sld>
 </file>
 
-<file path=ppt/slides/slide27.xml><?xml version="1.0" encoding="utf-8"?>
+<file path=ppt/slides/slide29.xml><?xml version="1.0" encoding="utf-8"?>
 <p:sld xmlns:a="http://schemas.openxmlformats.org/drawingml/2006/main" xmlns:r="http://schemas.openxmlformats.org/officeDocument/2006/relationships" xmlns:p="http://schemas.openxmlformats.org/presentationml/2006/main">
   <p:cSld>
     <p:bg>

--- a/Servlet/Servlet_Presentation.pptx
+++ b/Servlet/Servlet_Presentation.pptx
@@ -225,7 +225,7 @@
           <a:p>
             <a:fld id="{F988C94B-7918-458B-9AF1-0DBDD7FC850F}" type="datetimeFigureOut">
               <a:rPr lang="en-US" smtClean="0"/>
-              <a:t>2022-08-19</a:t>
+              <a:t>8/20/2022</a:t>
             </a:fld>
             <a:endParaRPr lang="en-US"/>
           </a:p>
@@ -707,7 +707,7 @@
           <a:p>
             <a:fld id="{0A968979-5CB5-4E5D-B82F-DAC09775BD7D}" type="datetimeFigureOut">
               <a:rPr lang="en-US" smtClean="0"/>
-              <a:t>2022-08-19</a:t>
+              <a:t>8/20/2022</a:t>
             </a:fld>
             <a:endParaRPr lang="en-US"/>
           </a:p>
@@ -877,7 +877,7 @@
           <a:p>
             <a:fld id="{0A968979-5CB5-4E5D-B82F-DAC09775BD7D}" type="datetimeFigureOut">
               <a:rPr lang="en-US" smtClean="0"/>
-              <a:t>2022-08-19</a:t>
+              <a:t>8/20/2022</a:t>
             </a:fld>
             <a:endParaRPr lang="en-US"/>
           </a:p>
@@ -1057,7 +1057,7 @@
           <a:p>
             <a:fld id="{0A968979-5CB5-4E5D-B82F-DAC09775BD7D}" type="datetimeFigureOut">
               <a:rPr lang="en-US" smtClean="0"/>
-              <a:t>2022-08-19</a:t>
+              <a:t>8/20/2022</a:t>
             </a:fld>
             <a:endParaRPr lang="en-US"/>
           </a:p>
@@ -1227,7 +1227,7 @@
           <a:p>
             <a:fld id="{0A968979-5CB5-4E5D-B82F-DAC09775BD7D}" type="datetimeFigureOut">
               <a:rPr lang="en-US" smtClean="0"/>
-              <a:t>2022-08-19</a:t>
+              <a:t>8/20/2022</a:t>
             </a:fld>
             <a:endParaRPr lang="en-US"/>
           </a:p>
@@ -1473,7 +1473,7 @@
           <a:p>
             <a:fld id="{0A968979-5CB5-4E5D-B82F-DAC09775BD7D}" type="datetimeFigureOut">
               <a:rPr lang="en-US" smtClean="0"/>
-              <a:t>2022-08-19</a:t>
+              <a:t>8/20/2022</a:t>
             </a:fld>
             <a:endParaRPr lang="en-US"/>
           </a:p>
@@ -1705,7 +1705,7 @@
           <a:p>
             <a:fld id="{0A968979-5CB5-4E5D-B82F-DAC09775BD7D}" type="datetimeFigureOut">
               <a:rPr lang="en-US" smtClean="0"/>
-              <a:t>2022-08-19</a:t>
+              <a:t>8/20/2022</a:t>
             </a:fld>
             <a:endParaRPr lang="en-US"/>
           </a:p>
@@ -2072,7 +2072,7 @@
           <a:p>
             <a:fld id="{0A968979-5CB5-4E5D-B82F-DAC09775BD7D}" type="datetimeFigureOut">
               <a:rPr lang="en-US" smtClean="0"/>
-              <a:t>2022-08-19</a:t>
+              <a:t>8/20/2022</a:t>
             </a:fld>
             <a:endParaRPr lang="en-US"/>
           </a:p>
@@ -2190,7 +2190,7 @@
           <a:p>
             <a:fld id="{0A968979-5CB5-4E5D-B82F-DAC09775BD7D}" type="datetimeFigureOut">
               <a:rPr lang="en-US" smtClean="0"/>
-              <a:t>2022-08-19</a:t>
+              <a:t>8/20/2022</a:t>
             </a:fld>
             <a:endParaRPr lang="en-US"/>
           </a:p>
@@ -2285,7 +2285,7 @@
           <a:p>
             <a:fld id="{0A968979-5CB5-4E5D-B82F-DAC09775BD7D}" type="datetimeFigureOut">
               <a:rPr lang="en-US" smtClean="0"/>
-              <a:t>2022-08-19</a:t>
+              <a:t>8/20/2022</a:t>
             </a:fld>
             <a:endParaRPr lang="en-US"/>
           </a:p>
@@ -2562,7 +2562,7 @@
           <a:p>
             <a:fld id="{0A968979-5CB5-4E5D-B82F-DAC09775BD7D}" type="datetimeFigureOut">
               <a:rPr lang="en-US" smtClean="0"/>
-              <a:t>2022-08-19</a:t>
+              <a:t>8/20/2022</a:t>
             </a:fld>
             <a:endParaRPr lang="en-US"/>
           </a:p>
@@ -2819,7 +2819,7 @@
           <a:p>
             <a:fld id="{0A968979-5CB5-4E5D-B82F-DAC09775BD7D}" type="datetimeFigureOut">
               <a:rPr lang="en-US" smtClean="0"/>
-              <a:t>2022-08-19</a:t>
+              <a:t>8/20/2022</a:t>
             </a:fld>
             <a:endParaRPr lang="en-US"/>
           </a:p>
@@ -3032,7 +3032,7 @@
           <a:p>
             <a:fld id="{0A968979-5CB5-4E5D-B82F-DAC09775BD7D}" type="datetimeFigureOut">
               <a:rPr lang="en-US" smtClean="0"/>
-              <a:t>2022-08-19</a:t>
+              <a:t>8/20/2022</a:t>
             </a:fld>
             <a:endParaRPr lang="en-US"/>
           </a:p>
@@ -6901,7 +6901,7 @@
         </p:blipFill>
         <p:spPr>
           <a:xfrm>
-            <a:off x="382114" y="1911570"/>
+            <a:off x="514846" y="2013170"/>
             <a:ext cx="11162307" cy="3693530"/>
           </a:xfrm>
         </p:spPr>
@@ -8972,8 +8972,8 @@
         </p:blipFill>
         <p:spPr>
           <a:xfrm>
-            <a:off x="2940755" y="2189964"/>
-            <a:ext cx="6310489" cy="3986999"/>
+            <a:off x="2854069" y="2215364"/>
+            <a:ext cx="6483861" cy="4096536"/>
           </a:xfrm>
           <a:prstGeom prst="rect">
             <a:avLst/>
@@ -15817,7 +15817,7 @@
         <p:spPr>
           <a:xfrm>
             <a:off x="838199" y="1650134"/>
-            <a:ext cx="3087255" cy="2109053"/>
+            <a:ext cx="2756477" cy="2052558"/>
           </a:xfrm>
         </p:spPr>
         <p:txBody>
@@ -16351,8 +16351,8 @@
         </p:nvSpPr>
         <p:spPr>
           <a:xfrm>
-            <a:off x="1077189" y="4153339"/>
-            <a:ext cx="4524668" cy="2109053"/>
+            <a:off x="864178" y="4321334"/>
+            <a:ext cx="2425700" cy="1192610"/>
           </a:xfrm>
           <a:prstGeom prst="rect">
             <a:avLst/>
@@ -16551,79 +16551,18 @@
               <a:buNone/>
             </a:pPr>
             <a:r>
-              <a:rPr lang="en-US" sz="2500" dirty="0" err="1">
-                <a:effectLst>
-                  <a:outerShdw blurRad="38100" dist="38100" dir="2700000" algn="tl">
-                    <a:srgbClr val="000000">
-                      <a:alpha val="43137"/>
-                    </a:srgbClr>
-                  </a:outerShdw>
-                </a:effectLst>
-                <a:latin typeface="Sylfaen" panose="010A0502050306030303" pitchFamily="18" charset="0"/>
-              </a:rPr>
-              <a:t>initParam</a:t>
-            </a:r>
-            <a:endParaRPr lang="en-US" sz="2500" dirty="0">
-              <a:effectLst>
-                <a:outerShdw blurRad="38100" dist="38100" dir="2700000" algn="tl">
-                  <a:srgbClr val="000000">
-                    <a:alpha val="43137"/>
-                  </a:srgbClr>
-                </a:outerShdw>
-              </a:effectLst>
-              <a:latin typeface="Sylfaen" panose="010A0502050306030303" pitchFamily="18" charset="0"/>
-            </a:endParaRPr>
-          </a:p>
-          <a:p>
-            <a:pPr marL="0" indent="0">
-              <a:buFont typeface="Arial" panose="020B0604020202020204" pitchFamily="34" charset="0"/>
-              <a:buNone/>
-            </a:pPr>
-            <a:endParaRPr lang="en-US" sz="2500" dirty="0">
-              <a:effectLst>
-                <a:outerShdw blurRad="38100" dist="38100" dir="2700000" algn="tl">
-                  <a:srgbClr val="000000">
-                    <a:alpha val="43137"/>
-                  </a:srgbClr>
-                </a:outerShdw>
-              </a:effectLst>
-              <a:latin typeface="Sylfaen" panose="010A0502050306030303" pitchFamily="18" charset="0"/>
-            </a:endParaRPr>
-          </a:p>
-          <a:p>
-            <a:pPr marL="0" indent="0">
-              <a:buFont typeface="Arial" panose="020B0604020202020204" pitchFamily="34" charset="0"/>
-              <a:buNone/>
-            </a:pPr>
-            <a:r>
-              <a:rPr lang="en-US" sz="2500" dirty="0" err="1">
-                <a:effectLst>
-                  <a:outerShdw blurRad="38100" dist="38100" dir="2700000" algn="tl">
-                    <a:srgbClr val="000000">
-                      <a:alpha val="43137"/>
-                    </a:srgbClr>
-                  </a:outerShdw>
-                </a:effectLst>
-                <a:latin typeface="Sylfaen" panose="010A0502050306030303" pitchFamily="18" charset="0"/>
-              </a:rPr>
-              <a:t>pageContext</a:t>
-            </a:r>
-            <a:endParaRPr lang="hy-AM" sz="2500" dirty="0">
-              <a:effectLst>
-                <a:outerShdw blurRad="38100" dist="38100" dir="2700000" algn="tl">
-                  <a:srgbClr val="000000">
-                    <a:alpha val="43137"/>
-                  </a:srgbClr>
-                </a:outerShdw>
-              </a:effectLst>
-              <a:latin typeface="Sylfaen" panose="010A0502050306030303" pitchFamily="18" charset="0"/>
-            </a:endParaRPr>
-          </a:p>
-          <a:p>
-            <a:pPr marL="0" indent="0">
-              <a:buFont typeface="Arial" panose="020B0604020202020204" pitchFamily="34" charset="0"/>
-              <a:buNone/>
-            </a:pPr>
+              <a:rPr lang="en-US" sz="2500" dirty="0">
+                <a:effectLst>
+                  <a:outerShdw blurRad="38100" dist="38100" dir="2700000" algn="tl">
+                    <a:srgbClr val="000000">
+                      <a:alpha val="43137"/>
+                    </a:srgbClr>
+                  </a:outerShdw>
+                </a:effectLst>
+                <a:latin typeface="Sylfaen" panose="010A0502050306030303" pitchFamily="18" charset="0"/>
+              </a:rPr>
+              <a:t>                                        </a:t>
+            </a:r>
             <a:endParaRPr lang="en-US" sz="2900" dirty="0">
               <a:effectLst>
                 <a:outerShdw blurRad="38100" dist="38100" dir="2700000" algn="tl">
@@ -17769,6 +17708,1146 @@
                 <a:latin typeface="Sylfaen" panose="010A0502050306030303" pitchFamily="18" charset="0"/>
               </a:rPr>
               <a:t>headers</a:t>
+            </a:r>
+            <a:endParaRPr lang="hy-AM" sz="2500" dirty="0">
+              <a:effectLst>
+                <a:outerShdw blurRad="38100" dist="38100" dir="2700000" algn="tl">
+                  <a:srgbClr val="000000">
+                    <a:alpha val="43137"/>
+                  </a:srgbClr>
+                </a:outerShdw>
+              </a:effectLst>
+              <a:latin typeface="Sylfaen" panose="010A0502050306030303" pitchFamily="18" charset="0"/>
+            </a:endParaRPr>
+          </a:p>
+          <a:p>
+            <a:pPr marL="0" indent="0">
+              <a:buFont typeface="Arial" panose="020B0604020202020204" pitchFamily="34" charset="0"/>
+              <a:buNone/>
+            </a:pPr>
+            <a:endParaRPr lang="hy-AM" sz="2900" dirty="0">
+              <a:effectLst>
+                <a:outerShdw blurRad="38100" dist="38100" dir="2700000" algn="tl">
+                  <a:srgbClr val="000000">
+                    <a:alpha val="43137"/>
+                  </a:srgbClr>
+                </a:outerShdw>
+              </a:effectLst>
+              <a:latin typeface="Sylfaen" panose="010A0502050306030303" pitchFamily="18" charset="0"/>
+            </a:endParaRPr>
+          </a:p>
+          <a:p>
+            <a:pPr marL="0" indent="0">
+              <a:buFont typeface="Arial" panose="020B0604020202020204" pitchFamily="34" charset="0"/>
+              <a:buNone/>
+            </a:pPr>
+            <a:endParaRPr lang="en-US" sz="2900" dirty="0">
+              <a:effectLst>
+                <a:outerShdw blurRad="38100" dist="38100" dir="2700000" algn="tl">
+                  <a:srgbClr val="000000">
+                    <a:alpha val="43137"/>
+                  </a:srgbClr>
+                </a:outerShdw>
+              </a:effectLst>
+              <a:latin typeface="Sylfaen" panose="010A0502050306030303" pitchFamily="18" charset="0"/>
+            </a:endParaRPr>
+          </a:p>
+        </p:txBody>
+      </p:sp>
+      <p:sp>
+        <p:nvSpPr>
+          <p:cNvPr id="16" name="Content Placeholder 2">
+            <a:extLst>
+              <a:ext uri="{FF2B5EF4-FFF2-40B4-BE49-F238E27FC236}">
+                <a16:creationId xmlns:a16="http://schemas.microsoft.com/office/drawing/2014/main" id="{3BA284A6-1AC5-4548-B251-8C26846EBFA6}"/>
+              </a:ext>
+            </a:extLst>
+          </p:cNvPr>
+          <p:cNvSpPr txBox="1">
+            <a:spLocks/>
+          </p:cNvSpPr>
+          <p:nvPr/>
+        </p:nvSpPr>
+        <p:spPr>
+          <a:xfrm>
+            <a:off x="2642174" y="4123773"/>
+            <a:ext cx="1905003" cy="902855"/>
+          </a:xfrm>
+          <a:prstGeom prst="rect">
+            <a:avLst/>
+          </a:prstGeom>
+        </p:spPr>
+        <p:txBody>
+          <a:bodyPr vert="horz" lIns="91440" tIns="45720" rIns="91440" bIns="45720" rtlCol="0">
+            <a:normAutofit/>
+          </a:bodyPr>
+          <a:lstStyle>
+            <a:lvl1pPr marL="228600" indent="-228600" algn="l" defTabSz="914400" rtl="0" eaLnBrk="1" latinLnBrk="0" hangingPunct="1">
+              <a:lnSpc>
+                <a:spcPct val="90000"/>
+              </a:lnSpc>
+              <a:spcBef>
+                <a:spcPts val="1000"/>
+              </a:spcBef>
+              <a:buFont typeface="Arial" panose="020B0604020202020204" pitchFamily="34" charset="0"/>
+              <a:buChar char="•"/>
+              <a:defRPr sz="2800" kern="1200">
+                <a:solidFill>
+                  <a:schemeClr val="tx1"/>
+                </a:solidFill>
+                <a:latin typeface="+mn-lt"/>
+                <a:ea typeface="+mn-ea"/>
+                <a:cs typeface="+mn-cs"/>
+              </a:defRPr>
+            </a:lvl1pPr>
+            <a:lvl2pPr marL="685800" indent="-228600" algn="l" defTabSz="914400" rtl="0" eaLnBrk="1" latinLnBrk="0" hangingPunct="1">
+              <a:lnSpc>
+                <a:spcPct val="90000"/>
+              </a:lnSpc>
+              <a:spcBef>
+                <a:spcPts val="500"/>
+              </a:spcBef>
+              <a:buFont typeface="Arial" panose="020B0604020202020204" pitchFamily="34" charset="0"/>
+              <a:buChar char="•"/>
+              <a:defRPr sz="2400" kern="1200">
+                <a:solidFill>
+                  <a:schemeClr val="tx1"/>
+                </a:solidFill>
+                <a:latin typeface="+mn-lt"/>
+                <a:ea typeface="+mn-ea"/>
+                <a:cs typeface="+mn-cs"/>
+              </a:defRPr>
+            </a:lvl2pPr>
+            <a:lvl3pPr marL="1143000" indent="-228600" algn="l" defTabSz="914400" rtl="0" eaLnBrk="1" latinLnBrk="0" hangingPunct="1">
+              <a:lnSpc>
+                <a:spcPct val="90000"/>
+              </a:lnSpc>
+              <a:spcBef>
+                <a:spcPts val="500"/>
+              </a:spcBef>
+              <a:buFont typeface="Arial" panose="020B0604020202020204" pitchFamily="34" charset="0"/>
+              <a:buChar char="•"/>
+              <a:defRPr sz="2000" kern="1200">
+                <a:solidFill>
+                  <a:schemeClr val="tx1"/>
+                </a:solidFill>
+                <a:latin typeface="+mn-lt"/>
+                <a:ea typeface="+mn-ea"/>
+                <a:cs typeface="+mn-cs"/>
+              </a:defRPr>
+            </a:lvl3pPr>
+            <a:lvl4pPr marL="1600200" indent="-228600" algn="l" defTabSz="914400" rtl="0" eaLnBrk="1" latinLnBrk="0" hangingPunct="1">
+              <a:lnSpc>
+                <a:spcPct val="90000"/>
+              </a:lnSpc>
+              <a:spcBef>
+                <a:spcPts val="500"/>
+              </a:spcBef>
+              <a:buFont typeface="Arial" panose="020B0604020202020204" pitchFamily="34" charset="0"/>
+              <a:buChar char="•"/>
+              <a:defRPr sz="1800" kern="1200">
+                <a:solidFill>
+                  <a:schemeClr val="tx1"/>
+                </a:solidFill>
+                <a:latin typeface="+mn-lt"/>
+                <a:ea typeface="+mn-ea"/>
+                <a:cs typeface="+mn-cs"/>
+              </a:defRPr>
+            </a:lvl4pPr>
+            <a:lvl5pPr marL="2057400" indent="-228600" algn="l" defTabSz="914400" rtl="0" eaLnBrk="1" latinLnBrk="0" hangingPunct="1">
+              <a:lnSpc>
+                <a:spcPct val="90000"/>
+              </a:lnSpc>
+              <a:spcBef>
+                <a:spcPts val="500"/>
+              </a:spcBef>
+              <a:buFont typeface="Arial" panose="020B0604020202020204" pitchFamily="34" charset="0"/>
+              <a:buChar char="•"/>
+              <a:defRPr sz="1800" kern="1200">
+                <a:solidFill>
+                  <a:schemeClr val="tx1"/>
+                </a:solidFill>
+                <a:latin typeface="+mn-lt"/>
+                <a:ea typeface="+mn-ea"/>
+                <a:cs typeface="+mn-cs"/>
+              </a:defRPr>
+            </a:lvl5pPr>
+            <a:lvl6pPr marL="2514600" indent="-228600" algn="l" defTabSz="914400" rtl="0" eaLnBrk="1" latinLnBrk="0" hangingPunct="1">
+              <a:lnSpc>
+                <a:spcPct val="90000"/>
+              </a:lnSpc>
+              <a:spcBef>
+                <a:spcPts val="500"/>
+              </a:spcBef>
+              <a:buFont typeface="Arial" panose="020B0604020202020204" pitchFamily="34" charset="0"/>
+              <a:buChar char="•"/>
+              <a:defRPr sz="1800" kern="1200">
+                <a:solidFill>
+                  <a:schemeClr val="tx1"/>
+                </a:solidFill>
+                <a:latin typeface="+mn-lt"/>
+                <a:ea typeface="+mn-ea"/>
+                <a:cs typeface="+mn-cs"/>
+              </a:defRPr>
+            </a:lvl6pPr>
+            <a:lvl7pPr marL="2971800" indent="-228600" algn="l" defTabSz="914400" rtl="0" eaLnBrk="1" latinLnBrk="0" hangingPunct="1">
+              <a:lnSpc>
+                <a:spcPct val="90000"/>
+              </a:lnSpc>
+              <a:spcBef>
+                <a:spcPts val="500"/>
+              </a:spcBef>
+              <a:buFont typeface="Arial" panose="020B0604020202020204" pitchFamily="34" charset="0"/>
+              <a:buChar char="•"/>
+              <a:defRPr sz="1800" kern="1200">
+                <a:solidFill>
+                  <a:schemeClr val="tx1"/>
+                </a:solidFill>
+                <a:latin typeface="+mn-lt"/>
+                <a:ea typeface="+mn-ea"/>
+                <a:cs typeface="+mn-cs"/>
+              </a:defRPr>
+            </a:lvl7pPr>
+            <a:lvl8pPr marL="3429000" indent="-228600" algn="l" defTabSz="914400" rtl="0" eaLnBrk="1" latinLnBrk="0" hangingPunct="1">
+              <a:lnSpc>
+                <a:spcPct val="90000"/>
+              </a:lnSpc>
+              <a:spcBef>
+                <a:spcPts val="500"/>
+              </a:spcBef>
+              <a:buFont typeface="Arial" panose="020B0604020202020204" pitchFamily="34" charset="0"/>
+              <a:buChar char="•"/>
+              <a:defRPr sz="1800" kern="1200">
+                <a:solidFill>
+                  <a:schemeClr val="tx1"/>
+                </a:solidFill>
+                <a:latin typeface="+mn-lt"/>
+                <a:ea typeface="+mn-ea"/>
+                <a:cs typeface="+mn-cs"/>
+              </a:defRPr>
+            </a:lvl8pPr>
+            <a:lvl9pPr marL="3886200" indent="-228600" algn="l" defTabSz="914400" rtl="0" eaLnBrk="1" latinLnBrk="0" hangingPunct="1">
+              <a:lnSpc>
+                <a:spcPct val="90000"/>
+              </a:lnSpc>
+              <a:spcBef>
+                <a:spcPts val="500"/>
+              </a:spcBef>
+              <a:buFont typeface="Arial" panose="020B0604020202020204" pitchFamily="34" charset="0"/>
+              <a:buChar char="•"/>
+              <a:defRPr sz="1800" kern="1200">
+                <a:solidFill>
+                  <a:schemeClr val="tx1"/>
+                </a:solidFill>
+                <a:latin typeface="+mn-lt"/>
+                <a:ea typeface="+mn-ea"/>
+                <a:cs typeface="+mn-cs"/>
+              </a:defRPr>
+            </a:lvl9pPr>
+          </a:lstStyle>
+          <a:p>
+            <a:pPr marL="0" indent="0" algn="ctr">
+              <a:buNone/>
+            </a:pPr>
+            <a:r>
+              <a:rPr lang="en-US" sz="2500" dirty="0">
+                <a:effectLst>
+                  <a:outerShdw blurRad="38100" dist="38100" dir="2700000" algn="tl">
+                    <a:srgbClr val="000000">
+                      <a:alpha val="43137"/>
+                    </a:srgbClr>
+                  </a:outerShdw>
+                </a:effectLst>
+                <a:latin typeface="Sylfaen" panose="010A0502050306030303" pitchFamily="18" charset="0"/>
+              </a:rPr>
+              <a:t>map of </a:t>
+            </a:r>
+            <a:r>
+              <a:rPr lang="en-US" sz="2500" dirty="0" err="1">
+                <a:effectLst>
+                  <a:outerShdw blurRad="38100" dist="38100" dir="2700000" algn="tl">
+                    <a:srgbClr val="000000">
+                      <a:alpha val="43137"/>
+                    </a:srgbClr>
+                  </a:outerShdw>
+                </a:effectLst>
+                <a:latin typeface="Sylfaen" panose="010A0502050306030303" pitchFamily="18" charset="0"/>
+              </a:rPr>
+              <a:t>cookiees</a:t>
+            </a:r>
+            <a:endParaRPr lang="hy-AM" sz="2900" dirty="0">
+              <a:effectLst>
+                <a:outerShdw blurRad="38100" dist="38100" dir="2700000" algn="tl">
+                  <a:srgbClr val="000000">
+                    <a:alpha val="43137"/>
+                  </a:srgbClr>
+                </a:outerShdw>
+              </a:effectLst>
+              <a:latin typeface="Sylfaen" panose="010A0502050306030303" pitchFamily="18" charset="0"/>
+            </a:endParaRPr>
+          </a:p>
+          <a:p>
+            <a:pPr marL="0" indent="0">
+              <a:buFont typeface="Arial" panose="020B0604020202020204" pitchFamily="34" charset="0"/>
+              <a:buNone/>
+            </a:pPr>
+            <a:endParaRPr lang="en-US" sz="2900" dirty="0">
+              <a:effectLst>
+                <a:outerShdw blurRad="38100" dist="38100" dir="2700000" algn="tl">
+                  <a:srgbClr val="000000">
+                    <a:alpha val="43137"/>
+                  </a:srgbClr>
+                </a:outerShdw>
+              </a:effectLst>
+              <a:latin typeface="Sylfaen" panose="010A0502050306030303" pitchFamily="18" charset="0"/>
+            </a:endParaRPr>
+          </a:p>
+        </p:txBody>
+      </p:sp>
+      <p:sp>
+        <p:nvSpPr>
+          <p:cNvPr id="17" name="Content Placeholder 2">
+            <a:extLst>
+              <a:ext uri="{FF2B5EF4-FFF2-40B4-BE49-F238E27FC236}">
+                <a16:creationId xmlns:a16="http://schemas.microsoft.com/office/drawing/2014/main" id="{40621ADD-9D09-4E50-AE40-2A5DD3FCE6EC}"/>
+              </a:ext>
+            </a:extLst>
+          </p:cNvPr>
+          <p:cNvSpPr txBox="1">
+            <a:spLocks/>
+          </p:cNvSpPr>
+          <p:nvPr/>
+        </p:nvSpPr>
+        <p:spPr>
+          <a:xfrm>
+            <a:off x="6590144" y="4684910"/>
+            <a:ext cx="2194022" cy="1192610"/>
+          </a:xfrm>
+          <a:prstGeom prst="rect">
+            <a:avLst/>
+          </a:prstGeom>
+        </p:spPr>
+        <p:txBody>
+          <a:bodyPr vert="horz" lIns="91440" tIns="45720" rIns="91440" bIns="45720" rtlCol="0">
+            <a:normAutofit/>
+          </a:bodyPr>
+          <a:lstStyle>
+            <a:lvl1pPr marL="228600" indent="-228600" algn="l" defTabSz="914400" rtl="0" eaLnBrk="1" latinLnBrk="0" hangingPunct="1">
+              <a:lnSpc>
+                <a:spcPct val="90000"/>
+              </a:lnSpc>
+              <a:spcBef>
+                <a:spcPts val="1000"/>
+              </a:spcBef>
+              <a:buFont typeface="Arial" panose="020B0604020202020204" pitchFamily="34" charset="0"/>
+              <a:buChar char="•"/>
+              <a:defRPr sz="2800" kern="1200">
+                <a:solidFill>
+                  <a:schemeClr val="tx1"/>
+                </a:solidFill>
+                <a:latin typeface="+mn-lt"/>
+                <a:ea typeface="+mn-ea"/>
+                <a:cs typeface="+mn-cs"/>
+              </a:defRPr>
+            </a:lvl1pPr>
+            <a:lvl2pPr marL="685800" indent="-228600" algn="l" defTabSz="914400" rtl="0" eaLnBrk="1" latinLnBrk="0" hangingPunct="1">
+              <a:lnSpc>
+                <a:spcPct val="90000"/>
+              </a:lnSpc>
+              <a:spcBef>
+                <a:spcPts val="500"/>
+              </a:spcBef>
+              <a:buFont typeface="Arial" panose="020B0604020202020204" pitchFamily="34" charset="0"/>
+              <a:buChar char="•"/>
+              <a:defRPr sz="2400" kern="1200">
+                <a:solidFill>
+                  <a:schemeClr val="tx1"/>
+                </a:solidFill>
+                <a:latin typeface="+mn-lt"/>
+                <a:ea typeface="+mn-ea"/>
+                <a:cs typeface="+mn-cs"/>
+              </a:defRPr>
+            </a:lvl2pPr>
+            <a:lvl3pPr marL="1143000" indent="-228600" algn="l" defTabSz="914400" rtl="0" eaLnBrk="1" latinLnBrk="0" hangingPunct="1">
+              <a:lnSpc>
+                <a:spcPct val="90000"/>
+              </a:lnSpc>
+              <a:spcBef>
+                <a:spcPts val="500"/>
+              </a:spcBef>
+              <a:buFont typeface="Arial" panose="020B0604020202020204" pitchFamily="34" charset="0"/>
+              <a:buChar char="•"/>
+              <a:defRPr sz="2000" kern="1200">
+                <a:solidFill>
+                  <a:schemeClr val="tx1"/>
+                </a:solidFill>
+                <a:latin typeface="+mn-lt"/>
+                <a:ea typeface="+mn-ea"/>
+                <a:cs typeface="+mn-cs"/>
+              </a:defRPr>
+            </a:lvl3pPr>
+            <a:lvl4pPr marL="1600200" indent="-228600" algn="l" defTabSz="914400" rtl="0" eaLnBrk="1" latinLnBrk="0" hangingPunct="1">
+              <a:lnSpc>
+                <a:spcPct val="90000"/>
+              </a:lnSpc>
+              <a:spcBef>
+                <a:spcPts val="500"/>
+              </a:spcBef>
+              <a:buFont typeface="Arial" panose="020B0604020202020204" pitchFamily="34" charset="0"/>
+              <a:buChar char="•"/>
+              <a:defRPr sz="1800" kern="1200">
+                <a:solidFill>
+                  <a:schemeClr val="tx1"/>
+                </a:solidFill>
+                <a:latin typeface="+mn-lt"/>
+                <a:ea typeface="+mn-ea"/>
+                <a:cs typeface="+mn-cs"/>
+              </a:defRPr>
+            </a:lvl4pPr>
+            <a:lvl5pPr marL="2057400" indent="-228600" algn="l" defTabSz="914400" rtl="0" eaLnBrk="1" latinLnBrk="0" hangingPunct="1">
+              <a:lnSpc>
+                <a:spcPct val="90000"/>
+              </a:lnSpc>
+              <a:spcBef>
+                <a:spcPts val="500"/>
+              </a:spcBef>
+              <a:buFont typeface="Arial" panose="020B0604020202020204" pitchFamily="34" charset="0"/>
+              <a:buChar char="•"/>
+              <a:defRPr sz="1800" kern="1200">
+                <a:solidFill>
+                  <a:schemeClr val="tx1"/>
+                </a:solidFill>
+                <a:latin typeface="+mn-lt"/>
+                <a:ea typeface="+mn-ea"/>
+                <a:cs typeface="+mn-cs"/>
+              </a:defRPr>
+            </a:lvl5pPr>
+            <a:lvl6pPr marL="2514600" indent="-228600" algn="l" defTabSz="914400" rtl="0" eaLnBrk="1" latinLnBrk="0" hangingPunct="1">
+              <a:lnSpc>
+                <a:spcPct val="90000"/>
+              </a:lnSpc>
+              <a:spcBef>
+                <a:spcPts val="500"/>
+              </a:spcBef>
+              <a:buFont typeface="Arial" panose="020B0604020202020204" pitchFamily="34" charset="0"/>
+              <a:buChar char="•"/>
+              <a:defRPr sz="1800" kern="1200">
+                <a:solidFill>
+                  <a:schemeClr val="tx1"/>
+                </a:solidFill>
+                <a:latin typeface="+mn-lt"/>
+                <a:ea typeface="+mn-ea"/>
+                <a:cs typeface="+mn-cs"/>
+              </a:defRPr>
+            </a:lvl6pPr>
+            <a:lvl7pPr marL="2971800" indent="-228600" algn="l" defTabSz="914400" rtl="0" eaLnBrk="1" latinLnBrk="0" hangingPunct="1">
+              <a:lnSpc>
+                <a:spcPct val="90000"/>
+              </a:lnSpc>
+              <a:spcBef>
+                <a:spcPts val="500"/>
+              </a:spcBef>
+              <a:buFont typeface="Arial" panose="020B0604020202020204" pitchFamily="34" charset="0"/>
+              <a:buChar char="•"/>
+              <a:defRPr sz="1800" kern="1200">
+                <a:solidFill>
+                  <a:schemeClr val="tx1"/>
+                </a:solidFill>
+                <a:latin typeface="+mn-lt"/>
+                <a:ea typeface="+mn-ea"/>
+                <a:cs typeface="+mn-cs"/>
+              </a:defRPr>
+            </a:lvl7pPr>
+            <a:lvl8pPr marL="3429000" indent="-228600" algn="l" defTabSz="914400" rtl="0" eaLnBrk="1" latinLnBrk="0" hangingPunct="1">
+              <a:lnSpc>
+                <a:spcPct val="90000"/>
+              </a:lnSpc>
+              <a:spcBef>
+                <a:spcPts val="500"/>
+              </a:spcBef>
+              <a:buFont typeface="Arial" panose="020B0604020202020204" pitchFamily="34" charset="0"/>
+              <a:buChar char="•"/>
+              <a:defRPr sz="1800" kern="1200">
+                <a:solidFill>
+                  <a:schemeClr val="tx1"/>
+                </a:solidFill>
+                <a:latin typeface="+mn-lt"/>
+                <a:ea typeface="+mn-ea"/>
+                <a:cs typeface="+mn-cs"/>
+              </a:defRPr>
+            </a:lvl8pPr>
+            <a:lvl9pPr marL="3886200" indent="-228600" algn="l" defTabSz="914400" rtl="0" eaLnBrk="1" latinLnBrk="0" hangingPunct="1">
+              <a:lnSpc>
+                <a:spcPct val="90000"/>
+              </a:lnSpc>
+              <a:spcBef>
+                <a:spcPts val="500"/>
+              </a:spcBef>
+              <a:buFont typeface="Arial" panose="020B0604020202020204" pitchFamily="34" charset="0"/>
+              <a:buChar char="•"/>
+              <a:defRPr sz="1800" kern="1200">
+                <a:solidFill>
+                  <a:schemeClr val="tx1"/>
+                </a:solidFill>
+                <a:latin typeface="+mn-lt"/>
+                <a:ea typeface="+mn-ea"/>
+                <a:cs typeface="+mn-cs"/>
+              </a:defRPr>
+            </a:lvl9pPr>
+          </a:lstStyle>
+          <a:p>
+            <a:pPr marL="0" indent="0">
+              <a:buNone/>
+            </a:pPr>
+            <a:r>
+              <a:rPr lang="en-US" sz="2500" dirty="0" err="1">
+                <a:effectLst>
+                  <a:outerShdw blurRad="38100" dist="38100" dir="2700000" algn="tl">
+                    <a:srgbClr val="000000">
+                      <a:alpha val="43137"/>
+                    </a:srgbClr>
+                  </a:outerShdw>
+                </a:effectLst>
+                <a:latin typeface="Sylfaen" panose="010A0502050306030303" pitchFamily="18" charset="0"/>
+              </a:rPr>
+              <a:t>initParam</a:t>
+            </a:r>
+            <a:endParaRPr lang="en-US" sz="2500" dirty="0">
+              <a:effectLst>
+                <a:outerShdw blurRad="38100" dist="38100" dir="2700000" algn="tl">
+                  <a:srgbClr val="000000">
+                    <a:alpha val="43137"/>
+                  </a:srgbClr>
+                </a:outerShdw>
+              </a:effectLst>
+              <a:latin typeface="Sylfaen" panose="010A0502050306030303" pitchFamily="18" charset="0"/>
+            </a:endParaRPr>
+          </a:p>
+          <a:p>
+            <a:pPr marL="0" indent="0">
+              <a:buFont typeface="Arial" panose="020B0604020202020204" pitchFamily="34" charset="0"/>
+              <a:buNone/>
+            </a:pPr>
+            <a:r>
+              <a:rPr lang="en-US" sz="2500" dirty="0">
+                <a:effectLst>
+                  <a:outerShdw blurRad="38100" dist="38100" dir="2700000" algn="tl">
+                    <a:srgbClr val="000000">
+                      <a:alpha val="43137"/>
+                    </a:srgbClr>
+                  </a:outerShdw>
+                </a:effectLst>
+                <a:latin typeface="Sylfaen" panose="010A0502050306030303" pitchFamily="18" charset="0"/>
+              </a:rPr>
+              <a:t>                                        </a:t>
+            </a:r>
+            <a:endParaRPr lang="en-US" sz="2900" dirty="0">
+              <a:effectLst>
+                <a:outerShdw blurRad="38100" dist="38100" dir="2700000" algn="tl">
+                  <a:srgbClr val="000000">
+                    <a:alpha val="43137"/>
+                  </a:srgbClr>
+                </a:outerShdw>
+              </a:effectLst>
+              <a:latin typeface="Sylfaen" panose="010A0502050306030303" pitchFamily="18" charset="0"/>
+            </a:endParaRPr>
+          </a:p>
+        </p:txBody>
+      </p:sp>
+      <p:sp>
+        <p:nvSpPr>
+          <p:cNvPr id="18" name="Content Placeholder 2">
+            <a:extLst>
+              <a:ext uri="{FF2B5EF4-FFF2-40B4-BE49-F238E27FC236}">
+                <a16:creationId xmlns:a16="http://schemas.microsoft.com/office/drawing/2014/main" id="{1BFBA673-7A54-40DA-88AF-BF977D19D905}"/>
+              </a:ext>
+            </a:extLst>
+          </p:cNvPr>
+          <p:cNvSpPr txBox="1">
+            <a:spLocks/>
+          </p:cNvSpPr>
+          <p:nvPr/>
+        </p:nvSpPr>
+        <p:spPr>
+          <a:xfrm>
+            <a:off x="827999" y="5739437"/>
+            <a:ext cx="3771363" cy="1271173"/>
+          </a:xfrm>
+          <a:prstGeom prst="rect">
+            <a:avLst/>
+          </a:prstGeom>
+        </p:spPr>
+        <p:txBody>
+          <a:bodyPr vert="horz" lIns="91440" tIns="45720" rIns="91440" bIns="45720" rtlCol="0">
+            <a:normAutofit fontScale="92500" lnSpcReduction="10000"/>
+          </a:bodyPr>
+          <a:lstStyle>
+            <a:lvl1pPr marL="228600" indent="-228600" algn="l" defTabSz="914400" rtl="0" eaLnBrk="1" latinLnBrk="0" hangingPunct="1">
+              <a:lnSpc>
+                <a:spcPct val="90000"/>
+              </a:lnSpc>
+              <a:spcBef>
+                <a:spcPts val="1000"/>
+              </a:spcBef>
+              <a:buFont typeface="Arial" panose="020B0604020202020204" pitchFamily="34" charset="0"/>
+              <a:buChar char="•"/>
+              <a:defRPr sz="2800" kern="1200">
+                <a:solidFill>
+                  <a:schemeClr val="tx1"/>
+                </a:solidFill>
+                <a:latin typeface="+mn-lt"/>
+                <a:ea typeface="+mn-ea"/>
+                <a:cs typeface="+mn-cs"/>
+              </a:defRPr>
+            </a:lvl1pPr>
+            <a:lvl2pPr marL="685800" indent="-228600" algn="l" defTabSz="914400" rtl="0" eaLnBrk="1" latinLnBrk="0" hangingPunct="1">
+              <a:lnSpc>
+                <a:spcPct val="90000"/>
+              </a:lnSpc>
+              <a:spcBef>
+                <a:spcPts val="500"/>
+              </a:spcBef>
+              <a:buFont typeface="Arial" panose="020B0604020202020204" pitchFamily="34" charset="0"/>
+              <a:buChar char="•"/>
+              <a:defRPr sz="2400" kern="1200">
+                <a:solidFill>
+                  <a:schemeClr val="tx1"/>
+                </a:solidFill>
+                <a:latin typeface="+mn-lt"/>
+                <a:ea typeface="+mn-ea"/>
+                <a:cs typeface="+mn-cs"/>
+              </a:defRPr>
+            </a:lvl2pPr>
+            <a:lvl3pPr marL="1143000" indent="-228600" algn="l" defTabSz="914400" rtl="0" eaLnBrk="1" latinLnBrk="0" hangingPunct="1">
+              <a:lnSpc>
+                <a:spcPct val="90000"/>
+              </a:lnSpc>
+              <a:spcBef>
+                <a:spcPts val="500"/>
+              </a:spcBef>
+              <a:buFont typeface="Arial" panose="020B0604020202020204" pitchFamily="34" charset="0"/>
+              <a:buChar char="•"/>
+              <a:defRPr sz="2000" kern="1200">
+                <a:solidFill>
+                  <a:schemeClr val="tx1"/>
+                </a:solidFill>
+                <a:latin typeface="+mn-lt"/>
+                <a:ea typeface="+mn-ea"/>
+                <a:cs typeface="+mn-cs"/>
+              </a:defRPr>
+            </a:lvl3pPr>
+            <a:lvl4pPr marL="1600200" indent="-228600" algn="l" defTabSz="914400" rtl="0" eaLnBrk="1" latinLnBrk="0" hangingPunct="1">
+              <a:lnSpc>
+                <a:spcPct val="90000"/>
+              </a:lnSpc>
+              <a:spcBef>
+                <a:spcPts val="500"/>
+              </a:spcBef>
+              <a:buFont typeface="Arial" panose="020B0604020202020204" pitchFamily="34" charset="0"/>
+              <a:buChar char="•"/>
+              <a:defRPr sz="1800" kern="1200">
+                <a:solidFill>
+                  <a:schemeClr val="tx1"/>
+                </a:solidFill>
+                <a:latin typeface="+mn-lt"/>
+                <a:ea typeface="+mn-ea"/>
+                <a:cs typeface="+mn-cs"/>
+              </a:defRPr>
+            </a:lvl4pPr>
+            <a:lvl5pPr marL="2057400" indent="-228600" algn="l" defTabSz="914400" rtl="0" eaLnBrk="1" latinLnBrk="0" hangingPunct="1">
+              <a:lnSpc>
+                <a:spcPct val="90000"/>
+              </a:lnSpc>
+              <a:spcBef>
+                <a:spcPts val="500"/>
+              </a:spcBef>
+              <a:buFont typeface="Arial" panose="020B0604020202020204" pitchFamily="34" charset="0"/>
+              <a:buChar char="•"/>
+              <a:defRPr sz="1800" kern="1200">
+                <a:solidFill>
+                  <a:schemeClr val="tx1"/>
+                </a:solidFill>
+                <a:latin typeface="+mn-lt"/>
+                <a:ea typeface="+mn-ea"/>
+                <a:cs typeface="+mn-cs"/>
+              </a:defRPr>
+            </a:lvl5pPr>
+            <a:lvl6pPr marL="2514600" indent="-228600" algn="l" defTabSz="914400" rtl="0" eaLnBrk="1" latinLnBrk="0" hangingPunct="1">
+              <a:lnSpc>
+                <a:spcPct val="90000"/>
+              </a:lnSpc>
+              <a:spcBef>
+                <a:spcPts val="500"/>
+              </a:spcBef>
+              <a:buFont typeface="Arial" panose="020B0604020202020204" pitchFamily="34" charset="0"/>
+              <a:buChar char="•"/>
+              <a:defRPr sz="1800" kern="1200">
+                <a:solidFill>
+                  <a:schemeClr val="tx1"/>
+                </a:solidFill>
+                <a:latin typeface="+mn-lt"/>
+                <a:ea typeface="+mn-ea"/>
+                <a:cs typeface="+mn-cs"/>
+              </a:defRPr>
+            </a:lvl6pPr>
+            <a:lvl7pPr marL="2971800" indent="-228600" algn="l" defTabSz="914400" rtl="0" eaLnBrk="1" latinLnBrk="0" hangingPunct="1">
+              <a:lnSpc>
+                <a:spcPct val="90000"/>
+              </a:lnSpc>
+              <a:spcBef>
+                <a:spcPts val="500"/>
+              </a:spcBef>
+              <a:buFont typeface="Arial" panose="020B0604020202020204" pitchFamily="34" charset="0"/>
+              <a:buChar char="•"/>
+              <a:defRPr sz="1800" kern="1200">
+                <a:solidFill>
+                  <a:schemeClr val="tx1"/>
+                </a:solidFill>
+                <a:latin typeface="+mn-lt"/>
+                <a:ea typeface="+mn-ea"/>
+                <a:cs typeface="+mn-cs"/>
+              </a:defRPr>
+            </a:lvl7pPr>
+            <a:lvl8pPr marL="3429000" indent="-228600" algn="l" defTabSz="914400" rtl="0" eaLnBrk="1" latinLnBrk="0" hangingPunct="1">
+              <a:lnSpc>
+                <a:spcPct val="90000"/>
+              </a:lnSpc>
+              <a:spcBef>
+                <a:spcPts val="500"/>
+              </a:spcBef>
+              <a:buFont typeface="Arial" panose="020B0604020202020204" pitchFamily="34" charset="0"/>
+              <a:buChar char="•"/>
+              <a:defRPr sz="1800" kern="1200">
+                <a:solidFill>
+                  <a:schemeClr val="tx1"/>
+                </a:solidFill>
+                <a:latin typeface="+mn-lt"/>
+                <a:ea typeface="+mn-ea"/>
+                <a:cs typeface="+mn-cs"/>
+              </a:defRPr>
+            </a:lvl8pPr>
+            <a:lvl9pPr marL="3886200" indent="-228600" algn="l" defTabSz="914400" rtl="0" eaLnBrk="1" latinLnBrk="0" hangingPunct="1">
+              <a:lnSpc>
+                <a:spcPct val="90000"/>
+              </a:lnSpc>
+              <a:spcBef>
+                <a:spcPts val="500"/>
+              </a:spcBef>
+              <a:buFont typeface="Arial" panose="020B0604020202020204" pitchFamily="34" charset="0"/>
+              <a:buChar char="•"/>
+              <a:defRPr sz="1800" kern="1200">
+                <a:solidFill>
+                  <a:schemeClr val="tx1"/>
+                </a:solidFill>
+                <a:latin typeface="+mn-lt"/>
+                <a:ea typeface="+mn-ea"/>
+                <a:cs typeface="+mn-cs"/>
+              </a:defRPr>
+            </a:lvl9pPr>
+          </a:lstStyle>
+          <a:p>
+            <a:pPr marL="0" indent="0">
+              <a:buNone/>
+            </a:pPr>
+            <a:r>
+              <a:rPr lang="en-US" sz="2700" dirty="0" err="1">
+                <a:effectLst>
+                  <a:outerShdw blurRad="38100" dist="38100" dir="2700000" algn="tl">
+                    <a:srgbClr val="000000">
+                      <a:alpha val="43137"/>
+                    </a:srgbClr>
+                  </a:outerShdw>
+                </a:effectLst>
+                <a:latin typeface="Sylfaen" panose="010A0502050306030303" pitchFamily="18" charset="0"/>
+              </a:rPr>
+              <a:t>pageContext</a:t>
+            </a:r>
+            <a:endParaRPr lang="hy-AM" sz="2700" dirty="0">
+              <a:effectLst>
+                <a:outerShdw blurRad="38100" dist="38100" dir="2700000" algn="tl">
+                  <a:srgbClr val="000000">
+                    <a:alpha val="43137"/>
+                  </a:srgbClr>
+                </a:outerShdw>
+              </a:effectLst>
+              <a:latin typeface="Sylfaen" panose="010A0502050306030303" pitchFamily="18" charset="0"/>
+            </a:endParaRPr>
+          </a:p>
+          <a:p>
+            <a:pPr marL="0" indent="0">
+              <a:buFont typeface="Arial" panose="020B0604020202020204" pitchFamily="34" charset="0"/>
+              <a:buNone/>
+            </a:pPr>
+            <a:endParaRPr lang="en-US" sz="2500" dirty="0">
+              <a:effectLst>
+                <a:outerShdw blurRad="38100" dist="38100" dir="2700000" algn="tl">
+                  <a:srgbClr val="000000">
+                    <a:alpha val="43137"/>
+                  </a:srgbClr>
+                </a:outerShdw>
+              </a:effectLst>
+              <a:latin typeface="Sylfaen" panose="010A0502050306030303" pitchFamily="18" charset="0"/>
+            </a:endParaRPr>
+          </a:p>
+          <a:p>
+            <a:pPr marL="0" indent="0">
+              <a:buFont typeface="Arial" panose="020B0604020202020204" pitchFamily="34" charset="0"/>
+              <a:buNone/>
+            </a:pPr>
+            <a:r>
+              <a:rPr lang="en-US" sz="2500" dirty="0">
+                <a:effectLst>
+                  <a:outerShdw blurRad="38100" dist="38100" dir="2700000" algn="tl">
+                    <a:srgbClr val="000000">
+                      <a:alpha val="43137"/>
+                    </a:srgbClr>
+                  </a:outerShdw>
+                </a:effectLst>
+                <a:latin typeface="Sylfaen" panose="010A0502050306030303" pitchFamily="18" charset="0"/>
+              </a:rPr>
+              <a:t>                                        </a:t>
+            </a:r>
+            <a:endParaRPr lang="en-US" sz="2900" dirty="0">
+              <a:effectLst>
+                <a:outerShdw blurRad="38100" dist="38100" dir="2700000" algn="tl">
+                  <a:srgbClr val="000000">
+                    <a:alpha val="43137"/>
+                  </a:srgbClr>
+                </a:outerShdw>
+              </a:effectLst>
+              <a:latin typeface="Sylfaen" panose="010A0502050306030303" pitchFamily="18" charset="0"/>
+            </a:endParaRPr>
+          </a:p>
+        </p:txBody>
+      </p:sp>
+      <p:sp>
+        <p:nvSpPr>
+          <p:cNvPr id="19" name="Right Brace 4">
+            <a:extLst>
+              <a:ext uri="{FF2B5EF4-FFF2-40B4-BE49-F238E27FC236}">
+                <a16:creationId xmlns:a16="http://schemas.microsoft.com/office/drawing/2014/main" id="{6EC92EBF-2499-451C-8702-2BD602BE9439}"/>
+              </a:ext>
+            </a:extLst>
+          </p:cNvPr>
+          <p:cNvSpPr/>
+          <p:nvPr/>
+        </p:nvSpPr>
+        <p:spPr>
+          <a:xfrm>
+            <a:off x="2216437" y="4358902"/>
+            <a:ext cx="106092" cy="350918"/>
+          </a:xfrm>
+          <a:prstGeom prst="rightBrace">
+            <a:avLst/>
+          </a:prstGeom>
+        </p:spPr>
+        <p:style>
+          <a:lnRef idx="3">
+            <a:schemeClr val="dk1"/>
+          </a:lnRef>
+          <a:fillRef idx="0">
+            <a:schemeClr val="dk1"/>
+          </a:fillRef>
+          <a:effectRef idx="2">
+            <a:schemeClr val="dk1"/>
+          </a:effectRef>
+          <a:fontRef idx="minor">
+            <a:schemeClr val="tx1"/>
+          </a:fontRef>
+        </p:style>
+        <p:txBody>
+          <a:bodyPr rtlCol="0" anchor="ctr"/>
+          <a:lstStyle/>
+          <a:p>
+            <a:pPr algn="ctr"/>
+            <a:endParaRPr lang="en-US"/>
+          </a:p>
+        </p:txBody>
+      </p:sp>
+      <p:sp>
+        <p:nvSpPr>
+          <p:cNvPr id="20" name="Right Brace 4">
+            <a:extLst>
+              <a:ext uri="{FF2B5EF4-FFF2-40B4-BE49-F238E27FC236}">
+                <a16:creationId xmlns:a16="http://schemas.microsoft.com/office/drawing/2014/main" id="{CC0366A7-5701-4F63-AE57-94C956A923E9}"/>
+              </a:ext>
+            </a:extLst>
+          </p:cNvPr>
+          <p:cNvSpPr/>
+          <p:nvPr/>
+        </p:nvSpPr>
+        <p:spPr>
+          <a:xfrm>
+            <a:off x="8525287" y="4742180"/>
+            <a:ext cx="106092" cy="350918"/>
+          </a:xfrm>
+          <a:prstGeom prst="rightBrace">
+            <a:avLst/>
+          </a:prstGeom>
+        </p:spPr>
+        <p:style>
+          <a:lnRef idx="3">
+            <a:schemeClr val="dk1"/>
+          </a:lnRef>
+          <a:fillRef idx="0">
+            <a:schemeClr val="dk1"/>
+          </a:fillRef>
+          <a:effectRef idx="2">
+            <a:schemeClr val="dk1"/>
+          </a:effectRef>
+          <a:fontRef idx="minor">
+            <a:schemeClr val="tx1"/>
+          </a:fontRef>
+        </p:style>
+        <p:txBody>
+          <a:bodyPr rtlCol="0" anchor="ctr"/>
+          <a:lstStyle/>
+          <a:p>
+            <a:pPr algn="ctr"/>
+            <a:endParaRPr lang="en-US"/>
+          </a:p>
+        </p:txBody>
+      </p:sp>
+      <p:sp>
+        <p:nvSpPr>
+          <p:cNvPr id="21" name="Content Placeholder 2">
+            <a:extLst>
+              <a:ext uri="{FF2B5EF4-FFF2-40B4-BE49-F238E27FC236}">
+                <a16:creationId xmlns:a16="http://schemas.microsoft.com/office/drawing/2014/main" id="{0D14204B-97C9-4D80-8C4F-1484559783C6}"/>
+              </a:ext>
+            </a:extLst>
+          </p:cNvPr>
+          <p:cNvSpPr txBox="1">
+            <a:spLocks/>
+          </p:cNvSpPr>
+          <p:nvPr/>
+        </p:nvSpPr>
+        <p:spPr>
+          <a:xfrm>
+            <a:off x="8922130" y="4473707"/>
+            <a:ext cx="1905003" cy="902855"/>
+          </a:xfrm>
+          <a:prstGeom prst="rect">
+            <a:avLst/>
+          </a:prstGeom>
+        </p:spPr>
+        <p:txBody>
+          <a:bodyPr vert="horz" lIns="91440" tIns="45720" rIns="91440" bIns="45720" rtlCol="0">
+            <a:normAutofit lnSpcReduction="10000"/>
+          </a:bodyPr>
+          <a:lstStyle>
+            <a:lvl1pPr marL="228600" indent="-228600" algn="l" defTabSz="914400" rtl="0" eaLnBrk="1" latinLnBrk="0" hangingPunct="1">
+              <a:lnSpc>
+                <a:spcPct val="90000"/>
+              </a:lnSpc>
+              <a:spcBef>
+                <a:spcPts val="1000"/>
+              </a:spcBef>
+              <a:buFont typeface="Arial" panose="020B0604020202020204" pitchFamily="34" charset="0"/>
+              <a:buChar char="•"/>
+              <a:defRPr sz="2800" kern="1200">
+                <a:solidFill>
+                  <a:schemeClr val="tx1"/>
+                </a:solidFill>
+                <a:latin typeface="+mn-lt"/>
+                <a:ea typeface="+mn-ea"/>
+                <a:cs typeface="+mn-cs"/>
+              </a:defRPr>
+            </a:lvl1pPr>
+            <a:lvl2pPr marL="685800" indent="-228600" algn="l" defTabSz="914400" rtl="0" eaLnBrk="1" latinLnBrk="0" hangingPunct="1">
+              <a:lnSpc>
+                <a:spcPct val="90000"/>
+              </a:lnSpc>
+              <a:spcBef>
+                <a:spcPts val="500"/>
+              </a:spcBef>
+              <a:buFont typeface="Arial" panose="020B0604020202020204" pitchFamily="34" charset="0"/>
+              <a:buChar char="•"/>
+              <a:defRPr sz="2400" kern="1200">
+                <a:solidFill>
+                  <a:schemeClr val="tx1"/>
+                </a:solidFill>
+                <a:latin typeface="+mn-lt"/>
+                <a:ea typeface="+mn-ea"/>
+                <a:cs typeface="+mn-cs"/>
+              </a:defRPr>
+            </a:lvl2pPr>
+            <a:lvl3pPr marL="1143000" indent="-228600" algn="l" defTabSz="914400" rtl="0" eaLnBrk="1" latinLnBrk="0" hangingPunct="1">
+              <a:lnSpc>
+                <a:spcPct val="90000"/>
+              </a:lnSpc>
+              <a:spcBef>
+                <a:spcPts val="500"/>
+              </a:spcBef>
+              <a:buFont typeface="Arial" panose="020B0604020202020204" pitchFamily="34" charset="0"/>
+              <a:buChar char="•"/>
+              <a:defRPr sz="2000" kern="1200">
+                <a:solidFill>
+                  <a:schemeClr val="tx1"/>
+                </a:solidFill>
+                <a:latin typeface="+mn-lt"/>
+                <a:ea typeface="+mn-ea"/>
+                <a:cs typeface="+mn-cs"/>
+              </a:defRPr>
+            </a:lvl3pPr>
+            <a:lvl4pPr marL="1600200" indent="-228600" algn="l" defTabSz="914400" rtl="0" eaLnBrk="1" latinLnBrk="0" hangingPunct="1">
+              <a:lnSpc>
+                <a:spcPct val="90000"/>
+              </a:lnSpc>
+              <a:spcBef>
+                <a:spcPts val="500"/>
+              </a:spcBef>
+              <a:buFont typeface="Arial" panose="020B0604020202020204" pitchFamily="34" charset="0"/>
+              <a:buChar char="•"/>
+              <a:defRPr sz="1800" kern="1200">
+                <a:solidFill>
+                  <a:schemeClr val="tx1"/>
+                </a:solidFill>
+                <a:latin typeface="+mn-lt"/>
+                <a:ea typeface="+mn-ea"/>
+                <a:cs typeface="+mn-cs"/>
+              </a:defRPr>
+            </a:lvl4pPr>
+            <a:lvl5pPr marL="2057400" indent="-228600" algn="l" defTabSz="914400" rtl="0" eaLnBrk="1" latinLnBrk="0" hangingPunct="1">
+              <a:lnSpc>
+                <a:spcPct val="90000"/>
+              </a:lnSpc>
+              <a:spcBef>
+                <a:spcPts val="500"/>
+              </a:spcBef>
+              <a:buFont typeface="Arial" panose="020B0604020202020204" pitchFamily="34" charset="0"/>
+              <a:buChar char="•"/>
+              <a:defRPr sz="1800" kern="1200">
+                <a:solidFill>
+                  <a:schemeClr val="tx1"/>
+                </a:solidFill>
+                <a:latin typeface="+mn-lt"/>
+                <a:ea typeface="+mn-ea"/>
+                <a:cs typeface="+mn-cs"/>
+              </a:defRPr>
+            </a:lvl5pPr>
+            <a:lvl6pPr marL="2514600" indent="-228600" algn="l" defTabSz="914400" rtl="0" eaLnBrk="1" latinLnBrk="0" hangingPunct="1">
+              <a:lnSpc>
+                <a:spcPct val="90000"/>
+              </a:lnSpc>
+              <a:spcBef>
+                <a:spcPts val="500"/>
+              </a:spcBef>
+              <a:buFont typeface="Arial" panose="020B0604020202020204" pitchFamily="34" charset="0"/>
+              <a:buChar char="•"/>
+              <a:defRPr sz="1800" kern="1200">
+                <a:solidFill>
+                  <a:schemeClr val="tx1"/>
+                </a:solidFill>
+                <a:latin typeface="+mn-lt"/>
+                <a:ea typeface="+mn-ea"/>
+                <a:cs typeface="+mn-cs"/>
+              </a:defRPr>
+            </a:lvl6pPr>
+            <a:lvl7pPr marL="2971800" indent="-228600" algn="l" defTabSz="914400" rtl="0" eaLnBrk="1" latinLnBrk="0" hangingPunct="1">
+              <a:lnSpc>
+                <a:spcPct val="90000"/>
+              </a:lnSpc>
+              <a:spcBef>
+                <a:spcPts val="500"/>
+              </a:spcBef>
+              <a:buFont typeface="Arial" panose="020B0604020202020204" pitchFamily="34" charset="0"/>
+              <a:buChar char="•"/>
+              <a:defRPr sz="1800" kern="1200">
+                <a:solidFill>
+                  <a:schemeClr val="tx1"/>
+                </a:solidFill>
+                <a:latin typeface="+mn-lt"/>
+                <a:ea typeface="+mn-ea"/>
+                <a:cs typeface="+mn-cs"/>
+              </a:defRPr>
+            </a:lvl7pPr>
+            <a:lvl8pPr marL="3429000" indent="-228600" algn="l" defTabSz="914400" rtl="0" eaLnBrk="1" latinLnBrk="0" hangingPunct="1">
+              <a:lnSpc>
+                <a:spcPct val="90000"/>
+              </a:lnSpc>
+              <a:spcBef>
+                <a:spcPts val="500"/>
+              </a:spcBef>
+              <a:buFont typeface="Arial" panose="020B0604020202020204" pitchFamily="34" charset="0"/>
+              <a:buChar char="•"/>
+              <a:defRPr sz="1800" kern="1200">
+                <a:solidFill>
+                  <a:schemeClr val="tx1"/>
+                </a:solidFill>
+                <a:latin typeface="+mn-lt"/>
+                <a:ea typeface="+mn-ea"/>
+                <a:cs typeface="+mn-cs"/>
+              </a:defRPr>
+            </a:lvl8pPr>
+            <a:lvl9pPr marL="3886200" indent="-228600" algn="l" defTabSz="914400" rtl="0" eaLnBrk="1" latinLnBrk="0" hangingPunct="1">
+              <a:lnSpc>
+                <a:spcPct val="90000"/>
+              </a:lnSpc>
+              <a:spcBef>
+                <a:spcPts val="500"/>
+              </a:spcBef>
+              <a:buFont typeface="Arial" panose="020B0604020202020204" pitchFamily="34" charset="0"/>
+              <a:buChar char="•"/>
+              <a:defRPr sz="1800" kern="1200">
+                <a:solidFill>
+                  <a:schemeClr val="tx1"/>
+                </a:solidFill>
+                <a:latin typeface="+mn-lt"/>
+                <a:ea typeface="+mn-ea"/>
+                <a:cs typeface="+mn-cs"/>
+              </a:defRPr>
+            </a:lvl9pPr>
+          </a:lstStyle>
+          <a:p>
+            <a:pPr marL="0" indent="0" algn="ctr">
+              <a:buFont typeface="Arial" panose="020B0604020202020204" pitchFamily="34" charset="0"/>
+              <a:buNone/>
+            </a:pPr>
+            <a:r>
+              <a:rPr lang="en-US" sz="2500" dirty="0">
+                <a:effectLst>
+                  <a:outerShdw blurRad="38100" dist="38100" dir="2700000" algn="tl">
+                    <a:srgbClr val="000000">
+                      <a:alpha val="43137"/>
+                    </a:srgbClr>
+                  </a:outerShdw>
+                </a:effectLst>
+                <a:latin typeface="Sylfaen" panose="010A0502050306030303" pitchFamily="18" charset="0"/>
+              </a:rPr>
+              <a:t>map of</a:t>
+            </a:r>
+          </a:p>
+          <a:p>
+            <a:pPr marL="0" indent="0" algn="ctr">
+              <a:buFont typeface="Arial" panose="020B0604020202020204" pitchFamily="34" charset="0"/>
+              <a:buNone/>
+            </a:pPr>
+            <a:r>
+              <a:rPr lang="en-US" sz="2500" dirty="0" err="1">
+                <a:effectLst>
+                  <a:outerShdw blurRad="38100" dist="38100" dir="2700000" algn="tl">
+                    <a:srgbClr val="000000">
+                      <a:alpha val="43137"/>
+                    </a:srgbClr>
+                  </a:outerShdw>
+                </a:effectLst>
+                <a:latin typeface="Sylfaen" panose="010A0502050306030303" pitchFamily="18" charset="0"/>
+              </a:rPr>
+              <a:t>init</a:t>
+            </a:r>
+            <a:r>
+              <a:rPr lang="en-US" sz="2500" dirty="0">
+                <a:effectLst>
+                  <a:outerShdw blurRad="38100" dist="38100" dir="2700000" algn="tl">
+                    <a:srgbClr val="000000">
+                      <a:alpha val="43137"/>
+                    </a:srgbClr>
+                  </a:outerShdw>
+                </a:effectLst>
+                <a:latin typeface="Sylfaen" panose="010A0502050306030303" pitchFamily="18" charset="0"/>
+              </a:rPr>
+              <a:t> params</a:t>
             </a:r>
             <a:endParaRPr lang="hy-AM" sz="2500" dirty="0">
               <a:effectLst>
@@ -17930,7 +19009,7 @@
         </p:nvSpPr>
         <p:spPr>
           <a:xfrm>
-            <a:off x="150135" y="1425912"/>
+            <a:off x="300270" y="1108412"/>
             <a:ext cx="11891730" cy="5327888"/>
           </a:xfrm>
         </p:spPr>
@@ -18040,7 +19119,28 @@
                 </a:effectLst>
                 <a:latin typeface="Sylfaen" panose="010A0502050306030303" pitchFamily="18" charset="0"/>
               </a:rPr>
-              <a:t> id=“person” class=“</a:t>
+              <a:t> id=“person” class=“Person” type=“Human” scope=“request” /&gt;</a:t>
+            </a:r>
+          </a:p>
+          <a:p>
+            <a:pPr marL="0" indent="0">
+              <a:lnSpc>
+                <a:spcPct val="150000"/>
+              </a:lnSpc>
+              <a:buNone/>
+            </a:pPr>
+            <a:r>
+              <a:rPr lang="hy-AM" sz="2800" dirty="0">
+                <a:effectLst>
+                  <a:outerShdw blurRad="38100" dist="38100" dir="2700000" algn="tl">
+                    <a:srgbClr val="000000">
+                      <a:alpha val="43137"/>
+                    </a:srgbClr>
+                  </a:outerShdw>
+                </a:effectLst>
+                <a:latin typeface="Sylfaen" panose="010A0502050306030303" pitchFamily="18" charset="0"/>
+              </a:rPr>
+              <a:t>&lt;</a:t>
             </a:r>
             <a:r>
               <a:rPr lang="en-US" sz="2800" dirty="0" err="1">
@@ -18053,7 +19153,7 @@
                 </a:effectLst>
                 <a:latin typeface="Sylfaen" panose="010A0502050306030303" pitchFamily="18" charset="0"/>
               </a:rPr>
-              <a:t>foo.Person</a:t>
+              <a:t>jsp:useBean</a:t>
             </a:r>
             <a:r>
               <a:rPr lang="en-US" sz="2800" dirty="0">
@@ -18066,7 +19166,59 @@
                 </a:effectLst>
                 <a:latin typeface="Sylfaen" panose="010A0502050306030303" pitchFamily="18" charset="0"/>
               </a:rPr>
-              <a:t>” type=“Human” scope=“request” /&gt;</a:t>
+              <a:t>&gt; body </a:t>
+            </a:r>
+            <a:r>
+              <a:rPr lang="hy-AM" sz="2800" dirty="0">
+                <a:effectLst>
+                  <a:outerShdw blurRad="38100" dist="38100" dir="2700000" algn="tl">
+                    <a:srgbClr val="000000">
+                      <a:alpha val="43137"/>
+                    </a:srgbClr>
+                  </a:outerShdw>
+                </a:effectLst>
+                <a:latin typeface="Sylfaen" panose="010A0502050306030303" pitchFamily="18" charset="0"/>
+              </a:rPr>
+              <a:t>&lt;</a:t>
+            </a:r>
+            <a:r>
+              <a:rPr lang="en-US" sz="2800" dirty="0">
+                <a:effectLst>
+                  <a:outerShdw blurRad="38100" dist="38100" dir="2700000" algn="tl">
+                    <a:srgbClr val="000000">
+                      <a:alpha val="43137"/>
+                    </a:srgbClr>
+                  </a:outerShdw>
+                </a:effectLst>
+                <a:latin typeface="Sylfaen" panose="010A0502050306030303" pitchFamily="18" charset="0"/>
+              </a:rPr>
+              <a:t>/ </a:t>
+            </a:r>
+            <a:r>
+              <a:rPr lang="en-US" sz="2800" dirty="0" err="1">
+                <a:effectLst>
+                  <a:outerShdw blurRad="38100" dist="38100" dir="2700000" algn="tl">
+                    <a:srgbClr val="000000">
+                      <a:alpha val="43137"/>
+                    </a:srgbClr>
+                  </a:outerShdw>
+                </a:effectLst>
+                <a:latin typeface="Sylfaen" panose="010A0502050306030303" pitchFamily="18" charset="0"/>
+              </a:rPr>
+              <a:t>jsp:useBean</a:t>
+            </a:r>
+            <a:r>
+              <a:rPr lang="en-US" sz="2800" dirty="0">
+                <a:effectLst>
+                  <a:outerShdw blurRad="38100" dist="38100" dir="2700000" algn="tl">
+                    <a:srgbClr val="000000">
+                      <a:alpha val="43137"/>
+                    </a:srgbClr>
+                  </a:outerShdw>
+                </a:effectLst>
+                <a:latin typeface="Sylfaen" panose="010A0502050306030303" pitchFamily="18" charset="0"/>
+              </a:rPr>
+              <a:t>&gt; </a:t>
             </a:r>
           </a:p>
           <a:p>
@@ -18087,20 +19239,7 @@
                 </a:effectLst>
                 <a:latin typeface="Sylfaen" panose="010A0502050306030303" pitchFamily="18" charset="0"/>
               </a:rPr>
-              <a:t>&lt;</a:t>
-            </a:r>
-            <a:r>
-              <a:rPr lang="en-US" sz="2800" dirty="0" err="1">
-                <a:effectLst>
-                  <a:outerShdw blurRad="38100" dist="38100" dir="2700000" algn="tl">
-                    <a:srgbClr val="000000">
-                      <a:alpha val="43137"/>
-                    </a:srgbClr>
-                  </a:outerShdw>
-                </a:effectLst>
-                <a:latin typeface="Sylfaen" panose="010A0502050306030303" pitchFamily="18" charset="0"/>
-              </a:rPr>
-              <a:t>jsp:useBean</a:t>
+              <a:t>&lt;jsp:setProperty name="person" property="name" value=</a:t>
             </a:r>
             <a:r>
               <a:rPr lang="en-US" sz="2800" dirty="0">
@@ -18113,7 +19252,7 @@
                 </a:effectLst>
                 <a:latin typeface="Sylfaen" panose="010A0502050306030303" pitchFamily="18" charset="0"/>
               </a:rPr>
-              <a:t>&gt; body </a:t>
+              <a:t>“John</a:t>
             </a:r>
             <a:r>
               <a:rPr lang="hy-AM" sz="2800" dirty="0">
@@ -18126,46 +19265,7 @@
                 </a:effectLst>
                 <a:latin typeface="Sylfaen" panose="010A0502050306030303" pitchFamily="18" charset="0"/>
               </a:rPr>
-              <a:t>&lt;</a:t>
-            </a:r>
-            <a:r>
-              <a:rPr lang="en-US" sz="2800" dirty="0">
-                <a:effectLst>
-                  <a:outerShdw blurRad="38100" dist="38100" dir="2700000" algn="tl">
-                    <a:srgbClr val="000000">
-                      <a:alpha val="43137"/>
-                    </a:srgbClr>
-                  </a:outerShdw>
-                </a:effectLst>
-                <a:latin typeface="Sylfaen" panose="010A0502050306030303" pitchFamily="18" charset="0"/>
-              </a:rPr>
-              <a:t>/ </a:t>
-            </a:r>
-            <a:r>
-              <a:rPr lang="en-US" sz="2800" dirty="0" err="1">
-                <a:effectLst>
-                  <a:outerShdw blurRad="38100" dist="38100" dir="2700000" algn="tl">
-                    <a:srgbClr val="000000">
-                      <a:alpha val="43137"/>
-                    </a:srgbClr>
-                  </a:outerShdw>
-                </a:effectLst>
-                <a:latin typeface="Sylfaen" panose="010A0502050306030303" pitchFamily="18" charset="0"/>
-              </a:rPr>
-              <a:t>jsp:useBean</a:t>
-            </a:r>
-            <a:r>
-              <a:rPr lang="en-US" sz="2800" dirty="0">
-                <a:effectLst>
-                  <a:outerShdw blurRad="38100" dist="38100" dir="2700000" algn="tl">
-                    <a:srgbClr val="000000">
-                      <a:alpha val="43137"/>
-                    </a:srgbClr>
-                  </a:outerShdw>
-                </a:effectLst>
-                <a:latin typeface="Sylfaen" panose="010A0502050306030303" pitchFamily="18" charset="0"/>
-              </a:rPr>
-              <a:t>&gt; </a:t>
+              <a:t>" /&gt;</a:t>
             </a:r>
           </a:p>
           <a:p>
@@ -18176,33 +19276,59 @@
               <a:buNone/>
             </a:pPr>
             <a:r>
-              <a:rPr lang="hy-AM" sz="2800" dirty="0">
-                <a:effectLst>
-                  <a:outerShdw blurRad="38100" dist="38100" dir="2700000" algn="tl">
-                    <a:srgbClr val="000000">
-                      <a:alpha val="43137"/>
-                    </a:srgbClr>
-                  </a:outerShdw>
-                </a:effectLst>
-                <a:latin typeface="Sylfaen" panose="010A0502050306030303" pitchFamily="18" charset="0"/>
-              </a:rPr>
-              <a:t>&lt;jsp:setProperty name="person" property="name" value=</a:t>
-            </a:r>
-            <a:r>
-              <a:rPr lang="en-US" sz="2800" dirty="0">
-                <a:effectLst>
-                  <a:outerShdw blurRad="38100" dist="38100" dir="2700000" algn="tl">
-                    <a:srgbClr val="000000">
-                      <a:alpha val="43137"/>
-                    </a:srgbClr>
-                  </a:outerShdw>
-                </a:effectLst>
-                <a:latin typeface="Sylfaen" panose="010A0502050306030303" pitchFamily="18" charset="0"/>
-              </a:rPr>
-              <a:t>“John</a:t>
-            </a:r>
-            <a:r>
-              <a:rPr lang="hy-AM" sz="2800" dirty="0">
+              <a:rPr lang="hy-AM" dirty="0">
+                <a:effectLst>
+                  <a:outerShdw blurRad="38100" dist="38100" dir="2700000" algn="tl">
+                    <a:srgbClr val="000000">
+                      <a:alpha val="43137"/>
+                    </a:srgbClr>
+                  </a:outerShdw>
+                </a:effectLst>
+                <a:latin typeface="Sylfaen" panose="010A0502050306030303" pitchFamily="18" charset="0"/>
+              </a:rPr>
+              <a:t>&lt;jsp:setProperty name="person" </a:t>
+            </a:r>
+            <a:r>
+              <a:rPr lang="en-US" dirty="0">
+                <a:effectLst>
+                  <a:outerShdw blurRad="38100" dist="38100" dir="2700000" algn="tl">
+                    <a:srgbClr val="000000">
+                      <a:alpha val="43137"/>
+                    </a:srgbClr>
+                  </a:outerShdw>
+                </a:effectLst>
+                <a:latin typeface="Sylfaen" panose="010A0502050306030303" pitchFamily="18" charset="0"/>
+              </a:rPr>
+              <a:t>param</a:t>
+            </a:r>
+            <a:r>
+              <a:rPr lang="hy-AM" dirty="0">
+                <a:effectLst>
+                  <a:outerShdw blurRad="38100" dist="38100" dir="2700000" algn="tl">
+                    <a:srgbClr val="000000">
+                      <a:alpha val="43137"/>
+                    </a:srgbClr>
+                  </a:outerShdw>
+                </a:effectLst>
+                <a:latin typeface="Sylfaen" panose="010A0502050306030303" pitchFamily="18" charset="0"/>
+              </a:rPr>
+              <a:t>=“</a:t>
+            </a:r>
+            <a:r>
+              <a:rPr lang="en-US" dirty="0">
+                <a:effectLst>
+                  <a:outerShdw blurRad="38100" dist="38100" dir="2700000" algn="tl">
+                    <a:srgbClr val="000000">
+                      <a:alpha val="43137"/>
+                    </a:srgbClr>
+                  </a:outerShdw>
+                </a:effectLst>
+                <a:latin typeface="Sylfaen" panose="010A0502050306030303" pitchFamily="18" charset="0"/>
+              </a:rPr>
+              <a:t>*</a:t>
+            </a:r>
+            <a:r>
+              <a:rPr lang="hy-AM" dirty="0">
                 <a:effectLst>
                   <a:outerShdw blurRad="38100" dist="38100" dir="2700000" algn="tl">
                     <a:srgbClr val="000000">
@@ -18389,7 +19515,7 @@
         </p:nvCxnSpPr>
         <p:spPr>
           <a:xfrm>
-            <a:off x="569235" y="1146273"/>
+            <a:off x="569235" y="943073"/>
             <a:ext cx="11053530" cy="0"/>
           </a:xfrm>
           <a:prstGeom prst="line">

--- a/Servlet/Servlet_Presentation.pptx
+++ b/Servlet/Servlet_Presentation.pptx
@@ -225,7 +225,7 @@
           <a:p>
             <a:fld id="{F988C94B-7918-458B-9AF1-0DBDD7FC850F}" type="datetimeFigureOut">
               <a:rPr lang="en-US" smtClean="0"/>
-              <a:t>8/20/2022</a:t>
+              <a:t>8/23/2022</a:t>
             </a:fld>
             <a:endParaRPr lang="en-US"/>
           </a:p>
@@ -707,7 +707,7 @@
           <a:p>
             <a:fld id="{0A968979-5CB5-4E5D-B82F-DAC09775BD7D}" type="datetimeFigureOut">
               <a:rPr lang="en-US" smtClean="0"/>
-              <a:t>8/20/2022</a:t>
+              <a:t>8/23/2022</a:t>
             </a:fld>
             <a:endParaRPr lang="en-US"/>
           </a:p>
@@ -877,7 +877,7 @@
           <a:p>
             <a:fld id="{0A968979-5CB5-4E5D-B82F-DAC09775BD7D}" type="datetimeFigureOut">
               <a:rPr lang="en-US" smtClean="0"/>
-              <a:t>8/20/2022</a:t>
+              <a:t>8/23/2022</a:t>
             </a:fld>
             <a:endParaRPr lang="en-US"/>
           </a:p>
@@ -1057,7 +1057,7 @@
           <a:p>
             <a:fld id="{0A968979-5CB5-4E5D-B82F-DAC09775BD7D}" type="datetimeFigureOut">
               <a:rPr lang="en-US" smtClean="0"/>
-              <a:t>8/20/2022</a:t>
+              <a:t>8/23/2022</a:t>
             </a:fld>
             <a:endParaRPr lang="en-US"/>
           </a:p>
@@ -1227,7 +1227,7 @@
           <a:p>
             <a:fld id="{0A968979-5CB5-4E5D-B82F-DAC09775BD7D}" type="datetimeFigureOut">
               <a:rPr lang="en-US" smtClean="0"/>
-              <a:t>8/20/2022</a:t>
+              <a:t>8/23/2022</a:t>
             </a:fld>
             <a:endParaRPr lang="en-US"/>
           </a:p>
@@ -1473,7 +1473,7 @@
           <a:p>
             <a:fld id="{0A968979-5CB5-4E5D-B82F-DAC09775BD7D}" type="datetimeFigureOut">
               <a:rPr lang="en-US" smtClean="0"/>
-              <a:t>8/20/2022</a:t>
+              <a:t>8/23/2022</a:t>
             </a:fld>
             <a:endParaRPr lang="en-US"/>
           </a:p>
@@ -1705,7 +1705,7 @@
           <a:p>
             <a:fld id="{0A968979-5CB5-4E5D-B82F-DAC09775BD7D}" type="datetimeFigureOut">
               <a:rPr lang="en-US" smtClean="0"/>
-              <a:t>8/20/2022</a:t>
+              <a:t>8/23/2022</a:t>
             </a:fld>
             <a:endParaRPr lang="en-US"/>
           </a:p>
@@ -2072,7 +2072,7 @@
           <a:p>
             <a:fld id="{0A968979-5CB5-4E5D-B82F-DAC09775BD7D}" type="datetimeFigureOut">
               <a:rPr lang="en-US" smtClean="0"/>
-              <a:t>8/20/2022</a:t>
+              <a:t>8/23/2022</a:t>
             </a:fld>
             <a:endParaRPr lang="en-US"/>
           </a:p>
@@ -2190,7 +2190,7 @@
           <a:p>
             <a:fld id="{0A968979-5CB5-4E5D-B82F-DAC09775BD7D}" type="datetimeFigureOut">
               <a:rPr lang="en-US" smtClean="0"/>
-              <a:t>8/20/2022</a:t>
+              <a:t>8/23/2022</a:t>
             </a:fld>
             <a:endParaRPr lang="en-US"/>
           </a:p>
@@ -2285,7 +2285,7 @@
           <a:p>
             <a:fld id="{0A968979-5CB5-4E5D-B82F-DAC09775BD7D}" type="datetimeFigureOut">
               <a:rPr lang="en-US" smtClean="0"/>
-              <a:t>8/20/2022</a:t>
+              <a:t>8/23/2022</a:t>
             </a:fld>
             <a:endParaRPr lang="en-US"/>
           </a:p>
@@ -2562,7 +2562,7 @@
           <a:p>
             <a:fld id="{0A968979-5CB5-4E5D-B82F-DAC09775BD7D}" type="datetimeFigureOut">
               <a:rPr lang="en-US" smtClean="0"/>
-              <a:t>8/20/2022</a:t>
+              <a:t>8/23/2022</a:t>
             </a:fld>
             <a:endParaRPr lang="en-US"/>
           </a:p>
@@ -2819,7 +2819,7 @@
           <a:p>
             <a:fld id="{0A968979-5CB5-4E5D-B82F-DAC09775BD7D}" type="datetimeFigureOut">
               <a:rPr lang="en-US" smtClean="0"/>
-              <a:t>8/20/2022</a:t>
+              <a:t>8/23/2022</a:t>
             </a:fld>
             <a:endParaRPr lang="en-US"/>
           </a:p>
@@ -3032,7 +3032,7 @@
           <a:p>
             <a:fld id="{0A968979-5CB5-4E5D-B82F-DAC09775BD7D}" type="datetimeFigureOut">
               <a:rPr lang="en-US" smtClean="0"/>
-              <a:t>8/20/2022</a:t>
+              <a:t>8/23/2022</a:t>
             </a:fld>
             <a:endParaRPr lang="en-US"/>
           </a:p>
@@ -21402,7 +21402,7 @@
               <a:rPr lang="en-US" dirty="0">
                 <a:latin typeface="Sylfaen" panose="010A0502050306030303" pitchFamily="18" charset="0"/>
               </a:rPr>
-              <a:t>Servlet mapping and application configuration</a:t>
+              <a:t>Application configuration and servlet mapping</a:t>
             </a:r>
             <a:endParaRPr lang="en-US" dirty="0"/>
           </a:p>
@@ -21426,7 +21426,7 @@
         </p:nvSpPr>
         <p:spPr>
           <a:xfrm>
-            <a:off x="1279702" y="1953133"/>
+            <a:off x="1257931" y="1996675"/>
             <a:ext cx="3577111" cy="3848061"/>
           </a:xfrm>
         </p:spPr>
@@ -21448,7 +21448,7 @@
                 </a:effectLst>
                 <a:latin typeface="Sylfaen" panose="010A0502050306030303" pitchFamily="18" charset="0"/>
               </a:rPr>
-              <a:t>Servlet mapping</a:t>
+              <a:t>web.xml</a:t>
             </a:r>
           </a:p>
           <a:p>
@@ -21471,39 +21471,6 @@
               <a:buNone/>
             </a:pPr>
             <a:r>
-              <a:rPr lang="en-US" sz="3600" dirty="0">
-                <a:effectLst>
-                  <a:outerShdw blurRad="38100" dist="38100" dir="2700000" algn="tl">
-                    <a:srgbClr val="000000">
-                      <a:alpha val="43137"/>
-                    </a:srgbClr>
-                  </a:outerShdw>
-                </a:effectLst>
-                <a:latin typeface="Sylfaen" panose="010A0502050306030303" pitchFamily="18" charset="0"/>
-              </a:rPr>
-              <a:t>web.xml</a:t>
-            </a:r>
-          </a:p>
-          <a:p>
-            <a:pPr marL="0" indent="0">
-              <a:buNone/>
-            </a:pPr>
-            <a:endParaRPr lang="en-US" sz="3600" dirty="0">
-              <a:effectLst>
-                <a:outerShdw blurRad="38100" dist="38100" dir="2700000" algn="tl">
-                  <a:srgbClr val="000000">
-                    <a:alpha val="43137"/>
-                  </a:srgbClr>
-                </a:outerShdw>
-              </a:effectLst>
-              <a:latin typeface="Sylfaen" panose="010A0502050306030303" pitchFamily="18" charset="0"/>
-            </a:endParaRPr>
-          </a:p>
-          <a:p>
-            <a:pPr marL="0" indent="0">
-              <a:buNone/>
-            </a:pPr>
-            <a:r>
               <a:rPr lang="en-US" sz="3600" dirty="0" err="1">
                 <a:effectLst>
                   <a:outerShdw blurRad="38100" dist="38100" dir="2700000" algn="tl">
@@ -21541,6 +21508,24 @@
               </a:effectLst>
               <a:latin typeface="Sylfaen" panose="010A0502050306030303" pitchFamily="18" charset="0"/>
             </a:endParaRPr>
+          </a:p>
+          <a:p>
+            <a:pPr marL="0" indent="0">
+              <a:buNone/>
+            </a:pPr>
+            <a:r>
+              <a:rPr lang="en-US" sz="3600" dirty="0">
+                <a:effectLst>
+                  <a:outerShdw blurRad="38100" dist="38100" dir="2700000" algn="tl">
+                    <a:srgbClr val="000000">
+                      <a:alpha val="43137"/>
+                    </a:srgbClr>
+                  </a:outerShdw>
+                </a:effectLst>
+                <a:latin typeface="Sylfaen" panose="010A0502050306030303" pitchFamily="18" charset="0"/>
+              </a:rPr>
+              <a:t>Servlet mapping</a:t>
+            </a:r>
           </a:p>
         </p:txBody>
       </p:sp>

--- a/Servlet/Servlet_Presentation.pptx
+++ b/Servlet/Servlet_Presentation.pptx
@@ -225,7 +225,7 @@
           <a:p>
             <a:fld id="{F988C94B-7918-458B-9AF1-0DBDD7FC850F}" type="datetimeFigureOut">
               <a:rPr lang="en-US" smtClean="0"/>
-              <a:t>8/23/2022</a:t>
+              <a:t>2022-08-23</a:t>
             </a:fld>
             <a:endParaRPr lang="en-US"/>
           </a:p>
@@ -707,7 +707,7 @@
           <a:p>
             <a:fld id="{0A968979-5CB5-4E5D-B82F-DAC09775BD7D}" type="datetimeFigureOut">
               <a:rPr lang="en-US" smtClean="0"/>
-              <a:t>8/23/2022</a:t>
+              <a:t>2022-08-23</a:t>
             </a:fld>
             <a:endParaRPr lang="en-US"/>
           </a:p>
@@ -877,7 +877,7 @@
           <a:p>
             <a:fld id="{0A968979-5CB5-4E5D-B82F-DAC09775BD7D}" type="datetimeFigureOut">
               <a:rPr lang="en-US" smtClean="0"/>
-              <a:t>8/23/2022</a:t>
+              <a:t>2022-08-23</a:t>
             </a:fld>
             <a:endParaRPr lang="en-US"/>
           </a:p>
@@ -1057,7 +1057,7 @@
           <a:p>
             <a:fld id="{0A968979-5CB5-4E5D-B82F-DAC09775BD7D}" type="datetimeFigureOut">
               <a:rPr lang="en-US" smtClean="0"/>
-              <a:t>8/23/2022</a:t>
+              <a:t>2022-08-23</a:t>
             </a:fld>
             <a:endParaRPr lang="en-US"/>
           </a:p>
@@ -1227,7 +1227,7 @@
           <a:p>
             <a:fld id="{0A968979-5CB5-4E5D-B82F-DAC09775BD7D}" type="datetimeFigureOut">
               <a:rPr lang="en-US" smtClean="0"/>
-              <a:t>8/23/2022</a:t>
+              <a:t>2022-08-23</a:t>
             </a:fld>
             <a:endParaRPr lang="en-US"/>
           </a:p>
@@ -1473,7 +1473,7 @@
           <a:p>
             <a:fld id="{0A968979-5CB5-4E5D-B82F-DAC09775BD7D}" type="datetimeFigureOut">
               <a:rPr lang="en-US" smtClean="0"/>
-              <a:t>8/23/2022</a:t>
+              <a:t>2022-08-23</a:t>
             </a:fld>
             <a:endParaRPr lang="en-US"/>
           </a:p>
@@ -1705,7 +1705,7 @@
           <a:p>
             <a:fld id="{0A968979-5CB5-4E5D-B82F-DAC09775BD7D}" type="datetimeFigureOut">
               <a:rPr lang="en-US" smtClean="0"/>
-              <a:t>8/23/2022</a:t>
+              <a:t>2022-08-23</a:t>
             </a:fld>
             <a:endParaRPr lang="en-US"/>
           </a:p>
@@ -2072,7 +2072,7 @@
           <a:p>
             <a:fld id="{0A968979-5CB5-4E5D-B82F-DAC09775BD7D}" type="datetimeFigureOut">
               <a:rPr lang="en-US" smtClean="0"/>
-              <a:t>8/23/2022</a:t>
+              <a:t>2022-08-23</a:t>
             </a:fld>
             <a:endParaRPr lang="en-US"/>
           </a:p>
@@ -2190,7 +2190,7 @@
           <a:p>
             <a:fld id="{0A968979-5CB5-4E5D-B82F-DAC09775BD7D}" type="datetimeFigureOut">
               <a:rPr lang="en-US" smtClean="0"/>
-              <a:t>8/23/2022</a:t>
+              <a:t>2022-08-23</a:t>
             </a:fld>
             <a:endParaRPr lang="en-US"/>
           </a:p>
@@ -2285,7 +2285,7 @@
           <a:p>
             <a:fld id="{0A968979-5CB5-4E5D-B82F-DAC09775BD7D}" type="datetimeFigureOut">
               <a:rPr lang="en-US" smtClean="0"/>
-              <a:t>8/23/2022</a:t>
+              <a:t>2022-08-23</a:t>
             </a:fld>
             <a:endParaRPr lang="en-US"/>
           </a:p>
@@ -2562,7 +2562,7 @@
           <a:p>
             <a:fld id="{0A968979-5CB5-4E5D-B82F-DAC09775BD7D}" type="datetimeFigureOut">
               <a:rPr lang="en-US" smtClean="0"/>
-              <a:t>8/23/2022</a:t>
+              <a:t>2022-08-23</a:t>
             </a:fld>
             <a:endParaRPr lang="en-US"/>
           </a:p>
@@ -2819,7 +2819,7 @@
           <a:p>
             <a:fld id="{0A968979-5CB5-4E5D-B82F-DAC09775BD7D}" type="datetimeFigureOut">
               <a:rPr lang="en-US" smtClean="0"/>
-              <a:t>8/23/2022</a:t>
+              <a:t>2022-08-23</a:t>
             </a:fld>
             <a:endParaRPr lang="en-US"/>
           </a:p>
@@ -3032,7 +3032,7 @@
           <a:p>
             <a:fld id="{0A968979-5CB5-4E5D-B82F-DAC09775BD7D}" type="datetimeFigureOut">
               <a:rPr lang="en-US" smtClean="0"/>
-              <a:t>8/23/2022</a:t>
+              <a:t>2022-08-23</a:t>
             </a:fld>
             <a:endParaRPr lang="en-US"/>
           </a:p>
@@ -3673,6 +3673,35 @@
             </a:endParaRPr>
           </a:p>
           <a:p>
+            <a:pPr marL="0" indent="0">
+              <a:buNone/>
+            </a:pPr>
+            <a:r>
+              <a:rPr lang="en-US" sz="3600">
+                <a:effectLst>
+                  <a:outerShdw blurRad="38100" dist="38100" dir="2700000" algn="tl">
+                    <a:srgbClr val="000000">
+                      <a:alpha val="43137"/>
+                    </a:srgbClr>
+                  </a:outerShdw>
+                </a:effectLst>
+                <a:latin typeface="Sylfaen" panose="010A0502050306030303" pitchFamily="18" charset="0"/>
+              </a:rPr>
+              <a:t>String </a:t>
+            </a:r>
+            <a:r>
+              <a:rPr lang="hy-AM" sz="3600">
+                <a:effectLst>
+                  <a:outerShdw blurRad="38100" dist="38100" dir="2700000" algn="tl">
+                    <a:srgbClr val="000000">
+                      <a:alpha val="43137"/>
+                    </a:srgbClr>
+                  </a:outerShdw>
+                </a:effectLst>
+                <a:latin typeface="Sylfaen" panose="010A0502050306030303" pitchFamily="18" charset="0"/>
+              </a:rPr>
+              <a:t>getParameter</a:t>
+            </a:r>
             <a:r>
               <a:rPr lang="hy-AM" sz="3600" dirty="0">
                 <a:effectLst>
@@ -3684,7 +3713,7 @@
                 </a:effectLst>
                 <a:latin typeface="Sylfaen" panose="010A0502050306030303" pitchFamily="18" charset="0"/>
               </a:rPr>
-              <a:t>getParameter(String param)</a:t>
+              <a:t>(String param)</a:t>
             </a:r>
             <a:endParaRPr lang="ru-RU" sz="3600" dirty="0">
               <a:effectLst>
@@ -3698,6 +3727,35 @@
             </a:endParaRPr>
           </a:p>
           <a:p>
+            <a:pPr marL="0" indent="0">
+              <a:buNone/>
+            </a:pPr>
+            <a:r>
+              <a:rPr lang="en-US" sz="3600">
+                <a:effectLst>
+                  <a:outerShdw blurRad="38100" dist="38100" dir="2700000" algn="tl">
+                    <a:srgbClr val="000000">
+                      <a:alpha val="43137"/>
+                    </a:srgbClr>
+                  </a:outerShdw>
+                </a:effectLst>
+                <a:latin typeface="Sylfaen" panose="010A0502050306030303" pitchFamily="18" charset="0"/>
+              </a:rPr>
+              <a:t>String [] </a:t>
+            </a:r>
+            <a:r>
+              <a:rPr lang="hy-AM" sz="3600">
+                <a:effectLst>
+                  <a:outerShdw blurRad="38100" dist="38100" dir="2700000" algn="tl">
+                    <a:srgbClr val="000000">
+                      <a:alpha val="43137"/>
+                    </a:srgbClr>
+                  </a:outerShdw>
+                </a:effectLst>
+                <a:latin typeface="Sylfaen" panose="010A0502050306030303" pitchFamily="18" charset="0"/>
+              </a:rPr>
+              <a:t>getParameterValues</a:t>
+            </a:r>
             <a:r>
               <a:rPr lang="hy-AM" sz="3600" dirty="0">
                 <a:effectLst>
@@ -3709,7 +3767,7 @@
                 </a:effectLst>
                 <a:latin typeface="Sylfaen" panose="010A0502050306030303" pitchFamily="18" charset="0"/>
               </a:rPr>
-              <a:t>getParameterValues(String param) </a:t>
+              <a:t>(String param) </a:t>
             </a:r>
             <a:endParaRPr lang="en-US" sz="3600" dirty="0">
               <a:effectLst>

--- a/Servlet/Servlet_Presentation.pptx
+++ b/Servlet/Servlet_Presentation.pptx
@@ -225,7 +225,7 @@
           <a:p>
             <a:fld id="{F988C94B-7918-458B-9AF1-0DBDD7FC850F}" type="datetimeFigureOut">
               <a:rPr lang="en-US" smtClean="0"/>
-              <a:t>2022-08-23</a:t>
+              <a:t>8/24/2022</a:t>
             </a:fld>
             <a:endParaRPr lang="en-US"/>
           </a:p>
@@ -707,7 +707,7 @@
           <a:p>
             <a:fld id="{0A968979-5CB5-4E5D-B82F-DAC09775BD7D}" type="datetimeFigureOut">
               <a:rPr lang="en-US" smtClean="0"/>
-              <a:t>2022-08-23</a:t>
+              <a:t>8/24/2022</a:t>
             </a:fld>
             <a:endParaRPr lang="en-US"/>
           </a:p>
@@ -877,7 +877,7 @@
           <a:p>
             <a:fld id="{0A968979-5CB5-4E5D-B82F-DAC09775BD7D}" type="datetimeFigureOut">
               <a:rPr lang="en-US" smtClean="0"/>
-              <a:t>2022-08-23</a:t>
+              <a:t>8/24/2022</a:t>
             </a:fld>
             <a:endParaRPr lang="en-US"/>
           </a:p>
@@ -1057,7 +1057,7 @@
           <a:p>
             <a:fld id="{0A968979-5CB5-4E5D-B82F-DAC09775BD7D}" type="datetimeFigureOut">
               <a:rPr lang="en-US" smtClean="0"/>
-              <a:t>2022-08-23</a:t>
+              <a:t>8/24/2022</a:t>
             </a:fld>
             <a:endParaRPr lang="en-US"/>
           </a:p>
@@ -1227,7 +1227,7 @@
           <a:p>
             <a:fld id="{0A968979-5CB5-4E5D-B82F-DAC09775BD7D}" type="datetimeFigureOut">
               <a:rPr lang="en-US" smtClean="0"/>
-              <a:t>2022-08-23</a:t>
+              <a:t>8/24/2022</a:t>
             </a:fld>
             <a:endParaRPr lang="en-US"/>
           </a:p>
@@ -1473,7 +1473,7 @@
           <a:p>
             <a:fld id="{0A968979-5CB5-4E5D-B82F-DAC09775BD7D}" type="datetimeFigureOut">
               <a:rPr lang="en-US" smtClean="0"/>
-              <a:t>2022-08-23</a:t>
+              <a:t>8/24/2022</a:t>
             </a:fld>
             <a:endParaRPr lang="en-US"/>
           </a:p>
@@ -1705,7 +1705,7 @@
           <a:p>
             <a:fld id="{0A968979-5CB5-4E5D-B82F-DAC09775BD7D}" type="datetimeFigureOut">
               <a:rPr lang="en-US" smtClean="0"/>
-              <a:t>2022-08-23</a:t>
+              <a:t>8/24/2022</a:t>
             </a:fld>
             <a:endParaRPr lang="en-US"/>
           </a:p>
@@ -2072,7 +2072,7 @@
           <a:p>
             <a:fld id="{0A968979-5CB5-4E5D-B82F-DAC09775BD7D}" type="datetimeFigureOut">
               <a:rPr lang="en-US" smtClean="0"/>
-              <a:t>2022-08-23</a:t>
+              <a:t>8/24/2022</a:t>
             </a:fld>
             <a:endParaRPr lang="en-US"/>
           </a:p>
@@ -2190,7 +2190,7 @@
           <a:p>
             <a:fld id="{0A968979-5CB5-4E5D-B82F-DAC09775BD7D}" type="datetimeFigureOut">
               <a:rPr lang="en-US" smtClean="0"/>
-              <a:t>2022-08-23</a:t>
+              <a:t>8/24/2022</a:t>
             </a:fld>
             <a:endParaRPr lang="en-US"/>
           </a:p>
@@ -2285,7 +2285,7 @@
           <a:p>
             <a:fld id="{0A968979-5CB5-4E5D-B82F-DAC09775BD7D}" type="datetimeFigureOut">
               <a:rPr lang="en-US" smtClean="0"/>
-              <a:t>2022-08-23</a:t>
+              <a:t>8/24/2022</a:t>
             </a:fld>
             <a:endParaRPr lang="en-US"/>
           </a:p>
@@ -2562,7 +2562,7 @@
           <a:p>
             <a:fld id="{0A968979-5CB5-4E5D-B82F-DAC09775BD7D}" type="datetimeFigureOut">
               <a:rPr lang="en-US" smtClean="0"/>
-              <a:t>2022-08-23</a:t>
+              <a:t>8/24/2022</a:t>
             </a:fld>
             <a:endParaRPr lang="en-US"/>
           </a:p>
@@ -2819,7 +2819,7 @@
           <a:p>
             <a:fld id="{0A968979-5CB5-4E5D-B82F-DAC09775BD7D}" type="datetimeFigureOut">
               <a:rPr lang="en-US" smtClean="0"/>
-              <a:t>2022-08-23</a:t>
+              <a:t>8/24/2022</a:t>
             </a:fld>
             <a:endParaRPr lang="en-US"/>
           </a:p>
@@ -3032,7 +3032,7 @@
           <a:p>
             <a:fld id="{0A968979-5CB5-4E5D-B82F-DAC09775BD7D}" type="datetimeFigureOut">
               <a:rPr lang="en-US" smtClean="0"/>
-              <a:t>2022-08-23</a:t>
+              <a:t>8/24/2022</a:t>
             </a:fld>
             <a:endParaRPr lang="en-US"/>
           </a:p>
@@ -3677,7 +3677,7 @@
               <a:buNone/>
             </a:pPr>
             <a:r>
-              <a:rPr lang="en-US" sz="3600">
+              <a:rPr lang="en-US" sz="3600" dirty="0">
                 <a:effectLst>
                   <a:outerShdw blurRad="38100" dist="38100" dir="2700000" algn="tl">
                     <a:srgbClr val="000000">
@@ -3690,19 +3690,6 @@
               <a:t>String </a:t>
             </a:r>
             <a:r>
-              <a:rPr lang="hy-AM" sz="3600">
-                <a:effectLst>
-                  <a:outerShdw blurRad="38100" dist="38100" dir="2700000" algn="tl">
-                    <a:srgbClr val="000000">
-                      <a:alpha val="43137"/>
-                    </a:srgbClr>
-                  </a:outerShdw>
-                </a:effectLst>
-                <a:latin typeface="Sylfaen" panose="010A0502050306030303" pitchFamily="18" charset="0"/>
-              </a:rPr>
-              <a:t>getParameter</a:t>
-            </a:r>
-            <a:r>
               <a:rPr lang="hy-AM" sz="3600" dirty="0">
                 <a:effectLst>
                   <a:outerShdw blurRad="38100" dist="38100" dir="2700000" algn="tl">
@@ -3713,7 +3700,7 @@
                 </a:effectLst>
                 <a:latin typeface="Sylfaen" panose="010A0502050306030303" pitchFamily="18" charset="0"/>
               </a:rPr>
-              <a:t>(String param)</a:t>
+              <a:t>getParameter(String param)</a:t>
             </a:r>
             <a:endParaRPr lang="ru-RU" sz="3600" dirty="0">
               <a:effectLst>
@@ -3731,7 +3718,7 @@
               <a:buNone/>
             </a:pPr>
             <a:r>
-              <a:rPr lang="en-US" sz="3600">
+              <a:rPr lang="en-US" sz="3600" dirty="0">
                 <a:effectLst>
                   <a:outerShdw blurRad="38100" dist="38100" dir="2700000" algn="tl">
                     <a:srgbClr val="000000">
@@ -3744,19 +3731,6 @@
               <a:t>String [] </a:t>
             </a:r>
             <a:r>
-              <a:rPr lang="hy-AM" sz="3600">
-                <a:effectLst>
-                  <a:outerShdw blurRad="38100" dist="38100" dir="2700000" algn="tl">
-                    <a:srgbClr val="000000">
-                      <a:alpha val="43137"/>
-                    </a:srgbClr>
-                  </a:outerShdw>
-                </a:effectLst>
-                <a:latin typeface="Sylfaen" panose="010A0502050306030303" pitchFamily="18" charset="0"/>
-              </a:rPr>
-              <a:t>getParameterValues</a:t>
-            </a:r>
-            <a:r>
               <a:rPr lang="hy-AM" sz="3600" dirty="0">
                 <a:effectLst>
                   <a:outerShdw blurRad="38100" dist="38100" dir="2700000" algn="tl">
@@ -3767,7 +3741,7 @@
                 </a:effectLst>
                 <a:latin typeface="Sylfaen" panose="010A0502050306030303" pitchFamily="18" charset="0"/>
               </a:rPr>
-              <a:t>(String param) </a:t>
+              <a:t>getParameterValues(String param) </a:t>
             </a:r>
             <a:endParaRPr lang="en-US" sz="3600" dirty="0">
               <a:effectLst>

--- a/Servlet/Servlet_Presentation.pptx
+++ b/Servlet/Servlet_Presentation.pptx
@@ -225,7 +225,7 @@
           <a:p>
             <a:fld id="{F988C94B-7918-458B-9AF1-0DBDD7FC850F}" type="datetimeFigureOut">
               <a:rPr lang="en-US" smtClean="0"/>
-              <a:t>8/24/2022</a:t>
+              <a:t>2022-08-26</a:t>
             </a:fld>
             <a:endParaRPr lang="en-US"/>
           </a:p>
@@ -707,7 +707,7 @@
           <a:p>
             <a:fld id="{0A968979-5CB5-4E5D-B82F-DAC09775BD7D}" type="datetimeFigureOut">
               <a:rPr lang="en-US" smtClean="0"/>
-              <a:t>8/24/2022</a:t>
+              <a:t>2022-08-26</a:t>
             </a:fld>
             <a:endParaRPr lang="en-US"/>
           </a:p>
@@ -877,7 +877,7 @@
           <a:p>
             <a:fld id="{0A968979-5CB5-4E5D-B82F-DAC09775BD7D}" type="datetimeFigureOut">
               <a:rPr lang="en-US" smtClean="0"/>
-              <a:t>8/24/2022</a:t>
+              <a:t>2022-08-26</a:t>
             </a:fld>
             <a:endParaRPr lang="en-US"/>
           </a:p>
@@ -1057,7 +1057,7 @@
           <a:p>
             <a:fld id="{0A968979-5CB5-4E5D-B82F-DAC09775BD7D}" type="datetimeFigureOut">
               <a:rPr lang="en-US" smtClean="0"/>
-              <a:t>8/24/2022</a:t>
+              <a:t>2022-08-26</a:t>
             </a:fld>
             <a:endParaRPr lang="en-US"/>
           </a:p>
@@ -1227,7 +1227,7 @@
           <a:p>
             <a:fld id="{0A968979-5CB5-4E5D-B82F-DAC09775BD7D}" type="datetimeFigureOut">
               <a:rPr lang="en-US" smtClean="0"/>
-              <a:t>8/24/2022</a:t>
+              <a:t>2022-08-26</a:t>
             </a:fld>
             <a:endParaRPr lang="en-US"/>
           </a:p>
@@ -1473,7 +1473,7 @@
           <a:p>
             <a:fld id="{0A968979-5CB5-4E5D-B82F-DAC09775BD7D}" type="datetimeFigureOut">
               <a:rPr lang="en-US" smtClean="0"/>
-              <a:t>8/24/2022</a:t>
+              <a:t>2022-08-26</a:t>
             </a:fld>
             <a:endParaRPr lang="en-US"/>
           </a:p>
@@ -1705,7 +1705,7 @@
           <a:p>
             <a:fld id="{0A968979-5CB5-4E5D-B82F-DAC09775BD7D}" type="datetimeFigureOut">
               <a:rPr lang="en-US" smtClean="0"/>
-              <a:t>8/24/2022</a:t>
+              <a:t>2022-08-26</a:t>
             </a:fld>
             <a:endParaRPr lang="en-US"/>
           </a:p>
@@ -2072,7 +2072,7 @@
           <a:p>
             <a:fld id="{0A968979-5CB5-4E5D-B82F-DAC09775BD7D}" type="datetimeFigureOut">
               <a:rPr lang="en-US" smtClean="0"/>
-              <a:t>8/24/2022</a:t>
+              <a:t>2022-08-26</a:t>
             </a:fld>
             <a:endParaRPr lang="en-US"/>
           </a:p>
@@ -2190,7 +2190,7 @@
           <a:p>
             <a:fld id="{0A968979-5CB5-4E5D-B82F-DAC09775BD7D}" type="datetimeFigureOut">
               <a:rPr lang="en-US" smtClean="0"/>
-              <a:t>8/24/2022</a:t>
+              <a:t>2022-08-26</a:t>
             </a:fld>
             <a:endParaRPr lang="en-US"/>
           </a:p>
@@ -2285,7 +2285,7 @@
           <a:p>
             <a:fld id="{0A968979-5CB5-4E5D-B82F-DAC09775BD7D}" type="datetimeFigureOut">
               <a:rPr lang="en-US" smtClean="0"/>
-              <a:t>8/24/2022</a:t>
+              <a:t>2022-08-26</a:t>
             </a:fld>
             <a:endParaRPr lang="en-US"/>
           </a:p>
@@ -2562,7 +2562,7 @@
           <a:p>
             <a:fld id="{0A968979-5CB5-4E5D-B82F-DAC09775BD7D}" type="datetimeFigureOut">
               <a:rPr lang="en-US" smtClean="0"/>
-              <a:t>8/24/2022</a:t>
+              <a:t>2022-08-26</a:t>
             </a:fld>
             <a:endParaRPr lang="en-US"/>
           </a:p>
@@ -2819,7 +2819,7 @@
           <a:p>
             <a:fld id="{0A968979-5CB5-4E5D-B82F-DAC09775BD7D}" type="datetimeFigureOut">
               <a:rPr lang="en-US" smtClean="0"/>
-              <a:t>8/24/2022</a:t>
+              <a:t>2022-08-26</a:t>
             </a:fld>
             <a:endParaRPr lang="en-US"/>
           </a:p>
@@ -3032,7 +3032,7 @@
           <a:p>
             <a:fld id="{0A968979-5CB5-4E5D-B82F-DAC09775BD7D}" type="datetimeFigureOut">
               <a:rPr lang="en-US" smtClean="0"/>
-              <a:t>8/24/2022</a:t>
+              <a:t>2022-08-26</a:t>
             </a:fld>
             <a:endParaRPr lang="en-US"/>
           </a:p>

--- a/Servlet/Servlet_Presentation.pptx
+++ b/Servlet/Servlet_Presentation.pptx
@@ -5,7 +5,7 @@
     <p:sldMasterId id="2147483684" r:id="rId1"/>
   </p:sldMasterIdLst>
   <p:notesMasterIdLst>
-    <p:notesMasterId r:id="rId31"/>
+    <p:notesMasterId r:id="rId30"/>
   </p:notesMasterIdLst>
   <p:sldIdLst>
     <p:sldId id="257" r:id="rId2"/>
@@ -19,24 +19,23 @@
     <p:sldId id="265" r:id="rId10"/>
     <p:sldId id="267" r:id="rId11"/>
     <p:sldId id="268" r:id="rId12"/>
-    <p:sldId id="269" r:id="rId13"/>
-    <p:sldId id="270" r:id="rId14"/>
-    <p:sldId id="284" r:id="rId15"/>
-    <p:sldId id="285" r:id="rId16"/>
-    <p:sldId id="271" r:id="rId17"/>
-    <p:sldId id="266" r:id="rId18"/>
-    <p:sldId id="272" r:id="rId19"/>
-    <p:sldId id="283" r:id="rId20"/>
-    <p:sldId id="273" r:id="rId21"/>
-    <p:sldId id="275" r:id="rId22"/>
-    <p:sldId id="274" r:id="rId23"/>
-    <p:sldId id="276" r:id="rId24"/>
-    <p:sldId id="277" r:id="rId25"/>
-    <p:sldId id="278" r:id="rId26"/>
-    <p:sldId id="279" r:id="rId27"/>
-    <p:sldId id="280" r:id="rId28"/>
-    <p:sldId id="282" r:id="rId29"/>
-    <p:sldId id="281" r:id="rId30"/>
+    <p:sldId id="270" r:id="rId13"/>
+    <p:sldId id="284" r:id="rId14"/>
+    <p:sldId id="285" r:id="rId15"/>
+    <p:sldId id="271" r:id="rId16"/>
+    <p:sldId id="266" r:id="rId17"/>
+    <p:sldId id="272" r:id="rId18"/>
+    <p:sldId id="283" r:id="rId19"/>
+    <p:sldId id="273" r:id="rId20"/>
+    <p:sldId id="275" r:id="rId21"/>
+    <p:sldId id="274" r:id="rId22"/>
+    <p:sldId id="276" r:id="rId23"/>
+    <p:sldId id="277" r:id="rId24"/>
+    <p:sldId id="278" r:id="rId25"/>
+    <p:sldId id="279" r:id="rId26"/>
+    <p:sldId id="280" r:id="rId27"/>
+    <p:sldId id="282" r:id="rId28"/>
+    <p:sldId id="281" r:id="rId29"/>
   </p:sldIdLst>
   <p:sldSz cx="12192000" cy="6858000"/>
   <p:notesSz cx="6858000" cy="9144000"/>
@@ -225,7 +224,7 @@
           <a:p>
             <a:fld id="{F988C94B-7918-458B-9AF1-0DBDD7FC850F}" type="datetimeFigureOut">
               <a:rPr lang="en-US" smtClean="0"/>
-              <a:t>2022-08-26</a:t>
+              <a:t>8/28/2022</a:t>
             </a:fld>
             <a:endParaRPr lang="en-US"/>
           </a:p>
@@ -557,7 +556,7 @@
           <a:p>
             <a:fld id="{AD5C0D2C-FC79-4881-900B-A227C6589BC3}" type="slidenum">
               <a:rPr lang="en-US" smtClean="0"/>
-              <a:t>25</a:t>
+              <a:t>24</a:t>
             </a:fld>
             <a:endParaRPr lang="en-US"/>
           </a:p>
@@ -707,7 +706,7 @@
           <a:p>
             <a:fld id="{0A968979-5CB5-4E5D-B82F-DAC09775BD7D}" type="datetimeFigureOut">
               <a:rPr lang="en-US" smtClean="0"/>
-              <a:t>2022-08-26</a:t>
+              <a:t>8/28/2022</a:t>
             </a:fld>
             <a:endParaRPr lang="en-US"/>
           </a:p>
@@ -877,7 +876,7 @@
           <a:p>
             <a:fld id="{0A968979-5CB5-4E5D-B82F-DAC09775BD7D}" type="datetimeFigureOut">
               <a:rPr lang="en-US" smtClean="0"/>
-              <a:t>2022-08-26</a:t>
+              <a:t>8/28/2022</a:t>
             </a:fld>
             <a:endParaRPr lang="en-US"/>
           </a:p>
@@ -1057,7 +1056,7 @@
           <a:p>
             <a:fld id="{0A968979-5CB5-4E5D-B82F-DAC09775BD7D}" type="datetimeFigureOut">
               <a:rPr lang="en-US" smtClean="0"/>
-              <a:t>2022-08-26</a:t>
+              <a:t>8/28/2022</a:t>
             </a:fld>
             <a:endParaRPr lang="en-US"/>
           </a:p>
@@ -1227,7 +1226,7 @@
           <a:p>
             <a:fld id="{0A968979-5CB5-4E5D-B82F-DAC09775BD7D}" type="datetimeFigureOut">
               <a:rPr lang="en-US" smtClean="0"/>
-              <a:t>2022-08-26</a:t>
+              <a:t>8/28/2022</a:t>
             </a:fld>
             <a:endParaRPr lang="en-US"/>
           </a:p>
@@ -1473,7 +1472,7 @@
           <a:p>
             <a:fld id="{0A968979-5CB5-4E5D-B82F-DAC09775BD7D}" type="datetimeFigureOut">
               <a:rPr lang="en-US" smtClean="0"/>
-              <a:t>2022-08-26</a:t>
+              <a:t>8/28/2022</a:t>
             </a:fld>
             <a:endParaRPr lang="en-US"/>
           </a:p>
@@ -1705,7 +1704,7 @@
           <a:p>
             <a:fld id="{0A968979-5CB5-4E5D-B82F-DAC09775BD7D}" type="datetimeFigureOut">
               <a:rPr lang="en-US" smtClean="0"/>
-              <a:t>2022-08-26</a:t>
+              <a:t>8/28/2022</a:t>
             </a:fld>
             <a:endParaRPr lang="en-US"/>
           </a:p>
@@ -2072,7 +2071,7 @@
           <a:p>
             <a:fld id="{0A968979-5CB5-4E5D-B82F-DAC09775BD7D}" type="datetimeFigureOut">
               <a:rPr lang="en-US" smtClean="0"/>
-              <a:t>2022-08-26</a:t>
+              <a:t>8/28/2022</a:t>
             </a:fld>
             <a:endParaRPr lang="en-US"/>
           </a:p>
@@ -2190,7 +2189,7 @@
           <a:p>
             <a:fld id="{0A968979-5CB5-4E5D-B82F-DAC09775BD7D}" type="datetimeFigureOut">
               <a:rPr lang="en-US" smtClean="0"/>
-              <a:t>2022-08-26</a:t>
+              <a:t>8/28/2022</a:t>
             </a:fld>
             <a:endParaRPr lang="en-US"/>
           </a:p>
@@ -2285,7 +2284,7 @@
           <a:p>
             <a:fld id="{0A968979-5CB5-4E5D-B82F-DAC09775BD7D}" type="datetimeFigureOut">
               <a:rPr lang="en-US" smtClean="0"/>
-              <a:t>2022-08-26</a:t>
+              <a:t>8/28/2022</a:t>
             </a:fld>
             <a:endParaRPr lang="en-US"/>
           </a:p>
@@ -2562,7 +2561,7 @@
           <a:p>
             <a:fld id="{0A968979-5CB5-4E5D-B82F-DAC09775BD7D}" type="datetimeFigureOut">
               <a:rPr lang="en-US" smtClean="0"/>
-              <a:t>2022-08-26</a:t>
+              <a:t>8/28/2022</a:t>
             </a:fld>
             <a:endParaRPr lang="en-US"/>
           </a:p>
@@ -2819,7 +2818,7 @@
           <a:p>
             <a:fld id="{0A968979-5CB5-4E5D-B82F-DAC09775BD7D}" type="datetimeFigureOut">
               <a:rPr lang="en-US" smtClean="0"/>
-              <a:t>2022-08-26</a:t>
+              <a:t>8/28/2022</a:t>
             </a:fld>
             <a:endParaRPr lang="en-US"/>
           </a:p>
@@ -3032,7 +3031,7 @@
           <a:p>
             <a:fld id="{0A968979-5CB5-4E5D-B82F-DAC09775BD7D}" type="datetimeFigureOut">
               <a:rPr lang="en-US" smtClean="0"/>
-              <a:t>2022-08-26</a:t>
+              <a:t>8/28/2022</a:t>
             </a:fld>
             <a:endParaRPr lang="en-US"/>
           </a:p>
@@ -5278,146 +5277,6 @@
           <p:cNvPr id="2" name="Title 1">
             <a:extLst>
               <a:ext uri="{FF2B5EF4-FFF2-40B4-BE49-F238E27FC236}">
-                <a16:creationId xmlns:a16="http://schemas.microsoft.com/office/drawing/2014/main" id="{023F84FE-E61A-4C33-8A8A-8B5F3787D843}"/>
-              </a:ext>
-            </a:extLst>
-          </p:cNvPr>
-          <p:cNvSpPr>
-            <a:spLocks noGrp="1"/>
-          </p:cNvSpPr>
-          <p:nvPr>
-            <p:ph type="title"/>
-          </p:nvPr>
-        </p:nvSpPr>
-        <p:spPr>
-          <a:xfrm>
-            <a:off x="838200" y="0"/>
-            <a:ext cx="10515600" cy="1325563"/>
-          </a:xfrm>
-        </p:spPr>
-        <p:txBody>
-          <a:bodyPr/>
-          <a:lstStyle/>
-          <a:p>
-            <a:pPr algn="ctr"/>
-            <a:r>
-              <a:rPr lang="it-IT" dirty="0">
-                <a:latin typeface="Sylfaen" panose="010A0502050306030303" pitchFamily="18" charset="0"/>
-              </a:rPr>
-              <a:t>Model View Controller concept (MVC)</a:t>
-            </a:r>
-            <a:endParaRPr lang="en-US" dirty="0"/>
-          </a:p>
-        </p:txBody>
-      </p:sp>
-      <p:cxnSp>
-        <p:nvCxnSpPr>
-          <p:cNvPr id="6" name="Straight Connector 5">
-            <a:extLst>
-              <a:ext uri="{FF2B5EF4-FFF2-40B4-BE49-F238E27FC236}">
-                <a16:creationId xmlns:a16="http://schemas.microsoft.com/office/drawing/2014/main" id="{7B967C84-BFB7-4D58-9820-529226402FC1}"/>
-              </a:ext>
-            </a:extLst>
-          </p:cNvPr>
-          <p:cNvCxnSpPr>
-            <a:cxnSpLocks/>
-          </p:cNvCxnSpPr>
-          <p:nvPr/>
-        </p:nvCxnSpPr>
-        <p:spPr>
-          <a:xfrm>
-            <a:off x="674166" y="1160672"/>
-            <a:ext cx="11053530" cy="0"/>
-          </a:xfrm>
-          <a:prstGeom prst="line">
-            <a:avLst/>
-          </a:prstGeom>
-        </p:spPr>
-        <p:style>
-          <a:lnRef idx="3">
-            <a:schemeClr val="accent1"/>
-          </a:lnRef>
-          <a:fillRef idx="0">
-            <a:schemeClr val="accent1"/>
-          </a:fillRef>
-          <a:effectRef idx="2">
-            <a:schemeClr val="accent1"/>
-          </a:effectRef>
-          <a:fontRef idx="minor">
-            <a:schemeClr val="tx1"/>
-          </a:fontRef>
-        </p:style>
-      </p:cxnSp>
-      <p:pic>
-        <p:nvPicPr>
-          <p:cNvPr id="8" name="Content Placeholder 7">
-            <a:extLst>
-              <a:ext uri="{FF2B5EF4-FFF2-40B4-BE49-F238E27FC236}">
-                <a16:creationId xmlns:a16="http://schemas.microsoft.com/office/drawing/2014/main" id="{47660A82-CEA2-4EE7-B21E-1808F3421214}"/>
-              </a:ext>
-            </a:extLst>
-          </p:cNvPr>
-          <p:cNvPicPr>
-            <a:picLocks noGrp="1" noChangeAspect="1"/>
-          </p:cNvPicPr>
-          <p:nvPr>
-            <p:ph idx="1"/>
-          </p:nvPr>
-        </p:nvPicPr>
-        <p:blipFill>
-          <a:blip r:embed="rId2">
-            <a:extLst>
-              <a:ext uri="{28A0092B-C50C-407E-A947-70E740481C1C}">
-                <a14:useLocalDpi xmlns:a14="http://schemas.microsoft.com/office/drawing/2010/main" val="0"/>
-              </a:ext>
-            </a:extLst>
-          </a:blip>
-          <a:stretch>
-            <a:fillRect/>
-          </a:stretch>
-        </p:blipFill>
-        <p:spPr>
-          <a:xfrm>
-            <a:off x="1549690" y="1512067"/>
-            <a:ext cx="9092619" cy="4828772"/>
-          </a:xfrm>
-        </p:spPr>
-      </p:pic>
-    </p:spTree>
-    <p:extLst>
-      <p:ext uri="{BB962C8B-B14F-4D97-AF65-F5344CB8AC3E}">
-        <p14:creationId xmlns:p14="http://schemas.microsoft.com/office/powerpoint/2010/main" val="2956001621"/>
-      </p:ext>
-    </p:extLst>
-  </p:cSld>
-  <p:clrMapOvr>
-    <a:masterClrMapping/>
-  </p:clrMapOvr>
-</p:sld>
-</file>
-
-<file path=ppt/slides/slide13.xml><?xml version="1.0" encoding="utf-8"?>
-<p:sld xmlns:a="http://schemas.openxmlformats.org/drawingml/2006/main" xmlns:r="http://schemas.openxmlformats.org/officeDocument/2006/relationships" xmlns:p="http://schemas.openxmlformats.org/presentationml/2006/main">
-  <p:cSld>
-    <p:spTree>
-      <p:nvGrpSpPr>
-        <p:cNvPr id="1" name=""/>
-        <p:cNvGrpSpPr/>
-        <p:nvPr/>
-      </p:nvGrpSpPr>
-      <p:grpSpPr>
-        <a:xfrm>
-          <a:off x="0" y="0"/>
-          <a:ext cx="0" cy="0"/>
-          <a:chOff x="0" y="0"/>
-          <a:chExt cx="0" cy="0"/>
-        </a:xfrm>
-      </p:grpSpPr>
-      <p:sp>
-        <p:nvSpPr>
-          <p:cNvPr id="2" name="Title 1">
-            <a:extLst>
-              <a:ext uri="{FF2B5EF4-FFF2-40B4-BE49-F238E27FC236}">
                 <a16:creationId xmlns:a16="http://schemas.microsoft.com/office/drawing/2014/main" id="{91587CCF-6F83-43C5-A61C-903659B56F67}"/>
               </a:ext>
             </a:extLst>
@@ -5783,7 +5642,7 @@
 </p:sld>
 </file>
 
-<file path=ppt/slides/slide14.xml><?xml version="1.0" encoding="utf-8"?>
+<file path=ppt/slides/slide13.xml><?xml version="1.0" encoding="utf-8"?>
 <p:sld xmlns:a="http://schemas.openxmlformats.org/drawingml/2006/main" xmlns:r="http://schemas.openxmlformats.org/officeDocument/2006/relationships" xmlns:p="http://schemas.openxmlformats.org/presentationml/2006/main">
   <p:cSld>
     <p:spTree>
@@ -5962,7 +5821,7 @@
 </p:sld>
 </file>
 
-<file path=ppt/slides/slide15.xml><?xml version="1.0" encoding="utf-8"?>
+<file path=ppt/slides/slide14.xml><?xml version="1.0" encoding="utf-8"?>
 <p:sld xmlns:a="http://schemas.openxmlformats.org/drawingml/2006/main" xmlns:r="http://schemas.openxmlformats.org/officeDocument/2006/relationships" xmlns:p="http://schemas.openxmlformats.org/presentationml/2006/main">
   <p:cSld>
     <p:spTree>
@@ -6102,7 +5961,7 @@
 </p:sld>
 </file>
 
-<file path=ppt/slides/slide16.xml><?xml version="1.0" encoding="utf-8"?>
+<file path=ppt/slides/slide15.xml><?xml version="1.0" encoding="utf-8"?>
 <p:sld xmlns:a="http://schemas.openxmlformats.org/drawingml/2006/main" xmlns:r="http://schemas.openxmlformats.org/officeDocument/2006/relationships" xmlns:p="http://schemas.openxmlformats.org/presentationml/2006/main">
   <p:cSld>
     <p:spTree>
@@ -6811,7 +6670,7 @@
 </p:sld>
 </file>
 
-<file path=ppt/slides/slide17.xml><?xml version="1.0" encoding="utf-8"?>
+<file path=ppt/slides/slide16.xml><?xml version="1.0" encoding="utf-8"?>
 <p:sld xmlns:a="http://schemas.openxmlformats.org/drawingml/2006/main" xmlns:r="http://schemas.openxmlformats.org/officeDocument/2006/relationships" xmlns:p="http://schemas.openxmlformats.org/presentationml/2006/main">
   <p:cSld>
     <p:spTree>
@@ -6951,7 +6810,7 @@
 </p:sld>
 </file>
 
-<file path=ppt/slides/slide18.xml><?xml version="1.0" encoding="utf-8"?>
+<file path=ppt/slides/slide17.xml><?xml version="1.0" encoding="utf-8"?>
 <p:sld xmlns:a="http://schemas.openxmlformats.org/drawingml/2006/main" xmlns:r="http://schemas.openxmlformats.org/officeDocument/2006/relationships" xmlns:p="http://schemas.openxmlformats.org/presentationml/2006/main">
   <p:cSld>
     <p:spTree>
@@ -7806,7 +7665,7 @@
 </p:sld>
 </file>
 
-<file path=ppt/slides/slide19.xml><?xml version="1.0" encoding="utf-8"?>
+<file path=ppt/slides/slide18.xml><?xml version="1.0" encoding="utf-8"?>
 <p:sld xmlns:a="http://schemas.openxmlformats.org/drawingml/2006/main" xmlns:r="http://schemas.openxmlformats.org/officeDocument/2006/relationships" xmlns:p="http://schemas.openxmlformats.org/presentationml/2006/main">
   <p:cSld>
     <p:spTree>
@@ -8457,6 +8316,252 @@
 </p:sld>
 </file>
 
+<file path=ppt/slides/slide19.xml><?xml version="1.0" encoding="utf-8"?>
+<p:sld xmlns:a="http://schemas.openxmlformats.org/drawingml/2006/main" xmlns:r="http://schemas.openxmlformats.org/officeDocument/2006/relationships" xmlns:p="http://schemas.openxmlformats.org/presentationml/2006/main">
+  <p:cSld>
+    <p:spTree>
+      <p:nvGrpSpPr>
+        <p:cNvPr id="1" name=""/>
+        <p:cNvGrpSpPr/>
+        <p:nvPr/>
+      </p:nvGrpSpPr>
+      <p:grpSpPr>
+        <a:xfrm>
+          <a:off x="0" y="0"/>
+          <a:ext cx="0" cy="0"/>
+          <a:chOff x="0" y="0"/>
+          <a:chExt cx="0" cy="0"/>
+        </a:xfrm>
+      </p:grpSpPr>
+      <p:sp>
+        <p:nvSpPr>
+          <p:cNvPr id="2" name="Заголовок 1">
+            <a:extLst>
+              <a:ext uri="{FF2B5EF4-FFF2-40B4-BE49-F238E27FC236}">
+                <a16:creationId xmlns:a16="http://schemas.microsoft.com/office/drawing/2014/main" id="{825FDCFB-1AFA-4D9A-8C27-BE7DB335C885}"/>
+              </a:ext>
+            </a:extLst>
+          </p:cNvPr>
+          <p:cNvSpPr>
+            <a:spLocks noGrp="1"/>
+          </p:cNvSpPr>
+          <p:nvPr>
+            <p:ph type="title"/>
+          </p:nvPr>
+        </p:nvSpPr>
+        <p:spPr>
+          <a:xfrm>
+            <a:off x="838200" y="-46046"/>
+            <a:ext cx="10515600" cy="1325563"/>
+          </a:xfrm>
+        </p:spPr>
+        <p:txBody>
+          <a:bodyPr/>
+          <a:lstStyle/>
+          <a:p>
+            <a:pPr algn="ctr"/>
+            <a:r>
+              <a:rPr lang="en-US" dirty="0">
+                <a:latin typeface="Sylfaen" panose="010A0502050306030303" pitchFamily="18" charset="0"/>
+              </a:rPr>
+              <a:t>Java Server Page (JSP)</a:t>
+            </a:r>
+            <a:endParaRPr lang="ru-RU" dirty="0"/>
+          </a:p>
+        </p:txBody>
+      </p:sp>
+      <p:sp>
+        <p:nvSpPr>
+          <p:cNvPr id="3" name="Объект 2">
+            <a:extLst>
+              <a:ext uri="{FF2B5EF4-FFF2-40B4-BE49-F238E27FC236}">
+                <a16:creationId xmlns:a16="http://schemas.microsoft.com/office/drawing/2014/main" id="{760C7A5E-7C88-4686-9629-216BEC5B35AE}"/>
+              </a:ext>
+            </a:extLst>
+          </p:cNvPr>
+          <p:cNvSpPr>
+            <a:spLocks noGrp="1"/>
+          </p:cNvSpPr>
+          <p:nvPr>
+            <p:ph idx="1"/>
+          </p:nvPr>
+        </p:nvSpPr>
+        <p:spPr>
+          <a:xfrm>
+            <a:off x="838200" y="1614311"/>
+            <a:ext cx="10515600" cy="4562652"/>
+          </a:xfrm>
+        </p:spPr>
+        <p:txBody>
+          <a:bodyPr/>
+          <a:lstStyle/>
+          <a:p>
+            <a:pPr marL="0" indent="0" algn="ctr">
+              <a:buNone/>
+            </a:pPr>
+            <a:r>
+              <a:rPr lang="en-US" sz="2900" dirty="0">
+                <a:effectLst>
+                  <a:outerShdw blurRad="38100" dist="38100" dir="2700000" algn="tl">
+                    <a:srgbClr val="000000">
+                      <a:alpha val="43137"/>
+                    </a:srgbClr>
+                  </a:outerShdw>
+                </a:effectLst>
+                <a:latin typeface="Sylfaen" panose="010A0502050306030303" pitchFamily="18" charset="0"/>
+              </a:rPr>
+              <a:t>A technology that allows for the creation of dynamic web pages</a:t>
+            </a:r>
+          </a:p>
+          <a:p>
+            <a:pPr marL="0" indent="0" algn="ctr">
+              <a:buNone/>
+            </a:pPr>
+            <a:endParaRPr lang="en-US" sz="2900" dirty="0">
+              <a:effectLst>
+                <a:outerShdw blurRad="38100" dist="38100" dir="2700000" algn="tl">
+                  <a:srgbClr val="000000">
+                    <a:alpha val="43137"/>
+                  </a:srgbClr>
+                </a:outerShdw>
+              </a:effectLst>
+              <a:latin typeface="Sylfaen" panose="010A0502050306030303" pitchFamily="18" charset="0"/>
+            </a:endParaRPr>
+          </a:p>
+          <a:p>
+            <a:pPr marL="0" indent="0" algn="ctr">
+              <a:buNone/>
+            </a:pPr>
+            <a:endParaRPr lang="en-US" sz="2900" dirty="0">
+              <a:effectLst>
+                <a:outerShdw blurRad="38100" dist="38100" dir="2700000" algn="tl">
+                  <a:srgbClr val="000000">
+                    <a:alpha val="43137"/>
+                  </a:srgbClr>
+                </a:outerShdw>
+              </a:effectLst>
+              <a:latin typeface="Sylfaen" panose="010A0502050306030303" pitchFamily="18" charset="0"/>
+            </a:endParaRPr>
+          </a:p>
+          <a:p>
+            <a:pPr marL="0" indent="0">
+              <a:buNone/>
+            </a:pPr>
+            <a:endParaRPr lang="en-US" sz="2900" dirty="0">
+              <a:effectLst>
+                <a:outerShdw blurRad="38100" dist="38100" dir="2700000" algn="tl">
+                  <a:srgbClr val="000000">
+                    <a:alpha val="43137"/>
+                  </a:srgbClr>
+                </a:outerShdw>
+              </a:effectLst>
+              <a:latin typeface="Sylfaen" panose="010A0502050306030303" pitchFamily="18" charset="0"/>
+            </a:endParaRPr>
+          </a:p>
+          <a:p>
+            <a:pPr marL="0" indent="0">
+              <a:buNone/>
+            </a:pPr>
+            <a:endParaRPr lang="ru-RU" sz="2900" dirty="0">
+              <a:effectLst>
+                <a:outerShdw blurRad="38100" dist="38100" dir="2700000" algn="tl">
+                  <a:srgbClr val="000000">
+                    <a:alpha val="43137"/>
+                  </a:srgbClr>
+                </a:outerShdw>
+              </a:effectLst>
+              <a:latin typeface="Sylfaen" panose="010A0502050306030303" pitchFamily="18" charset="0"/>
+            </a:endParaRPr>
+          </a:p>
+        </p:txBody>
+      </p:sp>
+      <p:cxnSp>
+        <p:nvCxnSpPr>
+          <p:cNvPr id="4" name="Straight Connector 9">
+            <a:extLst>
+              <a:ext uri="{FF2B5EF4-FFF2-40B4-BE49-F238E27FC236}">
+                <a16:creationId xmlns:a16="http://schemas.microsoft.com/office/drawing/2014/main" id="{12D433A4-31FC-4CC4-B5D7-CDE93EE042D1}"/>
+              </a:ext>
+            </a:extLst>
+          </p:cNvPr>
+          <p:cNvCxnSpPr>
+            <a:cxnSpLocks/>
+          </p:cNvCxnSpPr>
+          <p:nvPr/>
+        </p:nvCxnSpPr>
+        <p:spPr>
+          <a:xfrm>
+            <a:off x="569235" y="1215216"/>
+            <a:ext cx="11053530" cy="0"/>
+          </a:xfrm>
+          <a:prstGeom prst="line">
+            <a:avLst/>
+          </a:prstGeom>
+        </p:spPr>
+        <p:style>
+          <a:lnRef idx="3">
+            <a:schemeClr val="accent1"/>
+          </a:lnRef>
+          <a:fillRef idx="0">
+            <a:schemeClr val="accent1"/>
+          </a:fillRef>
+          <a:effectRef idx="2">
+            <a:schemeClr val="accent1"/>
+          </a:effectRef>
+          <a:fontRef idx="minor">
+            <a:schemeClr val="tx1"/>
+          </a:fontRef>
+        </p:style>
+      </p:cxnSp>
+      <p:pic>
+        <p:nvPicPr>
+          <p:cNvPr id="6" name="Рисунок 5">
+            <a:extLst>
+              <a:ext uri="{FF2B5EF4-FFF2-40B4-BE49-F238E27FC236}">
+                <a16:creationId xmlns:a16="http://schemas.microsoft.com/office/drawing/2014/main" id="{7C2E6363-DEC7-4158-AA60-B098357C7252}"/>
+              </a:ext>
+            </a:extLst>
+          </p:cNvPr>
+          <p:cNvPicPr>
+            <a:picLocks noChangeAspect="1"/>
+          </p:cNvPicPr>
+          <p:nvPr/>
+        </p:nvPicPr>
+        <p:blipFill>
+          <a:blip r:embed="rId2">
+            <a:extLst>
+              <a:ext uri="{28A0092B-C50C-407E-A947-70E740481C1C}">
+                <a14:useLocalDpi xmlns:a14="http://schemas.microsoft.com/office/drawing/2010/main" val="0"/>
+              </a:ext>
+            </a:extLst>
+          </a:blip>
+          <a:stretch>
+            <a:fillRect/>
+          </a:stretch>
+        </p:blipFill>
+        <p:spPr>
+          <a:xfrm>
+            <a:off x="2854069" y="2237942"/>
+            <a:ext cx="6483861" cy="4096536"/>
+          </a:xfrm>
+          <a:prstGeom prst="rect">
+            <a:avLst/>
+          </a:prstGeom>
+        </p:spPr>
+      </p:pic>
+    </p:spTree>
+    <p:extLst>
+      <p:ext uri="{BB962C8B-B14F-4D97-AF65-F5344CB8AC3E}">
+        <p14:creationId xmlns:p14="http://schemas.microsoft.com/office/powerpoint/2010/main" val="2442087418"/>
+      </p:ext>
+    </p:extLst>
+  </p:cSld>
+  <p:clrMapOvr>
+    <a:masterClrMapping/>
+  </p:clrMapOvr>
+</p:sld>
+</file>
+
 <file path=ppt/slides/slide2.xml><?xml version="1.0" encoding="utf-8"?>
 <p:sld xmlns:a="http://schemas.openxmlformats.org/drawingml/2006/main" xmlns:r="http://schemas.openxmlformats.org/officeDocument/2006/relationships" xmlns:p="http://schemas.openxmlformats.org/presentationml/2006/main">
   <p:cSld>
@@ -8780,252 +8885,6 @@
 </file>
 
 <file path=ppt/slides/slide20.xml><?xml version="1.0" encoding="utf-8"?>
-<p:sld xmlns:a="http://schemas.openxmlformats.org/drawingml/2006/main" xmlns:r="http://schemas.openxmlformats.org/officeDocument/2006/relationships" xmlns:p="http://schemas.openxmlformats.org/presentationml/2006/main">
-  <p:cSld>
-    <p:spTree>
-      <p:nvGrpSpPr>
-        <p:cNvPr id="1" name=""/>
-        <p:cNvGrpSpPr/>
-        <p:nvPr/>
-      </p:nvGrpSpPr>
-      <p:grpSpPr>
-        <a:xfrm>
-          <a:off x="0" y="0"/>
-          <a:ext cx="0" cy="0"/>
-          <a:chOff x="0" y="0"/>
-          <a:chExt cx="0" cy="0"/>
-        </a:xfrm>
-      </p:grpSpPr>
-      <p:sp>
-        <p:nvSpPr>
-          <p:cNvPr id="2" name="Заголовок 1">
-            <a:extLst>
-              <a:ext uri="{FF2B5EF4-FFF2-40B4-BE49-F238E27FC236}">
-                <a16:creationId xmlns:a16="http://schemas.microsoft.com/office/drawing/2014/main" id="{825FDCFB-1AFA-4D9A-8C27-BE7DB335C885}"/>
-              </a:ext>
-            </a:extLst>
-          </p:cNvPr>
-          <p:cNvSpPr>
-            <a:spLocks noGrp="1"/>
-          </p:cNvSpPr>
-          <p:nvPr>
-            <p:ph type="title"/>
-          </p:nvPr>
-        </p:nvSpPr>
-        <p:spPr>
-          <a:xfrm>
-            <a:off x="838200" y="-46046"/>
-            <a:ext cx="10515600" cy="1325563"/>
-          </a:xfrm>
-        </p:spPr>
-        <p:txBody>
-          <a:bodyPr/>
-          <a:lstStyle/>
-          <a:p>
-            <a:pPr algn="ctr"/>
-            <a:r>
-              <a:rPr lang="en-US" dirty="0">
-                <a:latin typeface="Sylfaen" panose="010A0502050306030303" pitchFamily="18" charset="0"/>
-              </a:rPr>
-              <a:t>Java Server Page (JSP)</a:t>
-            </a:r>
-            <a:endParaRPr lang="ru-RU" dirty="0"/>
-          </a:p>
-        </p:txBody>
-      </p:sp>
-      <p:sp>
-        <p:nvSpPr>
-          <p:cNvPr id="3" name="Объект 2">
-            <a:extLst>
-              <a:ext uri="{FF2B5EF4-FFF2-40B4-BE49-F238E27FC236}">
-                <a16:creationId xmlns:a16="http://schemas.microsoft.com/office/drawing/2014/main" id="{760C7A5E-7C88-4686-9629-216BEC5B35AE}"/>
-              </a:ext>
-            </a:extLst>
-          </p:cNvPr>
-          <p:cNvSpPr>
-            <a:spLocks noGrp="1"/>
-          </p:cNvSpPr>
-          <p:nvPr>
-            <p:ph idx="1"/>
-          </p:nvPr>
-        </p:nvSpPr>
-        <p:spPr>
-          <a:xfrm>
-            <a:off x="838200" y="1614311"/>
-            <a:ext cx="10515600" cy="4562652"/>
-          </a:xfrm>
-        </p:spPr>
-        <p:txBody>
-          <a:bodyPr/>
-          <a:lstStyle/>
-          <a:p>
-            <a:pPr marL="0" indent="0" algn="ctr">
-              <a:buNone/>
-            </a:pPr>
-            <a:r>
-              <a:rPr lang="en-US" sz="2900" dirty="0">
-                <a:effectLst>
-                  <a:outerShdw blurRad="38100" dist="38100" dir="2700000" algn="tl">
-                    <a:srgbClr val="000000">
-                      <a:alpha val="43137"/>
-                    </a:srgbClr>
-                  </a:outerShdw>
-                </a:effectLst>
-                <a:latin typeface="Sylfaen" panose="010A0502050306030303" pitchFamily="18" charset="0"/>
-              </a:rPr>
-              <a:t>A technology that allows for the creation of dynamic web pages</a:t>
-            </a:r>
-          </a:p>
-          <a:p>
-            <a:pPr marL="0" indent="0" algn="ctr">
-              <a:buNone/>
-            </a:pPr>
-            <a:endParaRPr lang="en-US" sz="2900" dirty="0">
-              <a:effectLst>
-                <a:outerShdw blurRad="38100" dist="38100" dir="2700000" algn="tl">
-                  <a:srgbClr val="000000">
-                    <a:alpha val="43137"/>
-                  </a:srgbClr>
-                </a:outerShdw>
-              </a:effectLst>
-              <a:latin typeface="Sylfaen" panose="010A0502050306030303" pitchFamily="18" charset="0"/>
-            </a:endParaRPr>
-          </a:p>
-          <a:p>
-            <a:pPr marL="0" indent="0" algn="ctr">
-              <a:buNone/>
-            </a:pPr>
-            <a:endParaRPr lang="en-US" sz="2900" dirty="0">
-              <a:effectLst>
-                <a:outerShdw blurRad="38100" dist="38100" dir="2700000" algn="tl">
-                  <a:srgbClr val="000000">
-                    <a:alpha val="43137"/>
-                  </a:srgbClr>
-                </a:outerShdw>
-              </a:effectLst>
-              <a:latin typeface="Sylfaen" panose="010A0502050306030303" pitchFamily="18" charset="0"/>
-            </a:endParaRPr>
-          </a:p>
-          <a:p>
-            <a:pPr marL="0" indent="0">
-              <a:buNone/>
-            </a:pPr>
-            <a:endParaRPr lang="en-US" sz="2900" dirty="0">
-              <a:effectLst>
-                <a:outerShdw blurRad="38100" dist="38100" dir="2700000" algn="tl">
-                  <a:srgbClr val="000000">
-                    <a:alpha val="43137"/>
-                  </a:srgbClr>
-                </a:outerShdw>
-              </a:effectLst>
-              <a:latin typeface="Sylfaen" panose="010A0502050306030303" pitchFamily="18" charset="0"/>
-            </a:endParaRPr>
-          </a:p>
-          <a:p>
-            <a:pPr marL="0" indent="0">
-              <a:buNone/>
-            </a:pPr>
-            <a:endParaRPr lang="ru-RU" sz="2900" dirty="0">
-              <a:effectLst>
-                <a:outerShdw blurRad="38100" dist="38100" dir="2700000" algn="tl">
-                  <a:srgbClr val="000000">
-                    <a:alpha val="43137"/>
-                  </a:srgbClr>
-                </a:outerShdw>
-              </a:effectLst>
-              <a:latin typeface="Sylfaen" panose="010A0502050306030303" pitchFamily="18" charset="0"/>
-            </a:endParaRPr>
-          </a:p>
-        </p:txBody>
-      </p:sp>
-      <p:cxnSp>
-        <p:nvCxnSpPr>
-          <p:cNvPr id="4" name="Straight Connector 9">
-            <a:extLst>
-              <a:ext uri="{FF2B5EF4-FFF2-40B4-BE49-F238E27FC236}">
-                <a16:creationId xmlns:a16="http://schemas.microsoft.com/office/drawing/2014/main" id="{12D433A4-31FC-4CC4-B5D7-CDE93EE042D1}"/>
-              </a:ext>
-            </a:extLst>
-          </p:cNvPr>
-          <p:cNvCxnSpPr>
-            <a:cxnSpLocks/>
-          </p:cNvCxnSpPr>
-          <p:nvPr/>
-        </p:nvCxnSpPr>
-        <p:spPr>
-          <a:xfrm>
-            <a:off x="569235" y="1215216"/>
-            <a:ext cx="11053530" cy="0"/>
-          </a:xfrm>
-          <a:prstGeom prst="line">
-            <a:avLst/>
-          </a:prstGeom>
-        </p:spPr>
-        <p:style>
-          <a:lnRef idx="3">
-            <a:schemeClr val="accent1"/>
-          </a:lnRef>
-          <a:fillRef idx="0">
-            <a:schemeClr val="accent1"/>
-          </a:fillRef>
-          <a:effectRef idx="2">
-            <a:schemeClr val="accent1"/>
-          </a:effectRef>
-          <a:fontRef idx="minor">
-            <a:schemeClr val="tx1"/>
-          </a:fontRef>
-        </p:style>
-      </p:cxnSp>
-      <p:pic>
-        <p:nvPicPr>
-          <p:cNvPr id="6" name="Рисунок 5">
-            <a:extLst>
-              <a:ext uri="{FF2B5EF4-FFF2-40B4-BE49-F238E27FC236}">
-                <a16:creationId xmlns:a16="http://schemas.microsoft.com/office/drawing/2014/main" id="{7C2E6363-DEC7-4158-AA60-B098357C7252}"/>
-              </a:ext>
-            </a:extLst>
-          </p:cNvPr>
-          <p:cNvPicPr>
-            <a:picLocks noChangeAspect="1"/>
-          </p:cNvPicPr>
-          <p:nvPr/>
-        </p:nvPicPr>
-        <p:blipFill>
-          <a:blip r:embed="rId2">
-            <a:extLst>
-              <a:ext uri="{28A0092B-C50C-407E-A947-70E740481C1C}">
-                <a14:useLocalDpi xmlns:a14="http://schemas.microsoft.com/office/drawing/2010/main" val="0"/>
-              </a:ext>
-            </a:extLst>
-          </a:blip>
-          <a:stretch>
-            <a:fillRect/>
-          </a:stretch>
-        </p:blipFill>
-        <p:spPr>
-          <a:xfrm>
-            <a:off x="2854069" y="2215364"/>
-            <a:ext cx="6483861" cy="4096536"/>
-          </a:xfrm>
-          <a:prstGeom prst="rect">
-            <a:avLst/>
-          </a:prstGeom>
-        </p:spPr>
-      </p:pic>
-    </p:spTree>
-    <p:extLst>
-      <p:ext uri="{BB962C8B-B14F-4D97-AF65-F5344CB8AC3E}">
-        <p14:creationId xmlns:p14="http://schemas.microsoft.com/office/powerpoint/2010/main" val="2442087418"/>
-      </p:ext>
-    </p:extLst>
-  </p:cSld>
-  <p:clrMapOvr>
-    <a:masterClrMapping/>
-  </p:clrMapOvr>
-</p:sld>
-</file>
-
-<file path=ppt/slides/slide21.xml><?xml version="1.0" encoding="utf-8"?>
 <p:sld xmlns:a="http://schemas.openxmlformats.org/drawingml/2006/main" xmlns:r="http://schemas.openxmlformats.org/officeDocument/2006/relationships" xmlns:p="http://schemas.openxmlformats.org/presentationml/2006/main">
   <p:cSld>
     <p:spTree>
@@ -9217,7 +9076,7 @@
 </p:sld>
 </file>
 
-<file path=ppt/slides/slide22.xml><?xml version="1.0" encoding="utf-8"?>
+<file path=ppt/slides/slide21.xml><?xml version="1.0" encoding="utf-8"?>
 <p:sld xmlns:a="http://schemas.openxmlformats.org/drawingml/2006/main" xmlns:r="http://schemas.openxmlformats.org/officeDocument/2006/relationships" xmlns:p="http://schemas.openxmlformats.org/presentationml/2006/main">
   <p:cSld>
     <p:spTree>
@@ -10202,7 +10061,7 @@
 </p:sld>
 </file>
 
-<file path=ppt/slides/slide23.xml><?xml version="1.0" encoding="utf-8"?>
+<file path=ppt/slides/slide22.xml><?xml version="1.0" encoding="utf-8"?>
 <p:sld xmlns:a="http://schemas.openxmlformats.org/drawingml/2006/main" xmlns:r="http://schemas.openxmlformats.org/officeDocument/2006/relationships" xmlns:p="http://schemas.openxmlformats.org/presentationml/2006/main">
   <p:cSld>
     <p:spTree>
@@ -11294,7 +11153,7 @@
 </p:sld>
 </file>
 
-<file path=ppt/slides/slide24.xml><?xml version="1.0" encoding="utf-8"?>
+<file path=ppt/slides/slide23.xml><?xml version="1.0" encoding="utf-8"?>
 <p:sld xmlns:a="http://schemas.openxmlformats.org/drawingml/2006/main" xmlns:r="http://schemas.openxmlformats.org/officeDocument/2006/relationships" xmlns:p="http://schemas.openxmlformats.org/presentationml/2006/main">
   <p:cSld>
     <p:spTree>
@@ -11434,7 +11293,7 @@
 </p:sld>
 </file>
 
-<file path=ppt/slides/slide25.xml><?xml version="1.0" encoding="utf-8"?>
+<file path=ppt/slides/slide24.xml><?xml version="1.0" encoding="utf-8"?>
 <p:sld xmlns:a="http://schemas.openxmlformats.org/drawingml/2006/main" xmlns:r="http://schemas.openxmlformats.org/officeDocument/2006/relationships" xmlns:p="http://schemas.openxmlformats.org/presentationml/2006/main">
   <p:cSld>
     <p:spTree>
@@ -12258,7 +12117,7 @@
 </p:sld>
 </file>
 
-<file path=ppt/slides/slide26.xml><?xml version="1.0" encoding="utf-8"?>
+<file path=ppt/slides/slide25.xml><?xml version="1.0" encoding="utf-8"?>
 <p:sld xmlns:a="http://schemas.openxmlformats.org/drawingml/2006/main" xmlns:r="http://schemas.openxmlformats.org/officeDocument/2006/relationships" xmlns:p="http://schemas.openxmlformats.org/presentationml/2006/main">
   <p:cSld>
     <p:spTree>
@@ -13158,7 +13017,7 @@
 </p:sld>
 </file>
 
-<file path=ppt/slides/slide27.xml><?xml version="1.0" encoding="utf-8"?>
+<file path=ppt/slides/slide26.xml><?xml version="1.0" encoding="utf-8"?>
 <p:sld xmlns:a="http://schemas.openxmlformats.org/drawingml/2006/main" xmlns:r="http://schemas.openxmlformats.org/officeDocument/2006/relationships" xmlns:p="http://schemas.openxmlformats.org/presentationml/2006/main">
   <p:cSld>
     <p:spTree>
@@ -15776,7 +15635,7 @@
 </p:sld>
 </file>
 
-<file path=ppt/slides/slide28.xml><?xml version="1.0" encoding="utf-8"?>
+<file path=ppt/slides/slide27.xml><?xml version="1.0" encoding="utf-8"?>
 <p:sld xmlns:a="http://schemas.openxmlformats.org/drawingml/2006/main" xmlns:r="http://schemas.openxmlformats.org/officeDocument/2006/relationships" xmlns:p="http://schemas.openxmlformats.org/presentationml/2006/main">
   <p:cSld>
     <p:spTree>
@@ -18939,7 +18798,7 @@
 </p:sld>
 </file>
 
-<file path=ppt/slides/slide29.xml><?xml version="1.0" encoding="utf-8"?>
+<file path=ppt/slides/slide28.xml><?xml version="1.0" encoding="utf-8"?>
 <p:sld xmlns:a="http://schemas.openxmlformats.org/drawingml/2006/main" xmlns:r="http://schemas.openxmlformats.org/officeDocument/2006/relationships" xmlns:p="http://schemas.openxmlformats.org/presentationml/2006/main">
   <p:cSld>
     <p:bg>
@@ -19041,8 +18900,8 @@
         </p:nvSpPr>
         <p:spPr>
           <a:xfrm>
-            <a:off x="300270" y="1108412"/>
-            <a:ext cx="11891730" cy="5327888"/>
+            <a:off x="838200" y="1044672"/>
+            <a:ext cx="10367730" cy="5536741"/>
           </a:xfrm>
         </p:spPr>
         <p:txBody>
@@ -19053,7 +18912,7 @@
           <a:p>
             <a:pPr marL="0" indent="0">
               <a:lnSpc>
-                <a:spcPct val="150000"/>
+                <a:spcPct val="200000"/>
               </a:lnSpc>
               <a:buNone/>
             </a:pPr>
@@ -19096,7 +18955,7 @@
               </a:rPr>
               <a:t> id=“person” class=“Person” scope=“request” /&gt;</a:t>
             </a:r>
-            <a:endParaRPr lang="hy-AM" sz="2800" dirty="0">
+            <a:endParaRPr lang="ru-RU" sz="2800" dirty="0">
               <a:effectLst>
                 <a:outerShdw blurRad="38100" dist="38100" dir="2700000" algn="tl">
                   <a:srgbClr val="000000">
@@ -19110,7 +18969,7 @@
           <a:p>
             <a:pPr marL="0" indent="0">
               <a:lnSpc>
-                <a:spcPct val="150000"/>
+                <a:spcPct val="200000"/>
               </a:lnSpc>
               <a:buNone/>
             </a:pPr>
@@ -19151,13 +19010,65 @@
                 </a:effectLst>
                 <a:latin typeface="Sylfaen" panose="010A0502050306030303" pitchFamily="18" charset="0"/>
               </a:rPr>
-              <a:t> id=“person” class=“Person” type=“Human” scope=“request” /&gt;</a:t>
+              <a:t>&gt; body </a:t>
+            </a:r>
+            <a:r>
+              <a:rPr lang="hy-AM" sz="2800" dirty="0">
+                <a:effectLst>
+                  <a:outerShdw blurRad="38100" dist="38100" dir="2700000" algn="tl">
+                    <a:srgbClr val="000000">
+                      <a:alpha val="43137"/>
+                    </a:srgbClr>
+                  </a:outerShdw>
+                </a:effectLst>
+                <a:latin typeface="Sylfaen" panose="010A0502050306030303" pitchFamily="18" charset="0"/>
+              </a:rPr>
+              <a:t>&lt;</a:t>
+            </a:r>
+            <a:r>
+              <a:rPr lang="en-US" sz="2800" dirty="0">
+                <a:effectLst>
+                  <a:outerShdw blurRad="38100" dist="38100" dir="2700000" algn="tl">
+                    <a:srgbClr val="000000">
+                      <a:alpha val="43137"/>
+                    </a:srgbClr>
+                  </a:outerShdw>
+                </a:effectLst>
+                <a:latin typeface="Sylfaen" panose="010A0502050306030303" pitchFamily="18" charset="0"/>
+              </a:rPr>
+              <a:t>/ </a:t>
+            </a:r>
+            <a:r>
+              <a:rPr lang="en-US" sz="2800" dirty="0" err="1">
+                <a:effectLst>
+                  <a:outerShdw blurRad="38100" dist="38100" dir="2700000" algn="tl">
+                    <a:srgbClr val="000000">
+                      <a:alpha val="43137"/>
+                    </a:srgbClr>
+                  </a:outerShdw>
+                </a:effectLst>
+                <a:latin typeface="Sylfaen" panose="010A0502050306030303" pitchFamily="18" charset="0"/>
+              </a:rPr>
+              <a:t>jsp:useBean</a:t>
+            </a:r>
+            <a:r>
+              <a:rPr lang="en-US" sz="2800" dirty="0">
+                <a:effectLst>
+                  <a:outerShdw blurRad="38100" dist="38100" dir="2700000" algn="tl">
+                    <a:srgbClr val="000000">
+                      <a:alpha val="43137"/>
+                    </a:srgbClr>
+                  </a:outerShdw>
+                </a:effectLst>
+                <a:latin typeface="Sylfaen" panose="010A0502050306030303" pitchFamily="18" charset="0"/>
+              </a:rPr>
+              <a:t>&gt; </a:t>
             </a:r>
           </a:p>
           <a:p>
             <a:pPr marL="0" indent="0">
               <a:lnSpc>
-                <a:spcPct val="150000"/>
+                <a:spcPct val="200000"/>
               </a:lnSpc>
               <a:buNone/>
             </a:pPr>
@@ -19172,6 +19083,58 @@
                 </a:effectLst>
                 <a:latin typeface="Sylfaen" panose="010A0502050306030303" pitchFamily="18" charset="0"/>
               </a:rPr>
+              <a:t>&lt;jsp:setProperty name="person" property="name" value=</a:t>
+            </a:r>
+            <a:r>
+              <a:rPr lang="en-US" sz="2800" dirty="0">
+                <a:effectLst>
+                  <a:outerShdw blurRad="38100" dist="38100" dir="2700000" algn="tl">
+                    <a:srgbClr val="000000">
+                      <a:alpha val="43137"/>
+                    </a:srgbClr>
+                  </a:outerShdw>
+                </a:effectLst>
+                <a:latin typeface="Sylfaen" panose="010A0502050306030303" pitchFamily="18" charset="0"/>
+              </a:rPr>
+              <a:t>“John</a:t>
+            </a:r>
+            <a:r>
+              <a:rPr lang="hy-AM" sz="2800" dirty="0">
+                <a:effectLst>
+                  <a:outerShdw blurRad="38100" dist="38100" dir="2700000" algn="tl">
+                    <a:srgbClr val="000000">
+                      <a:alpha val="43137"/>
+                    </a:srgbClr>
+                  </a:outerShdw>
+                </a:effectLst>
+                <a:latin typeface="Sylfaen" panose="010A0502050306030303" pitchFamily="18" charset="0"/>
+              </a:rPr>
+              <a:t>"/&gt;</a:t>
+            </a:r>
+            <a:r>
+              <a:rPr lang="ru-RU" sz="2800" dirty="0">
+                <a:effectLst>
+                  <a:outerShdw blurRad="38100" dist="38100" dir="2700000" algn="tl">
+                    <a:srgbClr val="000000">
+                      <a:alpha val="43137"/>
+                    </a:srgbClr>
+                  </a:outerShdw>
+                </a:effectLst>
+                <a:latin typeface="Sylfaen" panose="010A0502050306030303" pitchFamily="18" charset="0"/>
+              </a:rPr>
+              <a:t> </a:t>
+            </a:r>
+            <a:r>
+              <a:rPr lang="hy-AM" sz="2800" dirty="0">
+                <a:effectLst>
+                  <a:outerShdw blurRad="38100" dist="38100" dir="2700000" algn="tl">
+                    <a:srgbClr val="000000">
+                      <a:alpha val="43137"/>
+                    </a:srgbClr>
+                  </a:outerShdw>
+                </a:effectLst>
+                <a:latin typeface="Sylfaen" panose="010A0502050306030303" pitchFamily="18" charset="0"/>
+              </a:rPr>
               <a:t>&lt;</a:t>
             </a:r>
             <a:r>
@@ -19185,7 +19148,7 @@
                 </a:effectLst>
                 <a:latin typeface="Sylfaen" panose="010A0502050306030303" pitchFamily="18" charset="0"/>
               </a:rPr>
-              <a:t>jsp:useBean</a:t>
+              <a:t>jsp:getProperty</a:t>
             </a:r>
             <a:r>
               <a:rPr lang="en-US" sz="2800" dirty="0">
@@ -19198,20 +19161,20 @@
                 </a:effectLst>
                 <a:latin typeface="Sylfaen" panose="010A0502050306030303" pitchFamily="18" charset="0"/>
               </a:rPr>
-              <a:t>&gt; body </a:t>
-            </a:r>
-            <a:r>
-              <a:rPr lang="hy-AM" sz="2800" dirty="0">
-                <a:effectLst>
-                  <a:outerShdw blurRad="38100" dist="38100" dir="2700000" algn="tl">
-                    <a:srgbClr val="000000">
-                      <a:alpha val="43137"/>
-                    </a:srgbClr>
-                  </a:outerShdw>
-                </a:effectLst>
-                <a:latin typeface="Sylfaen" panose="010A0502050306030303" pitchFamily="18" charset="0"/>
-              </a:rPr>
-              <a:t>&lt;</a:t>
+              <a:t> name=“person” property=“</a:t>
+            </a:r>
+            <a:r>
+              <a:rPr lang="en-US" sz="2800" dirty="0" err="1">
+                <a:effectLst>
+                  <a:outerShdw blurRad="38100" dist="38100" dir="2700000" algn="tl">
+                    <a:srgbClr val="000000">
+                      <a:alpha val="43137"/>
+                    </a:srgbClr>
+                  </a:outerShdw>
+                </a:effectLst>
+                <a:latin typeface="Sylfaen" panose="010A0502050306030303" pitchFamily="18" charset="0"/>
+              </a:rPr>
+              <a:t>firstName</a:t>
             </a:r>
             <a:r>
               <a:rPr lang="en-US" sz="2800" dirty="0">
@@ -19224,242 +19187,13 @@
                 </a:effectLst>
                 <a:latin typeface="Sylfaen" panose="010A0502050306030303" pitchFamily="18" charset="0"/>
               </a:rPr>
-              <a:t>/ </a:t>
-            </a:r>
-            <a:r>
-              <a:rPr lang="en-US" sz="2800" dirty="0" err="1">
-                <a:effectLst>
-                  <a:outerShdw blurRad="38100" dist="38100" dir="2700000" algn="tl">
-                    <a:srgbClr val="000000">
-                      <a:alpha val="43137"/>
-                    </a:srgbClr>
-                  </a:outerShdw>
-                </a:effectLst>
-                <a:latin typeface="Sylfaen" panose="010A0502050306030303" pitchFamily="18" charset="0"/>
-              </a:rPr>
-              <a:t>jsp:useBean</a:t>
-            </a:r>
-            <a:r>
-              <a:rPr lang="en-US" sz="2800" dirty="0">
-                <a:effectLst>
-                  <a:outerShdw blurRad="38100" dist="38100" dir="2700000" algn="tl">
-                    <a:srgbClr val="000000">
-                      <a:alpha val="43137"/>
-                    </a:srgbClr>
-                  </a:outerShdw>
-                </a:effectLst>
-                <a:latin typeface="Sylfaen" panose="010A0502050306030303" pitchFamily="18" charset="0"/>
-              </a:rPr>
-              <a:t>&gt; </a:t>
+              <a:t>” /&gt;</a:t>
             </a:r>
           </a:p>
           <a:p>
             <a:pPr marL="0" indent="0">
               <a:lnSpc>
-                <a:spcPct val="150000"/>
-              </a:lnSpc>
-              <a:buNone/>
-            </a:pPr>
-            <a:r>
-              <a:rPr lang="hy-AM" sz="2800" dirty="0">
-                <a:effectLst>
-                  <a:outerShdw blurRad="38100" dist="38100" dir="2700000" algn="tl">
-                    <a:srgbClr val="000000">
-                      <a:alpha val="43137"/>
-                    </a:srgbClr>
-                  </a:outerShdw>
-                </a:effectLst>
-                <a:latin typeface="Sylfaen" panose="010A0502050306030303" pitchFamily="18" charset="0"/>
-              </a:rPr>
-              <a:t>&lt;jsp:setProperty name="person" property="name" value=</a:t>
-            </a:r>
-            <a:r>
-              <a:rPr lang="en-US" sz="2800" dirty="0">
-                <a:effectLst>
-                  <a:outerShdw blurRad="38100" dist="38100" dir="2700000" algn="tl">
-                    <a:srgbClr val="000000">
-                      <a:alpha val="43137"/>
-                    </a:srgbClr>
-                  </a:outerShdw>
-                </a:effectLst>
-                <a:latin typeface="Sylfaen" panose="010A0502050306030303" pitchFamily="18" charset="0"/>
-              </a:rPr>
-              <a:t>“John</a:t>
-            </a:r>
-            <a:r>
-              <a:rPr lang="hy-AM" sz="2800" dirty="0">
-                <a:effectLst>
-                  <a:outerShdw blurRad="38100" dist="38100" dir="2700000" algn="tl">
-                    <a:srgbClr val="000000">
-                      <a:alpha val="43137"/>
-                    </a:srgbClr>
-                  </a:outerShdw>
-                </a:effectLst>
-                <a:latin typeface="Sylfaen" panose="010A0502050306030303" pitchFamily="18" charset="0"/>
-              </a:rPr>
-              <a:t>" /&gt;</a:t>
-            </a:r>
-          </a:p>
-          <a:p>
-            <a:pPr marL="0" indent="0">
-              <a:lnSpc>
-                <a:spcPct val="150000"/>
-              </a:lnSpc>
-              <a:buNone/>
-            </a:pPr>
-            <a:r>
-              <a:rPr lang="hy-AM" dirty="0">
-                <a:effectLst>
-                  <a:outerShdw blurRad="38100" dist="38100" dir="2700000" algn="tl">
-                    <a:srgbClr val="000000">
-                      <a:alpha val="43137"/>
-                    </a:srgbClr>
-                  </a:outerShdw>
-                </a:effectLst>
-                <a:latin typeface="Sylfaen" panose="010A0502050306030303" pitchFamily="18" charset="0"/>
-              </a:rPr>
-              <a:t>&lt;jsp:setProperty name="person" </a:t>
-            </a:r>
-            <a:r>
-              <a:rPr lang="en-US" dirty="0">
-                <a:effectLst>
-                  <a:outerShdw blurRad="38100" dist="38100" dir="2700000" algn="tl">
-                    <a:srgbClr val="000000">
-                      <a:alpha val="43137"/>
-                    </a:srgbClr>
-                  </a:outerShdw>
-                </a:effectLst>
-                <a:latin typeface="Sylfaen" panose="010A0502050306030303" pitchFamily="18" charset="0"/>
-              </a:rPr>
-              <a:t>param</a:t>
-            </a:r>
-            <a:r>
-              <a:rPr lang="hy-AM" dirty="0">
-                <a:effectLst>
-                  <a:outerShdw blurRad="38100" dist="38100" dir="2700000" algn="tl">
-                    <a:srgbClr val="000000">
-                      <a:alpha val="43137"/>
-                    </a:srgbClr>
-                  </a:outerShdw>
-                </a:effectLst>
-                <a:latin typeface="Sylfaen" panose="010A0502050306030303" pitchFamily="18" charset="0"/>
-              </a:rPr>
-              <a:t>=“</a:t>
-            </a:r>
-            <a:r>
-              <a:rPr lang="en-US" dirty="0">
-                <a:effectLst>
-                  <a:outerShdw blurRad="38100" dist="38100" dir="2700000" algn="tl">
-                    <a:srgbClr val="000000">
-                      <a:alpha val="43137"/>
-                    </a:srgbClr>
-                  </a:outerShdw>
-                </a:effectLst>
-                <a:latin typeface="Sylfaen" panose="010A0502050306030303" pitchFamily="18" charset="0"/>
-              </a:rPr>
-              <a:t>*</a:t>
-            </a:r>
-            <a:r>
-              <a:rPr lang="hy-AM" dirty="0">
-                <a:effectLst>
-                  <a:outerShdw blurRad="38100" dist="38100" dir="2700000" algn="tl">
-                    <a:srgbClr val="000000">
-                      <a:alpha val="43137"/>
-                    </a:srgbClr>
-                  </a:outerShdw>
-                </a:effectLst>
-                <a:latin typeface="Sylfaen" panose="010A0502050306030303" pitchFamily="18" charset="0"/>
-              </a:rPr>
-              <a:t>" /&gt;</a:t>
-            </a:r>
-            <a:endParaRPr lang="en-US" sz="2800" dirty="0">
-              <a:effectLst>
-                <a:outerShdw blurRad="38100" dist="38100" dir="2700000" algn="tl">
-                  <a:srgbClr val="000000">
-                    <a:alpha val="43137"/>
-                  </a:srgbClr>
-                </a:outerShdw>
-              </a:effectLst>
-              <a:latin typeface="Sylfaen" panose="010A0502050306030303" pitchFamily="18" charset="0"/>
-            </a:endParaRPr>
-          </a:p>
-          <a:p>
-            <a:pPr marL="0" indent="0">
-              <a:lnSpc>
-                <a:spcPct val="150000"/>
-              </a:lnSpc>
-              <a:buNone/>
-            </a:pPr>
-            <a:r>
-              <a:rPr lang="hy-AM" sz="2800" dirty="0">
-                <a:effectLst>
-                  <a:outerShdw blurRad="38100" dist="38100" dir="2700000" algn="tl">
-                    <a:srgbClr val="000000">
-                      <a:alpha val="43137"/>
-                    </a:srgbClr>
-                  </a:outerShdw>
-                </a:effectLst>
-                <a:latin typeface="Sylfaen" panose="010A0502050306030303" pitchFamily="18" charset="0"/>
-              </a:rPr>
-              <a:t>&lt;</a:t>
-            </a:r>
-            <a:r>
-              <a:rPr lang="en-US" sz="2800" dirty="0" err="1">
-                <a:effectLst>
-                  <a:outerShdw blurRad="38100" dist="38100" dir="2700000" algn="tl">
-                    <a:srgbClr val="000000">
-                      <a:alpha val="43137"/>
-                    </a:srgbClr>
-                  </a:outerShdw>
-                </a:effectLst>
-                <a:latin typeface="Sylfaen" panose="010A0502050306030303" pitchFamily="18" charset="0"/>
-              </a:rPr>
-              <a:t>jsp:getProperty</a:t>
-            </a:r>
-            <a:r>
-              <a:rPr lang="en-US" sz="2800" dirty="0">
-                <a:effectLst>
-                  <a:outerShdw blurRad="38100" dist="38100" dir="2700000" algn="tl">
-                    <a:srgbClr val="000000">
-                      <a:alpha val="43137"/>
-                    </a:srgbClr>
-                  </a:outerShdw>
-                </a:effectLst>
-                <a:latin typeface="Sylfaen" panose="010A0502050306030303" pitchFamily="18" charset="0"/>
-              </a:rPr>
-              <a:t> name=“person” property=“</a:t>
-            </a:r>
-            <a:r>
-              <a:rPr lang="en-US" sz="2800" dirty="0" err="1">
-                <a:effectLst>
-                  <a:outerShdw blurRad="38100" dist="38100" dir="2700000" algn="tl">
-                    <a:srgbClr val="000000">
-                      <a:alpha val="43137"/>
-                    </a:srgbClr>
-                  </a:outerShdw>
-                </a:effectLst>
-                <a:latin typeface="Sylfaen" panose="010A0502050306030303" pitchFamily="18" charset="0"/>
-              </a:rPr>
-              <a:t>firstName</a:t>
-            </a:r>
-            <a:r>
-              <a:rPr lang="en-US" sz="2800" dirty="0">
-                <a:effectLst>
-                  <a:outerShdw blurRad="38100" dist="38100" dir="2700000" algn="tl">
-                    <a:srgbClr val="000000">
-                      <a:alpha val="43137"/>
-                    </a:srgbClr>
-                  </a:outerShdw>
-                </a:effectLst>
-                <a:latin typeface="Sylfaen" panose="010A0502050306030303" pitchFamily="18" charset="0"/>
-              </a:rPr>
-              <a:t>” /&gt;</a:t>
-            </a:r>
-          </a:p>
-          <a:p>
-            <a:pPr marL="0" indent="0">
-              <a:lnSpc>
-                <a:spcPct val="150000"/>
+                <a:spcPct val="200000"/>
               </a:lnSpc>
               <a:buNone/>
             </a:pPr>

--- a/Servlet/Servlet_Presentation.pptx
+++ b/Servlet/Servlet_Presentation.pptx
@@ -224,7 +224,7 @@
           <a:p>
             <a:fld id="{F988C94B-7918-458B-9AF1-0DBDD7FC850F}" type="datetimeFigureOut">
               <a:rPr lang="en-US" smtClean="0"/>
-              <a:t>8/28/2022</a:t>
+              <a:t>2022-08-29</a:t>
             </a:fld>
             <a:endParaRPr lang="en-US"/>
           </a:p>
@@ -706,7 +706,7 @@
           <a:p>
             <a:fld id="{0A968979-5CB5-4E5D-B82F-DAC09775BD7D}" type="datetimeFigureOut">
               <a:rPr lang="en-US" smtClean="0"/>
-              <a:t>8/28/2022</a:t>
+              <a:t>2022-08-29</a:t>
             </a:fld>
             <a:endParaRPr lang="en-US"/>
           </a:p>
@@ -876,7 +876,7 @@
           <a:p>
             <a:fld id="{0A968979-5CB5-4E5D-B82F-DAC09775BD7D}" type="datetimeFigureOut">
               <a:rPr lang="en-US" smtClean="0"/>
-              <a:t>8/28/2022</a:t>
+              <a:t>2022-08-29</a:t>
             </a:fld>
             <a:endParaRPr lang="en-US"/>
           </a:p>
@@ -1056,7 +1056,7 @@
           <a:p>
             <a:fld id="{0A968979-5CB5-4E5D-B82F-DAC09775BD7D}" type="datetimeFigureOut">
               <a:rPr lang="en-US" smtClean="0"/>
-              <a:t>8/28/2022</a:t>
+              <a:t>2022-08-29</a:t>
             </a:fld>
             <a:endParaRPr lang="en-US"/>
           </a:p>
@@ -1226,7 +1226,7 @@
           <a:p>
             <a:fld id="{0A968979-5CB5-4E5D-B82F-DAC09775BD7D}" type="datetimeFigureOut">
               <a:rPr lang="en-US" smtClean="0"/>
-              <a:t>8/28/2022</a:t>
+              <a:t>2022-08-29</a:t>
             </a:fld>
             <a:endParaRPr lang="en-US"/>
           </a:p>
@@ -1472,7 +1472,7 @@
           <a:p>
             <a:fld id="{0A968979-5CB5-4E5D-B82F-DAC09775BD7D}" type="datetimeFigureOut">
               <a:rPr lang="en-US" smtClean="0"/>
-              <a:t>8/28/2022</a:t>
+              <a:t>2022-08-29</a:t>
             </a:fld>
             <a:endParaRPr lang="en-US"/>
           </a:p>
@@ -1704,7 +1704,7 @@
           <a:p>
             <a:fld id="{0A968979-5CB5-4E5D-B82F-DAC09775BD7D}" type="datetimeFigureOut">
               <a:rPr lang="en-US" smtClean="0"/>
-              <a:t>8/28/2022</a:t>
+              <a:t>2022-08-29</a:t>
             </a:fld>
             <a:endParaRPr lang="en-US"/>
           </a:p>
@@ -2071,7 +2071,7 @@
           <a:p>
             <a:fld id="{0A968979-5CB5-4E5D-B82F-DAC09775BD7D}" type="datetimeFigureOut">
               <a:rPr lang="en-US" smtClean="0"/>
-              <a:t>8/28/2022</a:t>
+              <a:t>2022-08-29</a:t>
             </a:fld>
             <a:endParaRPr lang="en-US"/>
           </a:p>
@@ -2189,7 +2189,7 @@
           <a:p>
             <a:fld id="{0A968979-5CB5-4E5D-B82F-DAC09775BD7D}" type="datetimeFigureOut">
               <a:rPr lang="en-US" smtClean="0"/>
-              <a:t>8/28/2022</a:t>
+              <a:t>2022-08-29</a:t>
             </a:fld>
             <a:endParaRPr lang="en-US"/>
           </a:p>
@@ -2284,7 +2284,7 @@
           <a:p>
             <a:fld id="{0A968979-5CB5-4E5D-B82F-DAC09775BD7D}" type="datetimeFigureOut">
               <a:rPr lang="en-US" smtClean="0"/>
-              <a:t>8/28/2022</a:t>
+              <a:t>2022-08-29</a:t>
             </a:fld>
             <a:endParaRPr lang="en-US"/>
           </a:p>
@@ -2561,7 +2561,7 @@
           <a:p>
             <a:fld id="{0A968979-5CB5-4E5D-B82F-DAC09775BD7D}" type="datetimeFigureOut">
               <a:rPr lang="en-US" smtClean="0"/>
-              <a:t>8/28/2022</a:t>
+              <a:t>2022-08-29</a:t>
             </a:fld>
             <a:endParaRPr lang="en-US"/>
           </a:p>
@@ -2818,7 +2818,7 @@
           <a:p>
             <a:fld id="{0A968979-5CB5-4E5D-B82F-DAC09775BD7D}" type="datetimeFigureOut">
               <a:rPr lang="en-US" smtClean="0"/>
-              <a:t>8/28/2022</a:t>
+              <a:t>2022-08-29</a:t>
             </a:fld>
             <a:endParaRPr lang="en-US"/>
           </a:p>
@@ -3031,7 +3031,7 @@
           <a:p>
             <a:fld id="{0A968979-5CB5-4E5D-B82F-DAC09775BD7D}" type="datetimeFigureOut">
               <a:rPr lang="en-US" smtClean="0"/>
-              <a:t>8/28/2022</a:t>
+              <a:t>2022-08-29</a:t>
             </a:fld>
             <a:endParaRPr lang="en-US"/>
           </a:p>
@@ -8388,7 +8388,7 @@
         </p:nvSpPr>
         <p:spPr>
           <a:xfrm>
-            <a:off x="838200" y="1614311"/>
+            <a:off x="838200" y="1444494"/>
             <a:ext cx="10515600" cy="4562652"/>
           </a:xfrm>
         </p:spPr>
@@ -8400,7 +8400,7 @@
               <a:buNone/>
             </a:pPr>
             <a:r>
-              <a:rPr lang="en-US" sz="2900" dirty="0">
+              <a:rPr lang="en-US" dirty="0">
                 <a:effectLst>
                   <a:outerShdw blurRad="38100" dist="38100" dir="2700000" algn="tl">
                     <a:srgbClr val="000000">
@@ -8417,7 +8417,20 @@
             <a:pPr marL="0" indent="0" algn="ctr">
               <a:buNone/>
             </a:pPr>
-            <a:endParaRPr lang="en-US" sz="2900" dirty="0">
+            <a:r>
+              <a:rPr lang="en-US">
+                <a:effectLst>
+                  <a:outerShdw blurRad="38100" dist="38100" dir="2700000" algn="tl">
+                    <a:srgbClr val="000000">
+                      <a:alpha val="43137"/>
+                    </a:srgbClr>
+                  </a:outerShdw>
+                </a:effectLst>
+                <a:latin typeface="Sylfaen" panose="010A0502050306030303" pitchFamily="18" charset="0"/>
+              </a:rPr>
+              <a:t>Html and java integration</a:t>
+            </a:r>
+            <a:endParaRPr lang="en-US" dirty="0">
               <a:effectLst>
                 <a:outerShdw blurRad="38100" dist="38100" dir="2700000" algn="tl">
                   <a:srgbClr val="000000">
@@ -8541,7 +8554,7 @@
         </p:blipFill>
         <p:spPr>
           <a:xfrm>
-            <a:off x="2854069" y="2237942"/>
+            <a:off x="2854069" y="2540779"/>
             <a:ext cx="6483861" cy="4096536"/>
           </a:xfrm>
           <a:prstGeom prst="rect">
@@ -21193,7 +21206,7 @@
         <p:spPr>
           <a:xfrm>
             <a:off x="1257931" y="1996675"/>
-            <a:ext cx="3577111" cy="3848061"/>
+            <a:ext cx="6801852" cy="3848061"/>
           </a:xfrm>
         </p:spPr>
         <p:txBody>
@@ -21214,8 +21227,57 @@
                 </a:effectLst>
                 <a:latin typeface="Sylfaen" panose="010A0502050306030303" pitchFamily="18" charset="0"/>
               </a:rPr>
-              <a:t>web.xml</a:t>
-            </a:r>
+              <a:t>web</a:t>
+            </a:r>
+            <a:r>
+              <a:rPr lang="en-US" sz="3600">
+                <a:effectLst>
+                  <a:outerShdw blurRad="38100" dist="38100" dir="2700000" algn="tl">
+                    <a:srgbClr val="000000">
+                      <a:alpha val="43137"/>
+                    </a:srgbClr>
+                  </a:outerShdw>
+                </a:effectLst>
+                <a:latin typeface="Sylfaen" panose="010A0502050306030303" pitchFamily="18" charset="0"/>
+              </a:rPr>
+              <a:t>.xml</a:t>
+            </a:r>
+            <a:r>
+              <a:rPr lang="hy-AM" sz="3600">
+                <a:effectLst>
+                  <a:outerShdw blurRad="38100" dist="38100" dir="2700000" algn="tl">
+                    <a:srgbClr val="000000">
+                      <a:alpha val="43137"/>
+                    </a:srgbClr>
+                  </a:outerShdw>
+                </a:effectLst>
+                <a:latin typeface="Sylfaen" panose="010A0502050306030303" pitchFamily="18" charset="0"/>
+              </a:rPr>
+              <a:t> </a:t>
+            </a:r>
+            <a:r>
+              <a:rPr lang="en-US" sz="3600">
+                <a:effectLst>
+                  <a:outerShdw blurRad="38100" dist="38100" dir="2700000" algn="tl">
+                    <a:srgbClr val="000000">
+                      <a:alpha val="43137"/>
+                    </a:srgbClr>
+                  </a:outerShdw>
+                </a:effectLst>
+                <a:latin typeface="Sylfaen" panose="010A0502050306030303" pitchFamily="18" charset="0"/>
+              </a:rPr>
+              <a:t>(deployment descriptor)</a:t>
+            </a:r>
+            <a:endParaRPr lang="en-US" sz="3600" dirty="0">
+              <a:effectLst>
+                <a:outerShdw blurRad="38100" dist="38100" dir="2700000" algn="tl">
+                  <a:srgbClr val="000000">
+                    <a:alpha val="43137"/>
+                  </a:srgbClr>
+                </a:outerShdw>
+              </a:effectLst>
+              <a:latin typeface="Sylfaen" panose="010A0502050306030303" pitchFamily="18" charset="0"/>
+            </a:endParaRPr>
           </a:p>
           <a:p>
             <a:pPr marL="0" indent="0">

--- a/Servlet/Servlet_Presentation.pptx
+++ b/Servlet/Servlet_Presentation.pptx
@@ -224,7 +224,7 @@
           <a:p>
             <a:fld id="{F988C94B-7918-458B-9AF1-0DBDD7FC850F}" type="datetimeFigureOut">
               <a:rPr lang="en-US" smtClean="0"/>
-              <a:t>2022-08-29</a:t>
+              <a:t>8/30/2022</a:t>
             </a:fld>
             <a:endParaRPr lang="en-US"/>
           </a:p>
@@ -706,7 +706,7 @@
           <a:p>
             <a:fld id="{0A968979-5CB5-4E5D-B82F-DAC09775BD7D}" type="datetimeFigureOut">
               <a:rPr lang="en-US" smtClean="0"/>
-              <a:t>2022-08-29</a:t>
+              <a:t>8/30/2022</a:t>
             </a:fld>
             <a:endParaRPr lang="en-US"/>
           </a:p>
@@ -876,7 +876,7 @@
           <a:p>
             <a:fld id="{0A968979-5CB5-4E5D-B82F-DAC09775BD7D}" type="datetimeFigureOut">
               <a:rPr lang="en-US" smtClean="0"/>
-              <a:t>2022-08-29</a:t>
+              <a:t>8/30/2022</a:t>
             </a:fld>
             <a:endParaRPr lang="en-US"/>
           </a:p>
@@ -1056,7 +1056,7 @@
           <a:p>
             <a:fld id="{0A968979-5CB5-4E5D-B82F-DAC09775BD7D}" type="datetimeFigureOut">
               <a:rPr lang="en-US" smtClean="0"/>
-              <a:t>2022-08-29</a:t>
+              <a:t>8/30/2022</a:t>
             </a:fld>
             <a:endParaRPr lang="en-US"/>
           </a:p>
@@ -1226,7 +1226,7 @@
           <a:p>
             <a:fld id="{0A968979-5CB5-4E5D-B82F-DAC09775BD7D}" type="datetimeFigureOut">
               <a:rPr lang="en-US" smtClean="0"/>
-              <a:t>2022-08-29</a:t>
+              <a:t>8/30/2022</a:t>
             </a:fld>
             <a:endParaRPr lang="en-US"/>
           </a:p>
@@ -1472,7 +1472,7 @@
           <a:p>
             <a:fld id="{0A968979-5CB5-4E5D-B82F-DAC09775BD7D}" type="datetimeFigureOut">
               <a:rPr lang="en-US" smtClean="0"/>
-              <a:t>2022-08-29</a:t>
+              <a:t>8/30/2022</a:t>
             </a:fld>
             <a:endParaRPr lang="en-US"/>
           </a:p>
@@ -1704,7 +1704,7 @@
           <a:p>
             <a:fld id="{0A968979-5CB5-4E5D-B82F-DAC09775BD7D}" type="datetimeFigureOut">
               <a:rPr lang="en-US" smtClean="0"/>
-              <a:t>2022-08-29</a:t>
+              <a:t>8/30/2022</a:t>
             </a:fld>
             <a:endParaRPr lang="en-US"/>
           </a:p>
@@ -2071,7 +2071,7 @@
           <a:p>
             <a:fld id="{0A968979-5CB5-4E5D-B82F-DAC09775BD7D}" type="datetimeFigureOut">
               <a:rPr lang="en-US" smtClean="0"/>
-              <a:t>2022-08-29</a:t>
+              <a:t>8/30/2022</a:t>
             </a:fld>
             <a:endParaRPr lang="en-US"/>
           </a:p>
@@ -2189,7 +2189,7 @@
           <a:p>
             <a:fld id="{0A968979-5CB5-4E5D-B82F-DAC09775BD7D}" type="datetimeFigureOut">
               <a:rPr lang="en-US" smtClean="0"/>
-              <a:t>2022-08-29</a:t>
+              <a:t>8/30/2022</a:t>
             </a:fld>
             <a:endParaRPr lang="en-US"/>
           </a:p>
@@ -2284,7 +2284,7 @@
           <a:p>
             <a:fld id="{0A968979-5CB5-4E5D-B82F-DAC09775BD7D}" type="datetimeFigureOut">
               <a:rPr lang="en-US" smtClean="0"/>
-              <a:t>2022-08-29</a:t>
+              <a:t>8/30/2022</a:t>
             </a:fld>
             <a:endParaRPr lang="en-US"/>
           </a:p>
@@ -2561,7 +2561,7 @@
           <a:p>
             <a:fld id="{0A968979-5CB5-4E5D-B82F-DAC09775BD7D}" type="datetimeFigureOut">
               <a:rPr lang="en-US" smtClean="0"/>
-              <a:t>2022-08-29</a:t>
+              <a:t>8/30/2022</a:t>
             </a:fld>
             <a:endParaRPr lang="en-US"/>
           </a:p>
@@ -2818,7 +2818,7 @@
           <a:p>
             <a:fld id="{0A968979-5CB5-4E5D-B82F-DAC09775BD7D}" type="datetimeFigureOut">
               <a:rPr lang="en-US" smtClean="0"/>
-              <a:t>2022-08-29</a:t>
+              <a:t>8/30/2022</a:t>
             </a:fld>
             <a:endParaRPr lang="en-US"/>
           </a:p>
@@ -3031,7 +3031,7 @@
           <a:p>
             <a:fld id="{0A968979-5CB5-4E5D-B82F-DAC09775BD7D}" type="datetimeFigureOut">
               <a:rPr lang="en-US" smtClean="0"/>
-              <a:t>2022-08-29</a:t>
+              <a:t>8/30/2022</a:t>
             </a:fld>
             <a:endParaRPr lang="en-US"/>
           </a:p>
